--- a/Project/Specifications/block diagram.pptx
+++ b/Project/Specifications/block diagram.pptx
@@ -19,6 +19,8 @@
     <p:sldId id="264" r:id="rId14"/>
     <p:sldId id="265" r:id="rId15"/>
     <p:sldId id="266" r:id="rId16"/>
+    <p:sldId id="267" r:id="rId17"/>
+    <p:sldId id="268" r:id="rId18"/>
   </p:sldIdLst>
   <p:sldSz cy="5143500" cx="9144000"/>
   <p:notesSz cx="6858000" cy="9144000"/>
@@ -814,7 +816,7 @@
       </p:grpSpPr>
       <p:sp>
         <p:nvSpPr>
-          <p:cNvPr id="237" name="Google Shape;237;g1f483fa51f4_3_0:notes"/>
+          <p:cNvPr id="237" name="Google Shape;237;g1f483fa51f4_1_5:notes"/>
           <p:cNvSpPr/>
           <p:nvPr>
             <p:ph idx="2" type="sldImg"/>
@@ -849,7 +851,7 @@
       </p:sp>
       <p:sp>
         <p:nvSpPr>
-          <p:cNvPr id="238" name="Google Shape;238;g1f483fa51f4_3_0:notes"/>
+          <p:cNvPr id="238" name="Google Shape;238;g1f483fa51f4_1_5:notes"/>
           <p:cNvSpPr txBox="1"/>
           <p:nvPr>
             <p:ph idx="1" type="body"/>
@@ -899,7 +901,7 @@
   <p:cSld>
     <p:spTree>
       <p:nvGrpSpPr>
-        <p:cNvPr id="241" name="Shape 241"/>
+        <p:cNvPr id="242" name="Shape 242"/>
         <p:cNvGrpSpPr/>
         <p:nvPr/>
       </p:nvGrpSpPr>
@@ -913,7 +915,7 @@
       </p:grpSpPr>
       <p:sp>
         <p:nvSpPr>
-          <p:cNvPr id="242" name="Google Shape;242;g1f483fa51f4_1_10:notes"/>
+          <p:cNvPr id="243" name="Google Shape;243;g1f483fa51f4_3_0:notes"/>
           <p:cNvSpPr/>
           <p:nvPr>
             <p:ph idx="2" type="sldImg"/>
@@ -948,7 +950,205 @@
       </p:sp>
       <p:sp>
         <p:nvSpPr>
-          <p:cNvPr id="243" name="Google Shape;243;g1f483fa51f4_1_10:notes"/>
+          <p:cNvPr id="244" name="Google Shape;244;g1f483fa51f4_3_0:notes"/>
+          <p:cNvSpPr txBox="1"/>
+          <p:nvPr>
+            <p:ph idx="1" type="body"/>
+          </p:nvPr>
+        </p:nvSpPr>
+        <p:spPr>
+          <a:xfrm>
+            <a:off x="685800" y="4343400"/>
+            <a:ext cx="5486400" cy="4114800"/>
+          </a:xfrm>
+          <a:prstGeom prst="rect">
+            <a:avLst/>
+          </a:prstGeom>
+        </p:spPr>
+        <p:txBody>
+          <a:bodyPr anchorCtr="0" anchor="t" bIns="91425" lIns="91425" spcFirstLastPara="1" rIns="91425" wrap="square" tIns="91425">
+            <a:noAutofit/>
+          </a:bodyPr>
+          <a:lstStyle/>
+          <a:p>
+            <a:pPr indent="0" lvl="0" marL="0" rtl="0" algn="l">
+              <a:spcBef>
+                <a:spcPts val="0"/>
+              </a:spcBef>
+              <a:spcAft>
+                <a:spcPts val="0"/>
+              </a:spcAft>
+              <a:buNone/>
+            </a:pPr>
+            <a:r>
+              <a:t/>
+            </a:r>
+            <a:endParaRPr/>
+          </a:p>
+        </p:txBody>
+      </p:sp>
+    </p:spTree>
+  </p:cSld>
+  <p:clrMapOvr>
+    <a:masterClrMapping/>
+  </p:clrMapOvr>
+</p:notes>
+</file>
+
+<file path=ppt/notesSlides/notesSlide12.xml><?xml version="1.0" encoding="utf-8"?>
+<p:notes xmlns:a="http://schemas.openxmlformats.org/drawingml/2006/main" xmlns:r="http://schemas.openxmlformats.org/officeDocument/2006/relationships" xmlns:mc="http://schemas.openxmlformats.org/markup-compatibility/2006" xmlns:mv="urn:schemas-microsoft-com:mac:vml" xmlns:p="http://schemas.openxmlformats.org/presentationml/2006/main" xmlns:c="http://schemas.openxmlformats.org/drawingml/2006/chart" xmlns:dgm="http://schemas.openxmlformats.org/drawingml/2006/diagram" xmlns:o="urn:schemas-microsoft-com:office:office" xmlns:v="urn:schemas-microsoft-com:vml" xmlns:pvml="urn:schemas-microsoft-com:office:powerpoint" xmlns:com="http://schemas.openxmlformats.org/drawingml/2006/compatibility" xmlns:p14="http://schemas.microsoft.com/office/powerpoint/2010/main" xmlns:p15="http://schemas.microsoft.com/office/powerpoint/2012/main" xmlns:ahyp="http://schemas.microsoft.com/office/drawing/2018/hyperlinkcolor" showMasterPhAnim="0" showMasterSp="0">
+  <p:cSld>
+    <p:spTree>
+      <p:nvGrpSpPr>
+        <p:cNvPr id="247" name="Shape 247"/>
+        <p:cNvGrpSpPr/>
+        <p:nvPr/>
+      </p:nvGrpSpPr>
+      <p:grpSpPr>
+        <a:xfrm>
+          <a:off x="0" y="0"/>
+          <a:ext cx="0" cy="0"/>
+          <a:chOff x="0" y="0"/>
+          <a:chExt cx="0" cy="0"/>
+        </a:xfrm>
+      </p:grpSpPr>
+      <p:sp>
+        <p:nvSpPr>
+          <p:cNvPr id="248" name="Google Shape;248;g1f483fa51f4_1_10:notes"/>
+          <p:cNvSpPr/>
+          <p:nvPr>
+            <p:ph idx="2" type="sldImg"/>
+          </p:nvPr>
+        </p:nvSpPr>
+        <p:spPr>
+          <a:xfrm>
+            <a:off x="381300" y="685800"/>
+            <a:ext cx="6096000" cy="3429000"/>
+          </a:xfrm>
+          <a:custGeom>
+            <a:rect b="b" l="l" r="r" t="t"/>
+            <a:pathLst>
+              <a:path extrusionOk="0" h="120000" w="120000">
+                <a:moveTo>
+                  <a:pt x="0" y="0"/>
+                </a:moveTo>
+                <a:lnTo>
+                  <a:pt x="120000" y="0"/>
+                </a:lnTo>
+                <a:lnTo>
+                  <a:pt x="120000" y="120000"/>
+                </a:lnTo>
+                <a:lnTo>
+                  <a:pt x="0" y="120000"/>
+                </a:lnTo>
+                <a:close/>
+              </a:path>
+            </a:pathLst>
+          </a:custGeom>
+        </p:spPr>
+      </p:sp>
+      <p:sp>
+        <p:nvSpPr>
+          <p:cNvPr id="249" name="Google Shape;249;g1f483fa51f4_1_10:notes"/>
+          <p:cNvSpPr txBox="1"/>
+          <p:nvPr>
+            <p:ph idx="1" type="body"/>
+          </p:nvPr>
+        </p:nvSpPr>
+        <p:spPr>
+          <a:xfrm>
+            <a:off x="685800" y="4343400"/>
+            <a:ext cx="5486400" cy="4114800"/>
+          </a:xfrm>
+          <a:prstGeom prst="rect">
+            <a:avLst/>
+          </a:prstGeom>
+        </p:spPr>
+        <p:txBody>
+          <a:bodyPr anchorCtr="0" anchor="t" bIns="91425" lIns="91425" spcFirstLastPara="1" rIns="91425" wrap="square" tIns="91425">
+            <a:noAutofit/>
+          </a:bodyPr>
+          <a:lstStyle/>
+          <a:p>
+            <a:pPr indent="0" lvl="0" marL="0" rtl="0" algn="l">
+              <a:spcBef>
+                <a:spcPts val="0"/>
+              </a:spcBef>
+              <a:spcAft>
+                <a:spcPts val="0"/>
+              </a:spcAft>
+              <a:buNone/>
+            </a:pPr>
+            <a:r>
+              <a:t/>
+            </a:r>
+            <a:endParaRPr/>
+          </a:p>
+        </p:txBody>
+      </p:sp>
+    </p:spTree>
+  </p:cSld>
+  <p:clrMapOvr>
+    <a:masterClrMapping/>
+  </p:clrMapOvr>
+</p:notes>
+</file>
+
+<file path=ppt/notesSlides/notesSlide13.xml><?xml version="1.0" encoding="utf-8"?>
+<p:notes xmlns:a="http://schemas.openxmlformats.org/drawingml/2006/main" xmlns:r="http://schemas.openxmlformats.org/officeDocument/2006/relationships" xmlns:mc="http://schemas.openxmlformats.org/markup-compatibility/2006" xmlns:mv="urn:schemas-microsoft-com:mac:vml" xmlns:p="http://schemas.openxmlformats.org/presentationml/2006/main" xmlns:c="http://schemas.openxmlformats.org/drawingml/2006/chart" xmlns:dgm="http://schemas.openxmlformats.org/drawingml/2006/diagram" xmlns:o="urn:schemas-microsoft-com:office:office" xmlns:v="urn:schemas-microsoft-com:vml" xmlns:pvml="urn:schemas-microsoft-com:office:powerpoint" xmlns:com="http://schemas.openxmlformats.org/drawingml/2006/compatibility" xmlns:p14="http://schemas.microsoft.com/office/powerpoint/2010/main" xmlns:p15="http://schemas.microsoft.com/office/powerpoint/2012/main" xmlns:ahyp="http://schemas.microsoft.com/office/drawing/2018/hyperlinkcolor" showMasterPhAnim="0" showMasterSp="0">
+  <p:cSld>
+    <p:spTree>
+      <p:nvGrpSpPr>
+        <p:cNvPr id="253" name="Shape 253"/>
+        <p:cNvGrpSpPr/>
+        <p:nvPr/>
+      </p:nvGrpSpPr>
+      <p:grpSpPr>
+        <a:xfrm>
+          <a:off x="0" y="0"/>
+          <a:ext cx="0" cy="0"/>
+          <a:chOff x="0" y="0"/>
+          <a:chExt cx="0" cy="0"/>
+        </a:xfrm>
+      </p:grpSpPr>
+      <p:sp>
+        <p:nvSpPr>
+          <p:cNvPr id="254" name="Google Shape;254;g1f5d4a0e3c1_0_0:notes"/>
+          <p:cNvSpPr/>
+          <p:nvPr>
+            <p:ph idx="2" type="sldImg"/>
+          </p:nvPr>
+        </p:nvSpPr>
+        <p:spPr>
+          <a:xfrm>
+            <a:off x="381300" y="685800"/>
+            <a:ext cx="6096000" cy="3429000"/>
+          </a:xfrm>
+          <a:custGeom>
+            <a:rect b="b" l="l" r="r" t="t"/>
+            <a:pathLst>
+              <a:path extrusionOk="0" h="120000" w="120000">
+                <a:moveTo>
+                  <a:pt x="0" y="0"/>
+                </a:moveTo>
+                <a:lnTo>
+                  <a:pt x="120000" y="0"/>
+                </a:lnTo>
+                <a:lnTo>
+                  <a:pt x="120000" y="120000"/>
+                </a:lnTo>
+                <a:lnTo>
+                  <a:pt x="0" y="120000"/>
+                </a:lnTo>
+                <a:close/>
+              </a:path>
+            </a:pathLst>
+          </a:custGeom>
+        </p:spPr>
+      </p:sp>
+      <p:sp>
+        <p:nvSpPr>
+          <p:cNvPr id="255" name="Google Shape;255;g1f5d4a0e3c1_0_0:notes"/>
           <p:cNvSpPr txBox="1"/>
           <p:nvPr>
             <p:ph idx="1" type="body"/>
@@ -1210,7 +1410,7 @@
       </p:grpSpPr>
       <p:sp>
         <p:nvSpPr>
-          <p:cNvPr id="98" name="Google Shape;98;g1f483fa51f4_3_6:notes"/>
+          <p:cNvPr id="98" name="Google Shape;98;g1f5d4a0e3c1_1_1:notes"/>
           <p:cNvSpPr/>
           <p:nvPr>
             <p:ph idx="2" type="sldImg"/>
@@ -1245,7 +1445,7 @@
       </p:sp>
       <p:sp>
         <p:nvSpPr>
-          <p:cNvPr id="99" name="Google Shape;99;g1f483fa51f4_3_6:notes"/>
+          <p:cNvPr id="99" name="Google Shape;99;g1f5d4a0e3c1_1_1:notes"/>
           <p:cNvSpPr txBox="1"/>
           <p:nvPr>
             <p:ph idx="1" type="body"/>
@@ -1276,8 +1476,7 @@
               <a:buNone/>
             </a:pPr>
             <a:r>
-              <a:rPr lang="en"/>
-              <a:t>[3:0] [7:4] [11:8] [15:12]</a:t>
+              <a:t/>
             </a:r>
             <a:endParaRPr/>
           </a:p>
@@ -1296,7 +1495,7 @@
   <p:cSld>
     <p:spTree>
       <p:nvGrpSpPr>
-        <p:cNvPr id="130" name="Shape 130"/>
+        <p:cNvPr id="103" name="Shape 103"/>
         <p:cNvGrpSpPr/>
         <p:nvPr/>
       </p:nvGrpSpPr>
@@ -1310,7 +1509,7 @@
       </p:grpSpPr>
       <p:sp>
         <p:nvSpPr>
-          <p:cNvPr id="131" name="Google Shape;131;g1f483fa51f4_3_70:notes"/>
+          <p:cNvPr id="104" name="Google Shape;104;g1f483fa51f4_3_6:notes"/>
           <p:cNvSpPr/>
           <p:nvPr>
             <p:ph idx="2" type="sldImg"/>
@@ -1345,7 +1544,7 @@
       </p:sp>
       <p:sp>
         <p:nvSpPr>
-          <p:cNvPr id="132" name="Google Shape;132;g1f483fa51f4_3_70:notes"/>
+          <p:cNvPr id="105" name="Google Shape;105;g1f483fa51f4_3_6:notes"/>
           <p:cNvSpPr txBox="1"/>
           <p:nvPr>
             <p:ph idx="1" type="body"/>
@@ -1376,7 +1575,8 @@
               <a:buNone/>
             </a:pPr>
             <a:r>
-              <a:t/>
+              <a:rPr lang="en"/>
+              <a:t>[3:0] [7:4] [11:8] [15:12]</a:t>
             </a:r>
             <a:endParaRPr/>
           </a:p>
@@ -1395,7 +1595,7 @@
   <p:cSld>
     <p:spTree>
       <p:nvGrpSpPr>
-        <p:cNvPr id="140" name="Shape 140"/>
+        <p:cNvPr id="136" name="Shape 136"/>
         <p:cNvGrpSpPr/>
         <p:nvPr/>
       </p:nvGrpSpPr>
@@ -1409,7 +1609,7 @@
       </p:grpSpPr>
       <p:sp>
         <p:nvSpPr>
-          <p:cNvPr id="141" name="Google Shape;141;g1f483fa51f4_1_37:notes"/>
+          <p:cNvPr id="137" name="Google Shape;137;g1f483fa51f4_3_70:notes"/>
           <p:cNvSpPr/>
           <p:nvPr>
             <p:ph idx="2" type="sldImg"/>
@@ -1444,7 +1644,7 @@
       </p:sp>
       <p:sp>
         <p:nvSpPr>
-          <p:cNvPr id="142" name="Google Shape;142;g1f483fa51f4_1_37:notes"/>
+          <p:cNvPr id="138" name="Google Shape;138;g1f483fa51f4_3_70:notes"/>
           <p:cNvSpPr txBox="1"/>
           <p:nvPr>
             <p:ph idx="1" type="body"/>
@@ -1494,7 +1694,7 @@
   <p:cSld>
     <p:spTree>
       <p:nvGrpSpPr>
-        <p:cNvPr id="177" name="Shape 177"/>
+        <p:cNvPr id="146" name="Shape 146"/>
         <p:cNvGrpSpPr/>
         <p:nvPr/>
       </p:nvGrpSpPr>
@@ -1508,7 +1708,7 @@
       </p:grpSpPr>
       <p:sp>
         <p:nvSpPr>
-          <p:cNvPr id="178" name="Google Shape;178;g1f483fa51f4_3_86:notes"/>
+          <p:cNvPr id="147" name="Google Shape;147;g1f483fa51f4_1_37:notes"/>
           <p:cNvSpPr/>
           <p:nvPr>
             <p:ph idx="2" type="sldImg"/>
@@ -1543,7 +1743,7 @@
       </p:sp>
       <p:sp>
         <p:nvSpPr>
-          <p:cNvPr id="179" name="Google Shape;179;g1f483fa51f4_3_86:notes"/>
+          <p:cNvPr id="148" name="Google Shape;148;g1f483fa51f4_1_37:notes"/>
           <p:cNvSpPr txBox="1"/>
           <p:nvPr>
             <p:ph idx="1" type="body"/>
@@ -1593,7 +1793,7 @@
   <p:cSld>
     <p:spTree>
       <p:nvGrpSpPr>
-        <p:cNvPr id="210" name="Shape 210"/>
+        <p:cNvPr id="183" name="Shape 183"/>
         <p:cNvGrpSpPr/>
         <p:nvPr/>
       </p:nvGrpSpPr>
@@ -1607,7 +1807,7 @@
       </p:grpSpPr>
       <p:sp>
         <p:nvSpPr>
-          <p:cNvPr id="211" name="Google Shape;211;g1f483fa51f4_1_21:notes"/>
+          <p:cNvPr id="184" name="Google Shape;184;g1f483fa51f4_3_86:notes"/>
           <p:cNvSpPr/>
           <p:nvPr>
             <p:ph idx="2" type="sldImg"/>
@@ -1642,7 +1842,7 @@
       </p:sp>
       <p:sp>
         <p:nvSpPr>
-          <p:cNvPr id="212" name="Google Shape;212;g1f483fa51f4_1_21:notes"/>
+          <p:cNvPr id="185" name="Google Shape;185;g1f483fa51f4_3_86:notes"/>
           <p:cNvSpPr txBox="1"/>
           <p:nvPr>
             <p:ph idx="1" type="body"/>
@@ -1692,7 +1892,7 @@
   <p:cSld>
     <p:spTree>
       <p:nvGrpSpPr>
-        <p:cNvPr id="230" name="Shape 230"/>
+        <p:cNvPr id="216" name="Shape 216"/>
         <p:cNvGrpSpPr/>
         <p:nvPr/>
       </p:nvGrpSpPr>
@@ -1706,7 +1906,7 @@
       </p:grpSpPr>
       <p:sp>
         <p:nvSpPr>
-          <p:cNvPr id="231" name="Google Shape;231;g1f483fa51f4_1_5:notes"/>
+          <p:cNvPr id="217" name="Google Shape;217;g1f483fa51f4_1_21:notes"/>
           <p:cNvSpPr/>
           <p:nvPr>
             <p:ph idx="2" type="sldImg"/>
@@ -1741,7 +1941,7 @@
       </p:sp>
       <p:sp>
         <p:nvSpPr>
-          <p:cNvPr id="232" name="Google Shape;232;g1f483fa51f4_1_5:notes"/>
+          <p:cNvPr id="218" name="Google Shape;218;g1f483fa51f4_1_21:notes"/>
           <p:cNvSpPr txBox="1"/>
           <p:nvPr>
             <p:ph idx="1" type="body"/>
@@ -6535,33 +6735,184 @@
           <a:chExt cx="0" cy="0"/>
         </a:xfrm>
       </p:grpSpPr>
-      <p:pic>
-        <p:nvPicPr>
+      <p:sp>
+        <p:nvSpPr>
           <p:cNvPr id="240" name="Google Shape;240;p22"/>
-          <p:cNvPicPr preferRelativeResize="0"/>
-          <p:nvPr/>
-        </p:nvPicPr>
-        <p:blipFill rotWithShape="1">
-          <a:blip r:embed="rId3">
-            <a:alphaModFix/>
-          </a:blip>
-          <a:srcRect b="870" l="572" r="651" t="2370"/>
-          <a:stretch/>
-        </p:blipFill>
-        <p:spPr>
-          <a:xfrm>
-            <a:off x="1283688" y="230763"/>
-            <a:ext cx="6576624" cy="4681975"/>
+          <p:cNvSpPr txBox="1"/>
+          <p:nvPr>
+            <p:ph type="title"/>
+          </p:nvPr>
+        </p:nvSpPr>
+        <p:spPr>
+          <a:xfrm>
+            <a:off x="311700" y="445025"/>
+            <a:ext cx="8520600" cy="572700"/>
           </a:xfrm>
           <a:prstGeom prst="rect">
             <a:avLst/>
           </a:prstGeom>
-          <a:noFill/>
-          <a:ln>
-            <a:noFill/>
-          </a:ln>
-        </p:spPr>
-      </p:pic>
+        </p:spPr>
+        <p:txBody>
+          <a:bodyPr anchorCtr="0" anchor="t" bIns="91425" lIns="91425" spcFirstLastPara="1" rIns="91425" wrap="square" tIns="91425">
+            <a:normAutofit fontScale="90000"/>
+          </a:bodyPr>
+          <a:lstStyle/>
+          <a:p>
+            <a:pPr indent="0" lvl="0" marL="0" rtl="0" algn="l">
+              <a:spcBef>
+                <a:spcPts val="0"/>
+              </a:spcBef>
+              <a:spcAft>
+                <a:spcPts val="0"/>
+              </a:spcAft>
+              <a:buNone/>
+            </a:pPr>
+            <a:r>
+              <a:rPr lang="en"/>
+              <a:t>ISA</a:t>
+            </a:r>
+            <a:endParaRPr/>
+          </a:p>
+        </p:txBody>
+      </p:sp>
+      <p:sp>
+        <p:nvSpPr>
+          <p:cNvPr id="241" name="Google Shape;241;p22"/>
+          <p:cNvSpPr txBox="1"/>
+          <p:nvPr>
+            <p:ph idx="1" type="body"/>
+          </p:nvPr>
+        </p:nvSpPr>
+        <p:spPr>
+          <a:xfrm>
+            <a:off x="311700" y="1104650"/>
+            <a:ext cx="8520600" cy="3464100"/>
+          </a:xfrm>
+          <a:prstGeom prst="rect">
+            <a:avLst/>
+          </a:prstGeom>
+        </p:spPr>
+        <p:txBody>
+          <a:bodyPr anchorCtr="0" anchor="t" bIns="91425" lIns="91425" spcFirstLastPara="1" rIns="91425" wrap="square" tIns="91425">
+            <a:normAutofit fontScale="70000" lnSpcReduction="10000"/>
+          </a:bodyPr>
+          <a:lstStyle/>
+          <a:p>
+            <a:pPr indent="0" lvl="0" marL="0" rtl="0" algn="l">
+              <a:spcBef>
+                <a:spcPts val="0"/>
+              </a:spcBef>
+              <a:spcAft>
+                <a:spcPts val="0"/>
+              </a:spcAft>
+              <a:buNone/>
+            </a:pPr>
+            <a:r>
+              <a:rPr lang="en" sz="2175"/>
+              <a:t>We expand the provided 552 ISA to a 32-bit one while maintaining the </a:t>
+            </a:r>
+            <a:r>
+              <a:rPr lang="en" sz="2175"/>
+              <a:t>original</a:t>
+            </a:r>
+            <a:r>
+              <a:rPr lang="en" sz="2175"/>
+              <a:t> 16-bit structure. All original instructions preserve </a:t>
+            </a:r>
+            <a:r>
+              <a:rPr lang="en" sz="2175"/>
+              <a:t>their</a:t>
+            </a:r>
+            <a:r>
+              <a:rPr lang="en" sz="2175"/>
+              <a:t> opcodes with an extra bit 0 added in MSB. All new instructions start with bit 1 for clear differentiation. The register file is also expanded to 32 registers with 5-bit selecting address. This expansion enables functions including floating-point operations, integer multiplication, stack management, and instruction read.</a:t>
+            </a:r>
+            <a:endParaRPr sz="2175"/>
+          </a:p>
+          <a:p>
+            <a:pPr indent="0" lvl="0" marL="0" rtl="0" algn="l">
+              <a:spcBef>
+                <a:spcPts val="1200"/>
+              </a:spcBef>
+              <a:spcAft>
+                <a:spcPts val="0"/>
+              </a:spcAft>
+              <a:buNone/>
+            </a:pPr>
+            <a:r>
+              <a:t/>
+            </a:r>
+            <a:endParaRPr/>
+          </a:p>
+          <a:p>
+            <a:pPr indent="0" lvl="0" marL="0" rtl="0" algn="l">
+              <a:spcBef>
+                <a:spcPts val="1200"/>
+              </a:spcBef>
+              <a:spcAft>
+                <a:spcPts val="0"/>
+              </a:spcAft>
+              <a:buNone/>
+            </a:pPr>
+            <a:r>
+              <a:rPr lang="en" u="sng">
+                <a:solidFill>
+                  <a:schemeClr val="hlink"/>
+                </a:solidFill>
+                <a:hlinkClick r:id="rId3"/>
+              </a:rPr>
+              <a:t>https://docs.google.com/spreadsheets/d/1PT7VjIhUPUwOg7ZNtqeGGRNTjavUGF0D/edit?usp=sharing&amp;ouid=115717939913064443857&amp;rtpof=true&amp;sd=true</a:t>
+            </a:r>
+            <a:endParaRPr/>
+          </a:p>
+          <a:p>
+            <a:pPr indent="0" lvl="0" marL="0" rtl="0" algn="l">
+              <a:spcBef>
+                <a:spcPts val="1200"/>
+              </a:spcBef>
+              <a:spcAft>
+                <a:spcPts val="0"/>
+              </a:spcAft>
+              <a:buNone/>
+            </a:pPr>
+            <a:r>
+              <a:t/>
+            </a:r>
+            <a:endParaRPr/>
+          </a:p>
+          <a:p>
+            <a:pPr indent="0" lvl="0" marL="0" rtl="0" algn="l">
+              <a:spcBef>
+                <a:spcPts val="1200"/>
+              </a:spcBef>
+              <a:spcAft>
+                <a:spcPts val="0"/>
+              </a:spcAft>
+              <a:buNone/>
+            </a:pPr>
+            <a:r>
+              <a:t/>
+            </a:r>
+            <a:endParaRPr/>
+          </a:p>
+          <a:p>
+            <a:pPr indent="0" lvl="0" marL="0" rtl="0" algn="l">
+              <a:spcBef>
+                <a:spcPts val="1200"/>
+              </a:spcBef>
+              <a:spcAft>
+                <a:spcPts val="1200"/>
+              </a:spcAft>
+              <a:buNone/>
+            </a:pPr>
+            <a:r>
+              <a:rPr lang="en"/>
+              <a:t>The next page also has a screenshot of the ISA</a:t>
+            </a:r>
+            <a:endParaRPr/>
+          </a:p>
+        </p:txBody>
+      </p:sp>
     </p:spTree>
   </p:cSld>
   <p:clrMapOvr>
@@ -6575,7 +6926,7 @@
   <p:cSld>
     <p:spTree>
       <p:nvGrpSpPr>
-        <p:cNvPr id="244" name="Shape 244"/>
+        <p:cNvPr id="245" name="Shape 245"/>
         <p:cNvGrpSpPr/>
         <p:nvPr/>
       </p:nvGrpSpPr>
@@ -6587,9 +6938,61 @@
           <a:chExt cx="0" cy="0"/>
         </a:xfrm>
       </p:grpSpPr>
-      <p:sp>
-        <p:nvSpPr>
-          <p:cNvPr id="245" name="Google Shape;245;p23"/>
+      <p:pic>
+        <p:nvPicPr>
+          <p:cNvPr id="246" name="Google Shape;246;p23"/>
+          <p:cNvPicPr preferRelativeResize="0"/>
+          <p:nvPr/>
+        </p:nvPicPr>
+        <p:blipFill rotWithShape="1">
+          <a:blip r:embed="rId3">
+            <a:alphaModFix/>
+          </a:blip>
+          <a:srcRect b="870" l="572" r="651" t="2370"/>
+          <a:stretch/>
+        </p:blipFill>
+        <p:spPr>
+          <a:xfrm>
+            <a:off x="1283688" y="230763"/>
+            <a:ext cx="6576624" cy="4681975"/>
+          </a:xfrm>
+          <a:prstGeom prst="rect">
+            <a:avLst/>
+          </a:prstGeom>
+          <a:noFill/>
+          <a:ln>
+            <a:noFill/>
+          </a:ln>
+        </p:spPr>
+      </p:pic>
+    </p:spTree>
+  </p:cSld>
+  <p:clrMapOvr>
+    <a:masterClrMapping/>
+  </p:clrMapOvr>
+</p:sld>
+</file>
+
+<file path=ppt/slides/slide12.xml><?xml version="1.0" encoding="utf-8"?>
+<p:sld xmlns:a="http://schemas.openxmlformats.org/drawingml/2006/main" xmlns:r="http://schemas.openxmlformats.org/officeDocument/2006/relationships" xmlns:mc="http://schemas.openxmlformats.org/markup-compatibility/2006" xmlns:mv="urn:schemas-microsoft-com:mac:vml" xmlns:p="http://schemas.openxmlformats.org/presentationml/2006/main" xmlns:c="http://schemas.openxmlformats.org/drawingml/2006/chart" xmlns:dgm="http://schemas.openxmlformats.org/drawingml/2006/diagram" xmlns:o="urn:schemas-microsoft-com:office:office" xmlns:v="urn:schemas-microsoft-com:vml" xmlns:pvml="urn:schemas-microsoft-com:office:powerpoint" xmlns:com="http://schemas.openxmlformats.org/drawingml/2006/compatibility" xmlns:p14="http://schemas.microsoft.com/office/powerpoint/2010/main" xmlns:p15="http://schemas.microsoft.com/office/powerpoint/2012/main" xmlns:ahyp="http://schemas.microsoft.com/office/drawing/2018/hyperlinkcolor">
+  <p:cSld>
+    <p:spTree>
+      <p:nvGrpSpPr>
+        <p:cNvPr id="250" name="Shape 250"/>
+        <p:cNvGrpSpPr/>
+        <p:nvPr/>
+      </p:nvGrpSpPr>
+      <p:grpSpPr>
+        <a:xfrm>
+          <a:off x="0" y="0"/>
+          <a:ext cx="0" cy="0"/>
+          <a:chOff x="0" y="0"/>
+          <a:chExt cx="0" cy="0"/>
+        </a:xfrm>
+      </p:grpSpPr>
+      <p:sp>
+        <p:nvSpPr>
+          <p:cNvPr id="251" name="Google Shape;251;p24"/>
           <p:cNvSpPr txBox="1"/>
           <p:nvPr>
             <p:ph type="title"/>
@@ -6629,7 +7032,7 @@
       </p:sp>
       <p:sp>
         <p:nvSpPr>
-          <p:cNvPr id="246" name="Google Shape;246;p23"/>
+          <p:cNvPr id="252" name="Google Shape;252;p24"/>
           <p:cNvSpPr txBox="1"/>
           <p:nvPr>
             <p:ph idx="1" type="body"/>
@@ -6705,6 +7108,341 @@
             <a:r>
               <a:rPr lang="en"/>
               <a:t>Out-Of-Order execution. This is the ultimate form of the project (unlikely to be accomplished). This will increase the performance of the classifier.</a:t>
+            </a:r>
+            <a:endParaRPr/>
+          </a:p>
+        </p:txBody>
+      </p:sp>
+    </p:spTree>
+  </p:cSld>
+  <p:clrMapOvr>
+    <a:masterClrMapping/>
+  </p:clrMapOvr>
+</p:sld>
+</file>
+
+<file path=ppt/slides/slide13.xml><?xml version="1.0" encoding="utf-8"?>
+<p:sld xmlns:a="http://schemas.openxmlformats.org/drawingml/2006/main" xmlns:r="http://schemas.openxmlformats.org/officeDocument/2006/relationships" xmlns:mc="http://schemas.openxmlformats.org/markup-compatibility/2006" xmlns:mv="urn:schemas-microsoft-com:mac:vml" xmlns:p="http://schemas.openxmlformats.org/presentationml/2006/main" xmlns:c="http://schemas.openxmlformats.org/drawingml/2006/chart" xmlns:dgm="http://schemas.openxmlformats.org/drawingml/2006/diagram" xmlns:o="urn:schemas-microsoft-com:office:office" xmlns:v="urn:schemas-microsoft-com:vml" xmlns:pvml="urn:schemas-microsoft-com:office:powerpoint" xmlns:com="http://schemas.openxmlformats.org/drawingml/2006/compatibility" xmlns:p14="http://schemas.microsoft.com/office/powerpoint/2010/main" xmlns:p15="http://schemas.microsoft.com/office/powerpoint/2012/main" xmlns:ahyp="http://schemas.microsoft.com/office/drawing/2018/hyperlinkcolor">
+  <p:cSld>
+    <p:spTree>
+      <p:nvGrpSpPr>
+        <p:cNvPr id="256" name="Shape 256"/>
+        <p:cNvGrpSpPr/>
+        <p:nvPr/>
+      </p:nvGrpSpPr>
+      <p:grpSpPr>
+        <a:xfrm>
+          <a:off x="0" y="0"/>
+          <a:ext cx="0" cy="0"/>
+          <a:chOff x="0" y="0"/>
+          <a:chExt cx="0" cy="0"/>
+        </a:xfrm>
+      </p:grpSpPr>
+      <p:sp>
+        <p:nvSpPr>
+          <p:cNvPr id="257" name="Google Shape;257;p25"/>
+          <p:cNvSpPr txBox="1"/>
+          <p:nvPr>
+            <p:ph type="title"/>
+          </p:nvPr>
+        </p:nvSpPr>
+        <p:spPr>
+          <a:xfrm>
+            <a:off x="311700" y="445025"/>
+            <a:ext cx="8520600" cy="572700"/>
+          </a:xfrm>
+          <a:prstGeom prst="rect">
+            <a:avLst/>
+          </a:prstGeom>
+        </p:spPr>
+        <p:txBody>
+          <a:bodyPr anchorCtr="0" anchor="t" bIns="91425" lIns="91425" spcFirstLastPara="1" rIns="91425" wrap="square" tIns="91425">
+            <a:normAutofit fontScale="90000"/>
+          </a:bodyPr>
+          <a:lstStyle/>
+          <a:p>
+            <a:pPr indent="0" lvl="0" marL="0" rtl="0" algn="l">
+              <a:spcBef>
+                <a:spcPts val="0"/>
+              </a:spcBef>
+              <a:spcAft>
+                <a:spcPts val="0"/>
+              </a:spcAft>
+              <a:buNone/>
+            </a:pPr>
+            <a:r>
+              <a:rPr lang="en"/>
+              <a:t>Division of Labor</a:t>
+            </a:r>
+            <a:endParaRPr/>
+          </a:p>
+        </p:txBody>
+      </p:sp>
+      <p:sp>
+        <p:nvSpPr>
+          <p:cNvPr id="258" name="Google Shape;258;p25"/>
+          <p:cNvSpPr txBox="1"/>
+          <p:nvPr>
+            <p:ph idx="1" type="body"/>
+          </p:nvPr>
+        </p:nvSpPr>
+        <p:spPr>
+          <a:xfrm>
+            <a:off x="311700" y="1152475"/>
+            <a:ext cx="8520600" cy="3416400"/>
+          </a:xfrm>
+          <a:prstGeom prst="rect">
+            <a:avLst/>
+          </a:prstGeom>
+        </p:spPr>
+        <p:txBody>
+          <a:bodyPr anchorCtr="0" anchor="t" bIns="91425" lIns="91425" spcFirstLastPara="1" rIns="91425" wrap="square" tIns="91425">
+            <a:normAutofit fontScale="32500" lnSpcReduction="20000"/>
+          </a:bodyPr>
+          <a:lstStyle/>
+          <a:p>
+            <a:pPr indent="0" lvl="0" marL="0" rtl="0" algn="l">
+              <a:spcBef>
+                <a:spcPts val="0"/>
+              </a:spcBef>
+              <a:spcAft>
+                <a:spcPts val="0"/>
+              </a:spcAft>
+              <a:buNone/>
+            </a:pPr>
+            <a:r>
+              <a:rPr lang="en"/>
+              <a:t>High-level Image Classification Algorithm Training				- Qikun Liu</a:t>
+            </a:r>
+            <a:endParaRPr/>
+          </a:p>
+          <a:p>
+            <a:pPr indent="0" lvl="0" marL="0" rtl="0" algn="l">
+              <a:spcBef>
+                <a:spcPts val="1200"/>
+              </a:spcBef>
+              <a:spcAft>
+                <a:spcPts val="0"/>
+              </a:spcAft>
+              <a:buClr>
+                <a:schemeClr val="dk1"/>
+              </a:buClr>
+              <a:buSzPct val="61111"/>
+              <a:buFont typeface="Arial"/>
+              <a:buNone/>
+            </a:pPr>
+            <a:r>
+              <a:rPr lang="en"/>
+              <a:t>Camera Interface and Assembly Code					- Qikun Liu &amp; Haining Qiu</a:t>
+            </a:r>
+            <a:endParaRPr/>
+          </a:p>
+          <a:p>
+            <a:pPr indent="0" lvl="0" marL="0" rtl="0" algn="l">
+              <a:spcBef>
+                <a:spcPts val="1200"/>
+              </a:spcBef>
+              <a:spcAft>
+                <a:spcPts val="0"/>
+              </a:spcAft>
+              <a:buClr>
+                <a:schemeClr val="dk1"/>
+              </a:buClr>
+              <a:buSzPct val="61111"/>
+              <a:buFont typeface="Arial"/>
+              <a:buNone/>
+            </a:pPr>
+            <a:r>
+              <a:rPr lang="en"/>
+              <a:t>Load weights into fpga						- Qikun Liu</a:t>
+            </a:r>
+            <a:endParaRPr/>
+          </a:p>
+          <a:p>
+            <a:pPr indent="0" lvl="0" marL="0" rtl="0" algn="l">
+              <a:spcBef>
+                <a:spcPts val="1200"/>
+              </a:spcBef>
+              <a:spcAft>
+                <a:spcPts val="0"/>
+              </a:spcAft>
+              <a:buNone/>
+            </a:pPr>
+            <a:r>
+              <a:rPr lang="en"/>
+              <a:t>Assembler Modification for New ISA					- Harry Zhao</a:t>
+            </a:r>
+            <a:endParaRPr/>
+          </a:p>
+          <a:p>
+            <a:pPr indent="0" lvl="0" marL="0" rtl="0" algn="l">
+              <a:spcBef>
+                <a:spcPts val="1200"/>
+              </a:spcBef>
+              <a:spcAft>
+                <a:spcPts val="0"/>
+              </a:spcAft>
+              <a:buNone/>
+            </a:pPr>
+            <a:r>
+              <a:rPr lang="en"/>
+              <a:t>Floating-Point Adder						- Haining Qiu</a:t>
+            </a:r>
+            <a:endParaRPr/>
+          </a:p>
+          <a:p>
+            <a:pPr indent="0" lvl="0" marL="0" rtl="0" algn="l">
+              <a:spcBef>
+                <a:spcPts val="1200"/>
+              </a:spcBef>
+              <a:spcAft>
+                <a:spcPts val="0"/>
+              </a:spcAft>
+              <a:buNone/>
+            </a:pPr>
+            <a:r>
+              <a:rPr lang="en"/>
+              <a:t>Floating-Point Multiplier						- Justin Qiao</a:t>
+            </a:r>
+            <a:endParaRPr/>
+          </a:p>
+          <a:p>
+            <a:pPr indent="0" lvl="0" marL="0" rtl="0" algn="l">
+              <a:spcBef>
+                <a:spcPts val="1200"/>
+              </a:spcBef>
+              <a:spcAft>
+                <a:spcPts val="0"/>
+              </a:spcAft>
+              <a:buNone/>
+            </a:pPr>
+            <a:r>
+              <a:rPr lang="en"/>
+              <a:t>Floating-Point </a:t>
+            </a:r>
+            <a:r>
+              <a:rPr lang="en"/>
+              <a:t>Conversion and Normalizer</a:t>
+            </a:r>
+            <a:r>
+              <a:rPr lang="en"/>
+              <a:t>				- Justin Qiao</a:t>
+            </a:r>
+            <a:endParaRPr/>
+          </a:p>
+          <a:p>
+            <a:pPr indent="0" lvl="0" marL="0" rtl="0" algn="l">
+              <a:spcBef>
+                <a:spcPts val="1200"/>
+              </a:spcBef>
+              <a:spcAft>
+                <a:spcPts val="0"/>
+              </a:spcAft>
+              <a:buNone/>
+            </a:pPr>
+            <a:r>
+              <a:rPr lang="en"/>
+              <a:t>Processor Expansions						- Harry Zhao</a:t>
+            </a:r>
+            <a:endParaRPr/>
+          </a:p>
+          <a:p>
+            <a:pPr indent="0" lvl="0" marL="0" rtl="0" algn="l">
+              <a:spcBef>
+                <a:spcPts val="1200"/>
+              </a:spcBef>
+              <a:spcAft>
+                <a:spcPts val="0"/>
+              </a:spcAft>
+              <a:buNone/>
+            </a:pPr>
+            <a:r>
+              <a:rPr lang="en"/>
+              <a:t>Unit Tests and Top-level Testbench Design				- Everyone</a:t>
+            </a:r>
+            <a:endParaRPr/>
+          </a:p>
+          <a:p>
+            <a:pPr indent="0" lvl="0" marL="0" rtl="0" algn="l">
+              <a:spcBef>
+                <a:spcPts val="1200"/>
+              </a:spcBef>
+              <a:spcAft>
+                <a:spcPts val="0"/>
+              </a:spcAft>
+              <a:buNone/>
+            </a:pPr>
+            <a:r>
+              <a:rPr lang="en"/>
+              <a:t>Compiler							- Qikun Liu</a:t>
+            </a:r>
+            <a:endParaRPr/>
+          </a:p>
+          <a:p>
+            <a:pPr indent="0" lvl="0" marL="0" rtl="0" algn="l">
+              <a:spcBef>
+                <a:spcPts val="1200"/>
+              </a:spcBef>
+              <a:spcAft>
+                <a:spcPts val="0"/>
+              </a:spcAft>
+              <a:buNone/>
+            </a:pPr>
+            <a:r>
+              <a:rPr lang="en"/>
+              <a:t>SuperScalar							- Harry Zhao</a:t>
+            </a:r>
+            <a:endParaRPr/>
+          </a:p>
+          <a:p>
+            <a:pPr indent="0" lvl="0" marL="0" rtl="0" algn="l">
+              <a:spcBef>
+                <a:spcPts val="1200"/>
+              </a:spcBef>
+              <a:spcAft>
+                <a:spcPts val="0"/>
+              </a:spcAft>
+              <a:buNone/>
+            </a:pPr>
+            <a:r>
+              <a:rPr lang="en"/>
+              <a:t>Out of order processing - add reorder buffer                        	                                    	- Haining &amp; Justin</a:t>
+            </a:r>
+            <a:endParaRPr/>
+          </a:p>
+          <a:p>
+            <a:pPr indent="0" lvl="0" marL="0" rtl="0" algn="l">
+              <a:spcBef>
+                <a:spcPts val="1200"/>
+              </a:spcBef>
+              <a:spcAft>
+                <a:spcPts val="0"/>
+              </a:spcAft>
+              <a:buNone/>
+            </a:pPr>
+            <a:r>
+              <a:rPr lang="en"/>
+              <a:t>Out of order processing </a:t>
+            </a:r>
+            <a:r>
+              <a:rPr lang="en"/>
+              <a:t>- add scheduler					- Harry Zhao</a:t>
+            </a:r>
+            <a:endParaRPr/>
+          </a:p>
+          <a:p>
+            <a:pPr indent="0" lvl="0" marL="0" rtl="0" algn="l">
+              <a:spcBef>
+                <a:spcPts val="1200"/>
+              </a:spcBef>
+              <a:spcAft>
+                <a:spcPts val="1200"/>
+              </a:spcAft>
+              <a:buNone/>
+            </a:pPr>
+            <a:r>
+              <a:rPr lang="en"/>
+              <a:t>Out of order processing - verification					- everyone</a:t>
             </a:r>
             <a:endParaRPr/>
           </a:p>
@@ -8220,52 +8958,19 @@
               <a:spcAft>
                 <a:spcPts val="0"/>
               </a:spcAft>
+              <a:buClr>
+                <a:schemeClr val="dk1"/>
+              </a:buClr>
+              <a:buSzPct val="39285"/>
+              <a:buFont typeface="Arial"/>
               <a:buNone/>
             </a:pPr>
             <a:r>
               <a:rPr lang="en"/>
-              <a:t>16-by-16 Four-cycle M</a:t>
-            </a:r>
-            <a:r>
-              <a:rPr lang="en"/>
-              <a:t>ultiplier</a:t>
+              <a:t>Note about multiplication</a:t>
             </a:r>
             <a:endParaRPr/>
           </a:p>
-        </p:txBody>
-      </p:sp>
-      <p:sp>
-        <p:nvSpPr>
-          <p:cNvPr id="102" name="Google Shape;102;p16"/>
-          <p:cNvSpPr/>
-          <p:nvPr/>
-        </p:nvSpPr>
-        <p:spPr>
-          <a:xfrm>
-            <a:off x="1400675" y="1017725"/>
-            <a:ext cx="6555600" cy="3751500"/>
-          </a:xfrm>
-          <a:prstGeom prst="rect">
-            <a:avLst/>
-          </a:prstGeom>
-          <a:solidFill>
-            <a:srgbClr val="FFF2CC"/>
-          </a:solidFill>
-          <a:ln cap="flat" cmpd="sng" w="28575">
-            <a:solidFill>
-              <a:srgbClr val="38761D"/>
-            </a:solidFill>
-            <a:prstDash val="solid"/>
-            <a:round/>
-            <a:headEnd len="sm" w="sm" type="none"/>
-            <a:tailEnd len="sm" w="sm" type="none"/>
-          </a:ln>
-        </p:spPr>
-        <p:txBody>
-          <a:bodyPr anchorCtr="0" anchor="ctr" bIns="91425" lIns="91425" spcFirstLastPara="1" rIns="91425" wrap="square" tIns="91425">
-            <a:noAutofit/>
-          </a:bodyPr>
-          <a:lstStyle/>
           <a:p>
             <a:pPr indent="0" lvl="0" marL="0" rtl="0" algn="l">
               <a:spcBef>
@@ -8274,6 +8979,11 @@
               <a:spcAft>
                 <a:spcPts val="0"/>
               </a:spcAft>
+              <a:buClr>
+                <a:schemeClr val="dk1"/>
+              </a:buClr>
+              <a:buSzPct val="39285"/>
+              <a:buFont typeface="Arial"/>
               <a:buNone/>
             </a:pPr>
             <a:r>
@@ -8281,40 +8991,6 @@
             </a:r>
             <a:endParaRPr/>
           </a:p>
-        </p:txBody>
-      </p:sp>
-      <p:sp>
-        <p:nvSpPr>
-          <p:cNvPr id="103" name="Google Shape;103;p16"/>
-          <p:cNvSpPr/>
-          <p:nvPr/>
-        </p:nvSpPr>
-        <p:spPr>
-          <a:xfrm>
-            <a:off x="2001600" y="1536925"/>
-            <a:ext cx="3032400" cy="400200"/>
-          </a:xfrm>
-          <a:prstGeom prst="rect">
-            <a:avLst/>
-          </a:prstGeom>
-          <a:solidFill>
-            <a:srgbClr val="FF9900"/>
-          </a:solidFill>
-          <a:ln cap="flat" cmpd="sng" w="9525">
-            <a:solidFill>
-              <a:schemeClr val="dk1"/>
-            </a:solidFill>
-            <a:prstDash val="solid"/>
-            <a:round/>
-            <a:headEnd len="sm" w="sm" type="none"/>
-            <a:tailEnd len="sm" w="sm" type="none"/>
-          </a:ln>
-        </p:spPr>
-        <p:txBody>
-          <a:bodyPr anchorCtr="0" anchor="ctr" bIns="91425" lIns="91425" spcFirstLastPara="1" rIns="91425" wrap="square" tIns="91425">
-            <a:noAutofit/>
-          </a:bodyPr>
-          <a:lstStyle/>
           <a:p>
             <a:pPr indent="0" lvl="0" marL="0" rtl="0" algn="l">
               <a:spcBef>
@@ -8325,238 +9001,24 @@
               </a:spcAft>
               <a:buNone/>
             </a:pPr>
-            <a:r>
-              <a:rPr lang="en"/>
-              <a:t>16x4 single-cycle </a:t>
-            </a:r>
-            <a:r>
-              <a:rPr lang="en"/>
-              <a:t>signed</a:t>
-            </a:r>
             <a:r>
               <a:rPr lang="en"/>
               <a:t> </a:t>
             </a:r>
-            <a:r>
-              <a:rPr lang="en"/>
-              <a:t>multiplier</a:t>
-            </a:r>
             <a:endParaRPr/>
           </a:p>
         </p:txBody>
       </p:sp>
       <p:sp>
         <p:nvSpPr>
-          <p:cNvPr id="104" name="Google Shape;104;p16"/>
-          <p:cNvSpPr/>
-          <p:nvPr/>
-        </p:nvSpPr>
-        <p:spPr>
-          <a:xfrm>
-            <a:off x="5031900" y="1504338"/>
-            <a:ext cx="1871400" cy="833400"/>
-          </a:xfrm>
-          <a:prstGeom prst="rect">
-            <a:avLst/>
-          </a:prstGeom>
-          <a:solidFill>
-            <a:schemeClr val="accent6"/>
-          </a:solidFill>
-          <a:ln cap="flat" cmpd="sng" w="9525">
-            <a:solidFill>
-              <a:schemeClr val="dk1"/>
-            </a:solidFill>
-            <a:prstDash val="solid"/>
-            <a:round/>
-            <a:headEnd len="sm" w="sm" type="none"/>
-            <a:tailEnd len="sm" w="sm" type="none"/>
-          </a:ln>
-        </p:spPr>
-        <p:txBody>
-          <a:bodyPr anchorCtr="0" anchor="ctr" bIns="91425" lIns="91425" spcFirstLastPara="1" rIns="91425" wrap="square" tIns="91425">
-            <a:noAutofit/>
-          </a:bodyPr>
-          <a:lstStyle/>
-          <a:p>
-            <a:pPr indent="0" lvl="0" marL="0" rtl="0" algn="ctr">
-              <a:spcBef>
-                <a:spcPts val="0"/>
-              </a:spcBef>
-              <a:spcAft>
-                <a:spcPts val="0"/>
-              </a:spcAft>
-              <a:buNone/>
-            </a:pPr>
-            <a:r>
-              <a:rPr lang="en"/>
-              <a:t>Accumulator</a:t>
-            </a:r>
-            <a:endParaRPr/>
-          </a:p>
-        </p:txBody>
-      </p:sp>
-      <p:sp>
-        <p:nvSpPr>
-          <p:cNvPr id="105" name="Google Shape;105;p16"/>
-          <p:cNvSpPr/>
-          <p:nvPr/>
-        </p:nvSpPr>
-        <p:spPr>
-          <a:xfrm>
-            <a:off x="3821700" y="2434350"/>
-            <a:ext cx="1518300" cy="400200"/>
-          </a:xfrm>
-          <a:prstGeom prst="rect">
-            <a:avLst/>
-          </a:prstGeom>
-          <a:solidFill>
-            <a:srgbClr val="D9D2E9"/>
-          </a:solidFill>
-          <a:ln cap="flat" cmpd="sng" w="9525">
-            <a:solidFill>
-              <a:schemeClr val="dk1"/>
-            </a:solidFill>
-            <a:prstDash val="solid"/>
-            <a:round/>
-            <a:headEnd len="sm" w="sm" type="none"/>
-            <a:tailEnd len="sm" w="sm" type="none"/>
-          </a:ln>
-        </p:spPr>
-        <p:txBody>
-          <a:bodyPr anchorCtr="0" anchor="ctr" bIns="91425" lIns="91425" spcFirstLastPara="1" rIns="91425" wrap="square" tIns="91425">
-            <a:noAutofit/>
-          </a:bodyPr>
-          <a:lstStyle/>
-          <a:p>
-            <a:pPr indent="0" lvl="0" marL="0" rtl="0" algn="l">
-              <a:spcBef>
-                <a:spcPts val="0"/>
-              </a:spcBef>
-              <a:spcAft>
-                <a:spcPts val="0"/>
-              </a:spcAft>
-              <a:buNone/>
-            </a:pPr>
-            <a:r>
-              <a:rPr lang="en"/>
-              <a:t>Left shifter by 4</a:t>
-            </a:r>
-            <a:endParaRPr/>
-          </a:p>
-        </p:txBody>
-      </p:sp>
-      <p:sp>
-        <p:nvSpPr>
-          <p:cNvPr id="106" name="Google Shape;106;p16"/>
-          <p:cNvSpPr/>
-          <p:nvPr/>
-        </p:nvSpPr>
-        <p:spPr>
-          <a:xfrm>
-            <a:off x="3045900" y="3727900"/>
-            <a:ext cx="1206600" cy="515100"/>
-          </a:xfrm>
-          <a:prstGeom prst="rect">
-            <a:avLst/>
-          </a:prstGeom>
-          <a:solidFill>
-            <a:srgbClr val="A4C2F4"/>
-          </a:solidFill>
-          <a:ln cap="flat" cmpd="sng" w="9525">
-            <a:solidFill>
-              <a:schemeClr val="dk1"/>
-            </a:solidFill>
-            <a:prstDash val="solid"/>
-            <a:round/>
-            <a:headEnd len="sm" w="sm" type="none"/>
-            <a:tailEnd len="sm" w="sm" type="none"/>
-          </a:ln>
-        </p:spPr>
-        <p:txBody>
-          <a:bodyPr anchorCtr="0" anchor="ctr" bIns="91425" lIns="91425" spcFirstLastPara="1" rIns="91425" wrap="square" tIns="91425">
-            <a:noAutofit/>
-          </a:bodyPr>
-          <a:lstStyle/>
-          <a:p>
-            <a:pPr indent="0" lvl="0" marL="0" rtl="0" algn="l">
-              <a:spcBef>
-                <a:spcPts val="0"/>
-              </a:spcBef>
-              <a:spcAft>
-                <a:spcPts val="0"/>
-              </a:spcAft>
-              <a:buNone/>
-            </a:pPr>
-            <a:r>
-              <a:rPr lang="en"/>
-              <a:t>32-bit adder</a:t>
-            </a:r>
-            <a:endParaRPr/>
-          </a:p>
-        </p:txBody>
-      </p:sp>
-      <p:cxnSp>
-        <p:nvCxnSpPr>
-          <p:cNvPr id="107" name="Google Shape;107;p16"/>
-          <p:cNvCxnSpPr/>
-          <p:nvPr/>
-        </p:nvCxnSpPr>
-        <p:spPr>
-          <a:xfrm>
-            <a:off x="589800" y="1638425"/>
-            <a:ext cx="1411800" cy="0"/>
-          </a:xfrm>
-          <a:prstGeom prst="straightConnector1">
-            <a:avLst/>
-          </a:prstGeom>
-          <a:noFill/>
-          <a:ln cap="flat" cmpd="sng" w="9525">
-            <a:solidFill>
-              <a:schemeClr val="dk2"/>
-            </a:solidFill>
-            <a:prstDash val="solid"/>
-            <a:round/>
-            <a:headEnd len="med" w="med" type="none"/>
-            <a:tailEnd len="med" w="med" type="triangle"/>
-          </a:ln>
-        </p:spPr>
-      </p:cxnSp>
-      <p:cxnSp>
-        <p:nvCxnSpPr>
-          <p:cNvPr id="108" name="Google Shape;108;p16"/>
-          <p:cNvCxnSpPr/>
-          <p:nvPr/>
-        </p:nvCxnSpPr>
-        <p:spPr>
-          <a:xfrm>
-            <a:off x="589800" y="1790825"/>
-            <a:ext cx="1411800" cy="0"/>
-          </a:xfrm>
-          <a:prstGeom prst="straightConnector1">
-            <a:avLst/>
-          </a:prstGeom>
-          <a:noFill/>
-          <a:ln cap="flat" cmpd="sng" w="9525">
-            <a:solidFill>
-              <a:schemeClr val="dk2"/>
-            </a:solidFill>
-            <a:prstDash val="solid"/>
-            <a:round/>
-            <a:headEnd len="med" w="med" type="none"/>
-            <a:tailEnd len="med" w="med" type="triangle"/>
-          </a:ln>
-        </p:spPr>
-      </p:cxnSp>
-      <p:sp>
-        <p:nvSpPr>
-          <p:cNvPr id="109" name="Google Shape;109;p16"/>
+          <p:cNvPr id="102" name="Google Shape;102;p16"/>
           <p:cNvSpPr txBox="1"/>
           <p:nvPr/>
         </p:nvSpPr>
         <p:spPr>
           <a:xfrm>
-            <a:off x="135475" y="1438325"/>
-            <a:ext cx="846900" cy="400200"/>
+            <a:off x="235950" y="1647225"/>
+            <a:ext cx="8672100" cy="615600"/>
           </a:xfrm>
           <a:prstGeom prst="rect">
             <a:avLst/>
@@ -8572,728 +9034,75 @@
           </a:bodyPr>
           <a:lstStyle/>
           <a:p>
-            <a:pPr indent="0" lvl="0" marL="0" rtl="0" algn="l">
-              <a:spcBef>
-                <a:spcPts val="0"/>
-              </a:spcBef>
-              <a:spcAft>
-                <a:spcPts val="0"/>
-              </a:spcAft>
-              <a:buNone/>
-            </a:pPr>
-            <a:r>
-              <a:rPr lang="en"/>
-              <a:t>mul0</a:t>
-            </a:r>
-            <a:endParaRPr/>
+            <a:pPr indent="-317500" lvl="0" marL="457200" rtl="0" algn="l">
+              <a:spcBef>
+                <a:spcPts val="0"/>
+              </a:spcBef>
+              <a:spcAft>
+                <a:spcPts val="0"/>
+              </a:spcAft>
+              <a:buClr>
+                <a:schemeClr val="dk1"/>
+              </a:buClr>
+              <a:buSzPts val="1400"/>
+              <a:buChar char="●"/>
+            </a:pPr>
+            <a:r>
+              <a:rPr lang="en">
+                <a:solidFill>
+                  <a:schemeClr val="dk1"/>
+                </a:solidFill>
+                <a:highlight>
+                  <a:srgbClr val="FFFFFF"/>
+                </a:highlight>
+              </a:rPr>
+              <a:t>We will use * for single cycle 16 by 16 multiple, both signed and unsigned, in the beginning.</a:t>
+            </a:r>
+            <a:endParaRPr>
+              <a:solidFill>
+                <a:schemeClr val="dk1"/>
+              </a:solidFill>
+              <a:highlight>
+                <a:srgbClr val="FFFFFF"/>
+              </a:highlight>
+            </a:endParaRPr>
+          </a:p>
+          <a:p>
+            <a:pPr indent="-317500" lvl="0" marL="457200" rtl="0" algn="l">
+              <a:spcBef>
+                <a:spcPts val="0"/>
+              </a:spcBef>
+              <a:spcAft>
+                <a:spcPts val="0"/>
+              </a:spcAft>
+              <a:buClr>
+                <a:schemeClr val="dk1"/>
+              </a:buClr>
+              <a:buSzPts val="1400"/>
+              <a:buChar char="●"/>
+            </a:pPr>
+            <a:r>
+              <a:rPr lang="en">
+                <a:solidFill>
+                  <a:schemeClr val="dk1"/>
+                </a:solidFill>
+                <a:highlight>
+                  <a:srgbClr val="FFFFFF"/>
+                </a:highlight>
+              </a:rPr>
+              <a:t>If this do not fit on the FPGA, we will proceed with the multi-cycle multiply as drawn in the next slide</a:t>
+            </a:r>
+            <a:endParaRPr>
+              <a:solidFill>
+                <a:schemeClr val="dk1"/>
+              </a:solidFill>
+              <a:highlight>
+                <a:srgbClr val="FFFFFF"/>
+              </a:highlight>
+            </a:endParaRPr>
           </a:p>
         </p:txBody>
       </p:sp>
-      <p:sp>
-        <p:nvSpPr>
-          <p:cNvPr id="110" name="Google Shape;110;p16"/>
-          <p:cNvSpPr txBox="1"/>
-          <p:nvPr/>
-        </p:nvSpPr>
-        <p:spPr>
-          <a:xfrm>
-            <a:off x="135475" y="1590725"/>
-            <a:ext cx="846900" cy="400200"/>
-          </a:xfrm>
-          <a:prstGeom prst="rect">
-            <a:avLst/>
-          </a:prstGeom>
-          <a:noFill/>
-          <a:ln>
-            <a:noFill/>
-          </a:ln>
-        </p:spPr>
-        <p:txBody>
-          <a:bodyPr anchorCtr="0" anchor="t" bIns="91425" lIns="91425" spcFirstLastPara="1" rIns="91425" wrap="square" tIns="91425">
-            <a:spAutoFit/>
-          </a:bodyPr>
-          <a:lstStyle/>
-          <a:p>
-            <a:pPr indent="0" lvl="0" marL="0" rtl="0" algn="l">
-              <a:spcBef>
-                <a:spcPts val="0"/>
-              </a:spcBef>
-              <a:spcAft>
-                <a:spcPts val="0"/>
-              </a:spcAft>
-              <a:buNone/>
-            </a:pPr>
-            <a:r>
-              <a:rPr lang="en"/>
-              <a:t>mul1</a:t>
-            </a:r>
-            <a:endParaRPr/>
-          </a:p>
-        </p:txBody>
-      </p:sp>
-      <p:sp>
-        <p:nvSpPr>
-          <p:cNvPr id="111" name="Google Shape;111;p16"/>
-          <p:cNvSpPr/>
-          <p:nvPr/>
-        </p:nvSpPr>
-        <p:spPr>
-          <a:xfrm>
-            <a:off x="6118541" y="2997188"/>
-            <a:ext cx="1795716" cy="1256364"/>
-          </a:xfrm>
-          <a:prstGeom prst="irregularSeal1">
-            <a:avLst/>
-          </a:prstGeom>
-          <a:solidFill>
-            <a:srgbClr val="FCE5CD"/>
-          </a:solidFill>
-          <a:ln cap="flat" cmpd="sng" w="9525">
-            <a:solidFill>
-              <a:schemeClr val="dk2"/>
-            </a:solidFill>
-            <a:prstDash val="solid"/>
-            <a:round/>
-            <a:headEnd len="sm" w="sm" type="none"/>
-            <a:tailEnd len="sm" w="sm" type="none"/>
-          </a:ln>
-        </p:spPr>
-        <p:txBody>
-          <a:bodyPr anchorCtr="0" anchor="ctr" bIns="91425" lIns="91425" spcFirstLastPara="1" rIns="91425" wrap="square" tIns="91425">
-            <a:noAutofit/>
-          </a:bodyPr>
-          <a:lstStyle/>
-          <a:p>
-            <a:pPr indent="0" lvl="0" marL="0" rtl="0" algn="l">
-              <a:spcBef>
-                <a:spcPts val="0"/>
-              </a:spcBef>
-              <a:spcAft>
-                <a:spcPts val="0"/>
-              </a:spcAft>
-              <a:buNone/>
-            </a:pPr>
-            <a:r>
-              <a:rPr lang="en" sz="1300"/>
-              <a:t>SM control</a:t>
-            </a:r>
-            <a:endParaRPr sz="1300"/>
-          </a:p>
-          <a:p>
-            <a:pPr indent="0" lvl="0" marL="0" rtl="0" algn="l">
-              <a:spcBef>
-                <a:spcPts val="0"/>
-              </a:spcBef>
-              <a:spcAft>
-                <a:spcPts val="0"/>
-              </a:spcAft>
-              <a:buNone/>
-            </a:pPr>
-            <a:r>
-              <a:rPr lang="en" sz="1300"/>
-              <a:t>(counter)</a:t>
-            </a:r>
-            <a:endParaRPr sz="1300"/>
-          </a:p>
-        </p:txBody>
-      </p:sp>
-      <p:sp>
-        <p:nvSpPr>
-          <p:cNvPr id="112" name="Google Shape;112;p16"/>
-          <p:cNvSpPr txBox="1"/>
-          <p:nvPr/>
-        </p:nvSpPr>
-        <p:spPr>
-          <a:xfrm>
-            <a:off x="8045925" y="4369025"/>
-            <a:ext cx="846900" cy="400200"/>
-          </a:xfrm>
-          <a:prstGeom prst="rect">
-            <a:avLst/>
-          </a:prstGeom>
-          <a:noFill/>
-          <a:ln>
-            <a:noFill/>
-          </a:ln>
-        </p:spPr>
-        <p:txBody>
-          <a:bodyPr anchorCtr="0" anchor="t" bIns="91425" lIns="91425" spcFirstLastPara="1" rIns="91425" wrap="square" tIns="91425">
-            <a:spAutoFit/>
-          </a:bodyPr>
-          <a:lstStyle/>
-          <a:p>
-            <a:pPr indent="0" lvl="0" marL="0" rtl="0" algn="l">
-              <a:spcBef>
-                <a:spcPts val="0"/>
-              </a:spcBef>
-              <a:spcAft>
-                <a:spcPts val="0"/>
-              </a:spcAft>
-              <a:buNone/>
-            </a:pPr>
-            <a:r>
-              <a:rPr lang="en"/>
-              <a:t>out</a:t>
-            </a:r>
-            <a:endParaRPr/>
-          </a:p>
-        </p:txBody>
-      </p:sp>
-      <p:sp>
-        <p:nvSpPr>
-          <p:cNvPr id="113" name="Google Shape;113;p16"/>
-          <p:cNvSpPr txBox="1"/>
-          <p:nvPr/>
-        </p:nvSpPr>
-        <p:spPr>
-          <a:xfrm rot="-1310828">
-            <a:off x="1322270" y="2997254"/>
-            <a:ext cx="2024284" cy="400099"/>
-          </a:xfrm>
-          <a:prstGeom prst="rect">
-            <a:avLst/>
-          </a:prstGeom>
-          <a:noFill/>
-          <a:ln>
-            <a:noFill/>
-          </a:ln>
-        </p:spPr>
-        <p:txBody>
-          <a:bodyPr anchorCtr="0" anchor="t" bIns="91425" lIns="91425" spcFirstLastPara="1" rIns="91425" wrap="square" tIns="91425">
-            <a:spAutoFit/>
-          </a:bodyPr>
-          <a:lstStyle/>
-          <a:p>
-            <a:pPr indent="0" lvl="0" marL="0" rtl="0" algn="l">
-              <a:spcBef>
-                <a:spcPts val="0"/>
-              </a:spcBef>
-              <a:spcAft>
-                <a:spcPts val="0"/>
-              </a:spcAft>
-              <a:buNone/>
-            </a:pPr>
-            <a:r>
-              <a:rPr b="1" i="1" lang="en"/>
-              <a:t>16x16_multiplier.sv</a:t>
-            </a:r>
-            <a:endParaRPr b="1" i="1"/>
-          </a:p>
-        </p:txBody>
-      </p:sp>
-      <p:cxnSp>
-        <p:nvCxnSpPr>
-          <p:cNvPr id="114" name="Google Shape;114;p16"/>
-          <p:cNvCxnSpPr>
-            <a:stCxn id="111" idx="0"/>
-            <a:endCxn id="115" idx="1"/>
-          </p:cNvCxnSpPr>
-          <p:nvPr/>
-        </p:nvCxnSpPr>
-        <p:spPr>
-          <a:xfrm>
-            <a:off x="7325828" y="2997188"/>
-            <a:ext cx="966300" cy="2400"/>
-          </a:xfrm>
-          <a:prstGeom prst="straightConnector1">
-            <a:avLst/>
-          </a:prstGeom>
-          <a:noFill/>
-          <a:ln cap="flat" cmpd="sng" w="9525">
-            <a:solidFill>
-              <a:schemeClr val="dk2"/>
-            </a:solidFill>
-            <a:prstDash val="solid"/>
-            <a:round/>
-            <a:headEnd len="med" w="med" type="none"/>
-            <a:tailEnd len="med" w="med" type="triangle"/>
-          </a:ln>
-        </p:spPr>
-      </p:cxnSp>
-      <p:sp>
-        <p:nvSpPr>
-          <p:cNvPr id="115" name="Google Shape;115;p16"/>
-          <p:cNvSpPr txBox="1"/>
-          <p:nvPr/>
-        </p:nvSpPr>
-        <p:spPr>
-          <a:xfrm>
-            <a:off x="8292075" y="2799350"/>
-            <a:ext cx="846900" cy="400200"/>
-          </a:xfrm>
-          <a:prstGeom prst="rect">
-            <a:avLst/>
-          </a:prstGeom>
-          <a:noFill/>
-          <a:ln>
-            <a:noFill/>
-          </a:ln>
-        </p:spPr>
-        <p:txBody>
-          <a:bodyPr anchorCtr="0" anchor="t" bIns="91425" lIns="91425" spcFirstLastPara="1" rIns="91425" wrap="square" tIns="91425">
-            <a:spAutoFit/>
-          </a:bodyPr>
-          <a:lstStyle/>
-          <a:p>
-            <a:pPr indent="0" lvl="0" marL="0" rtl="0" algn="l">
-              <a:spcBef>
-                <a:spcPts val="0"/>
-              </a:spcBef>
-              <a:spcAft>
-                <a:spcPts val="0"/>
-              </a:spcAft>
-              <a:buNone/>
-            </a:pPr>
-            <a:r>
-              <a:rPr lang="en"/>
-              <a:t>rdy</a:t>
-            </a:r>
-            <a:endParaRPr/>
-          </a:p>
-        </p:txBody>
-      </p:sp>
-      <p:cxnSp>
-        <p:nvCxnSpPr>
-          <p:cNvPr id="116" name="Google Shape;116;p16"/>
-          <p:cNvCxnSpPr>
-            <a:stCxn id="117" idx="2"/>
-            <a:endCxn id="106" idx="0"/>
-          </p:cNvCxnSpPr>
-          <p:nvPr/>
-        </p:nvCxnSpPr>
-        <p:spPr>
-          <a:xfrm flipH="1">
-            <a:off x="3649188" y="3397400"/>
-            <a:ext cx="1384800" cy="330600"/>
-          </a:xfrm>
-          <a:prstGeom prst="straightConnector1">
-            <a:avLst/>
-          </a:prstGeom>
-          <a:noFill/>
-          <a:ln cap="flat" cmpd="sng" w="9525">
-            <a:solidFill>
-              <a:schemeClr val="dk2"/>
-            </a:solidFill>
-            <a:prstDash val="solid"/>
-            <a:round/>
-            <a:headEnd len="med" w="med" type="none"/>
-            <a:tailEnd len="med" w="med" type="triangle"/>
-          </a:ln>
-        </p:spPr>
-      </p:cxnSp>
-      <p:cxnSp>
-        <p:nvCxnSpPr>
-          <p:cNvPr id="118" name="Google Shape;118;p16"/>
-          <p:cNvCxnSpPr>
-            <a:stCxn id="103" idx="2"/>
-            <a:endCxn id="106" idx="0"/>
-          </p:cNvCxnSpPr>
-          <p:nvPr/>
-        </p:nvCxnSpPr>
-        <p:spPr>
-          <a:xfrm>
-            <a:off x="3517800" y="1937125"/>
-            <a:ext cx="131400" cy="1790700"/>
-          </a:xfrm>
-          <a:prstGeom prst="straightConnector1">
-            <a:avLst/>
-          </a:prstGeom>
-          <a:noFill/>
-          <a:ln cap="flat" cmpd="sng" w="9525">
-            <a:solidFill>
-              <a:schemeClr val="dk2"/>
-            </a:solidFill>
-            <a:prstDash val="solid"/>
-            <a:round/>
-            <a:headEnd len="med" w="med" type="none"/>
-            <a:tailEnd len="med" w="med" type="triangle"/>
-          </a:ln>
-        </p:spPr>
-      </p:cxnSp>
-      <p:cxnSp>
-        <p:nvCxnSpPr>
-          <p:cNvPr id="119" name="Google Shape;119;p16"/>
-          <p:cNvCxnSpPr>
-            <a:endCxn id="117" idx="3"/>
-          </p:cNvCxnSpPr>
-          <p:nvPr/>
-        </p:nvCxnSpPr>
-        <p:spPr>
-          <a:xfrm rot="10800000">
-            <a:off x="5637288" y="3197300"/>
-            <a:ext cx="660600" cy="272100"/>
-          </a:xfrm>
-          <a:prstGeom prst="straightConnector1">
-            <a:avLst/>
-          </a:prstGeom>
-          <a:noFill/>
-          <a:ln cap="flat" cmpd="sng" w="9525">
-            <a:solidFill>
-              <a:schemeClr val="dk2"/>
-            </a:solidFill>
-            <a:prstDash val="solid"/>
-            <a:round/>
-            <a:headEnd len="med" w="med" type="none"/>
-            <a:tailEnd len="med" w="med" type="triangle"/>
-          </a:ln>
-        </p:spPr>
-      </p:cxnSp>
-      <p:cxnSp>
-        <p:nvCxnSpPr>
-          <p:cNvPr id="120" name="Google Shape;120;p16"/>
-          <p:cNvCxnSpPr/>
-          <p:nvPr/>
-        </p:nvCxnSpPr>
-        <p:spPr>
-          <a:xfrm flipH="1">
-            <a:off x="4844175" y="2220800"/>
-            <a:ext cx="598500" cy="218700"/>
-          </a:xfrm>
-          <a:prstGeom prst="straightConnector1">
-            <a:avLst/>
-          </a:prstGeom>
-          <a:noFill/>
-          <a:ln cap="flat" cmpd="sng" w="9525">
-            <a:solidFill>
-              <a:schemeClr val="dk2"/>
-            </a:solidFill>
-            <a:prstDash val="solid"/>
-            <a:round/>
-            <a:headEnd len="med" w="med" type="none"/>
-            <a:tailEnd len="med" w="med" type="triangle"/>
-          </a:ln>
-        </p:spPr>
-      </p:cxnSp>
-      <p:cxnSp>
-        <p:nvCxnSpPr>
-          <p:cNvPr id="121" name="Google Shape;121;p16"/>
-          <p:cNvCxnSpPr/>
-          <p:nvPr/>
-        </p:nvCxnSpPr>
-        <p:spPr>
-          <a:xfrm>
-            <a:off x="7510175" y="4533900"/>
-            <a:ext cx="535800" cy="28200"/>
-          </a:xfrm>
-          <a:prstGeom prst="straightConnector1">
-            <a:avLst/>
-          </a:prstGeom>
-          <a:noFill/>
-          <a:ln cap="flat" cmpd="sng" w="9525">
-            <a:solidFill>
-              <a:schemeClr val="dk2"/>
-            </a:solidFill>
-            <a:prstDash val="solid"/>
-            <a:round/>
-            <a:headEnd len="med" w="med" type="none"/>
-            <a:tailEnd len="med" w="med" type="triangle"/>
-          </a:ln>
-        </p:spPr>
-      </p:cxnSp>
-      <p:sp>
-        <p:nvSpPr>
-          <p:cNvPr id="122" name="Google Shape;122;p16"/>
-          <p:cNvSpPr txBox="1"/>
-          <p:nvPr/>
-        </p:nvSpPr>
-        <p:spPr>
-          <a:xfrm>
-            <a:off x="8097200" y="1928425"/>
-            <a:ext cx="846900" cy="400200"/>
-          </a:xfrm>
-          <a:prstGeom prst="rect">
-            <a:avLst/>
-          </a:prstGeom>
-          <a:noFill/>
-          <a:ln>
-            <a:noFill/>
-          </a:ln>
-        </p:spPr>
-        <p:txBody>
-          <a:bodyPr anchorCtr="0" anchor="t" bIns="91425" lIns="91425" spcFirstLastPara="1" rIns="91425" wrap="square" tIns="91425">
-            <a:spAutoFit/>
-          </a:bodyPr>
-          <a:lstStyle/>
-          <a:p>
-            <a:pPr indent="0" lvl="0" marL="0" rtl="0" algn="l">
-              <a:spcBef>
-                <a:spcPts val="0"/>
-              </a:spcBef>
-              <a:spcAft>
-                <a:spcPts val="0"/>
-              </a:spcAft>
-              <a:buNone/>
-            </a:pPr>
-            <a:r>
-              <a:rPr lang="en"/>
-              <a:t>start</a:t>
-            </a:r>
-            <a:endParaRPr/>
-          </a:p>
-        </p:txBody>
-      </p:sp>
-      <p:sp>
-        <p:nvSpPr>
-          <p:cNvPr id="117" name="Google Shape;117;p16"/>
-          <p:cNvSpPr/>
-          <p:nvPr/>
-        </p:nvSpPr>
-        <p:spPr>
-          <a:xfrm>
-            <a:off x="4430688" y="2997200"/>
-            <a:ext cx="1206600" cy="400200"/>
-          </a:xfrm>
-          <a:prstGeom prst="rect">
-            <a:avLst/>
-          </a:prstGeom>
-          <a:solidFill>
-            <a:srgbClr val="00FF00"/>
-          </a:solidFill>
-          <a:ln cap="flat" cmpd="sng" w="9525">
-            <a:solidFill>
-              <a:schemeClr val="dk1"/>
-            </a:solidFill>
-            <a:prstDash val="solid"/>
-            <a:round/>
-            <a:headEnd len="sm" w="sm" type="none"/>
-            <a:tailEnd len="sm" w="sm" type="none"/>
-          </a:ln>
-        </p:spPr>
-        <p:txBody>
-          <a:bodyPr anchorCtr="0" anchor="ctr" bIns="91425" lIns="91425" spcFirstLastPara="1" rIns="91425" wrap="square" tIns="91425">
-            <a:noAutofit/>
-          </a:bodyPr>
-          <a:lstStyle/>
-          <a:p>
-            <a:pPr indent="0" lvl="0" marL="0" rtl="0" algn="l">
-              <a:spcBef>
-                <a:spcPts val="0"/>
-              </a:spcBef>
-              <a:spcAft>
-                <a:spcPts val="0"/>
-              </a:spcAft>
-              <a:buNone/>
-            </a:pPr>
-            <a:r>
-              <a:rPr lang="en"/>
-              <a:t>Mux</a:t>
-            </a:r>
-            <a:endParaRPr/>
-          </a:p>
-        </p:txBody>
-      </p:sp>
-      <p:cxnSp>
-        <p:nvCxnSpPr>
-          <p:cNvPr id="123" name="Google Shape;123;p16"/>
-          <p:cNvCxnSpPr>
-            <a:endCxn id="117" idx="0"/>
-          </p:cNvCxnSpPr>
-          <p:nvPr/>
-        </p:nvCxnSpPr>
-        <p:spPr>
-          <a:xfrm>
-            <a:off x="4640988" y="2834600"/>
-            <a:ext cx="393000" cy="162600"/>
-          </a:xfrm>
-          <a:prstGeom prst="straightConnector1">
-            <a:avLst/>
-          </a:prstGeom>
-          <a:noFill/>
-          <a:ln cap="flat" cmpd="sng" w="9525">
-            <a:solidFill>
-              <a:schemeClr val="dk2"/>
-            </a:solidFill>
-            <a:prstDash val="solid"/>
-            <a:round/>
-            <a:headEnd len="med" w="med" type="none"/>
-            <a:tailEnd len="med" w="med" type="triangle"/>
-          </a:ln>
-        </p:spPr>
-      </p:cxnSp>
-      <p:sp>
-        <p:nvSpPr>
-          <p:cNvPr id="124" name="Google Shape;124;p16"/>
-          <p:cNvSpPr/>
-          <p:nvPr/>
-        </p:nvSpPr>
-        <p:spPr>
-          <a:xfrm>
-            <a:off x="5442675" y="2424162"/>
-            <a:ext cx="596100" cy="400200"/>
-          </a:xfrm>
-          <a:prstGeom prst="rect">
-            <a:avLst/>
-          </a:prstGeom>
-          <a:solidFill>
-            <a:srgbClr val="D9D2E9"/>
-          </a:solidFill>
-          <a:ln cap="flat" cmpd="sng" w="9525">
-            <a:solidFill>
-              <a:schemeClr val="dk1"/>
-            </a:solidFill>
-            <a:prstDash val="solid"/>
-            <a:round/>
-            <a:headEnd len="sm" w="sm" type="none"/>
-            <a:tailEnd len="sm" w="sm" type="none"/>
-          </a:ln>
-        </p:spPr>
-        <p:txBody>
-          <a:bodyPr anchorCtr="0" anchor="ctr" bIns="91425" lIns="91425" spcFirstLastPara="1" rIns="91425" wrap="square" tIns="91425">
-            <a:noAutofit/>
-          </a:bodyPr>
-          <a:lstStyle/>
-          <a:p>
-            <a:pPr indent="0" lvl="0" marL="0" rtl="0" algn="l">
-              <a:spcBef>
-                <a:spcPts val="0"/>
-              </a:spcBef>
-              <a:spcAft>
-                <a:spcPts val="0"/>
-              </a:spcAft>
-              <a:buNone/>
-            </a:pPr>
-            <a:r>
-              <a:rPr lang="en"/>
-              <a:t>0</a:t>
-            </a:r>
-            <a:endParaRPr/>
-          </a:p>
-        </p:txBody>
-      </p:sp>
-      <p:cxnSp>
-        <p:nvCxnSpPr>
-          <p:cNvPr id="125" name="Google Shape;125;p16"/>
-          <p:cNvCxnSpPr>
-            <a:stCxn id="124" idx="2"/>
-          </p:cNvCxnSpPr>
-          <p:nvPr/>
-        </p:nvCxnSpPr>
-        <p:spPr>
-          <a:xfrm flipH="1">
-            <a:off x="5293125" y="2824362"/>
-            <a:ext cx="447600" cy="178800"/>
-          </a:xfrm>
-          <a:prstGeom prst="straightConnector1">
-            <a:avLst/>
-          </a:prstGeom>
-          <a:noFill/>
-          <a:ln cap="flat" cmpd="sng" w="9525">
-            <a:solidFill>
-              <a:schemeClr val="dk2"/>
-            </a:solidFill>
-            <a:prstDash val="solid"/>
-            <a:round/>
-            <a:headEnd len="med" w="med" type="none"/>
-            <a:tailEnd len="med" w="med" type="triangle"/>
-          </a:ln>
-        </p:spPr>
-      </p:cxnSp>
-      <p:cxnSp>
-        <p:nvCxnSpPr>
-          <p:cNvPr id="126" name="Google Shape;126;p16"/>
-          <p:cNvCxnSpPr/>
-          <p:nvPr/>
-        </p:nvCxnSpPr>
-        <p:spPr>
-          <a:xfrm flipH="1" rot="10800000">
-            <a:off x="5753350" y="2251200"/>
-            <a:ext cx="671100" cy="1695600"/>
-          </a:xfrm>
-          <a:prstGeom prst="straightConnector1">
-            <a:avLst/>
-          </a:prstGeom>
-          <a:noFill/>
-          <a:ln cap="flat" cmpd="sng" w="9525">
-            <a:solidFill>
-              <a:schemeClr val="dk2"/>
-            </a:solidFill>
-            <a:prstDash val="solid"/>
-            <a:round/>
-            <a:headEnd len="med" w="med" type="none"/>
-            <a:tailEnd len="med" w="med" type="triangle"/>
-          </a:ln>
-        </p:spPr>
-      </p:cxnSp>
-      <p:cxnSp>
-        <p:nvCxnSpPr>
-          <p:cNvPr id="127" name="Google Shape;127;p16"/>
-          <p:cNvCxnSpPr/>
-          <p:nvPr/>
-        </p:nvCxnSpPr>
-        <p:spPr>
-          <a:xfrm>
-            <a:off x="4215250" y="3946800"/>
-            <a:ext cx="1549500" cy="0"/>
-          </a:xfrm>
-          <a:prstGeom prst="straightConnector1">
-            <a:avLst/>
-          </a:prstGeom>
-          <a:noFill/>
-          <a:ln cap="flat" cmpd="sng" w="9525">
-            <a:solidFill>
-              <a:schemeClr val="dk2"/>
-            </a:solidFill>
-            <a:prstDash val="solid"/>
-            <a:round/>
-            <a:headEnd len="med" w="med" type="none"/>
-            <a:tailEnd len="med" w="med" type="triangle"/>
-          </a:ln>
-        </p:spPr>
-      </p:cxnSp>
-      <p:cxnSp>
-        <p:nvCxnSpPr>
-          <p:cNvPr id="128" name="Google Shape;128;p16"/>
-          <p:cNvCxnSpPr/>
-          <p:nvPr/>
-        </p:nvCxnSpPr>
-        <p:spPr>
-          <a:xfrm>
-            <a:off x="5740725" y="3946800"/>
-            <a:ext cx="1761600" cy="586800"/>
-          </a:xfrm>
-          <a:prstGeom prst="straightConnector1">
-            <a:avLst/>
-          </a:prstGeom>
-          <a:noFill/>
-          <a:ln cap="flat" cmpd="sng" w="9525">
-            <a:solidFill>
-              <a:schemeClr val="dk2"/>
-            </a:solidFill>
-            <a:prstDash val="solid"/>
-            <a:round/>
-            <a:headEnd len="med" w="med" type="none"/>
-            <a:tailEnd len="med" w="med" type="triangle"/>
-          </a:ln>
-        </p:spPr>
-      </p:cxnSp>
-      <p:cxnSp>
-        <p:nvCxnSpPr>
-          <p:cNvPr id="129" name="Google Shape;129;p16"/>
-          <p:cNvCxnSpPr>
-            <a:stCxn id="122" idx="1"/>
-          </p:cNvCxnSpPr>
-          <p:nvPr/>
-        </p:nvCxnSpPr>
-        <p:spPr>
-          <a:xfrm flipH="1">
-            <a:off x="6823400" y="2128525"/>
-            <a:ext cx="1273800" cy="1012800"/>
-          </a:xfrm>
-          <a:prstGeom prst="straightConnector1">
-            <a:avLst/>
-          </a:prstGeom>
-          <a:noFill/>
-          <a:ln cap="flat" cmpd="sng" w="9525">
-            <a:solidFill>
-              <a:schemeClr val="dk2"/>
-            </a:solidFill>
-            <a:prstDash val="solid"/>
-            <a:round/>
-            <a:headEnd len="med" w="med" type="none"/>
-            <a:tailEnd len="med" w="med" type="triangle"/>
-          </a:ln>
-        </p:spPr>
-      </p:cxnSp>
     </p:spTree>
   </p:cSld>
   <p:clrMapOvr>
@@ -9307,7 +9116,7 @@
   <p:cSld>
     <p:spTree>
       <p:nvGrpSpPr>
-        <p:cNvPr id="133" name="Shape 133"/>
+        <p:cNvPr id="106" name="Shape 106"/>
         <p:cNvGrpSpPr/>
         <p:nvPr/>
       </p:nvGrpSpPr>
@@ -9321,7 +9130,7 @@
       </p:grpSpPr>
       <p:sp>
         <p:nvSpPr>
-          <p:cNvPr id="134" name="Google Shape;134;p17"/>
+          <p:cNvPr id="107" name="Google Shape;107;p17"/>
           <p:cNvSpPr txBox="1"/>
           <p:nvPr>
             <p:ph idx="4294967295" type="title"/>
@@ -9353,6 +9162,1135 @@
             </a:pPr>
             <a:r>
               <a:rPr lang="en"/>
+              <a:t>16-by-16 Four-cycle M</a:t>
+            </a:r>
+            <a:r>
+              <a:rPr lang="en"/>
+              <a:t>ultiplier</a:t>
+            </a:r>
+            <a:endParaRPr/>
+          </a:p>
+        </p:txBody>
+      </p:sp>
+      <p:sp>
+        <p:nvSpPr>
+          <p:cNvPr id="108" name="Google Shape;108;p17"/>
+          <p:cNvSpPr/>
+          <p:nvPr/>
+        </p:nvSpPr>
+        <p:spPr>
+          <a:xfrm>
+            <a:off x="1400675" y="1017725"/>
+            <a:ext cx="6555600" cy="3751500"/>
+          </a:xfrm>
+          <a:prstGeom prst="rect">
+            <a:avLst/>
+          </a:prstGeom>
+          <a:solidFill>
+            <a:srgbClr val="FFF2CC"/>
+          </a:solidFill>
+          <a:ln cap="flat" cmpd="sng" w="28575">
+            <a:solidFill>
+              <a:srgbClr val="38761D"/>
+            </a:solidFill>
+            <a:prstDash val="solid"/>
+            <a:round/>
+            <a:headEnd len="sm" w="sm" type="none"/>
+            <a:tailEnd len="sm" w="sm" type="none"/>
+          </a:ln>
+        </p:spPr>
+        <p:txBody>
+          <a:bodyPr anchorCtr="0" anchor="ctr" bIns="91425" lIns="91425" spcFirstLastPara="1" rIns="91425" wrap="square" tIns="91425">
+            <a:noAutofit/>
+          </a:bodyPr>
+          <a:lstStyle/>
+          <a:p>
+            <a:pPr indent="0" lvl="0" marL="0" rtl="0" algn="l">
+              <a:spcBef>
+                <a:spcPts val="0"/>
+              </a:spcBef>
+              <a:spcAft>
+                <a:spcPts val="0"/>
+              </a:spcAft>
+              <a:buNone/>
+            </a:pPr>
+            <a:r>
+              <a:t/>
+            </a:r>
+            <a:endParaRPr/>
+          </a:p>
+        </p:txBody>
+      </p:sp>
+      <p:sp>
+        <p:nvSpPr>
+          <p:cNvPr id="109" name="Google Shape;109;p17"/>
+          <p:cNvSpPr/>
+          <p:nvPr/>
+        </p:nvSpPr>
+        <p:spPr>
+          <a:xfrm>
+            <a:off x="2001600" y="1536925"/>
+            <a:ext cx="3032400" cy="400200"/>
+          </a:xfrm>
+          <a:prstGeom prst="rect">
+            <a:avLst/>
+          </a:prstGeom>
+          <a:solidFill>
+            <a:srgbClr val="FF9900"/>
+          </a:solidFill>
+          <a:ln cap="flat" cmpd="sng" w="9525">
+            <a:solidFill>
+              <a:schemeClr val="dk1"/>
+            </a:solidFill>
+            <a:prstDash val="solid"/>
+            <a:round/>
+            <a:headEnd len="sm" w="sm" type="none"/>
+            <a:tailEnd len="sm" w="sm" type="none"/>
+          </a:ln>
+        </p:spPr>
+        <p:txBody>
+          <a:bodyPr anchorCtr="0" anchor="ctr" bIns="91425" lIns="91425" spcFirstLastPara="1" rIns="91425" wrap="square" tIns="91425">
+            <a:noAutofit/>
+          </a:bodyPr>
+          <a:lstStyle/>
+          <a:p>
+            <a:pPr indent="0" lvl="0" marL="0" rtl="0" algn="l">
+              <a:spcBef>
+                <a:spcPts val="0"/>
+              </a:spcBef>
+              <a:spcAft>
+                <a:spcPts val="0"/>
+              </a:spcAft>
+              <a:buNone/>
+            </a:pPr>
+            <a:r>
+              <a:rPr lang="en"/>
+              <a:t>16x4 single-cycle </a:t>
+            </a:r>
+            <a:r>
+              <a:rPr lang="en"/>
+              <a:t>signed</a:t>
+            </a:r>
+            <a:r>
+              <a:rPr lang="en"/>
+              <a:t> </a:t>
+            </a:r>
+            <a:r>
+              <a:rPr lang="en"/>
+              <a:t>multiplier</a:t>
+            </a:r>
+            <a:endParaRPr/>
+          </a:p>
+        </p:txBody>
+      </p:sp>
+      <p:sp>
+        <p:nvSpPr>
+          <p:cNvPr id="110" name="Google Shape;110;p17"/>
+          <p:cNvSpPr/>
+          <p:nvPr/>
+        </p:nvSpPr>
+        <p:spPr>
+          <a:xfrm>
+            <a:off x="5031900" y="1504338"/>
+            <a:ext cx="1871400" cy="833400"/>
+          </a:xfrm>
+          <a:prstGeom prst="rect">
+            <a:avLst/>
+          </a:prstGeom>
+          <a:solidFill>
+            <a:schemeClr val="accent6"/>
+          </a:solidFill>
+          <a:ln cap="flat" cmpd="sng" w="9525">
+            <a:solidFill>
+              <a:schemeClr val="dk1"/>
+            </a:solidFill>
+            <a:prstDash val="solid"/>
+            <a:round/>
+            <a:headEnd len="sm" w="sm" type="none"/>
+            <a:tailEnd len="sm" w="sm" type="none"/>
+          </a:ln>
+        </p:spPr>
+        <p:txBody>
+          <a:bodyPr anchorCtr="0" anchor="ctr" bIns="91425" lIns="91425" spcFirstLastPara="1" rIns="91425" wrap="square" tIns="91425">
+            <a:noAutofit/>
+          </a:bodyPr>
+          <a:lstStyle/>
+          <a:p>
+            <a:pPr indent="0" lvl="0" marL="0" rtl="0" algn="ctr">
+              <a:spcBef>
+                <a:spcPts val="0"/>
+              </a:spcBef>
+              <a:spcAft>
+                <a:spcPts val="0"/>
+              </a:spcAft>
+              <a:buNone/>
+            </a:pPr>
+            <a:r>
+              <a:rPr lang="en"/>
+              <a:t>Accumulator</a:t>
+            </a:r>
+            <a:endParaRPr/>
+          </a:p>
+        </p:txBody>
+      </p:sp>
+      <p:sp>
+        <p:nvSpPr>
+          <p:cNvPr id="111" name="Google Shape;111;p17"/>
+          <p:cNvSpPr/>
+          <p:nvPr/>
+        </p:nvSpPr>
+        <p:spPr>
+          <a:xfrm>
+            <a:off x="3821700" y="2434350"/>
+            <a:ext cx="1518300" cy="400200"/>
+          </a:xfrm>
+          <a:prstGeom prst="rect">
+            <a:avLst/>
+          </a:prstGeom>
+          <a:solidFill>
+            <a:srgbClr val="D9D2E9"/>
+          </a:solidFill>
+          <a:ln cap="flat" cmpd="sng" w="9525">
+            <a:solidFill>
+              <a:schemeClr val="dk1"/>
+            </a:solidFill>
+            <a:prstDash val="solid"/>
+            <a:round/>
+            <a:headEnd len="sm" w="sm" type="none"/>
+            <a:tailEnd len="sm" w="sm" type="none"/>
+          </a:ln>
+        </p:spPr>
+        <p:txBody>
+          <a:bodyPr anchorCtr="0" anchor="ctr" bIns="91425" lIns="91425" spcFirstLastPara="1" rIns="91425" wrap="square" tIns="91425">
+            <a:noAutofit/>
+          </a:bodyPr>
+          <a:lstStyle/>
+          <a:p>
+            <a:pPr indent="0" lvl="0" marL="0" rtl="0" algn="l">
+              <a:spcBef>
+                <a:spcPts val="0"/>
+              </a:spcBef>
+              <a:spcAft>
+                <a:spcPts val="0"/>
+              </a:spcAft>
+              <a:buNone/>
+            </a:pPr>
+            <a:r>
+              <a:rPr lang="en"/>
+              <a:t>Left shifter by 4</a:t>
+            </a:r>
+            <a:endParaRPr/>
+          </a:p>
+        </p:txBody>
+      </p:sp>
+      <p:sp>
+        <p:nvSpPr>
+          <p:cNvPr id="112" name="Google Shape;112;p17"/>
+          <p:cNvSpPr/>
+          <p:nvPr/>
+        </p:nvSpPr>
+        <p:spPr>
+          <a:xfrm>
+            <a:off x="3045900" y="3727900"/>
+            <a:ext cx="1206600" cy="515100"/>
+          </a:xfrm>
+          <a:prstGeom prst="rect">
+            <a:avLst/>
+          </a:prstGeom>
+          <a:solidFill>
+            <a:srgbClr val="A4C2F4"/>
+          </a:solidFill>
+          <a:ln cap="flat" cmpd="sng" w="9525">
+            <a:solidFill>
+              <a:schemeClr val="dk1"/>
+            </a:solidFill>
+            <a:prstDash val="solid"/>
+            <a:round/>
+            <a:headEnd len="sm" w="sm" type="none"/>
+            <a:tailEnd len="sm" w="sm" type="none"/>
+          </a:ln>
+        </p:spPr>
+        <p:txBody>
+          <a:bodyPr anchorCtr="0" anchor="ctr" bIns="91425" lIns="91425" spcFirstLastPara="1" rIns="91425" wrap="square" tIns="91425">
+            <a:noAutofit/>
+          </a:bodyPr>
+          <a:lstStyle/>
+          <a:p>
+            <a:pPr indent="0" lvl="0" marL="0" rtl="0" algn="l">
+              <a:spcBef>
+                <a:spcPts val="0"/>
+              </a:spcBef>
+              <a:spcAft>
+                <a:spcPts val="0"/>
+              </a:spcAft>
+              <a:buNone/>
+            </a:pPr>
+            <a:r>
+              <a:rPr lang="en"/>
+              <a:t>32-bit adder</a:t>
+            </a:r>
+            <a:endParaRPr/>
+          </a:p>
+        </p:txBody>
+      </p:sp>
+      <p:cxnSp>
+        <p:nvCxnSpPr>
+          <p:cNvPr id="113" name="Google Shape;113;p17"/>
+          <p:cNvCxnSpPr/>
+          <p:nvPr/>
+        </p:nvCxnSpPr>
+        <p:spPr>
+          <a:xfrm>
+            <a:off x="589800" y="1638425"/>
+            <a:ext cx="1411800" cy="0"/>
+          </a:xfrm>
+          <a:prstGeom prst="straightConnector1">
+            <a:avLst/>
+          </a:prstGeom>
+          <a:noFill/>
+          <a:ln cap="flat" cmpd="sng" w="9525">
+            <a:solidFill>
+              <a:schemeClr val="dk2"/>
+            </a:solidFill>
+            <a:prstDash val="solid"/>
+            <a:round/>
+            <a:headEnd len="med" w="med" type="none"/>
+            <a:tailEnd len="med" w="med" type="triangle"/>
+          </a:ln>
+        </p:spPr>
+      </p:cxnSp>
+      <p:cxnSp>
+        <p:nvCxnSpPr>
+          <p:cNvPr id="114" name="Google Shape;114;p17"/>
+          <p:cNvCxnSpPr/>
+          <p:nvPr/>
+        </p:nvCxnSpPr>
+        <p:spPr>
+          <a:xfrm>
+            <a:off x="589800" y="1790825"/>
+            <a:ext cx="1411800" cy="0"/>
+          </a:xfrm>
+          <a:prstGeom prst="straightConnector1">
+            <a:avLst/>
+          </a:prstGeom>
+          <a:noFill/>
+          <a:ln cap="flat" cmpd="sng" w="9525">
+            <a:solidFill>
+              <a:schemeClr val="dk2"/>
+            </a:solidFill>
+            <a:prstDash val="solid"/>
+            <a:round/>
+            <a:headEnd len="med" w="med" type="none"/>
+            <a:tailEnd len="med" w="med" type="triangle"/>
+          </a:ln>
+        </p:spPr>
+      </p:cxnSp>
+      <p:sp>
+        <p:nvSpPr>
+          <p:cNvPr id="115" name="Google Shape;115;p17"/>
+          <p:cNvSpPr txBox="1"/>
+          <p:nvPr/>
+        </p:nvSpPr>
+        <p:spPr>
+          <a:xfrm>
+            <a:off x="135475" y="1438325"/>
+            <a:ext cx="846900" cy="400200"/>
+          </a:xfrm>
+          <a:prstGeom prst="rect">
+            <a:avLst/>
+          </a:prstGeom>
+          <a:noFill/>
+          <a:ln>
+            <a:noFill/>
+          </a:ln>
+        </p:spPr>
+        <p:txBody>
+          <a:bodyPr anchorCtr="0" anchor="t" bIns="91425" lIns="91425" spcFirstLastPara="1" rIns="91425" wrap="square" tIns="91425">
+            <a:spAutoFit/>
+          </a:bodyPr>
+          <a:lstStyle/>
+          <a:p>
+            <a:pPr indent="0" lvl="0" marL="0" rtl="0" algn="l">
+              <a:spcBef>
+                <a:spcPts val="0"/>
+              </a:spcBef>
+              <a:spcAft>
+                <a:spcPts val="0"/>
+              </a:spcAft>
+              <a:buNone/>
+            </a:pPr>
+            <a:r>
+              <a:rPr lang="en"/>
+              <a:t>mul0</a:t>
+            </a:r>
+            <a:endParaRPr/>
+          </a:p>
+        </p:txBody>
+      </p:sp>
+      <p:sp>
+        <p:nvSpPr>
+          <p:cNvPr id="116" name="Google Shape;116;p17"/>
+          <p:cNvSpPr txBox="1"/>
+          <p:nvPr/>
+        </p:nvSpPr>
+        <p:spPr>
+          <a:xfrm>
+            <a:off x="135475" y="1590725"/>
+            <a:ext cx="846900" cy="400200"/>
+          </a:xfrm>
+          <a:prstGeom prst="rect">
+            <a:avLst/>
+          </a:prstGeom>
+          <a:noFill/>
+          <a:ln>
+            <a:noFill/>
+          </a:ln>
+        </p:spPr>
+        <p:txBody>
+          <a:bodyPr anchorCtr="0" anchor="t" bIns="91425" lIns="91425" spcFirstLastPara="1" rIns="91425" wrap="square" tIns="91425">
+            <a:spAutoFit/>
+          </a:bodyPr>
+          <a:lstStyle/>
+          <a:p>
+            <a:pPr indent="0" lvl="0" marL="0" rtl="0" algn="l">
+              <a:spcBef>
+                <a:spcPts val="0"/>
+              </a:spcBef>
+              <a:spcAft>
+                <a:spcPts val="0"/>
+              </a:spcAft>
+              <a:buNone/>
+            </a:pPr>
+            <a:r>
+              <a:rPr lang="en"/>
+              <a:t>mul1</a:t>
+            </a:r>
+            <a:endParaRPr/>
+          </a:p>
+        </p:txBody>
+      </p:sp>
+      <p:sp>
+        <p:nvSpPr>
+          <p:cNvPr id="117" name="Google Shape;117;p17"/>
+          <p:cNvSpPr/>
+          <p:nvPr/>
+        </p:nvSpPr>
+        <p:spPr>
+          <a:xfrm>
+            <a:off x="6118541" y="2997188"/>
+            <a:ext cx="1795716" cy="1256364"/>
+          </a:xfrm>
+          <a:prstGeom prst="irregularSeal1">
+            <a:avLst/>
+          </a:prstGeom>
+          <a:solidFill>
+            <a:srgbClr val="FCE5CD"/>
+          </a:solidFill>
+          <a:ln cap="flat" cmpd="sng" w="9525">
+            <a:solidFill>
+              <a:schemeClr val="dk2"/>
+            </a:solidFill>
+            <a:prstDash val="solid"/>
+            <a:round/>
+            <a:headEnd len="sm" w="sm" type="none"/>
+            <a:tailEnd len="sm" w="sm" type="none"/>
+          </a:ln>
+        </p:spPr>
+        <p:txBody>
+          <a:bodyPr anchorCtr="0" anchor="ctr" bIns="91425" lIns="91425" spcFirstLastPara="1" rIns="91425" wrap="square" tIns="91425">
+            <a:noAutofit/>
+          </a:bodyPr>
+          <a:lstStyle/>
+          <a:p>
+            <a:pPr indent="0" lvl="0" marL="0" rtl="0" algn="l">
+              <a:spcBef>
+                <a:spcPts val="0"/>
+              </a:spcBef>
+              <a:spcAft>
+                <a:spcPts val="0"/>
+              </a:spcAft>
+              <a:buNone/>
+            </a:pPr>
+            <a:r>
+              <a:rPr lang="en" sz="1300"/>
+              <a:t>SM control</a:t>
+            </a:r>
+            <a:endParaRPr sz="1300"/>
+          </a:p>
+          <a:p>
+            <a:pPr indent="0" lvl="0" marL="0" rtl="0" algn="l">
+              <a:spcBef>
+                <a:spcPts val="0"/>
+              </a:spcBef>
+              <a:spcAft>
+                <a:spcPts val="0"/>
+              </a:spcAft>
+              <a:buNone/>
+            </a:pPr>
+            <a:r>
+              <a:rPr lang="en" sz="1300"/>
+              <a:t>(counter)</a:t>
+            </a:r>
+            <a:endParaRPr sz="1300"/>
+          </a:p>
+        </p:txBody>
+      </p:sp>
+      <p:sp>
+        <p:nvSpPr>
+          <p:cNvPr id="118" name="Google Shape;118;p17"/>
+          <p:cNvSpPr txBox="1"/>
+          <p:nvPr/>
+        </p:nvSpPr>
+        <p:spPr>
+          <a:xfrm>
+            <a:off x="8045925" y="4369025"/>
+            <a:ext cx="846900" cy="400200"/>
+          </a:xfrm>
+          <a:prstGeom prst="rect">
+            <a:avLst/>
+          </a:prstGeom>
+          <a:noFill/>
+          <a:ln>
+            <a:noFill/>
+          </a:ln>
+        </p:spPr>
+        <p:txBody>
+          <a:bodyPr anchorCtr="0" anchor="t" bIns="91425" lIns="91425" spcFirstLastPara="1" rIns="91425" wrap="square" tIns="91425">
+            <a:spAutoFit/>
+          </a:bodyPr>
+          <a:lstStyle/>
+          <a:p>
+            <a:pPr indent="0" lvl="0" marL="0" rtl="0" algn="l">
+              <a:spcBef>
+                <a:spcPts val="0"/>
+              </a:spcBef>
+              <a:spcAft>
+                <a:spcPts val="0"/>
+              </a:spcAft>
+              <a:buNone/>
+            </a:pPr>
+            <a:r>
+              <a:rPr lang="en"/>
+              <a:t>out</a:t>
+            </a:r>
+            <a:endParaRPr/>
+          </a:p>
+        </p:txBody>
+      </p:sp>
+      <p:sp>
+        <p:nvSpPr>
+          <p:cNvPr id="119" name="Google Shape;119;p17"/>
+          <p:cNvSpPr txBox="1"/>
+          <p:nvPr/>
+        </p:nvSpPr>
+        <p:spPr>
+          <a:xfrm rot="-1310828">
+            <a:off x="1322270" y="2997254"/>
+            <a:ext cx="2024284" cy="400099"/>
+          </a:xfrm>
+          <a:prstGeom prst="rect">
+            <a:avLst/>
+          </a:prstGeom>
+          <a:noFill/>
+          <a:ln>
+            <a:noFill/>
+          </a:ln>
+        </p:spPr>
+        <p:txBody>
+          <a:bodyPr anchorCtr="0" anchor="t" bIns="91425" lIns="91425" spcFirstLastPara="1" rIns="91425" wrap="square" tIns="91425">
+            <a:spAutoFit/>
+          </a:bodyPr>
+          <a:lstStyle/>
+          <a:p>
+            <a:pPr indent="0" lvl="0" marL="0" rtl="0" algn="l">
+              <a:spcBef>
+                <a:spcPts val="0"/>
+              </a:spcBef>
+              <a:spcAft>
+                <a:spcPts val="0"/>
+              </a:spcAft>
+              <a:buNone/>
+            </a:pPr>
+            <a:r>
+              <a:rPr b="1" i="1" lang="en"/>
+              <a:t>16x16_multiplier.sv</a:t>
+            </a:r>
+            <a:endParaRPr b="1" i="1"/>
+          </a:p>
+        </p:txBody>
+      </p:sp>
+      <p:cxnSp>
+        <p:nvCxnSpPr>
+          <p:cNvPr id="120" name="Google Shape;120;p17"/>
+          <p:cNvCxnSpPr>
+            <a:stCxn id="117" idx="0"/>
+            <a:endCxn id="121" idx="1"/>
+          </p:cNvCxnSpPr>
+          <p:nvPr/>
+        </p:nvCxnSpPr>
+        <p:spPr>
+          <a:xfrm>
+            <a:off x="7325828" y="2997188"/>
+            <a:ext cx="966300" cy="2400"/>
+          </a:xfrm>
+          <a:prstGeom prst="straightConnector1">
+            <a:avLst/>
+          </a:prstGeom>
+          <a:noFill/>
+          <a:ln cap="flat" cmpd="sng" w="9525">
+            <a:solidFill>
+              <a:schemeClr val="dk2"/>
+            </a:solidFill>
+            <a:prstDash val="solid"/>
+            <a:round/>
+            <a:headEnd len="med" w="med" type="none"/>
+            <a:tailEnd len="med" w="med" type="triangle"/>
+          </a:ln>
+        </p:spPr>
+      </p:cxnSp>
+      <p:sp>
+        <p:nvSpPr>
+          <p:cNvPr id="121" name="Google Shape;121;p17"/>
+          <p:cNvSpPr txBox="1"/>
+          <p:nvPr/>
+        </p:nvSpPr>
+        <p:spPr>
+          <a:xfrm>
+            <a:off x="8292075" y="2799350"/>
+            <a:ext cx="846900" cy="400200"/>
+          </a:xfrm>
+          <a:prstGeom prst="rect">
+            <a:avLst/>
+          </a:prstGeom>
+          <a:noFill/>
+          <a:ln>
+            <a:noFill/>
+          </a:ln>
+        </p:spPr>
+        <p:txBody>
+          <a:bodyPr anchorCtr="0" anchor="t" bIns="91425" lIns="91425" spcFirstLastPara="1" rIns="91425" wrap="square" tIns="91425">
+            <a:spAutoFit/>
+          </a:bodyPr>
+          <a:lstStyle/>
+          <a:p>
+            <a:pPr indent="0" lvl="0" marL="0" rtl="0" algn="l">
+              <a:spcBef>
+                <a:spcPts val="0"/>
+              </a:spcBef>
+              <a:spcAft>
+                <a:spcPts val="0"/>
+              </a:spcAft>
+              <a:buNone/>
+            </a:pPr>
+            <a:r>
+              <a:rPr lang="en"/>
+              <a:t>rdy</a:t>
+            </a:r>
+            <a:endParaRPr/>
+          </a:p>
+        </p:txBody>
+      </p:sp>
+      <p:cxnSp>
+        <p:nvCxnSpPr>
+          <p:cNvPr id="122" name="Google Shape;122;p17"/>
+          <p:cNvCxnSpPr>
+            <a:stCxn id="123" idx="2"/>
+            <a:endCxn id="112" idx="0"/>
+          </p:cNvCxnSpPr>
+          <p:nvPr/>
+        </p:nvCxnSpPr>
+        <p:spPr>
+          <a:xfrm flipH="1">
+            <a:off x="3649188" y="3397400"/>
+            <a:ext cx="1384800" cy="330600"/>
+          </a:xfrm>
+          <a:prstGeom prst="straightConnector1">
+            <a:avLst/>
+          </a:prstGeom>
+          <a:noFill/>
+          <a:ln cap="flat" cmpd="sng" w="9525">
+            <a:solidFill>
+              <a:schemeClr val="dk2"/>
+            </a:solidFill>
+            <a:prstDash val="solid"/>
+            <a:round/>
+            <a:headEnd len="med" w="med" type="none"/>
+            <a:tailEnd len="med" w="med" type="triangle"/>
+          </a:ln>
+        </p:spPr>
+      </p:cxnSp>
+      <p:cxnSp>
+        <p:nvCxnSpPr>
+          <p:cNvPr id="124" name="Google Shape;124;p17"/>
+          <p:cNvCxnSpPr>
+            <a:stCxn id="109" idx="2"/>
+            <a:endCxn id="112" idx="0"/>
+          </p:cNvCxnSpPr>
+          <p:nvPr/>
+        </p:nvCxnSpPr>
+        <p:spPr>
+          <a:xfrm>
+            <a:off x="3517800" y="1937125"/>
+            <a:ext cx="131400" cy="1790700"/>
+          </a:xfrm>
+          <a:prstGeom prst="straightConnector1">
+            <a:avLst/>
+          </a:prstGeom>
+          <a:noFill/>
+          <a:ln cap="flat" cmpd="sng" w="9525">
+            <a:solidFill>
+              <a:schemeClr val="dk2"/>
+            </a:solidFill>
+            <a:prstDash val="solid"/>
+            <a:round/>
+            <a:headEnd len="med" w="med" type="none"/>
+            <a:tailEnd len="med" w="med" type="triangle"/>
+          </a:ln>
+        </p:spPr>
+      </p:cxnSp>
+      <p:cxnSp>
+        <p:nvCxnSpPr>
+          <p:cNvPr id="125" name="Google Shape;125;p17"/>
+          <p:cNvCxnSpPr>
+            <a:endCxn id="123" idx="3"/>
+          </p:cNvCxnSpPr>
+          <p:nvPr/>
+        </p:nvCxnSpPr>
+        <p:spPr>
+          <a:xfrm rot="10800000">
+            <a:off x="5637288" y="3197300"/>
+            <a:ext cx="660600" cy="272100"/>
+          </a:xfrm>
+          <a:prstGeom prst="straightConnector1">
+            <a:avLst/>
+          </a:prstGeom>
+          <a:noFill/>
+          <a:ln cap="flat" cmpd="sng" w="9525">
+            <a:solidFill>
+              <a:schemeClr val="dk2"/>
+            </a:solidFill>
+            <a:prstDash val="solid"/>
+            <a:round/>
+            <a:headEnd len="med" w="med" type="none"/>
+            <a:tailEnd len="med" w="med" type="triangle"/>
+          </a:ln>
+        </p:spPr>
+      </p:cxnSp>
+      <p:cxnSp>
+        <p:nvCxnSpPr>
+          <p:cNvPr id="126" name="Google Shape;126;p17"/>
+          <p:cNvCxnSpPr/>
+          <p:nvPr/>
+        </p:nvCxnSpPr>
+        <p:spPr>
+          <a:xfrm flipH="1">
+            <a:off x="4844175" y="2220800"/>
+            <a:ext cx="598500" cy="218700"/>
+          </a:xfrm>
+          <a:prstGeom prst="straightConnector1">
+            <a:avLst/>
+          </a:prstGeom>
+          <a:noFill/>
+          <a:ln cap="flat" cmpd="sng" w="9525">
+            <a:solidFill>
+              <a:schemeClr val="dk2"/>
+            </a:solidFill>
+            <a:prstDash val="solid"/>
+            <a:round/>
+            <a:headEnd len="med" w="med" type="none"/>
+            <a:tailEnd len="med" w="med" type="triangle"/>
+          </a:ln>
+        </p:spPr>
+      </p:cxnSp>
+      <p:cxnSp>
+        <p:nvCxnSpPr>
+          <p:cNvPr id="127" name="Google Shape;127;p17"/>
+          <p:cNvCxnSpPr/>
+          <p:nvPr/>
+        </p:nvCxnSpPr>
+        <p:spPr>
+          <a:xfrm>
+            <a:off x="7510175" y="4533900"/>
+            <a:ext cx="535800" cy="28200"/>
+          </a:xfrm>
+          <a:prstGeom prst="straightConnector1">
+            <a:avLst/>
+          </a:prstGeom>
+          <a:noFill/>
+          <a:ln cap="flat" cmpd="sng" w="9525">
+            <a:solidFill>
+              <a:schemeClr val="dk2"/>
+            </a:solidFill>
+            <a:prstDash val="solid"/>
+            <a:round/>
+            <a:headEnd len="med" w="med" type="none"/>
+            <a:tailEnd len="med" w="med" type="triangle"/>
+          </a:ln>
+        </p:spPr>
+      </p:cxnSp>
+      <p:sp>
+        <p:nvSpPr>
+          <p:cNvPr id="128" name="Google Shape;128;p17"/>
+          <p:cNvSpPr txBox="1"/>
+          <p:nvPr/>
+        </p:nvSpPr>
+        <p:spPr>
+          <a:xfrm>
+            <a:off x="8097200" y="1928425"/>
+            <a:ext cx="846900" cy="400200"/>
+          </a:xfrm>
+          <a:prstGeom prst="rect">
+            <a:avLst/>
+          </a:prstGeom>
+          <a:noFill/>
+          <a:ln>
+            <a:noFill/>
+          </a:ln>
+        </p:spPr>
+        <p:txBody>
+          <a:bodyPr anchorCtr="0" anchor="t" bIns="91425" lIns="91425" spcFirstLastPara="1" rIns="91425" wrap="square" tIns="91425">
+            <a:spAutoFit/>
+          </a:bodyPr>
+          <a:lstStyle/>
+          <a:p>
+            <a:pPr indent="0" lvl="0" marL="0" rtl="0" algn="l">
+              <a:spcBef>
+                <a:spcPts val="0"/>
+              </a:spcBef>
+              <a:spcAft>
+                <a:spcPts val="0"/>
+              </a:spcAft>
+              <a:buNone/>
+            </a:pPr>
+            <a:r>
+              <a:rPr lang="en"/>
+              <a:t>start</a:t>
+            </a:r>
+            <a:endParaRPr/>
+          </a:p>
+        </p:txBody>
+      </p:sp>
+      <p:sp>
+        <p:nvSpPr>
+          <p:cNvPr id="123" name="Google Shape;123;p17"/>
+          <p:cNvSpPr/>
+          <p:nvPr/>
+        </p:nvSpPr>
+        <p:spPr>
+          <a:xfrm>
+            <a:off x="4430688" y="2997200"/>
+            <a:ext cx="1206600" cy="400200"/>
+          </a:xfrm>
+          <a:prstGeom prst="rect">
+            <a:avLst/>
+          </a:prstGeom>
+          <a:solidFill>
+            <a:srgbClr val="00FF00"/>
+          </a:solidFill>
+          <a:ln cap="flat" cmpd="sng" w="9525">
+            <a:solidFill>
+              <a:schemeClr val="dk1"/>
+            </a:solidFill>
+            <a:prstDash val="solid"/>
+            <a:round/>
+            <a:headEnd len="sm" w="sm" type="none"/>
+            <a:tailEnd len="sm" w="sm" type="none"/>
+          </a:ln>
+        </p:spPr>
+        <p:txBody>
+          <a:bodyPr anchorCtr="0" anchor="ctr" bIns="91425" lIns="91425" spcFirstLastPara="1" rIns="91425" wrap="square" tIns="91425">
+            <a:noAutofit/>
+          </a:bodyPr>
+          <a:lstStyle/>
+          <a:p>
+            <a:pPr indent="0" lvl="0" marL="0" rtl="0" algn="l">
+              <a:spcBef>
+                <a:spcPts val="0"/>
+              </a:spcBef>
+              <a:spcAft>
+                <a:spcPts val="0"/>
+              </a:spcAft>
+              <a:buNone/>
+            </a:pPr>
+            <a:r>
+              <a:rPr lang="en"/>
+              <a:t>Mux</a:t>
+            </a:r>
+            <a:endParaRPr/>
+          </a:p>
+        </p:txBody>
+      </p:sp>
+      <p:cxnSp>
+        <p:nvCxnSpPr>
+          <p:cNvPr id="129" name="Google Shape;129;p17"/>
+          <p:cNvCxnSpPr>
+            <a:endCxn id="123" idx="0"/>
+          </p:cNvCxnSpPr>
+          <p:nvPr/>
+        </p:nvCxnSpPr>
+        <p:spPr>
+          <a:xfrm>
+            <a:off x="4640988" y="2834600"/>
+            <a:ext cx="393000" cy="162600"/>
+          </a:xfrm>
+          <a:prstGeom prst="straightConnector1">
+            <a:avLst/>
+          </a:prstGeom>
+          <a:noFill/>
+          <a:ln cap="flat" cmpd="sng" w="9525">
+            <a:solidFill>
+              <a:schemeClr val="dk2"/>
+            </a:solidFill>
+            <a:prstDash val="solid"/>
+            <a:round/>
+            <a:headEnd len="med" w="med" type="none"/>
+            <a:tailEnd len="med" w="med" type="triangle"/>
+          </a:ln>
+        </p:spPr>
+      </p:cxnSp>
+      <p:sp>
+        <p:nvSpPr>
+          <p:cNvPr id="130" name="Google Shape;130;p17"/>
+          <p:cNvSpPr/>
+          <p:nvPr/>
+        </p:nvSpPr>
+        <p:spPr>
+          <a:xfrm>
+            <a:off x="5442675" y="2424162"/>
+            <a:ext cx="596100" cy="400200"/>
+          </a:xfrm>
+          <a:prstGeom prst="rect">
+            <a:avLst/>
+          </a:prstGeom>
+          <a:solidFill>
+            <a:srgbClr val="D9D2E9"/>
+          </a:solidFill>
+          <a:ln cap="flat" cmpd="sng" w="9525">
+            <a:solidFill>
+              <a:schemeClr val="dk1"/>
+            </a:solidFill>
+            <a:prstDash val="solid"/>
+            <a:round/>
+            <a:headEnd len="sm" w="sm" type="none"/>
+            <a:tailEnd len="sm" w="sm" type="none"/>
+          </a:ln>
+        </p:spPr>
+        <p:txBody>
+          <a:bodyPr anchorCtr="0" anchor="ctr" bIns="91425" lIns="91425" spcFirstLastPara="1" rIns="91425" wrap="square" tIns="91425">
+            <a:noAutofit/>
+          </a:bodyPr>
+          <a:lstStyle/>
+          <a:p>
+            <a:pPr indent="0" lvl="0" marL="0" rtl="0" algn="l">
+              <a:spcBef>
+                <a:spcPts val="0"/>
+              </a:spcBef>
+              <a:spcAft>
+                <a:spcPts val="0"/>
+              </a:spcAft>
+              <a:buNone/>
+            </a:pPr>
+            <a:r>
+              <a:rPr lang="en"/>
+              <a:t>0</a:t>
+            </a:r>
+            <a:endParaRPr/>
+          </a:p>
+        </p:txBody>
+      </p:sp>
+      <p:cxnSp>
+        <p:nvCxnSpPr>
+          <p:cNvPr id="131" name="Google Shape;131;p17"/>
+          <p:cNvCxnSpPr>
+            <a:stCxn id="130" idx="2"/>
+          </p:cNvCxnSpPr>
+          <p:nvPr/>
+        </p:nvCxnSpPr>
+        <p:spPr>
+          <a:xfrm flipH="1">
+            <a:off x="5293125" y="2824362"/>
+            <a:ext cx="447600" cy="178800"/>
+          </a:xfrm>
+          <a:prstGeom prst="straightConnector1">
+            <a:avLst/>
+          </a:prstGeom>
+          <a:noFill/>
+          <a:ln cap="flat" cmpd="sng" w="9525">
+            <a:solidFill>
+              <a:schemeClr val="dk2"/>
+            </a:solidFill>
+            <a:prstDash val="solid"/>
+            <a:round/>
+            <a:headEnd len="med" w="med" type="none"/>
+            <a:tailEnd len="med" w="med" type="triangle"/>
+          </a:ln>
+        </p:spPr>
+      </p:cxnSp>
+      <p:cxnSp>
+        <p:nvCxnSpPr>
+          <p:cNvPr id="132" name="Google Shape;132;p17"/>
+          <p:cNvCxnSpPr/>
+          <p:nvPr/>
+        </p:nvCxnSpPr>
+        <p:spPr>
+          <a:xfrm flipH="1" rot="10800000">
+            <a:off x="5753350" y="2251200"/>
+            <a:ext cx="671100" cy="1695600"/>
+          </a:xfrm>
+          <a:prstGeom prst="straightConnector1">
+            <a:avLst/>
+          </a:prstGeom>
+          <a:noFill/>
+          <a:ln cap="flat" cmpd="sng" w="9525">
+            <a:solidFill>
+              <a:schemeClr val="dk2"/>
+            </a:solidFill>
+            <a:prstDash val="solid"/>
+            <a:round/>
+            <a:headEnd len="med" w="med" type="none"/>
+            <a:tailEnd len="med" w="med" type="triangle"/>
+          </a:ln>
+        </p:spPr>
+      </p:cxnSp>
+      <p:cxnSp>
+        <p:nvCxnSpPr>
+          <p:cNvPr id="133" name="Google Shape;133;p17"/>
+          <p:cNvCxnSpPr/>
+          <p:nvPr/>
+        </p:nvCxnSpPr>
+        <p:spPr>
+          <a:xfrm>
+            <a:off x="4215250" y="3946800"/>
+            <a:ext cx="1549500" cy="0"/>
+          </a:xfrm>
+          <a:prstGeom prst="straightConnector1">
+            <a:avLst/>
+          </a:prstGeom>
+          <a:noFill/>
+          <a:ln cap="flat" cmpd="sng" w="9525">
+            <a:solidFill>
+              <a:schemeClr val="dk2"/>
+            </a:solidFill>
+            <a:prstDash val="solid"/>
+            <a:round/>
+            <a:headEnd len="med" w="med" type="none"/>
+            <a:tailEnd len="med" w="med" type="triangle"/>
+          </a:ln>
+        </p:spPr>
+      </p:cxnSp>
+      <p:cxnSp>
+        <p:nvCxnSpPr>
+          <p:cNvPr id="134" name="Google Shape;134;p17"/>
+          <p:cNvCxnSpPr/>
+          <p:nvPr/>
+        </p:nvCxnSpPr>
+        <p:spPr>
+          <a:xfrm>
+            <a:off x="5740725" y="3946800"/>
+            <a:ext cx="1761600" cy="586800"/>
+          </a:xfrm>
+          <a:prstGeom prst="straightConnector1">
+            <a:avLst/>
+          </a:prstGeom>
+          <a:noFill/>
+          <a:ln cap="flat" cmpd="sng" w="9525">
+            <a:solidFill>
+              <a:schemeClr val="dk2"/>
+            </a:solidFill>
+            <a:prstDash val="solid"/>
+            <a:round/>
+            <a:headEnd len="med" w="med" type="none"/>
+            <a:tailEnd len="med" w="med" type="triangle"/>
+          </a:ln>
+        </p:spPr>
+      </p:cxnSp>
+      <p:cxnSp>
+        <p:nvCxnSpPr>
+          <p:cNvPr id="135" name="Google Shape;135;p17"/>
+          <p:cNvCxnSpPr>
+            <a:stCxn id="128" idx="1"/>
+          </p:cNvCxnSpPr>
+          <p:nvPr/>
+        </p:nvCxnSpPr>
+        <p:spPr>
+          <a:xfrm flipH="1">
+            <a:off x="6823400" y="2128525"/>
+            <a:ext cx="1273800" cy="1012800"/>
+          </a:xfrm>
+          <a:prstGeom prst="straightConnector1">
+            <a:avLst/>
+          </a:prstGeom>
+          <a:noFill/>
+          <a:ln cap="flat" cmpd="sng" w="9525">
+            <a:solidFill>
+              <a:schemeClr val="dk2"/>
+            </a:solidFill>
+            <a:prstDash val="solid"/>
+            <a:round/>
+            <a:headEnd len="med" w="med" type="none"/>
+            <a:tailEnd len="med" w="med" type="triangle"/>
+          </a:ln>
+        </p:spPr>
+      </p:cxnSp>
+    </p:spTree>
+  </p:cSld>
+  <p:clrMapOvr>
+    <a:masterClrMapping/>
+  </p:clrMapOvr>
+</p:sld>
+</file>
+
+<file path=ppt/slides/slide6.xml><?xml version="1.0" encoding="utf-8"?>
+<p:sld xmlns:a="http://schemas.openxmlformats.org/drawingml/2006/main" xmlns:r="http://schemas.openxmlformats.org/officeDocument/2006/relationships" xmlns:mc="http://schemas.openxmlformats.org/markup-compatibility/2006" xmlns:mv="urn:schemas-microsoft-com:mac:vml" xmlns:p="http://schemas.openxmlformats.org/presentationml/2006/main" xmlns:c="http://schemas.openxmlformats.org/drawingml/2006/chart" xmlns:dgm="http://schemas.openxmlformats.org/drawingml/2006/diagram" xmlns:o="urn:schemas-microsoft-com:office:office" xmlns:v="urn:schemas-microsoft-com:vml" xmlns:pvml="urn:schemas-microsoft-com:office:powerpoint" xmlns:com="http://schemas.openxmlformats.org/drawingml/2006/compatibility" xmlns:p14="http://schemas.microsoft.com/office/powerpoint/2010/main" xmlns:p15="http://schemas.microsoft.com/office/powerpoint/2012/main" xmlns:ahyp="http://schemas.microsoft.com/office/drawing/2018/hyperlinkcolor">
+  <p:cSld>
+    <p:spTree>
+      <p:nvGrpSpPr>
+        <p:cNvPr id="139" name="Shape 139"/>
+        <p:cNvGrpSpPr/>
+        <p:nvPr/>
+      </p:nvGrpSpPr>
+      <p:grpSpPr>
+        <a:xfrm>
+          <a:off x="0" y="0"/>
+          <a:ext cx="0" cy="0"/>
+          <a:chOff x="0" y="0"/>
+          <a:chExt cx="0" cy="0"/>
+        </a:xfrm>
+      </p:grpSpPr>
+      <p:sp>
+        <p:nvSpPr>
+          <p:cNvPr id="140" name="Google Shape;140;p18"/>
+          <p:cNvSpPr txBox="1"/>
+          <p:nvPr>
+            <p:ph idx="4294967295" type="title"/>
+          </p:nvPr>
+        </p:nvSpPr>
+        <p:spPr>
+          <a:xfrm>
+            <a:off x="311700" y="445025"/>
+            <a:ext cx="8520600" cy="572700"/>
+          </a:xfrm>
+          <a:prstGeom prst="rect">
+            <a:avLst/>
+          </a:prstGeom>
+        </p:spPr>
+        <p:txBody>
+          <a:bodyPr anchorCtr="0" anchor="t" bIns="91425" lIns="91425" spcFirstLastPara="1" rIns="91425" wrap="square" tIns="91425">
+            <a:normAutofit fontScale="90000"/>
+          </a:bodyPr>
+          <a:lstStyle/>
+          <a:p>
+            <a:pPr indent="0" lvl="0" marL="0" rtl="0" algn="l">
+              <a:spcBef>
+                <a:spcPts val="0"/>
+              </a:spcBef>
+              <a:spcAft>
+                <a:spcPts val="0"/>
+              </a:spcAft>
+              <a:buNone/>
+            </a:pPr>
+            <a:r>
+              <a:rPr lang="en"/>
               <a:t>Floating Point Arithmetic</a:t>
             </a:r>
             <a:endParaRPr/>
@@ -9361,21 +10299,21 @@
       </p:sp>
       <p:grpSp>
         <p:nvGrpSpPr>
-          <p:cNvPr id="135" name="Google Shape;135;p17"/>
+          <p:cNvPr id="141" name="Google Shape;141;p18"/>
           <p:cNvGrpSpPr/>
           <p:nvPr/>
         </p:nvGrpSpPr>
         <p:grpSpPr>
           <a:xfrm>
             <a:off x="1980300" y="1171650"/>
-            <a:ext cx="5228400" cy="395700"/>
+            <a:ext cx="5462400" cy="395700"/>
             <a:chOff x="1980300" y="1171650"/>
-            <a:chExt cx="5228400" cy="395700"/>
+            <a:chExt cx="5462400" cy="395700"/>
           </a:xfrm>
         </p:grpSpPr>
         <p:sp>
           <p:nvSpPr>
-            <p:cNvPr id="136" name="Google Shape;136;p17"/>
+            <p:cNvPr id="142" name="Google Shape;142;p18"/>
             <p:cNvSpPr/>
             <p:nvPr/>
           </p:nvSpPr>
@@ -9425,14 +10363,14 @@
         </p:sp>
         <p:sp>
           <p:nvSpPr>
-            <p:cNvPr id="137" name="Google Shape;137;p17"/>
+            <p:cNvPr id="143" name="Google Shape;143;p18"/>
             <p:cNvSpPr/>
             <p:nvPr/>
           </p:nvSpPr>
           <p:spPr>
             <a:xfrm>
               <a:off x="2244600" y="1171650"/>
-              <a:ext cx="2184000" cy="395700"/>
+              <a:ext cx="1107300" cy="395700"/>
             </a:xfrm>
             <a:prstGeom prst="rect">
               <a:avLst/>
@@ -9467,7 +10405,7 @@
               </a:pPr>
               <a:r>
                 <a:rPr lang="en"/>
-                <a:t>eee_eeee_eeee_eeee_e</a:t>
+                <a:t>eeee_eeee</a:t>
               </a:r>
               <a:endParaRPr/>
             </a:p>
@@ -9475,14 +10413,14 @@
         </p:sp>
         <p:sp>
           <p:nvSpPr>
-            <p:cNvPr id="138" name="Google Shape;138;p17"/>
+            <p:cNvPr id="144" name="Google Shape;144;p18"/>
             <p:cNvSpPr/>
             <p:nvPr/>
           </p:nvSpPr>
           <p:spPr>
             <a:xfrm>
-              <a:off x="4428600" y="1171650"/>
-              <a:ext cx="2780100" cy="395700"/>
+              <a:off x="3351900" y="1171650"/>
+              <a:ext cx="4090800" cy="395700"/>
             </a:xfrm>
             <a:prstGeom prst="rect">
               <a:avLst/>
@@ -9517,7 +10455,7 @@
               </a:pPr>
               <a:r>
                 <a:rPr lang="en"/>
-                <a:t>mmm_mmmm_mmmm_mmmm</a:t>
+                <a:t>mmmm_mmmm_mmmm_mmmm_mmmm_mmm</a:t>
               </a:r>
               <a:endParaRPr/>
             </a:p>
@@ -9526,7 +10464,7 @@
       </p:grpSp>
       <p:sp>
         <p:nvSpPr>
-          <p:cNvPr id="139" name="Google Shape;139;p17"/>
+          <p:cNvPr id="145" name="Google Shape;145;p18"/>
           <p:cNvSpPr txBox="1"/>
           <p:nvPr/>
         </p:nvSpPr>
@@ -10047,1252 +10985,6 @@
           </a:p>
         </p:txBody>
       </p:sp>
-    </p:spTree>
-  </p:cSld>
-  <p:clrMapOvr>
-    <a:masterClrMapping/>
-  </p:clrMapOvr>
-</p:sld>
-</file>
-
-<file path=ppt/slides/slide6.xml><?xml version="1.0" encoding="utf-8"?>
-<p:sld xmlns:a="http://schemas.openxmlformats.org/drawingml/2006/main" xmlns:r="http://schemas.openxmlformats.org/officeDocument/2006/relationships" xmlns:mc="http://schemas.openxmlformats.org/markup-compatibility/2006" xmlns:mv="urn:schemas-microsoft-com:mac:vml" xmlns:p="http://schemas.openxmlformats.org/presentationml/2006/main" xmlns:c="http://schemas.openxmlformats.org/drawingml/2006/chart" xmlns:dgm="http://schemas.openxmlformats.org/drawingml/2006/diagram" xmlns:o="urn:schemas-microsoft-com:office:office" xmlns:v="urn:schemas-microsoft-com:vml" xmlns:pvml="urn:schemas-microsoft-com:office:powerpoint" xmlns:com="http://schemas.openxmlformats.org/drawingml/2006/compatibility" xmlns:p14="http://schemas.microsoft.com/office/powerpoint/2010/main" xmlns:p15="http://schemas.microsoft.com/office/powerpoint/2012/main" xmlns:ahyp="http://schemas.microsoft.com/office/drawing/2018/hyperlinkcolor">
-  <p:cSld>
-    <p:spTree>
-      <p:nvGrpSpPr>
-        <p:cNvPr id="143" name="Shape 143"/>
-        <p:cNvGrpSpPr/>
-        <p:nvPr/>
-      </p:nvGrpSpPr>
-      <p:grpSpPr>
-        <a:xfrm>
-          <a:off x="0" y="0"/>
-          <a:ext cx="0" cy="0"/>
-          <a:chOff x="0" y="0"/>
-          <a:chExt cx="0" cy="0"/>
-        </a:xfrm>
-      </p:grpSpPr>
-      <p:sp>
-        <p:nvSpPr>
-          <p:cNvPr id="144" name="Google Shape;144;p18"/>
-          <p:cNvSpPr txBox="1"/>
-          <p:nvPr>
-            <p:ph idx="4294967295" type="title"/>
-          </p:nvPr>
-        </p:nvSpPr>
-        <p:spPr>
-          <a:xfrm>
-            <a:off x="311700" y="445025"/>
-            <a:ext cx="8520600" cy="572700"/>
-          </a:xfrm>
-          <a:prstGeom prst="rect">
-            <a:avLst/>
-          </a:prstGeom>
-        </p:spPr>
-        <p:txBody>
-          <a:bodyPr anchorCtr="0" anchor="t" bIns="91425" lIns="91425" spcFirstLastPara="1" rIns="91425" wrap="square" tIns="91425">
-            <a:normAutofit fontScale="90000"/>
-          </a:bodyPr>
-          <a:lstStyle/>
-          <a:p>
-            <a:pPr indent="0" lvl="0" marL="0" rtl="0" algn="l">
-              <a:spcBef>
-                <a:spcPts val="0"/>
-              </a:spcBef>
-              <a:spcAft>
-                <a:spcPts val="0"/>
-              </a:spcAft>
-              <a:buNone/>
-            </a:pPr>
-            <a:r>
-              <a:rPr lang="en"/>
-              <a:t>Floating Point Adder</a:t>
-            </a:r>
-            <a:endParaRPr/>
-          </a:p>
-        </p:txBody>
-      </p:sp>
-      <p:sp>
-        <p:nvSpPr>
-          <p:cNvPr id="145" name="Google Shape;145;p18"/>
-          <p:cNvSpPr/>
-          <p:nvPr/>
-        </p:nvSpPr>
-        <p:spPr>
-          <a:xfrm>
-            <a:off x="1400675" y="1017725"/>
-            <a:ext cx="6555600" cy="3751500"/>
-          </a:xfrm>
-          <a:prstGeom prst="rect">
-            <a:avLst/>
-          </a:prstGeom>
-          <a:solidFill>
-            <a:srgbClr val="FFF2CC"/>
-          </a:solidFill>
-          <a:ln cap="flat" cmpd="sng" w="28575">
-            <a:solidFill>
-              <a:srgbClr val="38761D"/>
-            </a:solidFill>
-            <a:prstDash val="solid"/>
-            <a:round/>
-            <a:headEnd len="sm" w="sm" type="none"/>
-            <a:tailEnd len="sm" w="sm" type="none"/>
-          </a:ln>
-        </p:spPr>
-        <p:txBody>
-          <a:bodyPr anchorCtr="0" anchor="ctr" bIns="91425" lIns="91425" spcFirstLastPara="1" rIns="91425" wrap="square" tIns="91425">
-            <a:noAutofit/>
-          </a:bodyPr>
-          <a:lstStyle/>
-          <a:p>
-            <a:pPr indent="0" lvl="0" marL="0" rtl="0" algn="l">
-              <a:spcBef>
-                <a:spcPts val="0"/>
-              </a:spcBef>
-              <a:spcAft>
-                <a:spcPts val="0"/>
-              </a:spcAft>
-              <a:buNone/>
-            </a:pPr>
-            <a:r>
-              <a:t/>
-            </a:r>
-            <a:endParaRPr/>
-          </a:p>
-        </p:txBody>
-      </p:sp>
-      <p:cxnSp>
-        <p:nvCxnSpPr>
-          <p:cNvPr id="146" name="Google Shape;146;p18"/>
-          <p:cNvCxnSpPr/>
-          <p:nvPr/>
-        </p:nvCxnSpPr>
-        <p:spPr>
-          <a:xfrm flipH="1" rot="10800000">
-            <a:off x="766025" y="4140725"/>
-            <a:ext cx="3867600" cy="11400"/>
-          </a:xfrm>
-          <a:prstGeom prst="straightConnector1">
-            <a:avLst/>
-          </a:prstGeom>
-          <a:noFill/>
-          <a:ln cap="flat" cmpd="sng" w="9525">
-            <a:solidFill>
-              <a:schemeClr val="dk2"/>
-            </a:solidFill>
-            <a:prstDash val="solid"/>
-            <a:round/>
-            <a:headEnd len="med" w="med" type="none"/>
-            <a:tailEnd len="med" w="med" type="triangle"/>
-          </a:ln>
-        </p:spPr>
-      </p:cxnSp>
-      <p:sp>
-        <p:nvSpPr>
-          <p:cNvPr id="147" name="Google Shape;147;p18"/>
-          <p:cNvSpPr txBox="1"/>
-          <p:nvPr/>
-        </p:nvSpPr>
-        <p:spPr>
-          <a:xfrm>
-            <a:off x="311700" y="3952025"/>
-            <a:ext cx="846900" cy="400200"/>
-          </a:xfrm>
-          <a:prstGeom prst="rect">
-            <a:avLst/>
-          </a:prstGeom>
-          <a:noFill/>
-          <a:ln>
-            <a:noFill/>
-          </a:ln>
-        </p:spPr>
-        <p:txBody>
-          <a:bodyPr anchorCtr="0" anchor="t" bIns="91425" lIns="91425" spcFirstLastPara="1" rIns="91425" wrap="square" tIns="91425">
-            <a:spAutoFit/>
-          </a:bodyPr>
-          <a:lstStyle/>
-          <a:p>
-            <a:pPr indent="0" lvl="0" marL="0" rtl="0" algn="l">
-              <a:spcBef>
-                <a:spcPts val="0"/>
-              </a:spcBef>
-              <a:spcAft>
-                <a:spcPts val="0"/>
-              </a:spcAft>
-              <a:buNone/>
-            </a:pPr>
-            <a:r>
-              <a:rPr lang="en"/>
-              <a:t>S1</a:t>
-            </a:r>
-            <a:endParaRPr/>
-          </a:p>
-        </p:txBody>
-      </p:sp>
-      <p:cxnSp>
-        <p:nvCxnSpPr>
-          <p:cNvPr id="148" name="Google Shape;148;p18"/>
-          <p:cNvCxnSpPr/>
-          <p:nvPr/>
-        </p:nvCxnSpPr>
-        <p:spPr>
-          <a:xfrm flipH="1" rot="10800000">
-            <a:off x="766025" y="4448825"/>
-            <a:ext cx="4459200" cy="12600"/>
-          </a:xfrm>
-          <a:prstGeom prst="straightConnector1">
-            <a:avLst/>
-          </a:prstGeom>
-          <a:noFill/>
-          <a:ln cap="flat" cmpd="sng" w="9525">
-            <a:solidFill>
-              <a:schemeClr val="dk2"/>
-            </a:solidFill>
-            <a:prstDash val="solid"/>
-            <a:round/>
-            <a:headEnd len="med" w="med" type="none"/>
-            <a:tailEnd len="med" w="med" type="triangle"/>
-          </a:ln>
-        </p:spPr>
-      </p:cxnSp>
-      <p:sp>
-        <p:nvSpPr>
-          <p:cNvPr id="149" name="Google Shape;149;p18"/>
-          <p:cNvSpPr txBox="1"/>
-          <p:nvPr/>
-        </p:nvSpPr>
-        <p:spPr>
-          <a:xfrm>
-            <a:off x="311700" y="4261325"/>
-            <a:ext cx="846900" cy="400200"/>
-          </a:xfrm>
-          <a:prstGeom prst="rect">
-            <a:avLst/>
-          </a:prstGeom>
-          <a:noFill/>
-          <a:ln>
-            <a:noFill/>
-          </a:ln>
-        </p:spPr>
-        <p:txBody>
-          <a:bodyPr anchorCtr="0" anchor="t" bIns="91425" lIns="91425" spcFirstLastPara="1" rIns="91425" wrap="square" tIns="91425">
-            <a:spAutoFit/>
-          </a:bodyPr>
-          <a:lstStyle/>
-          <a:p>
-            <a:pPr indent="0" lvl="0" marL="0" rtl="0" algn="l">
-              <a:spcBef>
-                <a:spcPts val="0"/>
-              </a:spcBef>
-              <a:spcAft>
-                <a:spcPts val="0"/>
-              </a:spcAft>
-              <a:buNone/>
-            </a:pPr>
-            <a:r>
-              <a:rPr lang="en"/>
-              <a:t>S2</a:t>
-            </a:r>
-            <a:endParaRPr/>
-          </a:p>
-        </p:txBody>
-      </p:sp>
-      <p:cxnSp>
-        <p:nvCxnSpPr>
-          <p:cNvPr id="150" name="Google Shape;150;p18"/>
-          <p:cNvCxnSpPr/>
-          <p:nvPr/>
-        </p:nvCxnSpPr>
-        <p:spPr>
-          <a:xfrm>
-            <a:off x="636900" y="1874925"/>
-            <a:ext cx="1411800" cy="0"/>
-          </a:xfrm>
-          <a:prstGeom prst="straightConnector1">
-            <a:avLst/>
-          </a:prstGeom>
-          <a:noFill/>
-          <a:ln cap="flat" cmpd="sng" w="9525">
-            <a:solidFill>
-              <a:schemeClr val="dk2"/>
-            </a:solidFill>
-            <a:prstDash val="solid"/>
-            <a:round/>
-            <a:headEnd len="med" w="med" type="none"/>
-            <a:tailEnd len="med" w="med" type="triangle"/>
-          </a:ln>
-        </p:spPr>
-      </p:cxnSp>
-      <p:sp>
-        <p:nvSpPr>
-          <p:cNvPr id="151" name="Google Shape;151;p18"/>
-          <p:cNvSpPr txBox="1"/>
-          <p:nvPr/>
-        </p:nvSpPr>
-        <p:spPr>
-          <a:xfrm>
-            <a:off x="182575" y="1674825"/>
-            <a:ext cx="846900" cy="400200"/>
-          </a:xfrm>
-          <a:prstGeom prst="rect">
-            <a:avLst/>
-          </a:prstGeom>
-          <a:noFill/>
-          <a:ln>
-            <a:noFill/>
-          </a:ln>
-        </p:spPr>
-        <p:txBody>
-          <a:bodyPr anchorCtr="0" anchor="t" bIns="91425" lIns="91425" spcFirstLastPara="1" rIns="91425" wrap="square" tIns="91425">
-            <a:spAutoFit/>
-          </a:bodyPr>
-          <a:lstStyle/>
-          <a:p>
-            <a:pPr indent="0" lvl="0" marL="0" rtl="0" algn="l">
-              <a:spcBef>
-                <a:spcPts val="0"/>
-              </a:spcBef>
-              <a:spcAft>
-                <a:spcPts val="0"/>
-              </a:spcAft>
-              <a:buNone/>
-            </a:pPr>
-            <a:r>
-              <a:rPr lang="en"/>
-              <a:t>E1</a:t>
-            </a:r>
-            <a:endParaRPr/>
-          </a:p>
-        </p:txBody>
-      </p:sp>
-      <p:cxnSp>
-        <p:nvCxnSpPr>
-          <p:cNvPr id="152" name="Google Shape;152;p18"/>
-          <p:cNvCxnSpPr/>
-          <p:nvPr/>
-        </p:nvCxnSpPr>
-        <p:spPr>
-          <a:xfrm>
-            <a:off x="636900" y="2158875"/>
-            <a:ext cx="1411800" cy="0"/>
-          </a:xfrm>
-          <a:prstGeom prst="straightConnector1">
-            <a:avLst/>
-          </a:prstGeom>
-          <a:noFill/>
-          <a:ln cap="flat" cmpd="sng" w="9525">
-            <a:solidFill>
-              <a:schemeClr val="dk2"/>
-            </a:solidFill>
-            <a:prstDash val="solid"/>
-            <a:round/>
-            <a:headEnd len="med" w="med" type="none"/>
-            <a:tailEnd len="med" w="med" type="triangle"/>
-          </a:ln>
-        </p:spPr>
-      </p:cxnSp>
-      <p:sp>
-        <p:nvSpPr>
-          <p:cNvPr id="153" name="Google Shape;153;p18"/>
-          <p:cNvSpPr txBox="1"/>
-          <p:nvPr/>
-        </p:nvSpPr>
-        <p:spPr>
-          <a:xfrm>
-            <a:off x="182575" y="1958775"/>
-            <a:ext cx="846900" cy="400200"/>
-          </a:xfrm>
-          <a:prstGeom prst="rect">
-            <a:avLst/>
-          </a:prstGeom>
-          <a:noFill/>
-          <a:ln>
-            <a:noFill/>
-          </a:ln>
-        </p:spPr>
-        <p:txBody>
-          <a:bodyPr anchorCtr="0" anchor="t" bIns="91425" lIns="91425" spcFirstLastPara="1" rIns="91425" wrap="square" tIns="91425">
-            <a:spAutoFit/>
-          </a:bodyPr>
-          <a:lstStyle/>
-          <a:p>
-            <a:pPr indent="0" lvl="0" marL="0" rtl="0" algn="l">
-              <a:spcBef>
-                <a:spcPts val="0"/>
-              </a:spcBef>
-              <a:spcAft>
-                <a:spcPts val="0"/>
-              </a:spcAft>
-              <a:buNone/>
-            </a:pPr>
-            <a:r>
-              <a:rPr lang="en"/>
-              <a:t>E2</a:t>
-            </a:r>
-            <a:endParaRPr/>
-          </a:p>
-        </p:txBody>
-      </p:sp>
-      <p:cxnSp>
-        <p:nvCxnSpPr>
-          <p:cNvPr id="154" name="Google Shape;154;p18"/>
-          <p:cNvCxnSpPr/>
-          <p:nvPr/>
-        </p:nvCxnSpPr>
-        <p:spPr>
-          <a:xfrm>
-            <a:off x="589800" y="3486725"/>
-            <a:ext cx="1411800" cy="0"/>
-          </a:xfrm>
-          <a:prstGeom prst="straightConnector1">
-            <a:avLst/>
-          </a:prstGeom>
-          <a:noFill/>
-          <a:ln cap="flat" cmpd="sng" w="9525">
-            <a:solidFill>
-              <a:schemeClr val="dk2"/>
-            </a:solidFill>
-            <a:prstDash val="solid"/>
-            <a:round/>
-            <a:headEnd len="med" w="med" type="none"/>
-            <a:tailEnd len="med" w="med" type="triangle"/>
-          </a:ln>
-        </p:spPr>
-      </p:cxnSp>
-      <p:sp>
-        <p:nvSpPr>
-          <p:cNvPr id="155" name="Google Shape;155;p18"/>
-          <p:cNvSpPr txBox="1"/>
-          <p:nvPr/>
-        </p:nvSpPr>
-        <p:spPr>
-          <a:xfrm>
-            <a:off x="182525" y="3323825"/>
-            <a:ext cx="846900" cy="400200"/>
-          </a:xfrm>
-          <a:prstGeom prst="rect">
-            <a:avLst/>
-          </a:prstGeom>
-          <a:noFill/>
-          <a:ln>
-            <a:noFill/>
-          </a:ln>
-        </p:spPr>
-        <p:txBody>
-          <a:bodyPr anchorCtr="0" anchor="t" bIns="91425" lIns="91425" spcFirstLastPara="1" rIns="91425" wrap="square" tIns="91425">
-            <a:spAutoFit/>
-          </a:bodyPr>
-          <a:lstStyle/>
-          <a:p>
-            <a:pPr indent="0" lvl="0" marL="0" rtl="0" algn="l">
-              <a:spcBef>
-                <a:spcPts val="0"/>
-              </a:spcBef>
-              <a:spcAft>
-                <a:spcPts val="0"/>
-              </a:spcAft>
-              <a:buNone/>
-            </a:pPr>
-            <a:r>
-              <a:rPr lang="en"/>
-              <a:t>M1</a:t>
-            </a:r>
-            <a:endParaRPr/>
-          </a:p>
-        </p:txBody>
-      </p:sp>
-      <p:cxnSp>
-        <p:nvCxnSpPr>
-          <p:cNvPr id="156" name="Google Shape;156;p18"/>
-          <p:cNvCxnSpPr/>
-          <p:nvPr/>
-        </p:nvCxnSpPr>
-        <p:spPr>
-          <a:xfrm>
-            <a:off x="589800" y="3770675"/>
-            <a:ext cx="1411800" cy="0"/>
-          </a:xfrm>
-          <a:prstGeom prst="straightConnector1">
-            <a:avLst/>
-          </a:prstGeom>
-          <a:noFill/>
-          <a:ln cap="flat" cmpd="sng" w="9525">
-            <a:solidFill>
-              <a:schemeClr val="dk2"/>
-            </a:solidFill>
-            <a:prstDash val="solid"/>
-            <a:round/>
-            <a:headEnd len="med" w="med" type="none"/>
-            <a:tailEnd len="med" w="med" type="triangle"/>
-          </a:ln>
-        </p:spPr>
-      </p:cxnSp>
-      <p:sp>
-        <p:nvSpPr>
-          <p:cNvPr id="157" name="Google Shape;157;p18"/>
-          <p:cNvSpPr txBox="1"/>
-          <p:nvPr/>
-        </p:nvSpPr>
-        <p:spPr>
-          <a:xfrm>
-            <a:off x="182525" y="3607775"/>
-            <a:ext cx="846900" cy="400200"/>
-          </a:xfrm>
-          <a:prstGeom prst="rect">
-            <a:avLst/>
-          </a:prstGeom>
-          <a:noFill/>
-          <a:ln>
-            <a:noFill/>
-          </a:ln>
-        </p:spPr>
-        <p:txBody>
-          <a:bodyPr anchorCtr="0" anchor="t" bIns="91425" lIns="91425" spcFirstLastPara="1" rIns="91425" wrap="square" tIns="91425">
-            <a:spAutoFit/>
-          </a:bodyPr>
-          <a:lstStyle/>
-          <a:p>
-            <a:pPr indent="0" lvl="0" marL="0" rtl="0" algn="l">
-              <a:spcBef>
-                <a:spcPts val="0"/>
-              </a:spcBef>
-              <a:spcAft>
-                <a:spcPts val="0"/>
-              </a:spcAft>
-              <a:buNone/>
-            </a:pPr>
-            <a:r>
-              <a:rPr lang="en"/>
-              <a:t>M2</a:t>
-            </a:r>
-            <a:endParaRPr/>
-          </a:p>
-        </p:txBody>
-      </p:sp>
-      <p:sp>
-        <p:nvSpPr>
-          <p:cNvPr id="158" name="Google Shape;158;p18"/>
-          <p:cNvSpPr/>
-          <p:nvPr/>
-        </p:nvSpPr>
-        <p:spPr>
-          <a:xfrm>
-            <a:off x="2048700" y="1763175"/>
-            <a:ext cx="1741200" cy="572700"/>
-          </a:xfrm>
-          <a:prstGeom prst="rect">
-            <a:avLst/>
-          </a:prstGeom>
-          <a:solidFill>
-            <a:srgbClr val="FF9900"/>
-          </a:solidFill>
-          <a:ln cap="flat" cmpd="sng" w="9525">
-            <a:solidFill>
-              <a:schemeClr val="dk1"/>
-            </a:solidFill>
-            <a:prstDash val="solid"/>
-            <a:round/>
-            <a:headEnd len="sm" w="sm" type="none"/>
-            <a:tailEnd len="sm" w="sm" type="none"/>
-          </a:ln>
-        </p:spPr>
-        <p:txBody>
-          <a:bodyPr anchorCtr="0" anchor="ctr" bIns="91425" lIns="91425" spcFirstLastPara="1" rIns="91425" wrap="square" tIns="91425">
-            <a:noAutofit/>
-          </a:bodyPr>
-          <a:lstStyle/>
-          <a:p>
-            <a:pPr indent="0" lvl="0" marL="0" rtl="0" algn="l">
-              <a:spcBef>
-                <a:spcPts val="0"/>
-              </a:spcBef>
-              <a:spcAft>
-                <a:spcPts val="0"/>
-              </a:spcAft>
-              <a:buNone/>
-            </a:pPr>
-            <a:r>
-              <a:rPr lang="en"/>
-              <a:t>Subtraction and comparator</a:t>
-            </a:r>
-            <a:endParaRPr/>
-          </a:p>
-        </p:txBody>
-      </p:sp>
-      <p:sp>
-        <p:nvSpPr>
-          <p:cNvPr id="159" name="Google Shape;159;p18"/>
-          <p:cNvSpPr/>
-          <p:nvPr/>
-        </p:nvSpPr>
-        <p:spPr>
-          <a:xfrm>
-            <a:off x="2001600" y="3379250"/>
-            <a:ext cx="1889100" cy="572700"/>
-          </a:xfrm>
-          <a:prstGeom prst="rect">
-            <a:avLst/>
-          </a:prstGeom>
-          <a:solidFill>
-            <a:schemeClr val="accent5"/>
-          </a:solidFill>
-          <a:ln cap="flat" cmpd="sng" w="9525">
-            <a:solidFill>
-              <a:schemeClr val="dk1"/>
-            </a:solidFill>
-            <a:prstDash val="solid"/>
-            <a:round/>
-            <a:headEnd len="sm" w="sm" type="none"/>
-            <a:tailEnd len="sm" w="sm" type="none"/>
-          </a:ln>
-        </p:spPr>
-        <p:txBody>
-          <a:bodyPr anchorCtr="0" anchor="ctr" bIns="91425" lIns="91425" spcFirstLastPara="1" rIns="91425" wrap="square" tIns="91425">
-            <a:noAutofit/>
-          </a:bodyPr>
-          <a:lstStyle/>
-          <a:p>
-            <a:pPr indent="0" lvl="0" marL="0" rtl="0" algn="l">
-              <a:spcBef>
-                <a:spcPts val="0"/>
-              </a:spcBef>
-              <a:spcAft>
-                <a:spcPts val="0"/>
-              </a:spcAft>
-              <a:buClr>
-                <a:schemeClr val="dk1"/>
-              </a:buClr>
-              <a:buSzPts val="1100"/>
-              <a:buFont typeface="Arial"/>
-              <a:buNone/>
-            </a:pPr>
-            <a:r>
-              <a:rPr lang="en">
-                <a:solidFill>
-                  <a:schemeClr val="dk1"/>
-                </a:solidFill>
-              </a:rPr>
-              <a:t>Shift M with smaller E to right by diff bit </a:t>
-            </a:r>
-            <a:endParaRPr/>
-          </a:p>
-        </p:txBody>
-      </p:sp>
-      <p:cxnSp>
-        <p:nvCxnSpPr>
-          <p:cNvPr id="160" name="Google Shape;160;p18"/>
-          <p:cNvCxnSpPr/>
-          <p:nvPr/>
-        </p:nvCxnSpPr>
-        <p:spPr>
-          <a:xfrm>
-            <a:off x="3880128" y="3523925"/>
-            <a:ext cx="565200" cy="0"/>
-          </a:xfrm>
-          <a:prstGeom prst="straightConnector1">
-            <a:avLst/>
-          </a:prstGeom>
-          <a:noFill/>
-          <a:ln cap="flat" cmpd="sng" w="9525">
-            <a:solidFill>
-              <a:schemeClr val="dk2"/>
-            </a:solidFill>
-            <a:prstDash val="solid"/>
-            <a:round/>
-            <a:headEnd len="med" w="med" type="none"/>
-            <a:tailEnd len="med" w="med" type="triangle"/>
-          </a:ln>
-        </p:spPr>
-      </p:cxnSp>
-      <p:cxnSp>
-        <p:nvCxnSpPr>
-          <p:cNvPr id="161" name="Google Shape;161;p18"/>
-          <p:cNvCxnSpPr/>
-          <p:nvPr/>
-        </p:nvCxnSpPr>
-        <p:spPr>
-          <a:xfrm>
-            <a:off x="3879575" y="3807875"/>
-            <a:ext cx="566400" cy="0"/>
-          </a:xfrm>
-          <a:prstGeom prst="straightConnector1">
-            <a:avLst/>
-          </a:prstGeom>
-          <a:noFill/>
-          <a:ln cap="flat" cmpd="sng" w="9525">
-            <a:solidFill>
-              <a:schemeClr val="dk2"/>
-            </a:solidFill>
-            <a:prstDash val="solid"/>
-            <a:round/>
-            <a:headEnd len="med" w="med" type="none"/>
-            <a:tailEnd len="med" w="med" type="triangle"/>
-          </a:ln>
-        </p:spPr>
-      </p:cxnSp>
-      <p:sp>
-        <p:nvSpPr>
-          <p:cNvPr id="162" name="Google Shape;162;p18"/>
-          <p:cNvSpPr/>
-          <p:nvPr/>
-        </p:nvSpPr>
-        <p:spPr>
-          <a:xfrm>
-            <a:off x="5603101" y="1471938"/>
-            <a:ext cx="1741176" cy="1256364"/>
-          </a:xfrm>
-          <a:prstGeom prst="irregularSeal1">
-            <a:avLst/>
-          </a:prstGeom>
-          <a:solidFill>
-            <a:srgbClr val="FCE5CD"/>
-          </a:solidFill>
-          <a:ln cap="flat" cmpd="sng" w="9525">
-            <a:solidFill>
-              <a:schemeClr val="dk2"/>
-            </a:solidFill>
-            <a:prstDash val="solid"/>
-            <a:round/>
-            <a:headEnd len="sm" w="sm" type="none"/>
-            <a:tailEnd len="sm" w="sm" type="none"/>
-          </a:ln>
-        </p:spPr>
-        <p:txBody>
-          <a:bodyPr anchorCtr="0" anchor="ctr" bIns="91425" lIns="91425" spcFirstLastPara="1" rIns="91425" wrap="square" tIns="91425">
-            <a:noAutofit/>
-          </a:bodyPr>
-          <a:lstStyle/>
-          <a:p>
-            <a:pPr indent="0" lvl="0" marL="0" rtl="0" algn="l">
-              <a:spcBef>
-                <a:spcPts val="0"/>
-              </a:spcBef>
-              <a:spcAft>
-                <a:spcPts val="0"/>
-              </a:spcAft>
-              <a:buNone/>
-            </a:pPr>
-            <a:r>
-              <a:rPr lang="en" sz="1300"/>
-              <a:t>normalize</a:t>
-            </a:r>
-            <a:endParaRPr sz="1300"/>
-          </a:p>
-        </p:txBody>
-      </p:sp>
-      <p:cxnSp>
-        <p:nvCxnSpPr>
-          <p:cNvPr id="163" name="Google Shape;163;p18"/>
-          <p:cNvCxnSpPr/>
-          <p:nvPr/>
-        </p:nvCxnSpPr>
-        <p:spPr>
-          <a:xfrm>
-            <a:off x="7344277" y="1990925"/>
-            <a:ext cx="986400" cy="5400"/>
-          </a:xfrm>
-          <a:prstGeom prst="straightConnector1">
-            <a:avLst/>
-          </a:prstGeom>
-          <a:noFill/>
-          <a:ln cap="flat" cmpd="sng" w="9525">
-            <a:solidFill>
-              <a:schemeClr val="dk2"/>
-            </a:solidFill>
-            <a:prstDash val="solid"/>
-            <a:round/>
-            <a:headEnd len="med" w="med" type="none"/>
-            <a:tailEnd len="med" w="med" type="triangle"/>
-          </a:ln>
-        </p:spPr>
-      </p:cxnSp>
-      <p:sp>
-        <p:nvSpPr>
-          <p:cNvPr id="164" name="Google Shape;164;p18"/>
-          <p:cNvSpPr txBox="1"/>
-          <p:nvPr/>
-        </p:nvSpPr>
-        <p:spPr>
-          <a:xfrm>
-            <a:off x="8374575" y="1793525"/>
-            <a:ext cx="846900" cy="400200"/>
-          </a:xfrm>
-          <a:prstGeom prst="rect">
-            <a:avLst/>
-          </a:prstGeom>
-          <a:noFill/>
-          <a:ln>
-            <a:noFill/>
-          </a:ln>
-        </p:spPr>
-        <p:txBody>
-          <a:bodyPr anchorCtr="0" anchor="t" bIns="91425" lIns="91425" spcFirstLastPara="1" rIns="91425" wrap="square" tIns="91425">
-            <a:spAutoFit/>
-          </a:bodyPr>
-          <a:lstStyle/>
-          <a:p>
-            <a:pPr indent="0" lvl="0" marL="0" rtl="0" algn="l">
-              <a:spcBef>
-                <a:spcPts val="0"/>
-              </a:spcBef>
-              <a:spcAft>
-                <a:spcPts val="0"/>
-              </a:spcAft>
-              <a:buNone/>
-            </a:pPr>
-            <a:r>
-              <a:rPr lang="en"/>
-              <a:t>out</a:t>
-            </a:r>
-            <a:endParaRPr/>
-          </a:p>
-        </p:txBody>
-      </p:sp>
-      <p:sp>
-        <p:nvSpPr>
-          <p:cNvPr id="165" name="Google Shape;165;p18"/>
-          <p:cNvSpPr txBox="1"/>
-          <p:nvPr/>
-        </p:nvSpPr>
-        <p:spPr>
-          <a:xfrm rot="-1310828">
-            <a:off x="6342495" y="3970079"/>
-            <a:ext cx="2024284" cy="400099"/>
-          </a:xfrm>
-          <a:prstGeom prst="rect">
-            <a:avLst/>
-          </a:prstGeom>
-          <a:noFill/>
-          <a:ln>
-            <a:noFill/>
-          </a:ln>
-        </p:spPr>
-        <p:txBody>
-          <a:bodyPr anchorCtr="0" anchor="t" bIns="91425" lIns="91425" spcFirstLastPara="1" rIns="91425" wrap="square" tIns="91425">
-            <a:spAutoFit/>
-          </a:bodyPr>
-          <a:lstStyle/>
-          <a:p>
-            <a:pPr indent="0" lvl="0" marL="0" rtl="0" algn="l">
-              <a:spcBef>
-                <a:spcPts val="0"/>
-              </a:spcBef>
-              <a:spcAft>
-                <a:spcPts val="0"/>
-              </a:spcAft>
-              <a:buNone/>
-            </a:pPr>
-            <a:r>
-              <a:rPr b="1" i="1" lang="en"/>
-              <a:t>FP_adder.sv</a:t>
-            </a:r>
-            <a:endParaRPr b="1" i="1"/>
-          </a:p>
-        </p:txBody>
-      </p:sp>
-      <p:cxnSp>
-        <p:nvCxnSpPr>
-          <p:cNvPr id="166" name="Google Shape;166;p18"/>
-          <p:cNvCxnSpPr>
-            <a:stCxn id="158" idx="2"/>
-            <a:endCxn id="159" idx="0"/>
-          </p:cNvCxnSpPr>
-          <p:nvPr/>
-        </p:nvCxnSpPr>
-        <p:spPr>
-          <a:xfrm>
-            <a:off x="2919300" y="2335875"/>
-            <a:ext cx="27000" cy="1043400"/>
-          </a:xfrm>
-          <a:prstGeom prst="straightConnector1">
-            <a:avLst/>
-          </a:prstGeom>
-          <a:noFill/>
-          <a:ln cap="flat" cmpd="sng" w="9525">
-            <a:solidFill>
-              <a:schemeClr val="dk2"/>
-            </a:solidFill>
-            <a:prstDash val="solid"/>
-            <a:round/>
-            <a:headEnd len="med" w="med" type="none"/>
-            <a:tailEnd len="med" w="med" type="triangle"/>
-          </a:ln>
-        </p:spPr>
-      </p:cxnSp>
-      <p:cxnSp>
-        <p:nvCxnSpPr>
-          <p:cNvPr id="167" name="Google Shape;167;p18"/>
-          <p:cNvCxnSpPr>
-            <a:stCxn id="158" idx="3"/>
-          </p:cNvCxnSpPr>
-          <p:nvPr/>
-        </p:nvCxnSpPr>
-        <p:spPr>
-          <a:xfrm>
-            <a:off x="3789900" y="2049525"/>
-            <a:ext cx="2248500" cy="245700"/>
-          </a:xfrm>
-          <a:prstGeom prst="straightConnector1">
-            <a:avLst/>
-          </a:prstGeom>
-          <a:noFill/>
-          <a:ln cap="flat" cmpd="sng" w="9525">
-            <a:solidFill>
-              <a:schemeClr val="dk2"/>
-            </a:solidFill>
-            <a:prstDash val="solid"/>
-            <a:round/>
-            <a:headEnd len="med" w="med" type="none"/>
-            <a:tailEnd len="med" w="med" type="triangle"/>
-          </a:ln>
-        </p:spPr>
-      </p:cxnSp>
-      <p:sp>
-        <p:nvSpPr>
-          <p:cNvPr id="168" name="Google Shape;168;p18"/>
-          <p:cNvSpPr txBox="1"/>
-          <p:nvPr/>
-        </p:nvSpPr>
-        <p:spPr>
-          <a:xfrm rot="356090">
-            <a:off x="4193040" y="1831762"/>
-            <a:ext cx="1006796" cy="400247"/>
-          </a:xfrm>
-          <a:prstGeom prst="rect">
-            <a:avLst/>
-          </a:prstGeom>
-          <a:noFill/>
-          <a:ln>
-            <a:noFill/>
-          </a:ln>
-        </p:spPr>
-        <p:txBody>
-          <a:bodyPr anchorCtr="0" anchor="t" bIns="91425" lIns="91425" spcFirstLastPara="1" rIns="91425" wrap="square" tIns="91425">
-            <a:spAutoFit/>
-          </a:bodyPr>
-          <a:lstStyle/>
-          <a:p>
-            <a:pPr indent="0" lvl="0" marL="0" rtl="0" algn="l">
-              <a:spcBef>
-                <a:spcPts val="0"/>
-              </a:spcBef>
-              <a:spcAft>
-                <a:spcPts val="0"/>
-              </a:spcAft>
-              <a:buNone/>
-            </a:pPr>
-            <a:r>
-              <a:rPr lang="en"/>
-              <a:t>Larger E</a:t>
-            </a:r>
-            <a:endParaRPr/>
-          </a:p>
-        </p:txBody>
-      </p:sp>
-      <p:sp>
-        <p:nvSpPr>
-          <p:cNvPr id="169" name="Google Shape;169;p18"/>
-          <p:cNvSpPr/>
-          <p:nvPr/>
-        </p:nvSpPr>
-        <p:spPr>
-          <a:xfrm>
-            <a:off x="6091750" y="3379250"/>
-            <a:ext cx="765300" cy="572700"/>
-          </a:xfrm>
-          <a:prstGeom prst="rect">
-            <a:avLst/>
-          </a:prstGeom>
-          <a:solidFill>
-            <a:srgbClr val="00FF00"/>
-          </a:solidFill>
-          <a:ln cap="flat" cmpd="sng" w="9525">
-            <a:solidFill>
-              <a:schemeClr val="dk1"/>
-            </a:solidFill>
-            <a:prstDash val="solid"/>
-            <a:round/>
-            <a:headEnd len="sm" w="sm" type="none"/>
-            <a:tailEnd len="sm" w="sm" type="none"/>
-          </a:ln>
-        </p:spPr>
-        <p:txBody>
-          <a:bodyPr anchorCtr="0" anchor="ctr" bIns="91425" lIns="91425" spcFirstLastPara="1" rIns="91425" wrap="square" tIns="91425">
-            <a:noAutofit/>
-          </a:bodyPr>
-          <a:lstStyle/>
-          <a:p>
-            <a:pPr indent="0" lvl="0" marL="0" rtl="0" algn="l">
-              <a:spcBef>
-                <a:spcPts val="0"/>
-              </a:spcBef>
-              <a:spcAft>
-                <a:spcPts val="0"/>
-              </a:spcAft>
-              <a:buNone/>
-            </a:pPr>
-            <a:r>
-              <a:rPr lang="en">
-                <a:solidFill>
-                  <a:schemeClr val="dk1"/>
-                </a:solidFill>
-              </a:rPr>
-              <a:t>17-bit adder</a:t>
-            </a:r>
-            <a:endParaRPr/>
-          </a:p>
-        </p:txBody>
-      </p:sp>
-      <p:sp>
-        <p:nvSpPr>
-          <p:cNvPr id="170" name="Google Shape;170;p18"/>
-          <p:cNvSpPr txBox="1"/>
-          <p:nvPr/>
-        </p:nvSpPr>
-        <p:spPr>
-          <a:xfrm>
-            <a:off x="2904825" y="2609375"/>
-            <a:ext cx="566400" cy="400200"/>
-          </a:xfrm>
-          <a:prstGeom prst="rect">
-            <a:avLst/>
-          </a:prstGeom>
-          <a:noFill/>
-          <a:ln>
-            <a:noFill/>
-          </a:ln>
-        </p:spPr>
-        <p:txBody>
-          <a:bodyPr anchorCtr="0" anchor="t" bIns="91425" lIns="91425" spcFirstLastPara="1" rIns="91425" wrap="square" tIns="91425">
-            <a:spAutoFit/>
-          </a:bodyPr>
-          <a:lstStyle/>
-          <a:p>
-            <a:pPr indent="0" lvl="0" marL="0" rtl="0" algn="l">
-              <a:spcBef>
-                <a:spcPts val="0"/>
-              </a:spcBef>
-              <a:spcAft>
-                <a:spcPts val="0"/>
-              </a:spcAft>
-              <a:buNone/>
-            </a:pPr>
-            <a:r>
-              <a:rPr lang="en"/>
-              <a:t>diff</a:t>
-            </a:r>
-            <a:endParaRPr/>
-          </a:p>
-        </p:txBody>
-      </p:sp>
-      <p:sp>
-        <p:nvSpPr>
-          <p:cNvPr id="171" name="Google Shape;171;p18"/>
-          <p:cNvSpPr/>
-          <p:nvPr/>
-        </p:nvSpPr>
-        <p:spPr>
-          <a:xfrm>
-            <a:off x="4445975" y="3379250"/>
-            <a:ext cx="1070100" cy="572700"/>
-          </a:xfrm>
-          <a:prstGeom prst="rect">
-            <a:avLst/>
-          </a:prstGeom>
-          <a:solidFill>
-            <a:srgbClr val="00FF00"/>
-          </a:solidFill>
-          <a:ln cap="flat" cmpd="sng" w="9525">
-            <a:solidFill>
-              <a:schemeClr val="dk1"/>
-            </a:solidFill>
-            <a:prstDash val="solid"/>
-            <a:round/>
-            <a:headEnd len="sm" w="sm" type="none"/>
-            <a:tailEnd len="sm" w="sm" type="none"/>
-          </a:ln>
-        </p:spPr>
-        <p:txBody>
-          <a:bodyPr anchorCtr="0" anchor="ctr" bIns="91425" lIns="91425" spcFirstLastPara="1" rIns="91425" wrap="square" tIns="91425">
-            <a:noAutofit/>
-          </a:bodyPr>
-          <a:lstStyle/>
-          <a:p>
-            <a:pPr indent="0" lvl="0" marL="0" rtl="0" algn="l">
-              <a:spcBef>
-                <a:spcPts val="0"/>
-              </a:spcBef>
-              <a:spcAft>
-                <a:spcPts val="0"/>
-              </a:spcAft>
-              <a:buNone/>
-            </a:pPr>
-            <a:r>
-              <a:rPr lang="en">
-                <a:solidFill>
-                  <a:schemeClr val="dk1"/>
-                </a:solidFill>
-              </a:rPr>
-              <a:t>2’s comp</a:t>
-            </a:r>
-            <a:endParaRPr>
-              <a:solidFill>
-                <a:schemeClr val="dk1"/>
-              </a:solidFill>
-            </a:endParaRPr>
-          </a:p>
-          <a:p>
-            <a:pPr indent="0" lvl="0" marL="0" rtl="0" algn="l">
-              <a:spcBef>
-                <a:spcPts val="0"/>
-              </a:spcBef>
-              <a:spcAft>
-                <a:spcPts val="0"/>
-              </a:spcAft>
-              <a:buNone/>
-            </a:pPr>
-            <a:r>
-              <a:rPr lang="en">
-                <a:solidFill>
-                  <a:schemeClr val="dk1"/>
-                </a:solidFill>
-              </a:rPr>
-              <a:t>conversion</a:t>
-            </a:r>
-            <a:endParaRPr/>
-          </a:p>
-        </p:txBody>
-      </p:sp>
-      <p:cxnSp>
-        <p:nvCxnSpPr>
-          <p:cNvPr id="172" name="Google Shape;172;p18"/>
-          <p:cNvCxnSpPr/>
-          <p:nvPr/>
-        </p:nvCxnSpPr>
-        <p:spPr>
-          <a:xfrm>
-            <a:off x="5516628" y="3523625"/>
-            <a:ext cx="565200" cy="0"/>
-          </a:xfrm>
-          <a:prstGeom prst="straightConnector1">
-            <a:avLst/>
-          </a:prstGeom>
-          <a:noFill/>
-          <a:ln cap="flat" cmpd="sng" w="9525">
-            <a:solidFill>
-              <a:schemeClr val="dk2"/>
-            </a:solidFill>
-            <a:prstDash val="solid"/>
-            <a:round/>
-            <a:headEnd len="med" w="med" type="none"/>
-            <a:tailEnd len="med" w="med" type="triangle"/>
-          </a:ln>
-        </p:spPr>
-      </p:cxnSp>
-      <p:cxnSp>
-        <p:nvCxnSpPr>
-          <p:cNvPr id="173" name="Google Shape;173;p18"/>
-          <p:cNvCxnSpPr/>
-          <p:nvPr/>
-        </p:nvCxnSpPr>
-        <p:spPr>
-          <a:xfrm>
-            <a:off x="5516075" y="3807575"/>
-            <a:ext cx="566400" cy="0"/>
-          </a:xfrm>
-          <a:prstGeom prst="straightConnector1">
-            <a:avLst/>
-          </a:prstGeom>
-          <a:noFill/>
-          <a:ln cap="flat" cmpd="sng" w="9525">
-            <a:solidFill>
-              <a:schemeClr val="dk2"/>
-            </a:solidFill>
-            <a:prstDash val="solid"/>
-            <a:round/>
-            <a:headEnd len="med" w="med" type="none"/>
-            <a:tailEnd len="med" w="med" type="triangle"/>
-          </a:ln>
-        </p:spPr>
-      </p:cxnSp>
-      <p:cxnSp>
-        <p:nvCxnSpPr>
-          <p:cNvPr id="174" name="Google Shape;174;p18"/>
-          <p:cNvCxnSpPr/>
-          <p:nvPr/>
-        </p:nvCxnSpPr>
-        <p:spPr>
-          <a:xfrm flipH="1" rot="10800000">
-            <a:off x="6468450" y="2452325"/>
-            <a:ext cx="75300" cy="890700"/>
-          </a:xfrm>
-          <a:prstGeom prst="straightConnector1">
-            <a:avLst/>
-          </a:prstGeom>
-          <a:noFill/>
-          <a:ln cap="flat" cmpd="sng" w="9525">
-            <a:solidFill>
-              <a:schemeClr val="dk2"/>
-            </a:solidFill>
-            <a:prstDash val="solid"/>
-            <a:round/>
-            <a:headEnd len="med" w="med" type="none"/>
-            <a:tailEnd len="med" w="med" type="triangle"/>
-          </a:ln>
-        </p:spPr>
-      </p:cxnSp>
-      <p:cxnSp>
-        <p:nvCxnSpPr>
-          <p:cNvPr id="175" name="Google Shape;175;p18"/>
-          <p:cNvCxnSpPr/>
-          <p:nvPr/>
-        </p:nvCxnSpPr>
-        <p:spPr>
-          <a:xfrm rot="10800000">
-            <a:off x="4584325" y="3943575"/>
-            <a:ext cx="0" cy="197100"/>
-          </a:xfrm>
-          <a:prstGeom prst="straightConnector1">
-            <a:avLst/>
-          </a:prstGeom>
-          <a:noFill/>
-          <a:ln cap="flat" cmpd="sng" w="9525">
-            <a:solidFill>
-              <a:schemeClr val="dk2"/>
-            </a:solidFill>
-            <a:prstDash val="solid"/>
-            <a:round/>
-            <a:headEnd len="med" w="med" type="none"/>
-            <a:tailEnd len="med" w="med" type="triangle"/>
-          </a:ln>
-        </p:spPr>
-      </p:cxnSp>
-      <p:cxnSp>
-        <p:nvCxnSpPr>
-          <p:cNvPr id="176" name="Google Shape;176;p18"/>
-          <p:cNvCxnSpPr/>
-          <p:nvPr/>
-        </p:nvCxnSpPr>
-        <p:spPr>
-          <a:xfrm flipH="1" rot="10800000">
-            <a:off x="5188175" y="3955875"/>
-            <a:ext cx="61500" cy="492900"/>
-          </a:xfrm>
-          <a:prstGeom prst="straightConnector1">
-            <a:avLst/>
-          </a:prstGeom>
-          <a:noFill/>
-          <a:ln cap="flat" cmpd="sng" w="9525">
-            <a:solidFill>
-              <a:schemeClr val="dk2"/>
-            </a:solidFill>
-            <a:prstDash val="solid"/>
-            <a:round/>
-            <a:headEnd len="med" w="med" type="none"/>
-            <a:tailEnd len="med" w="med" type="triangle"/>
-          </a:ln>
-        </p:spPr>
-      </p:cxnSp>
     </p:spTree>
   </p:cSld>
   <p:clrMapOvr>
@@ -11306,7 +10998,7 @@
   <p:cSld>
     <p:spTree>
       <p:nvGrpSpPr>
-        <p:cNvPr id="180" name="Shape 180"/>
+        <p:cNvPr id="149" name="Shape 149"/>
         <p:cNvGrpSpPr/>
         <p:nvPr/>
       </p:nvGrpSpPr>
@@ -11320,7 +11012,7 @@
       </p:grpSpPr>
       <p:sp>
         <p:nvSpPr>
-          <p:cNvPr id="181" name="Google Shape;181;p19"/>
+          <p:cNvPr id="150" name="Google Shape;150;p19"/>
           <p:cNvSpPr txBox="1"/>
           <p:nvPr>
             <p:ph idx="4294967295" type="title"/>
@@ -11352,7 +11044,7 @@
             </a:pPr>
             <a:r>
               <a:rPr lang="en"/>
-              <a:t>Floating Point Multiplier</a:t>
+              <a:t>Floating Point Adder</a:t>
             </a:r>
             <a:endParaRPr/>
           </a:p>
@@ -11360,7 +11052,7 @@
       </p:sp>
       <p:sp>
         <p:nvSpPr>
-          <p:cNvPr id="182" name="Google Shape;182;p19"/>
+          <p:cNvPr id="151" name="Google Shape;151;p19"/>
           <p:cNvSpPr/>
           <p:nvPr/>
         </p:nvSpPr>
@@ -11409,14 +11101,14 @@
       </p:sp>
       <p:cxnSp>
         <p:nvCxnSpPr>
-          <p:cNvPr id="183" name="Google Shape;183;p19"/>
+          <p:cNvPr id="152" name="Google Shape;152;p19"/>
           <p:cNvCxnSpPr/>
           <p:nvPr/>
         </p:nvCxnSpPr>
         <p:spPr>
-          <a:xfrm>
-            <a:off x="589800" y="1790825"/>
-            <a:ext cx="1411800" cy="0"/>
+          <a:xfrm flipH="1" rot="10800000">
+            <a:off x="766025" y="4140725"/>
+            <a:ext cx="3867600" cy="11400"/>
           </a:xfrm>
           <a:prstGeom prst="straightConnector1">
             <a:avLst/>
@@ -11435,13 +11127,13 @@
       </p:cxnSp>
       <p:sp>
         <p:nvSpPr>
-          <p:cNvPr id="184" name="Google Shape;184;p19"/>
+          <p:cNvPr id="153" name="Google Shape;153;p19"/>
           <p:cNvSpPr txBox="1"/>
           <p:nvPr/>
         </p:nvSpPr>
         <p:spPr>
           <a:xfrm>
-            <a:off x="135475" y="1590725"/>
+            <a:off x="311700" y="3952025"/>
             <a:ext cx="846900" cy="400200"/>
           </a:xfrm>
           <a:prstGeom prst="rect">
@@ -11477,14 +11169,14 @@
       </p:sp>
       <p:cxnSp>
         <p:nvCxnSpPr>
-          <p:cNvPr id="185" name="Google Shape;185;p19"/>
+          <p:cNvPr id="154" name="Google Shape;154;p19"/>
           <p:cNvCxnSpPr/>
           <p:nvPr/>
         </p:nvCxnSpPr>
         <p:spPr>
-          <a:xfrm>
-            <a:off x="589800" y="2100125"/>
-            <a:ext cx="1411800" cy="0"/>
+          <a:xfrm flipH="1" rot="10800000">
+            <a:off x="766025" y="4448825"/>
+            <a:ext cx="4459200" cy="12600"/>
           </a:xfrm>
           <a:prstGeom prst="straightConnector1">
             <a:avLst/>
@@ -11503,13 +11195,13 @@
       </p:cxnSp>
       <p:sp>
         <p:nvSpPr>
-          <p:cNvPr id="186" name="Google Shape;186;p19"/>
+          <p:cNvPr id="155" name="Google Shape;155;p19"/>
           <p:cNvSpPr txBox="1"/>
           <p:nvPr/>
         </p:nvSpPr>
         <p:spPr>
           <a:xfrm>
-            <a:off x="135475" y="1900025"/>
+            <a:off x="311700" y="4261325"/>
             <a:ext cx="846900" cy="400200"/>
           </a:xfrm>
           <a:prstGeom prst="rect">
@@ -11545,13 +11237,13 @@
       </p:sp>
       <p:cxnSp>
         <p:nvCxnSpPr>
-          <p:cNvPr id="187" name="Google Shape;187;p19"/>
+          <p:cNvPr id="156" name="Google Shape;156;p19"/>
           <p:cNvCxnSpPr/>
           <p:nvPr/>
         </p:nvCxnSpPr>
         <p:spPr>
           <a:xfrm>
-            <a:off x="636850" y="2609525"/>
+            <a:off x="636900" y="1874925"/>
             <a:ext cx="1411800" cy="0"/>
           </a:xfrm>
           <a:prstGeom prst="straightConnector1">
@@ -11571,13 +11263,13 @@
       </p:cxnSp>
       <p:sp>
         <p:nvSpPr>
-          <p:cNvPr id="188" name="Google Shape;188;p19"/>
+          <p:cNvPr id="157" name="Google Shape;157;p19"/>
           <p:cNvSpPr txBox="1"/>
           <p:nvPr/>
         </p:nvSpPr>
         <p:spPr>
           <a:xfrm>
-            <a:off x="182525" y="2409425"/>
+            <a:off x="182575" y="1674825"/>
             <a:ext cx="846900" cy="400200"/>
           </a:xfrm>
           <a:prstGeom prst="rect">
@@ -11613,13 +11305,13 @@
       </p:sp>
       <p:cxnSp>
         <p:nvCxnSpPr>
-          <p:cNvPr id="189" name="Google Shape;189;p19"/>
+          <p:cNvPr id="158" name="Google Shape;158;p19"/>
           <p:cNvCxnSpPr/>
           <p:nvPr/>
         </p:nvCxnSpPr>
         <p:spPr>
           <a:xfrm>
-            <a:off x="636850" y="2893475"/>
+            <a:off x="636900" y="2158875"/>
             <a:ext cx="1411800" cy="0"/>
           </a:xfrm>
           <a:prstGeom prst="straightConnector1">
@@ -11639,13 +11331,13 @@
       </p:cxnSp>
       <p:sp>
         <p:nvSpPr>
-          <p:cNvPr id="190" name="Google Shape;190;p19"/>
+          <p:cNvPr id="159" name="Google Shape;159;p19"/>
           <p:cNvSpPr txBox="1"/>
           <p:nvPr/>
         </p:nvSpPr>
         <p:spPr>
           <a:xfrm>
-            <a:off x="182525" y="2693375"/>
+            <a:off x="182575" y="1958775"/>
             <a:ext cx="846900" cy="400200"/>
           </a:xfrm>
           <a:prstGeom prst="rect">
@@ -11681,7 +11373,7 @@
       </p:sp>
       <p:cxnSp>
         <p:nvCxnSpPr>
-          <p:cNvPr id="191" name="Google Shape;191;p19"/>
+          <p:cNvPr id="160" name="Google Shape;160;p19"/>
           <p:cNvCxnSpPr/>
           <p:nvPr/>
         </p:nvCxnSpPr>
@@ -11707,7 +11399,7 @@
       </p:cxnSp>
       <p:sp>
         <p:nvSpPr>
-          <p:cNvPr id="192" name="Google Shape;192;p19"/>
+          <p:cNvPr id="161" name="Google Shape;161;p19"/>
           <p:cNvSpPr txBox="1"/>
           <p:nvPr/>
         </p:nvSpPr>
@@ -11741,11 +11433,7 @@
             </a:pPr>
             <a:r>
               <a:rPr lang="en"/>
-              <a:t>M</a:t>
-            </a:r>
-            <a:r>
-              <a:rPr lang="en"/>
-              <a:t>1</a:t>
+              <a:t>M1</a:t>
             </a:r>
             <a:endParaRPr/>
           </a:p>
@@ -11753,7 +11441,7 @@
       </p:sp>
       <p:cxnSp>
         <p:nvCxnSpPr>
-          <p:cNvPr id="193" name="Google Shape;193;p19"/>
+          <p:cNvPr id="162" name="Google Shape;162;p19"/>
           <p:cNvCxnSpPr/>
           <p:nvPr/>
         </p:nvCxnSpPr>
@@ -11779,7 +11467,7 @@
       </p:cxnSp>
       <p:sp>
         <p:nvSpPr>
-          <p:cNvPr id="194" name="Google Shape;194;p19"/>
+          <p:cNvPr id="163" name="Google Shape;163;p19"/>
           <p:cNvSpPr txBox="1"/>
           <p:nvPr/>
         </p:nvSpPr>
@@ -11821,63 +11509,13 @@
       </p:sp>
       <p:sp>
         <p:nvSpPr>
-          <p:cNvPr id="195" name="Google Shape;195;p19"/>
+          <p:cNvPr id="164" name="Google Shape;164;p19"/>
           <p:cNvSpPr/>
           <p:nvPr/>
         </p:nvSpPr>
         <p:spPr>
           <a:xfrm>
-            <a:off x="2001600" y="1698050"/>
-            <a:ext cx="1206600" cy="515100"/>
-          </a:xfrm>
-          <a:prstGeom prst="rect">
-            <a:avLst/>
-          </a:prstGeom>
-          <a:solidFill>
-            <a:srgbClr val="A4C2F4"/>
-          </a:solidFill>
-          <a:ln cap="flat" cmpd="sng" w="9525">
-            <a:solidFill>
-              <a:schemeClr val="dk1"/>
-            </a:solidFill>
-            <a:prstDash val="solid"/>
-            <a:round/>
-            <a:headEnd len="sm" w="sm" type="none"/>
-            <a:tailEnd len="sm" w="sm" type="none"/>
-          </a:ln>
-        </p:spPr>
-        <p:txBody>
-          <a:bodyPr anchorCtr="0" anchor="ctr" bIns="91425" lIns="91425" spcFirstLastPara="1" rIns="91425" wrap="square" tIns="91425">
-            <a:noAutofit/>
-          </a:bodyPr>
-          <a:lstStyle/>
-          <a:p>
-            <a:pPr indent="0" lvl="0" marL="0" rtl="0" algn="l">
-              <a:spcBef>
-                <a:spcPts val="0"/>
-              </a:spcBef>
-              <a:spcAft>
-                <a:spcPts val="0"/>
-              </a:spcAft>
-              <a:buNone/>
-            </a:pPr>
-            <a:r>
-              <a:rPr lang="en"/>
-              <a:t>1-bit XOR</a:t>
-            </a:r>
-            <a:endParaRPr/>
-          </a:p>
-        </p:txBody>
-      </p:sp>
-      <p:sp>
-        <p:nvSpPr>
-          <p:cNvPr id="196" name="Google Shape;196;p19"/>
-          <p:cNvSpPr/>
-          <p:nvPr/>
-        </p:nvSpPr>
-        <p:spPr>
-          <a:xfrm>
-            <a:off x="2048650" y="2497775"/>
+            <a:off x="2048700" y="1763175"/>
             <a:ext cx="1741200" cy="572700"/>
           </a:xfrm>
           <a:prstGeom prst="rect">
@@ -11913,7 +11551,7 @@
             </a:pPr>
             <a:r>
               <a:rPr lang="en"/>
-              <a:t>16-bit signed adder</a:t>
+              <a:t>Subtraction and comparator</a:t>
             </a:r>
             <a:endParaRPr/>
           </a:p>
@@ -11921,14 +11559,384 @@
       </p:sp>
       <p:sp>
         <p:nvSpPr>
-          <p:cNvPr id="197" name="Google Shape;197;p19"/>
+          <p:cNvPr id="165" name="Google Shape;165;p19"/>
           <p:cNvSpPr/>
           <p:nvPr/>
         </p:nvSpPr>
         <p:spPr>
           <a:xfrm>
-            <a:off x="4934075" y="3379250"/>
-            <a:ext cx="1965300" cy="572700"/>
+            <a:off x="2001600" y="3379250"/>
+            <a:ext cx="1889100" cy="572700"/>
+          </a:xfrm>
+          <a:prstGeom prst="rect">
+            <a:avLst/>
+          </a:prstGeom>
+          <a:solidFill>
+            <a:schemeClr val="accent5"/>
+          </a:solidFill>
+          <a:ln cap="flat" cmpd="sng" w="9525">
+            <a:solidFill>
+              <a:schemeClr val="dk1"/>
+            </a:solidFill>
+            <a:prstDash val="solid"/>
+            <a:round/>
+            <a:headEnd len="sm" w="sm" type="none"/>
+            <a:tailEnd len="sm" w="sm" type="none"/>
+          </a:ln>
+        </p:spPr>
+        <p:txBody>
+          <a:bodyPr anchorCtr="0" anchor="ctr" bIns="91425" lIns="91425" spcFirstLastPara="1" rIns="91425" wrap="square" tIns="91425">
+            <a:noAutofit/>
+          </a:bodyPr>
+          <a:lstStyle/>
+          <a:p>
+            <a:pPr indent="0" lvl="0" marL="0" rtl="0" algn="l">
+              <a:spcBef>
+                <a:spcPts val="0"/>
+              </a:spcBef>
+              <a:spcAft>
+                <a:spcPts val="0"/>
+              </a:spcAft>
+              <a:buClr>
+                <a:schemeClr val="dk1"/>
+              </a:buClr>
+              <a:buSzPts val="1100"/>
+              <a:buFont typeface="Arial"/>
+              <a:buNone/>
+            </a:pPr>
+            <a:r>
+              <a:rPr lang="en">
+                <a:solidFill>
+                  <a:schemeClr val="dk1"/>
+                </a:solidFill>
+              </a:rPr>
+              <a:t>Shift M with smaller E to right by diff bit </a:t>
+            </a:r>
+            <a:endParaRPr/>
+          </a:p>
+        </p:txBody>
+      </p:sp>
+      <p:cxnSp>
+        <p:nvCxnSpPr>
+          <p:cNvPr id="166" name="Google Shape;166;p19"/>
+          <p:cNvCxnSpPr/>
+          <p:nvPr/>
+        </p:nvCxnSpPr>
+        <p:spPr>
+          <a:xfrm>
+            <a:off x="3880128" y="3523925"/>
+            <a:ext cx="565200" cy="0"/>
+          </a:xfrm>
+          <a:prstGeom prst="straightConnector1">
+            <a:avLst/>
+          </a:prstGeom>
+          <a:noFill/>
+          <a:ln cap="flat" cmpd="sng" w="9525">
+            <a:solidFill>
+              <a:schemeClr val="dk2"/>
+            </a:solidFill>
+            <a:prstDash val="solid"/>
+            <a:round/>
+            <a:headEnd len="med" w="med" type="none"/>
+            <a:tailEnd len="med" w="med" type="triangle"/>
+          </a:ln>
+        </p:spPr>
+      </p:cxnSp>
+      <p:cxnSp>
+        <p:nvCxnSpPr>
+          <p:cNvPr id="167" name="Google Shape;167;p19"/>
+          <p:cNvCxnSpPr/>
+          <p:nvPr/>
+        </p:nvCxnSpPr>
+        <p:spPr>
+          <a:xfrm>
+            <a:off x="3879575" y="3807875"/>
+            <a:ext cx="566400" cy="0"/>
+          </a:xfrm>
+          <a:prstGeom prst="straightConnector1">
+            <a:avLst/>
+          </a:prstGeom>
+          <a:noFill/>
+          <a:ln cap="flat" cmpd="sng" w="9525">
+            <a:solidFill>
+              <a:schemeClr val="dk2"/>
+            </a:solidFill>
+            <a:prstDash val="solid"/>
+            <a:round/>
+            <a:headEnd len="med" w="med" type="none"/>
+            <a:tailEnd len="med" w="med" type="triangle"/>
+          </a:ln>
+        </p:spPr>
+      </p:cxnSp>
+      <p:sp>
+        <p:nvSpPr>
+          <p:cNvPr id="168" name="Google Shape;168;p19"/>
+          <p:cNvSpPr/>
+          <p:nvPr/>
+        </p:nvSpPr>
+        <p:spPr>
+          <a:xfrm>
+            <a:off x="5603101" y="1471938"/>
+            <a:ext cx="1741176" cy="1256364"/>
+          </a:xfrm>
+          <a:prstGeom prst="irregularSeal1">
+            <a:avLst/>
+          </a:prstGeom>
+          <a:solidFill>
+            <a:srgbClr val="FCE5CD"/>
+          </a:solidFill>
+          <a:ln cap="flat" cmpd="sng" w="9525">
+            <a:solidFill>
+              <a:schemeClr val="dk2"/>
+            </a:solidFill>
+            <a:prstDash val="solid"/>
+            <a:round/>
+            <a:headEnd len="sm" w="sm" type="none"/>
+            <a:tailEnd len="sm" w="sm" type="none"/>
+          </a:ln>
+        </p:spPr>
+        <p:txBody>
+          <a:bodyPr anchorCtr="0" anchor="ctr" bIns="91425" lIns="91425" spcFirstLastPara="1" rIns="91425" wrap="square" tIns="91425">
+            <a:noAutofit/>
+          </a:bodyPr>
+          <a:lstStyle/>
+          <a:p>
+            <a:pPr indent="0" lvl="0" marL="0" rtl="0" algn="l">
+              <a:spcBef>
+                <a:spcPts val="0"/>
+              </a:spcBef>
+              <a:spcAft>
+                <a:spcPts val="0"/>
+              </a:spcAft>
+              <a:buNone/>
+            </a:pPr>
+            <a:r>
+              <a:rPr lang="en" sz="1300"/>
+              <a:t>normalize</a:t>
+            </a:r>
+            <a:endParaRPr sz="1300"/>
+          </a:p>
+        </p:txBody>
+      </p:sp>
+      <p:cxnSp>
+        <p:nvCxnSpPr>
+          <p:cNvPr id="169" name="Google Shape;169;p19"/>
+          <p:cNvCxnSpPr/>
+          <p:nvPr/>
+        </p:nvCxnSpPr>
+        <p:spPr>
+          <a:xfrm>
+            <a:off x="7344277" y="1990925"/>
+            <a:ext cx="986400" cy="5400"/>
+          </a:xfrm>
+          <a:prstGeom prst="straightConnector1">
+            <a:avLst/>
+          </a:prstGeom>
+          <a:noFill/>
+          <a:ln cap="flat" cmpd="sng" w="9525">
+            <a:solidFill>
+              <a:schemeClr val="dk2"/>
+            </a:solidFill>
+            <a:prstDash val="solid"/>
+            <a:round/>
+            <a:headEnd len="med" w="med" type="none"/>
+            <a:tailEnd len="med" w="med" type="triangle"/>
+          </a:ln>
+        </p:spPr>
+      </p:cxnSp>
+      <p:sp>
+        <p:nvSpPr>
+          <p:cNvPr id="170" name="Google Shape;170;p19"/>
+          <p:cNvSpPr txBox="1"/>
+          <p:nvPr/>
+        </p:nvSpPr>
+        <p:spPr>
+          <a:xfrm>
+            <a:off x="8374575" y="1793525"/>
+            <a:ext cx="846900" cy="400200"/>
+          </a:xfrm>
+          <a:prstGeom prst="rect">
+            <a:avLst/>
+          </a:prstGeom>
+          <a:noFill/>
+          <a:ln>
+            <a:noFill/>
+          </a:ln>
+        </p:spPr>
+        <p:txBody>
+          <a:bodyPr anchorCtr="0" anchor="t" bIns="91425" lIns="91425" spcFirstLastPara="1" rIns="91425" wrap="square" tIns="91425">
+            <a:spAutoFit/>
+          </a:bodyPr>
+          <a:lstStyle/>
+          <a:p>
+            <a:pPr indent="0" lvl="0" marL="0" rtl="0" algn="l">
+              <a:spcBef>
+                <a:spcPts val="0"/>
+              </a:spcBef>
+              <a:spcAft>
+                <a:spcPts val="0"/>
+              </a:spcAft>
+              <a:buNone/>
+            </a:pPr>
+            <a:r>
+              <a:rPr lang="en"/>
+              <a:t>out</a:t>
+            </a:r>
+            <a:endParaRPr/>
+          </a:p>
+        </p:txBody>
+      </p:sp>
+      <p:sp>
+        <p:nvSpPr>
+          <p:cNvPr id="171" name="Google Shape;171;p19"/>
+          <p:cNvSpPr txBox="1"/>
+          <p:nvPr/>
+        </p:nvSpPr>
+        <p:spPr>
+          <a:xfrm rot="-1310828">
+            <a:off x="6342495" y="3970079"/>
+            <a:ext cx="2024284" cy="400099"/>
+          </a:xfrm>
+          <a:prstGeom prst="rect">
+            <a:avLst/>
+          </a:prstGeom>
+          <a:noFill/>
+          <a:ln>
+            <a:noFill/>
+          </a:ln>
+        </p:spPr>
+        <p:txBody>
+          <a:bodyPr anchorCtr="0" anchor="t" bIns="91425" lIns="91425" spcFirstLastPara="1" rIns="91425" wrap="square" tIns="91425">
+            <a:spAutoFit/>
+          </a:bodyPr>
+          <a:lstStyle/>
+          <a:p>
+            <a:pPr indent="0" lvl="0" marL="0" rtl="0" algn="l">
+              <a:spcBef>
+                <a:spcPts val="0"/>
+              </a:spcBef>
+              <a:spcAft>
+                <a:spcPts val="0"/>
+              </a:spcAft>
+              <a:buNone/>
+            </a:pPr>
+            <a:r>
+              <a:rPr b="1" i="1" lang="en"/>
+              <a:t>FP_adder.sv</a:t>
+            </a:r>
+            <a:endParaRPr b="1" i="1"/>
+          </a:p>
+        </p:txBody>
+      </p:sp>
+      <p:cxnSp>
+        <p:nvCxnSpPr>
+          <p:cNvPr id="172" name="Google Shape;172;p19"/>
+          <p:cNvCxnSpPr>
+            <a:stCxn id="164" idx="2"/>
+            <a:endCxn id="165" idx="0"/>
+          </p:cNvCxnSpPr>
+          <p:nvPr/>
+        </p:nvCxnSpPr>
+        <p:spPr>
+          <a:xfrm>
+            <a:off x="2919300" y="2335875"/>
+            <a:ext cx="27000" cy="1043400"/>
+          </a:xfrm>
+          <a:prstGeom prst="straightConnector1">
+            <a:avLst/>
+          </a:prstGeom>
+          <a:noFill/>
+          <a:ln cap="flat" cmpd="sng" w="9525">
+            <a:solidFill>
+              <a:schemeClr val="dk2"/>
+            </a:solidFill>
+            <a:prstDash val="solid"/>
+            <a:round/>
+            <a:headEnd len="med" w="med" type="none"/>
+            <a:tailEnd len="med" w="med" type="triangle"/>
+          </a:ln>
+        </p:spPr>
+      </p:cxnSp>
+      <p:cxnSp>
+        <p:nvCxnSpPr>
+          <p:cNvPr id="173" name="Google Shape;173;p19"/>
+          <p:cNvCxnSpPr>
+            <a:stCxn id="164" idx="3"/>
+          </p:cNvCxnSpPr>
+          <p:nvPr/>
+        </p:nvCxnSpPr>
+        <p:spPr>
+          <a:xfrm>
+            <a:off x="3789900" y="2049525"/>
+            <a:ext cx="2248500" cy="245700"/>
+          </a:xfrm>
+          <a:prstGeom prst="straightConnector1">
+            <a:avLst/>
+          </a:prstGeom>
+          <a:noFill/>
+          <a:ln cap="flat" cmpd="sng" w="9525">
+            <a:solidFill>
+              <a:schemeClr val="dk2"/>
+            </a:solidFill>
+            <a:prstDash val="solid"/>
+            <a:round/>
+            <a:headEnd len="med" w="med" type="none"/>
+            <a:tailEnd len="med" w="med" type="triangle"/>
+          </a:ln>
+        </p:spPr>
+      </p:cxnSp>
+      <p:sp>
+        <p:nvSpPr>
+          <p:cNvPr id="174" name="Google Shape;174;p19"/>
+          <p:cNvSpPr txBox="1"/>
+          <p:nvPr/>
+        </p:nvSpPr>
+        <p:spPr>
+          <a:xfrm rot="356090">
+            <a:off x="4193040" y="1831762"/>
+            <a:ext cx="1006796" cy="400247"/>
+          </a:xfrm>
+          <a:prstGeom prst="rect">
+            <a:avLst/>
+          </a:prstGeom>
+          <a:noFill/>
+          <a:ln>
+            <a:noFill/>
+          </a:ln>
+        </p:spPr>
+        <p:txBody>
+          <a:bodyPr anchorCtr="0" anchor="t" bIns="91425" lIns="91425" spcFirstLastPara="1" rIns="91425" wrap="square" tIns="91425">
+            <a:spAutoFit/>
+          </a:bodyPr>
+          <a:lstStyle/>
+          <a:p>
+            <a:pPr indent="0" lvl="0" marL="0" rtl="0" algn="l">
+              <a:spcBef>
+                <a:spcPts val="0"/>
+              </a:spcBef>
+              <a:spcAft>
+                <a:spcPts val="0"/>
+              </a:spcAft>
+              <a:buNone/>
+            </a:pPr>
+            <a:r>
+              <a:rPr lang="en"/>
+              <a:t>Larger E</a:t>
+            </a:r>
+            <a:endParaRPr/>
+          </a:p>
+        </p:txBody>
+      </p:sp>
+      <p:sp>
+        <p:nvSpPr>
+          <p:cNvPr id="175" name="Google Shape;175;p19"/>
+          <p:cNvSpPr/>
+          <p:nvPr/>
+        </p:nvSpPr>
+        <p:spPr>
+          <a:xfrm>
+            <a:off x="6091750" y="3379250"/>
+            <a:ext cx="765300" cy="572700"/>
           </a:xfrm>
           <a:prstGeom prst="rect">
             <a:avLst/>
@@ -11962,12 +11970,12 @@
               <a:buNone/>
             </a:pPr>
             <a:r>
-              <a:rPr b="1" i="1" lang="en">
+              <a:rPr lang="en">
                 <a:solidFill>
                   <a:schemeClr val="dk1"/>
                 </a:solidFill>
               </a:rPr>
-              <a:t>16x16_multiplier.sv</a:t>
+              <a:t>17-bit adder</a:t>
             </a:r>
             <a:endParaRPr/>
           </a:p>
@@ -11975,20 +11983,62 @@
       </p:sp>
       <p:sp>
         <p:nvSpPr>
-          <p:cNvPr id="198" name="Google Shape;198;p19"/>
+          <p:cNvPr id="176" name="Google Shape;176;p19"/>
+          <p:cNvSpPr txBox="1"/>
+          <p:nvPr/>
+        </p:nvSpPr>
+        <p:spPr>
+          <a:xfrm>
+            <a:off x="2904825" y="2609375"/>
+            <a:ext cx="566400" cy="400200"/>
+          </a:xfrm>
+          <a:prstGeom prst="rect">
+            <a:avLst/>
+          </a:prstGeom>
+          <a:noFill/>
+          <a:ln>
+            <a:noFill/>
+          </a:ln>
+        </p:spPr>
+        <p:txBody>
+          <a:bodyPr anchorCtr="0" anchor="t" bIns="91425" lIns="91425" spcFirstLastPara="1" rIns="91425" wrap="square" tIns="91425">
+            <a:spAutoFit/>
+          </a:bodyPr>
+          <a:lstStyle/>
+          <a:p>
+            <a:pPr indent="0" lvl="0" marL="0" rtl="0" algn="l">
+              <a:spcBef>
+                <a:spcPts val="0"/>
+              </a:spcBef>
+              <a:spcAft>
+                <a:spcPts val="0"/>
+              </a:spcAft>
+              <a:buNone/>
+            </a:pPr>
+            <a:r>
+              <a:rPr lang="en"/>
+              <a:t>diff</a:t>
+            </a:r>
+            <a:endParaRPr/>
+          </a:p>
+        </p:txBody>
+      </p:sp>
+      <p:sp>
+        <p:nvSpPr>
+          <p:cNvPr id="177" name="Google Shape;177;p19"/>
           <p:cNvSpPr/>
           <p:nvPr/>
         </p:nvSpPr>
         <p:spPr>
           <a:xfrm>
-            <a:off x="2001600" y="3379250"/>
-            <a:ext cx="1889100" cy="572700"/>
+            <a:off x="4445975" y="3379250"/>
+            <a:ext cx="1070100" cy="572700"/>
           </a:xfrm>
           <a:prstGeom prst="rect">
             <a:avLst/>
           </a:prstGeom>
           <a:solidFill>
-            <a:schemeClr val="accent5"/>
+            <a:srgbClr val="00FF00"/>
           </a:solidFill>
           <a:ln cap="flat" cmpd="sng" w="9525">
             <a:solidFill>
@@ -12016,12 +12066,36 @@
               <a:buNone/>
             </a:pPr>
             <a:r>
-              <a:rPr b="1" i="1" lang="en">
+              <a:rPr lang="en">
                 <a:solidFill>
                   <a:schemeClr val="dk1"/>
                 </a:solidFill>
               </a:rPr>
-              <a:t>Append 1 to the left</a:t>
+              <a:t>2’s comp</a:t>
+            </a:r>
+            <a:endParaRPr>
+              <a:solidFill>
+                <a:schemeClr val="dk1"/>
+              </a:solidFill>
+            </a:endParaRPr>
+          </a:p>
+          <a:p>
+            <a:pPr indent="0" lvl="0" marL="0" rtl="0" algn="l">
+              <a:spcBef>
+                <a:spcPts val="0"/>
+              </a:spcBef>
+              <a:spcAft>
+                <a:spcPts val="0"/>
+              </a:spcAft>
+              <a:buNone/>
+            </a:pPr>
+            <a:r>
+              <a:rPr lang="en">
+                <a:solidFill>
+                  <a:schemeClr val="dk1"/>
+                </a:solidFill>
+              </a:rPr>
+              <a:t>conversion</a:t>
             </a:r>
             <a:endParaRPr/>
           </a:p>
@@ -12029,16 +12103,14 @@
       </p:sp>
       <p:cxnSp>
         <p:nvCxnSpPr>
-          <p:cNvPr id="199" name="Google Shape;199;p19"/>
-          <p:cNvCxnSpPr>
-            <a:endCxn id="197" idx="2"/>
-          </p:cNvCxnSpPr>
+          <p:cNvPr id="178" name="Google Shape;178;p19"/>
+          <p:cNvCxnSpPr/>
           <p:nvPr/>
         </p:nvCxnSpPr>
         <p:spPr>
-          <a:xfrm flipH="1" rot="10800000">
-            <a:off x="5403425" y="3951950"/>
-            <a:ext cx="513300" cy="436200"/>
+          <a:xfrm>
+            <a:off x="5516628" y="3523625"/>
+            <a:ext cx="565200" cy="0"/>
           </a:xfrm>
           <a:prstGeom prst="straightConnector1">
             <a:avLst/>
@@ -12055,62 +12127,16 @@
           </a:ln>
         </p:spPr>
       </p:cxnSp>
-      <p:sp>
-        <p:nvSpPr>
-          <p:cNvPr id="200" name="Google Shape;200;p19"/>
-          <p:cNvSpPr txBox="1"/>
-          <p:nvPr/>
-        </p:nvSpPr>
-        <p:spPr>
-          <a:xfrm>
-            <a:off x="4572000" y="4180725"/>
-            <a:ext cx="1031100" cy="400200"/>
-          </a:xfrm>
-          <a:prstGeom prst="rect">
-            <a:avLst/>
-          </a:prstGeom>
-          <a:noFill/>
-          <a:ln>
-            <a:noFill/>
-          </a:ln>
-        </p:spPr>
-        <p:txBody>
-          <a:bodyPr anchorCtr="0" anchor="t" bIns="91425" lIns="91425" spcFirstLastPara="1" rIns="91425" wrap="square" tIns="91425">
-            <a:spAutoFit/>
-          </a:bodyPr>
-          <a:lstStyle/>
-          <a:p>
-            <a:pPr indent="0" lvl="0" marL="0" rtl="0" algn="l">
-              <a:spcBef>
-                <a:spcPts val="0"/>
-              </a:spcBef>
-              <a:spcAft>
-                <a:spcPts val="0"/>
-              </a:spcAft>
-              <a:buNone/>
-            </a:pPr>
-            <a:r>
-              <a:rPr lang="en"/>
-              <a:t>Uns</a:t>
-            </a:r>
-            <a:r>
-              <a:rPr lang="en"/>
-              <a:t>igned</a:t>
-            </a:r>
-            <a:endParaRPr/>
-          </a:p>
-        </p:txBody>
-      </p:sp>
       <p:cxnSp>
         <p:nvCxnSpPr>
-          <p:cNvPr id="201" name="Google Shape;201;p19"/>
+          <p:cNvPr id="179" name="Google Shape;179;p19"/>
           <p:cNvCxnSpPr/>
           <p:nvPr/>
         </p:nvCxnSpPr>
         <p:spPr>
           <a:xfrm>
-            <a:off x="3880625" y="3523925"/>
-            <a:ext cx="1073700" cy="0"/>
+            <a:off x="5516075" y="3807575"/>
+            <a:ext cx="566400" cy="0"/>
           </a:xfrm>
           <a:prstGeom prst="straightConnector1">
             <a:avLst/>
@@ -12129,14 +12155,14 @@
       </p:cxnSp>
       <p:cxnSp>
         <p:nvCxnSpPr>
-          <p:cNvPr id="202" name="Google Shape;202;p19"/>
+          <p:cNvPr id="180" name="Google Shape;180;p19"/>
           <p:cNvCxnSpPr/>
           <p:nvPr/>
         </p:nvCxnSpPr>
         <p:spPr>
-          <a:xfrm>
-            <a:off x="3879575" y="3807875"/>
-            <a:ext cx="1075800" cy="0"/>
+          <a:xfrm flipH="1" rot="10800000">
+            <a:off x="6468450" y="2452325"/>
+            <a:ext cx="75300" cy="890700"/>
           </a:xfrm>
           <a:prstGeom prst="straightConnector1">
             <a:avLst/>
@@ -12153,68 +12179,16 @@
           </a:ln>
         </p:spPr>
       </p:cxnSp>
-      <p:sp>
-        <p:nvSpPr>
-          <p:cNvPr id="203" name="Google Shape;203;p19"/>
-          <p:cNvSpPr/>
-          <p:nvPr/>
-        </p:nvSpPr>
-        <p:spPr>
-          <a:xfrm>
-            <a:off x="4809076" y="1471938"/>
-            <a:ext cx="1741176" cy="1256364"/>
-          </a:xfrm>
-          <a:prstGeom prst="irregularSeal1">
-            <a:avLst/>
-          </a:prstGeom>
-          <a:solidFill>
-            <a:srgbClr val="FCE5CD"/>
-          </a:solidFill>
-          <a:ln cap="flat" cmpd="sng" w="9525">
-            <a:solidFill>
-              <a:schemeClr val="dk2"/>
-            </a:solidFill>
-            <a:prstDash val="solid"/>
-            <a:round/>
-            <a:headEnd len="sm" w="sm" type="none"/>
-            <a:tailEnd len="sm" w="sm" type="none"/>
-          </a:ln>
-        </p:spPr>
-        <p:txBody>
-          <a:bodyPr anchorCtr="0" anchor="ctr" bIns="91425" lIns="91425" spcFirstLastPara="1" rIns="91425" wrap="square" tIns="91425">
-            <a:noAutofit/>
-          </a:bodyPr>
-          <a:lstStyle/>
-          <a:p>
-            <a:pPr indent="0" lvl="0" marL="0" rtl="0" algn="l">
-              <a:spcBef>
-                <a:spcPts val="0"/>
-              </a:spcBef>
-              <a:spcAft>
-                <a:spcPts val="0"/>
-              </a:spcAft>
-              <a:buNone/>
-            </a:pPr>
-            <a:r>
-              <a:rPr lang="en" sz="1300"/>
-              <a:t>normalize</a:t>
-            </a:r>
-            <a:endParaRPr sz="1300"/>
-          </a:p>
-        </p:txBody>
-      </p:sp>
       <p:cxnSp>
         <p:nvCxnSpPr>
-          <p:cNvPr id="204" name="Google Shape;204;p19"/>
-          <p:cNvCxnSpPr>
-            <a:stCxn id="195" idx="3"/>
-          </p:cNvCxnSpPr>
+          <p:cNvPr id="181" name="Google Shape;181;p19"/>
+          <p:cNvCxnSpPr/>
           <p:nvPr/>
         </p:nvCxnSpPr>
         <p:spPr>
-          <a:xfrm>
-            <a:off x="3208200" y="1955600"/>
-            <a:ext cx="1600800" cy="0"/>
+          <a:xfrm rot="10800000">
+            <a:off x="4584325" y="3943575"/>
+            <a:ext cx="0" cy="197100"/>
           </a:xfrm>
           <a:prstGeom prst="straightConnector1">
             <a:avLst/>
@@ -12233,16 +12207,14 @@
       </p:cxnSp>
       <p:cxnSp>
         <p:nvCxnSpPr>
-          <p:cNvPr id="205" name="Google Shape;205;p19"/>
-          <p:cNvCxnSpPr>
-            <a:stCxn id="196" idx="3"/>
-          </p:cNvCxnSpPr>
+          <p:cNvPr id="182" name="Google Shape;182;p19"/>
+          <p:cNvCxnSpPr/>
           <p:nvPr/>
         </p:nvCxnSpPr>
         <p:spPr>
           <a:xfrm flipH="1" rot="10800000">
-            <a:off x="3789850" y="2315225"/>
-            <a:ext cx="1030800" cy="468900"/>
+            <a:off x="5188175" y="3955875"/>
+            <a:ext cx="61500" cy="492900"/>
           </a:xfrm>
           <a:prstGeom prst="straightConnector1">
             <a:avLst/>
@@ -12259,151 +12231,6 @@
           </a:ln>
         </p:spPr>
       </p:cxnSp>
-      <p:cxnSp>
-        <p:nvCxnSpPr>
-          <p:cNvPr id="206" name="Google Shape;206;p19"/>
-          <p:cNvCxnSpPr>
-            <a:stCxn id="197" idx="0"/>
-            <a:endCxn id="203" idx="2"/>
-          </p:cNvCxnSpPr>
-          <p:nvPr/>
-        </p:nvCxnSpPr>
-        <p:spPr>
-          <a:xfrm rot="10800000">
-            <a:off x="5493125" y="2728250"/>
-            <a:ext cx="423600" cy="651000"/>
-          </a:xfrm>
-          <a:prstGeom prst="straightConnector1">
-            <a:avLst/>
-          </a:prstGeom>
-          <a:noFill/>
-          <a:ln cap="flat" cmpd="sng" w="9525">
-            <a:solidFill>
-              <a:schemeClr val="dk2"/>
-            </a:solidFill>
-            <a:prstDash val="solid"/>
-            <a:round/>
-            <a:headEnd len="med" w="med" type="none"/>
-            <a:tailEnd len="med" w="med" type="triangle"/>
-          </a:ln>
-        </p:spPr>
-      </p:cxnSp>
-      <p:cxnSp>
-        <p:nvCxnSpPr>
-          <p:cNvPr id="207" name="Google Shape;207;p19"/>
-          <p:cNvCxnSpPr>
-            <a:stCxn id="203" idx="3"/>
-          </p:cNvCxnSpPr>
-          <p:nvPr/>
-        </p:nvCxnSpPr>
-        <p:spPr>
-          <a:xfrm>
-            <a:off x="6550252" y="2244950"/>
-            <a:ext cx="1722000" cy="0"/>
-          </a:xfrm>
-          <a:prstGeom prst="straightConnector1">
-            <a:avLst/>
-          </a:prstGeom>
-          <a:noFill/>
-          <a:ln cap="flat" cmpd="sng" w="9525">
-            <a:solidFill>
-              <a:schemeClr val="dk2"/>
-            </a:solidFill>
-            <a:prstDash val="solid"/>
-            <a:round/>
-            <a:headEnd len="med" w="med" type="none"/>
-            <a:tailEnd len="med" w="med" type="triangle"/>
-          </a:ln>
-        </p:spPr>
-      </p:cxnSp>
-      <p:sp>
-        <p:nvSpPr>
-          <p:cNvPr id="208" name="Google Shape;208;p19"/>
-          <p:cNvSpPr txBox="1"/>
-          <p:nvPr/>
-        </p:nvSpPr>
-        <p:spPr>
-          <a:xfrm>
-            <a:off x="8272250" y="2044850"/>
-            <a:ext cx="846900" cy="400200"/>
-          </a:xfrm>
-          <a:prstGeom prst="rect">
-            <a:avLst/>
-          </a:prstGeom>
-          <a:noFill/>
-          <a:ln>
-            <a:noFill/>
-          </a:ln>
-        </p:spPr>
-        <p:txBody>
-          <a:bodyPr anchorCtr="0" anchor="t" bIns="91425" lIns="91425" spcFirstLastPara="1" rIns="91425" wrap="square" tIns="91425">
-            <a:spAutoFit/>
-          </a:bodyPr>
-          <a:lstStyle/>
-          <a:p>
-            <a:pPr indent="0" lvl="0" marL="0" rtl="0" algn="l">
-              <a:spcBef>
-                <a:spcPts val="0"/>
-              </a:spcBef>
-              <a:spcAft>
-                <a:spcPts val="0"/>
-              </a:spcAft>
-              <a:buNone/>
-            </a:pPr>
-            <a:r>
-              <a:rPr lang="en"/>
-              <a:t>out</a:t>
-            </a:r>
-            <a:endParaRPr/>
-          </a:p>
-        </p:txBody>
-      </p:sp>
-      <p:sp>
-        <p:nvSpPr>
-          <p:cNvPr id="209" name="Google Shape;209;p19"/>
-          <p:cNvSpPr txBox="1"/>
-          <p:nvPr/>
-        </p:nvSpPr>
-        <p:spPr>
-          <a:xfrm rot="-1310828">
-            <a:off x="6342495" y="3970079"/>
-            <a:ext cx="2024284" cy="400099"/>
-          </a:xfrm>
-          <a:prstGeom prst="rect">
-            <a:avLst/>
-          </a:prstGeom>
-          <a:noFill/>
-          <a:ln>
-            <a:noFill/>
-          </a:ln>
-        </p:spPr>
-        <p:txBody>
-          <a:bodyPr anchorCtr="0" anchor="t" bIns="91425" lIns="91425" spcFirstLastPara="1" rIns="91425" wrap="square" tIns="91425">
-            <a:spAutoFit/>
-          </a:bodyPr>
-          <a:lstStyle/>
-          <a:p>
-            <a:pPr indent="0" lvl="0" marL="0" rtl="0" algn="l">
-              <a:spcBef>
-                <a:spcPts val="0"/>
-              </a:spcBef>
-              <a:spcAft>
-                <a:spcPts val="0"/>
-              </a:spcAft>
-              <a:buNone/>
-            </a:pPr>
-            <a:r>
-              <a:rPr b="1" i="1" lang="en"/>
-              <a:t>FP_multiplier</a:t>
-            </a:r>
-            <a:r>
-              <a:rPr b="1" i="1" lang="en"/>
-              <a:t>.sv</a:t>
-            </a:r>
-            <a:endParaRPr b="1" i="1"/>
-          </a:p>
-        </p:txBody>
-      </p:sp>
     </p:spTree>
   </p:cSld>
   <p:clrMapOvr>
@@ -12417,7 +12244,7 @@
   <p:cSld>
     <p:spTree>
       <p:nvGrpSpPr>
-        <p:cNvPr id="213" name="Shape 213"/>
+        <p:cNvPr id="186" name="Shape 186"/>
         <p:cNvGrpSpPr/>
         <p:nvPr/>
       </p:nvGrpSpPr>
@@ -12431,20 +12258,855 @@
       </p:grpSpPr>
       <p:sp>
         <p:nvSpPr>
-          <p:cNvPr id="214" name="Google Shape;214;p20"/>
+          <p:cNvPr id="187" name="Google Shape;187;p20"/>
+          <p:cNvSpPr txBox="1"/>
+          <p:nvPr>
+            <p:ph idx="4294967295" type="title"/>
+          </p:nvPr>
+        </p:nvSpPr>
+        <p:spPr>
+          <a:xfrm>
+            <a:off x="311700" y="445025"/>
+            <a:ext cx="8520600" cy="572700"/>
+          </a:xfrm>
+          <a:prstGeom prst="rect">
+            <a:avLst/>
+          </a:prstGeom>
+        </p:spPr>
+        <p:txBody>
+          <a:bodyPr anchorCtr="0" anchor="t" bIns="91425" lIns="91425" spcFirstLastPara="1" rIns="91425" wrap="square" tIns="91425">
+            <a:normAutofit fontScale="90000"/>
+          </a:bodyPr>
+          <a:lstStyle/>
+          <a:p>
+            <a:pPr indent="0" lvl="0" marL="0" rtl="0" algn="l">
+              <a:spcBef>
+                <a:spcPts val="0"/>
+              </a:spcBef>
+              <a:spcAft>
+                <a:spcPts val="0"/>
+              </a:spcAft>
+              <a:buNone/>
+            </a:pPr>
+            <a:r>
+              <a:rPr lang="en"/>
+              <a:t>Floating Point Multiplier</a:t>
+            </a:r>
+            <a:endParaRPr/>
+          </a:p>
+        </p:txBody>
+      </p:sp>
+      <p:sp>
+        <p:nvSpPr>
+          <p:cNvPr id="188" name="Google Shape;188;p20"/>
           <p:cNvSpPr/>
           <p:nvPr/>
         </p:nvSpPr>
         <p:spPr>
           <a:xfrm>
-            <a:off x="1101525" y="1035400"/>
-            <a:ext cx="6780600" cy="3717000"/>
+            <a:off x="1400675" y="1017725"/>
+            <a:ext cx="6555600" cy="3751500"/>
           </a:xfrm>
           <a:prstGeom prst="rect">
             <a:avLst/>
           </a:prstGeom>
           <a:solidFill>
-            <a:srgbClr val="B6D7A8"/>
+            <a:srgbClr val="FFF2CC"/>
+          </a:solidFill>
+          <a:ln cap="flat" cmpd="sng" w="28575">
+            <a:solidFill>
+              <a:srgbClr val="38761D"/>
+            </a:solidFill>
+            <a:prstDash val="solid"/>
+            <a:round/>
+            <a:headEnd len="sm" w="sm" type="none"/>
+            <a:tailEnd len="sm" w="sm" type="none"/>
+          </a:ln>
+        </p:spPr>
+        <p:txBody>
+          <a:bodyPr anchorCtr="0" anchor="ctr" bIns="91425" lIns="91425" spcFirstLastPara="1" rIns="91425" wrap="square" tIns="91425">
+            <a:noAutofit/>
+          </a:bodyPr>
+          <a:lstStyle/>
+          <a:p>
+            <a:pPr indent="0" lvl="0" marL="0" rtl="0" algn="l">
+              <a:spcBef>
+                <a:spcPts val="0"/>
+              </a:spcBef>
+              <a:spcAft>
+                <a:spcPts val="0"/>
+              </a:spcAft>
+              <a:buNone/>
+            </a:pPr>
+            <a:r>
+              <a:t/>
+            </a:r>
+            <a:endParaRPr/>
+          </a:p>
+        </p:txBody>
+      </p:sp>
+      <p:cxnSp>
+        <p:nvCxnSpPr>
+          <p:cNvPr id="189" name="Google Shape;189;p20"/>
+          <p:cNvCxnSpPr/>
+          <p:nvPr/>
+        </p:nvCxnSpPr>
+        <p:spPr>
+          <a:xfrm>
+            <a:off x="589800" y="1790825"/>
+            <a:ext cx="1411800" cy="0"/>
+          </a:xfrm>
+          <a:prstGeom prst="straightConnector1">
+            <a:avLst/>
+          </a:prstGeom>
+          <a:noFill/>
+          <a:ln cap="flat" cmpd="sng" w="9525">
+            <a:solidFill>
+              <a:schemeClr val="dk2"/>
+            </a:solidFill>
+            <a:prstDash val="solid"/>
+            <a:round/>
+            <a:headEnd len="med" w="med" type="none"/>
+            <a:tailEnd len="med" w="med" type="triangle"/>
+          </a:ln>
+        </p:spPr>
+      </p:cxnSp>
+      <p:sp>
+        <p:nvSpPr>
+          <p:cNvPr id="190" name="Google Shape;190;p20"/>
+          <p:cNvSpPr txBox="1"/>
+          <p:nvPr/>
+        </p:nvSpPr>
+        <p:spPr>
+          <a:xfrm>
+            <a:off x="135475" y="1590725"/>
+            <a:ext cx="846900" cy="400200"/>
+          </a:xfrm>
+          <a:prstGeom prst="rect">
+            <a:avLst/>
+          </a:prstGeom>
+          <a:noFill/>
+          <a:ln>
+            <a:noFill/>
+          </a:ln>
+        </p:spPr>
+        <p:txBody>
+          <a:bodyPr anchorCtr="0" anchor="t" bIns="91425" lIns="91425" spcFirstLastPara="1" rIns="91425" wrap="square" tIns="91425">
+            <a:spAutoFit/>
+          </a:bodyPr>
+          <a:lstStyle/>
+          <a:p>
+            <a:pPr indent="0" lvl="0" marL="0" rtl="0" algn="l">
+              <a:spcBef>
+                <a:spcPts val="0"/>
+              </a:spcBef>
+              <a:spcAft>
+                <a:spcPts val="0"/>
+              </a:spcAft>
+              <a:buNone/>
+            </a:pPr>
+            <a:r>
+              <a:rPr lang="en"/>
+              <a:t>S1</a:t>
+            </a:r>
+            <a:endParaRPr/>
+          </a:p>
+        </p:txBody>
+      </p:sp>
+      <p:cxnSp>
+        <p:nvCxnSpPr>
+          <p:cNvPr id="191" name="Google Shape;191;p20"/>
+          <p:cNvCxnSpPr/>
+          <p:nvPr/>
+        </p:nvCxnSpPr>
+        <p:spPr>
+          <a:xfrm>
+            <a:off x="589800" y="2100125"/>
+            <a:ext cx="1411800" cy="0"/>
+          </a:xfrm>
+          <a:prstGeom prst="straightConnector1">
+            <a:avLst/>
+          </a:prstGeom>
+          <a:noFill/>
+          <a:ln cap="flat" cmpd="sng" w="9525">
+            <a:solidFill>
+              <a:schemeClr val="dk2"/>
+            </a:solidFill>
+            <a:prstDash val="solid"/>
+            <a:round/>
+            <a:headEnd len="med" w="med" type="none"/>
+            <a:tailEnd len="med" w="med" type="triangle"/>
+          </a:ln>
+        </p:spPr>
+      </p:cxnSp>
+      <p:sp>
+        <p:nvSpPr>
+          <p:cNvPr id="192" name="Google Shape;192;p20"/>
+          <p:cNvSpPr txBox="1"/>
+          <p:nvPr/>
+        </p:nvSpPr>
+        <p:spPr>
+          <a:xfrm>
+            <a:off x="135475" y="1900025"/>
+            <a:ext cx="846900" cy="400200"/>
+          </a:xfrm>
+          <a:prstGeom prst="rect">
+            <a:avLst/>
+          </a:prstGeom>
+          <a:noFill/>
+          <a:ln>
+            <a:noFill/>
+          </a:ln>
+        </p:spPr>
+        <p:txBody>
+          <a:bodyPr anchorCtr="0" anchor="t" bIns="91425" lIns="91425" spcFirstLastPara="1" rIns="91425" wrap="square" tIns="91425">
+            <a:spAutoFit/>
+          </a:bodyPr>
+          <a:lstStyle/>
+          <a:p>
+            <a:pPr indent="0" lvl="0" marL="0" rtl="0" algn="l">
+              <a:spcBef>
+                <a:spcPts val="0"/>
+              </a:spcBef>
+              <a:spcAft>
+                <a:spcPts val="0"/>
+              </a:spcAft>
+              <a:buNone/>
+            </a:pPr>
+            <a:r>
+              <a:rPr lang="en"/>
+              <a:t>S2</a:t>
+            </a:r>
+            <a:endParaRPr/>
+          </a:p>
+        </p:txBody>
+      </p:sp>
+      <p:cxnSp>
+        <p:nvCxnSpPr>
+          <p:cNvPr id="193" name="Google Shape;193;p20"/>
+          <p:cNvCxnSpPr/>
+          <p:nvPr/>
+        </p:nvCxnSpPr>
+        <p:spPr>
+          <a:xfrm>
+            <a:off x="636850" y="2609525"/>
+            <a:ext cx="1411800" cy="0"/>
+          </a:xfrm>
+          <a:prstGeom prst="straightConnector1">
+            <a:avLst/>
+          </a:prstGeom>
+          <a:noFill/>
+          <a:ln cap="flat" cmpd="sng" w="9525">
+            <a:solidFill>
+              <a:schemeClr val="dk2"/>
+            </a:solidFill>
+            <a:prstDash val="solid"/>
+            <a:round/>
+            <a:headEnd len="med" w="med" type="none"/>
+            <a:tailEnd len="med" w="med" type="triangle"/>
+          </a:ln>
+        </p:spPr>
+      </p:cxnSp>
+      <p:sp>
+        <p:nvSpPr>
+          <p:cNvPr id="194" name="Google Shape;194;p20"/>
+          <p:cNvSpPr txBox="1"/>
+          <p:nvPr/>
+        </p:nvSpPr>
+        <p:spPr>
+          <a:xfrm>
+            <a:off x="182525" y="2409425"/>
+            <a:ext cx="846900" cy="400200"/>
+          </a:xfrm>
+          <a:prstGeom prst="rect">
+            <a:avLst/>
+          </a:prstGeom>
+          <a:noFill/>
+          <a:ln>
+            <a:noFill/>
+          </a:ln>
+        </p:spPr>
+        <p:txBody>
+          <a:bodyPr anchorCtr="0" anchor="t" bIns="91425" lIns="91425" spcFirstLastPara="1" rIns="91425" wrap="square" tIns="91425">
+            <a:spAutoFit/>
+          </a:bodyPr>
+          <a:lstStyle/>
+          <a:p>
+            <a:pPr indent="0" lvl="0" marL="0" rtl="0" algn="l">
+              <a:spcBef>
+                <a:spcPts val="0"/>
+              </a:spcBef>
+              <a:spcAft>
+                <a:spcPts val="0"/>
+              </a:spcAft>
+              <a:buNone/>
+            </a:pPr>
+            <a:r>
+              <a:rPr lang="en"/>
+              <a:t>E1</a:t>
+            </a:r>
+            <a:endParaRPr/>
+          </a:p>
+        </p:txBody>
+      </p:sp>
+      <p:cxnSp>
+        <p:nvCxnSpPr>
+          <p:cNvPr id="195" name="Google Shape;195;p20"/>
+          <p:cNvCxnSpPr/>
+          <p:nvPr/>
+        </p:nvCxnSpPr>
+        <p:spPr>
+          <a:xfrm>
+            <a:off x="636850" y="2893475"/>
+            <a:ext cx="1411800" cy="0"/>
+          </a:xfrm>
+          <a:prstGeom prst="straightConnector1">
+            <a:avLst/>
+          </a:prstGeom>
+          <a:noFill/>
+          <a:ln cap="flat" cmpd="sng" w="9525">
+            <a:solidFill>
+              <a:schemeClr val="dk2"/>
+            </a:solidFill>
+            <a:prstDash val="solid"/>
+            <a:round/>
+            <a:headEnd len="med" w="med" type="none"/>
+            <a:tailEnd len="med" w="med" type="triangle"/>
+          </a:ln>
+        </p:spPr>
+      </p:cxnSp>
+      <p:sp>
+        <p:nvSpPr>
+          <p:cNvPr id="196" name="Google Shape;196;p20"/>
+          <p:cNvSpPr txBox="1"/>
+          <p:nvPr/>
+        </p:nvSpPr>
+        <p:spPr>
+          <a:xfrm>
+            <a:off x="182525" y="2693375"/>
+            <a:ext cx="846900" cy="400200"/>
+          </a:xfrm>
+          <a:prstGeom prst="rect">
+            <a:avLst/>
+          </a:prstGeom>
+          <a:noFill/>
+          <a:ln>
+            <a:noFill/>
+          </a:ln>
+        </p:spPr>
+        <p:txBody>
+          <a:bodyPr anchorCtr="0" anchor="t" bIns="91425" lIns="91425" spcFirstLastPara="1" rIns="91425" wrap="square" tIns="91425">
+            <a:spAutoFit/>
+          </a:bodyPr>
+          <a:lstStyle/>
+          <a:p>
+            <a:pPr indent="0" lvl="0" marL="0" rtl="0" algn="l">
+              <a:spcBef>
+                <a:spcPts val="0"/>
+              </a:spcBef>
+              <a:spcAft>
+                <a:spcPts val="0"/>
+              </a:spcAft>
+              <a:buNone/>
+            </a:pPr>
+            <a:r>
+              <a:rPr lang="en"/>
+              <a:t>E2</a:t>
+            </a:r>
+            <a:endParaRPr/>
+          </a:p>
+        </p:txBody>
+      </p:sp>
+      <p:cxnSp>
+        <p:nvCxnSpPr>
+          <p:cNvPr id="197" name="Google Shape;197;p20"/>
+          <p:cNvCxnSpPr/>
+          <p:nvPr/>
+        </p:nvCxnSpPr>
+        <p:spPr>
+          <a:xfrm>
+            <a:off x="589800" y="3486725"/>
+            <a:ext cx="1411800" cy="0"/>
+          </a:xfrm>
+          <a:prstGeom prst="straightConnector1">
+            <a:avLst/>
+          </a:prstGeom>
+          <a:noFill/>
+          <a:ln cap="flat" cmpd="sng" w="9525">
+            <a:solidFill>
+              <a:schemeClr val="dk2"/>
+            </a:solidFill>
+            <a:prstDash val="solid"/>
+            <a:round/>
+            <a:headEnd len="med" w="med" type="none"/>
+            <a:tailEnd len="med" w="med" type="triangle"/>
+          </a:ln>
+        </p:spPr>
+      </p:cxnSp>
+      <p:sp>
+        <p:nvSpPr>
+          <p:cNvPr id="198" name="Google Shape;198;p20"/>
+          <p:cNvSpPr txBox="1"/>
+          <p:nvPr/>
+        </p:nvSpPr>
+        <p:spPr>
+          <a:xfrm>
+            <a:off x="182525" y="3323825"/>
+            <a:ext cx="846900" cy="400200"/>
+          </a:xfrm>
+          <a:prstGeom prst="rect">
+            <a:avLst/>
+          </a:prstGeom>
+          <a:noFill/>
+          <a:ln>
+            <a:noFill/>
+          </a:ln>
+        </p:spPr>
+        <p:txBody>
+          <a:bodyPr anchorCtr="0" anchor="t" bIns="91425" lIns="91425" spcFirstLastPara="1" rIns="91425" wrap="square" tIns="91425">
+            <a:spAutoFit/>
+          </a:bodyPr>
+          <a:lstStyle/>
+          <a:p>
+            <a:pPr indent="0" lvl="0" marL="0" rtl="0" algn="l">
+              <a:spcBef>
+                <a:spcPts val="0"/>
+              </a:spcBef>
+              <a:spcAft>
+                <a:spcPts val="0"/>
+              </a:spcAft>
+              <a:buNone/>
+            </a:pPr>
+            <a:r>
+              <a:rPr lang="en"/>
+              <a:t>M</a:t>
+            </a:r>
+            <a:r>
+              <a:rPr lang="en"/>
+              <a:t>1</a:t>
+            </a:r>
+            <a:endParaRPr/>
+          </a:p>
+        </p:txBody>
+      </p:sp>
+      <p:cxnSp>
+        <p:nvCxnSpPr>
+          <p:cNvPr id="199" name="Google Shape;199;p20"/>
+          <p:cNvCxnSpPr/>
+          <p:nvPr/>
+        </p:nvCxnSpPr>
+        <p:spPr>
+          <a:xfrm>
+            <a:off x="589800" y="3770675"/>
+            <a:ext cx="1411800" cy="0"/>
+          </a:xfrm>
+          <a:prstGeom prst="straightConnector1">
+            <a:avLst/>
+          </a:prstGeom>
+          <a:noFill/>
+          <a:ln cap="flat" cmpd="sng" w="9525">
+            <a:solidFill>
+              <a:schemeClr val="dk2"/>
+            </a:solidFill>
+            <a:prstDash val="solid"/>
+            <a:round/>
+            <a:headEnd len="med" w="med" type="none"/>
+            <a:tailEnd len="med" w="med" type="triangle"/>
+          </a:ln>
+        </p:spPr>
+      </p:cxnSp>
+      <p:sp>
+        <p:nvSpPr>
+          <p:cNvPr id="200" name="Google Shape;200;p20"/>
+          <p:cNvSpPr txBox="1"/>
+          <p:nvPr/>
+        </p:nvSpPr>
+        <p:spPr>
+          <a:xfrm>
+            <a:off x="182525" y="3607775"/>
+            <a:ext cx="846900" cy="400200"/>
+          </a:xfrm>
+          <a:prstGeom prst="rect">
+            <a:avLst/>
+          </a:prstGeom>
+          <a:noFill/>
+          <a:ln>
+            <a:noFill/>
+          </a:ln>
+        </p:spPr>
+        <p:txBody>
+          <a:bodyPr anchorCtr="0" anchor="t" bIns="91425" lIns="91425" spcFirstLastPara="1" rIns="91425" wrap="square" tIns="91425">
+            <a:spAutoFit/>
+          </a:bodyPr>
+          <a:lstStyle/>
+          <a:p>
+            <a:pPr indent="0" lvl="0" marL="0" rtl="0" algn="l">
+              <a:spcBef>
+                <a:spcPts val="0"/>
+              </a:spcBef>
+              <a:spcAft>
+                <a:spcPts val="0"/>
+              </a:spcAft>
+              <a:buNone/>
+            </a:pPr>
+            <a:r>
+              <a:rPr lang="en"/>
+              <a:t>M2</a:t>
+            </a:r>
+            <a:endParaRPr/>
+          </a:p>
+        </p:txBody>
+      </p:sp>
+      <p:sp>
+        <p:nvSpPr>
+          <p:cNvPr id="201" name="Google Shape;201;p20"/>
+          <p:cNvSpPr/>
+          <p:nvPr/>
+        </p:nvSpPr>
+        <p:spPr>
+          <a:xfrm>
+            <a:off x="2001600" y="1698050"/>
+            <a:ext cx="1206600" cy="515100"/>
+          </a:xfrm>
+          <a:prstGeom prst="rect">
+            <a:avLst/>
+          </a:prstGeom>
+          <a:solidFill>
+            <a:srgbClr val="A4C2F4"/>
+          </a:solidFill>
+          <a:ln cap="flat" cmpd="sng" w="9525">
+            <a:solidFill>
+              <a:schemeClr val="dk1"/>
+            </a:solidFill>
+            <a:prstDash val="solid"/>
+            <a:round/>
+            <a:headEnd len="sm" w="sm" type="none"/>
+            <a:tailEnd len="sm" w="sm" type="none"/>
+          </a:ln>
+        </p:spPr>
+        <p:txBody>
+          <a:bodyPr anchorCtr="0" anchor="ctr" bIns="91425" lIns="91425" spcFirstLastPara="1" rIns="91425" wrap="square" tIns="91425">
+            <a:noAutofit/>
+          </a:bodyPr>
+          <a:lstStyle/>
+          <a:p>
+            <a:pPr indent="0" lvl="0" marL="0" rtl="0" algn="l">
+              <a:spcBef>
+                <a:spcPts val="0"/>
+              </a:spcBef>
+              <a:spcAft>
+                <a:spcPts val="0"/>
+              </a:spcAft>
+              <a:buNone/>
+            </a:pPr>
+            <a:r>
+              <a:rPr lang="en"/>
+              <a:t>1-bit XOR</a:t>
+            </a:r>
+            <a:endParaRPr/>
+          </a:p>
+        </p:txBody>
+      </p:sp>
+      <p:sp>
+        <p:nvSpPr>
+          <p:cNvPr id="202" name="Google Shape;202;p20"/>
+          <p:cNvSpPr/>
+          <p:nvPr/>
+        </p:nvSpPr>
+        <p:spPr>
+          <a:xfrm>
+            <a:off x="2048650" y="2497775"/>
+            <a:ext cx="1741200" cy="572700"/>
+          </a:xfrm>
+          <a:prstGeom prst="rect">
+            <a:avLst/>
+          </a:prstGeom>
+          <a:solidFill>
+            <a:srgbClr val="FF9900"/>
+          </a:solidFill>
+          <a:ln cap="flat" cmpd="sng" w="9525">
+            <a:solidFill>
+              <a:schemeClr val="dk1"/>
+            </a:solidFill>
+            <a:prstDash val="solid"/>
+            <a:round/>
+            <a:headEnd len="sm" w="sm" type="none"/>
+            <a:tailEnd len="sm" w="sm" type="none"/>
+          </a:ln>
+        </p:spPr>
+        <p:txBody>
+          <a:bodyPr anchorCtr="0" anchor="ctr" bIns="91425" lIns="91425" spcFirstLastPara="1" rIns="91425" wrap="square" tIns="91425">
+            <a:noAutofit/>
+          </a:bodyPr>
+          <a:lstStyle/>
+          <a:p>
+            <a:pPr indent="0" lvl="0" marL="0" rtl="0" algn="l">
+              <a:spcBef>
+                <a:spcPts val="0"/>
+              </a:spcBef>
+              <a:spcAft>
+                <a:spcPts val="0"/>
+              </a:spcAft>
+              <a:buNone/>
+            </a:pPr>
+            <a:r>
+              <a:rPr lang="en"/>
+              <a:t>16-bit signed adder</a:t>
+            </a:r>
+            <a:endParaRPr/>
+          </a:p>
+        </p:txBody>
+      </p:sp>
+      <p:sp>
+        <p:nvSpPr>
+          <p:cNvPr id="203" name="Google Shape;203;p20"/>
+          <p:cNvSpPr/>
+          <p:nvPr/>
+        </p:nvSpPr>
+        <p:spPr>
+          <a:xfrm>
+            <a:off x="4934075" y="3379250"/>
+            <a:ext cx="1965300" cy="572700"/>
+          </a:xfrm>
+          <a:prstGeom prst="rect">
+            <a:avLst/>
+          </a:prstGeom>
+          <a:solidFill>
+            <a:srgbClr val="00FF00"/>
+          </a:solidFill>
+          <a:ln cap="flat" cmpd="sng" w="9525">
+            <a:solidFill>
+              <a:schemeClr val="dk1"/>
+            </a:solidFill>
+            <a:prstDash val="solid"/>
+            <a:round/>
+            <a:headEnd len="sm" w="sm" type="none"/>
+            <a:tailEnd len="sm" w="sm" type="none"/>
+          </a:ln>
+        </p:spPr>
+        <p:txBody>
+          <a:bodyPr anchorCtr="0" anchor="ctr" bIns="91425" lIns="91425" spcFirstLastPara="1" rIns="91425" wrap="square" tIns="91425">
+            <a:noAutofit/>
+          </a:bodyPr>
+          <a:lstStyle/>
+          <a:p>
+            <a:pPr indent="0" lvl="0" marL="0" rtl="0" algn="l">
+              <a:spcBef>
+                <a:spcPts val="0"/>
+              </a:spcBef>
+              <a:spcAft>
+                <a:spcPts val="0"/>
+              </a:spcAft>
+              <a:buNone/>
+            </a:pPr>
+            <a:r>
+              <a:rPr b="1" i="1" lang="en">
+                <a:solidFill>
+                  <a:schemeClr val="dk1"/>
+                </a:solidFill>
+              </a:rPr>
+              <a:t>16x16_multiplier.sv</a:t>
+            </a:r>
+            <a:endParaRPr/>
+          </a:p>
+        </p:txBody>
+      </p:sp>
+      <p:sp>
+        <p:nvSpPr>
+          <p:cNvPr id="204" name="Google Shape;204;p20"/>
+          <p:cNvSpPr/>
+          <p:nvPr/>
+        </p:nvSpPr>
+        <p:spPr>
+          <a:xfrm>
+            <a:off x="2001600" y="3379250"/>
+            <a:ext cx="1889100" cy="572700"/>
+          </a:xfrm>
+          <a:prstGeom prst="rect">
+            <a:avLst/>
+          </a:prstGeom>
+          <a:solidFill>
+            <a:schemeClr val="accent5"/>
+          </a:solidFill>
+          <a:ln cap="flat" cmpd="sng" w="9525">
+            <a:solidFill>
+              <a:schemeClr val="dk1"/>
+            </a:solidFill>
+            <a:prstDash val="solid"/>
+            <a:round/>
+            <a:headEnd len="sm" w="sm" type="none"/>
+            <a:tailEnd len="sm" w="sm" type="none"/>
+          </a:ln>
+        </p:spPr>
+        <p:txBody>
+          <a:bodyPr anchorCtr="0" anchor="ctr" bIns="91425" lIns="91425" spcFirstLastPara="1" rIns="91425" wrap="square" tIns="91425">
+            <a:noAutofit/>
+          </a:bodyPr>
+          <a:lstStyle/>
+          <a:p>
+            <a:pPr indent="0" lvl="0" marL="0" rtl="0" algn="l">
+              <a:spcBef>
+                <a:spcPts val="0"/>
+              </a:spcBef>
+              <a:spcAft>
+                <a:spcPts val="0"/>
+              </a:spcAft>
+              <a:buNone/>
+            </a:pPr>
+            <a:r>
+              <a:rPr b="1" i="1" lang="en">
+                <a:solidFill>
+                  <a:schemeClr val="dk1"/>
+                </a:solidFill>
+              </a:rPr>
+              <a:t>Append 1 to the left</a:t>
+            </a:r>
+            <a:endParaRPr/>
+          </a:p>
+        </p:txBody>
+      </p:sp>
+      <p:cxnSp>
+        <p:nvCxnSpPr>
+          <p:cNvPr id="205" name="Google Shape;205;p20"/>
+          <p:cNvCxnSpPr>
+            <a:endCxn id="203" idx="2"/>
+          </p:cNvCxnSpPr>
+          <p:nvPr/>
+        </p:nvCxnSpPr>
+        <p:spPr>
+          <a:xfrm flipH="1" rot="10800000">
+            <a:off x="5403425" y="3951950"/>
+            <a:ext cx="513300" cy="436200"/>
+          </a:xfrm>
+          <a:prstGeom prst="straightConnector1">
+            <a:avLst/>
+          </a:prstGeom>
+          <a:noFill/>
+          <a:ln cap="flat" cmpd="sng" w="9525">
+            <a:solidFill>
+              <a:schemeClr val="dk2"/>
+            </a:solidFill>
+            <a:prstDash val="solid"/>
+            <a:round/>
+            <a:headEnd len="med" w="med" type="none"/>
+            <a:tailEnd len="med" w="med" type="triangle"/>
+          </a:ln>
+        </p:spPr>
+      </p:cxnSp>
+      <p:sp>
+        <p:nvSpPr>
+          <p:cNvPr id="206" name="Google Shape;206;p20"/>
+          <p:cNvSpPr txBox="1"/>
+          <p:nvPr/>
+        </p:nvSpPr>
+        <p:spPr>
+          <a:xfrm>
+            <a:off x="4572000" y="4180725"/>
+            <a:ext cx="1031100" cy="400200"/>
+          </a:xfrm>
+          <a:prstGeom prst="rect">
+            <a:avLst/>
+          </a:prstGeom>
+          <a:noFill/>
+          <a:ln>
+            <a:noFill/>
+          </a:ln>
+        </p:spPr>
+        <p:txBody>
+          <a:bodyPr anchorCtr="0" anchor="t" bIns="91425" lIns="91425" spcFirstLastPara="1" rIns="91425" wrap="square" tIns="91425">
+            <a:spAutoFit/>
+          </a:bodyPr>
+          <a:lstStyle/>
+          <a:p>
+            <a:pPr indent="0" lvl="0" marL="0" rtl="0" algn="l">
+              <a:spcBef>
+                <a:spcPts val="0"/>
+              </a:spcBef>
+              <a:spcAft>
+                <a:spcPts val="0"/>
+              </a:spcAft>
+              <a:buNone/>
+            </a:pPr>
+            <a:r>
+              <a:rPr lang="en"/>
+              <a:t>Uns</a:t>
+            </a:r>
+            <a:r>
+              <a:rPr lang="en"/>
+              <a:t>igned</a:t>
+            </a:r>
+            <a:endParaRPr/>
+          </a:p>
+        </p:txBody>
+      </p:sp>
+      <p:cxnSp>
+        <p:nvCxnSpPr>
+          <p:cNvPr id="207" name="Google Shape;207;p20"/>
+          <p:cNvCxnSpPr/>
+          <p:nvPr/>
+        </p:nvCxnSpPr>
+        <p:spPr>
+          <a:xfrm>
+            <a:off x="3880625" y="3523925"/>
+            <a:ext cx="1073700" cy="0"/>
+          </a:xfrm>
+          <a:prstGeom prst="straightConnector1">
+            <a:avLst/>
+          </a:prstGeom>
+          <a:noFill/>
+          <a:ln cap="flat" cmpd="sng" w="9525">
+            <a:solidFill>
+              <a:schemeClr val="dk2"/>
+            </a:solidFill>
+            <a:prstDash val="solid"/>
+            <a:round/>
+            <a:headEnd len="med" w="med" type="none"/>
+            <a:tailEnd len="med" w="med" type="triangle"/>
+          </a:ln>
+        </p:spPr>
+      </p:cxnSp>
+      <p:cxnSp>
+        <p:nvCxnSpPr>
+          <p:cNvPr id="208" name="Google Shape;208;p20"/>
+          <p:cNvCxnSpPr/>
+          <p:nvPr/>
+        </p:nvCxnSpPr>
+        <p:spPr>
+          <a:xfrm>
+            <a:off x="3879575" y="3807875"/>
+            <a:ext cx="1075800" cy="0"/>
+          </a:xfrm>
+          <a:prstGeom prst="straightConnector1">
+            <a:avLst/>
+          </a:prstGeom>
+          <a:noFill/>
+          <a:ln cap="flat" cmpd="sng" w="9525">
+            <a:solidFill>
+              <a:schemeClr val="dk2"/>
+            </a:solidFill>
+            <a:prstDash val="solid"/>
+            <a:round/>
+            <a:headEnd len="med" w="med" type="none"/>
+            <a:tailEnd len="med" w="med" type="triangle"/>
+          </a:ln>
+        </p:spPr>
+      </p:cxnSp>
+      <p:sp>
+        <p:nvSpPr>
+          <p:cNvPr id="209" name="Google Shape;209;p20"/>
+          <p:cNvSpPr/>
+          <p:nvPr/>
+        </p:nvSpPr>
+        <p:spPr>
+          <a:xfrm>
+            <a:off x="4809076" y="1471938"/>
+            <a:ext cx="1741176" cy="1256364"/>
+          </a:xfrm>
+          <a:prstGeom prst="irregularSeal1">
+            <a:avLst/>
+          </a:prstGeom>
+          <a:solidFill>
+            <a:srgbClr val="FCE5CD"/>
           </a:solidFill>
           <a:ln cap="flat" cmpd="sng" w="9525">
             <a:solidFill>
@@ -12472,577 +13134,136 @@
               <a:buNone/>
             </a:pPr>
             <a:r>
-              <a:t/>
-            </a:r>
-            <a:endParaRPr/>
+              <a:rPr lang="en" sz="1300"/>
+              <a:t>normalize</a:t>
+            </a:r>
+            <a:endParaRPr sz="1300"/>
           </a:p>
         </p:txBody>
       </p:sp>
-      <p:sp>
-        <p:nvSpPr>
-          <p:cNvPr id="215" name="Google Shape;215;p20"/>
-          <p:cNvSpPr txBox="1"/>
+      <p:cxnSp>
+        <p:nvCxnSpPr>
+          <p:cNvPr id="210" name="Google Shape;210;p20"/>
+          <p:cNvCxnSpPr>
+            <a:stCxn id="201" idx="3"/>
+          </p:cNvCxnSpPr>
           <p:nvPr/>
-        </p:nvSpPr>
-        <p:spPr>
-          <a:xfrm rot="-1018623">
-            <a:off x="1494948" y="3992843"/>
-            <a:ext cx="894898" cy="369447"/>
-          </a:xfrm>
-          <a:prstGeom prst="rect">
+        </p:nvCxnSpPr>
+        <p:spPr>
+          <a:xfrm>
+            <a:off x="3208200" y="1955600"/>
+            <a:ext cx="1600800" cy="0"/>
+          </a:xfrm>
+          <a:prstGeom prst="straightConnector1">
             <a:avLst/>
           </a:prstGeom>
           <a:noFill/>
-          <a:ln>
-            <a:noFill/>
-          </a:ln>
-        </p:spPr>
-        <p:txBody>
-          <a:bodyPr anchorCtr="0" anchor="t" bIns="91425" lIns="91425" spcFirstLastPara="1" rIns="91425" wrap="square" tIns="91425">
-            <a:spAutoFit/>
-          </a:bodyPr>
-          <a:lstStyle/>
-          <a:p>
-            <a:pPr indent="0" lvl="0" marL="0" rtl="0" algn="l">
-              <a:spcBef>
-                <a:spcPts val="0"/>
-              </a:spcBef>
-              <a:spcAft>
-                <a:spcPts val="0"/>
-              </a:spcAft>
-              <a:buClr>
-                <a:schemeClr val="dk1"/>
-              </a:buClr>
-              <a:buSzPts val="1100"/>
-              <a:buFont typeface="Arial"/>
-              <a:buNone/>
-            </a:pPr>
-            <a:r>
-              <a:rPr b="1" i="1" lang="en" sz="1200">
-                <a:solidFill>
-                  <a:schemeClr val="dk1"/>
-                </a:solidFill>
-              </a:rPr>
-              <a:t>CPU</a:t>
-            </a:r>
-            <a:r>
-              <a:rPr b="1" i="1" lang="en" sz="1200">
-                <a:solidFill>
-                  <a:schemeClr val="dk1"/>
-                </a:solidFill>
-              </a:rPr>
-              <a:t>.sv</a:t>
-            </a:r>
-            <a:endParaRPr sz="1600"/>
-          </a:p>
-        </p:txBody>
-      </p:sp>
-      <p:sp>
-        <p:nvSpPr>
-          <p:cNvPr id="216" name="Google Shape;216;p20"/>
-          <p:cNvSpPr/>
-          <p:nvPr/>
-        </p:nvSpPr>
-        <p:spPr>
-          <a:xfrm>
-            <a:off x="1530675" y="1837950"/>
-            <a:ext cx="668100" cy="1375500"/>
-          </a:xfrm>
-          <a:prstGeom prst="rect">
-            <a:avLst/>
-          </a:prstGeom>
-          <a:solidFill>
-            <a:srgbClr val="CFE2F3"/>
-          </a:solidFill>
-          <a:ln cap="flat" cmpd="sng" w="9525">
-            <a:solidFill>
-              <a:schemeClr val="dk1"/>
-            </a:solidFill>
-            <a:prstDash val="solid"/>
-            <a:round/>
-            <a:headEnd len="sm" w="sm" type="none"/>
-            <a:tailEnd len="sm" w="sm" type="none"/>
-          </a:ln>
-        </p:spPr>
-        <p:txBody>
-          <a:bodyPr anchorCtr="0" anchor="ctr" bIns="91425" lIns="91425" spcFirstLastPara="1" rIns="91425" wrap="square" tIns="91425">
-            <a:noAutofit/>
-          </a:bodyPr>
-          <a:lstStyle/>
-          <a:p>
-            <a:pPr indent="0" lvl="0" marL="0" rtl="0" algn="l">
-              <a:spcBef>
-                <a:spcPts val="0"/>
-              </a:spcBef>
-              <a:spcAft>
-                <a:spcPts val="0"/>
-              </a:spcAft>
-              <a:buNone/>
-            </a:pPr>
-            <a:r>
-              <a:rPr lang="en"/>
-              <a:t>Fetch</a:t>
-            </a:r>
-            <a:endParaRPr/>
-          </a:p>
-        </p:txBody>
-      </p:sp>
-      <p:sp>
-        <p:nvSpPr>
-          <p:cNvPr id="217" name="Google Shape;217;p20"/>
-          <p:cNvSpPr/>
-          <p:nvPr/>
-        </p:nvSpPr>
-        <p:spPr>
-          <a:xfrm>
-            <a:off x="2844225" y="1837950"/>
-            <a:ext cx="849300" cy="1375500"/>
-          </a:xfrm>
-          <a:prstGeom prst="rect">
-            <a:avLst/>
-          </a:prstGeom>
-          <a:solidFill>
-            <a:srgbClr val="CFE2F3"/>
-          </a:solidFill>
-          <a:ln cap="flat" cmpd="sng" w="9525">
-            <a:solidFill>
-              <a:schemeClr val="dk1"/>
-            </a:solidFill>
-            <a:prstDash val="solid"/>
-            <a:round/>
-            <a:headEnd len="sm" w="sm" type="none"/>
-            <a:tailEnd len="sm" w="sm" type="none"/>
-          </a:ln>
-        </p:spPr>
-        <p:txBody>
-          <a:bodyPr anchorCtr="0" anchor="ctr" bIns="91425" lIns="91425" spcFirstLastPara="1" rIns="91425" wrap="square" tIns="91425">
-            <a:noAutofit/>
-          </a:bodyPr>
-          <a:lstStyle/>
-          <a:p>
-            <a:pPr indent="0" lvl="0" marL="0" rtl="0" algn="l">
-              <a:spcBef>
-                <a:spcPts val="0"/>
-              </a:spcBef>
-              <a:spcAft>
-                <a:spcPts val="0"/>
-              </a:spcAft>
-              <a:buNone/>
-            </a:pPr>
-            <a:r>
-              <a:rPr lang="en"/>
-              <a:t>Decode</a:t>
-            </a:r>
-            <a:endParaRPr/>
-          </a:p>
-        </p:txBody>
-      </p:sp>
-      <p:sp>
-        <p:nvSpPr>
-          <p:cNvPr id="218" name="Google Shape;218;p20"/>
-          <p:cNvSpPr/>
-          <p:nvPr/>
-        </p:nvSpPr>
-        <p:spPr>
-          <a:xfrm>
-            <a:off x="4157775" y="1909575"/>
-            <a:ext cx="849300" cy="1375500"/>
-          </a:xfrm>
-          <a:prstGeom prst="rect">
-            <a:avLst/>
-          </a:prstGeom>
-          <a:solidFill>
-            <a:srgbClr val="CFE2F3"/>
-          </a:solidFill>
-          <a:ln cap="flat" cmpd="sng" w="9525">
-            <a:solidFill>
-              <a:schemeClr val="dk1"/>
-            </a:solidFill>
-            <a:prstDash val="solid"/>
-            <a:round/>
-            <a:headEnd len="sm" w="sm" type="none"/>
-            <a:tailEnd len="sm" w="sm" type="none"/>
-          </a:ln>
-        </p:spPr>
-        <p:txBody>
-          <a:bodyPr anchorCtr="0" anchor="ctr" bIns="91425" lIns="91425" spcFirstLastPara="1" rIns="91425" wrap="square" tIns="91425">
-            <a:noAutofit/>
-          </a:bodyPr>
-          <a:lstStyle/>
-          <a:p>
-            <a:pPr indent="0" lvl="0" marL="0" rtl="0" algn="l">
-              <a:spcBef>
-                <a:spcPts val="0"/>
-              </a:spcBef>
-              <a:spcAft>
-                <a:spcPts val="0"/>
-              </a:spcAft>
-              <a:buNone/>
-            </a:pPr>
-            <a:r>
-              <a:rPr lang="en"/>
-              <a:t>Execute</a:t>
-            </a:r>
-            <a:endParaRPr/>
-          </a:p>
-        </p:txBody>
-      </p:sp>
-      <p:sp>
-        <p:nvSpPr>
-          <p:cNvPr id="219" name="Google Shape;219;p20"/>
-          <p:cNvSpPr/>
-          <p:nvPr/>
-        </p:nvSpPr>
-        <p:spPr>
-          <a:xfrm>
-            <a:off x="5471325" y="1909575"/>
-            <a:ext cx="668100" cy="1375500"/>
-          </a:xfrm>
-          <a:prstGeom prst="rect">
-            <a:avLst/>
-          </a:prstGeom>
-          <a:solidFill>
-            <a:srgbClr val="CFE2F3"/>
-          </a:solidFill>
-          <a:ln cap="flat" cmpd="sng" w="9525">
-            <a:solidFill>
-              <a:schemeClr val="dk1"/>
-            </a:solidFill>
-            <a:prstDash val="solid"/>
-            <a:round/>
-            <a:headEnd len="sm" w="sm" type="none"/>
-            <a:tailEnd len="sm" w="sm" type="none"/>
-          </a:ln>
-        </p:spPr>
-        <p:txBody>
-          <a:bodyPr anchorCtr="0" anchor="ctr" bIns="91425" lIns="91425" spcFirstLastPara="1" rIns="91425" wrap="square" tIns="91425">
-            <a:noAutofit/>
-          </a:bodyPr>
-          <a:lstStyle/>
-          <a:p>
-            <a:pPr indent="0" lvl="0" marL="0" rtl="0" algn="l">
-              <a:spcBef>
-                <a:spcPts val="0"/>
-              </a:spcBef>
-              <a:spcAft>
-                <a:spcPts val="0"/>
-              </a:spcAft>
-              <a:buNone/>
-            </a:pPr>
-            <a:r>
-              <a:rPr lang="en"/>
-              <a:t>Data</a:t>
-            </a:r>
-            <a:endParaRPr/>
-          </a:p>
-          <a:p>
-            <a:pPr indent="0" lvl="0" marL="0" rtl="0" algn="l">
-              <a:spcBef>
-                <a:spcPts val="0"/>
-              </a:spcBef>
-              <a:spcAft>
-                <a:spcPts val="0"/>
-              </a:spcAft>
-              <a:buNone/>
-            </a:pPr>
-            <a:r>
-              <a:rPr lang="en"/>
-              <a:t>Mem</a:t>
-            </a:r>
-            <a:endParaRPr/>
-          </a:p>
-        </p:txBody>
-      </p:sp>
-      <p:sp>
-        <p:nvSpPr>
-          <p:cNvPr id="220" name="Google Shape;220;p20"/>
-          <p:cNvSpPr/>
-          <p:nvPr/>
-        </p:nvSpPr>
-        <p:spPr>
-          <a:xfrm>
-            <a:off x="6784875" y="1909575"/>
-            <a:ext cx="668100" cy="1375500"/>
-          </a:xfrm>
-          <a:prstGeom prst="rect">
-            <a:avLst/>
-          </a:prstGeom>
-          <a:solidFill>
-            <a:srgbClr val="CFE2F3"/>
-          </a:solidFill>
-          <a:ln cap="flat" cmpd="sng" w="9525">
-            <a:solidFill>
-              <a:schemeClr val="dk1"/>
-            </a:solidFill>
-            <a:prstDash val="solid"/>
-            <a:round/>
-            <a:headEnd len="sm" w="sm" type="none"/>
-            <a:tailEnd len="sm" w="sm" type="none"/>
-          </a:ln>
-        </p:spPr>
-        <p:txBody>
-          <a:bodyPr anchorCtr="0" anchor="ctr" bIns="91425" lIns="91425" spcFirstLastPara="1" rIns="91425" wrap="square" tIns="91425">
-            <a:noAutofit/>
-          </a:bodyPr>
-          <a:lstStyle/>
-          <a:p>
-            <a:pPr indent="0" lvl="0" marL="0" rtl="0" algn="l">
-              <a:spcBef>
-                <a:spcPts val="0"/>
-              </a:spcBef>
-              <a:spcAft>
-                <a:spcPts val="0"/>
-              </a:spcAft>
-              <a:buNone/>
-            </a:pPr>
-            <a:r>
-              <a:rPr lang="en"/>
-              <a:t>Write</a:t>
-            </a:r>
-            <a:endParaRPr/>
-          </a:p>
-          <a:p>
-            <a:pPr indent="0" lvl="0" marL="0" rtl="0" algn="l">
-              <a:spcBef>
-                <a:spcPts val="0"/>
-              </a:spcBef>
-              <a:spcAft>
-                <a:spcPts val="0"/>
-              </a:spcAft>
-              <a:buNone/>
-            </a:pPr>
-            <a:r>
-              <a:rPr lang="en"/>
-              <a:t>Back</a:t>
-            </a:r>
-            <a:endParaRPr/>
-          </a:p>
-        </p:txBody>
-      </p:sp>
-      <p:sp>
-        <p:nvSpPr>
-          <p:cNvPr id="221" name="Google Shape;221;p20"/>
-          <p:cNvSpPr/>
-          <p:nvPr/>
-        </p:nvSpPr>
-        <p:spPr>
-          <a:xfrm>
-            <a:off x="2319725" y="1210675"/>
-            <a:ext cx="384000" cy="2453400"/>
-          </a:xfrm>
-          <a:prstGeom prst="rect">
-            <a:avLst/>
-          </a:prstGeom>
-          <a:solidFill>
-            <a:srgbClr val="9FC5E8"/>
-          </a:solidFill>
           <a:ln cap="flat" cmpd="sng" w="9525">
             <a:solidFill>
               <a:schemeClr val="dk2"/>
             </a:solidFill>
             <a:prstDash val="solid"/>
             <a:round/>
-            <a:headEnd len="sm" w="sm" type="none"/>
-            <a:tailEnd len="sm" w="sm" type="none"/>
+            <a:headEnd len="med" w="med" type="none"/>
+            <a:tailEnd len="med" w="med" type="triangle"/>
           </a:ln>
         </p:spPr>
-        <p:txBody>
-          <a:bodyPr anchorCtr="0" anchor="ctr" bIns="91425" lIns="91425" spcFirstLastPara="1" rIns="91425" wrap="square" tIns="91425">
-            <a:noAutofit/>
-          </a:bodyPr>
-          <a:lstStyle/>
-          <a:p>
-            <a:pPr indent="0" lvl="0" marL="0" rtl="0" algn="ctr">
-              <a:spcBef>
-                <a:spcPts val="0"/>
-              </a:spcBef>
-              <a:spcAft>
-                <a:spcPts val="0"/>
-              </a:spcAft>
-              <a:buNone/>
-            </a:pPr>
-            <a:r>
-              <a:rPr lang="en" sz="1100"/>
-              <a:t>IF</a:t>
-            </a:r>
-            <a:endParaRPr sz="1100"/>
-          </a:p>
-          <a:p>
-            <a:pPr indent="0" lvl="0" marL="0" rtl="0" algn="ctr">
-              <a:spcBef>
-                <a:spcPts val="0"/>
-              </a:spcBef>
-              <a:spcAft>
-                <a:spcPts val="0"/>
-              </a:spcAft>
-              <a:buNone/>
-            </a:pPr>
-            <a:r>
-              <a:rPr lang="en" sz="1100"/>
-              <a:t>ID</a:t>
-            </a:r>
-            <a:endParaRPr sz="1100"/>
-          </a:p>
-        </p:txBody>
-      </p:sp>
-      <p:sp>
-        <p:nvSpPr>
-          <p:cNvPr id="222" name="Google Shape;222;p20"/>
-          <p:cNvSpPr/>
+      </p:cxnSp>
+      <p:cxnSp>
+        <p:nvCxnSpPr>
+          <p:cNvPr id="211" name="Google Shape;211;p20"/>
+          <p:cNvCxnSpPr>
+            <a:stCxn id="202" idx="3"/>
+          </p:cNvCxnSpPr>
           <p:nvPr/>
-        </p:nvSpPr>
-        <p:spPr>
-          <a:xfrm>
-            <a:off x="3733650" y="1210675"/>
-            <a:ext cx="384000" cy="2453400"/>
-          </a:xfrm>
-          <a:prstGeom prst="rect">
-            <a:avLst/>
-          </a:prstGeom>
-          <a:solidFill>
-            <a:srgbClr val="9FC5E8"/>
-          </a:solidFill>
+        </p:nvCxnSpPr>
+        <p:spPr>
+          <a:xfrm flipH="1" rot="10800000">
+            <a:off x="3789850" y="2315225"/>
+            <a:ext cx="1030800" cy="468900"/>
+          </a:xfrm>
+          <a:prstGeom prst="straightConnector1">
+            <a:avLst/>
+          </a:prstGeom>
+          <a:noFill/>
           <a:ln cap="flat" cmpd="sng" w="9525">
             <a:solidFill>
               <a:schemeClr val="dk2"/>
             </a:solidFill>
             <a:prstDash val="solid"/>
             <a:round/>
-            <a:headEnd len="sm" w="sm" type="none"/>
-            <a:tailEnd len="sm" w="sm" type="none"/>
+            <a:headEnd len="med" w="med" type="none"/>
+            <a:tailEnd len="med" w="med" type="triangle"/>
           </a:ln>
         </p:spPr>
-        <p:txBody>
-          <a:bodyPr anchorCtr="0" anchor="ctr" bIns="91425" lIns="91425" spcFirstLastPara="1" rIns="91425" wrap="square" tIns="91425">
-            <a:noAutofit/>
-          </a:bodyPr>
-          <a:lstStyle/>
-          <a:p>
-            <a:pPr indent="0" lvl="0" marL="0" rtl="0" algn="ctr">
-              <a:spcBef>
-                <a:spcPts val="0"/>
-              </a:spcBef>
-              <a:spcAft>
-                <a:spcPts val="0"/>
-              </a:spcAft>
-              <a:buNone/>
-            </a:pPr>
-            <a:r>
-              <a:rPr lang="en" sz="1100"/>
-              <a:t>IDEX</a:t>
-            </a:r>
-            <a:endParaRPr sz="1100"/>
-          </a:p>
-        </p:txBody>
-      </p:sp>
-      <p:sp>
-        <p:nvSpPr>
-          <p:cNvPr id="223" name="Google Shape;223;p20"/>
-          <p:cNvSpPr/>
+      </p:cxnSp>
+      <p:cxnSp>
+        <p:nvCxnSpPr>
+          <p:cNvPr id="212" name="Google Shape;212;p20"/>
+          <p:cNvCxnSpPr>
+            <a:stCxn id="203" idx="0"/>
+            <a:endCxn id="209" idx="2"/>
+          </p:cNvCxnSpPr>
           <p:nvPr/>
-        </p:nvSpPr>
-        <p:spPr>
-          <a:xfrm>
-            <a:off x="5047200" y="1210675"/>
-            <a:ext cx="384000" cy="2453400"/>
-          </a:xfrm>
-          <a:prstGeom prst="rect">
-            <a:avLst/>
-          </a:prstGeom>
-          <a:solidFill>
-            <a:srgbClr val="9FC5E8"/>
-          </a:solidFill>
+        </p:nvCxnSpPr>
+        <p:spPr>
+          <a:xfrm rot="10800000">
+            <a:off x="5493125" y="2728250"/>
+            <a:ext cx="423600" cy="651000"/>
+          </a:xfrm>
+          <a:prstGeom prst="straightConnector1">
+            <a:avLst/>
+          </a:prstGeom>
+          <a:noFill/>
           <a:ln cap="flat" cmpd="sng" w="9525">
             <a:solidFill>
               <a:schemeClr val="dk2"/>
             </a:solidFill>
             <a:prstDash val="solid"/>
             <a:round/>
-            <a:headEnd len="sm" w="sm" type="none"/>
-            <a:tailEnd len="sm" w="sm" type="none"/>
+            <a:headEnd len="med" w="med" type="none"/>
+            <a:tailEnd len="med" w="med" type="triangle"/>
           </a:ln>
         </p:spPr>
-        <p:txBody>
-          <a:bodyPr anchorCtr="0" anchor="ctr" bIns="91425" lIns="91425" spcFirstLastPara="1" rIns="91425" wrap="square" tIns="91425">
-            <a:noAutofit/>
-          </a:bodyPr>
-          <a:lstStyle/>
-          <a:p>
-            <a:pPr indent="0" lvl="0" marL="0" rtl="0" algn="l">
-              <a:spcBef>
-                <a:spcPts val="0"/>
-              </a:spcBef>
-              <a:spcAft>
-                <a:spcPts val="0"/>
-              </a:spcAft>
-              <a:buNone/>
-            </a:pPr>
-            <a:r>
-              <a:t/>
-            </a:r>
-            <a:endParaRPr sz="100"/>
-          </a:p>
-        </p:txBody>
-      </p:sp>
-      <p:sp>
-        <p:nvSpPr>
-          <p:cNvPr id="224" name="Google Shape;224;p20"/>
-          <p:cNvSpPr/>
+      </p:cxnSp>
+      <p:cxnSp>
+        <p:nvCxnSpPr>
+          <p:cNvPr id="213" name="Google Shape;213;p20"/>
+          <p:cNvCxnSpPr>
+            <a:stCxn id="209" idx="3"/>
+          </p:cNvCxnSpPr>
           <p:nvPr/>
-        </p:nvSpPr>
-        <p:spPr>
-          <a:xfrm>
-            <a:off x="6270150" y="1210675"/>
-            <a:ext cx="384000" cy="2453400"/>
-          </a:xfrm>
-          <a:prstGeom prst="rect">
-            <a:avLst/>
-          </a:prstGeom>
-          <a:solidFill>
-            <a:srgbClr val="9FC5E8"/>
-          </a:solidFill>
+        </p:nvCxnSpPr>
+        <p:spPr>
+          <a:xfrm>
+            <a:off x="6550252" y="2244950"/>
+            <a:ext cx="1722000" cy="0"/>
+          </a:xfrm>
+          <a:prstGeom prst="straightConnector1">
+            <a:avLst/>
+          </a:prstGeom>
+          <a:noFill/>
           <a:ln cap="flat" cmpd="sng" w="9525">
             <a:solidFill>
               <a:schemeClr val="dk2"/>
             </a:solidFill>
             <a:prstDash val="solid"/>
             <a:round/>
-            <a:headEnd len="sm" w="sm" type="none"/>
-            <a:tailEnd len="sm" w="sm" type="none"/>
+            <a:headEnd len="med" w="med" type="none"/>
+            <a:tailEnd len="med" w="med" type="triangle"/>
           </a:ln>
         </p:spPr>
-        <p:txBody>
-          <a:bodyPr anchorCtr="0" anchor="ctr" bIns="91425" lIns="91425" spcFirstLastPara="1" rIns="91425" wrap="square" tIns="91425">
-            <a:noAutofit/>
-          </a:bodyPr>
-          <a:lstStyle/>
-          <a:p>
-            <a:pPr indent="0" lvl="0" marL="0" rtl="0" algn="l">
-              <a:spcBef>
-                <a:spcPts val="0"/>
-              </a:spcBef>
-              <a:spcAft>
-                <a:spcPts val="0"/>
-              </a:spcAft>
-              <a:buNone/>
-            </a:pPr>
-            <a:r>
-              <a:t/>
-            </a:r>
-            <a:endParaRPr/>
-          </a:p>
-        </p:txBody>
-      </p:sp>
-      <p:sp>
-        <p:nvSpPr>
-          <p:cNvPr id="225" name="Google Shape;225;p20"/>
+      </p:cxnSp>
+      <p:sp>
+        <p:nvSpPr>
+          <p:cNvPr id="214" name="Google Shape;214;p20"/>
           <p:cNvSpPr txBox="1"/>
           <p:nvPr/>
         </p:nvSpPr>
         <p:spPr>
           <a:xfrm>
-            <a:off x="4919400" y="2145875"/>
-            <a:ext cx="639600" cy="523200"/>
+            <a:off x="8272250" y="2044850"/>
+            <a:ext cx="846900" cy="400200"/>
           </a:xfrm>
           <a:prstGeom prst="rect">
             <a:avLst/>
@@ -13058,49 +13279,33 @@
           </a:bodyPr>
           <a:lstStyle/>
           <a:p>
-            <a:pPr indent="0" lvl="0" marL="0" rtl="0" algn="ctr">
-              <a:spcBef>
-                <a:spcPts val="0"/>
-              </a:spcBef>
-              <a:spcAft>
-                <a:spcPts val="0"/>
-              </a:spcAft>
-              <a:buNone/>
-            </a:pPr>
-            <a:r>
-              <a:rPr lang="en" sz="1100"/>
-              <a:t>EX</a:t>
-            </a:r>
-            <a:endParaRPr sz="1100"/>
-          </a:p>
-          <a:p>
-            <a:pPr indent="0" lvl="0" marL="0" rtl="0" algn="ctr">
-              <a:spcBef>
-                <a:spcPts val="0"/>
-              </a:spcBef>
-              <a:spcAft>
-                <a:spcPts val="0"/>
-              </a:spcAft>
-              <a:buNone/>
-            </a:pPr>
-            <a:r>
-              <a:rPr lang="en" sz="1100"/>
-              <a:t>MEM</a:t>
-            </a:r>
-            <a:endParaRPr sz="1100"/>
+            <a:pPr indent="0" lvl="0" marL="0" rtl="0" algn="l">
+              <a:spcBef>
+                <a:spcPts val="0"/>
+              </a:spcBef>
+              <a:spcAft>
+                <a:spcPts val="0"/>
+              </a:spcAft>
+              <a:buNone/>
+            </a:pPr>
+            <a:r>
+              <a:rPr lang="en"/>
+              <a:t>out</a:t>
+            </a:r>
+            <a:endParaRPr/>
           </a:p>
         </p:txBody>
       </p:sp>
       <p:sp>
         <p:nvSpPr>
-          <p:cNvPr id="226" name="Google Shape;226;p20"/>
+          <p:cNvPr id="215" name="Google Shape;215;p20"/>
           <p:cNvSpPr txBox="1"/>
           <p:nvPr/>
         </p:nvSpPr>
         <p:spPr>
-          <a:xfrm>
-            <a:off x="6182838" y="2145875"/>
-            <a:ext cx="563700" cy="523200"/>
+          <a:xfrm rot="-1310828">
+            <a:off x="6342495" y="3970079"/>
+            <a:ext cx="2024284" cy="400099"/>
           </a:xfrm>
           <a:prstGeom prst="rect">
             <a:avLst/>
@@ -13116,197 +13321,6 @@
           </a:bodyPr>
           <a:lstStyle/>
           <a:p>
-            <a:pPr indent="0" lvl="0" marL="0" rtl="0" algn="ctr">
-              <a:spcBef>
-                <a:spcPts val="0"/>
-              </a:spcBef>
-              <a:spcAft>
-                <a:spcPts val="0"/>
-              </a:spcAft>
-              <a:buNone/>
-            </a:pPr>
-            <a:r>
-              <a:rPr lang="en" sz="1100"/>
-              <a:t>MEM</a:t>
-            </a:r>
-            <a:endParaRPr sz="1100"/>
-          </a:p>
-          <a:p>
-            <a:pPr indent="0" lvl="0" marL="0" rtl="0" algn="ctr">
-              <a:spcBef>
-                <a:spcPts val="0"/>
-              </a:spcBef>
-              <a:spcAft>
-                <a:spcPts val="0"/>
-              </a:spcAft>
-              <a:buNone/>
-            </a:pPr>
-            <a:r>
-              <a:rPr lang="en" sz="1100"/>
-              <a:t>WB</a:t>
-            </a:r>
-            <a:endParaRPr sz="1100"/>
-          </a:p>
-        </p:txBody>
-      </p:sp>
-      <p:sp>
-        <p:nvSpPr>
-          <p:cNvPr id="227" name="Google Shape;227;p20"/>
-          <p:cNvSpPr/>
-          <p:nvPr/>
-        </p:nvSpPr>
-        <p:spPr>
-          <a:xfrm>
-            <a:off x="3733650" y="3892675"/>
-            <a:ext cx="1871400" cy="1007700"/>
-          </a:xfrm>
-          <a:prstGeom prst="rect">
-            <a:avLst/>
-          </a:prstGeom>
-          <a:solidFill>
-            <a:schemeClr val="accent6"/>
-          </a:solidFill>
-          <a:ln cap="flat" cmpd="sng" w="9525">
-            <a:solidFill>
-              <a:schemeClr val="dk1"/>
-            </a:solidFill>
-            <a:prstDash val="solid"/>
-            <a:round/>
-            <a:headEnd len="sm" w="sm" type="none"/>
-            <a:tailEnd len="sm" w="sm" type="none"/>
-          </a:ln>
-        </p:spPr>
-        <p:txBody>
-          <a:bodyPr anchorCtr="0" anchor="ctr" bIns="91425" lIns="91425" spcFirstLastPara="1" rIns="91425" wrap="square" tIns="91425">
-            <a:noAutofit/>
-          </a:bodyPr>
-          <a:lstStyle/>
-          <a:p>
-            <a:pPr indent="0" lvl="0" marL="0" rtl="0" algn="ctr">
-              <a:spcBef>
-                <a:spcPts val="0"/>
-              </a:spcBef>
-              <a:spcAft>
-                <a:spcPts val="0"/>
-              </a:spcAft>
-              <a:buClr>
-                <a:schemeClr val="dk1"/>
-              </a:buClr>
-              <a:buSzPts val="1100"/>
-              <a:buFont typeface="Arial"/>
-              <a:buNone/>
-            </a:pPr>
-            <a:r>
-              <a:rPr lang="en">
-                <a:solidFill>
-                  <a:schemeClr val="dk1"/>
-                </a:solidFill>
-              </a:rPr>
-              <a:t>Multi-cycle</a:t>
-            </a:r>
-            <a:endParaRPr/>
-          </a:p>
-          <a:p>
-            <a:pPr indent="0" lvl="0" marL="0" rtl="0" algn="ctr">
-              <a:spcBef>
-                <a:spcPts val="0"/>
-              </a:spcBef>
-              <a:spcAft>
-                <a:spcPts val="0"/>
-              </a:spcAft>
-              <a:buNone/>
-            </a:pPr>
-            <a:r>
-              <a:rPr lang="en"/>
-              <a:t>Floating Operation</a:t>
-            </a:r>
-            <a:endParaRPr/>
-          </a:p>
-          <a:p>
-            <a:pPr indent="0" lvl="0" marL="0" rtl="0" algn="ctr">
-              <a:spcBef>
-                <a:spcPts val="0"/>
-              </a:spcBef>
-              <a:spcAft>
-                <a:spcPts val="0"/>
-              </a:spcAft>
-              <a:buNone/>
-            </a:pPr>
-            <a:r>
-              <a:rPr lang="en"/>
-              <a:t>Multiplier</a:t>
-            </a:r>
-            <a:endParaRPr/>
-          </a:p>
-          <a:p>
-            <a:pPr indent="0" lvl="0" marL="0" rtl="0" algn="ctr">
-              <a:spcBef>
-                <a:spcPts val="0"/>
-              </a:spcBef>
-              <a:spcAft>
-                <a:spcPts val="0"/>
-              </a:spcAft>
-              <a:buNone/>
-            </a:pPr>
-            <a:r>
-              <a:rPr lang="en"/>
-              <a:t>With Stalling Control</a:t>
-            </a:r>
-            <a:endParaRPr/>
-          </a:p>
-          <a:p>
-            <a:pPr indent="0" lvl="0" marL="0" rtl="0" algn="ctr">
-              <a:spcBef>
-                <a:spcPts val="0"/>
-              </a:spcBef>
-              <a:spcAft>
-                <a:spcPts val="0"/>
-              </a:spcAft>
-              <a:buNone/>
-            </a:pPr>
-            <a:r>
-              <a:t/>
-            </a:r>
-            <a:endParaRPr/>
-          </a:p>
-        </p:txBody>
-      </p:sp>
-      <p:sp>
-        <p:nvSpPr>
-          <p:cNvPr id="228" name="Google Shape;228;p20"/>
-          <p:cNvSpPr/>
-          <p:nvPr/>
-        </p:nvSpPr>
-        <p:spPr>
-          <a:xfrm rot="3027059">
-            <a:off x="3804860" y="3419720"/>
-            <a:ext cx="703429" cy="289161"/>
-          </a:xfrm>
-          <a:prstGeom prst="rightArrow">
-            <a:avLst>
-              <a:gd fmla="val 50000" name="adj1"/>
-              <a:gd fmla="val 48772" name="adj2"/>
-            </a:avLst>
-          </a:prstGeom>
-          <a:solidFill>
-            <a:srgbClr val="CCCCCC"/>
-          </a:solidFill>
-          <a:ln cap="flat" cmpd="sng" w="9525">
-            <a:solidFill>
-              <a:srgbClr val="000000"/>
-            </a:solidFill>
-            <a:prstDash val="solid"/>
-            <a:round/>
-            <a:headEnd len="sm" w="sm" type="none"/>
-            <a:tailEnd len="sm" w="sm" type="none"/>
-          </a:ln>
-        </p:spPr>
-        <p:txBody>
-          <a:bodyPr anchorCtr="0" anchor="ctr" bIns="91425" lIns="91425" spcFirstLastPara="1" rIns="91425" wrap="square" tIns="91425">
-            <a:noAutofit/>
-          </a:bodyPr>
-          <a:lstStyle/>
-          <a:p>
             <a:pPr indent="0" lvl="0" marL="0" rtl="0" algn="l">
               <a:spcBef>
                 <a:spcPts val="0"/>
@@ -13317,61 +13331,14 @@
               <a:buNone/>
             </a:pPr>
             <a:r>
-              <a:t/>
-            </a:r>
-            <a:endParaRPr/>
-          </a:p>
-        </p:txBody>
-      </p:sp>
-      <p:sp>
-        <p:nvSpPr>
-          <p:cNvPr id="229" name="Google Shape;229;p20"/>
-          <p:cNvSpPr/>
-          <p:nvPr/>
-        </p:nvSpPr>
-        <p:spPr>
-          <a:xfrm rot="-2697927">
-            <a:off x="4571436" y="3419627"/>
-            <a:ext cx="703430" cy="289348"/>
-          </a:xfrm>
-          <a:prstGeom prst="rightArrow">
-            <a:avLst>
-              <a:gd fmla="val 50000" name="adj1"/>
-              <a:gd fmla="val 48772" name="adj2"/>
-            </a:avLst>
-          </a:prstGeom>
-          <a:solidFill>
-            <a:srgbClr val="CCCCCC"/>
-          </a:solidFill>
-          <a:ln cap="flat" cmpd="sng" w="9525">
-            <a:solidFill>
-              <a:srgbClr val="000000"/>
-            </a:solidFill>
-            <a:prstDash val="solid"/>
-            <a:round/>
-            <a:headEnd len="sm" w="sm" type="none"/>
-            <a:tailEnd len="sm" w="sm" type="none"/>
-          </a:ln>
-        </p:spPr>
-        <p:txBody>
-          <a:bodyPr anchorCtr="0" anchor="ctr" bIns="91425" lIns="91425" spcFirstLastPara="1" rIns="91425" wrap="square" tIns="91425">
-            <a:noAutofit/>
-          </a:bodyPr>
-          <a:lstStyle/>
-          <a:p>
-            <a:pPr indent="0" lvl="0" marL="0" rtl="0" algn="l">
-              <a:spcBef>
-                <a:spcPts val="0"/>
-              </a:spcBef>
-              <a:spcAft>
-                <a:spcPts val="0"/>
-              </a:spcAft>
-              <a:buNone/>
-            </a:pPr>
-            <a:r>
-              <a:t/>
-            </a:r>
-            <a:endParaRPr/>
+              <a:rPr b="1" i="1" lang="en"/>
+              <a:t>FP_multiplier</a:t>
+            </a:r>
+            <a:r>
+              <a:rPr b="1" i="1" lang="en"/>
+              <a:t>.sv</a:t>
+            </a:r>
+            <a:endParaRPr b="1" i="1"/>
           </a:p>
         </p:txBody>
       </p:sp>
@@ -13388,7 +13355,7 @@
   <p:cSld>
     <p:spTree>
       <p:nvGrpSpPr>
-        <p:cNvPr id="233" name="Shape 233"/>
+        <p:cNvPr id="219" name="Shape 219"/>
         <p:cNvGrpSpPr/>
         <p:nvPr/>
       </p:nvGrpSpPr>
@@ -13402,24 +13369,75 @@
       </p:grpSpPr>
       <p:sp>
         <p:nvSpPr>
-          <p:cNvPr id="234" name="Google Shape;234;p21"/>
+          <p:cNvPr id="220" name="Google Shape;220;p21"/>
+          <p:cNvSpPr/>
+          <p:nvPr/>
+        </p:nvSpPr>
+        <p:spPr>
+          <a:xfrm>
+            <a:off x="1101525" y="1035400"/>
+            <a:ext cx="6780600" cy="3717000"/>
+          </a:xfrm>
+          <a:prstGeom prst="rect">
+            <a:avLst/>
+          </a:prstGeom>
+          <a:solidFill>
+            <a:srgbClr val="B6D7A8"/>
+          </a:solidFill>
+          <a:ln cap="flat" cmpd="sng" w="9525">
+            <a:solidFill>
+              <a:schemeClr val="dk2"/>
+            </a:solidFill>
+            <a:prstDash val="solid"/>
+            <a:round/>
+            <a:headEnd len="sm" w="sm" type="none"/>
+            <a:tailEnd len="sm" w="sm" type="none"/>
+          </a:ln>
+        </p:spPr>
+        <p:txBody>
+          <a:bodyPr anchorCtr="0" anchor="ctr" bIns="91425" lIns="91425" spcFirstLastPara="1" rIns="91425" wrap="square" tIns="91425">
+            <a:noAutofit/>
+          </a:bodyPr>
+          <a:lstStyle/>
+          <a:p>
+            <a:pPr indent="0" lvl="0" marL="0" rtl="0" algn="l">
+              <a:spcBef>
+                <a:spcPts val="0"/>
+              </a:spcBef>
+              <a:spcAft>
+                <a:spcPts val="0"/>
+              </a:spcAft>
+              <a:buNone/>
+            </a:pPr>
+            <a:r>
+              <a:t/>
+            </a:r>
+            <a:endParaRPr/>
+          </a:p>
+        </p:txBody>
+      </p:sp>
+      <p:sp>
+        <p:nvSpPr>
+          <p:cNvPr id="221" name="Google Shape;221;p21"/>
           <p:cNvSpPr txBox="1"/>
-          <p:nvPr>
-            <p:ph type="title"/>
-          </p:nvPr>
-        </p:nvSpPr>
-        <p:spPr>
-          <a:xfrm>
-            <a:off x="311700" y="445025"/>
-            <a:ext cx="8520600" cy="572700"/>
+          <p:nvPr/>
+        </p:nvSpPr>
+        <p:spPr>
+          <a:xfrm rot="-1018623">
+            <a:off x="1494948" y="3992843"/>
+            <a:ext cx="894898" cy="369447"/>
           </a:xfrm>
           <a:prstGeom prst="rect">
             <a:avLst/>
           </a:prstGeom>
+          <a:noFill/>
+          <a:ln>
+            <a:noFill/>
+          </a:ln>
         </p:spPr>
         <p:txBody>
           <a:bodyPr anchorCtr="0" anchor="t" bIns="91425" lIns="91425" spcFirstLastPara="1" rIns="91425" wrap="square" tIns="91425">
-            <a:normAutofit fontScale="90000"/>
+            <a:spAutoFit/>
           </a:bodyPr>
           <a:lstStyle/>
           <a:p>
@@ -13430,11 +13448,78 @@
               <a:spcAft>
                 <a:spcPts val="0"/>
               </a:spcAft>
+              <a:buClr>
+                <a:schemeClr val="dk1"/>
+              </a:buClr>
+              <a:buSzPts val="1100"/>
+              <a:buFont typeface="Arial"/>
+              <a:buNone/>
+            </a:pPr>
+            <a:r>
+              <a:rPr b="1" i="1" lang="en" sz="1200">
+                <a:solidFill>
+                  <a:schemeClr val="dk1"/>
+                </a:solidFill>
+              </a:rPr>
+              <a:t>CPU</a:t>
+            </a:r>
+            <a:r>
+              <a:rPr b="1" i="1" lang="en" sz="1200">
+                <a:solidFill>
+                  <a:schemeClr val="dk1"/>
+                </a:solidFill>
+              </a:rPr>
+              <a:t>.sv</a:t>
+            </a:r>
+            <a:endParaRPr sz="1600"/>
+          </a:p>
+        </p:txBody>
+      </p:sp>
+      <p:sp>
+        <p:nvSpPr>
+          <p:cNvPr id="222" name="Google Shape;222;p21"/>
+          <p:cNvSpPr/>
+          <p:nvPr/>
+        </p:nvSpPr>
+        <p:spPr>
+          <a:xfrm>
+            <a:off x="1530675" y="1837950"/>
+            <a:ext cx="668100" cy="1375500"/>
+          </a:xfrm>
+          <a:prstGeom prst="rect">
+            <a:avLst/>
+          </a:prstGeom>
+          <a:solidFill>
+            <a:srgbClr val="CFE2F3"/>
+          </a:solidFill>
+          <a:ln cap="flat" cmpd="sng" w="9525">
+            <a:solidFill>
+              <a:schemeClr val="dk1"/>
+            </a:solidFill>
+            <a:prstDash val="solid"/>
+            <a:round/>
+            <a:headEnd len="sm" w="sm" type="none"/>
+            <a:tailEnd len="sm" w="sm" type="none"/>
+          </a:ln>
+        </p:spPr>
+        <p:txBody>
+          <a:bodyPr anchorCtr="0" anchor="ctr" bIns="91425" lIns="91425" spcFirstLastPara="1" rIns="91425" wrap="square" tIns="91425">
+            <a:noAutofit/>
+          </a:bodyPr>
+          <a:lstStyle/>
+          <a:p>
+            <a:pPr indent="0" lvl="0" marL="0" rtl="0" algn="l">
+              <a:spcBef>
+                <a:spcPts val="0"/>
+              </a:spcBef>
+              <a:spcAft>
+                <a:spcPts val="0"/>
+              </a:spcAft>
               <a:buNone/>
             </a:pPr>
             <a:r>
               <a:rPr lang="en"/>
-              <a:t>ISA</a:t>
+              <a:t>Fetch</a:t>
             </a:r>
             <a:endParaRPr/>
           </a:p>
@@ -13442,27 +13527,724 @@
       </p:sp>
       <p:sp>
         <p:nvSpPr>
-          <p:cNvPr id="235" name="Google Shape;235;p21"/>
+          <p:cNvPr id="223" name="Google Shape;223;p21"/>
+          <p:cNvSpPr/>
+          <p:nvPr/>
+        </p:nvSpPr>
+        <p:spPr>
+          <a:xfrm>
+            <a:off x="2844225" y="1837950"/>
+            <a:ext cx="849300" cy="1375500"/>
+          </a:xfrm>
+          <a:prstGeom prst="rect">
+            <a:avLst/>
+          </a:prstGeom>
+          <a:solidFill>
+            <a:srgbClr val="CFE2F3"/>
+          </a:solidFill>
+          <a:ln cap="flat" cmpd="sng" w="9525">
+            <a:solidFill>
+              <a:schemeClr val="dk1"/>
+            </a:solidFill>
+            <a:prstDash val="solid"/>
+            <a:round/>
+            <a:headEnd len="sm" w="sm" type="none"/>
+            <a:tailEnd len="sm" w="sm" type="none"/>
+          </a:ln>
+        </p:spPr>
+        <p:txBody>
+          <a:bodyPr anchorCtr="0" anchor="ctr" bIns="91425" lIns="91425" spcFirstLastPara="1" rIns="91425" wrap="square" tIns="91425">
+            <a:noAutofit/>
+          </a:bodyPr>
+          <a:lstStyle/>
+          <a:p>
+            <a:pPr indent="0" lvl="0" marL="0" rtl="0" algn="l">
+              <a:spcBef>
+                <a:spcPts val="0"/>
+              </a:spcBef>
+              <a:spcAft>
+                <a:spcPts val="0"/>
+              </a:spcAft>
+              <a:buNone/>
+            </a:pPr>
+            <a:r>
+              <a:rPr lang="en"/>
+              <a:t>Decode</a:t>
+            </a:r>
+            <a:endParaRPr/>
+          </a:p>
+        </p:txBody>
+      </p:sp>
+      <p:sp>
+        <p:nvSpPr>
+          <p:cNvPr id="224" name="Google Shape;224;p21"/>
+          <p:cNvSpPr/>
+          <p:nvPr/>
+        </p:nvSpPr>
+        <p:spPr>
+          <a:xfrm>
+            <a:off x="4157775" y="1909575"/>
+            <a:ext cx="849300" cy="1375500"/>
+          </a:xfrm>
+          <a:prstGeom prst="rect">
+            <a:avLst/>
+          </a:prstGeom>
+          <a:solidFill>
+            <a:srgbClr val="CFE2F3"/>
+          </a:solidFill>
+          <a:ln cap="flat" cmpd="sng" w="9525">
+            <a:solidFill>
+              <a:schemeClr val="dk1"/>
+            </a:solidFill>
+            <a:prstDash val="solid"/>
+            <a:round/>
+            <a:headEnd len="sm" w="sm" type="none"/>
+            <a:tailEnd len="sm" w="sm" type="none"/>
+          </a:ln>
+        </p:spPr>
+        <p:txBody>
+          <a:bodyPr anchorCtr="0" anchor="ctr" bIns="91425" lIns="91425" spcFirstLastPara="1" rIns="91425" wrap="square" tIns="91425">
+            <a:noAutofit/>
+          </a:bodyPr>
+          <a:lstStyle/>
+          <a:p>
+            <a:pPr indent="0" lvl="0" marL="0" rtl="0" algn="l">
+              <a:spcBef>
+                <a:spcPts val="0"/>
+              </a:spcBef>
+              <a:spcAft>
+                <a:spcPts val="0"/>
+              </a:spcAft>
+              <a:buNone/>
+            </a:pPr>
+            <a:r>
+              <a:rPr lang="en"/>
+              <a:t>Execute</a:t>
+            </a:r>
+            <a:endParaRPr/>
+          </a:p>
+        </p:txBody>
+      </p:sp>
+      <p:sp>
+        <p:nvSpPr>
+          <p:cNvPr id="225" name="Google Shape;225;p21"/>
+          <p:cNvSpPr/>
+          <p:nvPr/>
+        </p:nvSpPr>
+        <p:spPr>
+          <a:xfrm>
+            <a:off x="5471325" y="1909575"/>
+            <a:ext cx="668100" cy="1375500"/>
+          </a:xfrm>
+          <a:prstGeom prst="rect">
+            <a:avLst/>
+          </a:prstGeom>
+          <a:solidFill>
+            <a:srgbClr val="CFE2F3"/>
+          </a:solidFill>
+          <a:ln cap="flat" cmpd="sng" w="9525">
+            <a:solidFill>
+              <a:schemeClr val="dk1"/>
+            </a:solidFill>
+            <a:prstDash val="solid"/>
+            <a:round/>
+            <a:headEnd len="sm" w="sm" type="none"/>
+            <a:tailEnd len="sm" w="sm" type="none"/>
+          </a:ln>
+        </p:spPr>
+        <p:txBody>
+          <a:bodyPr anchorCtr="0" anchor="ctr" bIns="91425" lIns="91425" spcFirstLastPara="1" rIns="91425" wrap="square" tIns="91425">
+            <a:noAutofit/>
+          </a:bodyPr>
+          <a:lstStyle/>
+          <a:p>
+            <a:pPr indent="0" lvl="0" marL="0" rtl="0" algn="l">
+              <a:spcBef>
+                <a:spcPts val="0"/>
+              </a:spcBef>
+              <a:spcAft>
+                <a:spcPts val="0"/>
+              </a:spcAft>
+              <a:buNone/>
+            </a:pPr>
+            <a:r>
+              <a:rPr lang="en"/>
+              <a:t>Data</a:t>
+            </a:r>
+            <a:endParaRPr/>
+          </a:p>
+          <a:p>
+            <a:pPr indent="0" lvl="0" marL="0" rtl="0" algn="l">
+              <a:spcBef>
+                <a:spcPts val="0"/>
+              </a:spcBef>
+              <a:spcAft>
+                <a:spcPts val="0"/>
+              </a:spcAft>
+              <a:buNone/>
+            </a:pPr>
+            <a:r>
+              <a:rPr lang="en"/>
+              <a:t>Mem</a:t>
+            </a:r>
+            <a:endParaRPr/>
+          </a:p>
+        </p:txBody>
+      </p:sp>
+      <p:sp>
+        <p:nvSpPr>
+          <p:cNvPr id="226" name="Google Shape;226;p21"/>
+          <p:cNvSpPr/>
+          <p:nvPr/>
+        </p:nvSpPr>
+        <p:spPr>
+          <a:xfrm>
+            <a:off x="6784875" y="1909575"/>
+            <a:ext cx="668100" cy="1375500"/>
+          </a:xfrm>
+          <a:prstGeom prst="rect">
+            <a:avLst/>
+          </a:prstGeom>
+          <a:solidFill>
+            <a:srgbClr val="CFE2F3"/>
+          </a:solidFill>
+          <a:ln cap="flat" cmpd="sng" w="9525">
+            <a:solidFill>
+              <a:schemeClr val="dk1"/>
+            </a:solidFill>
+            <a:prstDash val="solid"/>
+            <a:round/>
+            <a:headEnd len="sm" w="sm" type="none"/>
+            <a:tailEnd len="sm" w="sm" type="none"/>
+          </a:ln>
+        </p:spPr>
+        <p:txBody>
+          <a:bodyPr anchorCtr="0" anchor="ctr" bIns="91425" lIns="91425" spcFirstLastPara="1" rIns="91425" wrap="square" tIns="91425">
+            <a:noAutofit/>
+          </a:bodyPr>
+          <a:lstStyle/>
+          <a:p>
+            <a:pPr indent="0" lvl="0" marL="0" rtl="0" algn="l">
+              <a:spcBef>
+                <a:spcPts val="0"/>
+              </a:spcBef>
+              <a:spcAft>
+                <a:spcPts val="0"/>
+              </a:spcAft>
+              <a:buNone/>
+            </a:pPr>
+            <a:r>
+              <a:rPr lang="en"/>
+              <a:t>Write</a:t>
+            </a:r>
+            <a:endParaRPr/>
+          </a:p>
+          <a:p>
+            <a:pPr indent="0" lvl="0" marL="0" rtl="0" algn="l">
+              <a:spcBef>
+                <a:spcPts val="0"/>
+              </a:spcBef>
+              <a:spcAft>
+                <a:spcPts val="0"/>
+              </a:spcAft>
+              <a:buNone/>
+            </a:pPr>
+            <a:r>
+              <a:rPr lang="en"/>
+              <a:t>Back</a:t>
+            </a:r>
+            <a:endParaRPr/>
+          </a:p>
+        </p:txBody>
+      </p:sp>
+      <p:sp>
+        <p:nvSpPr>
+          <p:cNvPr id="227" name="Google Shape;227;p21"/>
+          <p:cNvSpPr/>
+          <p:nvPr/>
+        </p:nvSpPr>
+        <p:spPr>
+          <a:xfrm>
+            <a:off x="2319725" y="1210675"/>
+            <a:ext cx="384000" cy="2453400"/>
+          </a:xfrm>
+          <a:prstGeom prst="rect">
+            <a:avLst/>
+          </a:prstGeom>
+          <a:solidFill>
+            <a:srgbClr val="9FC5E8"/>
+          </a:solidFill>
+          <a:ln cap="flat" cmpd="sng" w="9525">
+            <a:solidFill>
+              <a:schemeClr val="dk2"/>
+            </a:solidFill>
+            <a:prstDash val="solid"/>
+            <a:round/>
+            <a:headEnd len="sm" w="sm" type="none"/>
+            <a:tailEnd len="sm" w="sm" type="none"/>
+          </a:ln>
+        </p:spPr>
+        <p:txBody>
+          <a:bodyPr anchorCtr="0" anchor="ctr" bIns="91425" lIns="91425" spcFirstLastPara="1" rIns="91425" wrap="square" tIns="91425">
+            <a:noAutofit/>
+          </a:bodyPr>
+          <a:lstStyle/>
+          <a:p>
+            <a:pPr indent="0" lvl="0" marL="0" rtl="0" algn="ctr">
+              <a:spcBef>
+                <a:spcPts val="0"/>
+              </a:spcBef>
+              <a:spcAft>
+                <a:spcPts val="0"/>
+              </a:spcAft>
+              <a:buNone/>
+            </a:pPr>
+            <a:r>
+              <a:rPr lang="en" sz="1100"/>
+              <a:t>IF</a:t>
+            </a:r>
+            <a:endParaRPr sz="1100"/>
+          </a:p>
+          <a:p>
+            <a:pPr indent="0" lvl="0" marL="0" rtl="0" algn="ctr">
+              <a:spcBef>
+                <a:spcPts val="0"/>
+              </a:spcBef>
+              <a:spcAft>
+                <a:spcPts val="0"/>
+              </a:spcAft>
+              <a:buNone/>
+            </a:pPr>
+            <a:r>
+              <a:rPr lang="en" sz="1100"/>
+              <a:t>ID</a:t>
+            </a:r>
+            <a:endParaRPr sz="1100"/>
+          </a:p>
+        </p:txBody>
+      </p:sp>
+      <p:sp>
+        <p:nvSpPr>
+          <p:cNvPr id="228" name="Google Shape;228;p21"/>
+          <p:cNvSpPr/>
+          <p:nvPr/>
+        </p:nvSpPr>
+        <p:spPr>
+          <a:xfrm>
+            <a:off x="3733650" y="1210675"/>
+            <a:ext cx="384000" cy="2453400"/>
+          </a:xfrm>
+          <a:prstGeom prst="rect">
+            <a:avLst/>
+          </a:prstGeom>
+          <a:solidFill>
+            <a:srgbClr val="9FC5E8"/>
+          </a:solidFill>
+          <a:ln cap="flat" cmpd="sng" w="9525">
+            <a:solidFill>
+              <a:schemeClr val="dk2"/>
+            </a:solidFill>
+            <a:prstDash val="solid"/>
+            <a:round/>
+            <a:headEnd len="sm" w="sm" type="none"/>
+            <a:tailEnd len="sm" w="sm" type="none"/>
+          </a:ln>
+        </p:spPr>
+        <p:txBody>
+          <a:bodyPr anchorCtr="0" anchor="ctr" bIns="91425" lIns="91425" spcFirstLastPara="1" rIns="91425" wrap="square" tIns="91425">
+            <a:noAutofit/>
+          </a:bodyPr>
+          <a:lstStyle/>
+          <a:p>
+            <a:pPr indent="0" lvl="0" marL="0" rtl="0" algn="ctr">
+              <a:spcBef>
+                <a:spcPts val="0"/>
+              </a:spcBef>
+              <a:spcAft>
+                <a:spcPts val="0"/>
+              </a:spcAft>
+              <a:buNone/>
+            </a:pPr>
+            <a:r>
+              <a:rPr lang="en" sz="1100"/>
+              <a:t>IDEX</a:t>
+            </a:r>
+            <a:endParaRPr sz="1100"/>
+          </a:p>
+        </p:txBody>
+      </p:sp>
+      <p:sp>
+        <p:nvSpPr>
+          <p:cNvPr id="229" name="Google Shape;229;p21"/>
+          <p:cNvSpPr/>
+          <p:nvPr/>
+        </p:nvSpPr>
+        <p:spPr>
+          <a:xfrm>
+            <a:off x="5047200" y="1210675"/>
+            <a:ext cx="384000" cy="2453400"/>
+          </a:xfrm>
+          <a:prstGeom prst="rect">
+            <a:avLst/>
+          </a:prstGeom>
+          <a:solidFill>
+            <a:srgbClr val="9FC5E8"/>
+          </a:solidFill>
+          <a:ln cap="flat" cmpd="sng" w="9525">
+            <a:solidFill>
+              <a:schemeClr val="dk2"/>
+            </a:solidFill>
+            <a:prstDash val="solid"/>
+            <a:round/>
+            <a:headEnd len="sm" w="sm" type="none"/>
+            <a:tailEnd len="sm" w="sm" type="none"/>
+          </a:ln>
+        </p:spPr>
+        <p:txBody>
+          <a:bodyPr anchorCtr="0" anchor="ctr" bIns="91425" lIns="91425" spcFirstLastPara="1" rIns="91425" wrap="square" tIns="91425">
+            <a:noAutofit/>
+          </a:bodyPr>
+          <a:lstStyle/>
+          <a:p>
+            <a:pPr indent="0" lvl="0" marL="0" rtl="0" algn="l">
+              <a:spcBef>
+                <a:spcPts val="0"/>
+              </a:spcBef>
+              <a:spcAft>
+                <a:spcPts val="0"/>
+              </a:spcAft>
+              <a:buNone/>
+            </a:pPr>
+            <a:r>
+              <a:t/>
+            </a:r>
+            <a:endParaRPr sz="100"/>
+          </a:p>
+        </p:txBody>
+      </p:sp>
+      <p:sp>
+        <p:nvSpPr>
+          <p:cNvPr id="230" name="Google Shape;230;p21"/>
+          <p:cNvSpPr/>
+          <p:nvPr/>
+        </p:nvSpPr>
+        <p:spPr>
+          <a:xfrm>
+            <a:off x="6270150" y="1210675"/>
+            <a:ext cx="384000" cy="2453400"/>
+          </a:xfrm>
+          <a:prstGeom prst="rect">
+            <a:avLst/>
+          </a:prstGeom>
+          <a:solidFill>
+            <a:srgbClr val="9FC5E8"/>
+          </a:solidFill>
+          <a:ln cap="flat" cmpd="sng" w="9525">
+            <a:solidFill>
+              <a:schemeClr val="dk2"/>
+            </a:solidFill>
+            <a:prstDash val="solid"/>
+            <a:round/>
+            <a:headEnd len="sm" w="sm" type="none"/>
+            <a:tailEnd len="sm" w="sm" type="none"/>
+          </a:ln>
+        </p:spPr>
+        <p:txBody>
+          <a:bodyPr anchorCtr="0" anchor="ctr" bIns="91425" lIns="91425" spcFirstLastPara="1" rIns="91425" wrap="square" tIns="91425">
+            <a:noAutofit/>
+          </a:bodyPr>
+          <a:lstStyle/>
+          <a:p>
+            <a:pPr indent="0" lvl="0" marL="0" rtl="0" algn="l">
+              <a:spcBef>
+                <a:spcPts val="0"/>
+              </a:spcBef>
+              <a:spcAft>
+                <a:spcPts val="0"/>
+              </a:spcAft>
+              <a:buNone/>
+            </a:pPr>
+            <a:r>
+              <a:t/>
+            </a:r>
+            <a:endParaRPr/>
+          </a:p>
+        </p:txBody>
+      </p:sp>
+      <p:sp>
+        <p:nvSpPr>
+          <p:cNvPr id="231" name="Google Shape;231;p21"/>
           <p:cNvSpPr txBox="1"/>
-          <p:nvPr>
-            <p:ph idx="1" type="body"/>
-          </p:nvPr>
-        </p:nvSpPr>
-        <p:spPr>
-          <a:xfrm>
-            <a:off x="311700" y="1104650"/>
-            <a:ext cx="8520600" cy="3464100"/>
+          <p:nvPr/>
+        </p:nvSpPr>
+        <p:spPr>
+          <a:xfrm>
+            <a:off x="4919400" y="2145875"/>
+            <a:ext cx="639600" cy="523200"/>
           </a:xfrm>
           <a:prstGeom prst="rect">
             <a:avLst/>
           </a:prstGeom>
+          <a:noFill/>
+          <a:ln>
+            <a:noFill/>
+          </a:ln>
         </p:spPr>
         <p:txBody>
           <a:bodyPr anchorCtr="0" anchor="t" bIns="91425" lIns="91425" spcFirstLastPara="1" rIns="91425" wrap="square" tIns="91425">
-            <a:normAutofit fontScale="70000" lnSpcReduction="10000"/>
+            <a:spAutoFit/>
           </a:bodyPr>
           <a:lstStyle/>
           <a:p>
+            <a:pPr indent="0" lvl="0" marL="0" rtl="0" algn="ctr">
+              <a:spcBef>
+                <a:spcPts val="0"/>
+              </a:spcBef>
+              <a:spcAft>
+                <a:spcPts val="0"/>
+              </a:spcAft>
+              <a:buNone/>
+            </a:pPr>
+            <a:r>
+              <a:rPr lang="en" sz="1100"/>
+              <a:t>EX</a:t>
+            </a:r>
+            <a:endParaRPr sz="1100"/>
+          </a:p>
+          <a:p>
+            <a:pPr indent="0" lvl="0" marL="0" rtl="0" algn="ctr">
+              <a:spcBef>
+                <a:spcPts val="0"/>
+              </a:spcBef>
+              <a:spcAft>
+                <a:spcPts val="0"/>
+              </a:spcAft>
+              <a:buNone/>
+            </a:pPr>
+            <a:r>
+              <a:rPr lang="en" sz="1100"/>
+              <a:t>MEM</a:t>
+            </a:r>
+            <a:endParaRPr sz="1100"/>
+          </a:p>
+        </p:txBody>
+      </p:sp>
+      <p:sp>
+        <p:nvSpPr>
+          <p:cNvPr id="232" name="Google Shape;232;p21"/>
+          <p:cNvSpPr txBox="1"/>
+          <p:nvPr/>
+        </p:nvSpPr>
+        <p:spPr>
+          <a:xfrm>
+            <a:off x="6182838" y="2145875"/>
+            <a:ext cx="563700" cy="523200"/>
+          </a:xfrm>
+          <a:prstGeom prst="rect">
+            <a:avLst/>
+          </a:prstGeom>
+          <a:noFill/>
+          <a:ln>
+            <a:noFill/>
+          </a:ln>
+        </p:spPr>
+        <p:txBody>
+          <a:bodyPr anchorCtr="0" anchor="t" bIns="91425" lIns="91425" spcFirstLastPara="1" rIns="91425" wrap="square" tIns="91425">
+            <a:spAutoFit/>
+          </a:bodyPr>
+          <a:lstStyle/>
+          <a:p>
+            <a:pPr indent="0" lvl="0" marL="0" rtl="0" algn="ctr">
+              <a:spcBef>
+                <a:spcPts val="0"/>
+              </a:spcBef>
+              <a:spcAft>
+                <a:spcPts val="0"/>
+              </a:spcAft>
+              <a:buNone/>
+            </a:pPr>
+            <a:r>
+              <a:rPr lang="en" sz="1100"/>
+              <a:t>MEM</a:t>
+            </a:r>
+            <a:endParaRPr sz="1100"/>
+          </a:p>
+          <a:p>
+            <a:pPr indent="0" lvl="0" marL="0" rtl="0" algn="ctr">
+              <a:spcBef>
+                <a:spcPts val="0"/>
+              </a:spcBef>
+              <a:spcAft>
+                <a:spcPts val="0"/>
+              </a:spcAft>
+              <a:buNone/>
+            </a:pPr>
+            <a:r>
+              <a:rPr lang="en" sz="1100"/>
+              <a:t>WB</a:t>
+            </a:r>
+            <a:endParaRPr sz="1100"/>
+          </a:p>
+        </p:txBody>
+      </p:sp>
+      <p:sp>
+        <p:nvSpPr>
+          <p:cNvPr id="233" name="Google Shape;233;p21"/>
+          <p:cNvSpPr/>
+          <p:nvPr/>
+        </p:nvSpPr>
+        <p:spPr>
+          <a:xfrm>
+            <a:off x="3733650" y="3892675"/>
+            <a:ext cx="1871400" cy="1007700"/>
+          </a:xfrm>
+          <a:prstGeom prst="rect">
+            <a:avLst/>
+          </a:prstGeom>
+          <a:solidFill>
+            <a:schemeClr val="accent6"/>
+          </a:solidFill>
+          <a:ln cap="flat" cmpd="sng" w="9525">
+            <a:solidFill>
+              <a:schemeClr val="dk1"/>
+            </a:solidFill>
+            <a:prstDash val="solid"/>
+            <a:round/>
+            <a:headEnd len="sm" w="sm" type="none"/>
+            <a:tailEnd len="sm" w="sm" type="none"/>
+          </a:ln>
+        </p:spPr>
+        <p:txBody>
+          <a:bodyPr anchorCtr="0" anchor="ctr" bIns="91425" lIns="91425" spcFirstLastPara="1" rIns="91425" wrap="square" tIns="91425">
+            <a:noAutofit/>
+          </a:bodyPr>
+          <a:lstStyle/>
+          <a:p>
+            <a:pPr indent="0" lvl="0" marL="0" rtl="0" algn="ctr">
+              <a:spcBef>
+                <a:spcPts val="0"/>
+              </a:spcBef>
+              <a:spcAft>
+                <a:spcPts val="0"/>
+              </a:spcAft>
+              <a:buClr>
+                <a:schemeClr val="dk1"/>
+              </a:buClr>
+              <a:buSzPts val="1100"/>
+              <a:buFont typeface="Arial"/>
+              <a:buNone/>
+            </a:pPr>
+            <a:r>
+              <a:rPr lang="en">
+                <a:solidFill>
+                  <a:schemeClr val="dk1"/>
+                </a:solidFill>
+              </a:rPr>
+              <a:t>Multi-cycle</a:t>
+            </a:r>
+            <a:endParaRPr/>
+          </a:p>
+          <a:p>
+            <a:pPr indent="0" lvl="0" marL="0" rtl="0" algn="ctr">
+              <a:spcBef>
+                <a:spcPts val="0"/>
+              </a:spcBef>
+              <a:spcAft>
+                <a:spcPts val="0"/>
+              </a:spcAft>
+              <a:buNone/>
+            </a:pPr>
+            <a:r>
+              <a:rPr lang="en"/>
+              <a:t>Floating Operation</a:t>
+            </a:r>
+            <a:endParaRPr/>
+          </a:p>
+          <a:p>
+            <a:pPr indent="0" lvl="0" marL="0" rtl="0" algn="ctr">
+              <a:spcBef>
+                <a:spcPts val="0"/>
+              </a:spcBef>
+              <a:spcAft>
+                <a:spcPts val="0"/>
+              </a:spcAft>
+              <a:buNone/>
+            </a:pPr>
+            <a:r>
+              <a:rPr lang="en"/>
+              <a:t>Multiplier</a:t>
+            </a:r>
+            <a:endParaRPr/>
+          </a:p>
+          <a:p>
+            <a:pPr indent="0" lvl="0" marL="0" rtl="0" algn="ctr">
+              <a:spcBef>
+                <a:spcPts val="0"/>
+              </a:spcBef>
+              <a:spcAft>
+                <a:spcPts val="0"/>
+              </a:spcAft>
+              <a:buNone/>
+            </a:pPr>
+            <a:r>
+              <a:rPr lang="en"/>
+              <a:t>With Stalling Control</a:t>
+            </a:r>
+            <a:endParaRPr/>
+          </a:p>
+          <a:p>
+            <a:pPr indent="0" lvl="0" marL="0" rtl="0" algn="ctr">
+              <a:spcBef>
+                <a:spcPts val="0"/>
+              </a:spcBef>
+              <a:spcAft>
+                <a:spcPts val="0"/>
+              </a:spcAft>
+              <a:buNone/>
+            </a:pPr>
+            <a:r>
+              <a:t/>
+            </a:r>
+            <a:endParaRPr/>
+          </a:p>
+        </p:txBody>
+      </p:sp>
+      <p:sp>
+        <p:nvSpPr>
+          <p:cNvPr id="234" name="Google Shape;234;p21"/>
+          <p:cNvSpPr/>
+          <p:nvPr/>
+        </p:nvSpPr>
+        <p:spPr>
+          <a:xfrm rot="3027059">
+            <a:off x="3804860" y="3419720"/>
+            <a:ext cx="703429" cy="289161"/>
+          </a:xfrm>
+          <a:prstGeom prst="rightArrow">
+            <a:avLst>
+              <a:gd fmla="val 50000" name="adj1"/>
+              <a:gd fmla="val 48772" name="adj2"/>
+            </a:avLst>
+          </a:prstGeom>
+          <a:solidFill>
+            <a:srgbClr val="CCCCCC"/>
+          </a:solidFill>
+          <a:ln cap="flat" cmpd="sng" w="9525">
+            <a:solidFill>
+              <a:srgbClr val="000000"/>
+            </a:solidFill>
+            <a:prstDash val="solid"/>
+            <a:round/>
+            <a:headEnd len="sm" w="sm" type="none"/>
+            <a:tailEnd len="sm" w="sm" type="none"/>
+          </a:ln>
+        </p:spPr>
+        <p:txBody>
+          <a:bodyPr anchorCtr="0" anchor="ctr" bIns="91425" lIns="91425" spcFirstLastPara="1" rIns="91425" wrap="square" tIns="91425">
+            <a:noAutofit/>
+          </a:bodyPr>
+          <a:lstStyle/>
+          <a:p>
             <a:pPr indent="0" lvl="0" marL="0" rtl="0" algn="l">
               <a:spcBef>
                 <a:spcPts val="0"/>
@@ -13473,31 +14255,51 @@
               <a:buNone/>
             </a:pPr>
             <a:r>
-              <a:rPr lang="en" sz="2175"/>
-              <a:t>We expand the provided 552 ISA to a 32-bit one while maintaining the </a:t>
-            </a:r>
-            <a:r>
-              <a:rPr lang="en" sz="2175"/>
-              <a:t>original</a:t>
-            </a:r>
-            <a:r>
-              <a:rPr lang="en" sz="2175"/>
-              <a:t> 16-bit structure. All original instructions preserve </a:t>
-            </a:r>
-            <a:r>
-              <a:rPr lang="en" sz="2175"/>
-              <a:t>their</a:t>
-            </a:r>
-            <a:r>
-              <a:rPr lang="en" sz="2175"/>
-              <a:t> opcodes with an extra bit 0 added in MSB. All new instructions start with bit 1 for clear differentiation. The register file is also expanded to 32 registers with 5-bit selecting address. This expansion enables functions including floating-point operations, integer multiplication, stack management, and instruction read.</a:t>
-            </a:r>
-            <a:endParaRPr sz="2175"/>
-          </a:p>
+              <a:t/>
+            </a:r>
+            <a:endParaRPr/>
+          </a:p>
+        </p:txBody>
+      </p:sp>
+      <p:sp>
+        <p:nvSpPr>
+          <p:cNvPr id="235" name="Google Shape;235;p21"/>
+          <p:cNvSpPr/>
+          <p:nvPr/>
+        </p:nvSpPr>
+        <p:spPr>
+          <a:xfrm rot="-2697927">
+            <a:off x="4571436" y="3419627"/>
+            <a:ext cx="703430" cy="289348"/>
+          </a:xfrm>
+          <a:prstGeom prst="rightArrow">
+            <a:avLst>
+              <a:gd fmla="val 50000" name="adj1"/>
+              <a:gd fmla="val 48772" name="adj2"/>
+            </a:avLst>
+          </a:prstGeom>
+          <a:solidFill>
+            <a:srgbClr val="CCCCCC"/>
+          </a:solidFill>
+          <a:ln cap="flat" cmpd="sng" w="9525">
+            <a:solidFill>
+              <a:srgbClr val="000000"/>
+            </a:solidFill>
+            <a:prstDash val="solid"/>
+            <a:round/>
+            <a:headEnd len="sm" w="sm" type="none"/>
+            <a:tailEnd len="sm" w="sm" type="none"/>
+          </a:ln>
+        </p:spPr>
+        <p:txBody>
+          <a:bodyPr anchorCtr="0" anchor="ctr" bIns="91425" lIns="91425" spcFirstLastPara="1" rIns="91425" wrap="square" tIns="91425">
+            <a:noAutofit/>
+          </a:bodyPr>
+          <a:lstStyle/>
           <a:p>
             <a:pPr indent="0" lvl="0" marL="0" rtl="0" algn="l">
               <a:spcBef>
-                <a:spcPts val="1200"/>
+                <a:spcPts val="0"/>
               </a:spcBef>
               <a:spcAft>
                 <a:spcPts val="0"/>
@@ -13506,73 +14308,6 @@
             </a:pPr>
             <a:r>
               <a:t/>
-            </a:r>
-            <a:endParaRPr/>
-          </a:p>
-          <a:p>
-            <a:pPr indent="0" lvl="0" marL="0" rtl="0" algn="l">
-              <a:spcBef>
-                <a:spcPts val="1200"/>
-              </a:spcBef>
-              <a:spcAft>
-                <a:spcPts val="0"/>
-              </a:spcAft>
-              <a:buNone/>
-            </a:pPr>
-            <a:r>
-              <a:rPr lang="en" u="sng">
-                <a:solidFill>
-                  <a:schemeClr val="hlink"/>
-                </a:solidFill>
-                <a:hlinkClick r:id="rId3"/>
-              </a:rPr>
-              <a:t>https://docs.google.com/spreadsheets/d/1PT7VjIhUPUwOg7ZNtqeGGRNTjavUGF0D/edit?usp=sharing&amp;ouid=115717939913064443857&amp;rtpof=true&amp;sd=true</a:t>
-            </a:r>
-            <a:endParaRPr/>
-          </a:p>
-          <a:p>
-            <a:pPr indent="0" lvl="0" marL="0" rtl="0" algn="l">
-              <a:spcBef>
-                <a:spcPts val="1200"/>
-              </a:spcBef>
-              <a:spcAft>
-                <a:spcPts val="0"/>
-              </a:spcAft>
-              <a:buNone/>
-            </a:pPr>
-            <a:r>
-              <a:t/>
-            </a:r>
-            <a:endParaRPr/>
-          </a:p>
-          <a:p>
-            <a:pPr indent="0" lvl="0" marL="0" rtl="0" algn="l">
-              <a:spcBef>
-                <a:spcPts val="1200"/>
-              </a:spcBef>
-              <a:spcAft>
-                <a:spcPts val="0"/>
-              </a:spcAft>
-              <a:buNone/>
-            </a:pPr>
-            <a:r>
-              <a:t/>
-            </a:r>
-            <a:endParaRPr/>
-          </a:p>
-          <a:p>
-            <a:pPr indent="0" lvl="0" marL="0" rtl="0" algn="l">
-              <a:spcBef>
-                <a:spcPts val="1200"/>
-              </a:spcBef>
-              <a:spcAft>
-                <a:spcPts val="1200"/>
-              </a:spcAft>
-              <a:buNone/>
-            </a:pPr>
-            <a:r>
-              <a:rPr lang="en"/>
-              <a:t>The next page also has a screenshot of the ISA</a:t>
             </a:r>
             <a:endParaRPr/>
           </a:p>
@@ -13587,6 +14322,285 @@
 </file>
 
 <file path=ppt/theme/theme1.xml><?xml version="1.0" encoding="utf-8"?>
+<a:theme xmlns:a="http://schemas.openxmlformats.org/drawingml/2006/main" xmlns:r="http://schemas.openxmlformats.org/officeDocument/2006/relationships">
+  <a:themeElements>
+    <a:clrScheme name="Default">
+      <a:dk1>
+        <a:srgbClr val="000000"/>
+      </a:dk1>
+      <a:lt1>
+        <a:srgbClr val="FFFFFF"/>
+      </a:lt1>
+      <a:dk2>
+        <a:srgbClr val="158158"/>
+      </a:dk2>
+      <a:lt2>
+        <a:srgbClr val="F3F3F3"/>
+      </a:lt2>
+      <a:accent1>
+        <a:srgbClr val="058DC7"/>
+      </a:accent1>
+      <a:accent2>
+        <a:srgbClr val="50B432"/>
+      </a:accent2>
+      <a:accent3>
+        <a:srgbClr val="ED561B"/>
+      </a:accent3>
+      <a:accent4>
+        <a:srgbClr val="EDEF00"/>
+      </a:accent4>
+      <a:accent5>
+        <a:srgbClr val="24CBE5"/>
+      </a:accent5>
+      <a:accent6>
+        <a:srgbClr val="64E572"/>
+      </a:accent6>
+      <a:hlink>
+        <a:srgbClr val="2200CC"/>
+      </a:hlink>
+      <a:folHlink>
+        <a:srgbClr val="551A8B"/>
+      </a:folHlink>
+    </a:clrScheme>
+    <a:fontScheme name="Office">
+      <a:majorFont>
+        <a:latin typeface="Arial"/>
+        <a:ea typeface=""/>
+        <a:cs typeface=""/>
+        <a:font script="Jpan" typeface="ＭＳ Ｐゴシック"/>
+        <a:font script="Hang" typeface="맑은 고딕"/>
+        <a:font script="Hans" typeface="宋体"/>
+        <a:font script="Hant" typeface="新細明體"/>
+        <a:font script="Arab" typeface="Times New Roman"/>
+        <a:font script="Hebr" typeface="Times New Roman"/>
+        <a:font script="Thai" typeface="Angsana New"/>
+        <a:font script="Ethi" typeface="Nyala"/>
+        <a:font script="Beng" typeface="Vrinda"/>
+        <a:font script="Gujr" typeface="Shruti"/>
+        <a:font script="Khmr" typeface="MoolBoran"/>
+        <a:font script="Knda" typeface="Tunga"/>
+        <a:font script="Guru" typeface="Raavi"/>
+        <a:font script="Cans" typeface="Euphemia"/>
+        <a:font script="Cher" typeface="Plantagenet Cherokee"/>
+        <a:font script="Yiii" typeface="Microsoft Yi Baiti"/>
+        <a:font script="Tibt" typeface="Microsoft Himalaya"/>
+        <a:font script="Thaa" typeface="MV Boli"/>
+        <a:font script="Deva" typeface="Mangal"/>
+        <a:font script="Telu" typeface="Gautami"/>
+        <a:font script="Taml" typeface="Latha"/>
+        <a:font script="Syrc" typeface="Estrangelo Edessa"/>
+        <a:font script="Orya" typeface="Kalinga"/>
+        <a:font script="Mlym" typeface="Kartika"/>
+        <a:font script="Laoo" typeface="DokChampa"/>
+        <a:font script="Sinh" typeface="Iskoola Pota"/>
+        <a:font script="Mong" typeface="Mongolian Baiti"/>
+        <a:font script="Viet" typeface="Times New Roman"/>
+        <a:font script="Uigh" typeface="Microsoft Uighur"/>
+        <a:font script="Geor" typeface="Sylfaen"/>
+      </a:majorFont>
+      <a:minorFont>
+        <a:latin typeface="Arial"/>
+        <a:ea typeface=""/>
+        <a:cs typeface=""/>
+        <a:font script="Jpan" typeface="ＭＳ Ｐゴシック"/>
+        <a:font script="Hang" typeface="맑은 고딕"/>
+        <a:font script="Hans" typeface="宋体"/>
+        <a:font script="Hant" typeface="新細明體"/>
+        <a:font script="Arab" typeface="Arial"/>
+        <a:font script="Hebr" typeface="Arial"/>
+        <a:font script="Thai" typeface="Cordia New"/>
+        <a:font script="Ethi" typeface="Nyala"/>
+        <a:font script="Beng" typeface="Vrinda"/>
+        <a:font script="Gujr" typeface="Shruti"/>
+        <a:font script="Khmr" typeface="DaunPenh"/>
+        <a:font script="Knda" typeface="Tunga"/>
+        <a:font script="Guru" typeface="Raavi"/>
+        <a:font script="Cans" typeface="Euphemia"/>
+        <a:font script="Cher" typeface="Plantagenet Cherokee"/>
+        <a:font script="Yiii" typeface="Microsoft Yi Baiti"/>
+        <a:font script="Tibt" typeface="Microsoft Himalaya"/>
+        <a:font script="Thaa" typeface="MV Boli"/>
+        <a:font script="Deva" typeface="Mangal"/>
+        <a:font script="Telu" typeface="Gautami"/>
+        <a:font script="Taml" typeface="Latha"/>
+        <a:font script="Syrc" typeface="Estrangelo Edessa"/>
+        <a:font script="Orya" typeface="Kalinga"/>
+        <a:font script="Mlym" typeface="Kartika"/>
+        <a:font script="Laoo" typeface="DokChampa"/>
+        <a:font script="Sinh" typeface="Iskoola Pota"/>
+        <a:font script="Mong" typeface="Mongolian Baiti"/>
+        <a:font script="Viet" typeface="Arial"/>
+        <a:font script="Uigh" typeface="Microsoft Uighur"/>
+        <a:font script="Geor" typeface="Sylfaen"/>
+      </a:minorFont>
+    </a:fontScheme>
+    <a:fmtScheme name="Office">
+      <a:fillStyleLst>
+        <a:solidFill>
+          <a:schemeClr val="phClr"/>
+        </a:solidFill>
+        <a:gradFill rotWithShape="1">
+          <a:gsLst>
+            <a:gs pos="0">
+              <a:schemeClr val="phClr">
+                <a:tint val="50000"/>
+                <a:satMod val="300000"/>
+              </a:schemeClr>
+            </a:gs>
+            <a:gs pos="35000">
+              <a:schemeClr val="phClr">
+                <a:tint val="37000"/>
+                <a:satMod val="300000"/>
+              </a:schemeClr>
+            </a:gs>
+            <a:gs pos="100000">
+              <a:schemeClr val="phClr">
+                <a:tint val="15000"/>
+                <a:satMod val="350000"/>
+              </a:schemeClr>
+            </a:gs>
+          </a:gsLst>
+          <a:lin ang="16200000" scaled="1"/>
+        </a:gradFill>
+        <a:gradFill rotWithShape="1">
+          <a:gsLst>
+            <a:gs pos="0">
+              <a:schemeClr val="phClr">
+                <a:tint val="100000"/>
+                <a:shade val="100000"/>
+                <a:satMod val="130000"/>
+              </a:schemeClr>
+            </a:gs>
+            <a:gs pos="100000">
+              <a:schemeClr val="phClr">
+                <a:tint val="50000"/>
+                <a:shade val="100000"/>
+                <a:satMod val="350000"/>
+              </a:schemeClr>
+            </a:gs>
+          </a:gsLst>
+          <a:lin ang="16200000" scaled="0"/>
+        </a:gradFill>
+      </a:fillStyleLst>
+      <a:lnStyleLst>
+        <a:ln w="9525" cap="flat" cmpd="sng" algn="ctr">
+          <a:solidFill>
+            <a:schemeClr val="phClr">
+              <a:shade val="95000"/>
+              <a:satMod val="105000"/>
+            </a:schemeClr>
+          </a:solidFill>
+          <a:prstDash val="solid"/>
+        </a:ln>
+        <a:ln w="25400" cap="flat" cmpd="sng" algn="ctr">
+          <a:solidFill>
+            <a:schemeClr val="phClr"/>
+          </a:solidFill>
+          <a:prstDash val="solid"/>
+        </a:ln>
+        <a:ln w="38100" cap="flat" cmpd="sng" algn="ctr">
+          <a:solidFill>
+            <a:schemeClr val="phClr"/>
+          </a:solidFill>
+          <a:prstDash val="solid"/>
+        </a:ln>
+      </a:lnStyleLst>
+      <a:effectStyleLst>
+        <a:effectStyle>
+          <a:effectLst>
+            <a:outerShdw blurRad="40000" dist="20000" dir="5400000" rotWithShape="0">
+              <a:srgbClr val="000000">
+                <a:alpha val="38000"/>
+              </a:srgbClr>
+            </a:outerShdw>
+          </a:effectLst>
+        </a:effectStyle>
+        <a:effectStyle>
+          <a:effectLst>
+            <a:outerShdw blurRad="40000" dist="23000" dir="5400000" rotWithShape="0">
+              <a:srgbClr val="000000">
+                <a:alpha val="35000"/>
+              </a:srgbClr>
+            </a:outerShdw>
+          </a:effectLst>
+        </a:effectStyle>
+        <a:effectStyle>
+          <a:effectLst>
+            <a:outerShdw blurRad="40000" dist="23000" dir="5400000" rotWithShape="0">
+              <a:srgbClr val="000000">
+                <a:alpha val="35000"/>
+              </a:srgbClr>
+            </a:outerShdw>
+          </a:effectLst>
+          <a:scene3d>
+            <a:camera prst="orthographicFront">
+              <a:rot lat="0" lon="0" rev="0"/>
+            </a:camera>
+            <a:lightRig rig="threePt" dir="t">
+              <a:rot lat="0" lon="0" rev="1200000"/>
+            </a:lightRig>
+          </a:scene3d>
+          <a:sp3d>
+            <a:bevelT w="63500" h="25400"/>
+          </a:sp3d>
+        </a:effectStyle>
+      </a:effectStyleLst>
+      <a:bgFillStyleLst>
+        <a:solidFill>
+          <a:schemeClr val="phClr"/>
+        </a:solidFill>
+        <a:gradFill rotWithShape="1">
+          <a:gsLst>
+            <a:gs pos="0">
+              <a:schemeClr val="phClr">
+                <a:tint val="40000"/>
+                <a:satMod val="350000"/>
+              </a:schemeClr>
+            </a:gs>
+            <a:gs pos="40000">
+              <a:schemeClr val="phClr">
+                <a:tint val="45000"/>
+                <a:shade val="99000"/>
+                <a:satMod val="350000"/>
+              </a:schemeClr>
+            </a:gs>
+            <a:gs pos="100000">
+              <a:schemeClr val="phClr">
+                <a:shade val="20000"/>
+                <a:satMod val="255000"/>
+              </a:schemeClr>
+            </a:gs>
+          </a:gsLst>
+          <a:path path="circle">
+            <a:fillToRect l="50000" t="-80000" r="50000" b="180000"/>
+          </a:path>
+        </a:gradFill>
+        <a:gradFill rotWithShape="1">
+          <a:gsLst>
+            <a:gs pos="0">
+              <a:schemeClr val="phClr">
+                <a:tint val="80000"/>
+                <a:satMod val="300000"/>
+              </a:schemeClr>
+            </a:gs>
+            <a:gs pos="100000">
+              <a:schemeClr val="phClr">
+                <a:shade val="30000"/>
+                <a:satMod val="200000"/>
+              </a:schemeClr>
+            </a:gs>
+          </a:gsLst>
+          <a:path path="circle">
+            <a:fillToRect l="50000" t="50000" r="50000" b="50000"/>
+          </a:path>
+        </a:gradFill>
+      </a:bgFillStyleLst>
+    </a:fmtScheme>
+  </a:themeElements>
+</a:theme>
+</file>
+
+<file path=ppt/theme/theme2.xml><?xml version="1.0" encoding="utf-8"?>
 <a:theme xmlns:a="http://schemas.openxmlformats.org/drawingml/2006/main" xmlns:r="http://schemas.openxmlformats.org/officeDocument/2006/relationships" name="Simple Light">
   <a:themeElements>
     <a:clrScheme name="Simple Light">
@@ -13863,283 +14877,4 @@
     </a:fmtScheme>
   </a:themeElements>
 </a:theme>
-</file>
-
-<file path=ppt/theme/theme2.xml><?xml version="1.0" encoding="utf-8"?>
-<a:theme xmlns:a="http://schemas.openxmlformats.org/drawingml/2006/main" xmlns:r="http://schemas.openxmlformats.org/officeDocument/2006/relationships">
-  <a:themeElements>
-    <a:clrScheme name="Default">
-      <a:dk1>
-        <a:srgbClr val="000000"/>
-      </a:dk1>
-      <a:lt1>
-        <a:srgbClr val="FFFFFF"/>
-      </a:lt1>
-      <a:dk2>
-        <a:srgbClr val="158158"/>
-      </a:dk2>
-      <a:lt2>
-        <a:srgbClr val="F3F3F3"/>
-      </a:lt2>
-      <a:accent1>
-        <a:srgbClr val="058DC7"/>
-      </a:accent1>
-      <a:accent2>
-        <a:srgbClr val="50B432"/>
-      </a:accent2>
-      <a:accent3>
-        <a:srgbClr val="ED561B"/>
-      </a:accent3>
-      <a:accent4>
-        <a:srgbClr val="EDEF00"/>
-      </a:accent4>
-      <a:accent5>
-        <a:srgbClr val="24CBE5"/>
-      </a:accent5>
-      <a:accent6>
-        <a:srgbClr val="64E572"/>
-      </a:accent6>
-      <a:hlink>
-        <a:srgbClr val="2200CC"/>
-      </a:hlink>
-      <a:folHlink>
-        <a:srgbClr val="551A8B"/>
-      </a:folHlink>
-    </a:clrScheme>
-    <a:fontScheme name="Office">
-      <a:majorFont>
-        <a:latin typeface="Arial"/>
-        <a:ea typeface=""/>
-        <a:cs typeface=""/>
-        <a:font script="Jpan" typeface="ＭＳ Ｐゴシック"/>
-        <a:font script="Hang" typeface="맑은 고딕"/>
-        <a:font script="Hans" typeface="宋体"/>
-        <a:font script="Hant" typeface="新細明體"/>
-        <a:font script="Arab" typeface="Times New Roman"/>
-        <a:font script="Hebr" typeface="Times New Roman"/>
-        <a:font script="Thai" typeface="Angsana New"/>
-        <a:font script="Ethi" typeface="Nyala"/>
-        <a:font script="Beng" typeface="Vrinda"/>
-        <a:font script="Gujr" typeface="Shruti"/>
-        <a:font script="Khmr" typeface="MoolBoran"/>
-        <a:font script="Knda" typeface="Tunga"/>
-        <a:font script="Guru" typeface="Raavi"/>
-        <a:font script="Cans" typeface="Euphemia"/>
-        <a:font script="Cher" typeface="Plantagenet Cherokee"/>
-        <a:font script="Yiii" typeface="Microsoft Yi Baiti"/>
-        <a:font script="Tibt" typeface="Microsoft Himalaya"/>
-        <a:font script="Thaa" typeface="MV Boli"/>
-        <a:font script="Deva" typeface="Mangal"/>
-        <a:font script="Telu" typeface="Gautami"/>
-        <a:font script="Taml" typeface="Latha"/>
-        <a:font script="Syrc" typeface="Estrangelo Edessa"/>
-        <a:font script="Orya" typeface="Kalinga"/>
-        <a:font script="Mlym" typeface="Kartika"/>
-        <a:font script="Laoo" typeface="DokChampa"/>
-        <a:font script="Sinh" typeface="Iskoola Pota"/>
-        <a:font script="Mong" typeface="Mongolian Baiti"/>
-        <a:font script="Viet" typeface="Times New Roman"/>
-        <a:font script="Uigh" typeface="Microsoft Uighur"/>
-        <a:font script="Geor" typeface="Sylfaen"/>
-      </a:majorFont>
-      <a:minorFont>
-        <a:latin typeface="Arial"/>
-        <a:ea typeface=""/>
-        <a:cs typeface=""/>
-        <a:font script="Jpan" typeface="ＭＳ Ｐゴシック"/>
-        <a:font script="Hang" typeface="맑은 고딕"/>
-        <a:font script="Hans" typeface="宋体"/>
-        <a:font script="Hant" typeface="新細明體"/>
-        <a:font script="Arab" typeface="Arial"/>
-        <a:font script="Hebr" typeface="Arial"/>
-        <a:font script="Thai" typeface="Cordia New"/>
-        <a:font script="Ethi" typeface="Nyala"/>
-        <a:font script="Beng" typeface="Vrinda"/>
-        <a:font script="Gujr" typeface="Shruti"/>
-        <a:font script="Khmr" typeface="DaunPenh"/>
-        <a:font script="Knda" typeface="Tunga"/>
-        <a:font script="Guru" typeface="Raavi"/>
-        <a:font script="Cans" typeface="Euphemia"/>
-        <a:font script="Cher" typeface="Plantagenet Cherokee"/>
-        <a:font script="Yiii" typeface="Microsoft Yi Baiti"/>
-        <a:font script="Tibt" typeface="Microsoft Himalaya"/>
-        <a:font script="Thaa" typeface="MV Boli"/>
-        <a:font script="Deva" typeface="Mangal"/>
-        <a:font script="Telu" typeface="Gautami"/>
-        <a:font script="Taml" typeface="Latha"/>
-        <a:font script="Syrc" typeface="Estrangelo Edessa"/>
-        <a:font script="Orya" typeface="Kalinga"/>
-        <a:font script="Mlym" typeface="Kartika"/>
-        <a:font script="Laoo" typeface="DokChampa"/>
-        <a:font script="Sinh" typeface="Iskoola Pota"/>
-        <a:font script="Mong" typeface="Mongolian Baiti"/>
-        <a:font script="Viet" typeface="Arial"/>
-        <a:font script="Uigh" typeface="Microsoft Uighur"/>
-        <a:font script="Geor" typeface="Sylfaen"/>
-      </a:minorFont>
-    </a:fontScheme>
-    <a:fmtScheme name="Office">
-      <a:fillStyleLst>
-        <a:solidFill>
-          <a:schemeClr val="phClr"/>
-        </a:solidFill>
-        <a:gradFill rotWithShape="1">
-          <a:gsLst>
-            <a:gs pos="0">
-              <a:schemeClr val="phClr">
-                <a:tint val="50000"/>
-                <a:satMod val="300000"/>
-              </a:schemeClr>
-            </a:gs>
-            <a:gs pos="35000">
-              <a:schemeClr val="phClr">
-                <a:tint val="37000"/>
-                <a:satMod val="300000"/>
-              </a:schemeClr>
-            </a:gs>
-            <a:gs pos="100000">
-              <a:schemeClr val="phClr">
-                <a:tint val="15000"/>
-                <a:satMod val="350000"/>
-              </a:schemeClr>
-            </a:gs>
-          </a:gsLst>
-          <a:lin ang="16200000" scaled="1"/>
-        </a:gradFill>
-        <a:gradFill rotWithShape="1">
-          <a:gsLst>
-            <a:gs pos="0">
-              <a:schemeClr val="phClr">
-                <a:tint val="100000"/>
-                <a:shade val="100000"/>
-                <a:satMod val="130000"/>
-              </a:schemeClr>
-            </a:gs>
-            <a:gs pos="100000">
-              <a:schemeClr val="phClr">
-                <a:tint val="50000"/>
-                <a:shade val="100000"/>
-                <a:satMod val="350000"/>
-              </a:schemeClr>
-            </a:gs>
-          </a:gsLst>
-          <a:lin ang="16200000" scaled="0"/>
-        </a:gradFill>
-      </a:fillStyleLst>
-      <a:lnStyleLst>
-        <a:ln w="9525" cap="flat" cmpd="sng" algn="ctr">
-          <a:solidFill>
-            <a:schemeClr val="phClr">
-              <a:shade val="95000"/>
-              <a:satMod val="105000"/>
-            </a:schemeClr>
-          </a:solidFill>
-          <a:prstDash val="solid"/>
-        </a:ln>
-        <a:ln w="25400" cap="flat" cmpd="sng" algn="ctr">
-          <a:solidFill>
-            <a:schemeClr val="phClr"/>
-          </a:solidFill>
-          <a:prstDash val="solid"/>
-        </a:ln>
-        <a:ln w="38100" cap="flat" cmpd="sng" algn="ctr">
-          <a:solidFill>
-            <a:schemeClr val="phClr"/>
-          </a:solidFill>
-          <a:prstDash val="solid"/>
-        </a:ln>
-      </a:lnStyleLst>
-      <a:effectStyleLst>
-        <a:effectStyle>
-          <a:effectLst>
-            <a:outerShdw blurRad="40000" dist="20000" dir="5400000" rotWithShape="0">
-              <a:srgbClr val="000000">
-                <a:alpha val="38000"/>
-              </a:srgbClr>
-            </a:outerShdw>
-          </a:effectLst>
-        </a:effectStyle>
-        <a:effectStyle>
-          <a:effectLst>
-            <a:outerShdw blurRad="40000" dist="23000" dir="5400000" rotWithShape="0">
-              <a:srgbClr val="000000">
-                <a:alpha val="35000"/>
-              </a:srgbClr>
-            </a:outerShdw>
-          </a:effectLst>
-        </a:effectStyle>
-        <a:effectStyle>
-          <a:effectLst>
-            <a:outerShdw blurRad="40000" dist="23000" dir="5400000" rotWithShape="0">
-              <a:srgbClr val="000000">
-                <a:alpha val="35000"/>
-              </a:srgbClr>
-            </a:outerShdw>
-          </a:effectLst>
-          <a:scene3d>
-            <a:camera prst="orthographicFront">
-              <a:rot lat="0" lon="0" rev="0"/>
-            </a:camera>
-            <a:lightRig rig="threePt" dir="t">
-              <a:rot lat="0" lon="0" rev="1200000"/>
-            </a:lightRig>
-          </a:scene3d>
-          <a:sp3d>
-            <a:bevelT w="63500" h="25400"/>
-          </a:sp3d>
-        </a:effectStyle>
-      </a:effectStyleLst>
-      <a:bgFillStyleLst>
-        <a:solidFill>
-          <a:schemeClr val="phClr"/>
-        </a:solidFill>
-        <a:gradFill rotWithShape="1">
-          <a:gsLst>
-            <a:gs pos="0">
-              <a:schemeClr val="phClr">
-                <a:tint val="40000"/>
-                <a:satMod val="350000"/>
-              </a:schemeClr>
-            </a:gs>
-            <a:gs pos="40000">
-              <a:schemeClr val="phClr">
-                <a:tint val="45000"/>
-                <a:shade val="99000"/>
-                <a:satMod val="350000"/>
-              </a:schemeClr>
-            </a:gs>
-            <a:gs pos="100000">
-              <a:schemeClr val="phClr">
-                <a:shade val="20000"/>
-                <a:satMod val="255000"/>
-              </a:schemeClr>
-            </a:gs>
-          </a:gsLst>
-          <a:path path="circle">
-            <a:fillToRect l="50000" t="-80000" r="50000" b="180000"/>
-          </a:path>
-        </a:gradFill>
-        <a:gradFill rotWithShape="1">
-          <a:gsLst>
-            <a:gs pos="0">
-              <a:schemeClr val="phClr">
-                <a:tint val="80000"/>
-                <a:satMod val="300000"/>
-              </a:schemeClr>
-            </a:gs>
-            <a:gs pos="100000">
-              <a:schemeClr val="phClr">
-                <a:shade val="30000"/>
-                <a:satMod val="200000"/>
-              </a:schemeClr>
-            </a:gs>
-          </a:gsLst>
-          <a:path path="circle">
-            <a:fillToRect l="50000" t="50000" r="50000" b="50000"/>
-          </a:path>
-        </a:gradFill>
-      </a:bgFillStyleLst>
-    </a:fmtScheme>
-  </a:themeElements>
-</a:theme>
 </file>
--- a/Project/Specifications/block diagram.pptx
+++ b/Project/Specifications/block diagram.pptx
@@ -1,31 +1,31 @@
 
 <file path=ppt/presentation.xml><?xml version="1.0" encoding="utf-8"?>
-<p:presentation xmlns:a="http://schemas.openxmlformats.org/drawingml/2006/main" xmlns:r="http://schemas.openxmlformats.org/officeDocument/2006/relationships" xmlns:mc="http://schemas.openxmlformats.org/markup-compatibility/2006" xmlns:mv="urn:schemas-microsoft-com:mac:vml" xmlns:p="http://schemas.openxmlformats.org/presentationml/2006/main" xmlns:c="http://schemas.openxmlformats.org/drawingml/2006/chart" xmlns:dgm="http://schemas.openxmlformats.org/drawingml/2006/diagram" xmlns:o="urn:schemas-microsoft-com:office:office" xmlns:v="urn:schemas-microsoft-com:vml" xmlns:pvml="urn:schemas-microsoft-com:office:powerpoint" xmlns:com="http://schemas.openxmlformats.org/drawingml/2006/compatibility" xmlns:p14="http://schemas.microsoft.com/office/powerpoint/2010/main" xmlns:p15="http://schemas.microsoft.com/office/powerpoint/2012/main" xmlns:ahyp="http://schemas.microsoft.com/office/drawing/2018/hyperlinkcolor" autoCompressPictures="0" strictFirstAndLastChars="0" saveSubsetFonts="1">
+<p:presentation xmlns:a="http://schemas.openxmlformats.org/drawingml/2006/main" xmlns:r="http://schemas.openxmlformats.org/officeDocument/2006/relationships" xmlns:p="http://schemas.openxmlformats.org/presentationml/2006/main" strictFirstAndLastChars="0" saveSubsetFonts="1" autoCompressPictures="0">
   <p:sldMasterIdLst>
-    <p:sldMasterId id="2147483659" r:id="rId4"/>
+    <p:sldMasterId id="2147483659" r:id="rId1"/>
   </p:sldMasterIdLst>
   <p:notesMasterIdLst>
-    <p:notesMasterId r:id="rId5"/>
+    <p:notesMasterId r:id="rId15"/>
   </p:notesMasterIdLst>
   <p:sldIdLst>
-    <p:sldId id="256" r:id="rId6"/>
-    <p:sldId id="257" r:id="rId7"/>
-    <p:sldId id="258" r:id="rId8"/>
-    <p:sldId id="259" r:id="rId9"/>
-    <p:sldId id="260" r:id="rId10"/>
-    <p:sldId id="261" r:id="rId11"/>
-    <p:sldId id="262" r:id="rId12"/>
-    <p:sldId id="263" r:id="rId13"/>
-    <p:sldId id="264" r:id="rId14"/>
-    <p:sldId id="265" r:id="rId15"/>
-    <p:sldId id="266" r:id="rId16"/>
-    <p:sldId id="267" r:id="rId17"/>
-    <p:sldId id="268" r:id="rId18"/>
+    <p:sldId id="256" r:id="rId2"/>
+    <p:sldId id="257" r:id="rId3"/>
+    <p:sldId id="258" r:id="rId4"/>
+    <p:sldId id="259" r:id="rId5"/>
+    <p:sldId id="260" r:id="rId6"/>
+    <p:sldId id="261" r:id="rId7"/>
+    <p:sldId id="262" r:id="rId8"/>
+    <p:sldId id="263" r:id="rId9"/>
+    <p:sldId id="264" r:id="rId10"/>
+    <p:sldId id="265" r:id="rId11"/>
+    <p:sldId id="266" r:id="rId12"/>
+    <p:sldId id="267" r:id="rId13"/>
+    <p:sldId id="268" r:id="rId14"/>
   </p:sldIdLst>
-  <p:sldSz cy="5143500" cx="9144000"/>
+  <p:sldSz cx="9144000" cy="5143500" type="screen16x9"/>
   <p:notesSz cx="6858000" cy="9144000"/>
   <p:defaultTextStyle>
-    <a:defPPr lvl="0" marR="0" rtl="0" algn="l">
+    <a:defPPr marR="0" lvl="0" algn="l" rtl="0">
       <a:lnSpc>
         <a:spcPct val="100000"/>
       </a:lnSpc>
@@ -36,7 +36,7 @@
         <a:spcPts val="0"/>
       </a:spcAft>
     </a:defPPr>
-    <a:lvl1pPr lvl="0" marR="0" rtl="0" algn="l">
+    <a:lvl1pPr marR="0" lvl="0" algn="l" rtl="0">
       <a:lnSpc>
         <a:spcPct val="100000"/>
       </a:lnSpc>
@@ -50,7 +50,7 @@
         <a:srgbClr val="000000"/>
       </a:buClr>
       <a:buFont typeface="Arial"/>
-      <a:defRPr b="0" i="0" sz="1400" u="none" cap="none" strike="noStrike">
+      <a:defRPr sz="1400" b="0" i="0" u="none" strike="noStrike" cap="none">
         <a:solidFill>
           <a:srgbClr val="000000"/>
         </a:solidFill>
@@ -60,7 +60,7 @@
         <a:sym typeface="Arial"/>
       </a:defRPr>
     </a:lvl1pPr>
-    <a:lvl2pPr lvl="1" marR="0" rtl="0" algn="l">
+    <a:lvl2pPr marR="0" lvl="1" algn="l" rtl="0">
       <a:lnSpc>
         <a:spcPct val="100000"/>
       </a:lnSpc>
@@ -74,7 +74,7 @@
         <a:srgbClr val="000000"/>
       </a:buClr>
       <a:buFont typeface="Arial"/>
-      <a:defRPr b="0" i="0" sz="1400" u="none" cap="none" strike="noStrike">
+      <a:defRPr sz="1400" b="0" i="0" u="none" strike="noStrike" cap="none">
         <a:solidFill>
           <a:srgbClr val="000000"/>
         </a:solidFill>
@@ -84,7 +84,7 @@
         <a:sym typeface="Arial"/>
       </a:defRPr>
     </a:lvl2pPr>
-    <a:lvl3pPr lvl="2" marR="0" rtl="0" algn="l">
+    <a:lvl3pPr marR="0" lvl="2" algn="l" rtl="0">
       <a:lnSpc>
         <a:spcPct val="100000"/>
       </a:lnSpc>
@@ -98,7 +98,7 @@
         <a:srgbClr val="000000"/>
       </a:buClr>
       <a:buFont typeface="Arial"/>
-      <a:defRPr b="0" i="0" sz="1400" u="none" cap="none" strike="noStrike">
+      <a:defRPr sz="1400" b="0" i="0" u="none" strike="noStrike" cap="none">
         <a:solidFill>
           <a:srgbClr val="000000"/>
         </a:solidFill>
@@ -108,7 +108,7 @@
         <a:sym typeface="Arial"/>
       </a:defRPr>
     </a:lvl3pPr>
-    <a:lvl4pPr lvl="3" marR="0" rtl="0" algn="l">
+    <a:lvl4pPr marR="0" lvl="3" algn="l" rtl="0">
       <a:lnSpc>
         <a:spcPct val="100000"/>
       </a:lnSpc>
@@ -122,7 +122,7 @@
         <a:srgbClr val="000000"/>
       </a:buClr>
       <a:buFont typeface="Arial"/>
-      <a:defRPr b="0" i="0" sz="1400" u="none" cap="none" strike="noStrike">
+      <a:defRPr sz="1400" b="0" i="0" u="none" strike="noStrike" cap="none">
         <a:solidFill>
           <a:srgbClr val="000000"/>
         </a:solidFill>
@@ -132,7 +132,7 @@
         <a:sym typeface="Arial"/>
       </a:defRPr>
     </a:lvl4pPr>
-    <a:lvl5pPr lvl="4" marR="0" rtl="0" algn="l">
+    <a:lvl5pPr marR="0" lvl="4" algn="l" rtl="0">
       <a:lnSpc>
         <a:spcPct val="100000"/>
       </a:lnSpc>
@@ -146,7 +146,7 @@
         <a:srgbClr val="000000"/>
       </a:buClr>
       <a:buFont typeface="Arial"/>
-      <a:defRPr b="0" i="0" sz="1400" u="none" cap="none" strike="noStrike">
+      <a:defRPr sz="1400" b="0" i="0" u="none" strike="noStrike" cap="none">
         <a:solidFill>
           <a:srgbClr val="000000"/>
         </a:solidFill>
@@ -156,7 +156,7 @@
         <a:sym typeface="Arial"/>
       </a:defRPr>
     </a:lvl5pPr>
-    <a:lvl6pPr lvl="5" marR="0" rtl="0" algn="l">
+    <a:lvl6pPr marR="0" lvl="5" algn="l" rtl="0">
       <a:lnSpc>
         <a:spcPct val="100000"/>
       </a:lnSpc>
@@ -170,7 +170,7 @@
         <a:srgbClr val="000000"/>
       </a:buClr>
       <a:buFont typeface="Arial"/>
-      <a:defRPr b="0" i="0" sz="1400" u="none" cap="none" strike="noStrike">
+      <a:defRPr sz="1400" b="0" i="0" u="none" strike="noStrike" cap="none">
         <a:solidFill>
           <a:srgbClr val="000000"/>
         </a:solidFill>
@@ -180,7 +180,7 @@
         <a:sym typeface="Arial"/>
       </a:defRPr>
     </a:lvl6pPr>
-    <a:lvl7pPr lvl="6" marR="0" rtl="0" algn="l">
+    <a:lvl7pPr marR="0" lvl="6" algn="l" rtl="0">
       <a:lnSpc>
         <a:spcPct val="100000"/>
       </a:lnSpc>
@@ -194,7 +194,7 @@
         <a:srgbClr val="000000"/>
       </a:buClr>
       <a:buFont typeface="Arial"/>
-      <a:defRPr b="0" i="0" sz="1400" u="none" cap="none" strike="noStrike">
+      <a:defRPr sz="1400" b="0" i="0" u="none" strike="noStrike" cap="none">
         <a:solidFill>
           <a:srgbClr val="000000"/>
         </a:solidFill>
@@ -204,7 +204,7 @@
         <a:sym typeface="Arial"/>
       </a:defRPr>
     </a:lvl7pPr>
-    <a:lvl8pPr lvl="7" marR="0" rtl="0" algn="l">
+    <a:lvl8pPr marR="0" lvl="7" algn="l" rtl="0">
       <a:lnSpc>
         <a:spcPct val="100000"/>
       </a:lnSpc>
@@ -218,7 +218,7 @@
         <a:srgbClr val="000000"/>
       </a:buClr>
       <a:buFont typeface="Arial"/>
-      <a:defRPr b="0" i="0" sz="1400" u="none" cap="none" strike="noStrike">
+      <a:defRPr sz="1400" b="0" i="0" u="none" strike="noStrike" cap="none">
         <a:solidFill>
           <a:srgbClr val="000000"/>
         </a:solidFill>
@@ -228,7 +228,7 @@
         <a:sym typeface="Arial"/>
       </a:defRPr>
     </a:lvl8pPr>
-    <a:lvl9pPr lvl="8" marR="0" rtl="0" algn="l">
+    <a:lvl9pPr marR="0" lvl="8" algn="l" rtl="0">
       <a:lnSpc>
         <a:spcPct val="100000"/>
       </a:lnSpc>
@@ -242,7 +242,7 @@
         <a:srgbClr val="000000"/>
       </a:buClr>
       <a:buFont typeface="Arial"/>
-      <a:defRPr b="0" i="0" sz="1400" u="none" cap="none" strike="noStrike">
+      <a:defRPr sz="1400" b="0" i="0" u="none" strike="noStrike" cap="none">
         <a:solidFill>
           <a:srgbClr val="000000"/>
         </a:solidFill>
@@ -255,7 +255,7 @@
   </p:defaultTextStyle>
   <p:extLst>
     <p:ext uri="{EFAFB233-063F-42B5-8137-9DF3F51BA10A}">
-      <p15:sldGuideLst>
+      <p15:sldGuideLst xmlns:p15="http://schemas.microsoft.com/office/powerpoint/2012/main">
         <p15:guide id="1" orient="horz" pos="1620">
           <p15:clr>
             <a:srgbClr val="A4A3A4"/>
@@ -273,11 +273,16 @@
 </file>
 
 <file path=ppt/notesMasters/notesMaster1.xml><?xml version="1.0" encoding="utf-8"?>
-<p:notesMaster xmlns:a="http://schemas.openxmlformats.org/drawingml/2006/main" xmlns:r="http://schemas.openxmlformats.org/officeDocument/2006/relationships" xmlns:mc="http://schemas.openxmlformats.org/markup-compatibility/2006" xmlns:mv="urn:schemas-microsoft-com:mac:vml" xmlns:p="http://schemas.openxmlformats.org/presentationml/2006/main" xmlns:c="http://schemas.openxmlformats.org/drawingml/2006/chart" xmlns:dgm="http://schemas.openxmlformats.org/drawingml/2006/diagram" xmlns:o="urn:schemas-microsoft-com:office:office" xmlns:v="urn:schemas-microsoft-com:vml" xmlns:pvml="urn:schemas-microsoft-com:office:powerpoint" xmlns:com="http://schemas.openxmlformats.org/drawingml/2006/compatibility" xmlns:p14="http://schemas.microsoft.com/office/powerpoint/2010/main" xmlns:p15="http://schemas.microsoft.com/office/powerpoint/2012/main" xmlns:ahyp="http://schemas.microsoft.com/office/drawing/2018/hyperlinkcolor">
+<p:notesMaster xmlns:a="http://schemas.openxmlformats.org/drawingml/2006/main" xmlns:r="http://schemas.openxmlformats.org/officeDocument/2006/relationships" xmlns:p="http://schemas.openxmlformats.org/presentationml/2006/main">
   <p:cSld>
+    <p:bg>
+      <p:bgRef idx="1001">
+        <a:schemeClr val="bg1"/>
+      </p:bgRef>
+    </p:bg>
     <p:spTree>
       <p:nvGrpSpPr>
-        <p:cNvPr id="2" name="Shape 2"/>
+        <p:cNvPr id="1" name="Shape 2"/>
         <p:cNvGrpSpPr/>
         <p:nvPr/>
       </p:nvGrpSpPr>
@@ -292,9 +297,11 @@
       <p:sp>
         <p:nvSpPr>
           <p:cNvPr id="3" name="Google Shape;3;n"/>
-          <p:cNvSpPr/>
+          <p:cNvSpPr>
+            <a:spLocks noGrp="1" noRot="1" noChangeAspect="1"/>
+          </p:cNvSpPr>
           <p:nvPr>
-            <p:ph idx="2" type="sldImg"/>
+            <p:ph type="sldImg" idx="2"/>
           </p:nvPr>
         </p:nvSpPr>
         <p:spPr>
@@ -303,9 +310,13 @@
             <a:ext cx="6096075" cy="3429000"/>
           </a:xfrm>
           <a:custGeom>
-            <a:rect b="b" l="l" r="r" t="t"/>
+            <a:avLst/>
+            <a:gdLst/>
+            <a:ahLst/>
+            <a:cxnLst/>
+            <a:rect l="l" t="t" r="r" b="b"/>
             <a:pathLst>
-              <a:path extrusionOk="0" h="120000" w="120000">
+              <a:path w="120000" h="120000" extrusionOk="0">
                 <a:moveTo>
                   <a:pt x="0" y="0"/>
                 </a:moveTo>
@@ -323,23 +334,25 @@
             </a:pathLst>
           </a:custGeom>
           <a:noFill/>
-          <a:ln cap="flat" cmpd="sng" w="9525">
+          <a:ln w="9525" cap="flat" cmpd="sng">
             <a:solidFill>
               <a:srgbClr val="000000"/>
             </a:solidFill>
             <a:prstDash val="solid"/>
             <a:round/>
-            <a:headEnd len="sm" w="sm" type="none"/>
-            <a:tailEnd len="sm" w="sm" type="none"/>
+            <a:headEnd type="none" w="sm" len="sm"/>
+            <a:tailEnd type="none" w="sm" len="sm"/>
           </a:ln>
         </p:spPr>
       </p:sp>
       <p:sp>
         <p:nvSpPr>
           <p:cNvPr id="4" name="Google Shape;4;n"/>
-          <p:cNvSpPr txBox="1"/>
+          <p:cNvSpPr txBox="1">
+            <a:spLocks noGrp="1"/>
+          </p:cNvSpPr>
           <p:nvPr>
-            <p:ph idx="1" type="body"/>
+            <p:ph type="body" idx="1"/>
           </p:nvPr>
         </p:nvSpPr>
         <p:spPr>
@@ -356,11 +369,11 @@
           </a:ln>
         </p:spPr>
         <p:txBody>
-          <a:bodyPr anchorCtr="0" anchor="t" bIns="91425" lIns="91425" spcFirstLastPara="1" rIns="91425" wrap="square" tIns="91425">
+          <a:bodyPr spcFirstLastPara="1" wrap="square" lIns="91425" tIns="91425" rIns="91425" bIns="91425" anchor="t" anchorCtr="0">
             <a:noAutofit/>
           </a:bodyPr>
           <a:lstStyle>
-            <a:lvl1pPr indent="-298450" lvl="0" marL="457200">
+            <a:lvl1pPr marL="457200" lvl="0" indent="-298450">
               <a:spcBef>
                 <a:spcPts val="0"/>
               </a:spcBef>
@@ -371,7 +384,7 @@
               <a:buChar char="●"/>
               <a:defRPr sz="1100"/>
             </a:lvl1pPr>
-            <a:lvl2pPr indent="-298450" lvl="1" marL="914400">
+            <a:lvl2pPr marL="914400" lvl="1" indent="-298450">
               <a:spcBef>
                 <a:spcPts val="0"/>
               </a:spcBef>
@@ -382,7 +395,7 @@
               <a:buChar char="○"/>
               <a:defRPr sz="1100"/>
             </a:lvl2pPr>
-            <a:lvl3pPr indent="-298450" lvl="2" marL="1371600">
+            <a:lvl3pPr marL="1371600" lvl="2" indent="-298450">
               <a:spcBef>
                 <a:spcPts val="0"/>
               </a:spcBef>
@@ -393,7 +406,7 @@
               <a:buChar char="■"/>
               <a:defRPr sz="1100"/>
             </a:lvl3pPr>
-            <a:lvl4pPr indent="-298450" lvl="3" marL="1828800">
+            <a:lvl4pPr marL="1828800" lvl="3" indent="-298450">
               <a:spcBef>
                 <a:spcPts val="0"/>
               </a:spcBef>
@@ -404,7 +417,7 @@
               <a:buChar char="●"/>
               <a:defRPr sz="1100"/>
             </a:lvl4pPr>
-            <a:lvl5pPr indent="-298450" lvl="4" marL="2286000">
+            <a:lvl5pPr marL="2286000" lvl="4" indent="-298450">
               <a:spcBef>
                 <a:spcPts val="0"/>
               </a:spcBef>
@@ -415,7 +428,7 @@
               <a:buChar char="○"/>
               <a:defRPr sz="1100"/>
             </a:lvl5pPr>
-            <a:lvl6pPr indent="-298450" lvl="5" marL="2743200">
+            <a:lvl6pPr marL="2743200" lvl="5" indent="-298450">
               <a:spcBef>
                 <a:spcPts val="0"/>
               </a:spcBef>
@@ -426,7 +439,7 @@
               <a:buChar char="■"/>
               <a:defRPr sz="1100"/>
             </a:lvl6pPr>
-            <a:lvl7pPr indent="-298450" lvl="6" marL="3200400">
+            <a:lvl7pPr marL="3200400" lvl="6" indent="-298450">
               <a:spcBef>
                 <a:spcPts val="0"/>
               </a:spcBef>
@@ -437,7 +450,7 @@
               <a:buChar char="●"/>
               <a:defRPr sz="1100"/>
             </a:lvl7pPr>
-            <a:lvl8pPr indent="-298450" lvl="7" marL="3657600">
+            <a:lvl8pPr marL="3657600" lvl="7" indent="-298450">
               <a:spcBef>
                 <a:spcPts val="0"/>
               </a:spcBef>
@@ -448,7 +461,7 @@
               <a:buChar char="○"/>
               <a:defRPr sz="1100"/>
             </a:lvl8pPr>
-            <a:lvl9pPr indent="-298450" lvl="8" marL="4114800">
+            <a:lvl9pPr marL="4114800" lvl="8" indent="-298450">
               <a:spcBef>
                 <a:spcPts val="0"/>
               </a:spcBef>
@@ -460,14 +473,16 @@
               <a:defRPr sz="1100"/>
             </a:lvl9pPr>
           </a:lstStyle>
-          <a:p/>
+          <a:p>
+            <a:endParaRPr/>
+          </a:p>
         </p:txBody>
       </p:sp>
     </p:spTree>
   </p:cSld>
-  <p:clrMap accent1="accent1" accent2="accent2" accent3="accent3" accent4="accent4" accent5="accent5" accent6="accent6" bg1="lt1" bg2="dk2" tx1="dk1" tx2="lt2" folHlink="folHlink" hlink="hlink"/>
+  <p:clrMap bg1="lt1" tx1="dk1" bg2="dk2" tx2="lt2" accent1="accent1" accent2="accent2" accent3="accent3" accent4="accent4" accent5="accent5" accent6="accent6" hlink="hlink" folHlink="folHlink"/>
   <p:notesStyle>
-    <a:defPPr lvl="0" marR="0" rtl="0" algn="l">
+    <a:defPPr marR="0" lvl="0" algn="l" rtl="0">
       <a:lnSpc>
         <a:spcPct val="100000"/>
       </a:lnSpc>
@@ -478,7 +493,7 @@
         <a:spcPts val="0"/>
       </a:spcAft>
     </a:defPPr>
-    <a:lvl1pPr lvl="0" marR="0" rtl="0" algn="l">
+    <a:lvl1pPr marR="0" lvl="0" algn="l" rtl="0">
       <a:lnSpc>
         <a:spcPct val="100000"/>
       </a:lnSpc>
@@ -492,7 +507,7 @@
         <a:srgbClr val="000000"/>
       </a:buClr>
       <a:buFont typeface="Arial"/>
-      <a:defRPr b="0" i="0" sz="1400" u="none" cap="none" strike="noStrike">
+      <a:defRPr sz="1400" b="0" i="0" u="none" strike="noStrike" cap="none">
         <a:solidFill>
           <a:srgbClr val="000000"/>
         </a:solidFill>
@@ -502,7 +517,7 @@
         <a:sym typeface="Arial"/>
       </a:defRPr>
     </a:lvl1pPr>
-    <a:lvl2pPr lvl="1" marR="0" rtl="0" algn="l">
+    <a:lvl2pPr marR="0" lvl="1" algn="l" rtl="0">
       <a:lnSpc>
         <a:spcPct val="100000"/>
       </a:lnSpc>
@@ -516,7 +531,7 @@
         <a:srgbClr val="000000"/>
       </a:buClr>
       <a:buFont typeface="Arial"/>
-      <a:defRPr b="0" i="0" sz="1400" u="none" cap="none" strike="noStrike">
+      <a:defRPr sz="1400" b="0" i="0" u="none" strike="noStrike" cap="none">
         <a:solidFill>
           <a:srgbClr val="000000"/>
         </a:solidFill>
@@ -526,7 +541,7 @@
         <a:sym typeface="Arial"/>
       </a:defRPr>
     </a:lvl2pPr>
-    <a:lvl3pPr lvl="2" marR="0" rtl="0" algn="l">
+    <a:lvl3pPr marR="0" lvl="2" algn="l" rtl="0">
       <a:lnSpc>
         <a:spcPct val="100000"/>
       </a:lnSpc>
@@ -540,7 +555,7 @@
         <a:srgbClr val="000000"/>
       </a:buClr>
       <a:buFont typeface="Arial"/>
-      <a:defRPr b="0" i="0" sz="1400" u="none" cap="none" strike="noStrike">
+      <a:defRPr sz="1400" b="0" i="0" u="none" strike="noStrike" cap="none">
         <a:solidFill>
           <a:srgbClr val="000000"/>
         </a:solidFill>
@@ -550,7 +565,7 @@
         <a:sym typeface="Arial"/>
       </a:defRPr>
     </a:lvl3pPr>
-    <a:lvl4pPr lvl="3" marR="0" rtl="0" algn="l">
+    <a:lvl4pPr marR="0" lvl="3" algn="l" rtl="0">
       <a:lnSpc>
         <a:spcPct val="100000"/>
       </a:lnSpc>
@@ -564,7 +579,7 @@
         <a:srgbClr val="000000"/>
       </a:buClr>
       <a:buFont typeface="Arial"/>
-      <a:defRPr b="0" i="0" sz="1400" u="none" cap="none" strike="noStrike">
+      <a:defRPr sz="1400" b="0" i="0" u="none" strike="noStrike" cap="none">
         <a:solidFill>
           <a:srgbClr val="000000"/>
         </a:solidFill>
@@ -574,7 +589,7 @@
         <a:sym typeface="Arial"/>
       </a:defRPr>
     </a:lvl4pPr>
-    <a:lvl5pPr lvl="4" marR="0" rtl="0" algn="l">
+    <a:lvl5pPr marR="0" lvl="4" algn="l" rtl="0">
       <a:lnSpc>
         <a:spcPct val="100000"/>
       </a:lnSpc>
@@ -588,7 +603,7 @@
         <a:srgbClr val="000000"/>
       </a:buClr>
       <a:buFont typeface="Arial"/>
-      <a:defRPr b="0" i="0" sz="1400" u="none" cap="none" strike="noStrike">
+      <a:defRPr sz="1400" b="0" i="0" u="none" strike="noStrike" cap="none">
         <a:solidFill>
           <a:srgbClr val="000000"/>
         </a:solidFill>
@@ -598,7 +613,7 @@
         <a:sym typeface="Arial"/>
       </a:defRPr>
     </a:lvl5pPr>
-    <a:lvl6pPr lvl="5" marR="0" rtl="0" algn="l">
+    <a:lvl6pPr marR="0" lvl="5" algn="l" rtl="0">
       <a:lnSpc>
         <a:spcPct val="100000"/>
       </a:lnSpc>
@@ -612,7 +627,7 @@
         <a:srgbClr val="000000"/>
       </a:buClr>
       <a:buFont typeface="Arial"/>
-      <a:defRPr b="0" i="0" sz="1400" u="none" cap="none" strike="noStrike">
+      <a:defRPr sz="1400" b="0" i="0" u="none" strike="noStrike" cap="none">
         <a:solidFill>
           <a:srgbClr val="000000"/>
         </a:solidFill>
@@ -622,7 +637,7 @@
         <a:sym typeface="Arial"/>
       </a:defRPr>
     </a:lvl6pPr>
-    <a:lvl7pPr lvl="6" marR="0" rtl="0" algn="l">
+    <a:lvl7pPr marR="0" lvl="6" algn="l" rtl="0">
       <a:lnSpc>
         <a:spcPct val="100000"/>
       </a:lnSpc>
@@ -636,7 +651,7 @@
         <a:srgbClr val="000000"/>
       </a:buClr>
       <a:buFont typeface="Arial"/>
-      <a:defRPr b="0" i="0" sz="1400" u="none" cap="none" strike="noStrike">
+      <a:defRPr sz="1400" b="0" i="0" u="none" strike="noStrike" cap="none">
         <a:solidFill>
           <a:srgbClr val="000000"/>
         </a:solidFill>
@@ -646,7 +661,7 @@
         <a:sym typeface="Arial"/>
       </a:defRPr>
     </a:lvl7pPr>
-    <a:lvl8pPr lvl="7" marR="0" rtl="0" algn="l">
+    <a:lvl8pPr marR="0" lvl="7" algn="l" rtl="0">
       <a:lnSpc>
         <a:spcPct val="100000"/>
       </a:lnSpc>
@@ -660,7 +675,7 @@
         <a:srgbClr val="000000"/>
       </a:buClr>
       <a:buFont typeface="Arial"/>
-      <a:defRPr b="0" i="0" sz="1400" u="none" cap="none" strike="noStrike">
+      <a:defRPr sz="1400" b="0" i="0" u="none" strike="noStrike" cap="none">
         <a:solidFill>
           <a:srgbClr val="000000"/>
         </a:solidFill>
@@ -670,7 +685,7 @@
         <a:sym typeface="Arial"/>
       </a:defRPr>
     </a:lvl8pPr>
-    <a:lvl9pPr lvl="8" marR="0" rtl="0" algn="l">
+    <a:lvl9pPr marR="0" lvl="8" algn="l" rtl="0">
       <a:lnSpc>
         <a:spcPct val="100000"/>
       </a:lnSpc>
@@ -684,7 +699,7 @@
         <a:srgbClr val="000000"/>
       </a:buClr>
       <a:buFont typeface="Arial"/>
-      <a:defRPr b="0" i="0" sz="1400" u="none" cap="none" strike="noStrike">
+      <a:defRPr sz="1400" b="0" i="0" u="none" strike="noStrike" cap="none">
         <a:solidFill>
           <a:srgbClr val="000000"/>
         </a:solidFill>
@@ -699,11 +714,11 @@
 </file>
 
 <file path=ppt/notesSlides/notesSlide1.xml><?xml version="1.0" encoding="utf-8"?>
-<p:notes xmlns:a="http://schemas.openxmlformats.org/drawingml/2006/main" xmlns:r="http://schemas.openxmlformats.org/officeDocument/2006/relationships" xmlns:mc="http://schemas.openxmlformats.org/markup-compatibility/2006" xmlns:mv="urn:schemas-microsoft-com:mac:vml" xmlns:p="http://schemas.openxmlformats.org/presentationml/2006/main" xmlns:c="http://schemas.openxmlformats.org/drawingml/2006/chart" xmlns:dgm="http://schemas.openxmlformats.org/drawingml/2006/diagram" xmlns:o="urn:schemas-microsoft-com:office:office" xmlns:v="urn:schemas-microsoft-com:vml" xmlns:pvml="urn:schemas-microsoft-com:office:powerpoint" xmlns:com="http://schemas.openxmlformats.org/drawingml/2006/compatibility" xmlns:p14="http://schemas.microsoft.com/office/powerpoint/2010/main" xmlns:p15="http://schemas.microsoft.com/office/powerpoint/2012/main" xmlns:ahyp="http://schemas.microsoft.com/office/drawing/2018/hyperlinkcolor" showMasterPhAnim="0" showMasterSp="0">
+<p:notes xmlns:a="http://schemas.openxmlformats.org/drawingml/2006/main" xmlns:r="http://schemas.openxmlformats.org/officeDocument/2006/relationships" xmlns:p="http://schemas.openxmlformats.org/presentationml/2006/main" showMasterSp="0" showMasterPhAnim="0">
   <p:cSld>
     <p:spTree>
       <p:nvGrpSpPr>
-        <p:cNvPr id="50" name="Shape 50"/>
+        <p:cNvPr id="1" name="Shape 50"/>
         <p:cNvGrpSpPr/>
         <p:nvPr/>
       </p:nvGrpSpPr>
@@ -718,9 +733,11 @@
       <p:sp>
         <p:nvSpPr>
           <p:cNvPr id="51" name="Google Shape;51;g1f483fa51f4_1_15:notes"/>
-          <p:cNvSpPr/>
+          <p:cNvSpPr>
+            <a:spLocks noGrp="1" noRot="1" noChangeAspect="1"/>
+          </p:cNvSpPr>
           <p:nvPr>
-            <p:ph idx="2" type="sldImg"/>
+            <p:ph type="sldImg" idx="2"/>
           </p:nvPr>
         </p:nvSpPr>
         <p:spPr>
@@ -729,9 +746,13 @@
             <a:ext cx="6096000" cy="3429000"/>
           </a:xfrm>
           <a:custGeom>
-            <a:rect b="b" l="l" r="r" t="t"/>
+            <a:avLst/>
+            <a:gdLst/>
+            <a:ahLst/>
+            <a:cxnLst/>
+            <a:rect l="l" t="t" r="r" b="b"/>
             <a:pathLst>
-              <a:path extrusionOk="0" h="120000" w="120000">
+              <a:path w="120000" h="120000" extrusionOk="0">
                 <a:moveTo>
                   <a:pt x="0" y="0"/>
                 </a:moveTo>
@@ -753,9 +774,11 @@
       <p:sp>
         <p:nvSpPr>
           <p:cNvPr id="52" name="Google Shape;52;g1f483fa51f4_1_15:notes"/>
-          <p:cNvSpPr txBox="1"/>
+          <p:cNvSpPr txBox="1">
+            <a:spLocks noGrp="1"/>
+          </p:cNvSpPr>
           <p:nvPr>
-            <p:ph idx="1" type="body"/>
+            <p:ph type="body" idx="1"/>
           </p:nvPr>
         </p:nvSpPr>
         <p:spPr>
@@ -768,23 +791,20 @@
           </a:prstGeom>
         </p:spPr>
         <p:txBody>
-          <a:bodyPr anchorCtr="0" anchor="t" bIns="91425" lIns="91425" spcFirstLastPara="1" rIns="91425" wrap="square" tIns="91425">
+          <a:bodyPr spcFirstLastPara="1" wrap="square" lIns="91425" tIns="91425" rIns="91425" bIns="91425" anchor="t" anchorCtr="0">
             <a:noAutofit/>
           </a:bodyPr>
           <a:lstStyle/>
           <a:p>
-            <a:pPr indent="0" lvl="0" marL="0" rtl="0" algn="l">
-              <a:spcBef>
-                <a:spcPts val="0"/>
-              </a:spcBef>
-              <a:spcAft>
-                <a:spcPts val="0"/>
-              </a:spcAft>
-              <a:buNone/>
-            </a:pPr>
-            <a:r>
-              <a:t/>
-            </a:r>
+            <a:pPr marL="0" lvl="0" indent="0" algn="l" rtl="0">
+              <a:spcBef>
+                <a:spcPts val="0"/>
+              </a:spcBef>
+              <a:spcAft>
+                <a:spcPts val="0"/>
+              </a:spcAft>
+              <a:buNone/>
+            </a:pPr>
             <a:endParaRPr/>
           </a:p>
         </p:txBody>
@@ -798,11 +818,11 @@
 </file>
 
 <file path=ppt/notesSlides/notesSlide10.xml><?xml version="1.0" encoding="utf-8"?>
-<p:notes xmlns:a="http://schemas.openxmlformats.org/drawingml/2006/main" xmlns:r="http://schemas.openxmlformats.org/officeDocument/2006/relationships" xmlns:mc="http://schemas.openxmlformats.org/markup-compatibility/2006" xmlns:mv="urn:schemas-microsoft-com:mac:vml" xmlns:p="http://schemas.openxmlformats.org/presentationml/2006/main" xmlns:c="http://schemas.openxmlformats.org/drawingml/2006/chart" xmlns:dgm="http://schemas.openxmlformats.org/drawingml/2006/diagram" xmlns:o="urn:schemas-microsoft-com:office:office" xmlns:v="urn:schemas-microsoft-com:vml" xmlns:pvml="urn:schemas-microsoft-com:office:powerpoint" xmlns:com="http://schemas.openxmlformats.org/drawingml/2006/compatibility" xmlns:p14="http://schemas.microsoft.com/office/powerpoint/2010/main" xmlns:p15="http://schemas.microsoft.com/office/powerpoint/2012/main" xmlns:ahyp="http://schemas.microsoft.com/office/drawing/2018/hyperlinkcolor" showMasterPhAnim="0" showMasterSp="0">
+<p:notes xmlns:a="http://schemas.openxmlformats.org/drawingml/2006/main" xmlns:r="http://schemas.openxmlformats.org/officeDocument/2006/relationships" xmlns:p="http://schemas.openxmlformats.org/presentationml/2006/main" showMasterSp="0" showMasterPhAnim="0">
   <p:cSld>
     <p:spTree>
       <p:nvGrpSpPr>
-        <p:cNvPr id="236" name="Shape 236"/>
+        <p:cNvPr id="1" name="Shape 236"/>
         <p:cNvGrpSpPr/>
         <p:nvPr/>
       </p:nvGrpSpPr>
@@ -817,9 +837,11 @@
       <p:sp>
         <p:nvSpPr>
           <p:cNvPr id="237" name="Google Shape;237;g1f483fa51f4_1_5:notes"/>
-          <p:cNvSpPr/>
+          <p:cNvSpPr>
+            <a:spLocks noGrp="1" noRot="1" noChangeAspect="1"/>
+          </p:cNvSpPr>
           <p:nvPr>
-            <p:ph idx="2" type="sldImg"/>
+            <p:ph type="sldImg" idx="2"/>
           </p:nvPr>
         </p:nvSpPr>
         <p:spPr>
@@ -828,9 +850,13 @@
             <a:ext cx="6096000" cy="3429000"/>
           </a:xfrm>
           <a:custGeom>
-            <a:rect b="b" l="l" r="r" t="t"/>
+            <a:avLst/>
+            <a:gdLst/>
+            <a:ahLst/>
+            <a:cxnLst/>
+            <a:rect l="l" t="t" r="r" b="b"/>
             <a:pathLst>
-              <a:path extrusionOk="0" h="120000" w="120000">
+              <a:path w="120000" h="120000" extrusionOk="0">
                 <a:moveTo>
                   <a:pt x="0" y="0"/>
                 </a:moveTo>
@@ -852,9 +878,11 @@
       <p:sp>
         <p:nvSpPr>
           <p:cNvPr id="238" name="Google Shape;238;g1f483fa51f4_1_5:notes"/>
-          <p:cNvSpPr txBox="1"/>
+          <p:cNvSpPr txBox="1">
+            <a:spLocks noGrp="1"/>
+          </p:cNvSpPr>
           <p:nvPr>
-            <p:ph idx="1" type="body"/>
+            <p:ph type="body" idx="1"/>
           </p:nvPr>
         </p:nvSpPr>
         <p:spPr>
@@ -867,23 +895,20 @@
           </a:prstGeom>
         </p:spPr>
         <p:txBody>
-          <a:bodyPr anchorCtr="0" anchor="t" bIns="91425" lIns="91425" spcFirstLastPara="1" rIns="91425" wrap="square" tIns="91425">
+          <a:bodyPr spcFirstLastPara="1" wrap="square" lIns="91425" tIns="91425" rIns="91425" bIns="91425" anchor="t" anchorCtr="0">
             <a:noAutofit/>
           </a:bodyPr>
           <a:lstStyle/>
           <a:p>
-            <a:pPr indent="0" lvl="0" marL="0" rtl="0" algn="l">
-              <a:spcBef>
-                <a:spcPts val="0"/>
-              </a:spcBef>
-              <a:spcAft>
-                <a:spcPts val="0"/>
-              </a:spcAft>
-              <a:buNone/>
-            </a:pPr>
-            <a:r>
-              <a:t/>
-            </a:r>
+            <a:pPr marL="0" lvl="0" indent="0" algn="l" rtl="0">
+              <a:spcBef>
+                <a:spcPts val="0"/>
+              </a:spcBef>
+              <a:spcAft>
+                <a:spcPts val="0"/>
+              </a:spcAft>
+              <a:buNone/>
+            </a:pPr>
             <a:endParaRPr/>
           </a:p>
         </p:txBody>
@@ -897,11 +922,11 @@
 </file>
 
 <file path=ppt/notesSlides/notesSlide11.xml><?xml version="1.0" encoding="utf-8"?>
-<p:notes xmlns:a="http://schemas.openxmlformats.org/drawingml/2006/main" xmlns:r="http://schemas.openxmlformats.org/officeDocument/2006/relationships" xmlns:mc="http://schemas.openxmlformats.org/markup-compatibility/2006" xmlns:mv="urn:schemas-microsoft-com:mac:vml" xmlns:p="http://schemas.openxmlformats.org/presentationml/2006/main" xmlns:c="http://schemas.openxmlformats.org/drawingml/2006/chart" xmlns:dgm="http://schemas.openxmlformats.org/drawingml/2006/diagram" xmlns:o="urn:schemas-microsoft-com:office:office" xmlns:v="urn:schemas-microsoft-com:vml" xmlns:pvml="urn:schemas-microsoft-com:office:powerpoint" xmlns:com="http://schemas.openxmlformats.org/drawingml/2006/compatibility" xmlns:p14="http://schemas.microsoft.com/office/powerpoint/2010/main" xmlns:p15="http://schemas.microsoft.com/office/powerpoint/2012/main" xmlns:ahyp="http://schemas.microsoft.com/office/drawing/2018/hyperlinkcolor" showMasterPhAnim="0" showMasterSp="0">
+<p:notes xmlns:a="http://schemas.openxmlformats.org/drawingml/2006/main" xmlns:r="http://schemas.openxmlformats.org/officeDocument/2006/relationships" xmlns:p="http://schemas.openxmlformats.org/presentationml/2006/main" showMasterSp="0" showMasterPhAnim="0">
   <p:cSld>
     <p:spTree>
       <p:nvGrpSpPr>
-        <p:cNvPr id="242" name="Shape 242"/>
+        <p:cNvPr id="1" name="Shape 242"/>
         <p:cNvGrpSpPr/>
         <p:nvPr/>
       </p:nvGrpSpPr>
@@ -916,9 +941,11 @@
       <p:sp>
         <p:nvSpPr>
           <p:cNvPr id="243" name="Google Shape;243;g1f483fa51f4_3_0:notes"/>
-          <p:cNvSpPr/>
+          <p:cNvSpPr>
+            <a:spLocks noGrp="1" noRot="1" noChangeAspect="1"/>
+          </p:cNvSpPr>
           <p:nvPr>
-            <p:ph idx="2" type="sldImg"/>
+            <p:ph type="sldImg" idx="2"/>
           </p:nvPr>
         </p:nvSpPr>
         <p:spPr>
@@ -927,9 +954,13 @@
             <a:ext cx="6096000" cy="3429000"/>
           </a:xfrm>
           <a:custGeom>
-            <a:rect b="b" l="l" r="r" t="t"/>
+            <a:avLst/>
+            <a:gdLst/>
+            <a:ahLst/>
+            <a:cxnLst/>
+            <a:rect l="l" t="t" r="r" b="b"/>
             <a:pathLst>
-              <a:path extrusionOk="0" h="120000" w="120000">
+              <a:path w="120000" h="120000" extrusionOk="0">
                 <a:moveTo>
                   <a:pt x="0" y="0"/>
                 </a:moveTo>
@@ -951,9 +982,11 @@
       <p:sp>
         <p:nvSpPr>
           <p:cNvPr id="244" name="Google Shape;244;g1f483fa51f4_3_0:notes"/>
-          <p:cNvSpPr txBox="1"/>
+          <p:cNvSpPr txBox="1">
+            <a:spLocks noGrp="1"/>
+          </p:cNvSpPr>
           <p:nvPr>
-            <p:ph idx="1" type="body"/>
+            <p:ph type="body" idx="1"/>
           </p:nvPr>
         </p:nvSpPr>
         <p:spPr>
@@ -966,23 +999,20 @@
           </a:prstGeom>
         </p:spPr>
         <p:txBody>
-          <a:bodyPr anchorCtr="0" anchor="t" bIns="91425" lIns="91425" spcFirstLastPara="1" rIns="91425" wrap="square" tIns="91425">
+          <a:bodyPr spcFirstLastPara="1" wrap="square" lIns="91425" tIns="91425" rIns="91425" bIns="91425" anchor="t" anchorCtr="0">
             <a:noAutofit/>
           </a:bodyPr>
           <a:lstStyle/>
           <a:p>
-            <a:pPr indent="0" lvl="0" marL="0" rtl="0" algn="l">
-              <a:spcBef>
-                <a:spcPts val="0"/>
-              </a:spcBef>
-              <a:spcAft>
-                <a:spcPts val="0"/>
-              </a:spcAft>
-              <a:buNone/>
-            </a:pPr>
-            <a:r>
-              <a:t/>
-            </a:r>
+            <a:pPr marL="0" lvl="0" indent="0" algn="l" rtl="0">
+              <a:spcBef>
+                <a:spcPts val="0"/>
+              </a:spcBef>
+              <a:spcAft>
+                <a:spcPts val="0"/>
+              </a:spcAft>
+              <a:buNone/>
+            </a:pPr>
             <a:endParaRPr/>
           </a:p>
         </p:txBody>
@@ -996,11 +1026,11 @@
 </file>
 
 <file path=ppt/notesSlides/notesSlide12.xml><?xml version="1.0" encoding="utf-8"?>
-<p:notes xmlns:a="http://schemas.openxmlformats.org/drawingml/2006/main" xmlns:r="http://schemas.openxmlformats.org/officeDocument/2006/relationships" xmlns:mc="http://schemas.openxmlformats.org/markup-compatibility/2006" xmlns:mv="urn:schemas-microsoft-com:mac:vml" xmlns:p="http://schemas.openxmlformats.org/presentationml/2006/main" xmlns:c="http://schemas.openxmlformats.org/drawingml/2006/chart" xmlns:dgm="http://schemas.openxmlformats.org/drawingml/2006/diagram" xmlns:o="urn:schemas-microsoft-com:office:office" xmlns:v="urn:schemas-microsoft-com:vml" xmlns:pvml="urn:schemas-microsoft-com:office:powerpoint" xmlns:com="http://schemas.openxmlformats.org/drawingml/2006/compatibility" xmlns:p14="http://schemas.microsoft.com/office/powerpoint/2010/main" xmlns:p15="http://schemas.microsoft.com/office/powerpoint/2012/main" xmlns:ahyp="http://schemas.microsoft.com/office/drawing/2018/hyperlinkcolor" showMasterPhAnim="0" showMasterSp="0">
+<p:notes xmlns:a="http://schemas.openxmlformats.org/drawingml/2006/main" xmlns:r="http://schemas.openxmlformats.org/officeDocument/2006/relationships" xmlns:p="http://schemas.openxmlformats.org/presentationml/2006/main" showMasterSp="0" showMasterPhAnim="0">
   <p:cSld>
     <p:spTree>
       <p:nvGrpSpPr>
-        <p:cNvPr id="247" name="Shape 247"/>
+        <p:cNvPr id="1" name="Shape 247"/>
         <p:cNvGrpSpPr/>
         <p:nvPr/>
       </p:nvGrpSpPr>
@@ -1015,9 +1045,11 @@
       <p:sp>
         <p:nvSpPr>
           <p:cNvPr id="248" name="Google Shape;248;g1f483fa51f4_1_10:notes"/>
-          <p:cNvSpPr/>
+          <p:cNvSpPr>
+            <a:spLocks noGrp="1" noRot="1" noChangeAspect="1"/>
+          </p:cNvSpPr>
           <p:nvPr>
-            <p:ph idx="2" type="sldImg"/>
+            <p:ph type="sldImg" idx="2"/>
           </p:nvPr>
         </p:nvSpPr>
         <p:spPr>
@@ -1026,9 +1058,13 @@
             <a:ext cx="6096000" cy="3429000"/>
           </a:xfrm>
           <a:custGeom>
-            <a:rect b="b" l="l" r="r" t="t"/>
+            <a:avLst/>
+            <a:gdLst/>
+            <a:ahLst/>
+            <a:cxnLst/>
+            <a:rect l="l" t="t" r="r" b="b"/>
             <a:pathLst>
-              <a:path extrusionOk="0" h="120000" w="120000">
+              <a:path w="120000" h="120000" extrusionOk="0">
                 <a:moveTo>
                   <a:pt x="0" y="0"/>
                 </a:moveTo>
@@ -1050,9 +1086,11 @@
       <p:sp>
         <p:nvSpPr>
           <p:cNvPr id="249" name="Google Shape;249;g1f483fa51f4_1_10:notes"/>
-          <p:cNvSpPr txBox="1"/>
+          <p:cNvSpPr txBox="1">
+            <a:spLocks noGrp="1"/>
+          </p:cNvSpPr>
           <p:nvPr>
-            <p:ph idx="1" type="body"/>
+            <p:ph type="body" idx="1"/>
           </p:nvPr>
         </p:nvSpPr>
         <p:spPr>
@@ -1065,23 +1103,20 @@
           </a:prstGeom>
         </p:spPr>
         <p:txBody>
-          <a:bodyPr anchorCtr="0" anchor="t" bIns="91425" lIns="91425" spcFirstLastPara="1" rIns="91425" wrap="square" tIns="91425">
+          <a:bodyPr spcFirstLastPara="1" wrap="square" lIns="91425" tIns="91425" rIns="91425" bIns="91425" anchor="t" anchorCtr="0">
             <a:noAutofit/>
           </a:bodyPr>
           <a:lstStyle/>
           <a:p>
-            <a:pPr indent="0" lvl="0" marL="0" rtl="0" algn="l">
-              <a:spcBef>
-                <a:spcPts val="0"/>
-              </a:spcBef>
-              <a:spcAft>
-                <a:spcPts val="0"/>
-              </a:spcAft>
-              <a:buNone/>
-            </a:pPr>
-            <a:r>
-              <a:t/>
-            </a:r>
+            <a:pPr marL="0" lvl="0" indent="0" algn="l" rtl="0">
+              <a:spcBef>
+                <a:spcPts val="0"/>
+              </a:spcBef>
+              <a:spcAft>
+                <a:spcPts val="0"/>
+              </a:spcAft>
+              <a:buNone/>
+            </a:pPr>
             <a:endParaRPr/>
           </a:p>
         </p:txBody>
@@ -1095,11 +1130,11 @@
 </file>
 
 <file path=ppt/notesSlides/notesSlide13.xml><?xml version="1.0" encoding="utf-8"?>
-<p:notes xmlns:a="http://schemas.openxmlformats.org/drawingml/2006/main" xmlns:r="http://schemas.openxmlformats.org/officeDocument/2006/relationships" xmlns:mc="http://schemas.openxmlformats.org/markup-compatibility/2006" xmlns:mv="urn:schemas-microsoft-com:mac:vml" xmlns:p="http://schemas.openxmlformats.org/presentationml/2006/main" xmlns:c="http://schemas.openxmlformats.org/drawingml/2006/chart" xmlns:dgm="http://schemas.openxmlformats.org/drawingml/2006/diagram" xmlns:o="urn:schemas-microsoft-com:office:office" xmlns:v="urn:schemas-microsoft-com:vml" xmlns:pvml="urn:schemas-microsoft-com:office:powerpoint" xmlns:com="http://schemas.openxmlformats.org/drawingml/2006/compatibility" xmlns:p14="http://schemas.microsoft.com/office/powerpoint/2010/main" xmlns:p15="http://schemas.microsoft.com/office/powerpoint/2012/main" xmlns:ahyp="http://schemas.microsoft.com/office/drawing/2018/hyperlinkcolor" showMasterPhAnim="0" showMasterSp="0">
+<p:notes xmlns:a="http://schemas.openxmlformats.org/drawingml/2006/main" xmlns:r="http://schemas.openxmlformats.org/officeDocument/2006/relationships" xmlns:p="http://schemas.openxmlformats.org/presentationml/2006/main" showMasterSp="0" showMasterPhAnim="0">
   <p:cSld>
     <p:spTree>
       <p:nvGrpSpPr>
-        <p:cNvPr id="253" name="Shape 253"/>
+        <p:cNvPr id="1" name="Shape 253"/>
         <p:cNvGrpSpPr/>
         <p:nvPr/>
       </p:nvGrpSpPr>
@@ -1114,9 +1149,11 @@
       <p:sp>
         <p:nvSpPr>
           <p:cNvPr id="254" name="Google Shape;254;g1f5d4a0e3c1_0_0:notes"/>
-          <p:cNvSpPr/>
+          <p:cNvSpPr>
+            <a:spLocks noGrp="1" noRot="1" noChangeAspect="1"/>
+          </p:cNvSpPr>
           <p:nvPr>
-            <p:ph idx="2" type="sldImg"/>
+            <p:ph type="sldImg" idx="2"/>
           </p:nvPr>
         </p:nvSpPr>
         <p:spPr>
@@ -1125,9 +1162,13 @@
             <a:ext cx="6096000" cy="3429000"/>
           </a:xfrm>
           <a:custGeom>
-            <a:rect b="b" l="l" r="r" t="t"/>
+            <a:avLst/>
+            <a:gdLst/>
+            <a:ahLst/>
+            <a:cxnLst/>
+            <a:rect l="l" t="t" r="r" b="b"/>
             <a:pathLst>
-              <a:path extrusionOk="0" h="120000" w="120000">
+              <a:path w="120000" h="120000" extrusionOk="0">
                 <a:moveTo>
                   <a:pt x="0" y="0"/>
                 </a:moveTo>
@@ -1149,9 +1190,11 @@
       <p:sp>
         <p:nvSpPr>
           <p:cNvPr id="255" name="Google Shape;255;g1f5d4a0e3c1_0_0:notes"/>
-          <p:cNvSpPr txBox="1"/>
+          <p:cNvSpPr txBox="1">
+            <a:spLocks noGrp="1"/>
+          </p:cNvSpPr>
           <p:nvPr>
-            <p:ph idx="1" type="body"/>
+            <p:ph type="body" idx="1"/>
           </p:nvPr>
         </p:nvSpPr>
         <p:spPr>
@@ -1164,23 +1207,20 @@
           </a:prstGeom>
         </p:spPr>
         <p:txBody>
-          <a:bodyPr anchorCtr="0" anchor="t" bIns="91425" lIns="91425" spcFirstLastPara="1" rIns="91425" wrap="square" tIns="91425">
+          <a:bodyPr spcFirstLastPara="1" wrap="square" lIns="91425" tIns="91425" rIns="91425" bIns="91425" anchor="t" anchorCtr="0">
             <a:noAutofit/>
           </a:bodyPr>
           <a:lstStyle/>
           <a:p>
-            <a:pPr indent="0" lvl="0" marL="0" rtl="0" algn="l">
-              <a:spcBef>
-                <a:spcPts val="0"/>
-              </a:spcBef>
-              <a:spcAft>
-                <a:spcPts val="0"/>
-              </a:spcAft>
-              <a:buNone/>
-            </a:pPr>
-            <a:r>
-              <a:t/>
-            </a:r>
+            <a:pPr marL="0" lvl="0" indent="0" algn="l" rtl="0">
+              <a:spcBef>
+                <a:spcPts val="0"/>
+              </a:spcBef>
+              <a:spcAft>
+                <a:spcPts val="0"/>
+              </a:spcAft>
+              <a:buNone/>
+            </a:pPr>
             <a:endParaRPr/>
           </a:p>
         </p:txBody>
@@ -1194,11 +1234,11 @@
 </file>
 
 <file path=ppt/notesSlides/notesSlide2.xml><?xml version="1.0" encoding="utf-8"?>
-<p:notes xmlns:a="http://schemas.openxmlformats.org/drawingml/2006/main" xmlns:r="http://schemas.openxmlformats.org/officeDocument/2006/relationships" xmlns:mc="http://schemas.openxmlformats.org/markup-compatibility/2006" xmlns:mv="urn:schemas-microsoft-com:mac:vml" xmlns:p="http://schemas.openxmlformats.org/presentationml/2006/main" xmlns:c="http://schemas.openxmlformats.org/drawingml/2006/chart" xmlns:dgm="http://schemas.openxmlformats.org/drawingml/2006/diagram" xmlns:o="urn:schemas-microsoft-com:office:office" xmlns:v="urn:schemas-microsoft-com:vml" xmlns:pvml="urn:schemas-microsoft-com:office:powerpoint" xmlns:com="http://schemas.openxmlformats.org/drawingml/2006/compatibility" xmlns:p14="http://schemas.microsoft.com/office/powerpoint/2010/main" xmlns:p15="http://schemas.microsoft.com/office/powerpoint/2012/main" xmlns:ahyp="http://schemas.microsoft.com/office/drawing/2018/hyperlinkcolor" showMasterPhAnim="0" showMasterSp="0">
+<p:notes xmlns:a="http://schemas.openxmlformats.org/drawingml/2006/main" xmlns:r="http://schemas.openxmlformats.org/officeDocument/2006/relationships" xmlns:p="http://schemas.openxmlformats.org/presentationml/2006/main" showMasterSp="0" showMasterPhAnim="0">
   <p:cSld>
     <p:spTree>
       <p:nvGrpSpPr>
-        <p:cNvPr id="55" name="Shape 55"/>
+        <p:cNvPr id="1" name="Shape 55"/>
         <p:cNvGrpSpPr/>
         <p:nvPr/>
       </p:nvGrpSpPr>
@@ -1213,9 +1253,11 @@
       <p:sp>
         <p:nvSpPr>
           <p:cNvPr id="56" name="Google Shape;56;g1f483fa51f4_1_0:notes"/>
-          <p:cNvSpPr/>
+          <p:cNvSpPr>
+            <a:spLocks noGrp="1" noRot="1" noChangeAspect="1"/>
+          </p:cNvSpPr>
           <p:nvPr>
-            <p:ph idx="2" type="sldImg"/>
+            <p:ph type="sldImg" idx="2"/>
           </p:nvPr>
         </p:nvSpPr>
         <p:spPr>
@@ -1224,9 +1266,13 @@
             <a:ext cx="6096000" cy="3429000"/>
           </a:xfrm>
           <a:custGeom>
-            <a:rect b="b" l="l" r="r" t="t"/>
+            <a:avLst/>
+            <a:gdLst/>
+            <a:ahLst/>
+            <a:cxnLst/>
+            <a:rect l="l" t="t" r="r" b="b"/>
             <a:pathLst>
-              <a:path extrusionOk="0" h="120000" w="120000">
+              <a:path w="120000" h="120000" extrusionOk="0">
                 <a:moveTo>
                   <a:pt x="0" y="0"/>
                 </a:moveTo>
@@ -1248,9 +1294,11 @@
       <p:sp>
         <p:nvSpPr>
           <p:cNvPr id="57" name="Google Shape;57;g1f483fa51f4_1_0:notes"/>
-          <p:cNvSpPr txBox="1"/>
+          <p:cNvSpPr txBox="1">
+            <a:spLocks noGrp="1"/>
+          </p:cNvSpPr>
           <p:nvPr>
-            <p:ph idx="1" type="body"/>
+            <p:ph type="body" idx="1"/>
           </p:nvPr>
         </p:nvSpPr>
         <p:spPr>
@@ -1263,23 +1311,20 @@
           </a:prstGeom>
         </p:spPr>
         <p:txBody>
-          <a:bodyPr anchorCtr="0" anchor="t" bIns="91425" lIns="91425" spcFirstLastPara="1" rIns="91425" wrap="square" tIns="91425">
+          <a:bodyPr spcFirstLastPara="1" wrap="square" lIns="91425" tIns="91425" rIns="91425" bIns="91425" anchor="t" anchorCtr="0">
             <a:noAutofit/>
           </a:bodyPr>
           <a:lstStyle/>
           <a:p>
-            <a:pPr indent="0" lvl="0" marL="0" rtl="0" algn="l">
-              <a:spcBef>
-                <a:spcPts val="0"/>
-              </a:spcBef>
-              <a:spcAft>
-                <a:spcPts val="0"/>
-              </a:spcAft>
-              <a:buNone/>
-            </a:pPr>
-            <a:r>
-              <a:t/>
-            </a:r>
+            <a:pPr marL="0" lvl="0" indent="0" algn="l" rtl="0">
+              <a:spcBef>
+                <a:spcPts val="0"/>
+              </a:spcBef>
+              <a:spcAft>
+                <a:spcPts val="0"/>
+              </a:spcAft>
+              <a:buNone/>
+            </a:pPr>
             <a:endParaRPr/>
           </a:p>
         </p:txBody>
@@ -1293,11 +1338,11 @@
 </file>
 
 <file path=ppt/notesSlides/notesSlide3.xml><?xml version="1.0" encoding="utf-8"?>
-<p:notes xmlns:a="http://schemas.openxmlformats.org/drawingml/2006/main" xmlns:r="http://schemas.openxmlformats.org/officeDocument/2006/relationships" xmlns:mc="http://schemas.openxmlformats.org/markup-compatibility/2006" xmlns:mv="urn:schemas-microsoft-com:mac:vml" xmlns:p="http://schemas.openxmlformats.org/presentationml/2006/main" xmlns:c="http://schemas.openxmlformats.org/drawingml/2006/chart" xmlns:dgm="http://schemas.openxmlformats.org/drawingml/2006/diagram" xmlns:o="urn:schemas-microsoft-com:office:office" xmlns:v="urn:schemas-microsoft-com:vml" xmlns:pvml="urn:schemas-microsoft-com:office:powerpoint" xmlns:com="http://schemas.openxmlformats.org/drawingml/2006/compatibility" xmlns:p14="http://schemas.microsoft.com/office/powerpoint/2010/main" xmlns:p15="http://schemas.microsoft.com/office/powerpoint/2012/main" xmlns:ahyp="http://schemas.microsoft.com/office/drawing/2018/hyperlinkcolor" showMasterPhAnim="0" showMasterSp="0">
+<p:notes xmlns:a="http://schemas.openxmlformats.org/drawingml/2006/main" xmlns:r="http://schemas.openxmlformats.org/officeDocument/2006/relationships" xmlns:p="http://schemas.openxmlformats.org/presentationml/2006/main" showMasterSp="0" showMasterPhAnim="0">
   <p:cSld>
     <p:spTree>
       <p:nvGrpSpPr>
-        <p:cNvPr id="61" name="Shape 61"/>
+        <p:cNvPr id="1" name="Shape 61"/>
         <p:cNvGrpSpPr/>
         <p:nvPr/>
       </p:nvGrpSpPr>
@@ -1312,9 +1357,11 @@
       <p:sp>
         <p:nvSpPr>
           <p:cNvPr id="62" name="Google Shape;62;g1f483fa51f4_0_0:notes"/>
-          <p:cNvSpPr/>
+          <p:cNvSpPr>
+            <a:spLocks noGrp="1" noRot="1" noChangeAspect="1"/>
+          </p:cNvSpPr>
           <p:nvPr>
-            <p:ph idx="2" type="sldImg"/>
+            <p:ph type="sldImg" idx="2"/>
           </p:nvPr>
         </p:nvSpPr>
         <p:spPr>
@@ -1323,9 +1370,13 @@
             <a:ext cx="6096000" cy="3429000"/>
           </a:xfrm>
           <a:custGeom>
-            <a:rect b="b" l="l" r="r" t="t"/>
+            <a:avLst/>
+            <a:gdLst/>
+            <a:ahLst/>
+            <a:cxnLst/>
+            <a:rect l="l" t="t" r="r" b="b"/>
             <a:pathLst>
-              <a:path extrusionOk="0" h="120000" w="120000">
+              <a:path w="120000" h="120000" extrusionOk="0">
                 <a:moveTo>
                   <a:pt x="0" y="0"/>
                 </a:moveTo>
@@ -1347,9 +1398,11 @@
       <p:sp>
         <p:nvSpPr>
           <p:cNvPr id="63" name="Google Shape;63;g1f483fa51f4_0_0:notes"/>
-          <p:cNvSpPr txBox="1"/>
+          <p:cNvSpPr txBox="1">
+            <a:spLocks noGrp="1"/>
+          </p:cNvSpPr>
           <p:nvPr>
-            <p:ph idx="1" type="body"/>
+            <p:ph type="body" idx="1"/>
           </p:nvPr>
         </p:nvSpPr>
         <p:spPr>
@@ -1362,23 +1415,20 @@
           </a:prstGeom>
         </p:spPr>
         <p:txBody>
-          <a:bodyPr anchorCtr="0" anchor="t" bIns="91425" lIns="91425" spcFirstLastPara="1" rIns="91425" wrap="square" tIns="91425">
+          <a:bodyPr spcFirstLastPara="1" wrap="square" lIns="91425" tIns="91425" rIns="91425" bIns="91425" anchor="t" anchorCtr="0">
             <a:noAutofit/>
           </a:bodyPr>
           <a:lstStyle/>
           <a:p>
-            <a:pPr indent="0" lvl="0" marL="0" rtl="0" algn="l">
-              <a:spcBef>
-                <a:spcPts val="0"/>
-              </a:spcBef>
-              <a:spcAft>
-                <a:spcPts val="0"/>
-              </a:spcAft>
-              <a:buNone/>
-            </a:pPr>
-            <a:r>
-              <a:t/>
-            </a:r>
+            <a:pPr marL="0" lvl="0" indent="0" algn="l" rtl="0">
+              <a:spcBef>
+                <a:spcPts val="0"/>
+              </a:spcBef>
+              <a:spcAft>
+                <a:spcPts val="0"/>
+              </a:spcAft>
+              <a:buNone/>
+            </a:pPr>
             <a:endParaRPr/>
           </a:p>
         </p:txBody>
@@ -1392,11 +1442,11 @@
 </file>
 
 <file path=ppt/notesSlides/notesSlide4.xml><?xml version="1.0" encoding="utf-8"?>
-<p:notes xmlns:a="http://schemas.openxmlformats.org/drawingml/2006/main" xmlns:r="http://schemas.openxmlformats.org/officeDocument/2006/relationships" xmlns:mc="http://schemas.openxmlformats.org/markup-compatibility/2006" xmlns:mv="urn:schemas-microsoft-com:mac:vml" xmlns:p="http://schemas.openxmlformats.org/presentationml/2006/main" xmlns:c="http://schemas.openxmlformats.org/drawingml/2006/chart" xmlns:dgm="http://schemas.openxmlformats.org/drawingml/2006/diagram" xmlns:o="urn:schemas-microsoft-com:office:office" xmlns:v="urn:schemas-microsoft-com:vml" xmlns:pvml="urn:schemas-microsoft-com:office:powerpoint" xmlns:com="http://schemas.openxmlformats.org/drawingml/2006/compatibility" xmlns:p14="http://schemas.microsoft.com/office/powerpoint/2010/main" xmlns:p15="http://schemas.microsoft.com/office/powerpoint/2012/main" xmlns:ahyp="http://schemas.microsoft.com/office/drawing/2018/hyperlinkcolor" showMasterPhAnim="0" showMasterSp="0">
+<p:notes xmlns:a="http://schemas.openxmlformats.org/drawingml/2006/main" xmlns:r="http://schemas.openxmlformats.org/officeDocument/2006/relationships" xmlns:p="http://schemas.openxmlformats.org/presentationml/2006/main" showMasterSp="0" showMasterPhAnim="0">
   <p:cSld>
     <p:spTree>
       <p:nvGrpSpPr>
-        <p:cNvPr id="97" name="Shape 97"/>
+        <p:cNvPr id="1" name="Shape 97"/>
         <p:cNvGrpSpPr/>
         <p:nvPr/>
       </p:nvGrpSpPr>
@@ -1411,9 +1461,11 @@
       <p:sp>
         <p:nvSpPr>
           <p:cNvPr id="98" name="Google Shape;98;g1f5d4a0e3c1_1_1:notes"/>
-          <p:cNvSpPr/>
+          <p:cNvSpPr>
+            <a:spLocks noGrp="1" noRot="1" noChangeAspect="1"/>
+          </p:cNvSpPr>
           <p:nvPr>
-            <p:ph idx="2" type="sldImg"/>
+            <p:ph type="sldImg" idx="2"/>
           </p:nvPr>
         </p:nvSpPr>
         <p:spPr>
@@ -1422,9 +1474,13 @@
             <a:ext cx="6096000" cy="3429000"/>
           </a:xfrm>
           <a:custGeom>
-            <a:rect b="b" l="l" r="r" t="t"/>
+            <a:avLst/>
+            <a:gdLst/>
+            <a:ahLst/>
+            <a:cxnLst/>
+            <a:rect l="l" t="t" r="r" b="b"/>
             <a:pathLst>
-              <a:path extrusionOk="0" h="120000" w="120000">
+              <a:path w="120000" h="120000" extrusionOk="0">
                 <a:moveTo>
                   <a:pt x="0" y="0"/>
                 </a:moveTo>
@@ -1446,9 +1502,11 @@
       <p:sp>
         <p:nvSpPr>
           <p:cNvPr id="99" name="Google Shape;99;g1f5d4a0e3c1_1_1:notes"/>
-          <p:cNvSpPr txBox="1"/>
+          <p:cNvSpPr txBox="1">
+            <a:spLocks noGrp="1"/>
+          </p:cNvSpPr>
           <p:nvPr>
-            <p:ph idx="1" type="body"/>
+            <p:ph type="body" idx="1"/>
           </p:nvPr>
         </p:nvSpPr>
         <p:spPr>
@@ -1461,23 +1519,20 @@
           </a:prstGeom>
         </p:spPr>
         <p:txBody>
-          <a:bodyPr anchorCtr="0" anchor="t" bIns="91425" lIns="91425" spcFirstLastPara="1" rIns="91425" wrap="square" tIns="91425">
+          <a:bodyPr spcFirstLastPara="1" wrap="square" lIns="91425" tIns="91425" rIns="91425" bIns="91425" anchor="t" anchorCtr="0">
             <a:noAutofit/>
           </a:bodyPr>
           <a:lstStyle/>
           <a:p>
-            <a:pPr indent="0" lvl="0" marL="0" rtl="0" algn="l">
-              <a:spcBef>
-                <a:spcPts val="0"/>
-              </a:spcBef>
-              <a:spcAft>
-                <a:spcPts val="0"/>
-              </a:spcAft>
-              <a:buNone/>
-            </a:pPr>
-            <a:r>
-              <a:t/>
-            </a:r>
+            <a:pPr marL="0" lvl="0" indent="0" algn="l" rtl="0">
+              <a:spcBef>
+                <a:spcPts val="0"/>
+              </a:spcBef>
+              <a:spcAft>
+                <a:spcPts val="0"/>
+              </a:spcAft>
+              <a:buNone/>
+            </a:pPr>
             <a:endParaRPr/>
           </a:p>
         </p:txBody>
@@ -1491,11 +1546,11 @@
 </file>
 
 <file path=ppt/notesSlides/notesSlide5.xml><?xml version="1.0" encoding="utf-8"?>
-<p:notes xmlns:a="http://schemas.openxmlformats.org/drawingml/2006/main" xmlns:r="http://schemas.openxmlformats.org/officeDocument/2006/relationships" xmlns:mc="http://schemas.openxmlformats.org/markup-compatibility/2006" xmlns:mv="urn:schemas-microsoft-com:mac:vml" xmlns:p="http://schemas.openxmlformats.org/presentationml/2006/main" xmlns:c="http://schemas.openxmlformats.org/drawingml/2006/chart" xmlns:dgm="http://schemas.openxmlformats.org/drawingml/2006/diagram" xmlns:o="urn:schemas-microsoft-com:office:office" xmlns:v="urn:schemas-microsoft-com:vml" xmlns:pvml="urn:schemas-microsoft-com:office:powerpoint" xmlns:com="http://schemas.openxmlformats.org/drawingml/2006/compatibility" xmlns:p14="http://schemas.microsoft.com/office/powerpoint/2010/main" xmlns:p15="http://schemas.microsoft.com/office/powerpoint/2012/main" xmlns:ahyp="http://schemas.microsoft.com/office/drawing/2018/hyperlinkcolor" showMasterPhAnim="0" showMasterSp="0">
+<p:notes xmlns:a="http://schemas.openxmlformats.org/drawingml/2006/main" xmlns:r="http://schemas.openxmlformats.org/officeDocument/2006/relationships" xmlns:p="http://schemas.openxmlformats.org/presentationml/2006/main" showMasterSp="0" showMasterPhAnim="0">
   <p:cSld>
     <p:spTree>
       <p:nvGrpSpPr>
-        <p:cNvPr id="103" name="Shape 103"/>
+        <p:cNvPr id="1" name="Shape 103"/>
         <p:cNvGrpSpPr/>
         <p:nvPr/>
       </p:nvGrpSpPr>
@@ -1510,9 +1565,11 @@
       <p:sp>
         <p:nvSpPr>
           <p:cNvPr id="104" name="Google Shape;104;g1f483fa51f4_3_6:notes"/>
-          <p:cNvSpPr/>
+          <p:cNvSpPr>
+            <a:spLocks noGrp="1" noRot="1" noChangeAspect="1"/>
+          </p:cNvSpPr>
           <p:nvPr>
-            <p:ph idx="2" type="sldImg"/>
+            <p:ph type="sldImg" idx="2"/>
           </p:nvPr>
         </p:nvSpPr>
         <p:spPr>
@@ -1521,9 +1578,13 @@
             <a:ext cx="6096000" cy="3429000"/>
           </a:xfrm>
           <a:custGeom>
-            <a:rect b="b" l="l" r="r" t="t"/>
+            <a:avLst/>
+            <a:gdLst/>
+            <a:ahLst/>
+            <a:cxnLst/>
+            <a:rect l="l" t="t" r="r" b="b"/>
             <a:pathLst>
-              <a:path extrusionOk="0" h="120000" w="120000">
+              <a:path w="120000" h="120000" extrusionOk="0">
                 <a:moveTo>
                   <a:pt x="0" y="0"/>
                 </a:moveTo>
@@ -1545,9 +1606,11 @@
       <p:sp>
         <p:nvSpPr>
           <p:cNvPr id="105" name="Google Shape;105;g1f483fa51f4_3_6:notes"/>
-          <p:cNvSpPr txBox="1"/>
+          <p:cNvSpPr txBox="1">
+            <a:spLocks noGrp="1"/>
+          </p:cNvSpPr>
           <p:nvPr>
-            <p:ph idx="1" type="body"/>
+            <p:ph type="body" idx="1"/>
           </p:nvPr>
         </p:nvSpPr>
         <p:spPr>
@@ -1560,12 +1623,12 @@
           </a:prstGeom>
         </p:spPr>
         <p:txBody>
-          <a:bodyPr anchorCtr="0" anchor="t" bIns="91425" lIns="91425" spcFirstLastPara="1" rIns="91425" wrap="square" tIns="91425">
+          <a:bodyPr spcFirstLastPara="1" wrap="square" lIns="91425" tIns="91425" rIns="91425" bIns="91425" anchor="t" anchorCtr="0">
             <a:noAutofit/>
           </a:bodyPr>
           <a:lstStyle/>
           <a:p>
-            <a:pPr indent="0" lvl="0" marL="0" rtl="0" algn="l">
+            <a:pPr marL="0" lvl="0" indent="0" algn="l" rtl="0">
               <a:spcBef>
                 <a:spcPts val="0"/>
               </a:spcBef>
@@ -1591,11 +1654,11 @@
 </file>
 
 <file path=ppt/notesSlides/notesSlide6.xml><?xml version="1.0" encoding="utf-8"?>
-<p:notes xmlns:a="http://schemas.openxmlformats.org/drawingml/2006/main" xmlns:r="http://schemas.openxmlformats.org/officeDocument/2006/relationships" xmlns:mc="http://schemas.openxmlformats.org/markup-compatibility/2006" xmlns:mv="urn:schemas-microsoft-com:mac:vml" xmlns:p="http://schemas.openxmlformats.org/presentationml/2006/main" xmlns:c="http://schemas.openxmlformats.org/drawingml/2006/chart" xmlns:dgm="http://schemas.openxmlformats.org/drawingml/2006/diagram" xmlns:o="urn:schemas-microsoft-com:office:office" xmlns:v="urn:schemas-microsoft-com:vml" xmlns:pvml="urn:schemas-microsoft-com:office:powerpoint" xmlns:com="http://schemas.openxmlformats.org/drawingml/2006/compatibility" xmlns:p14="http://schemas.microsoft.com/office/powerpoint/2010/main" xmlns:p15="http://schemas.microsoft.com/office/powerpoint/2012/main" xmlns:ahyp="http://schemas.microsoft.com/office/drawing/2018/hyperlinkcolor" showMasterPhAnim="0" showMasterSp="0">
+<p:notes xmlns:a="http://schemas.openxmlformats.org/drawingml/2006/main" xmlns:r="http://schemas.openxmlformats.org/officeDocument/2006/relationships" xmlns:p="http://schemas.openxmlformats.org/presentationml/2006/main" showMasterSp="0" showMasterPhAnim="0">
   <p:cSld>
     <p:spTree>
       <p:nvGrpSpPr>
-        <p:cNvPr id="136" name="Shape 136"/>
+        <p:cNvPr id="1" name="Shape 136"/>
         <p:cNvGrpSpPr/>
         <p:nvPr/>
       </p:nvGrpSpPr>
@@ -1610,9 +1673,11 @@
       <p:sp>
         <p:nvSpPr>
           <p:cNvPr id="137" name="Google Shape;137;g1f483fa51f4_3_70:notes"/>
-          <p:cNvSpPr/>
+          <p:cNvSpPr>
+            <a:spLocks noGrp="1" noRot="1" noChangeAspect="1"/>
+          </p:cNvSpPr>
           <p:nvPr>
-            <p:ph idx="2" type="sldImg"/>
+            <p:ph type="sldImg" idx="2"/>
           </p:nvPr>
         </p:nvSpPr>
         <p:spPr>
@@ -1621,9 +1686,13 @@
             <a:ext cx="6096000" cy="3429000"/>
           </a:xfrm>
           <a:custGeom>
-            <a:rect b="b" l="l" r="r" t="t"/>
+            <a:avLst/>
+            <a:gdLst/>
+            <a:ahLst/>
+            <a:cxnLst/>
+            <a:rect l="l" t="t" r="r" b="b"/>
             <a:pathLst>
-              <a:path extrusionOk="0" h="120000" w="120000">
+              <a:path w="120000" h="120000" extrusionOk="0">
                 <a:moveTo>
                   <a:pt x="0" y="0"/>
                 </a:moveTo>
@@ -1645,9 +1714,11 @@
       <p:sp>
         <p:nvSpPr>
           <p:cNvPr id="138" name="Google Shape;138;g1f483fa51f4_3_70:notes"/>
-          <p:cNvSpPr txBox="1"/>
+          <p:cNvSpPr txBox="1">
+            <a:spLocks noGrp="1"/>
+          </p:cNvSpPr>
           <p:nvPr>
-            <p:ph idx="1" type="body"/>
+            <p:ph type="body" idx="1"/>
           </p:nvPr>
         </p:nvSpPr>
         <p:spPr>
@@ -1660,23 +1731,20 @@
           </a:prstGeom>
         </p:spPr>
         <p:txBody>
-          <a:bodyPr anchorCtr="0" anchor="t" bIns="91425" lIns="91425" spcFirstLastPara="1" rIns="91425" wrap="square" tIns="91425">
+          <a:bodyPr spcFirstLastPara="1" wrap="square" lIns="91425" tIns="91425" rIns="91425" bIns="91425" anchor="t" anchorCtr="0">
             <a:noAutofit/>
           </a:bodyPr>
           <a:lstStyle/>
           <a:p>
-            <a:pPr indent="0" lvl="0" marL="0" rtl="0" algn="l">
-              <a:spcBef>
-                <a:spcPts val="0"/>
-              </a:spcBef>
-              <a:spcAft>
-                <a:spcPts val="0"/>
-              </a:spcAft>
-              <a:buNone/>
-            </a:pPr>
-            <a:r>
-              <a:t/>
-            </a:r>
+            <a:pPr marL="0" lvl="0" indent="0" algn="l" rtl="0">
+              <a:spcBef>
+                <a:spcPts val="0"/>
+              </a:spcBef>
+              <a:spcAft>
+                <a:spcPts val="0"/>
+              </a:spcAft>
+              <a:buNone/>
+            </a:pPr>
             <a:endParaRPr/>
           </a:p>
         </p:txBody>
@@ -1690,11 +1758,11 @@
 </file>
 
 <file path=ppt/notesSlides/notesSlide7.xml><?xml version="1.0" encoding="utf-8"?>
-<p:notes xmlns:a="http://schemas.openxmlformats.org/drawingml/2006/main" xmlns:r="http://schemas.openxmlformats.org/officeDocument/2006/relationships" xmlns:mc="http://schemas.openxmlformats.org/markup-compatibility/2006" xmlns:mv="urn:schemas-microsoft-com:mac:vml" xmlns:p="http://schemas.openxmlformats.org/presentationml/2006/main" xmlns:c="http://schemas.openxmlformats.org/drawingml/2006/chart" xmlns:dgm="http://schemas.openxmlformats.org/drawingml/2006/diagram" xmlns:o="urn:schemas-microsoft-com:office:office" xmlns:v="urn:schemas-microsoft-com:vml" xmlns:pvml="urn:schemas-microsoft-com:office:powerpoint" xmlns:com="http://schemas.openxmlformats.org/drawingml/2006/compatibility" xmlns:p14="http://schemas.microsoft.com/office/powerpoint/2010/main" xmlns:p15="http://schemas.microsoft.com/office/powerpoint/2012/main" xmlns:ahyp="http://schemas.microsoft.com/office/drawing/2018/hyperlinkcolor" showMasterPhAnim="0" showMasterSp="0">
+<p:notes xmlns:a="http://schemas.openxmlformats.org/drawingml/2006/main" xmlns:r="http://schemas.openxmlformats.org/officeDocument/2006/relationships" xmlns:p="http://schemas.openxmlformats.org/presentationml/2006/main" showMasterSp="0" showMasterPhAnim="0">
   <p:cSld>
     <p:spTree>
       <p:nvGrpSpPr>
-        <p:cNvPr id="146" name="Shape 146"/>
+        <p:cNvPr id="1" name="Shape 146"/>
         <p:cNvGrpSpPr/>
         <p:nvPr/>
       </p:nvGrpSpPr>
@@ -1709,20 +1777,26 @@
       <p:sp>
         <p:nvSpPr>
           <p:cNvPr id="147" name="Google Shape;147;g1f483fa51f4_1_37:notes"/>
-          <p:cNvSpPr/>
+          <p:cNvSpPr>
+            <a:spLocks noGrp="1" noRot="1" noChangeAspect="1"/>
+          </p:cNvSpPr>
           <p:nvPr>
-            <p:ph idx="2" type="sldImg"/>
+            <p:ph type="sldImg" idx="2"/>
           </p:nvPr>
         </p:nvSpPr>
         <p:spPr>
           <a:xfrm>
-            <a:off x="381300" y="685800"/>
+            <a:off x="381000" y="685800"/>
             <a:ext cx="6096000" cy="3429000"/>
           </a:xfrm>
           <a:custGeom>
-            <a:rect b="b" l="l" r="r" t="t"/>
+            <a:avLst/>
+            <a:gdLst/>
+            <a:ahLst/>
+            <a:cxnLst/>
+            <a:rect l="l" t="t" r="r" b="b"/>
             <a:pathLst>
-              <a:path extrusionOk="0" h="120000" w="120000">
+              <a:path w="120000" h="120000" extrusionOk="0">
                 <a:moveTo>
                   <a:pt x="0" y="0"/>
                 </a:moveTo>
@@ -1744,9 +1818,11 @@
       <p:sp>
         <p:nvSpPr>
           <p:cNvPr id="148" name="Google Shape;148;g1f483fa51f4_1_37:notes"/>
-          <p:cNvSpPr txBox="1"/>
+          <p:cNvSpPr txBox="1">
+            <a:spLocks noGrp="1"/>
+          </p:cNvSpPr>
           <p:nvPr>
-            <p:ph idx="1" type="body"/>
+            <p:ph type="body" idx="1"/>
           </p:nvPr>
         </p:nvSpPr>
         <p:spPr>
@@ -1759,23 +1835,20 @@
           </a:prstGeom>
         </p:spPr>
         <p:txBody>
-          <a:bodyPr anchorCtr="0" anchor="t" bIns="91425" lIns="91425" spcFirstLastPara="1" rIns="91425" wrap="square" tIns="91425">
+          <a:bodyPr spcFirstLastPara="1" wrap="square" lIns="91425" tIns="91425" rIns="91425" bIns="91425" anchor="t" anchorCtr="0">
             <a:noAutofit/>
           </a:bodyPr>
           <a:lstStyle/>
           <a:p>
-            <a:pPr indent="0" lvl="0" marL="0" rtl="0" algn="l">
-              <a:spcBef>
-                <a:spcPts val="0"/>
-              </a:spcBef>
-              <a:spcAft>
-                <a:spcPts val="0"/>
-              </a:spcAft>
-              <a:buNone/>
-            </a:pPr>
-            <a:r>
-              <a:t/>
-            </a:r>
+            <a:pPr marL="0" lvl="0" indent="0" algn="l" rtl="0">
+              <a:spcBef>
+                <a:spcPts val="0"/>
+              </a:spcBef>
+              <a:spcAft>
+                <a:spcPts val="0"/>
+              </a:spcAft>
+              <a:buNone/>
+            </a:pPr>
             <a:endParaRPr/>
           </a:p>
         </p:txBody>
@@ -1789,11 +1862,11 @@
 </file>
 
 <file path=ppt/notesSlides/notesSlide8.xml><?xml version="1.0" encoding="utf-8"?>
-<p:notes xmlns:a="http://schemas.openxmlformats.org/drawingml/2006/main" xmlns:r="http://schemas.openxmlformats.org/officeDocument/2006/relationships" xmlns:mc="http://schemas.openxmlformats.org/markup-compatibility/2006" xmlns:mv="urn:schemas-microsoft-com:mac:vml" xmlns:p="http://schemas.openxmlformats.org/presentationml/2006/main" xmlns:c="http://schemas.openxmlformats.org/drawingml/2006/chart" xmlns:dgm="http://schemas.openxmlformats.org/drawingml/2006/diagram" xmlns:o="urn:schemas-microsoft-com:office:office" xmlns:v="urn:schemas-microsoft-com:vml" xmlns:pvml="urn:schemas-microsoft-com:office:powerpoint" xmlns:com="http://schemas.openxmlformats.org/drawingml/2006/compatibility" xmlns:p14="http://schemas.microsoft.com/office/powerpoint/2010/main" xmlns:p15="http://schemas.microsoft.com/office/powerpoint/2012/main" xmlns:ahyp="http://schemas.microsoft.com/office/drawing/2018/hyperlinkcolor" showMasterPhAnim="0" showMasterSp="0">
+<p:notes xmlns:a="http://schemas.openxmlformats.org/drawingml/2006/main" xmlns:r="http://schemas.openxmlformats.org/officeDocument/2006/relationships" xmlns:p="http://schemas.openxmlformats.org/presentationml/2006/main" showMasterSp="0" showMasterPhAnim="0">
   <p:cSld>
     <p:spTree>
       <p:nvGrpSpPr>
-        <p:cNvPr id="183" name="Shape 183"/>
+        <p:cNvPr id="1" name="Shape 183"/>
         <p:cNvGrpSpPr/>
         <p:nvPr/>
       </p:nvGrpSpPr>
@@ -1808,9 +1881,11 @@
       <p:sp>
         <p:nvSpPr>
           <p:cNvPr id="184" name="Google Shape;184;g1f483fa51f4_3_86:notes"/>
-          <p:cNvSpPr/>
+          <p:cNvSpPr>
+            <a:spLocks noGrp="1" noRot="1" noChangeAspect="1"/>
+          </p:cNvSpPr>
           <p:nvPr>
-            <p:ph idx="2" type="sldImg"/>
+            <p:ph type="sldImg" idx="2"/>
           </p:nvPr>
         </p:nvSpPr>
         <p:spPr>
@@ -1819,9 +1894,13 @@
             <a:ext cx="6096000" cy="3429000"/>
           </a:xfrm>
           <a:custGeom>
-            <a:rect b="b" l="l" r="r" t="t"/>
+            <a:avLst/>
+            <a:gdLst/>
+            <a:ahLst/>
+            <a:cxnLst/>
+            <a:rect l="l" t="t" r="r" b="b"/>
             <a:pathLst>
-              <a:path extrusionOk="0" h="120000" w="120000">
+              <a:path w="120000" h="120000" extrusionOk="0">
                 <a:moveTo>
                   <a:pt x="0" y="0"/>
                 </a:moveTo>
@@ -1843,9 +1922,11 @@
       <p:sp>
         <p:nvSpPr>
           <p:cNvPr id="185" name="Google Shape;185;g1f483fa51f4_3_86:notes"/>
-          <p:cNvSpPr txBox="1"/>
+          <p:cNvSpPr txBox="1">
+            <a:spLocks noGrp="1"/>
+          </p:cNvSpPr>
           <p:nvPr>
-            <p:ph idx="1" type="body"/>
+            <p:ph type="body" idx="1"/>
           </p:nvPr>
         </p:nvSpPr>
         <p:spPr>
@@ -1858,23 +1939,20 @@
           </a:prstGeom>
         </p:spPr>
         <p:txBody>
-          <a:bodyPr anchorCtr="0" anchor="t" bIns="91425" lIns="91425" spcFirstLastPara="1" rIns="91425" wrap="square" tIns="91425">
+          <a:bodyPr spcFirstLastPara="1" wrap="square" lIns="91425" tIns="91425" rIns="91425" bIns="91425" anchor="t" anchorCtr="0">
             <a:noAutofit/>
           </a:bodyPr>
           <a:lstStyle/>
           <a:p>
-            <a:pPr indent="0" lvl="0" marL="0" rtl="0" algn="l">
-              <a:spcBef>
-                <a:spcPts val="0"/>
-              </a:spcBef>
-              <a:spcAft>
-                <a:spcPts val="0"/>
-              </a:spcAft>
-              <a:buNone/>
-            </a:pPr>
-            <a:r>
-              <a:t/>
-            </a:r>
+            <a:pPr marL="0" lvl="0" indent="0" algn="l" rtl="0">
+              <a:spcBef>
+                <a:spcPts val="0"/>
+              </a:spcBef>
+              <a:spcAft>
+                <a:spcPts val="0"/>
+              </a:spcAft>
+              <a:buNone/>
+            </a:pPr>
             <a:endParaRPr/>
           </a:p>
         </p:txBody>
@@ -1888,11 +1966,11 @@
 </file>
 
 <file path=ppt/notesSlides/notesSlide9.xml><?xml version="1.0" encoding="utf-8"?>
-<p:notes xmlns:a="http://schemas.openxmlformats.org/drawingml/2006/main" xmlns:r="http://schemas.openxmlformats.org/officeDocument/2006/relationships" xmlns:mc="http://schemas.openxmlformats.org/markup-compatibility/2006" xmlns:mv="urn:schemas-microsoft-com:mac:vml" xmlns:p="http://schemas.openxmlformats.org/presentationml/2006/main" xmlns:c="http://schemas.openxmlformats.org/drawingml/2006/chart" xmlns:dgm="http://schemas.openxmlformats.org/drawingml/2006/diagram" xmlns:o="urn:schemas-microsoft-com:office:office" xmlns:v="urn:schemas-microsoft-com:vml" xmlns:pvml="urn:schemas-microsoft-com:office:powerpoint" xmlns:com="http://schemas.openxmlformats.org/drawingml/2006/compatibility" xmlns:p14="http://schemas.microsoft.com/office/powerpoint/2010/main" xmlns:p15="http://schemas.microsoft.com/office/powerpoint/2012/main" xmlns:ahyp="http://schemas.microsoft.com/office/drawing/2018/hyperlinkcolor" showMasterPhAnim="0" showMasterSp="0">
+<p:notes xmlns:a="http://schemas.openxmlformats.org/drawingml/2006/main" xmlns:r="http://schemas.openxmlformats.org/officeDocument/2006/relationships" xmlns:p="http://schemas.openxmlformats.org/presentationml/2006/main" showMasterSp="0" showMasterPhAnim="0">
   <p:cSld>
     <p:spTree>
       <p:nvGrpSpPr>
-        <p:cNvPr id="216" name="Shape 216"/>
+        <p:cNvPr id="1" name="Shape 216"/>
         <p:cNvGrpSpPr/>
         <p:nvPr/>
       </p:nvGrpSpPr>
@@ -1907,9 +1985,11 @@
       <p:sp>
         <p:nvSpPr>
           <p:cNvPr id="217" name="Google Shape;217;g1f483fa51f4_1_21:notes"/>
-          <p:cNvSpPr/>
+          <p:cNvSpPr>
+            <a:spLocks noGrp="1" noRot="1" noChangeAspect="1"/>
+          </p:cNvSpPr>
           <p:nvPr>
-            <p:ph idx="2" type="sldImg"/>
+            <p:ph type="sldImg" idx="2"/>
           </p:nvPr>
         </p:nvSpPr>
         <p:spPr>
@@ -1918,9 +1998,13 @@
             <a:ext cx="6096000" cy="3429000"/>
           </a:xfrm>
           <a:custGeom>
-            <a:rect b="b" l="l" r="r" t="t"/>
+            <a:avLst/>
+            <a:gdLst/>
+            <a:ahLst/>
+            <a:cxnLst/>
+            <a:rect l="l" t="t" r="r" b="b"/>
             <a:pathLst>
-              <a:path extrusionOk="0" h="120000" w="120000">
+              <a:path w="120000" h="120000" extrusionOk="0">
                 <a:moveTo>
                   <a:pt x="0" y="0"/>
                 </a:moveTo>
@@ -1942,9 +2026,11 @@
       <p:sp>
         <p:nvSpPr>
           <p:cNvPr id="218" name="Google Shape;218;g1f483fa51f4_1_21:notes"/>
-          <p:cNvSpPr txBox="1"/>
+          <p:cNvSpPr txBox="1">
+            <a:spLocks noGrp="1"/>
+          </p:cNvSpPr>
           <p:nvPr>
-            <p:ph idx="1" type="body"/>
+            <p:ph type="body" idx="1"/>
           </p:nvPr>
         </p:nvSpPr>
         <p:spPr>
@@ -1957,23 +2043,20 @@
           </a:prstGeom>
         </p:spPr>
         <p:txBody>
-          <a:bodyPr anchorCtr="0" anchor="t" bIns="91425" lIns="91425" spcFirstLastPara="1" rIns="91425" wrap="square" tIns="91425">
+          <a:bodyPr spcFirstLastPara="1" wrap="square" lIns="91425" tIns="91425" rIns="91425" bIns="91425" anchor="t" anchorCtr="0">
             <a:noAutofit/>
           </a:bodyPr>
           <a:lstStyle/>
           <a:p>
-            <a:pPr indent="0" lvl="0" marL="0" rtl="0" algn="l">
-              <a:spcBef>
-                <a:spcPts val="0"/>
-              </a:spcBef>
-              <a:spcAft>
-                <a:spcPts val="0"/>
-              </a:spcAft>
-              <a:buNone/>
-            </a:pPr>
-            <a:r>
-              <a:t/>
-            </a:r>
+            <a:pPr marL="0" lvl="0" indent="0" algn="l" rtl="0">
+              <a:spcBef>
+                <a:spcPts val="0"/>
+              </a:spcBef>
+              <a:spcAft>
+                <a:spcPts val="0"/>
+              </a:spcAft>
+              <a:buNone/>
+            </a:pPr>
             <a:endParaRPr/>
           </a:p>
         </p:txBody>
@@ -1987,11 +2070,11 @@
 </file>
 
 <file path=ppt/slideLayouts/slideLayout1.xml><?xml version="1.0" encoding="utf-8"?>
-<p:sldLayout xmlns:a="http://schemas.openxmlformats.org/drawingml/2006/main" xmlns:r="http://schemas.openxmlformats.org/officeDocument/2006/relationships" xmlns:mc="http://schemas.openxmlformats.org/markup-compatibility/2006" xmlns:mv="urn:schemas-microsoft-com:mac:vml" xmlns:p="http://schemas.openxmlformats.org/presentationml/2006/main" xmlns:c="http://schemas.openxmlformats.org/drawingml/2006/chart" xmlns:dgm="http://schemas.openxmlformats.org/drawingml/2006/diagram" xmlns:o="urn:schemas-microsoft-com:office:office" xmlns:v="urn:schemas-microsoft-com:vml" xmlns:pvml="urn:schemas-microsoft-com:office:powerpoint" xmlns:com="http://schemas.openxmlformats.org/drawingml/2006/compatibility" xmlns:p14="http://schemas.microsoft.com/office/powerpoint/2010/main" xmlns:p15="http://schemas.microsoft.com/office/powerpoint/2012/main" xmlns:ahyp="http://schemas.microsoft.com/office/drawing/2018/hyperlinkcolor" matchingName="Title slide" type="title">
+<p:sldLayout xmlns:a="http://schemas.openxmlformats.org/drawingml/2006/main" xmlns:r="http://schemas.openxmlformats.org/officeDocument/2006/relationships" xmlns:p="http://schemas.openxmlformats.org/presentationml/2006/main" matchingName="Title slide" type="title">
   <p:cSld name="TITLE">
     <p:spTree>
       <p:nvGrpSpPr>
-        <p:cNvPr id="9" name="Shape 9"/>
+        <p:cNvPr id="1" name="Shape 9"/>
         <p:cNvGrpSpPr/>
         <p:nvPr/>
       </p:nvGrpSpPr>
@@ -2006,7 +2089,9 @@
       <p:sp>
         <p:nvSpPr>
           <p:cNvPr id="10" name="Google Shape;10;p2"/>
-          <p:cNvSpPr txBox="1"/>
+          <p:cNvSpPr txBox="1">
+            <a:spLocks noGrp="1"/>
+          </p:cNvSpPr>
           <p:nvPr>
             <p:ph type="ctrTitle"/>
           </p:nvPr>
@@ -2021,7 +2106,7 @@
           </a:prstGeom>
         </p:spPr>
         <p:txBody>
-          <a:bodyPr anchorCtr="0" anchor="b" bIns="91425" lIns="91425" spcFirstLastPara="1" rIns="91425" wrap="square" tIns="91425">
+          <a:bodyPr spcFirstLastPara="1" wrap="square" lIns="91425" tIns="91425" rIns="91425" bIns="91425" anchor="b" anchorCtr="0">
             <a:normAutofit/>
           </a:bodyPr>
           <a:lstStyle>
@@ -2125,15 +2210,19 @@
               <a:defRPr sz="5200"/>
             </a:lvl9pPr>
           </a:lstStyle>
-          <a:p/>
+          <a:p>
+            <a:endParaRPr/>
+          </a:p>
         </p:txBody>
       </p:sp>
       <p:sp>
         <p:nvSpPr>
           <p:cNvPr id="11" name="Google Shape;11;p2"/>
-          <p:cNvSpPr txBox="1"/>
+          <p:cNvSpPr txBox="1">
+            <a:spLocks noGrp="1"/>
+          </p:cNvSpPr>
           <p:nvPr>
-            <p:ph idx="1" type="subTitle"/>
+            <p:ph type="subTitle" idx="1"/>
           </p:nvPr>
         </p:nvSpPr>
         <p:spPr>
@@ -2146,7 +2235,7 @@
           </a:prstGeom>
         </p:spPr>
         <p:txBody>
-          <a:bodyPr anchorCtr="0" anchor="t" bIns="91425" lIns="91425" spcFirstLastPara="1" rIns="91425" wrap="square" tIns="91425">
+          <a:bodyPr spcFirstLastPara="1" wrap="square" lIns="91425" tIns="91425" rIns="91425" bIns="91425" anchor="t" anchorCtr="0">
             <a:normAutofit/>
           </a:bodyPr>
           <a:lstStyle>
@@ -2277,15 +2366,19 @@
               <a:defRPr sz="2800"/>
             </a:lvl9pPr>
           </a:lstStyle>
-          <a:p/>
+          <a:p>
+            <a:endParaRPr/>
+          </a:p>
         </p:txBody>
       </p:sp>
       <p:sp>
         <p:nvSpPr>
           <p:cNvPr id="12" name="Google Shape;12;p2"/>
-          <p:cNvSpPr txBox="1"/>
+          <p:cNvSpPr txBox="1">
+            <a:spLocks noGrp="1"/>
+          </p:cNvSpPr>
           <p:nvPr>
-            <p:ph idx="12" type="sldNum"/>
+            <p:ph type="sldNum" idx="12"/>
           </p:nvPr>
         </p:nvSpPr>
         <p:spPr>
@@ -2298,7 +2391,7 @@
           </a:prstGeom>
         </p:spPr>
         <p:txBody>
-          <a:bodyPr anchorCtr="0" anchor="ctr" bIns="91425" lIns="91425" spcFirstLastPara="1" rIns="91425" wrap="square" tIns="91425">
+          <a:bodyPr spcFirstLastPara="1" wrap="square" lIns="91425" tIns="91425" rIns="91425" bIns="91425" anchor="ctr" anchorCtr="0">
             <a:normAutofit/>
           </a:bodyPr>
           <a:lstStyle>
@@ -2340,7 +2433,7 @@
             </a:lvl9pPr>
           </a:lstStyle>
           <a:p>
-            <a:pPr indent="0" lvl="0" marL="0" rtl="0" algn="r">
+            <a:pPr marL="0" lvl="0" indent="0" algn="r" rtl="0">
               <a:spcBef>
                 <a:spcPts val="0"/>
               </a:spcBef>
@@ -2366,11 +2459,11 @@
 </file>
 
 <file path=ppt/slideLayouts/slideLayout10.xml><?xml version="1.0" encoding="utf-8"?>
-<p:sldLayout xmlns:a="http://schemas.openxmlformats.org/drawingml/2006/main" xmlns:r="http://schemas.openxmlformats.org/officeDocument/2006/relationships" xmlns:mc="http://schemas.openxmlformats.org/markup-compatibility/2006" xmlns:mv="urn:schemas-microsoft-com:mac:vml" xmlns:p="http://schemas.openxmlformats.org/presentationml/2006/main" xmlns:c="http://schemas.openxmlformats.org/drawingml/2006/chart" xmlns:dgm="http://schemas.openxmlformats.org/drawingml/2006/diagram" xmlns:o="urn:schemas-microsoft-com:office:office" xmlns:v="urn:schemas-microsoft-com:vml" xmlns:pvml="urn:schemas-microsoft-com:office:powerpoint" xmlns:com="http://schemas.openxmlformats.org/drawingml/2006/compatibility" xmlns:p14="http://schemas.microsoft.com/office/powerpoint/2010/main" xmlns:p15="http://schemas.microsoft.com/office/powerpoint/2012/main" xmlns:ahyp="http://schemas.microsoft.com/office/drawing/2018/hyperlinkcolor" matchingName="Big number">
+<p:sldLayout xmlns:a="http://schemas.openxmlformats.org/drawingml/2006/main" xmlns:r="http://schemas.openxmlformats.org/officeDocument/2006/relationships" xmlns:p="http://schemas.openxmlformats.org/presentationml/2006/main" matchingName="Big number">
   <p:cSld name="BIG_NUMBER">
     <p:spTree>
       <p:nvGrpSpPr>
-        <p:cNvPr id="44" name="Shape 44"/>
+        <p:cNvPr id="1" name="Shape 44"/>
         <p:cNvGrpSpPr/>
         <p:nvPr/>
       </p:nvGrpSpPr>
@@ -2385,9 +2478,11 @@
       <p:sp>
         <p:nvSpPr>
           <p:cNvPr id="45" name="Google Shape;45;p11"/>
-          <p:cNvSpPr txBox="1"/>
+          <p:cNvSpPr txBox="1">
+            <a:spLocks noGrp="1"/>
+          </p:cNvSpPr>
           <p:nvPr>
-            <p:ph hasCustomPrompt="1" type="title"/>
+            <p:ph type="title" hasCustomPrompt="1"/>
           </p:nvPr>
         </p:nvSpPr>
         <p:spPr>
@@ -2400,7 +2495,7 @@
           </a:prstGeom>
         </p:spPr>
         <p:txBody>
-          <a:bodyPr anchorCtr="0" anchor="b" bIns="91425" lIns="91425" spcFirstLastPara="1" rIns="91425" wrap="square" tIns="91425">
+          <a:bodyPr spcFirstLastPara="1" wrap="square" lIns="91425" tIns="91425" rIns="91425" bIns="91425" anchor="b" anchorCtr="0">
             <a:normAutofit/>
           </a:bodyPr>
           <a:lstStyle>
@@ -2514,9 +2609,11 @@
       <p:sp>
         <p:nvSpPr>
           <p:cNvPr id="46" name="Google Shape;46;p11"/>
-          <p:cNvSpPr txBox="1"/>
+          <p:cNvSpPr txBox="1">
+            <a:spLocks noGrp="1"/>
+          </p:cNvSpPr>
           <p:nvPr>
-            <p:ph idx="1" type="body"/>
+            <p:ph type="body" idx="1"/>
           </p:nvPr>
         </p:nvSpPr>
         <p:spPr>
@@ -2529,11 +2626,11 @@
           </a:prstGeom>
         </p:spPr>
         <p:txBody>
-          <a:bodyPr anchorCtr="0" anchor="t" bIns="91425" lIns="91425" spcFirstLastPara="1" rIns="91425" wrap="square" tIns="91425">
+          <a:bodyPr spcFirstLastPara="1" wrap="square" lIns="91425" tIns="91425" rIns="91425" bIns="91425" anchor="t" anchorCtr="0">
             <a:normAutofit/>
           </a:bodyPr>
           <a:lstStyle>
-            <a:lvl1pPr indent="-342900" lvl="0" marL="457200" algn="ctr">
+            <a:lvl1pPr marL="457200" lvl="0" indent="-342900" algn="ctr">
               <a:spcBef>
                 <a:spcPts val="0"/>
               </a:spcBef>
@@ -2544,7 +2641,7 @@
               <a:buChar char="●"/>
               <a:defRPr/>
             </a:lvl1pPr>
-            <a:lvl2pPr indent="-317500" lvl="1" marL="914400" algn="ctr">
+            <a:lvl2pPr marL="914400" lvl="1" indent="-317500" algn="ctr">
               <a:spcBef>
                 <a:spcPts val="0"/>
               </a:spcBef>
@@ -2555,7 +2652,7 @@
               <a:buChar char="○"/>
               <a:defRPr/>
             </a:lvl2pPr>
-            <a:lvl3pPr indent="-317500" lvl="2" marL="1371600" algn="ctr">
+            <a:lvl3pPr marL="1371600" lvl="2" indent="-317500" algn="ctr">
               <a:spcBef>
                 <a:spcPts val="0"/>
               </a:spcBef>
@@ -2566,7 +2663,7 @@
               <a:buChar char="■"/>
               <a:defRPr/>
             </a:lvl3pPr>
-            <a:lvl4pPr indent="-317500" lvl="3" marL="1828800" algn="ctr">
+            <a:lvl4pPr marL="1828800" lvl="3" indent="-317500" algn="ctr">
               <a:spcBef>
                 <a:spcPts val="0"/>
               </a:spcBef>
@@ -2577,7 +2674,7 @@
               <a:buChar char="●"/>
               <a:defRPr/>
             </a:lvl4pPr>
-            <a:lvl5pPr indent="-317500" lvl="4" marL="2286000" algn="ctr">
+            <a:lvl5pPr marL="2286000" lvl="4" indent="-317500" algn="ctr">
               <a:spcBef>
                 <a:spcPts val="0"/>
               </a:spcBef>
@@ -2588,7 +2685,7 @@
               <a:buChar char="○"/>
               <a:defRPr/>
             </a:lvl5pPr>
-            <a:lvl6pPr indent="-317500" lvl="5" marL="2743200" algn="ctr">
+            <a:lvl6pPr marL="2743200" lvl="5" indent="-317500" algn="ctr">
               <a:spcBef>
                 <a:spcPts val="0"/>
               </a:spcBef>
@@ -2599,7 +2696,7 @@
               <a:buChar char="■"/>
               <a:defRPr/>
             </a:lvl6pPr>
-            <a:lvl7pPr indent="-317500" lvl="6" marL="3200400" algn="ctr">
+            <a:lvl7pPr marL="3200400" lvl="6" indent="-317500" algn="ctr">
               <a:spcBef>
                 <a:spcPts val="0"/>
               </a:spcBef>
@@ -2610,7 +2707,7 @@
               <a:buChar char="●"/>
               <a:defRPr/>
             </a:lvl7pPr>
-            <a:lvl8pPr indent="-317500" lvl="7" marL="3657600" algn="ctr">
+            <a:lvl8pPr marL="3657600" lvl="7" indent="-317500" algn="ctr">
               <a:spcBef>
                 <a:spcPts val="0"/>
               </a:spcBef>
@@ -2621,7 +2718,7 @@
               <a:buChar char="○"/>
               <a:defRPr/>
             </a:lvl8pPr>
-            <a:lvl9pPr indent="-317500" lvl="8" marL="4114800" algn="ctr">
+            <a:lvl9pPr marL="4114800" lvl="8" indent="-317500" algn="ctr">
               <a:spcBef>
                 <a:spcPts val="0"/>
               </a:spcBef>
@@ -2633,15 +2730,19 @@
               <a:defRPr/>
             </a:lvl9pPr>
           </a:lstStyle>
-          <a:p/>
+          <a:p>
+            <a:endParaRPr/>
+          </a:p>
         </p:txBody>
       </p:sp>
       <p:sp>
         <p:nvSpPr>
           <p:cNvPr id="47" name="Google Shape;47;p11"/>
-          <p:cNvSpPr txBox="1"/>
+          <p:cNvSpPr txBox="1">
+            <a:spLocks noGrp="1"/>
+          </p:cNvSpPr>
           <p:nvPr>
-            <p:ph idx="12" type="sldNum"/>
+            <p:ph type="sldNum" idx="12"/>
           </p:nvPr>
         </p:nvSpPr>
         <p:spPr>
@@ -2654,7 +2755,7 @@
           </a:prstGeom>
         </p:spPr>
         <p:txBody>
-          <a:bodyPr anchorCtr="0" anchor="ctr" bIns="91425" lIns="91425" spcFirstLastPara="1" rIns="91425" wrap="square" tIns="91425">
+          <a:bodyPr spcFirstLastPara="1" wrap="square" lIns="91425" tIns="91425" rIns="91425" bIns="91425" anchor="ctr" anchorCtr="0">
             <a:normAutofit/>
           </a:bodyPr>
           <a:lstStyle>
@@ -2696,7 +2797,7 @@
             </a:lvl9pPr>
           </a:lstStyle>
           <a:p>
-            <a:pPr indent="0" lvl="0" marL="0" rtl="0" algn="r">
+            <a:pPr marL="0" lvl="0" indent="0" algn="r" rtl="0">
               <a:spcBef>
                 <a:spcPts val="0"/>
               </a:spcBef>
@@ -2722,11 +2823,11 @@
 </file>
 
 <file path=ppt/slideLayouts/slideLayout11.xml><?xml version="1.0" encoding="utf-8"?>
-<p:sldLayout xmlns:a="http://schemas.openxmlformats.org/drawingml/2006/main" xmlns:r="http://schemas.openxmlformats.org/officeDocument/2006/relationships" xmlns:mc="http://schemas.openxmlformats.org/markup-compatibility/2006" xmlns:mv="urn:schemas-microsoft-com:mac:vml" xmlns:p="http://schemas.openxmlformats.org/presentationml/2006/main" xmlns:c="http://schemas.openxmlformats.org/drawingml/2006/chart" xmlns:dgm="http://schemas.openxmlformats.org/drawingml/2006/diagram" xmlns:o="urn:schemas-microsoft-com:office:office" xmlns:v="urn:schemas-microsoft-com:vml" xmlns:pvml="urn:schemas-microsoft-com:office:powerpoint" xmlns:com="http://schemas.openxmlformats.org/drawingml/2006/compatibility" xmlns:p14="http://schemas.microsoft.com/office/powerpoint/2010/main" xmlns:p15="http://schemas.microsoft.com/office/powerpoint/2012/main" xmlns:ahyp="http://schemas.microsoft.com/office/drawing/2018/hyperlinkcolor" matchingName="Blank" type="blank">
+<p:sldLayout xmlns:a="http://schemas.openxmlformats.org/drawingml/2006/main" xmlns:r="http://schemas.openxmlformats.org/officeDocument/2006/relationships" xmlns:p="http://schemas.openxmlformats.org/presentationml/2006/main" matchingName="Blank" type="blank">
   <p:cSld name="BLANK">
     <p:spTree>
       <p:nvGrpSpPr>
-        <p:cNvPr id="48" name="Shape 48"/>
+        <p:cNvPr id="1" name="Shape 48"/>
         <p:cNvGrpSpPr/>
         <p:nvPr/>
       </p:nvGrpSpPr>
@@ -2741,9 +2842,11 @@
       <p:sp>
         <p:nvSpPr>
           <p:cNvPr id="49" name="Google Shape;49;p12"/>
-          <p:cNvSpPr txBox="1"/>
+          <p:cNvSpPr txBox="1">
+            <a:spLocks noGrp="1"/>
+          </p:cNvSpPr>
           <p:nvPr>
-            <p:ph idx="12" type="sldNum"/>
+            <p:ph type="sldNum" idx="12"/>
           </p:nvPr>
         </p:nvSpPr>
         <p:spPr>
@@ -2756,7 +2859,7 @@
           </a:prstGeom>
         </p:spPr>
         <p:txBody>
-          <a:bodyPr anchorCtr="0" anchor="ctr" bIns="91425" lIns="91425" spcFirstLastPara="1" rIns="91425" wrap="square" tIns="91425">
+          <a:bodyPr spcFirstLastPara="1" wrap="square" lIns="91425" tIns="91425" rIns="91425" bIns="91425" anchor="ctr" anchorCtr="0">
             <a:normAutofit/>
           </a:bodyPr>
           <a:lstStyle>
@@ -2798,7 +2901,7 @@
             </a:lvl9pPr>
           </a:lstStyle>
           <a:p>
-            <a:pPr indent="0" lvl="0" marL="0" rtl="0" algn="r">
+            <a:pPr marL="0" lvl="0" indent="0" algn="r" rtl="0">
               <a:spcBef>
                 <a:spcPts val="0"/>
               </a:spcBef>
@@ -2824,11 +2927,11 @@
 </file>
 
 <file path=ppt/slideLayouts/slideLayout2.xml><?xml version="1.0" encoding="utf-8"?>
-<p:sldLayout xmlns:a="http://schemas.openxmlformats.org/drawingml/2006/main" xmlns:r="http://schemas.openxmlformats.org/officeDocument/2006/relationships" xmlns:mc="http://schemas.openxmlformats.org/markup-compatibility/2006" xmlns:mv="urn:schemas-microsoft-com:mac:vml" xmlns:p="http://schemas.openxmlformats.org/presentationml/2006/main" xmlns:c="http://schemas.openxmlformats.org/drawingml/2006/chart" xmlns:dgm="http://schemas.openxmlformats.org/drawingml/2006/diagram" xmlns:o="urn:schemas-microsoft-com:office:office" xmlns:v="urn:schemas-microsoft-com:vml" xmlns:pvml="urn:schemas-microsoft-com:office:powerpoint" xmlns:com="http://schemas.openxmlformats.org/drawingml/2006/compatibility" xmlns:p14="http://schemas.microsoft.com/office/powerpoint/2010/main" xmlns:p15="http://schemas.microsoft.com/office/powerpoint/2012/main" xmlns:ahyp="http://schemas.microsoft.com/office/drawing/2018/hyperlinkcolor" matchingName="Section header" type="secHead">
+<p:sldLayout xmlns:a="http://schemas.openxmlformats.org/drawingml/2006/main" xmlns:r="http://schemas.openxmlformats.org/officeDocument/2006/relationships" xmlns:p="http://schemas.openxmlformats.org/presentationml/2006/main" matchingName="Section header" type="secHead">
   <p:cSld name="SECTION_HEADER">
     <p:spTree>
       <p:nvGrpSpPr>
-        <p:cNvPr id="13" name="Shape 13"/>
+        <p:cNvPr id="1" name="Shape 13"/>
         <p:cNvGrpSpPr/>
         <p:nvPr/>
       </p:nvGrpSpPr>
@@ -2843,7 +2946,9 @@
       <p:sp>
         <p:nvSpPr>
           <p:cNvPr id="14" name="Google Shape;14;p3"/>
-          <p:cNvSpPr txBox="1"/>
+          <p:cNvSpPr txBox="1">
+            <a:spLocks noGrp="1"/>
+          </p:cNvSpPr>
           <p:nvPr>
             <p:ph type="title"/>
           </p:nvPr>
@@ -2858,7 +2963,7 @@
           </a:prstGeom>
         </p:spPr>
         <p:txBody>
-          <a:bodyPr anchorCtr="0" anchor="ctr" bIns="91425" lIns="91425" spcFirstLastPara="1" rIns="91425" wrap="square" tIns="91425">
+          <a:bodyPr spcFirstLastPara="1" wrap="square" lIns="91425" tIns="91425" rIns="91425" bIns="91425" anchor="ctr" anchorCtr="0">
             <a:normAutofit/>
           </a:bodyPr>
           <a:lstStyle>
@@ -2962,15 +3067,19 @@
               <a:defRPr sz="3600"/>
             </a:lvl9pPr>
           </a:lstStyle>
-          <a:p/>
+          <a:p>
+            <a:endParaRPr/>
+          </a:p>
         </p:txBody>
       </p:sp>
       <p:sp>
         <p:nvSpPr>
           <p:cNvPr id="15" name="Google Shape;15;p3"/>
-          <p:cNvSpPr txBox="1"/>
+          <p:cNvSpPr txBox="1">
+            <a:spLocks noGrp="1"/>
+          </p:cNvSpPr>
           <p:nvPr>
-            <p:ph idx="12" type="sldNum"/>
+            <p:ph type="sldNum" idx="12"/>
           </p:nvPr>
         </p:nvSpPr>
         <p:spPr>
@@ -2983,7 +3092,7 @@
           </a:prstGeom>
         </p:spPr>
         <p:txBody>
-          <a:bodyPr anchorCtr="0" anchor="ctr" bIns="91425" lIns="91425" spcFirstLastPara="1" rIns="91425" wrap="square" tIns="91425">
+          <a:bodyPr spcFirstLastPara="1" wrap="square" lIns="91425" tIns="91425" rIns="91425" bIns="91425" anchor="ctr" anchorCtr="0">
             <a:normAutofit/>
           </a:bodyPr>
           <a:lstStyle>
@@ -3025,7 +3134,7 @@
             </a:lvl9pPr>
           </a:lstStyle>
           <a:p>
-            <a:pPr indent="0" lvl="0" marL="0" rtl="0" algn="r">
+            <a:pPr marL="0" lvl="0" indent="0" algn="r" rtl="0">
               <a:spcBef>
                 <a:spcPts val="0"/>
               </a:spcBef>
@@ -3051,11 +3160,11 @@
 </file>
 
 <file path=ppt/slideLayouts/slideLayout3.xml><?xml version="1.0" encoding="utf-8"?>
-<p:sldLayout xmlns:a="http://schemas.openxmlformats.org/drawingml/2006/main" xmlns:r="http://schemas.openxmlformats.org/officeDocument/2006/relationships" xmlns:mc="http://schemas.openxmlformats.org/markup-compatibility/2006" xmlns:mv="urn:schemas-microsoft-com:mac:vml" xmlns:p="http://schemas.openxmlformats.org/presentationml/2006/main" xmlns:c="http://schemas.openxmlformats.org/drawingml/2006/chart" xmlns:dgm="http://schemas.openxmlformats.org/drawingml/2006/diagram" xmlns:o="urn:schemas-microsoft-com:office:office" xmlns:v="urn:schemas-microsoft-com:vml" xmlns:pvml="urn:schemas-microsoft-com:office:powerpoint" xmlns:com="http://schemas.openxmlformats.org/drawingml/2006/compatibility" xmlns:p14="http://schemas.microsoft.com/office/powerpoint/2010/main" xmlns:p15="http://schemas.microsoft.com/office/powerpoint/2012/main" xmlns:ahyp="http://schemas.microsoft.com/office/drawing/2018/hyperlinkcolor" matchingName="Title and body" type="tx">
+<p:sldLayout xmlns:a="http://schemas.openxmlformats.org/drawingml/2006/main" xmlns:r="http://schemas.openxmlformats.org/officeDocument/2006/relationships" xmlns:p="http://schemas.openxmlformats.org/presentationml/2006/main" matchingName="Title and body" type="tx">
   <p:cSld name="TITLE_AND_BODY">
     <p:spTree>
       <p:nvGrpSpPr>
-        <p:cNvPr id="16" name="Shape 16"/>
+        <p:cNvPr id="1" name="Shape 16"/>
         <p:cNvGrpSpPr/>
         <p:nvPr/>
       </p:nvGrpSpPr>
@@ -3070,7 +3179,9 @@
       <p:sp>
         <p:nvSpPr>
           <p:cNvPr id="17" name="Google Shape;17;p4"/>
-          <p:cNvSpPr txBox="1"/>
+          <p:cNvSpPr txBox="1">
+            <a:spLocks noGrp="1"/>
+          </p:cNvSpPr>
           <p:nvPr>
             <p:ph type="title"/>
           </p:nvPr>
@@ -3085,7 +3196,7 @@
           </a:prstGeom>
         </p:spPr>
         <p:txBody>
-          <a:bodyPr anchorCtr="0" anchor="t" bIns="91425" lIns="91425" spcFirstLastPara="1" rIns="91425" wrap="square" tIns="91425">
+          <a:bodyPr spcFirstLastPara="1" wrap="square" lIns="91425" tIns="91425" rIns="91425" bIns="91425" anchor="t" anchorCtr="0">
             <a:normAutofit/>
           </a:bodyPr>
           <a:lstStyle>
@@ -3189,15 +3300,19 @@
               <a:defRPr/>
             </a:lvl9pPr>
           </a:lstStyle>
-          <a:p/>
+          <a:p>
+            <a:endParaRPr/>
+          </a:p>
         </p:txBody>
       </p:sp>
       <p:sp>
         <p:nvSpPr>
           <p:cNvPr id="18" name="Google Shape;18;p4"/>
-          <p:cNvSpPr txBox="1"/>
+          <p:cNvSpPr txBox="1">
+            <a:spLocks noGrp="1"/>
+          </p:cNvSpPr>
           <p:nvPr>
-            <p:ph idx="1" type="body"/>
+            <p:ph type="body" idx="1"/>
           </p:nvPr>
         </p:nvSpPr>
         <p:spPr>
@@ -3210,11 +3325,11 @@
           </a:prstGeom>
         </p:spPr>
         <p:txBody>
-          <a:bodyPr anchorCtr="0" anchor="t" bIns="91425" lIns="91425" spcFirstLastPara="1" rIns="91425" wrap="square" tIns="91425">
+          <a:bodyPr spcFirstLastPara="1" wrap="square" lIns="91425" tIns="91425" rIns="91425" bIns="91425" anchor="t" anchorCtr="0">
             <a:normAutofit/>
           </a:bodyPr>
           <a:lstStyle>
-            <a:lvl1pPr indent="-342900" lvl="0" marL="457200">
+            <a:lvl1pPr marL="457200" lvl="0" indent="-342900">
               <a:spcBef>
                 <a:spcPts val="0"/>
               </a:spcBef>
@@ -3225,7 +3340,7 @@
               <a:buChar char="●"/>
               <a:defRPr/>
             </a:lvl1pPr>
-            <a:lvl2pPr indent="-317500" lvl="1" marL="914400">
+            <a:lvl2pPr marL="914400" lvl="1" indent="-317500">
               <a:spcBef>
                 <a:spcPts val="0"/>
               </a:spcBef>
@@ -3236,7 +3351,7 @@
               <a:buChar char="○"/>
               <a:defRPr/>
             </a:lvl2pPr>
-            <a:lvl3pPr indent="-317500" lvl="2" marL="1371600">
+            <a:lvl3pPr marL="1371600" lvl="2" indent="-317500">
               <a:spcBef>
                 <a:spcPts val="0"/>
               </a:spcBef>
@@ -3247,7 +3362,7 @@
               <a:buChar char="■"/>
               <a:defRPr/>
             </a:lvl3pPr>
-            <a:lvl4pPr indent="-317500" lvl="3" marL="1828800">
+            <a:lvl4pPr marL="1828800" lvl="3" indent="-317500">
               <a:spcBef>
                 <a:spcPts val="0"/>
               </a:spcBef>
@@ -3258,7 +3373,7 @@
               <a:buChar char="●"/>
               <a:defRPr/>
             </a:lvl4pPr>
-            <a:lvl5pPr indent="-317500" lvl="4" marL="2286000">
+            <a:lvl5pPr marL="2286000" lvl="4" indent="-317500">
               <a:spcBef>
                 <a:spcPts val="0"/>
               </a:spcBef>
@@ -3269,7 +3384,7 @@
               <a:buChar char="○"/>
               <a:defRPr/>
             </a:lvl5pPr>
-            <a:lvl6pPr indent="-317500" lvl="5" marL="2743200">
+            <a:lvl6pPr marL="2743200" lvl="5" indent="-317500">
               <a:spcBef>
                 <a:spcPts val="0"/>
               </a:spcBef>
@@ -3280,7 +3395,7 @@
               <a:buChar char="■"/>
               <a:defRPr/>
             </a:lvl6pPr>
-            <a:lvl7pPr indent="-317500" lvl="6" marL="3200400">
+            <a:lvl7pPr marL="3200400" lvl="6" indent="-317500">
               <a:spcBef>
                 <a:spcPts val="0"/>
               </a:spcBef>
@@ -3291,7 +3406,7 @@
               <a:buChar char="●"/>
               <a:defRPr/>
             </a:lvl7pPr>
-            <a:lvl8pPr indent="-317500" lvl="7" marL="3657600">
+            <a:lvl8pPr marL="3657600" lvl="7" indent="-317500">
               <a:spcBef>
                 <a:spcPts val="0"/>
               </a:spcBef>
@@ -3302,7 +3417,7 @@
               <a:buChar char="○"/>
               <a:defRPr/>
             </a:lvl8pPr>
-            <a:lvl9pPr indent="-317500" lvl="8" marL="4114800">
+            <a:lvl9pPr marL="4114800" lvl="8" indent="-317500">
               <a:spcBef>
                 <a:spcPts val="0"/>
               </a:spcBef>
@@ -3314,15 +3429,19 @@
               <a:defRPr/>
             </a:lvl9pPr>
           </a:lstStyle>
-          <a:p/>
+          <a:p>
+            <a:endParaRPr/>
+          </a:p>
         </p:txBody>
       </p:sp>
       <p:sp>
         <p:nvSpPr>
           <p:cNvPr id="19" name="Google Shape;19;p4"/>
-          <p:cNvSpPr txBox="1"/>
+          <p:cNvSpPr txBox="1">
+            <a:spLocks noGrp="1"/>
+          </p:cNvSpPr>
           <p:nvPr>
-            <p:ph idx="12" type="sldNum"/>
+            <p:ph type="sldNum" idx="12"/>
           </p:nvPr>
         </p:nvSpPr>
         <p:spPr>
@@ -3335,7 +3454,7 @@
           </a:prstGeom>
         </p:spPr>
         <p:txBody>
-          <a:bodyPr anchorCtr="0" anchor="ctr" bIns="91425" lIns="91425" spcFirstLastPara="1" rIns="91425" wrap="square" tIns="91425">
+          <a:bodyPr spcFirstLastPara="1" wrap="square" lIns="91425" tIns="91425" rIns="91425" bIns="91425" anchor="ctr" anchorCtr="0">
             <a:normAutofit/>
           </a:bodyPr>
           <a:lstStyle>
@@ -3377,7 +3496,7 @@
             </a:lvl9pPr>
           </a:lstStyle>
           <a:p>
-            <a:pPr indent="0" lvl="0" marL="0" rtl="0" algn="r">
+            <a:pPr marL="0" lvl="0" indent="0" algn="r" rtl="0">
               <a:spcBef>
                 <a:spcPts val="0"/>
               </a:spcBef>
@@ -3403,11 +3522,11 @@
 </file>
 
 <file path=ppt/slideLayouts/slideLayout4.xml><?xml version="1.0" encoding="utf-8"?>
-<p:sldLayout xmlns:a="http://schemas.openxmlformats.org/drawingml/2006/main" xmlns:r="http://schemas.openxmlformats.org/officeDocument/2006/relationships" xmlns:mc="http://schemas.openxmlformats.org/markup-compatibility/2006" xmlns:mv="urn:schemas-microsoft-com:mac:vml" xmlns:p="http://schemas.openxmlformats.org/presentationml/2006/main" xmlns:c="http://schemas.openxmlformats.org/drawingml/2006/chart" xmlns:dgm="http://schemas.openxmlformats.org/drawingml/2006/diagram" xmlns:o="urn:schemas-microsoft-com:office:office" xmlns:v="urn:schemas-microsoft-com:vml" xmlns:pvml="urn:schemas-microsoft-com:office:powerpoint" xmlns:com="http://schemas.openxmlformats.org/drawingml/2006/compatibility" xmlns:p14="http://schemas.microsoft.com/office/powerpoint/2010/main" xmlns:p15="http://schemas.microsoft.com/office/powerpoint/2012/main" xmlns:ahyp="http://schemas.microsoft.com/office/drawing/2018/hyperlinkcolor" matchingName="Title and two columns" type="twoColTx">
+<p:sldLayout xmlns:a="http://schemas.openxmlformats.org/drawingml/2006/main" xmlns:r="http://schemas.openxmlformats.org/officeDocument/2006/relationships" xmlns:p="http://schemas.openxmlformats.org/presentationml/2006/main" matchingName="Title and two columns" type="twoColTx">
   <p:cSld name="TITLE_AND_TWO_COLUMNS">
     <p:spTree>
       <p:nvGrpSpPr>
-        <p:cNvPr id="20" name="Shape 20"/>
+        <p:cNvPr id="1" name="Shape 20"/>
         <p:cNvGrpSpPr/>
         <p:nvPr/>
       </p:nvGrpSpPr>
@@ -3422,7 +3541,9 @@
       <p:sp>
         <p:nvSpPr>
           <p:cNvPr id="21" name="Google Shape;21;p5"/>
-          <p:cNvSpPr txBox="1"/>
+          <p:cNvSpPr txBox="1">
+            <a:spLocks noGrp="1"/>
+          </p:cNvSpPr>
           <p:nvPr>
             <p:ph type="title"/>
           </p:nvPr>
@@ -3437,7 +3558,7 @@
           </a:prstGeom>
         </p:spPr>
         <p:txBody>
-          <a:bodyPr anchorCtr="0" anchor="t" bIns="91425" lIns="91425" spcFirstLastPara="1" rIns="91425" wrap="square" tIns="91425">
+          <a:bodyPr spcFirstLastPara="1" wrap="square" lIns="91425" tIns="91425" rIns="91425" bIns="91425" anchor="t" anchorCtr="0">
             <a:normAutofit/>
           </a:bodyPr>
           <a:lstStyle>
@@ -3541,15 +3662,19 @@
               <a:defRPr/>
             </a:lvl9pPr>
           </a:lstStyle>
-          <a:p/>
+          <a:p>
+            <a:endParaRPr/>
+          </a:p>
         </p:txBody>
       </p:sp>
       <p:sp>
         <p:nvSpPr>
           <p:cNvPr id="22" name="Google Shape;22;p5"/>
-          <p:cNvSpPr txBox="1"/>
+          <p:cNvSpPr txBox="1">
+            <a:spLocks noGrp="1"/>
+          </p:cNvSpPr>
           <p:nvPr>
-            <p:ph idx="1" type="body"/>
+            <p:ph type="body" idx="1"/>
           </p:nvPr>
         </p:nvSpPr>
         <p:spPr>
@@ -3562,11 +3687,11 @@
           </a:prstGeom>
         </p:spPr>
         <p:txBody>
-          <a:bodyPr anchorCtr="0" anchor="t" bIns="91425" lIns="91425" spcFirstLastPara="1" rIns="91425" wrap="square" tIns="91425">
+          <a:bodyPr spcFirstLastPara="1" wrap="square" lIns="91425" tIns="91425" rIns="91425" bIns="91425" anchor="t" anchorCtr="0">
             <a:normAutofit/>
           </a:bodyPr>
           <a:lstStyle>
-            <a:lvl1pPr indent="-317500" lvl="0" marL="457200">
+            <a:lvl1pPr marL="457200" lvl="0" indent="-317500">
               <a:spcBef>
                 <a:spcPts val="0"/>
               </a:spcBef>
@@ -3577,7 +3702,7 @@
               <a:buChar char="●"/>
               <a:defRPr sz="1400"/>
             </a:lvl1pPr>
-            <a:lvl2pPr indent="-304800" lvl="1" marL="914400">
+            <a:lvl2pPr marL="914400" lvl="1" indent="-304800">
               <a:spcBef>
                 <a:spcPts val="0"/>
               </a:spcBef>
@@ -3588,7 +3713,7 @@
               <a:buChar char="○"/>
               <a:defRPr sz="1200"/>
             </a:lvl2pPr>
-            <a:lvl3pPr indent="-304800" lvl="2" marL="1371600">
+            <a:lvl3pPr marL="1371600" lvl="2" indent="-304800">
               <a:spcBef>
                 <a:spcPts val="0"/>
               </a:spcBef>
@@ -3599,7 +3724,7 @@
               <a:buChar char="■"/>
               <a:defRPr sz="1200"/>
             </a:lvl3pPr>
-            <a:lvl4pPr indent="-304800" lvl="3" marL="1828800">
+            <a:lvl4pPr marL="1828800" lvl="3" indent="-304800">
               <a:spcBef>
                 <a:spcPts val="0"/>
               </a:spcBef>
@@ -3610,7 +3735,7 @@
               <a:buChar char="●"/>
               <a:defRPr sz="1200"/>
             </a:lvl4pPr>
-            <a:lvl5pPr indent="-304800" lvl="4" marL="2286000">
+            <a:lvl5pPr marL="2286000" lvl="4" indent="-304800">
               <a:spcBef>
                 <a:spcPts val="0"/>
               </a:spcBef>
@@ -3621,7 +3746,7 @@
               <a:buChar char="○"/>
               <a:defRPr sz="1200"/>
             </a:lvl5pPr>
-            <a:lvl6pPr indent="-304800" lvl="5" marL="2743200">
+            <a:lvl6pPr marL="2743200" lvl="5" indent="-304800">
               <a:spcBef>
                 <a:spcPts val="0"/>
               </a:spcBef>
@@ -3632,7 +3757,7 @@
               <a:buChar char="■"/>
               <a:defRPr sz="1200"/>
             </a:lvl6pPr>
-            <a:lvl7pPr indent="-304800" lvl="6" marL="3200400">
+            <a:lvl7pPr marL="3200400" lvl="6" indent="-304800">
               <a:spcBef>
                 <a:spcPts val="0"/>
               </a:spcBef>
@@ -3643,7 +3768,7 @@
               <a:buChar char="●"/>
               <a:defRPr sz="1200"/>
             </a:lvl7pPr>
-            <a:lvl8pPr indent="-304800" lvl="7" marL="3657600">
+            <a:lvl8pPr marL="3657600" lvl="7" indent="-304800">
               <a:spcBef>
                 <a:spcPts val="0"/>
               </a:spcBef>
@@ -3654,7 +3779,7 @@
               <a:buChar char="○"/>
               <a:defRPr sz="1200"/>
             </a:lvl8pPr>
-            <a:lvl9pPr indent="-304800" lvl="8" marL="4114800">
+            <a:lvl9pPr marL="4114800" lvl="8" indent="-304800">
               <a:spcBef>
                 <a:spcPts val="0"/>
               </a:spcBef>
@@ -3666,15 +3791,19 @@
               <a:defRPr sz="1200"/>
             </a:lvl9pPr>
           </a:lstStyle>
-          <a:p/>
+          <a:p>
+            <a:endParaRPr/>
+          </a:p>
         </p:txBody>
       </p:sp>
       <p:sp>
         <p:nvSpPr>
           <p:cNvPr id="23" name="Google Shape;23;p5"/>
-          <p:cNvSpPr txBox="1"/>
+          <p:cNvSpPr txBox="1">
+            <a:spLocks noGrp="1"/>
+          </p:cNvSpPr>
           <p:nvPr>
-            <p:ph idx="2" type="body"/>
+            <p:ph type="body" idx="2"/>
           </p:nvPr>
         </p:nvSpPr>
         <p:spPr>
@@ -3687,11 +3816,11 @@
           </a:prstGeom>
         </p:spPr>
         <p:txBody>
-          <a:bodyPr anchorCtr="0" anchor="t" bIns="91425" lIns="91425" spcFirstLastPara="1" rIns="91425" wrap="square" tIns="91425">
+          <a:bodyPr spcFirstLastPara="1" wrap="square" lIns="91425" tIns="91425" rIns="91425" bIns="91425" anchor="t" anchorCtr="0">
             <a:normAutofit/>
           </a:bodyPr>
           <a:lstStyle>
-            <a:lvl1pPr indent="-317500" lvl="0" marL="457200">
+            <a:lvl1pPr marL="457200" lvl="0" indent="-317500">
               <a:spcBef>
                 <a:spcPts val="0"/>
               </a:spcBef>
@@ -3702,7 +3831,7 @@
               <a:buChar char="●"/>
               <a:defRPr sz="1400"/>
             </a:lvl1pPr>
-            <a:lvl2pPr indent="-304800" lvl="1" marL="914400">
+            <a:lvl2pPr marL="914400" lvl="1" indent="-304800">
               <a:spcBef>
                 <a:spcPts val="0"/>
               </a:spcBef>
@@ -3713,7 +3842,7 @@
               <a:buChar char="○"/>
               <a:defRPr sz="1200"/>
             </a:lvl2pPr>
-            <a:lvl3pPr indent="-304800" lvl="2" marL="1371600">
+            <a:lvl3pPr marL="1371600" lvl="2" indent="-304800">
               <a:spcBef>
                 <a:spcPts val="0"/>
               </a:spcBef>
@@ -3724,7 +3853,7 @@
               <a:buChar char="■"/>
               <a:defRPr sz="1200"/>
             </a:lvl3pPr>
-            <a:lvl4pPr indent="-304800" lvl="3" marL="1828800">
+            <a:lvl4pPr marL="1828800" lvl="3" indent="-304800">
               <a:spcBef>
                 <a:spcPts val="0"/>
               </a:spcBef>
@@ -3735,7 +3864,7 @@
               <a:buChar char="●"/>
               <a:defRPr sz="1200"/>
             </a:lvl4pPr>
-            <a:lvl5pPr indent="-304800" lvl="4" marL="2286000">
+            <a:lvl5pPr marL="2286000" lvl="4" indent="-304800">
               <a:spcBef>
                 <a:spcPts val="0"/>
               </a:spcBef>
@@ -3746,7 +3875,7 @@
               <a:buChar char="○"/>
               <a:defRPr sz="1200"/>
             </a:lvl5pPr>
-            <a:lvl6pPr indent="-304800" lvl="5" marL="2743200">
+            <a:lvl6pPr marL="2743200" lvl="5" indent="-304800">
               <a:spcBef>
                 <a:spcPts val="0"/>
               </a:spcBef>
@@ -3757,7 +3886,7 @@
               <a:buChar char="■"/>
               <a:defRPr sz="1200"/>
             </a:lvl6pPr>
-            <a:lvl7pPr indent="-304800" lvl="6" marL="3200400">
+            <a:lvl7pPr marL="3200400" lvl="6" indent="-304800">
               <a:spcBef>
                 <a:spcPts val="0"/>
               </a:spcBef>
@@ -3768,7 +3897,7 @@
               <a:buChar char="●"/>
               <a:defRPr sz="1200"/>
             </a:lvl7pPr>
-            <a:lvl8pPr indent="-304800" lvl="7" marL="3657600">
+            <a:lvl8pPr marL="3657600" lvl="7" indent="-304800">
               <a:spcBef>
                 <a:spcPts val="0"/>
               </a:spcBef>
@@ -3779,7 +3908,7 @@
               <a:buChar char="○"/>
               <a:defRPr sz="1200"/>
             </a:lvl8pPr>
-            <a:lvl9pPr indent="-304800" lvl="8" marL="4114800">
+            <a:lvl9pPr marL="4114800" lvl="8" indent="-304800">
               <a:spcBef>
                 <a:spcPts val="0"/>
               </a:spcBef>
@@ -3791,15 +3920,19 @@
               <a:defRPr sz="1200"/>
             </a:lvl9pPr>
           </a:lstStyle>
-          <a:p/>
+          <a:p>
+            <a:endParaRPr/>
+          </a:p>
         </p:txBody>
       </p:sp>
       <p:sp>
         <p:nvSpPr>
           <p:cNvPr id="24" name="Google Shape;24;p5"/>
-          <p:cNvSpPr txBox="1"/>
+          <p:cNvSpPr txBox="1">
+            <a:spLocks noGrp="1"/>
+          </p:cNvSpPr>
           <p:nvPr>
-            <p:ph idx="12" type="sldNum"/>
+            <p:ph type="sldNum" idx="12"/>
           </p:nvPr>
         </p:nvSpPr>
         <p:spPr>
@@ -3812,7 +3945,7 @@
           </a:prstGeom>
         </p:spPr>
         <p:txBody>
-          <a:bodyPr anchorCtr="0" anchor="ctr" bIns="91425" lIns="91425" spcFirstLastPara="1" rIns="91425" wrap="square" tIns="91425">
+          <a:bodyPr spcFirstLastPara="1" wrap="square" lIns="91425" tIns="91425" rIns="91425" bIns="91425" anchor="ctr" anchorCtr="0">
             <a:normAutofit/>
           </a:bodyPr>
           <a:lstStyle>
@@ -3854,7 +3987,7 @@
             </a:lvl9pPr>
           </a:lstStyle>
           <a:p>
-            <a:pPr indent="0" lvl="0" marL="0" rtl="0" algn="r">
+            <a:pPr marL="0" lvl="0" indent="0" algn="r" rtl="0">
               <a:spcBef>
                 <a:spcPts val="0"/>
               </a:spcBef>
@@ -3880,11 +4013,11 @@
 </file>
 
 <file path=ppt/slideLayouts/slideLayout5.xml><?xml version="1.0" encoding="utf-8"?>
-<p:sldLayout xmlns:a="http://schemas.openxmlformats.org/drawingml/2006/main" xmlns:r="http://schemas.openxmlformats.org/officeDocument/2006/relationships" xmlns:mc="http://schemas.openxmlformats.org/markup-compatibility/2006" xmlns:mv="urn:schemas-microsoft-com:mac:vml" xmlns:p="http://schemas.openxmlformats.org/presentationml/2006/main" xmlns:c="http://schemas.openxmlformats.org/drawingml/2006/chart" xmlns:dgm="http://schemas.openxmlformats.org/drawingml/2006/diagram" xmlns:o="urn:schemas-microsoft-com:office:office" xmlns:v="urn:schemas-microsoft-com:vml" xmlns:pvml="urn:schemas-microsoft-com:office:powerpoint" xmlns:com="http://schemas.openxmlformats.org/drawingml/2006/compatibility" xmlns:p14="http://schemas.microsoft.com/office/powerpoint/2010/main" xmlns:p15="http://schemas.microsoft.com/office/powerpoint/2012/main" xmlns:ahyp="http://schemas.microsoft.com/office/drawing/2018/hyperlinkcolor" matchingName="Title only" type="titleOnly">
+<p:sldLayout xmlns:a="http://schemas.openxmlformats.org/drawingml/2006/main" xmlns:r="http://schemas.openxmlformats.org/officeDocument/2006/relationships" xmlns:p="http://schemas.openxmlformats.org/presentationml/2006/main" matchingName="Title only" type="titleOnly">
   <p:cSld name="TITLE_ONLY">
     <p:spTree>
       <p:nvGrpSpPr>
-        <p:cNvPr id="25" name="Shape 25"/>
+        <p:cNvPr id="1" name="Shape 25"/>
         <p:cNvGrpSpPr/>
         <p:nvPr/>
       </p:nvGrpSpPr>
@@ -3899,7 +4032,9 @@
       <p:sp>
         <p:nvSpPr>
           <p:cNvPr id="26" name="Google Shape;26;p6"/>
-          <p:cNvSpPr txBox="1"/>
+          <p:cNvSpPr txBox="1">
+            <a:spLocks noGrp="1"/>
+          </p:cNvSpPr>
           <p:nvPr>
             <p:ph type="title"/>
           </p:nvPr>
@@ -3914,7 +4049,7 @@
           </a:prstGeom>
         </p:spPr>
         <p:txBody>
-          <a:bodyPr anchorCtr="0" anchor="t" bIns="91425" lIns="91425" spcFirstLastPara="1" rIns="91425" wrap="square" tIns="91425">
+          <a:bodyPr spcFirstLastPara="1" wrap="square" lIns="91425" tIns="91425" rIns="91425" bIns="91425" anchor="t" anchorCtr="0">
             <a:normAutofit/>
           </a:bodyPr>
           <a:lstStyle>
@@ -4018,15 +4153,19 @@
               <a:defRPr/>
             </a:lvl9pPr>
           </a:lstStyle>
-          <a:p/>
+          <a:p>
+            <a:endParaRPr/>
+          </a:p>
         </p:txBody>
       </p:sp>
       <p:sp>
         <p:nvSpPr>
           <p:cNvPr id="27" name="Google Shape;27;p6"/>
-          <p:cNvSpPr txBox="1"/>
+          <p:cNvSpPr txBox="1">
+            <a:spLocks noGrp="1"/>
+          </p:cNvSpPr>
           <p:nvPr>
-            <p:ph idx="12" type="sldNum"/>
+            <p:ph type="sldNum" idx="12"/>
           </p:nvPr>
         </p:nvSpPr>
         <p:spPr>
@@ -4039,7 +4178,7 @@
           </a:prstGeom>
         </p:spPr>
         <p:txBody>
-          <a:bodyPr anchorCtr="0" anchor="ctr" bIns="91425" lIns="91425" spcFirstLastPara="1" rIns="91425" wrap="square" tIns="91425">
+          <a:bodyPr spcFirstLastPara="1" wrap="square" lIns="91425" tIns="91425" rIns="91425" bIns="91425" anchor="ctr" anchorCtr="0">
             <a:normAutofit/>
           </a:bodyPr>
           <a:lstStyle>
@@ -4081,7 +4220,7 @@
             </a:lvl9pPr>
           </a:lstStyle>
           <a:p>
-            <a:pPr indent="0" lvl="0" marL="0" rtl="0" algn="r">
+            <a:pPr marL="0" lvl="0" indent="0" algn="r" rtl="0">
               <a:spcBef>
                 <a:spcPts val="0"/>
               </a:spcBef>
@@ -4107,11 +4246,11 @@
 </file>
 
 <file path=ppt/slideLayouts/slideLayout6.xml><?xml version="1.0" encoding="utf-8"?>
-<p:sldLayout xmlns:a="http://schemas.openxmlformats.org/drawingml/2006/main" xmlns:r="http://schemas.openxmlformats.org/officeDocument/2006/relationships" xmlns:mc="http://schemas.openxmlformats.org/markup-compatibility/2006" xmlns:mv="urn:schemas-microsoft-com:mac:vml" xmlns:p="http://schemas.openxmlformats.org/presentationml/2006/main" xmlns:c="http://schemas.openxmlformats.org/drawingml/2006/chart" xmlns:dgm="http://schemas.openxmlformats.org/drawingml/2006/diagram" xmlns:o="urn:schemas-microsoft-com:office:office" xmlns:v="urn:schemas-microsoft-com:vml" xmlns:pvml="urn:schemas-microsoft-com:office:powerpoint" xmlns:com="http://schemas.openxmlformats.org/drawingml/2006/compatibility" xmlns:p14="http://schemas.microsoft.com/office/powerpoint/2010/main" xmlns:p15="http://schemas.microsoft.com/office/powerpoint/2012/main" xmlns:ahyp="http://schemas.microsoft.com/office/drawing/2018/hyperlinkcolor" matchingName="One column text">
+<p:sldLayout xmlns:a="http://schemas.openxmlformats.org/drawingml/2006/main" xmlns:r="http://schemas.openxmlformats.org/officeDocument/2006/relationships" xmlns:p="http://schemas.openxmlformats.org/presentationml/2006/main" matchingName="One column text">
   <p:cSld name="ONE_COLUMN_TEXT">
     <p:spTree>
       <p:nvGrpSpPr>
-        <p:cNvPr id="28" name="Shape 28"/>
+        <p:cNvPr id="1" name="Shape 28"/>
         <p:cNvGrpSpPr/>
         <p:nvPr/>
       </p:nvGrpSpPr>
@@ -4126,7 +4265,9 @@
       <p:sp>
         <p:nvSpPr>
           <p:cNvPr id="29" name="Google Shape;29;p7"/>
-          <p:cNvSpPr txBox="1"/>
+          <p:cNvSpPr txBox="1">
+            <a:spLocks noGrp="1"/>
+          </p:cNvSpPr>
           <p:nvPr>
             <p:ph type="title"/>
           </p:nvPr>
@@ -4141,7 +4282,7 @@
           </a:prstGeom>
         </p:spPr>
         <p:txBody>
-          <a:bodyPr anchorCtr="0" anchor="b" bIns="91425" lIns="91425" spcFirstLastPara="1" rIns="91425" wrap="square" tIns="91425">
+          <a:bodyPr spcFirstLastPara="1" wrap="square" lIns="91425" tIns="91425" rIns="91425" bIns="91425" anchor="b" anchorCtr="0">
             <a:normAutofit/>
           </a:bodyPr>
           <a:lstStyle>
@@ -4245,15 +4386,19 @@
               <a:defRPr sz="2400"/>
             </a:lvl9pPr>
           </a:lstStyle>
-          <a:p/>
+          <a:p>
+            <a:endParaRPr/>
+          </a:p>
         </p:txBody>
       </p:sp>
       <p:sp>
         <p:nvSpPr>
           <p:cNvPr id="30" name="Google Shape;30;p7"/>
-          <p:cNvSpPr txBox="1"/>
+          <p:cNvSpPr txBox="1">
+            <a:spLocks noGrp="1"/>
+          </p:cNvSpPr>
           <p:nvPr>
-            <p:ph idx="1" type="body"/>
+            <p:ph type="body" idx="1"/>
           </p:nvPr>
         </p:nvSpPr>
         <p:spPr>
@@ -4266,11 +4411,11 @@
           </a:prstGeom>
         </p:spPr>
         <p:txBody>
-          <a:bodyPr anchorCtr="0" anchor="t" bIns="91425" lIns="91425" spcFirstLastPara="1" rIns="91425" wrap="square" tIns="91425">
+          <a:bodyPr spcFirstLastPara="1" wrap="square" lIns="91425" tIns="91425" rIns="91425" bIns="91425" anchor="t" anchorCtr="0">
             <a:normAutofit/>
           </a:bodyPr>
           <a:lstStyle>
-            <a:lvl1pPr indent="-304800" lvl="0" marL="457200">
+            <a:lvl1pPr marL="457200" lvl="0" indent="-304800">
               <a:spcBef>
                 <a:spcPts val="0"/>
               </a:spcBef>
@@ -4281,7 +4426,7 @@
               <a:buChar char="●"/>
               <a:defRPr sz="1200"/>
             </a:lvl1pPr>
-            <a:lvl2pPr indent="-304800" lvl="1" marL="914400">
+            <a:lvl2pPr marL="914400" lvl="1" indent="-304800">
               <a:spcBef>
                 <a:spcPts val="0"/>
               </a:spcBef>
@@ -4292,7 +4437,7 @@
               <a:buChar char="○"/>
               <a:defRPr sz="1200"/>
             </a:lvl2pPr>
-            <a:lvl3pPr indent="-304800" lvl="2" marL="1371600">
+            <a:lvl3pPr marL="1371600" lvl="2" indent="-304800">
               <a:spcBef>
                 <a:spcPts val="0"/>
               </a:spcBef>
@@ -4303,7 +4448,7 @@
               <a:buChar char="■"/>
               <a:defRPr sz="1200"/>
             </a:lvl3pPr>
-            <a:lvl4pPr indent="-304800" lvl="3" marL="1828800">
+            <a:lvl4pPr marL="1828800" lvl="3" indent="-304800">
               <a:spcBef>
                 <a:spcPts val="0"/>
               </a:spcBef>
@@ -4314,7 +4459,7 @@
               <a:buChar char="●"/>
               <a:defRPr sz="1200"/>
             </a:lvl4pPr>
-            <a:lvl5pPr indent="-304800" lvl="4" marL="2286000">
+            <a:lvl5pPr marL="2286000" lvl="4" indent="-304800">
               <a:spcBef>
                 <a:spcPts val="0"/>
               </a:spcBef>
@@ -4325,7 +4470,7 @@
               <a:buChar char="○"/>
               <a:defRPr sz="1200"/>
             </a:lvl5pPr>
-            <a:lvl6pPr indent="-304800" lvl="5" marL="2743200">
+            <a:lvl6pPr marL="2743200" lvl="5" indent="-304800">
               <a:spcBef>
                 <a:spcPts val="0"/>
               </a:spcBef>
@@ -4336,7 +4481,7 @@
               <a:buChar char="■"/>
               <a:defRPr sz="1200"/>
             </a:lvl6pPr>
-            <a:lvl7pPr indent="-304800" lvl="6" marL="3200400">
+            <a:lvl7pPr marL="3200400" lvl="6" indent="-304800">
               <a:spcBef>
                 <a:spcPts val="0"/>
               </a:spcBef>
@@ -4347,7 +4492,7 @@
               <a:buChar char="●"/>
               <a:defRPr sz="1200"/>
             </a:lvl7pPr>
-            <a:lvl8pPr indent="-304800" lvl="7" marL="3657600">
+            <a:lvl8pPr marL="3657600" lvl="7" indent="-304800">
               <a:spcBef>
                 <a:spcPts val="0"/>
               </a:spcBef>
@@ -4358,7 +4503,7 @@
               <a:buChar char="○"/>
               <a:defRPr sz="1200"/>
             </a:lvl8pPr>
-            <a:lvl9pPr indent="-304800" lvl="8" marL="4114800">
+            <a:lvl9pPr marL="4114800" lvl="8" indent="-304800">
               <a:spcBef>
                 <a:spcPts val="0"/>
               </a:spcBef>
@@ -4370,15 +4515,19 @@
               <a:defRPr sz="1200"/>
             </a:lvl9pPr>
           </a:lstStyle>
-          <a:p/>
+          <a:p>
+            <a:endParaRPr/>
+          </a:p>
         </p:txBody>
       </p:sp>
       <p:sp>
         <p:nvSpPr>
           <p:cNvPr id="31" name="Google Shape;31;p7"/>
-          <p:cNvSpPr txBox="1"/>
+          <p:cNvSpPr txBox="1">
+            <a:spLocks noGrp="1"/>
+          </p:cNvSpPr>
           <p:nvPr>
-            <p:ph idx="12" type="sldNum"/>
+            <p:ph type="sldNum" idx="12"/>
           </p:nvPr>
         </p:nvSpPr>
         <p:spPr>
@@ -4391,7 +4540,7 @@
           </a:prstGeom>
         </p:spPr>
         <p:txBody>
-          <a:bodyPr anchorCtr="0" anchor="ctr" bIns="91425" lIns="91425" spcFirstLastPara="1" rIns="91425" wrap="square" tIns="91425">
+          <a:bodyPr spcFirstLastPara="1" wrap="square" lIns="91425" tIns="91425" rIns="91425" bIns="91425" anchor="ctr" anchorCtr="0">
             <a:normAutofit/>
           </a:bodyPr>
           <a:lstStyle>
@@ -4433,7 +4582,7 @@
             </a:lvl9pPr>
           </a:lstStyle>
           <a:p>
-            <a:pPr indent="0" lvl="0" marL="0" rtl="0" algn="r">
+            <a:pPr marL="0" lvl="0" indent="0" algn="r" rtl="0">
               <a:spcBef>
                 <a:spcPts val="0"/>
               </a:spcBef>
@@ -4459,11 +4608,11 @@
 </file>
 
 <file path=ppt/slideLayouts/slideLayout7.xml><?xml version="1.0" encoding="utf-8"?>
-<p:sldLayout xmlns:a="http://schemas.openxmlformats.org/drawingml/2006/main" xmlns:r="http://schemas.openxmlformats.org/officeDocument/2006/relationships" xmlns:mc="http://schemas.openxmlformats.org/markup-compatibility/2006" xmlns:mv="urn:schemas-microsoft-com:mac:vml" xmlns:p="http://schemas.openxmlformats.org/presentationml/2006/main" xmlns:c="http://schemas.openxmlformats.org/drawingml/2006/chart" xmlns:dgm="http://schemas.openxmlformats.org/drawingml/2006/diagram" xmlns:o="urn:schemas-microsoft-com:office:office" xmlns:v="urn:schemas-microsoft-com:vml" xmlns:pvml="urn:schemas-microsoft-com:office:powerpoint" xmlns:com="http://schemas.openxmlformats.org/drawingml/2006/compatibility" xmlns:p14="http://schemas.microsoft.com/office/powerpoint/2010/main" xmlns:p15="http://schemas.microsoft.com/office/powerpoint/2012/main" xmlns:ahyp="http://schemas.microsoft.com/office/drawing/2018/hyperlinkcolor" matchingName="Main point">
+<p:sldLayout xmlns:a="http://schemas.openxmlformats.org/drawingml/2006/main" xmlns:r="http://schemas.openxmlformats.org/officeDocument/2006/relationships" xmlns:p="http://schemas.openxmlformats.org/presentationml/2006/main" matchingName="Main point">
   <p:cSld name="MAIN_POINT">
     <p:spTree>
       <p:nvGrpSpPr>
-        <p:cNvPr id="32" name="Shape 32"/>
+        <p:cNvPr id="1" name="Shape 32"/>
         <p:cNvGrpSpPr/>
         <p:nvPr/>
       </p:nvGrpSpPr>
@@ -4478,7 +4627,9 @@
       <p:sp>
         <p:nvSpPr>
           <p:cNvPr id="33" name="Google Shape;33;p8"/>
-          <p:cNvSpPr txBox="1"/>
+          <p:cNvSpPr txBox="1">
+            <a:spLocks noGrp="1"/>
+          </p:cNvSpPr>
           <p:nvPr>
             <p:ph type="title"/>
           </p:nvPr>
@@ -4493,7 +4644,7 @@
           </a:prstGeom>
         </p:spPr>
         <p:txBody>
-          <a:bodyPr anchorCtr="0" anchor="ctr" bIns="91425" lIns="91425" spcFirstLastPara="1" rIns="91425" wrap="square" tIns="91425">
+          <a:bodyPr spcFirstLastPara="1" wrap="square" lIns="91425" tIns="91425" rIns="91425" bIns="91425" anchor="ctr" anchorCtr="0">
             <a:normAutofit/>
           </a:bodyPr>
           <a:lstStyle>
@@ -4597,15 +4748,19 @@
               <a:defRPr sz="4800"/>
             </a:lvl9pPr>
           </a:lstStyle>
-          <a:p/>
+          <a:p>
+            <a:endParaRPr/>
+          </a:p>
         </p:txBody>
       </p:sp>
       <p:sp>
         <p:nvSpPr>
           <p:cNvPr id="34" name="Google Shape;34;p8"/>
-          <p:cNvSpPr txBox="1"/>
+          <p:cNvSpPr txBox="1">
+            <a:spLocks noGrp="1"/>
+          </p:cNvSpPr>
           <p:nvPr>
-            <p:ph idx="12" type="sldNum"/>
+            <p:ph type="sldNum" idx="12"/>
           </p:nvPr>
         </p:nvSpPr>
         <p:spPr>
@@ -4618,7 +4773,7 @@
           </a:prstGeom>
         </p:spPr>
         <p:txBody>
-          <a:bodyPr anchorCtr="0" anchor="ctr" bIns="91425" lIns="91425" spcFirstLastPara="1" rIns="91425" wrap="square" tIns="91425">
+          <a:bodyPr spcFirstLastPara="1" wrap="square" lIns="91425" tIns="91425" rIns="91425" bIns="91425" anchor="ctr" anchorCtr="0">
             <a:normAutofit/>
           </a:bodyPr>
           <a:lstStyle>
@@ -4660,7 +4815,7 @@
             </a:lvl9pPr>
           </a:lstStyle>
           <a:p>
-            <a:pPr indent="0" lvl="0" marL="0" rtl="0" algn="r">
+            <a:pPr marL="0" lvl="0" indent="0" algn="r" rtl="0">
               <a:spcBef>
                 <a:spcPts val="0"/>
               </a:spcBef>
@@ -4686,11 +4841,11 @@
 </file>
 
 <file path=ppt/slideLayouts/slideLayout8.xml><?xml version="1.0" encoding="utf-8"?>
-<p:sldLayout xmlns:a="http://schemas.openxmlformats.org/drawingml/2006/main" xmlns:r="http://schemas.openxmlformats.org/officeDocument/2006/relationships" xmlns:mc="http://schemas.openxmlformats.org/markup-compatibility/2006" xmlns:mv="urn:schemas-microsoft-com:mac:vml" xmlns:p="http://schemas.openxmlformats.org/presentationml/2006/main" xmlns:c="http://schemas.openxmlformats.org/drawingml/2006/chart" xmlns:dgm="http://schemas.openxmlformats.org/drawingml/2006/diagram" xmlns:o="urn:schemas-microsoft-com:office:office" xmlns:v="urn:schemas-microsoft-com:vml" xmlns:pvml="urn:schemas-microsoft-com:office:powerpoint" xmlns:com="http://schemas.openxmlformats.org/drawingml/2006/compatibility" xmlns:p14="http://schemas.microsoft.com/office/powerpoint/2010/main" xmlns:p15="http://schemas.microsoft.com/office/powerpoint/2012/main" xmlns:ahyp="http://schemas.microsoft.com/office/drawing/2018/hyperlinkcolor" matchingName="Section title and description">
+<p:sldLayout xmlns:a="http://schemas.openxmlformats.org/drawingml/2006/main" xmlns:r="http://schemas.openxmlformats.org/officeDocument/2006/relationships" xmlns:p="http://schemas.openxmlformats.org/presentationml/2006/main" matchingName="Section title and description">
   <p:cSld name="SECTION_TITLE_AND_DESCRIPTION">
     <p:spTree>
       <p:nvGrpSpPr>
-        <p:cNvPr id="35" name="Shape 35"/>
+        <p:cNvPr id="1" name="Shape 35"/>
         <p:cNvGrpSpPr/>
         <p:nvPr/>
       </p:nvGrpSpPr>
@@ -4724,23 +4879,20 @@
           </a:ln>
         </p:spPr>
         <p:txBody>
-          <a:bodyPr anchorCtr="0" anchor="ctr" bIns="91425" lIns="91425" spcFirstLastPara="1" rIns="91425" wrap="square" tIns="91425">
+          <a:bodyPr spcFirstLastPara="1" wrap="square" lIns="91425" tIns="91425" rIns="91425" bIns="91425" anchor="ctr" anchorCtr="0">
             <a:noAutofit/>
           </a:bodyPr>
           <a:lstStyle/>
           <a:p>
-            <a:pPr indent="0" lvl="0" marL="0" rtl="0" algn="l">
-              <a:spcBef>
-                <a:spcPts val="0"/>
-              </a:spcBef>
-              <a:spcAft>
-                <a:spcPts val="0"/>
-              </a:spcAft>
-              <a:buNone/>
-            </a:pPr>
-            <a:r>
-              <a:t/>
-            </a:r>
+            <a:pPr marL="0" lvl="0" indent="0" algn="l" rtl="0">
+              <a:spcBef>
+                <a:spcPts val="0"/>
+              </a:spcBef>
+              <a:spcAft>
+                <a:spcPts val="0"/>
+              </a:spcAft>
+              <a:buNone/>
+            </a:pPr>
             <a:endParaRPr/>
           </a:p>
         </p:txBody>
@@ -4748,7 +4900,9 @@
       <p:sp>
         <p:nvSpPr>
           <p:cNvPr id="37" name="Google Shape;37;p9"/>
-          <p:cNvSpPr txBox="1"/>
+          <p:cNvSpPr txBox="1">
+            <a:spLocks noGrp="1"/>
+          </p:cNvSpPr>
           <p:nvPr>
             <p:ph type="title"/>
           </p:nvPr>
@@ -4763,7 +4917,7 @@
           </a:prstGeom>
         </p:spPr>
         <p:txBody>
-          <a:bodyPr anchorCtr="0" anchor="b" bIns="91425" lIns="91425" spcFirstLastPara="1" rIns="91425" wrap="square" tIns="91425">
+          <a:bodyPr spcFirstLastPara="1" wrap="square" lIns="91425" tIns="91425" rIns="91425" bIns="91425" anchor="b" anchorCtr="0">
             <a:normAutofit/>
           </a:bodyPr>
           <a:lstStyle>
@@ -4867,15 +5021,19 @@
               <a:defRPr sz="4200"/>
             </a:lvl9pPr>
           </a:lstStyle>
-          <a:p/>
+          <a:p>
+            <a:endParaRPr/>
+          </a:p>
         </p:txBody>
       </p:sp>
       <p:sp>
         <p:nvSpPr>
           <p:cNvPr id="38" name="Google Shape;38;p9"/>
-          <p:cNvSpPr txBox="1"/>
+          <p:cNvSpPr txBox="1">
+            <a:spLocks noGrp="1"/>
+          </p:cNvSpPr>
           <p:nvPr>
-            <p:ph idx="1" type="subTitle"/>
+            <p:ph type="subTitle" idx="1"/>
           </p:nvPr>
         </p:nvSpPr>
         <p:spPr>
@@ -4888,7 +5046,7 @@
           </a:prstGeom>
         </p:spPr>
         <p:txBody>
-          <a:bodyPr anchorCtr="0" anchor="t" bIns="91425" lIns="91425" spcFirstLastPara="1" rIns="91425" wrap="square" tIns="91425">
+          <a:bodyPr spcFirstLastPara="1" wrap="square" lIns="91425" tIns="91425" rIns="91425" bIns="91425" anchor="t" anchorCtr="0">
             <a:normAutofit/>
           </a:bodyPr>
           <a:lstStyle>
@@ -5019,15 +5177,19 @@
               <a:defRPr sz="2100"/>
             </a:lvl9pPr>
           </a:lstStyle>
-          <a:p/>
+          <a:p>
+            <a:endParaRPr/>
+          </a:p>
         </p:txBody>
       </p:sp>
       <p:sp>
         <p:nvSpPr>
           <p:cNvPr id="39" name="Google Shape;39;p9"/>
-          <p:cNvSpPr txBox="1"/>
+          <p:cNvSpPr txBox="1">
+            <a:spLocks noGrp="1"/>
+          </p:cNvSpPr>
           <p:nvPr>
-            <p:ph idx="2" type="body"/>
+            <p:ph type="body" idx="2"/>
           </p:nvPr>
         </p:nvSpPr>
         <p:spPr>
@@ -5040,11 +5202,11 @@
           </a:prstGeom>
         </p:spPr>
         <p:txBody>
-          <a:bodyPr anchorCtr="0" anchor="ctr" bIns="91425" lIns="91425" spcFirstLastPara="1" rIns="91425" wrap="square" tIns="91425">
+          <a:bodyPr spcFirstLastPara="1" wrap="square" lIns="91425" tIns="91425" rIns="91425" bIns="91425" anchor="ctr" anchorCtr="0">
             <a:normAutofit/>
           </a:bodyPr>
           <a:lstStyle>
-            <a:lvl1pPr indent="-342900" lvl="0" marL="457200">
+            <a:lvl1pPr marL="457200" lvl="0" indent="-342900">
               <a:spcBef>
                 <a:spcPts val="0"/>
               </a:spcBef>
@@ -5055,7 +5217,7 @@
               <a:buChar char="●"/>
               <a:defRPr/>
             </a:lvl1pPr>
-            <a:lvl2pPr indent="-317500" lvl="1" marL="914400">
+            <a:lvl2pPr marL="914400" lvl="1" indent="-317500">
               <a:spcBef>
                 <a:spcPts val="0"/>
               </a:spcBef>
@@ -5066,7 +5228,7 @@
               <a:buChar char="○"/>
               <a:defRPr/>
             </a:lvl2pPr>
-            <a:lvl3pPr indent="-317500" lvl="2" marL="1371600">
+            <a:lvl3pPr marL="1371600" lvl="2" indent="-317500">
               <a:spcBef>
                 <a:spcPts val="0"/>
               </a:spcBef>
@@ -5077,7 +5239,7 @@
               <a:buChar char="■"/>
               <a:defRPr/>
             </a:lvl3pPr>
-            <a:lvl4pPr indent="-317500" lvl="3" marL="1828800">
+            <a:lvl4pPr marL="1828800" lvl="3" indent="-317500">
               <a:spcBef>
                 <a:spcPts val="0"/>
               </a:spcBef>
@@ -5088,7 +5250,7 @@
               <a:buChar char="●"/>
               <a:defRPr/>
             </a:lvl4pPr>
-            <a:lvl5pPr indent="-317500" lvl="4" marL="2286000">
+            <a:lvl5pPr marL="2286000" lvl="4" indent="-317500">
               <a:spcBef>
                 <a:spcPts val="0"/>
               </a:spcBef>
@@ -5099,7 +5261,7 @@
               <a:buChar char="○"/>
               <a:defRPr/>
             </a:lvl5pPr>
-            <a:lvl6pPr indent="-317500" lvl="5" marL="2743200">
+            <a:lvl6pPr marL="2743200" lvl="5" indent="-317500">
               <a:spcBef>
                 <a:spcPts val="0"/>
               </a:spcBef>
@@ -5110,7 +5272,7 @@
               <a:buChar char="■"/>
               <a:defRPr/>
             </a:lvl6pPr>
-            <a:lvl7pPr indent="-317500" lvl="6" marL="3200400">
+            <a:lvl7pPr marL="3200400" lvl="6" indent="-317500">
               <a:spcBef>
                 <a:spcPts val="0"/>
               </a:spcBef>
@@ -5121,7 +5283,7 @@
               <a:buChar char="●"/>
               <a:defRPr/>
             </a:lvl7pPr>
-            <a:lvl8pPr indent="-317500" lvl="7" marL="3657600">
+            <a:lvl8pPr marL="3657600" lvl="7" indent="-317500">
               <a:spcBef>
                 <a:spcPts val="0"/>
               </a:spcBef>
@@ -5132,7 +5294,7 @@
               <a:buChar char="○"/>
               <a:defRPr/>
             </a:lvl8pPr>
-            <a:lvl9pPr indent="-317500" lvl="8" marL="4114800">
+            <a:lvl9pPr marL="4114800" lvl="8" indent="-317500">
               <a:spcBef>
                 <a:spcPts val="0"/>
               </a:spcBef>
@@ -5144,15 +5306,19 @@
               <a:defRPr/>
             </a:lvl9pPr>
           </a:lstStyle>
-          <a:p/>
+          <a:p>
+            <a:endParaRPr/>
+          </a:p>
         </p:txBody>
       </p:sp>
       <p:sp>
         <p:nvSpPr>
           <p:cNvPr id="40" name="Google Shape;40;p9"/>
-          <p:cNvSpPr txBox="1"/>
+          <p:cNvSpPr txBox="1">
+            <a:spLocks noGrp="1"/>
+          </p:cNvSpPr>
           <p:nvPr>
-            <p:ph idx="12" type="sldNum"/>
+            <p:ph type="sldNum" idx="12"/>
           </p:nvPr>
         </p:nvSpPr>
         <p:spPr>
@@ -5165,7 +5331,7 @@
           </a:prstGeom>
         </p:spPr>
         <p:txBody>
-          <a:bodyPr anchorCtr="0" anchor="ctr" bIns="91425" lIns="91425" spcFirstLastPara="1" rIns="91425" wrap="square" tIns="91425">
+          <a:bodyPr spcFirstLastPara="1" wrap="square" lIns="91425" tIns="91425" rIns="91425" bIns="91425" anchor="ctr" anchorCtr="0">
             <a:normAutofit/>
           </a:bodyPr>
           <a:lstStyle>
@@ -5207,7 +5373,7 @@
             </a:lvl9pPr>
           </a:lstStyle>
           <a:p>
-            <a:pPr indent="0" lvl="0" marL="0" rtl="0" algn="r">
+            <a:pPr marL="0" lvl="0" indent="0" algn="r" rtl="0">
               <a:spcBef>
                 <a:spcPts val="0"/>
               </a:spcBef>
@@ -5233,11 +5399,11 @@
 </file>
 
 <file path=ppt/slideLayouts/slideLayout9.xml><?xml version="1.0" encoding="utf-8"?>
-<p:sldLayout xmlns:a="http://schemas.openxmlformats.org/drawingml/2006/main" xmlns:r="http://schemas.openxmlformats.org/officeDocument/2006/relationships" xmlns:mc="http://schemas.openxmlformats.org/markup-compatibility/2006" xmlns:mv="urn:schemas-microsoft-com:mac:vml" xmlns:p="http://schemas.openxmlformats.org/presentationml/2006/main" xmlns:c="http://schemas.openxmlformats.org/drawingml/2006/chart" xmlns:dgm="http://schemas.openxmlformats.org/drawingml/2006/diagram" xmlns:o="urn:schemas-microsoft-com:office:office" xmlns:v="urn:schemas-microsoft-com:vml" xmlns:pvml="urn:schemas-microsoft-com:office:powerpoint" xmlns:com="http://schemas.openxmlformats.org/drawingml/2006/compatibility" xmlns:p14="http://schemas.microsoft.com/office/powerpoint/2010/main" xmlns:p15="http://schemas.microsoft.com/office/powerpoint/2012/main" xmlns:ahyp="http://schemas.microsoft.com/office/drawing/2018/hyperlinkcolor" matchingName="Caption">
+<p:sldLayout xmlns:a="http://schemas.openxmlformats.org/drawingml/2006/main" xmlns:r="http://schemas.openxmlformats.org/officeDocument/2006/relationships" xmlns:p="http://schemas.openxmlformats.org/presentationml/2006/main" matchingName="Caption">
   <p:cSld name="CAPTION_ONLY">
     <p:spTree>
       <p:nvGrpSpPr>
-        <p:cNvPr id="41" name="Shape 41"/>
+        <p:cNvPr id="1" name="Shape 41"/>
         <p:cNvGrpSpPr/>
         <p:nvPr/>
       </p:nvGrpSpPr>
@@ -5252,9 +5418,11 @@
       <p:sp>
         <p:nvSpPr>
           <p:cNvPr id="42" name="Google Shape;42;p10"/>
-          <p:cNvSpPr txBox="1"/>
+          <p:cNvSpPr txBox="1">
+            <a:spLocks noGrp="1"/>
+          </p:cNvSpPr>
           <p:nvPr>
-            <p:ph idx="1" type="body"/>
+            <p:ph type="body" idx="1"/>
           </p:nvPr>
         </p:nvSpPr>
         <p:spPr>
@@ -5267,11 +5435,11 @@
           </a:prstGeom>
         </p:spPr>
         <p:txBody>
-          <a:bodyPr anchorCtr="0" anchor="ctr" bIns="91425" lIns="91425" spcFirstLastPara="1" rIns="91425" wrap="square" tIns="91425">
+          <a:bodyPr spcFirstLastPara="1" wrap="square" lIns="91425" tIns="91425" rIns="91425" bIns="91425" anchor="ctr" anchorCtr="0">
             <a:normAutofit/>
           </a:bodyPr>
           <a:lstStyle>
-            <a:lvl1pPr indent="-228600" lvl="0" marL="457200">
+            <a:lvl1pPr marL="457200" lvl="0" indent="-228600">
               <a:lnSpc>
                 <a:spcPct val="100000"/>
               </a:lnSpc>
@@ -5286,15 +5454,19 @@
               <a:defRPr/>
             </a:lvl1pPr>
           </a:lstStyle>
-          <a:p/>
+          <a:p>
+            <a:endParaRPr/>
+          </a:p>
         </p:txBody>
       </p:sp>
       <p:sp>
         <p:nvSpPr>
           <p:cNvPr id="43" name="Google Shape;43;p10"/>
-          <p:cNvSpPr txBox="1"/>
+          <p:cNvSpPr txBox="1">
+            <a:spLocks noGrp="1"/>
+          </p:cNvSpPr>
           <p:nvPr>
-            <p:ph idx="12" type="sldNum"/>
+            <p:ph type="sldNum" idx="12"/>
           </p:nvPr>
         </p:nvSpPr>
         <p:spPr>
@@ -5307,7 +5479,7 @@
           </a:prstGeom>
         </p:spPr>
         <p:txBody>
-          <a:bodyPr anchorCtr="0" anchor="ctr" bIns="91425" lIns="91425" spcFirstLastPara="1" rIns="91425" wrap="square" tIns="91425">
+          <a:bodyPr spcFirstLastPara="1" wrap="square" lIns="91425" tIns="91425" rIns="91425" bIns="91425" anchor="ctr" anchorCtr="0">
             <a:normAutofit/>
           </a:bodyPr>
           <a:lstStyle>
@@ -5349,7 +5521,7 @@
             </a:lvl9pPr>
           </a:lstStyle>
           <a:p>
-            <a:pPr indent="0" lvl="0" marL="0" rtl="0" algn="r">
+            <a:pPr marL="0" lvl="0" indent="0" algn="r" rtl="0">
               <a:spcBef>
                 <a:spcPts val="0"/>
               </a:spcBef>
@@ -5375,18 +5547,19 @@
 </file>
 
 <file path=ppt/slideMasters/slideMaster1.xml><?xml version="1.0" encoding="utf-8"?>
-<p:sldMaster xmlns:a="http://schemas.openxmlformats.org/drawingml/2006/main" xmlns:r="http://schemas.openxmlformats.org/officeDocument/2006/relationships" xmlns:mc="http://schemas.openxmlformats.org/markup-compatibility/2006" xmlns:mv="urn:schemas-microsoft-com:mac:vml" xmlns:p="http://schemas.openxmlformats.org/presentationml/2006/main" xmlns:c="http://schemas.openxmlformats.org/drawingml/2006/chart" xmlns:dgm="http://schemas.openxmlformats.org/drawingml/2006/diagram" xmlns:o="urn:schemas-microsoft-com:office:office" xmlns:v="urn:schemas-microsoft-com:vml" xmlns:pvml="urn:schemas-microsoft-com:office:powerpoint" xmlns:com="http://schemas.openxmlformats.org/drawingml/2006/compatibility" xmlns:p14="http://schemas.microsoft.com/office/powerpoint/2010/main" xmlns:p15="http://schemas.microsoft.com/office/powerpoint/2012/main" xmlns:ahyp="http://schemas.microsoft.com/office/drawing/2018/hyperlinkcolor">
+<p:sldMaster xmlns:a="http://schemas.openxmlformats.org/drawingml/2006/main" xmlns:r="http://schemas.openxmlformats.org/officeDocument/2006/relationships" xmlns:p="http://schemas.openxmlformats.org/presentationml/2006/main">
   <p:cSld name="simple-light-2">
     <p:bg>
       <p:bgPr>
         <a:solidFill>
           <a:schemeClr val="lt1"/>
         </a:solidFill>
+        <a:effectLst/>
       </p:bgPr>
     </p:bg>
     <p:spTree>
       <p:nvGrpSpPr>
-        <p:cNvPr id="5" name="Shape 5"/>
+        <p:cNvPr id="1" name="Shape 5"/>
         <p:cNvGrpSpPr/>
         <p:nvPr/>
       </p:nvGrpSpPr>
@@ -5401,7 +5574,9 @@
       <p:sp>
         <p:nvSpPr>
           <p:cNvPr id="6" name="Google Shape;6;p1"/>
-          <p:cNvSpPr txBox="1"/>
+          <p:cNvSpPr txBox="1">
+            <a:spLocks noGrp="1"/>
+          </p:cNvSpPr>
           <p:nvPr>
             <p:ph type="title"/>
           </p:nvPr>
@@ -5420,7 +5595,7 @@
           </a:ln>
         </p:spPr>
         <p:txBody>
-          <a:bodyPr anchorCtr="0" anchor="t" bIns="91425" lIns="91425" spcFirstLastPara="1" rIns="91425" wrap="square" tIns="91425">
+          <a:bodyPr spcFirstLastPara="1" wrap="square" lIns="91425" tIns="91425" rIns="91425" bIns="91425" anchor="t" anchorCtr="0">
             <a:normAutofit/>
           </a:bodyPr>
           <a:lstStyle>
@@ -5587,15 +5762,19 @@
               </a:defRPr>
             </a:lvl9pPr>
           </a:lstStyle>
-          <a:p/>
+          <a:p>
+            <a:endParaRPr/>
+          </a:p>
         </p:txBody>
       </p:sp>
       <p:sp>
         <p:nvSpPr>
           <p:cNvPr id="7" name="Google Shape;7;p1"/>
-          <p:cNvSpPr txBox="1"/>
+          <p:cNvSpPr txBox="1">
+            <a:spLocks noGrp="1"/>
+          </p:cNvSpPr>
           <p:nvPr>
-            <p:ph idx="1" type="body"/>
+            <p:ph type="body" idx="1"/>
           </p:nvPr>
         </p:nvSpPr>
         <p:spPr>
@@ -5612,11 +5791,11 @@
           </a:ln>
         </p:spPr>
         <p:txBody>
-          <a:bodyPr anchorCtr="0" anchor="t" bIns="91425" lIns="91425" spcFirstLastPara="1" rIns="91425" wrap="square" tIns="91425">
+          <a:bodyPr spcFirstLastPara="1" wrap="square" lIns="91425" tIns="91425" rIns="91425" bIns="91425" anchor="t" anchorCtr="0">
             <a:normAutofit/>
           </a:bodyPr>
           <a:lstStyle>
-            <a:lvl1pPr indent="-342900" lvl="0" marL="457200">
+            <a:lvl1pPr marL="457200" lvl="0" indent="-342900">
               <a:lnSpc>
                 <a:spcPct val="115000"/>
               </a:lnSpc>
@@ -5637,7 +5816,7 @@
                 </a:solidFill>
               </a:defRPr>
             </a:lvl1pPr>
-            <a:lvl2pPr indent="-317500" lvl="1" marL="914400">
+            <a:lvl2pPr marL="914400" lvl="1" indent="-317500">
               <a:lnSpc>
                 <a:spcPct val="115000"/>
               </a:lnSpc>
@@ -5658,7 +5837,7 @@
                 </a:solidFill>
               </a:defRPr>
             </a:lvl2pPr>
-            <a:lvl3pPr indent="-317500" lvl="2" marL="1371600">
+            <a:lvl3pPr marL="1371600" lvl="2" indent="-317500">
               <a:lnSpc>
                 <a:spcPct val="115000"/>
               </a:lnSpc>
@@ -5679,7 +5858,7 @@
                 </a:solidFill>
               </a:defRPr>
             </a:lvl3pPr>
-            <a:lvl4pPr indent="-317500" lvl="3" marL="1828800">
+            <a:lvl4pPr marL="1828800" lvl="3" indent="-317500">
               <a:lnSpc>
                 <a:spcPct val="115000"/>
               </a:lnSpc>
@@ -5700,7 +5879,7 @@
                 </a:solidFill>
               </a:defRPr>
             </a:lvl4pPr>
-            <a:lvl5pPr indent="-317500" lvl="4" marL="2286000">
+            <a:lvl5pPr marL="2286000" lvl="4" indent="-317500">
               <a:lnSpc>
                 <a:spcPct val="115000"/>
               </a:lnSpc>
@@ -5721,7 +5900,7 @@
                 </a:solidFill>
               </a:defRPr>
             </a:lvl5pPr>
-            <a:lvl6pPr indent="-317500" lvl="5" marL="2743200">
+            <a:lvl6pPr marL="2743200" lvl="5" indent="-317500">
               <a:lnSpc>
                 <a:spcPct val="115000"/>
               </a:lnSpc>
@@ -5742,7 +5921,7 @@
                 </a:solidFill>
               </a:defRPr>
             </a:lvl6pPr>
-            <a:lvl7pPr indent="-317500" lvl="6" marL="3200400">
+            <a:lvl7pPr marL="3200400" lvl="6" indent="-317500">
               <a:lnSpc>
                 <a:spcPct val="115000"/>
               </a:lnSpc>
@@ -5763,7 +5942,7 @@
                 </a:solidFill>
               </a:defRPr>
             </a:lvl7pPr>
-            <a:lvl8pPr indent="-317500" lvl="7" marL="3657600">
+            <a:lvl8pPr marL="3657600" lvl="7" indent="-317500">
               <a:lnSpc>
                 <a:spcPct val="115000"/>
               </a:lnSpc>
@@ -5784,7 +5963,7 @@
                 </a:solidFill>
               </a:defRPr>
             </a:lvl8pPr>
-            <a:lvl9pPr indent="-317500" lvl="8" marL="4114800">
+            <a:lvl9pPr marL="4114800" lvl="8" indent="-317500">
               <a:lnSpc>
                 <a:spcPct val="115000"/>
               </a:lnSpc>
@@ -5806,15 +5985,19 @@
               </a:defRPr>
             </a:lvl9pPr>
           </a:lstStyle>
-          <a:p/>
+          <a:p>
+            <a:endParaRPr/>
+          </a:p>
         </p:txBody>
       </p:sp>
       <p:sp>
         <p:nvSpPr>
           <p:cNvPr id="8" name="Google Shape;8;p1"/>
-          <p:cNvSpPr txBox="1"/>
+          <p:cNvSpPr txBox="1">
+            <a:spLocks noGrp="1"/>
+          </p:cNvSpPr>
           <p:nvPr>
-            <p:ph idx="12" type="sldNum"/>
+            <p:ph type="sldNum" idx="12"/>
           </p:nvPr>
         </p:nvSpPr>
         <p:spPr>
@@ -5831,7 +6014,7 @@
           </a:ln>
         </p:spPr>
         <p:txBody>
-          <a:bodyPr anchorCtr="0" anchor="ctr" bIns="91425" lIns="91425" spcFirstLastPara="1" rIns="91425" wrap="square" tIns="91425">
+          <a:bodyPr spcFirstLastPara="1" wrap="square" lIns="91425" tIns="91425" rIns="91425" bIns="91425" anchor="ctr" anchorCtr="0">
             <a:normAutofit/>
           </a:bodyPr>
           <a:lstStyle>
@@ -5909,7 +6092,7 @@
             </a:lvl9pPr>
           </a:lstStyle>
           <a:p>
-            <a:pPr indent="0" lvl="0" marL="0" rtl="0" algn="r">
+            <a:pPr marL="0" lvl="0" indent="0" algn="r" rtl="0">
               <a:spcBef>
                 <a:spcPts val="0"/>
               </a:spcBef>
@@ -5928,7 +6111,7 @@
       </p:sp>
     </p:spTree>
   </p:cSld>
-  <p:clrMap accent1="accent1" accent2="accent2" accent3="accent3" accent4="accent4" accent5="accent5" accent6="accent6" bg1="lt1" bg2="dk2" tx1="dk1" tx2="lt2" folHlink="folHlink" hlink="hlink"/>
+  <p:clrMap bg1="lt1" tx1="dk1" bg2="dk2" tx2="lt2" accent1="accent1" accent2="accent2" accent3="accent3" accent4="accent4" accent5="accent5" accent6="accent6" hlink="hlink" folHlink="folHlink"/>
   <p:sldLayoutIdLst>
     <p:sldLayoutId id="2147483648" r:id="rId1"/>
     <p:sldLayoutId id="2147483649" r:id="rId2"/>
@@ -5942,10 +6125,10 @@
     <p:sldLayoutId id="2147483657" r:id="rId10"/>
     <p:sldLayoutId id="2147483658" r:id="rId11"/>
   </p:sldLayoutIdLst>
-  <p:hf dt="0" ftr="0" hdr="0" sldNum="0"/>
+  <p:hf sldNum="0" hdr="0" ftr="0" dt="0"/>
   <p:txStyles>
     <p:titleStyle>
-      <a:defPPr lvl="0" marR="0" rtl="0" algn="l">
+      <a:defPPr marR="0" lvl="0" algn="l" rtl="0">
         <a:lnSpc>
           <a:spcPct val="100000"/>
         </a:lnSpc>
@@ -5956,7 +6139,7 @@
           <a:spcPts val="0"/>
         </a:spcAft>
       </a:defPPr>
-      <a:lvl1pPr lvl="0" marR="0" rtl="0" algn="l">
+      <a:lvl1pPr marR="0" lvl="0" algn="l" rtl="0">
         <a:lnSpc>
           <a:spcPct val="100000"/>
         </a:lnSpc>
@@ -5970,7 +6153,7 @@
           <a:srgbClr val="000000"/>
         </a:buClr>
         <a:buFont typeface="Arial"/>
-        <a:defRPr b="0" i="0" sz="1400" u="none" cap="none" strike="noStrike">
+        <a:defRPr sz="1400" b="0" i="0" u="none" strike="noStrike" cap="none">
           <a:solidFill>
             <a:srgbClr val="000000"/>
           </a:solidFill>
@@ -5980,7 +6163,7 @@
           <a:sym typeface="Arial"/>
         </a:defRPr>
       </a:lvl1pPr>
-      <a:lvl2pPr lvl="1" marR="0" rtl="0" algn="l">
+      <a:lvl2pPr marR="0" lvl="1" algn="l" rtl="0">
         <a:lnSpc>
           <a:spcPct val="100000"/>
         </a:lnSpc>
@@ -5994,7 +6177,7 @@
           <a:srgbClr val="000000"/>
         </a:buClr>
         <a:buFont typeface="Arial"/>
-        <a:defRPr b="0" i="0" sz="1400" u="none" cap="none" strike="noStrike">
+        <a:defRPr sz="1400" b="0" i="0" u="none" strike="noStrike" cap="none">
           <a:solidFill>
             <a:srgbClr val="000000"/>
           </a:solidFill>
@@ -6004,7 +6187,7 @@
           <a:sym typeface="Arial"/>
         </a:defRPr>
       </a:lvl2pPr>
-      <a:lvl3pPr lvl="2" marR="0" rtl="0" algn="l">
+      <a:lvl3pPr marR="0" lvl="2" algn="l" rtl="0">
         <a:lnSpc>
           <a:spcPct val="100000"/>
         </a:lnSpc>
@@ -6018,7 +6201,7 @@
           <a:srgbClr val="000000"/>
         </a:buClr>
         <a:buFont typeface="Arial"/>
-        <a:defRPr b="0" i="0" sz="1400" u="none" cap="none" strike="noStrike">
+        <a:defRPr sz="1400" b="0" i="0" u="none" strike="noStrike" cap="none">
           <a:solidFill>
             <a:srgbClr val="000000"/>
           </a:solidFill>
@@ -6028,7 +6211,7 @@
           <a:sym typeface="Arial"/>
         </a:defRPr>
       </a:lvl3pPr>
-      <a:lvl4pPr lvl="3" marR="0" rtl="0" algn="l">
+      <a:lvl4pPr marR="0" lvl="3" algn="l" rtl="0">
         <a:lnSpc>
           <a:spcPct val="100000"/>
         </a:lnSpc>
@@ -6042,7 +6225,7 @@
           <a:srgbClr val="000000"/>
         </a:buClr>
         <a:buFont typeface="Arial"/>
-        <a:defRPr b="0" i="0" sz="1400" u="none" cap="none" strike="noStrike">
+        <a:defRPr sz="1400" b="0" i="0" u="none" strike="noStrike" cap="none">
           <a:solidFill>
             <a:srgbClr val="000000"/>
           </a:solidFill>
@@ -6052,7 +6235,7 @@
           <a:sym typeface="Arial"/>
         </a:defRPr>
       </a:lvl4pPr>
-      <a:lvl5pPr lvl="4" marR="0" rtl="0" algn="l">
+      <a:lvl5pPr marR="0" lvl="4" algn="l" rtl="0">
         <a:lnSpc>
           <a:spcPct val="100000"/>
         </a:lnSpc>
@@ -6066,7 +6249,7 @@
           <a:srgbClr val="000000"/>
         </a:buClr>
         <a:buFont typeface="Arial"/>
-        <a:defRPr b="0" i="0" sz="1400" u="none" cap="none" strike="noStrike">
+        <a:defRPr sz="1400" b="0" i="0" u="none" strike="noStrike" cap="none">
           <a:solidFill>
             <a:srgbClr val="000000"/>
           </a:solidFill>
@@ -6076,7 +6259,7 @@
           <a:sym typeface="Arial"/>
         </a:defRPr>
       </a:lvl5pPr>
-      <a:lvl6pPr lvl="5" marR="0" rtl="0" algn="l">
+      <a:lvl6pPr marR="0" lvl="5" algn="l" rtl="0">
         <a:lnSpc>
           <a:spcPct val="100000"/>
         </a:lnSpc>
@@ -6090,7 +6273,7 @@
           <a:srgbClr val="000000"/>
         </a:buClr>
         <a:buFont typeface="Arial"/>
-        <a:defRPr b="0" i="0" sz="1400" u="none" cap="none" strike="noStrike">
+        <a:defRPr sz="1400" b="0" i="0" u="none" strike="noStrike" cap="none">
           <a:solidFill>
             <a:srgbClr val="000000"/>
           </a:solidFill>
@@ -6100,7 +6283,7 @@
           <a:sym typeface="Arial"/>
         </a:defRPr>
       </a:lvl6pPr>
-      <a:lvl7pPr lvl="6" marR="0" rtl="0" algn="l">
+      <a:lvl7pPr marR="0" lvl="6" algn="l" rtl="0">
         <a:lnSpc>
           <a:spcPct val="100000"/>
         </a:lnSpc>
@@ -6114,7 +6297,7 @@
           <a:srgbClr val="000000"/>
         </a:buClr>
         <a:buFont typeface="Arial"/>
-        <a:defRPr b="0" i="0" sz="1400" u="none" cap="none" strike="noStrike">
+        <a:defRPr sz="1400" b="0" i="0" u="none" strike="noStrike" cap="none">
           <a:solidFill>
             <a:srgbClr val="000000"/>
           </a:solidFill>
@@ -6124,7 +6307,7 @@
           <a:sym typeface="Arial"/>
         </a:defRPr>
       </a:lvl7pPr>
-      <a:lvl8pPr lvl="7" marR="0" rtl="0" algn="l">
+      <a:lvl8pPr marR="0" lvl="7" algn="l" rtl="0">
         <a:lnSpc>
           <a:spcPct val="100000"/>
         </a:lnSpc>
@@ -6138,7 +6321,7 @@
           <a:srgbClr val="000000"/>
         </a:buClr>
         <a:buFont typeface="Arial"/>
-        <a:defRPr b="0" i="0" sz="1400" u="none" cap="none" strike="noStrike">
+        <a:defRPr sz="1400" b="0" i="0" u="none" strike="noStrike" cap="none">
           <a:solidFill>
             <a:srgbClr val="000000"/>
           </a:solidFill>
@@ -6148,7 +6331,7 @@
           <a:sym typeface="Arial"/>
         </a:defRPr>
       </a:lvl8pPr>
-      <a:lvl9pPr lvl="8" marR="0" rtl="0" algn="l">
+      <a:lvl9pPr marR="0" lvl="8" algn="l" rtl="0">
         <a:lnSpc>
           <a:spcPct val="100000"/>
         </a:lnSpc>
@@ -6162,7 +6345,7 @@
           <a:srgbClr val="000000"/>
         </a:buClr>
         <a:buFont typeface="Arial"/>
-        <a:defRPr b="0" i="0" sz="1400" u="none" cap="none" strike="noStrike">
+        <a:defRPr sz="1400" b="0" i="0" u="none" strike="noStrike" cap="none">
           <a:solidFill>
             <a:srgbClr val="000000"/>
           </a:solidFill>
@@ -6174,7 +6357,7 @@
       </a:lvl9pPr>
     </p:titleStyle>
     <p:bodyStyle>
-      <a:defPPr lvl="0" marR="0" rtl="0" algn="l">
+      <a:defPPr marR="0" lvl="0" algn="l" rtl="0">
         <a:lnSpc>
           <a:spcPct val="100000"/>
         </a:lnSpc>
@@ -6185,7 +6368,7 @@
           <a:spcPts val="0"/>
         </a:spcAft>
       </a:defPPr>
-      <a:lvl1pPr lvl="0" marR="0" rtl="0" algn="l">
+      <a:lvl1pPr marR="0" lvl="0" algn="l" rtl="0">
         <a:lnSpc>
           <a:spcPct val="100000"/>
         </a:lnSpc>
@@ -6199,7 +6382,7 @@
           <a:srgbClr val="000000"/>
         </a:buClr>
         <a:buFont typeface="Arial"/>
-        <a:defRPr b="0" i="0" sz="1400" u="none" cap="none" strike="noStrike">
+        <a:defRPr sz="1400" b="0" i="0" u="none" strike="noStrike" cap="none">
           <a:solidFill>
             <a:srgbClr val="000000"/>
           </a:solidFill>
@@ -6209,7 +6392,7 @@
           <a:sym typeface="Arial"/>
         </a:defRPr>
       </a:lvl1pPr>
-      <a:lvl2pPr lvl="1" marR="0" rtl="0" algn="l">
+      <a:lvl2pPr marR="0" lvl="1" algn="l" rtl="0">
         <a:lnSpc>
           <a:spcPct val="100000"/>
         </a:lnSpc>
@@ -6223,7 +6406,7 @@
           <a:srgbClr val="000000"/>
         </a:buClr>
         <a:buFont typeface="Arial"/>
-        <a:defRPr b="0" i="0" sz="1400" u="none" cap="none" strike="noStrike">
+        <a:defRPr sz="1400" b="0" i="0" u="none" strike="noStrike" cap="none">
           <a:solidFill>
             <a:srgbClr val="000000"/>
           </a:solidFill>
@@ -6233,7 +6416,7 @@
           <a:sym typeface="Arial"/>
         </a:defRPr>
       </a:lvl2pPr>
-      <a:lvl3pPr lvl="2" marR="0" rtl="0" algn="l">
+      <a:lvl3pPr marR="0" lvl="2" algn="l" rtl="0">
         <a:lnSpc>
           <a:spcPct val="100000"/>
         </a:lnSpc>
@@ -6247,7 +6430,7 @@
           <a:srgbClr val="000000"/>
         </a:buClr>
         <a:buFont typeface="Arial"/>
-        <a:defRPr b="0" i="0" sz="1400" u="none" cap="none" strike="noStrike">
+        <a:defRPr sz="1400" b="0" i="0" u="none" strike="noStrike" cap="none">
           <a:solidFill>
             <a:srgbClr val="000000"/>
           </a:solidFill>
@@ -6257,7 +6440,7 @@
           <a:sym typeface="Arial"/>
         </a:defRPr>
       </a:lvl3pPr>
-      <a:lvl4pPr lvl="3" marR="0" rtl="0" algn="l">
+      <a:lvl4pPr marR="0" lvl="3" algn="l" rtl="0">
         <a:lnSpc>
           <a:spcPct val="100000"/>
         </a:lnSpc>
@@ -6271,7 +6454,7 @@
           <a:srgbClr val="000000"/>
         </a:buClr>
         <a:buFont typeface="Arial"/>
-        <a:defRPr b="0" i="0" sz="1400" u="none" cap="none" strike="noStrike">
+        <a:defRPr sz="1400" b="0" i="0" u="none" strike="noStrike" cap="none">
           <a:solidFill>
             <a:srgbClr val="000000"/>
           </a:solidFill>
@@ -6281,7 +6464,7 @@
           <a:sym typeface="Arial"/>
         </a:defRPr>
       </a:lvl4pPr>
-      <a:lvl5pPr lvl="4" marR="0" rtl="0" algn="l">
+      <a:lvl5pPr marR="0" lvl="4" algn="l" rtl="0">
         <a:lnSpc>
           <a:spcPct val="100000"/>
         </a:lnSpc>
@@ -6295,7 +6478,7 @@
           <a:srgbClr val="000000"/>
         </a:buClr>
         <a:buFont typeface="Arial"/>
-        <a:defRPr b="0" i="0" sz="1400" u="none" cap="none" strike="noStrike">
+        <a:defRPr sz="1400" b="0" i="0" u="none" strike="noStrike" cap="none">
           <a:solidFill>
             <a:srgbClr val="000000"/>
           </a:solidFill>
@@ -6305,7 +6488,7 @@
           <a:sym typeface="Arial"/>
         </a:defRPr>
       </a:lvl5pPr>
-      <a:lvl6pPr lvl="5" marR="0" rtl="0" algn="l">
+      <a:lvl6pPr marR="0" lvl="5" algn="l" rtl="0">
         <a:lnSpc>
           <a:spcPct val="100000"/>
         </a:lnSpc>
@@ -6319,7 +6502,7 @@
           <a:srgbClr val="000000"/>
         </a:buClr>
         <a:buFont typeface="Arial"/>
-        <a:defRPr b="0" i="0" sz="1400" u="none" cap="none" strike="noStrike">
+        <a:defRPr sz="1400" b="0" i="0" u="none" strike="noStrike" cap="none">
           <a:solidFill>
             <a:srgbClr val="000000"/>
           </a:solidFill>
@@ -6329,7 +6512,7 @@
           <a:sym typeface="Arial"/>
         </a:defRPr>
       </a:lvl6pPr>
-      <a:lvl7pPr lvl="6" marR="0" rtl="0" algn="l">
+      <a:lvl7pPr marR="0" lvl="6" algn="l" rtl="0">
         <a:lnSpc>
           <a:spcPct val="100000"/>
         </a:lnSpc>
@@ -6343,7 +6526,7 @@
           <a:srgbClr val="000000"/>
         </a:buClr>
         <a:buFont typeface="Arial"/>
-        <a:defRPr b="0" i="0" sz="1400" u="none" cap="none" strike="noStrike">
+        <a:defRPr sz="1400" b="0" i="0" u="none" strike="noStrike" cap="none">
           <a:solidFill>
             <a:srgbClr val="000000"/>
           </a:solidFill>
@@ -6353,7 +6536,7 @@
           <a:sym typeface="Arial"/>
         </a:defRPr>
       </a:lvl7pPr>
-      <a:lvl8pPr lvl="7" marR="0" rtl="0" algn="l">
+      <a:lvl8pPr marR="0" lvl="7" algn="l" rtl="0">
         <a:lnSpc>
           <a:spcPct val="100000"/>
         </a:lnSpc>
@@ -6367,7 +6550,7 @@
           <a:srgbClr val="000000"/>
         </a:buClr>
         <a:buFont typeface="Arial"/>
-        <a:defRPr b="0" i="0" sz="1400" u="none" cap="none" strike="noStrike">
+        <a:defRPr sz="1400" b="0" i="0" u="none" strike="noStrike" cap="none">
           <a:solidFill>
             <a:srgbClr val="000000"/>
           </a:solidFill>
@@ -6377,7 +6560,7 @@
           <a:sym typeface="Arial"/>
         </a:defRPr>
       </a:lvl8pPr>
-      <a:lvl9pPr lvl="8" marR="0" rtl="0" algn="l">
+      <a:lvl9pPr marR="0" lvl="8" algn="l" rtl="0">
         <a:lnSpc>
           <a:spcPct val="100000"/>
         </a:lnSpc>
@@ -6391,7 +6574,7 @@
           <a:srgbClr val="000000"/>
         </a:buClr>
         <a:buFont typeface="Arial"/>
-        <a:defRPr b="0" i="0" sz="1400" u="none" cap="none" strike="noStrike">
+        <a:defRPr sz="1400" b="0" i="0" u="none" strike="noStrike" cap="none">
           <a:solidFill>
             <a:srgbClr val="000000"/>
           </a:solidFill>
@@ -6403,7 +6586,7 @@
       </a:lvl9pPr>
     </p:bodyStyle>
     <p:otherStyle>
-      <a:defPPr lvl="0" marR="0" rtl="0" algn="l">
+      <a:defPPr marR="0" lvl="0" algn="l" rtl="0">
         <a:lnSpc>
           <a:spcPct val="100000"/>
         </a:lnSpc>
@@ -6414,7 +6597,7 @@
           <a:spcPts val="0"/>
         </a:spcAft>
       </a:defPPr>
-      <a:lvl1pPr lvl="0" marR="0" rtl="0" algn="l">
+      <a:lvl1pPr marR="0" lvl="0" algn="l" rtl="0">
         <a:lnSpc>
           <a:spcPct val="100000"/>
         </a:lnSpc>
@@ -6428,7 +6611,7 @@
           <a:srgbClr val="000000"/>
         </a:buClr>
         <a:buFont typeface="Arial"/>
-        <a:defRPr b="0" i="0" sz="1400" u="none" cap="none" strike="noStrike">
+        <a:defRPr sz="1400" b="0" i="0" u="none" strike="noStrike" cap="none">
           <a:solidFill>
             <a:srgbClr val="000000"/>
           </a:solidFill>
@@ -6438,7 +6621,7 @@
           <a:sym typeface="Arial"/>
         </a:defRPr>
       </a:lvl1pPr>
-      <a:lvl2pPr lvl="1" marR="0" rtl="0" algn="l">
+      <a:lvl2pPr marR="0" lvl="1" algn="l" rtl="0">
         <a:lnSpc>
           <a:spcPct val="100000"/>
         </a:lnSpc>
@@ -6452,7 +6635,7 @@
           <a:srgbClr val="000000"/>
         </a:buClr>
         <a:buFont typeface="Arial"/>
-        <a:defRPr b="0" i="0" sz="1400" u="none" cap="none" strike="noStrike">
+        <a:defRPr sz="1400" b="0" i="0" u="none" strike="noStrike" cap="none">
           <a:solidFill>
             <a:srgbClr val="000000"/>
           </a:solidFill>
@@ -6462,7 +6645,7 @@
           <a:sym typeface="Arial"/>
         </a:defRPr>
       </a:lvl2pPr>
-      <a:lvl3pPr lvl="2" marR="0" rtl="0" algn="l">
+      <a:lvl3pPr marR="0" lvl="2" algn="l" rtl="0">
         <a:lnSpc>
           <a:spcPct val="100000"/>
         </a:lnSpc>
@@ -6476,7 +6659,7 @@
           <a:srgbClr val="000000"/>
         </a:buClr>
         <a:buFont typeface="Arial"/>
-        <a:defRPr b="0" i="0" sz="1400" u="none" cap="none" strike="noStrike">
+        <a:defRPr sz="1400" b="0" i="0" u="none" strike="noStrike" cap="none">
           <a:solidFill>
             <a:srgbClr val="000000"/>
           </a:solidFill>
@@ -6486,7 +6669,7 @@
           <a:sym typeface="Arial"/>
         </a:defRPr>
       </a:lvl3pPr>
-      <a:lvl4pPr lvl="3" marR="0" rtl="0" algn="l">
+      <a:lvl4pPr marR="0" lvl="3" algn="l" rtl="0">
         <a:lnSpc>
           <a:spcPct val="100000"/>
         </a:lnSpc>
@@ -6500,7 +6683,7 @@
           <a:srgbClr val="000000"/>
         </a:buClr>
         <a:buFont typeface="Arial"/>
-        <a:defRPr b="0" i="0" sz="1400" u="none" cap="none" strike="noStrike">
+        <a:defRPr sz="1400" b="0" i="0" u="none" strike="noStrike" cap="none">
           <a:solidFill>
             <a:srgbClr val="000000"/>
           </a:solidFill>
@@ -6510,7 +6693,7 @@
           <a:sym typeface="Arial"/>
         </a:defRPr>
       </a:lvl4pPr>
-      <a:lvl5pPr lvl="4" marR="0" rtl="0" algn="l">
+      <a:lvl5pPr marR="0" lvl="4" algn="l" rtl="0">
         <a:lnSpc>
           <a:spcPct val="100000"/>
         </a:lnSpc>
@@ -6524,7 +6707,7 @@
           <a:srgbClr val="000000"/>
         </a:buClr>
         <a:buFont typeface="Arial"/>
-        <a:defRPr b="0" i="0" sz="1400" u="none" cap="none" strike="noStrike">
+        <a:defRPr sz="1400" b="0" i="0" u="none" strike="noStrike" cap="none">
           <a:solidFill>
             <a:srgbClr val="000000"/>
           </a:solidFill>
@@ -6534,7 +6717,7 @@
           <a:sym typeface="Arial"/>
         </a:defRPr>
       </a:lvl5pPr>
-      <a:lvl6pPr lvl="5" marR="0" rtl="0" algn="l">
+      <a:lvl6pPr marR="0" lvl="5" algn="l" rtl="0">
         <a:lnSpc>
           <a:spcPct val="100000"/>
         </a:lnSpc>
@@ -6548,7 +6731,7 @@
           <a:srgbClr val="000000"/>
         </a:buClr>
         <a:buFont typeface="Arial"/>
-        <a:defRPr b="0" i="0" sz="1400" u="none" cap="none" strike="noStrike">
+        <a:defRPr sz="1400" b="0" i="0" u="none" strike="noStrike" cap="none">
           <a:solidFill>
             <a:srgbClr val="000000"/>
           </a:solidFill>
@@ -6558,7 +6741,7 @@
           <a:sym typeface="Arial"/>
         </a:defRPr>
       </a:lvl6pPr>
-      <a:lvl7pPr lvl="6" marR="0" rtl="0" algn="l">
+      <a:lvl7pPr marR="0" lvl="6" algn="l" rtl="0">
         <a:lnSpc>
           <a:spcPct val="100000"/>
         </a:lnSpc>
@@ -6572,7 +6755,7 @@
           <a:srgbClr val="000000"/>
         </a:buClr>
         <a:buFont typeface="Arial"/>
-        <a:defRPr b="0" i="0" sz="1400" u="none" cap="none" strike="noStrike">
+        <a:defRPr sz="1400" b="0" i="0" u="none" strike="noStrike" cap="none">
           <a:solidFill>
             <a:srgbClr val="000000"/>
           </a:solidFill>
@@ -6582,7 +6765,7 @@
           <a:sym typeface="Arial"/>
         </a:defRPr>
       </a:lvl7pPr>
-      <a:lvl8pPr lvl="7" marR="0" rtl="0" algn="l">
+      <a:lvl8pPr marR="0" lvl="7" algn="l" rtl="0">
         <a:lnSpc>
           <a:spcPct val="100000"/>
         </a:lnSpc>
@@ -6596,7 +6779,7 @@
           <a:srgbClr val="000000"/>
         </a:buClr>
         <a:buFont typeface="Arial"/>
-        <a:defRPr b="0" i="0" sz="1400" u="none" cap="none" strike="noStrike">
+        <a:defRPr sz="1400" b="0" i="0" u="none" strike="noStrike" cap="none">
           <a:solidFill>
             <a:srgbClr val="000000"/>
           </a:solidFill>
@@ -6606,7 +6789,7 @@
           <a:sym typeface="Arial"/>
         </a:defRPr>
       </a:lvl8pPr>
-      <a:lvl9pPr lvl="8" marR="0" rtl="0" algn="l">
+      <a:lvl9pPr marR="0" lvl="8" algn="l" rtl="0">
         <a:lnSpc>
           <a:spcPct val="100000"/>
         </a:lnSpc>
@@ -6620,7 +6803,7 @@
           <a:srgbClr val="000000"/>
         </a:buClr>
         <a:buFont typeface="Arial"/>
-        <a:defRPr b="0" i="0" sz="1400" u="none" cap="none" strike="noStrike">
+        <a:defRPr sz="1400" b="0" i="0" u="none" strike="noStrike" cap="none">
           <a:solidFill>
             <a:srgbClr val="000000"/>
           </a:solidFill>
@@ -6636,11 +6819,11 @@
 </file>
 
 <file path=ppt/slides/slide1.xml><?xml version="1.0" encoding="utf-8"?>
-<p:sld xmlns:a="http://schemas.openxmlformats.org/drawingml/2006/main" xmlns:r="http://schemas.openxmlformats.org/officeDocument/2006/relationships" xmlns:mc="http://schemas.openxmlformats.org/markup-compatibility/2006" xmlns:mv="urn:schemas-microsoft-com:mac:vml" xmlns:p="http://schemas.openxmlformats.org/presentationml/2006/main" xmlns:c="http://schemas.openxmlformats.org/drawingml/2006/chart" xmlns:dgm="http://schemas.openxmlformats.org/drawingml/2006/diagram" xmlns:o="urn:schemas-microsoft-com:office:office" xmlns:v="urn:schemas-microsoft-com:vml" xmlns:pvml="urn:schemas-microsoft-com:office:powerpoint" xmlns:com="http://schemas.openxmlformats.org/drawingml/2006/compatibility" xmlns:p14="http://schemas.microsoft.com/office/powerpoint/2010/main" xmlns:p15="http://schemas.microsoft.com/office/powerpoint/2012/main" xmlns:ahyp="http://schemas.microsoft.com/office/drawing/2018/hyperlinkcolor">
+<p:sld xmlns:a="http://schemas.openxmlformats.org/drawingml/2006/main" xmlns:r="http://schemas.openxmlformats.org/officeDocument/2006/relationships" xmlns:p="http://schemas.openxmlformats.org/presentationml/2006/main">
   <p:cSld>
     <p:spTree>
       <p:nvGrpSpPr>
-        <p:cNvPr id="53" name="Shape 53"/>
+        <p:cNvPr id="1" name="Shape 53"/>
         <p:cNvGrpSpPr/>
         <p:nvPr/>
       </p:nvGrpSpPr>
@@ -6655,7 +6838,9 @@
       <p:sp>
         <p:nvSpPr>
           <p:cNvPr id="54" name="Google Shape;54;p13"/>
-          <p:cNvSpPr txBox="1"/>
+          <p:cNvSpPr txBox="1">
+            <a:spLocks noGrp="1"/>
+          </p:cNvSpPr>
           <p:nvPr>
             <p:ph type="title"/>
           </p:nvPr>
@@ -6670,12 +6855,12 @@
           </a:prstGeom>
         </p:spPr>
         <p:txBody>
-          <a:bodyPr anchorCtr="0" anchor="t" bIns="91425" lIns="91425" spcFirstLastPara="1" rIns="91425" wrap="square" tIns="91425">
+          <a:bodyPr spcFirstLastPara="1" wrap="square" lIns="91425" tIns="91425" rIns="91425" bIns="91425" anchor="t" anchorCtr="0">
             <a:noAutofit/>
           </a:bodyPr>
           <a:lstStyle/>
           <a:p>
-            <a:pPr indent="0" lvl="0" marL="0" rtl="0" algn="ctr">
+            <a:pPr marL="0" lvl="0" indent="0" algn="ctr" rtl="0">
               <a:spcBef>
                 <a:spcPts val="0"/>
               </a:spcBef>
@@ -6686,13 +6871,13 @@
               <a:buNone/>
             </a:pPr>
             <a:r>
-              <a:rPr b="1" lang="en" sz="3220"/>
+              <a:rPr lang="en" sz="3220" b="1"/>
               <a:t>Hardware Design of</a:t>
             </a:r>
-            <a:endParaRPr b="1" sz="3220"/>
-          </a:p>
-          <a:p>
-            <a:pPr indent="0" lvl="0" marL="0" rtl="0" algn="ctr">
+            <a:endParaRPr sz="3220" b="1"/>
+          </a:p>
+          <a:p>
+            <a:pPr marL="0" lvl="0" indent="0" algn="ctr" rtl="0">
               <a:spcBef>
                 <a:spcPts val="0"/>
               </a:spcBef>
@@ -6703,10 +6888,10 @@
               <a:buNone/>
             </a:pPr>
             <a:r>
-              <a:rPr b="1" lang="en" sz="3220"/>
+              <a:rPr lang="en" sz="3220" b="1"/>
               <a:t>Real-time Classification Algorithm</a:t>
             </a:r>
-            <a:endParaRPr b="1" sz="3220"/>
+            <a:endParaRPr sz="3220" b="1"/>
           </a:p>
         </p:txBody>
       </p:sp>
@@ -6719,11 +6904,11 @@
 </file>
 
 <file path=ppt/slides/slide10.xml><?xml version="1.0" encoding="utf-8"?>
-<p:sld xmlns:a="http://schemas.openxmlformats.org/drawingml/2006/main" xmlns:r="http://schemas.openxmlformats.org/officeDocument/2006/relationships" xmlns:mc="http://schemas.openxmlformats.org/markup-compatibility/2006" xmlns:mv="urn:schemas-microsoft-com:mac:vml" xmlns:p="http://schemas.openxmlformats.org/presentationml/2006/main" xmlns:c="http://schemas.openxmlformats.org/drawingml/2006/chart" xmlns:dgm="http://schemas.openxmlformats.org/drawingml/2006/diagram" xmlns:o="urn:schemas-microsoft-com:office:office" xmlns:v="urn:schemas-microsoft-com:vml" xmlns:pvml="urn:schemas-microsoft-com:office:powerpoint" xmlns:com="http://schemas.openxmlformats.org/drawingml/2006/compatibility" xmlns:p14="http://schemas.microsoft.com/office/powerpoint/2010/main" xmlns:p15="http://schemas.microsoft.com/office/powerpoint/2012/main" xmlns:ahyp="http://schemas.microsoft.com/office/drawing/2018/hyperlinkcolor">
+<p:sld xmlns:a="http://schemas.openxmlformats.org/drawingml/2006/main" xmlns:r="http://schemas.openxmlformats.org/officeDocument/2006/relationships" xmlns:p="http://schemas.openxmlformats.org/presentationml/2006/main">
   <p:cSld>
     <p:spTree>
       <p:nvGrpSpPr>
-        <p:cNvPr id="239" name="Shape 239"/>
+        <p:cNvPr id="1" name="Shape 239"/>
         <p:cNvGrpSpPr/>
         <p:nvPr/>
       </p:nvGrpSpPr>
@@ -6738,7 +6923,9 @@
       <p:sp>
         <p:nvSpPr>
           <p:cNvPr id="240" name="Google Shape;240;p22"/>
-          <p:cNvSpPr txBox="1"/>
+          <p:cNvSpPr txBox="1">
+            <a:spLocks noGrp="1"/>
+          </p:cNvSpPr>
           <p:nvPr>
             <p:ph type="title"/>
           </p:nvPr>
@@ -6753,12 +6940,12 @@
           </a:prstGeom>
         </p:spPr>
         <p:txBody>
-          <a:bodyPr anchorCtr="0" anchor="t" bIns="91425" lIns="91425" spcFirstLastPara="1" rIns="91425" wrap="square" tIns="91425">
+          <a:bodyPr spcFirstLastPara="1" wrap="square" lIns="91425" tIns="91425" rIns="91425" bIns="91425" anchor="t" anchorCtr="0">
             <a:normAutofit fontScale="90000"/>
           </a:bodyPr>
           <a:lstStyle/>
           <a:p>
-            <a:pPr indent="0" lvl="0" marL="0" rtl="0" algn="l">
+            <a:pPr marL="0" lvl="0" indent="0" algn="l" rtl="0">
               <a:spcBef>
                 <a:spcPts val="0"/>
               </a:spcBef>
@@ -6778,9 +6965,11 @@
       <p:sp>
         <p:nvSpPr>
           <p:cNvPr id="241" name="Google Shape;241;p22"/>
-          <p:cNvSpPr txBox="1"/>
+          <p:cNvSpPr txBox="1">
+            <a:spLocks noGrp="1"/>
+          </p:cNvSpPr>
           <p:nvPr>
-            <p:ph idx="1" type="body"/>
+            <p:ph type="body" idx="1"/>
           </p:nvPr>
         </p:nvSpPr>
         <p:spPr>
@@ -6793,12 +6982,12 @@
           </a:prstGeom>
         </p:spPr>
         <p:txBody>
-          <a:bodyPr anchorCtr="0" anchor="t" bIns="91425" lIns="91425" spcFirstLastPara="1" rIns="91425" wrap="square" tIns="91425">
+          <a:bodyPr spcFirstLastPara="1" wrap="square" lIns="91425" tIns="91425" rIns="91425" bIns="91425" anchor="t" anchorCtr="0">
             <a:normAutofit fontScale="70000" lnSpcReduction="10000"/>
           </a:bodyPr>
           <a:lstStyle/>
           <a:p>
-            <a:pPr indent="0" lvl="0" marL="0" rtl="0" algn="l">
+            <a:pPr marL="0" lvl="0" indent="0" algn="l" rtl="0">
               <a:spcBef>
                 <a:spcPts val="0"/>
               </a:spcBef>
@@ -6809,28 +6998,12 @@
             </a:pPr>
             <a:r>
               <a:rPr lang="en" sz="2175"/>
-              <a:t>We expand the provided 552 ISA to a 32-bit one while maintaining the </a:t>
-            </a:r>
-            <a:r>
-              <a:rPr lang="en" sz="2175"/>
-              <a:t>original</a:t>
-            </a:r>
-            <a:r>
-              <a:rPr lang="en" sz="2175"/>
-              <a:t> 16-bit structure. All original instructions preserve </a:t>
-            </a:r>
-            <a:r>
-              <a:rPr lang="en" sz="2175"/>
-              <a:t>their</a:t>
-            </a:r>
-            <a:r>
-              <a:rPr lang="en" sz="2175"/>
-              <a:t> opcodes with an extra bit 0 added in MSB. All new instructions start with bit 1 for clear differentiation. The register file is also expanded to 32 registers with 5-bit selecting address. This expansion enables functions including floating-point operations, integer multiplication, stack management, and instruction read.</a:t>
+              <a:t>We expand the provided 552 ISA to a 32-bit one while maintaining the original 16-bit structure. All original instructions preserve their opcodes with an extra bit 0 added in MSB. All new instructions start with bit 1 for clear differentiation. The register file is also expanded to 32 registers with 5-bit selecting address. This expansion enables functions including floating-point operations, integer multiplication, stack management, and instruction read.</a:t>
             </a:r>
             <a:endParaRPr sz="2175"/>
           </a:p>
           <a:p>
-            <a:pPr indent="0" lvl="0" marL="0" rtl="0" algn="l">
+            <a:pPr marL="0" lvl="0" indent="0" algn="l" rtl="0">
               <a:spcBef>
                 <a:spcPts val="1200"/>
               </a:spcBef>
@@ -6839,13 +7012,10 @@
               </a:spcAft>
               <a:buNone/>
             </a:pPr>
-            <a:r>
-              <a:t/>
-            </a:r>
-            <a:endParaRPr/>
-          </a:p>
-          <a:p>
-            <a:pPr indent="0" lvl="0" marL="0" rtl="0" algn="l">
+            <a:endParaRPr/>
+          </a:p>
+          <a:p>
+            <a:pPr marL="0" lvl="0" indent="0" algn="l" rtl="0">
               <a:spcBef>
                 <a:spcPts val="1200"/>
               </a:spcBef>
@@ -6866,7 +7036,7 @@
             <a:endParaRPr/>
           </a:p>
           <a:p>
-            <a:pPr indent="0" lvl="0" marL="0" rtl="0" algn="l">
+            <a:pPr marL="0" lvl="0" indent="0" algn="l" rtl="0">
               <a:spcBef>
                 <a:spcPts val="1200"/>
               </a:spcBef>
@@ -6875,13 +7045,10 @@
               </a:spcAft>
               <a:buNone/>
             </a:pPr>
-            <a:r>
-              <a:t/>
-            </a:r>
-            <a:endParaRPr/>
-          </a:p>
-          <a:p>
-            <a:pPr indent="0" lvl="0" marL="0" rtl="0" algn="l">
+            <a:endParaRPr/>
+          </a:p>
+          <a:p>
+            <a:pPr marL="0" lvl="0" indent="0" algn="l" rtl="0">
               <a:spcBef>
                 <a:spcPts val="1200"/>
               </a:spcBef>
@@ -6890,13 +7057,10 @@
               </a:spcAft>
               <a:buNone/>
             </a:pPr>
-            <a:r>
-              <a:t/>
-            </a:r>
-            <a:endParaRPr/>
-          </a:p>
-          <a:p>
-            <a:pPr indent="0" lvl="0" marL="0" rtl="0" algn="l">
+            <a:endParaRPr/>
+          </a:p>
+          <a:p>
+            <a:pPr marL="0" lvl="0" indent="0" algn="l" rtl="0">
               <a:spcBef>
                 <a:spcPts val="1200"/>
               </a:spcBef>
@@ -6922,11 +7086,11 @@
 </file>
 
 <file path=ppt/slides/slide11.xml><?xml version="1.0" encoding="utf-8"?>
-<p:sld xmlns:a="http://schemas.openxmlformats.org/drawingml/2006/main" xmlns:r="http://schemas.openxmlformats.org/officeDocument/2006/relationships" xmlns:mc="http://schemas.openxmlformats.org/markup-compatibility/2006" xmlns:mv="urn:schemas-microsoft-com:mac:vml" xmlns:p="http://schemas.openxmlformats.org/presentationml/2006/main" xmlns:c="http://schemas.openxmlformats.org/drawingml/2006/chart" xmlns:dgm="http://schemas.openxmlformats.org/drawingml/2006/diagram" xmlns:o="urn:schemas-microsoft-com:office:office" xmlns:v="urn:schemas-microsoft-com:vml" xmlns:pvml="urn:schemas-microsoft-com:office:powerpoint" xmlns:com="http://schemas.openxmlformats.org/drawingml/2006/compatibility" xmlns:p14="http://schemas.microsoft.com/office/powerpoint/2010/main" xmlns:p15="http://schemas.microsoft.com/office/powerpoint/2012/main" xmlns:ahyp="http://schemas.microsoft.com/office/drawing/2018/hyperlinkcolor">
+<p:sld xmlns:a="http://schemas.openxmlformats.org/drawingml/2006/main" xmlns:r="http://schemas.openxmlformats.org/officeDocument/2006/relationships" xmlns:p="http://schemas.openxmlformats.org/presentationml/2006/main">
   <p:cSld>
     <p:spTree>
       <p:nvGrpSpPr>
-        <p:cNvPr id="245" name="Shape 245"/>
+        <p:cNvPr id="1" name="Shape 245"/>
         <p:cNvGrpSpPr/>
         <p:nvPr/>
       </p:nvGrpSpPr>
@@ -6948,7 +7112,7 @@
           <a:blip r:embed="rId3">
             <a:alphaModFix/>
           </a:blip>
-          <a:srcRect b="870" l="572" r="651" t="2370"/>
+          <a:srcRect l="572" t="2370" r="651" b="870"/>
           <a:stretch/>
         </p:blipFill>
         <p:spPr>
@@ -6974,11 +7138,11 @@
 </file>
 
 <file path=ppt/slides/slide12.xml><?xml version="1.0" encoding="utf-8"?>
-<p:sld xmlns:a="http://schemas.openxmlformats.org/drawingml/2006/main" xmlns:r="http://schemas.openxmlformats.org/officeDocument/2006/relationships" xmlns:mc="http://schemas.openxmlformats.org/markup-compatibility/2006" xmlns:mv="urn:schemas-microsoft-com:mac:vml" xmlns:p="http://schemas.openxmlformats.org/presentationml/2006/main" xmlns:c="http://schemas.openxmlformats.org/drawingml/2006/chart" xmlns:dgm="http://schemas.openxmlformats.org/drawingml/2006/diagram" xmlns:o="urn:schemas-microsoft-com:office:office" xmlns:v="urn:schemas-microsoft-com:vml" xmlns:pvml="urn:schemas-microsoft-com:office:powerpoint" xmlns:com="http://schemas.openxmlformats.org/drawingml/2006/compatibility" xmlns:p14="http://schemas.microsoft.com/office/powerpoint/2010/main" xmlns:p15="http://schemas.microsoft.com/office/powerpoint/2012/main" xmlns:ahyp="http://schemas.microsoft.com/office/drawing/2018/hyperlinkcolor">
+<p:sld xmlns:a="http://schemas.openxmlformats.org/drawingml/2006/main" xmlns:r="http://schemas.openxmlformats.org/officeDocument/2006/relationships" xmlns:p="http://schemas.openxmlformats.org/presentationml/2006/main">
   <p:cSld>
     <p:spTree>
       <p:nvGrpSpPr>
-        <p:cNvPr id="250" name="Shape 250"/>
+        <p:cNvPr id="1" name="Shape 250"/>
         <p:cNvGrpSpPr/>
         <p:nvPr/>
       </p:nvGrpSpPr>
@@ -6993,7 +7157,9 @@
       <p:sp>
         <p:nvSpPr>
           <p:cNvPr id="251" name="Google Shape;251;p24"/>
-          <p:cNvSpPr txBox="1"/>
+          <p:cNvSpPr txBox="1">
+            <a:spLocks noGrp="1"/>
+          </p:cNvSpPr>
           <p:nvPr>
             <p:ph type="title"/>
           </p:nvPr>
@@ -7008,12 +7174,12 @@
           </a:prstGeom>
         </p:spPr>
         <p:txBody>
-          <a:bodyPr anchorCtr="0" anchor="t" bIns="91425" lIns="91425" spcFirstLastPara="1" rIns="91425" wrap="square" tIns="91425">
+          <a:bodyPr spcFirstLastPara="1" wrap="square" lIns="91425" tIns="91425" rIns="91425" bIns="91425" anchor="t" anchorCtr="0">
             <a:normAutofit fontScale="90000"/>
           </a:bodyPr>
           <a:lstStyle/>
           <a:p>
-            <a:pPr indent="0" lvl="0" marL="0" rtl="0" algn="l">
+            <a:pPr marL="0" lvl="0" indent="0" algn="l" rtl="0">
               <a:spcBef>
                 <a:spcPts val="0"/>
               </a:spcBef>
@@ -7033,9 +7199,11 @@
       <p:sp>
         <p:nvSpPr>
           <p:cNvPr id="252" name="Google Shape;252;p24"/>
-          <p:cNvSpPr txBox="1"/>
+          <p:cNvSpPr txBox="1">
+            <a:spLocks noGrp="1"/>
+          </p:cNvSpPr>
           <p:nvPr>
-            <p:ph idx="1" type="body"/>
+            <p:ph type="body" idx="1"/>
           </p:nvPr>
         </p:nvSpPr>
         <p:spPr>
@@ -7048,12 +7216,12 @@
           </a:prstGeom>
         </p:spPr>
         <p:txBody>
-          <a:bodyPr anchorCtr="0" anchor="t" bIns="91425" lIns="91425" spcFirstLastPara="1" rIns="91425" wrap="square" tIns="91425">
+          <a:bodyPr spcFirstLastPara="1" wrap="square" lIns="91425" tIns="91425" rIns="91425" bIns="91425" anchor="t" anchorCtr="0">
             <a:normAutofit/>
           </a:bodyPr>
           <a:lstStyle/>
           <a:p>
-            <a:pPr indent="-342900" lvl="0" marL="457200" rtl="0" algn="l">
+            <a:pPr marL="457200" lvl="0" indent="-342900" algn="l" rtl="0">
               <a:spcBef>
                 <a:spcPts val="0"/>
               </a:spcBef>
@@ -7065,20 +7233,12 @@
             </a:pPr>
             <a:r>
               <a:rPr lang="en"/>
-              <a:t>Specialized operation for the matrix </a:t>
+              <a:t>Specialized operation for the matrix multiplication on FPGA - we are considering the possibility of loading multiple data of the matrix and perform multiple multiplications simultaneously. (Tiny expansion of superscalar, VLIW, multi-cycle calculation)</a:t>
             </a:r>
-            <a:r>
-              <a:rPr lang="en"/>
-              <a:t>multiplication</a:t>
-            </a:r>
-            <a:r>
-              <a:rPr lang="en"/>
-              <a:t> on FPGA - we are considering the possibility of loading multiple data of the matrix and perform multiple multiplications simultaneously. (Tiny expansion of superscalar, VLIW, multi-cycle calculation)</a:t>
-            </a:r>
-            <a:endParaRPr/>
-          </a:p>
-          <a:p>
-            <a:pPr indent="-342900" lvl="0" marL="457200" rtl="0" algn="l">
+            <a:endParaRPr/>
+          </a:p>
+          <a:p>
+            <a:pPr marL="457200" lvl="0" indent="-342900" algn="l" rtl="0">
               <a:spcBef>
                 <a:spcPts val="0"/>
               </a:spcBef>
@@ -7095,7 +7255,7 @@
             <a:endParaRPr/>
           </a:p>
           <a:p>
-            <a:pPr indent="-342900" lvl="0" marL="457200" rtl="0" algn="l">
+            <a:pPr marL="457200" lvl="0" indent="-342900" algn="l" rtl="0">
               <a:spcBef>
                 <a:spcPts val="0"/>
               </a:spcBef>
@@ -7122,11 +7282,11 @@
 </file>
 
 <file path=ppt/slides/slide13.xml><?xml version="1.0" encoding="utf-8"?>
-<p:sld xmlns:a="http://schemas.openxmlformats.org/drawingml/2006/main" xmlns:r="http://schemas.openxmlformats.org/officeDocument/2006/relationships" xmlns:mc="http://schemas.openxmlformats.org/markup-compatibility/2006" xmlns:mv="urn:schemas-microsoft-com:mac:vml" xmlns:p="http://schemas.openxmlformats.org/presentationml/2006/main" xmlns:c="http://schemas.openxmlformats.org/drawingml/2006/chart" xmlns:dgm="http://schemas.openxmlformats.org/drawingml/2006/diagram" xmlns:o="urn:schemas-microsoft-com:office:office" xmlns:v="urn:schemas-microsoft-com:vml" xmlns:pvml="urn:schemas-microsoft-com:office:powerpoint" xmlns:com="http://schemas.openxmlformats.org/drawingml/2006/compatibility" xmlns:p14="http://schemas.microsoft.com/office/powerpoint/2010/main" xmlns:p15="http://schemas.microsoft.com/office/powerpoint/2012/main" xmlns:ahyp="http://schemas.microsoft.com/office/drawing/2018/hyperlinkcolor">
+<p:sld xmlns:a="http://schemas.openxmlformats.org/drawingml/2006/main" xmlns:r="http://schemas.openxmlformats.org/officeDocument/2006/relationships" xmlns:p="http://schemas.openxmlformats.org/presentationml/2006/main">
   <p:cSld>
     <p:spTree>
       <p:nvGrpSpPr>
-        <p:cNvPr id="256" name="Shape 256"/>
+        <p:cNvPr id="1" name="Shape 256"/>
         <p:cNvGrpSpPr/>
         <p:nvPr/>
       </p:nvGrpSpPr>
@@ -7141,7 +7301,9 @@
       <p:sp>
         <p:nvSpPr>
           <p:cNvPr id="257" name="Google Shape;257;p25"/>
-          <p:cNvSpPr txBox="1"/>
+          <p:cNvSpPr txBox="1">
+            <a:spLocks noGrp="1"/>
+          </p:cNvSpPr>
           <p:nvPr>
             <p:ph type="title"/>
           </p:nvPr>
@@ -7156,12 +7318,12 @@
           </a:prstGeom>
         </p:spPr>
         <p:txBody>
-          <a:bodyPr anchorCtr="0" anchor="t" bIns="91425" lIns="91425" spcFirstLastPara="1" rIns="91425" wrap="square" tIns="91425">
+          <a:bodyPr spcFirstLastPara="1" wrap="square" lIns="91425" tIns="91425" rIns="91425" bIns="91425" anchor="t" anchorCtr="0">
             <a:normAutofit fontScale="90000"/>
           </a:bodyPr>
           <a:lstStyle/>
           <a:p>
-            <a:pPr indent="0" lvl="0" marL="0" rtl="0" algn="l">
+            <a:pPr marL="0" lvl="0" indent="0" algn="l" rtl="0">
               <a:spcBef>
                 <a:spcPts val="0"/>
               </a:spcBef>
@@ -7181,9 +7343,11 @@
       <p:sp>
         <p:nvSpPr>
           <p:cNvPr id="258" name="Google Shape;258;p25"/>
-          <p:cNvSpPr txBox="1"/>
+          <p:cNvSpPr txBox="1">
+            <a:spLocks noGrp="1"/>
+          </p:cNvSpPr>
           <p:nvPr>
-            <p:ph idx="1" type="body"/>
+            <p:ph type="body" idx="1"/>
           </p:nvPr>
         </p:nvSpPr>
         <p:spPr>
@@ -7196,12 +7360,12 @@
           </a:prstGeom>
         </p:spPr>
         <p:txBody>
-          <a:bodyPr anchorCtr="0" anchor="t" bIns="91425" lIns="91425" spcFirstLastPara="1" rIns="91425" wrap="square" tIns="91425">
+          <a:bodyPr spcFirstLastPara="1" wrap="square" lIns="91425" tIns="91425" rIns="91425" bIns="91425" anchor="t" anchorCtr="0">
             <a:normAutofit fontScale="32500" lnSpcReduction="20000"/>
           </a:bodyPr>
           <a:lstStyle/>
           <a:p>
-            <a:pPr indent="0" lvl="0" marL="0" rtl="0" algn="l">
+            <a:pPr marL="0" lvl="0" indent="0" algn="l" rtl="0">
               <a:spcBef>
                 <a:spcPts val="0"/>
               </a:spcBef>
@@ -7217,7 +7381,7 @@
             <a:endParaRPr/>
           </a:p>
           <a:p>
-            <a:pPr indent="0" lvl="0" marL="0" rtl="0" algn="l">
+            <a:pPr marL="0" lvl="0" indent="0" algn="l" rtl="0">
               <a:spcBef>
                 <a:spcPts val="1200"/>
               </a:spcBef>
@@ -7238,7 +7402,7 @@
             <a:endParaRPr/>
           </a:p>
           <a:p>
-            <a:pPr indent="0" lvl="0" marL="0" rtl="0" algn="l">
+            <a:pPr marL="0" lvl="0" indent="0" algn="l" rtl="0">
               <a:spcBef>
                 <a:spcPts val="1200"/>
               </a:spcBef>
@@ -7259,7 +7423,7 @@
             <a:endParaRPr/>
           </a:p>
           <a:p>
-            <a:pPr indent="0" lvl="0" marL="0" rtl="0" algn="l">
+            <a:pPr marL="0" lvl="0" indent="0" algn="l" rtl="0">
               <a:spcBef>
                 <a:spcPts val="1200"/>
               </a:spcBef>
@@ -7275,7 +7439,7 @@
             <a:endParaRPr/>
           </a:p>
           <a:p>
-            <a:pPr indent="0" lvl="0" marL="0" rtl="0" algn="l">
+            <a:pPr marL="0" lvl="0" indent="0" algn="l" rtl="0">
               <a:spcBef>
                 <a:spcPts val="1200"/>
               </a:spcBef>
@@ -7291,7 +7455,7 @@
             <a:endParaRPr/>
           </a:p>
           <a:p>
-            <a:pPr indent="0" lvl="0" marL="0" rtl="0" algn="l">
+            <a:pPr marL="0" lvl="0" indent="0" algn="l" rtl="0">
               <a:spcBef>
                 <a:spcPts val="1200"/>
               </a:spcBef>
@@ -7307,7 +7471,7 @@
             <a:endParaRPr/>
           </a:p>
           <a:p>
-            <a:pPr indent="0" lvl="0" marL="0" rtl="0" algn="l">
+            <a:pPr marL="0" lvl="0" indent="0" algn="l" rtl="0">
               <a:spcBef>
                 <a:spcPts val="1200"/>
               </a:spcBef>
@@ -7318,20 +7482,12 @@
             </a:pPr>
             <a:r>
               <a:rPr lang="en"/>
-              <a:t>Floating-Point </a:t>
+              <a:t>Floating-Point Conversion and Normalizer				- Justin Qiao</a:t>
             </a:r>
-            <a:r>
-              <a:rPr lang="en"/>
-              <a:t>Conversion and Normalizer</a:t>
-            </a:r>
-            <a:r>
-              <a:rPr lang="en"/>
-              <a:t>				- Justin Qiao</a:t>
-            </a:r>
-            <a:endParaRPr/>
-          </a:p>
-          <a:p>
-            <a:pPr indent="0" lvl="0" marL="0" rtl="0" algn="l">
+            <a:endParaRPr/>
+          </a:p>
+          <a:p>
+            <a:pPr marL="0" lvl="0" indent="0" algn="l" rtl="0">
               <a:spcBef>
                 <a:spcPts val="1200"/>
               </a:spcBef>
@@ -7347,7 +7503,7 @@
             <a:endParaRPr/>
           </a:p>
           <a:p>
-            <a:pPr indent="0" lvl="0" marL="0" rtl="0" algn="l">
+            <a:pPr marL="0" lvl="0" indent="0" algn="l" rtl="0">
               <a:spcBef>
                 <a:spcPts val="1200"/>
               </a:spcBef>
@@ -7363,7 +7519,7 @@
             <a:endParaRPr/>
           </a:p>
           <a:p>
-            <a:pPr indent="0" lvl="0" marL="0" rtl="0" algn="l">
+            <a:pPr marL="0" lvl="0" indent="0" algn="l" rtl="0">
               <a:spcBef>
                 <a:spcPts val="1200"/>
               </a:spcBef>
@@ -7379,7 +7535,7 @@
             <a:endParaRPr/>
           </a:p>
           <a:p>
-            <a:pPr indent="0" lvl="0" marL="0" rtl="0" algn="l">
+            <a:pPr marL="0" lvl="0" indent="0" algn="l" rtl="0">
               <a:spcBef>
                 <a:spcPts val="1200"/>
               </a:spcBef>
@@ -7395,7 +7551,7 @@
             <a:endParaRPr/>
           </a:p>
           <a:p>
-            <a:pPr indent="0" lvl="0" marL="0" rtl="0" algn="l">
+            <a:pPr marL="0" lvl="0" indent="0" algn="l" rtl="0">
               <a:spcBef>
                 <a:spcPts val="1200"/>
               </a:spcBef>
@@ -7411,7 +7567,7 @@
             <a:endParaRPr/>
           </a:p>
           <a:p>
-            <a:pPr indent="0" lvl="0" marL="0" rtl="0" algn="l">
+            <a:pPr marL="0" lvl="0" indent="0" algn="l" rtl="0">
               <a:spcBef>
                 <a:spcPts val="1200"/>
               </a:spcBef>
@@ -7422,16 +7578,12 @@
             </a:pPr>
             <a:r>
               <a:rPr lang="en"/>
-              <a:t>Out of order processing </a:t>
+              <a:t>Out of order processing - add scheduler					- Harry Zhao</a:t>
             </a:r>
-            <a:r>
-              <a:rPr lang="en"/>
-              <a:t>- add scheduler					- Harry Zhao</a:t>
-            </a:r>
-            <a:endParaRPr/>
-          </a:p>
-          <a:p>
-            <a:pPr indent="0" lvl="0" marL="0" rtl="0" algn="l">
+            <a:endParaRPr/>
+          </a:p>
+          <a:p>
+            <a:pPr marL="0" lvl="0" indent="0" algn="l" rtl="0">
               <a:spcBef>
                 <a:spcPts val="1200"/>
               </a:spcBef>
@@ -7457,11 +7609,11 @@
 </file>
 
 <file path=ppt/slides/slide2.xml><?xml version="1.0" encoding="utf-8"?>
-<p:sld xmlns:a="http://schemas.openxmlformats.org/drawingml/2006/main" xmlns:r="http://schemas.openxmlformats.org/officeDocument/2006/relationships" xmlns:mc="http://schemas.openxmlformats.org/markup-compatibility/2006" xmlns:mv="urn:schemas-microsoft-com:mac:vml" xmlns:p="http://schemas.openxmlformats.org/presentationml/2006/main" xmlns:c="http://schemas.openxmlformats.org/drawingml/2006/chart" xmlns:dgm="http://schemas.openxmlformats.org/drawingml/2006/diagram" xmlns:o="urn:schemas-microsoft-com:office:office" xmlns:v="urn:schemas-microsoft-com:vml" xmlns:pvml="urn:schemas-microsoft-com:office:powerpoint" xmlns:com="http://schemas.openxmlformats.org/drawingml/2006/compatibility" xmlns:p14="http://schemas.microsoft.com/office/powerpoint/2010/main" xmlns:p15="http://schemas.microsoft.com/office/powerpoint/2012/main" xmlns:ahyp="http://schemas.microsoft.com/office/drawing/2018/hyperlinkcolor">
+<p:sld xmlns:a="http://schemas.openxmlformats.org/drawingml/2006/main" xmlns:r="http://schemas.openxmlformats.org/officeDocument/2006/relationships" xmlns:p="http://schemas.openxmlformats.org/presentationml/2006/main">
   <p:cSld>
     <p:spTree>
       <p:nvGrpSpPr>
-        <p:cNvPr id="58" name="Shape 58"/>
+        <p:cNvPr id="1" name="Shape 58"/>
         <p:cNvGrpSpPr/>
         <p:nvPr/>
       </p:nvGrpSpPr>
@@ -7476,7 +7628,9 @@
       <p:sp>
         <p:nvSpPr>
           <p:cNvPr id="59" name="Google Shape;59;p14"/>
-          <p:cNvSpPr txBox="1"/>
+          <p:cNvSpPr txBox="1">
+            <a:spLocks noGrp="1"/>
+          </p:cNvSpPr>
           <p:nvPr>
             <p:ph type="title"/>
           </p:nvPr>
@@ -7491,12 +7645,12 @@
           </a:prstGeom>
         </p:spPr>
         <p:txBody>
-          <a:bodyPr anchorCtr="0" anchor="t" bIns="91425" lIns="91425" spcFirstLastPara="1" rIns="91425" wrap="square" tIns="91425">
+          <a:bodyPr spcFirstLastPara="1" wrap="square" lIns="91425" tIns="91425" rIns="91425" bIns="91425" anchor="t" anchorCtr="0">
             <a:normAutofit fontScale="90000"/>
           </a:bodyPr>
           <a:lstStyle/>
           <a:p>
-            <a:pPr indent="0" lvl="0" marL="0" rtl="0" algn="l">
+            <a:pPr marL="0" lvl="0" indent="0" algn="l" rtl="0">
               <a:spcBef>
                 <a:spcPts val="0"/>
               </a:spcBef>
@@ -7516,9 +7670,11 @@
       <p:sp>
         <p:nvSpPr>
           <p:cNvPr id="60" name="Google Shape;60;p14"/>
-          <p:cNvSpPr txBox="1"/>
+          <p:cNvSpPr txBox="1">
+            <a:spLocks noGrp="1"/>
+          </p:cNvSpPr>
           <p:nvPr>
-            <p:ph idx="1" type="body"/>
+            <p:ph type="body" idx="1"/>
           </p:nvPr>
         </p:nvSpPr>
         <p:spPr>
@@ -7531,12 +7687,12 @@
           </a:prstGeom>
         </p:spPr>
         <p:txBody>
-          <a:bodyPr anchorCtr="0" anchor="t" bIns="91425" lIns="91425" spcFirstLastPara="1" rIns="91425" wrap="square" tIns="91425">
+          <a:bodyPr spcFirstLastPara="1" wrap="square" lIns="91425" tIns="91425" rIns="91425" bIns="91425" anchor="t" anchorCtr="0">
             <a:normAutofit lnSpcReduction="20000"/>
           </a:bodyPr>
           <a:lstStyle/>
           <a:p>
-            <a:pPr indent="0" lvl="0" marL="0" rtl="0" algn="l">
+            <a:pPr marL="0" lvl="0" indent="0" algn="l" rtl="0">
               <a:spcBef>
                 <a:spcPts val="0"/>
               </a:spcBef>
@@ -7552,7 +7708,7 @@
             <a:endParaRPr/>
           </a:p>
           <a:p>
-            <a:pPr indent="0" lvl="0" marL="0" rtl="0" algn="l">
+            <a:pPr marL="0" lvl="0" indent="0" algn="l" rtl="0">
               <a:spcBef>
                 <a:spcPts val="1200"/>
               </a:spcBef>
@@ -7568,7 +7724,7 @@
             <a:endParaRPr/>
           </a:p>
           <a:p>
-            <a:pPr indent="0" lvl="0" marL="0" rtl="0" algn="l">
+            <a:pPr marL="0" lvl="0" indent="0" algn="l" rtl="0">
               <a:spcBef>
                 <a:spcPts val="1200"/>
               </a:spcBef>
@@ -7584,7 +7740,7 @@
             <a:endParaRPr/>
           </a:p>
           <a:p>
-            <a:pPr indent="0" lvl="0" marL="0" rtl="0" algn="l">
+            <a:pPr marL="0" lvl="0" indent="0" algn="l" rtl="0">
               <a:spcBef>
                 <a:spcPts val="1200"/>
               </a:spcBef>
@@ -7610,11 +7766,11 @@
 </file>
 
 <file path=ppt/slides/slide3.xml><?xml version="1.0" encoding="utf-8"?>
-<p:sld xmlns:a="http://schemas.openxmlformats.org/drawingml/2006/main" xmlns:r="http://schemas.openxmlformats.org/officeDocument/2006/relationships" xmlns:mc="http://schemas.openxmlformats.org/markup-compatibility/2006" xmlns:mv="urn:schemas-microsoft-com:mac:vml" xmlns:p="http://schemas.openxmlformats.org/presentationml/2006/main" xmlns:c="http://schemas.openxmlformats.org/drawingml/2006/chart" xmlns:dgm="http://schemas.openxmlformats.org/drawingml/2006/diagram" xmlns:o="urn:schemas-microsoft-com:office:office" xmlns:v="urn:schemas-microsoft-com:vml" xmlns:pvml="urn:schemas-microsoft-com:office:powerpoint" xmlns:com="http://schemas.openxmlformats.org/drawingml/2006/compatibility" xmlns:p14="http://schemas.microsoft.com/office/powerpoint/2010/main" xmlns:p15="http://schemas.microsoft.com/office/powerpoint/2012/main" xmlns:ahyp="http://schemas.microsoft.com/office/drawing/2018/hyperlinkcolor">
+<p:sld xmlns:a="http://schemas.openxmlformats.org/drawingml/2006/main" xmlns:r="http://schemas.openxmlformats.org/officeDocument/2006/relationships" xmlns:p="http://schemas.openxmlformats.org/presentationml/2006/main">
   <p:cSld>
     <p:spTree>
       <p:nvGrpSpPr>
-        <p:cNvPr id="64" name="Shape 64"/>
+        <p:cNvPr id="1" name="Shape 64"/>
         <p:cNvGrpSpPr/>
         <p:nvPr/>
       </p:nvGrpSpPr>
@@ -7643,34 +7799,31 @@
           <a:solidFill>
             <a:srgbClr val="FFF2CC"/>
           </a:solidFill>
-          <a:ln cap="flat" cmpd="sng" w="28575">
+          <a:ln w="28575" cap="flat" cmpd="sng">
             <a:solidFill>
               <a:srgbClr val="38761D"/>
             </a:solidFill>
             <a:prstDash val="solid"/>
             <a:round/>
-            <a:headEnd len="sm" w="sm" type="none"/>
-            <a:tailEnd len="sm" w="sm" type="none"/>
+            <a:headEnd type="none" w="sm" len="sm"/>
+            <a:tailEnd type="none" w="sm" len="sm"/>
           </a:ln>
         </p:spPr>
         <p:txBody>
-          <a:bodyPr anchorCtr="0" anchor="ctr" bIns="91425" lIns="91425" spcFirstLastPara="1" rIns="91425" wrap="square" tIns="91425">
+          <a:bodyPr spcFirstLastPara="1" wrap="square" lIns="91425" tIns="91425" rIns="91425" bIns="91425" anchor="ctr" anchorCtr="0">
             <a:noAutofit/>
           </a:bodyPr>
           <a:lstStyle/>
           <a:p>
-            <a:pPr indent="0" lvl="0" marL="0" rtl="0" algn="l">
-              <a:spcBef>
-                <a:spcPts val="0"/>
-              </a:spcBef>
-              <a:spcAft>
-                <a:spcPts val="0"/>
-              </a:spcAft>
-              <a:buNone/>
-            </a:pPr>
-            <a:r>
-              <a:t/>
-            </a:r>
+            <a:pPr marL="0" lvl="0" indent="0" algn="l" rtl="0">
+              <a:spcBef>
+                <a:spcPts val="0"/>
+              </a:spcBef>
+              <a:spcAft>
+                <a:spcPts val="0"/>
+              </a:spcAft>
+              <a:buNone/>
+            </a:pPr>
             <a:endParaRPr/>
           </a:p>
         </p:txBody>
@@ -7695,12 +7848,12 @@
           </a:ln>
         </p:spPr>
         <p:txBody>
-          <a:bodyPr anchorCtr="0" anchor="t" bIns="91425" lIns="91425" spcFirstLastPara="1" rIns="91425" wrap="square" tIns="91425">
+          <a:bodyPr spcFirstLastPara="1" wrap="square" lIns="91425" tIns="91425" rIns="91425" bIns="91425" anchor="t" anchorCtr="0">
             <a:spAutoFit/>
           </a:bodyPr>
           <a:lstStyle/>
           <a:p>
-            <a:pPr indent="0" lvl="0" marL="0" rtl="0" algn="l">
+            <a:pPr marL="0" lvl="0" indent="0" algn="l" rtl="0">
               <a:spcBef>
                 <a:spcPts val="0"/>
               </a:spcBef>
@@ -7710,10 +7863,10 @@
               <a:buNone/>
             </a:pPr>
             <a:r>
-              <a:rPr b="1" i="1" lang="en" sz="1000"/>
+              <a:rPr lang="en" sz="1000" b="1" i="1"/>
               <a:t>Image_recognition.sv</a:t>
             </a:r>
-            <a:endParaRPr b="1" i="1" sz="1000"/>
+            <a:endParaRPr sz="1000" b="1" i="1"/>
           </a:p>
         </p:txBody>
       </p:sp>
@@ -7734,34 +7887,31 @@
           <a:solidFill>
             <a:srgbClr val="FF9900"/>
           </a:solidFill>
-          <a:ln cap="flat" cmpd="sng" w="9525">
+          <a:ln w="9525" cap="flat" cmpd="sng">
             <a:solidFill>
               <a:schemeClr val="dk1"/>
             </a:solidFill>
             <a:prstDash val="solid"/>
             <a:round/>
-            <a:headEnd len="sm" w="sm" type="none"/>
-            <a:tailEnd len="sm" w="sm" type="none"/>
+            <a:headEnd type="none" w="sm" len="sm"/>
+            <a:tailEnd type="none" w="sm" len="sm"/>
           </a:ln>
         </p:spPr>
         <p:txBody>
-          <a:bodyPr anchorCtr="0" anchor="ctr" bIns="91425" lIns="91425" spcFirstLastPara="1" rIns="91425" wrap="square" tIns="91425">
+          <a:bodyPr spcFirstLastPara="1" wrap="square" lIns="91425" tIns="91425" rIns="91425" bIns="91425" anchor="ctr" anchorCtr="0">
             <a:noAutofit/>
           </a:bodyPr>
           <a:lstStyle/>
           <a:p>
-            <a:pPr indent="0" lvl="0" marL="0" rtl="0" algn="l">
-              <a:spcBef>
-                <a:spcPts val="0"/>
-              </a:spcBef>
-              <a:spcAft>
-                <a:spcPts val="0"/>
-              </a:spcAft>
-              <a:buNone/>
-            </a:pPr>
-            <a:r>
-              <a:t/>
-            </a:r>
+            <a:pPr marL="0" lvl="0" indent="0" algn="l" rtl="0">
+              <a:spcBef>
+                <a:spcPts val="0"/>
+              </a:spcBef>
+              <a:spcAft>
+                <a:spcPts val="0"/>
+              </a:spcAft>
+              <a:buNone/>
+            </a:pPr>
             <a:endParaRPr/>
           </a:p>
         </p:txBody>
@@ -7786,12 +7936,12 @@
           </a:ln>
         </p:spPr>
         <p:txBody>
-          <a:bodyPr anchorCtr="0" anchor="t" bIns="91425" lIns="91425" spcFirstLastPara="1" rIns="91425" wrap="square" tIns="91425">
+          <a:bodyPr spcFirstLastPara="1" wrap="square" lIns="91425" tIns="91425" rIns="91425" bIns="91425" anchor="t" anchorCtr="0">
             <a:spAutoFit/>
           </a:bodyPr>
           <a:lstStyle/>
           <a:p>
-            <a:pPr indent="0" lvl="0" marL="0" rtl="0" algn="l">
+            <a:pPr marL="0" lvl="0" indent="0" algn="l" rtl="0">
               <a:spcBef>
                 <a:spcPts val="0"/>
               </a:spcBef>
@@ -7849,41 +7999,38 @@
           </a:xfrm>
           <a:prstGeom prst="rightArrow">
             <a:avLst>
-              <a:gd fmla="val 50000" name="adj1"/>
-              <a:gd fmla="val 48772" name="adj2"/>
+              <a:gd name="adj1" fmla="val 50000"/>
+              <a:gd name="adj2" fmla="val 48772"/>
             </a:avLst>
           </a:prstGeom>
           <a:solidFill>
             <a:srgbClr val="CCCCCC"/>
           </a:solidFill>
-          <a:ln cap="flat" cmpd="sng" w="9525">
+          <a:ln w="9525" cap="flat" cmpd="sng">
             <a:solidFill>
               <a:srgbClr val="000000"/>
             </a:solidFill>
             <a:prstDash val="solid"/>
             <a:round/>
-            <a:headEnd len="sm" w="sm" type="none"/>
-            <a:tailEnd len="sm" w="sm" type="none"/>
+            <a:headEnd type="none" w="sm" len="sm"/>
+            <a:tailEnd type="none" w="sm" len="sm"/>
           </a:ln>
         </p:spPr>
         <p:txBody>
-          <a:bodyPr anchorCtr="0" anchor="ctr" bIns="91425" lIns="91425" spcFirstLastPara="1" rIns="91425" wrap="square" tIns="91425">
+          <a:bodyPr spcFirstLastPara="1" wrap="square" lIns="91425" tIns="91425" rIns="91425" bIns="91425" anchor="ctr" anchorCtr="0">
             <a:noAutofit/>
           </a:bodyPr>
           <a:lstStyle/>
           <a:p>
-            <a:pPr indent="0" lvl="0" marL="0" rtl="0" algn="l">
-              <a:spcBef>
-                <a:spcPts val="0"/>
-              </a:spcBef>
-              <a:spcAft>
-                <a:spcPts val="0"/>
-              </a:spcAft>
-              <a:buNone/>
-            </a:pPr>
-            <a:r>
-              <a:t/>
-            </a:r>
+            <a:pPr marL="0" lvl="0" indent="0" algn="l" rtl="0">
+              <a:spcBef>
+                <a:spcPts val="0"/>
+              </a:spcBef>
+              <a:spcAft>
+                <a:spcPts val="0"/>
+              </a:spcAft>
+              <a:buNone/>
+            </a:pPr>
             <a:endParaRPr/>
           </a:p>
         </p:txBody>
@@ -7905,34 +8052,31 @@
           <a:solidFill>
             <a:srgbClr val="B6D7A8"/>
           </a:solidFill>
-          <a:ln cap="flat" cmpd="sng" w="9525">
+          <a:ln w="9525" cap="flat" cmpd="sng">
             <a:solidFill>
               <a:schemeClr val="dk2"/>
             </a:solidFill>
             <a:prstDash val="solid"/>
             <a:round/>
-            <a:headEnd len="sm" w="sm" type="none"/>
-            <a:tailEnd len="sm" w="sm" type="none"/>
+            <a:headEnd type="none" w="sm" len="sm"/>
+            <a:tailEnd type="none" w="sm" len="sm"/>
           </a:ln>
         </p:spPr>
         <p:txBody>
-          <a:bodyPr anchorCtr="0" anchor="ctr" bIns="91425" lIns="91425" spcFirstLastPara="1" rIns="91425" wrap="square" tIns="91425">
+          <a:bodyPr spcFirstLastPara="1" wrap="square" lIns="91425" tIns="91425" rIns="91425" bIns="91425" anchor="ctr" anchorCtr="0">
             <a:noAutofit/>
           </a:bodyPr>
           <a:lstStyle/>
           <a:p>
-            <a:pPr indent="0" lvl="0" marL="0" rtl="0" algn="l">
-              <a:spcBef>
-                <a:spcPts val="0"/>
-              </a:spcBef>
-              <a:spcAft>
-                <a:spcPts val="0"/>
-              </a:spcAft>
-              <a:buNone/>
-            </a:pPr>
-            <a:r>
-              <a:t/>
-            </a:r>
+            <a:pPr marL="0" lvl="0" indent="0" algn="l" rtl="0">
+              <a:spcBef>
+                <a:spcPts val="0"/>
+              </a:spcBef>
+              <a:spcAft>
+                <a:spcPts val="0"/>
+              </a:spcAft>
+              <a:buNone/>
+            </a:pPr>
             <a:endParaRPr/>
           </a:p>
         </p:txBody>
@@ -7957,12 +8101,12 @@
           </a:ln>
         </p:spPr>
         <p:txBody>
-          <a:bodyPr anchorCtr="0" anchor="t" bIns="91425" lIns="91425" spcFirstLastPara="1" rIns="91425" wrap="square" tIns="91425">
+          <a:bodyPr spcFirstLastPara="1" wrap="square" lIns="91425" tIns="91425" rIns="91425" bIns="91425" anchor="t" anchorCtr="0">
             <a:spAutoFit/>
           </a:bodyPr>
           <a:lstStyle/>
           <a:p>
-            <a:pPr indent="0" lvl="0" marL="0" rtl="0" algn="l">
+            <a:pPr marL="0" lvl="0" indent="0" algn="l" rtl="0">
               <a:spcBef>
                 <a:spcPts val="0"/>
               </a:spcBef>
@@ -7972,7 +8116,7 @@
               <a:buNone/>
             </a:pPr>
             <a:r>
-              <a:rPr b="1" i="1" lang="en"/>
+              <a:rPr lang="en" b="1" i="1"/>
               <a:t>Extended CPU</a:t>
             </a:r>
             <a:endParaRPr b="1" i="1"/>
@@ -7996,23 +8140,23 @@
           <a:solidFill>
             <a:schemeClr val="accent6"/>
           </a:solidFill>
-          <a:ln cap="flat" cmpd="sng" w="9525">
+          <a:ln w="9525" cap="flat" cmpd="sng">
             <a:solidFill>
               <a:schemeClr val="dk1"/>
             </a:solidFill>
             <a:prstDash val="solid"/>
             <a:round/>
-            <a:headEnd len="sm" w="sm" type="none"/>
-            <a:tailEnd len="sm" w="sm" type="none"/>
+            <a:headEnd type="none" w="sm" len="sm"/>
+            <a:tailEnd type="none" w="sm" len="sm"/>
           </a:ln>
         </p:spPr>
         <p:txBody>
-          <a:bodyPr anchorCtr="0" anchor="ctr" bIns="91425" lIns="91425" spcFirstLastPara="1" rIns="91425" wrap="square" tIns="91425">
+          <a:bodyPr spcFirstLastPara="1" wrap="square" lIns="91425" tIns="91425" rIns="91425" bIns="91425" anchor="ctr" anchorCtr="0">
             <a:noAutofit/>
           </a:bodyPr>
           <a:lstStyle/>
           <a:p>
-            <a:pPr indent="0" lvl="0" marL="0" rtl="0" algn="l">
+            <a:pPr marL="0" lvl="0" indent="0" algn="l" rtl="0">
               <a:spcBef>
                 <a:spcPts val="0"/>
               </a:spcBef>
@@ -8046,23 +8190,23 @@
           <a:solidFill>
             <a:srgbClr val="A4C2F4"/>
           </a:solidFill>
-          <a:ln cap="flat" cmpd="sng" w="9525">
+          <a:ln w="9525" cap="flat" cmpd="sng">
             <a:solidFill>
               <a:schemeClr val="dk1"/>
             </a:solidFill>
             <a:prstDash val="solid"/>
             <a:round/>
-            <a:headEnd len="sm" w="sm" type="none"/>
-            <a:tailEnd len="sm" w="sm" type="none"/>
+            <a:headEnd type="none" w="sm" len="sm"/>
+            <a:tailEnd type="none" w="sm" len="sm"/>
           </a:ln>
         </p:spPr>
         <p:txBody>
-          <a:bodyPr anchorCtr="0" anchor="ctr" bIns="91425" lIns="91425" spcFirstLastPara="1" rIns="91425" wrap="square" tIns="91425">
+          <a:bodyPr spcFirstLastPara="1" wrap="square" lIns="91425" tIns="91425" rIns="91425" bIns="91425" anchor="ctr" anchorCtr="0">
             <a:noAutofit/>
           </a:bodyPr>
           <a:lstStyle/>
           <a:p>
-            <a:pPr indent="0" lvl="0" marL="0" rtl="0" algn="l">
+            <a:pPr marL="0" lvl="0" indent="0" algn="l" rtl="0">
               <a:spcBef>
                 <a:spcPts val="0"/>
               </a:spcBef>
@@ -8096,23 +8240,23 @@
           <a:solidFill>
             <a:srgbClr val="F4CCCC"/>
           </a:solidFill>
-          <a:ln cap="flat" cmpd="sng" w="9525">
+          <a:ln w="9525" cap="flat" cmpd="sng">
             <a:solidFill>
               <a:schemeClr val="dk1"/>
             </a:solidFill>
             <a:prstDash val="solid"/>
             <a:round/>
-            <a:headEnd len="sm" w="sm" type="none"/>
-            <a:tailEnd len="sm" w="sm" type="none"/>
+            <a:headEnd type="none" w="sm" len="sm"/>
+            <a:tailEnd type="none" w="sm" len="sm"/>
           </a:ln>
         </p:spPr>
         <p:txBody>
-          <a:bodyPr anchorCtr="0" anchor="ctr" bIns="91425" lIns="91425" spcFirstLastPara="1" rIns="91425" wrap="square" tIns="91425">
+          <a:bodyPr spcFirstLastPara="1" wrap="square" lIns="91425" tIns="91425" rIns="91425" bIns="91425" anchor="ctr" anchorCtr="0">
             <a:noAutofit/>
           </a:bodyPr>
           <a:lstStyle/>
           <a:p>
-            <a:pPr indent="0" lvl="0" marL="0" rtl="0" algn="l">
+            <a:pPr marL="0" lvl="0" indent="0" algn="l" rtl="0">
               <a:spcBef>
                 <a:spcPts val="0"/>
               </a:spcBef>
@@ -8146,23 +8290,23 @@
           <a:solidFill>
             <a:srgbClr val="D9D2E9"/>
           </a:solidFill>
-          <a:ln cap="flat" cmpd="sng" w="9525">
+          <a:ln w="9525" cap="flat" cmpd="sng">
             <a:solidFill>
               <a:schemeClr val="dk1"/>
             </a:solidFill>
             <a:prstDash val="solid"/>
             <a:round/>
-            <a:headEnd len="sm" w="sm" type="none"/>
-            <a:tailEnd len="sm" w="sm" type="none"/>
+            <a:headEnd type="none" w="sm" len="sm"/>
+            <a:tailEnd type="none" w="sm" len="sm"/>
           </a:ln>
         </p:spPr>
         <p:txBody>
-          <a:bodyPr anchorCtr="0" anchor="ctr" bIns="91425" lIns="91425" spcFirstLastPara="1" rIns="91425" wrap="square" tIns="91425">
+          <a:bodyPr spcFirstLastPara="1" wrap="square" lIns="91425" tIns="91425" rIns="91425" bIns="91425" anchor="ctr" anchorCtr="0">
             <a:noAutofit/>
           </a:bodyPr>
           <a:lstStyle/>
           <a:p>
-            <a:pPr indent="0" lvl="0" marL="0" rtl="0" algn="l">
+            <a:pPr marL="0" lvl="0" indent="0" algn="l" rtl="0">
               <a:spcBef>
                 <a:spcPts val="0"/>
               </a:spcBef>
@@ -8196,14 +8340,14 @@
             <a:avLst/>
           </a:prstGeom>
           <a:noFill/>
-          <a:ln cap="flat" cmpd="sng" w="9525">
+          <a:ln w="9525" cap="flat" cmpd="sng">
             <a:solidFill>
               <a:schemeClr val="dk2"/>
             </a:solidFill>
             <a:prstDash val="solid"/>
             <a:round/>
-            <a:headEnd len="med" w="med" type="none"/>
-            <a:tailEnd len="med" w="med" type="triangle"/>
+            <a:headEnd type="none" w="med" len="med"/>
+            <a:tailEnd type="triangle" w="med" len="med"/>
           </a:ln>
         </p:spPr>
       </p:cxnSp>
@@ -8227,12 +8371,12 @@
           </a:ln>
         </p:spPr>
         <p:txBody>
-          <a:bodyPr anchorCtr="0" anchor="t" bIns="91425" lIns="91425" spcFirstLastPara="1" rIns="91425" wrap="square" tIns="91425">
+          <a:bodyPr spcFirstLastPara="1" wrap="square" lIns="91425" tIns="91425" rIns="91425" bIns="91425" anchor="t" anchorCtr="0">
             <a:spAutoFit/>
           </a:bodyPr>
           <a:lstStyle/>
           <a:p>
-            <a:pPr indent="0" lvl="0" marL="0" rtl="0" algn="l">
+            <a:pPr marL="0" lvl="0" indent="0" algn="l" rtl="0">
               <a:spcBef>
                 <a:spcPts val="0"/>
               </a:spcBef>
@@ -8266,23 +8410,23 @@
           <a:solidFill>
             <a:srgbClr val="FCE5CD"/>
           </a:solidFill>
-          <a:ln cap="flat" cmpd="sng" w="9525">
+          <a:ln w="9525" cap="flat" cmpd="sng">
             <a:solidFill>
               <a:schemeClr val="dk2"/>
             </a:solidFill>
             <a:prstDash val="solid"/>
             <a:round/>
-            <a:headEnd len="sm" w="sm" type="none"/>
-            <a:tailEnd len="sm" w="sm" type="none"/>
+            <a:headEnd type="none" w="sm" len="sm"/>
+            <a:tailEnd type="none" w="sm" len="sm"/>
           </a:ln>
         </p:spPr>
         <p:txBody>
-          <a:bodyPr anchorCtr="0" anchor="ctr" bIns="91425" lIns="91425" spcFirstLastPara="1" rIns="91425" wrap="square" tIns="91425">
+          <a:bodyPr spcFirstLastPara="1" wrap="square" lIns="91425" tIns="91425" rIns="91425" bIns="91425" anchor="ctr" anchorCtr="0">
             <a:noAutofit/>
           </a:bodyPr>
           <a:lstStyle/>
           <a:p>
-            <a:pPr indent="0" lvl="0" marL="0" rtl="0" algn="l">
+            <a:pPr marL="0" lvl="0" indent="0" algn="l" rtl="0">
               <a:spcBef>
                 <a:spcPts val="0"/>
               </a:spcBef>
@@ -8317,14 +8461,14 @@
             <a:avLst/>
           </a:prstGeom>
           <a:noFill/>
-          <a:ln cap="flat" cmpd="sng" w="9525">
+          <a:ln w="9525" cap="flat" cmpd="sng">
             <a:solidFill>
               <a:schemeClr val="dk2"/>
             </a:solidFill>
             <a:prstDash val="solid"/>
             <a:round/>
-            <a:headEnd len="med" w="med" type="none"/>
-            <a:tailEnd len="med" w="med" type="triangle"/>
+            <a:headEnd type="none" w="med" len="med"/>
+            <a:tailEnd type="triangle" w="med" len="med"/>
           </a:ln>
         </p:spPr>
       </p:cxnSp>
@@ -8346,14 +8490,14 @@
             <a:avLst/>
           </a:prstGeom>
           <a:noFill/>
-          <a:ln cap="flat" cmpd="sng" w="9525">
+          <a:ln w="9525" cap="flat" cmpd="sng">
             <a:solidFill>
               <a:schemeClr val="dk2"/>
             </a:solidFill>
             <a:prstDash val="solid"/>
             <a:round/>
-            <a:headEnd len="med" w="med" type="none"/>
-            <a:tailEnd len="med" w="med" type="triangle"/>
+            <a:headEnd type="none" w="med" len="med"/>
+            <a:tailEnd type="triangle" w="med" len="med"/>
           </a:ln>
         </p:spPr>
       </p:cxnSp>
@@ -8374,23 +8518,23 @@
           <a:solidFill>
             <a:srgbClr val="CFE2F3"/>
           </a:solidFill>
-          <a:ln cap="flat" cmpd="sng" w="9525">
+          <a:ln w="9525" cap="flat" cmpd="sng">
             <a:solidFill>
               <a:schemeClr val="dk1"/>
             </a:solidFill>
             <a:prstDash val="solid"/>
             <a:round/>
-            <a:headEnd len="sm" w="sm" type="none"/>
-            <a:tailEnd len="sm" w="sm" type="none"/>
+            <a:headEnd type="none" w="sm" len="sm"/>
+            <a:tailEnd type="none" w="sm" len="sm"/>
           </a:ln>
         </p:spPr>
         <p:txBody>
-          <a:bodyPr anchorCtr="0" anchor="ctr" bIns="91425" lIns="91425" spcFirstLastPara="1" rIns="91425" wrap="square" tIns="91425">
+          <a:bodyPr spcFirstLastPara="1" wrap="square" lIns="91425" tIns="91425" rIns="91425" bIns="91425" anchor="ctr" anchorCtr="0">
             <a:noAutofit/>
           </a:bodyPr>
           <a:lstStyle/>
           <a:p>
-            <a:pPr indent="0" lvl="0" marL="0" rtl="0" algn="l">
+            <a:pPr marL="0" lvl="0" indent="0" algn="l" rtl="0">
               <a:spcBef>
                 <a:spcPts val="0"/>
               </a:spcBef>
@@ -8424,14 +8568,14 @@
             <a:avLst/>
           </a:prstGeom>
           <a:noFill/>
-          <a:ln cap="flat" cmpd="sng" w="9525">
+          <a:ln w="9525" cap="flat" cmpd="sng">
             <a:solidFill>
               <a:schemeClr val="dk2"/>
             </a:solidFill>
             <a:prstDash val="solid"/>
             <a:round/>
-            <a:headEnd len="med" w="med" type="none"/>
-            <a:tailEnd len="med" w="med" type="triangle"/>
+            <a:headEnd type="none" w="med" len="med"/>
+            <a:tailEnd type="triangle" w="med" len="med"/>
           </a:ln>
         </p:spPr>
       </p:cxnSp>
@@ -8450,14 +8594,14 @@
             <a:avLst/>
           </a:prstGeom>
           <a:noFill/>
-          <a:ln cap="flat" cmpd="sng" w="9525">
+          <a:ln w="9525" cap="flat" cmpd="sng">
             <a:solidFill>
               <a:schemeClr val="dk2"/>
             </a:solidFill>
             <a:prstDash val="solid"/>
             <a:round/>
-            <a:headEnd len="med" w="med" type="none"/>
-            <a:tailEnd len="med" w="med" type="triangle"/>
+            <a:headEnd type="none" w="med" len="med"/>
+            <a:tailEnd type="triangle" w="med" len="med"/>
           </a:ln>
         </p:spPr>
       </p:cxnSp>
@@ -8481,12 +8625,12 @@
           </a:ln>
         </p:spPr>
         <p:txBody>
-          <a:bodyPr anchorCtr="0" anchor="t" bIns="91425" lIns="91425" spcFirstLastPara="1" rIns="91425" wrap="square" tIns="91425">
+          <a:bodyPr spcFirstLastPara="1" wrap="square" lIns="91425" tIns="91425" rIns="91425" bIns="91425" anchor="t" anchorCtr="0">
             <a:spAutoFit/>
           </a:bodyPr>
           <a:lstStyle/>
           <a:p>
-            <a:pPr indent="0" lvl="0" marL="0" rtl="0" algn="l">
+            <a:pPr marL="0" lvl="0" indent="0" algn="l" rtl="0">
               <a:spcBef>
                 <a:spcPts val="0"/>
               </a:spcBef>
@@ -8518,14 +8662,14 @@
             <a:avLst/>
           </a:prstGeom>
           <a:noFill/>
-          <a:ln cap="flat" cmpd="sng" w="9525">
+          <a:ln w="9525" cap="flat" cmpd="sng">
             <a:solidFill>
               <a:schemeClr val="dk2"/>
             </a:solidFill>
             <a:prstDash val="solid"/>
             <a:round/>
-            <a:headEnd len="med" w="med" type="none"/>
-            <a:tailEnd len="med" w="med" type="triangle"/>
+            <a:headEnd type="none" w="med" len="med"/>
+            <a:tailEnd type="triangle" w="med" len="med"/>
           </a:ln>
         </p:spPr>
       </p:cxnSp>
@@ -8549,12 +8693,12 @@
           </a:ln>
         </p:spPr>
         <p:txBody>
-          <a:bodyPr anchorCtr="0" anchor="t" bIns="91425" lIns="91425" spcFirstLastPara="1" rIns="91425" wrap="square" tIns="91425">
+          <a:bodyPr spcFirstLastPara="1" wrap="square" lIns="91425" tIns="91425" rIns="91425" bIns="91425" anchor="t" anchorCtr="0">
             <a:spAutoFit/>
           </a:bodyPr>
           <a:lstStyle/>
           <a:p>
-            <a:pPr indent="0" lvl="0" marL="0" rtl="0" algn="l">
+            <a:pPr marL="0" lvl="0" indent="0" algn="l" rtl="0">
               <a:spcBef>
                 <a:spcPts val="0"/>
               </a:spcBef>
@@ -8586,14 +8730,14 @@
             <a:avLst/>
           </a:prstGeom>
           <a:noFill/>
-          <a:ln cap="flat" cmpd="sng" w="9525">
+          <a:ln w="9525" cap="flat" cmpd="sng">
             <a:solidFill>
               <a:schemeClr val="dk2"/>
             </a:solidFill>
             <a:prstDash val="solid"/>
             <a:round/>
-            <a:headEnd len="med" w="med" type="none"/>
-            <a:tailEnd len="med" w="med" type="triangle"/>
+            <a:headEnd type="none" w="med" len="med"/>
+            <a:tailEnd type="triangle" w="med" len="med"/>
           </a:ln>
         </p:spPr>
       </p:cxnSp>
@@ -8617,12 +8761,12 @@
           </a:ln>
         </p:spPr>
         <p:txBody>
-          <a:bodyPr anchorCtr="0" anchor="t" bIns="91425" lIns="91425" spcFirstLastPara="1" rIns="91425" wrap="square" tIns="91425">
+          <a:bodyPr spcFirstLastPara="1" wrap="square" lIns="91425" tIns="91425" rIns="91425" bIns="91425" anchor="t" anchorCtr="0">
             <a:spAutoFit/>
           </a:bodyPr>
           <a:lstStyle/>
           <a:p>
-            <a:pPr indent="0" lvl="0" marL="0" rtl="0" algn="l">
+            <a:pPr marL="0" lvl="0" indent="0" algn="l" rtl="0">
               <a:spcBef>
                 <a:spcPts val="0"/>
               </a:spcBef>
@@ -8654,14 +8798,14 @@
             <a:avLst/>
           </a:prstGeom>
           <a:noFill/>
-          <a:ln cap="flat" cmpd="sng" w="9525">
+          <a:ln w="9525" cap="flat" cmpd="sng">
             <a:solidFill>
               <a:schemeClr val="dk2"/>
             </a:solidFill>
             <a:prstDash val="solid"/>
             <a:round/>
-            <a:headEnd len="med" w="med" type="none"/>
-            <a:tailEnd len="med" w="med" type="triangle"/>
+            <a:headEnd type="none" w="med" len="med"/>
+            <a:tailEnd type="triangle" w="med" len="med"/>
           </a:ln>
         </p:spPr>
       </p:cxnSp>
@@ -8685,12 +8829,12 @@
           </a:ln>
         </p:spPr>
         <p:txBody>
-          <a:bodyPr anchorCtr="0" anchor="t" bIns="91425" lIns="91425" spcFirstLastPara="1" rIns="91425" wrap="square" tIns="91425">
+          <a:bodyPr spcFirstLastPara="1" wrap="square" lIns="91425" tIns="91425" rIns="91425" bIns="91425" anchor="t" anchorCtr="0">
             <a:spAutoFit/>
           </a:bodyPr>
           <a:lstStyle/>
           <a:p>
-            <a:pPr indent="0" lvl="0" marL="0" rtl="0" algn="l">
+            <a:pPr marL="0" lvl="0" indent="0" algn="l" rtl="0">
               <a:spcBef>
                 <a:spcPts val="0"/>
               </a:spcBef>
@@ -8720,41 +8864,38 @@
           </a:xfrm>
           <a:prstGeom prst="rightArrow">
             <a:avLst>
-              <a:gd fmla="val 50000" name="adj1"/>
-              <a:gd fmla="val 48772" name="adj2"/>
+              <a:gd name="adj1" fmla="val 50000"/>
+              <a:gd name="adj2" fmla="val 48772"/>
             </a:avLst>
           </a:prstGeom>
           <a:solidFill>
             <a:srgbClr val="CCCCCC"/>
           </a:solidFill>
-          <a:ln cap="flat" cmpd="sng" w="9525">
+          <a:ln w="9525" cap="flat" cmpd="sng">
             <a:solidFill>
               <a:srgbClr val="000000"/>
             </a:solidFill>
             <a:prstDash val="solid"/>
             <a:round/>
-            <a:headEnd len="sm" w="sm" type="none"/>
-            <a:tailEnd len="sm" w="sm" type="none"/>
+            <a:headEnd type="none" w="sm" len="sm"/>
+            <a:tailEnd type="none" w="sm" len="sm"/>
           </a:ln>
         </p:spPr>
         <p:txBody>
-          <a:bodyPr anchorCtr="0" anchor="ctr" bIns="91425" lIns="91425" spcFirstLastPara="1" rIns="91425" wrap="square" tIns="91425">
+          <a:bodyPr spcFirstLastPara="1" wrap="square" lIns="91425" tIns="91425" rIns="91425" bIns="91425" anchor="ctr" anchorCtr="0">
             <a:noAutofit/>
           </a:bodyPr>
           <a:lstStyle/>
           <a:p>
-            <a:pPr indent="0" lvl="0" marL="0" rtl="0" algn="l">
-              <a:spcBef>
-                <a:spcPts val="0"/>
-              </a:spcBef>
-              <a:spcAft>
-                <a:spcPts val="0"/>
-              </a:spcAft>
-              <a:buNone/>
-            </a:pPr>
-            <a:r>
-              <a:t/>
-            </a:r>
+            <a:pPr marL="0" lvl="0" indent="0" algn="l" rtl="0">
+              <a:spcBef>
+                <a:spcPts val="0"/>
+              </a:spcBef>
+              <a:spcAft>
+                <a:spcPts val="0"/>
+              </a:spcAft>
+              <a:buNone/>
+            </a:pPr>
             <a:endParaRPr/>
           </a:p>
         </p:txBody>
@@ -8779,12 +8920,12 @@
           </a:ln>
         </p:spPr>
         <p:txBody>
-          <a:bodyPr anchorCtr="0" anchor="t" bIns="91425" lIns="91425" spcFirstLastPara="1" rIns="91425" wrap="square" tIns="91425">
+          <a:bodyPr spcFirstLastPara="1" wrap="square" lIns="91425" tIns="91425" rIns="91425" bIns="91425" anchor="t" anchorCtr="0">
             <a:spAutoFit/>
           </a:bodyPr>
           <a:lstStyle/>
           <a:p>
-            <a:pPr indent="0" lvl="0" marL="0" rtl="0" algn="l">
+            <a:pPr marL="0" lvl="0" indent="0" algn="l" rtl="0">
               <a:spcBef>
                 <a:spcPts val="0"/>
               </a:spcBef>
@@ -8818,14 +8959,14 @@
             <a:avLst/>
           </a:prstGeom>
           <a:noFill/>
-          <a:ln cap="flat" cmpd="sng" w="9525">
+          <a:ln w="9525" cap="flat" cmpd="sng">
             <a:solidFill>
               <a:schemeClr val="dk2"/>
             </a:solidFill>
             <a:prstDash val="solid"/>
             <a:round/>
-            <a:headEnd len="med" w="med" type="none"/>
-            <a:tailEnd len="med" w="med" type="triangle"/>
+            <a:headEnd type="none" w="med" len="med"/>
+            <a:tailEnd type="triangle" w="med" len="med"/>
           </a:ln>
         </p:spPr>
       </p:cxnSp>
@@ -8846,14 +8987,14 @@
             <a:avLst/>
           </a:prstGeom>
           <a:noFill/>
-          <a:ln cap="flat" cmpd="sng" w="9525">
+          <a:ln w="9525" cap="flat" cmpd="sng">
             <a:solidFill>
               <a:schemeClr val="dk2"/>
             </a:solidFill>
             <a:prstDash val="solid"/>
             <a:round/>
-            <a:headEnd len="med" w="med" type="none"/>
-            <a:tailEnd len="med" w="med" type="triangle"/>
+            <a:headEnd type="none" w="med" len="med"/>
+            <a:tailEnd type="triangle" w="med" len="med"/>
           </a:ln>
         </p:spPr>
       </p:cxnSp>
@@ -8870,8 +9011,8 @@
           </a:xfrm>
           <a:prstGeom prst="leftRightArrow">
             <a:avLst>
-              <a:gd fmla="val 50000" name="adj1"/>
-              <a:gd fmla="val 50000" name="adj2"/>
+              <a:gd name="adj1" fmla="val 50000"/>
+              <a:gd name="adj2" fmla="val 50000"/>
             </a:avLst>
           </a:prstGeom>
           <a:solidFill>
@@ -8882,23 +9023,20 @@
           </a:ln>
         </p:spPr>
         <p:txBody>
-          <a:bodyPr anchorCtr="0" anchor="ctr" bIns="91425" lIns="91425" spcFirstLastPara="1" rIns="91425" wrap="square" tIns="91425">
+          <a:bodyPr spcFirstLastPara="1" wrap="square" lIns="91425" tIns="91425" rIns="91425" bIns="91425" anchor="ctr" anchorCtr="0">
             <a:noAutofit/>
           </a:bodyPr>
           <a:lstStyle/>
           <a:p>
-            <a:pPr indent="0" lvl="0" marL="0" rtl="0" algn="l">
-              <a:spcBef>
-                <a:spcPts val="0"/>
-              </a:spcBef>
-              <a:spcAft>
-                <a:spcPts val="0"/>
-              </a:spcAft>
-              <a:buNone/>
-            </a:pPr>
-            <a:r>
-              <a:t/>
-            </a:r>
+            <a:pPr marL="0" lvl="0" indent="0" algn="l" rtl="0">
+              <a:spcBef>
+                <a:spcPts val="0"/>
+              </a:spcBef>
+              <a:spcAft>
+                <a:spcPts val="0"/>
+              </a:spcAft>
+              <a:buNone/>
+            </a:pPr>
             <a:endParaRPr/>
           </a:p>
         </p:txBody>
@@ -8912,11 +9050,11 @@
 </file>
 
 <file path=ppt/slides/slide4.xml><?xml version="1.0" encoding="utf-8"?>
-<p:sld xmlns:a="http://schemas.openxmlformats.org/drawingml/2006/main" xmlns:r="http://schemas.openxmlformats.org/officeDocument/2006/relationships" xmlns:mc="http://schemas.openxmlformats.org/markup-compatibility/2006" xmlns:mv="urn:schemas-microsoft-com:mac:vml" xmlns:p="http://schemas.openxmlformats.org/presentationml/2006/main" xmlns:c="http://schemas.openxmlformats.org/drawingml/2006/chart" xmlns:dgm="http://schemas.openxmlformats.org/drawingml/2006/diagram" xmlns:o="urn:schemas-microsoft-com:office:office" xmlns:v="urn:schemas-microsoft-com:vml" xmlns:pvml="urn:schemas-microsoft-com:office:powerpoint" xmlns:com="http://schemas.openxmlformats.org/drawingml/2006/compatibility" xmlns:p14="http://schemas.microsoft.com/office/powerpoint/2010/main" xmlns:p15="http://schemas.microsoft.com/office/powerpoint/2012/main" xmlns:ahyp="http://schemas.microsoft.com/office/drawing/2018/hyperlinkcolor">
+<p:sld xmlns:a="http://schemas.openxmlformats.org/drawingml/2006/main" xmlns:r="http://schemas.openxmlformats.org/officeDocument/2006/relationships" xmlns:p="http://schemas.openxmlformats.org/presentationml/2006/main">
   <p:cSld>
     <p:spTree>
       <p:nvGrpSpPr>
-        <p:cNvPr id="100" name="Shape 100"/>
+        <p:cNvPr id="1" name="Shape 100"/>
         <p:cNvGrpSpPr/>
         <p:nvPr/>
       </p:nvGrpSpPr>
@@ -8931,9 +9069,11 @@
       <p:sp>
         <p:nvSpPr>
           <p:cNvPr id="101" name="Google Shape;101;p16"/>
-          <p:cNvSpPr txBox="1"/>
+          <p:cNvSpPr txBox="1">
+            <a:spLocks noGrp="1"/>
+          </p:cNvSpPr>
           <p:nvPr>
-            <p:ph idx="4294967295" type="title"/>
+            <p:ph type="title" idx="4294967295"/>
           </p:nvPr>
         </p:nvSpPr>
         <p:spPr>
@@ -8946,12 +9086,12 @@
           </a:prstGeom>
         </p:spPr>
         <p:txBody>
-          <a:bodyPr anchorCtr="0" anchor="t" bIns="91425" lIns="91425" spcFirstLastPara="1" rIns="91425" wrap="square" tIns="91425">
+          <a:bodyPr spcFirstLastPara="1" wrap="square" lIns="91425" tIns="91425" rIns="91425" bIns="91425" anchor="t" anchorCtr="0">
             <a:normAutofit fontScale="90000"/>
           </a:bodyPr>
           <a:lstStyle/>
           <a:p>
-            <a:pPr indent="0" lvl="0" marL="0" rtl="0" algn="l">
+            <a:pPr marL="0" lvl="0" indent="0" algn="l" rtl="0">
               <a:spcBef>
                 <a:spcPts val="0"/>
               </a:spcBef>
@@ -8972,7 +9112,7 @@
             <a:endParaRPr/>
           </a:p>
           <a:p>
-            <a:pPr indent="0" lvl="0" marL="0" rtl="0" algn="l">
+            <a:pPr marL="0" lvl="0" indent="0" algn="l" rtl="0">
               <a:spcBef>
                 <a:spcPts val="0"/>
               </a:spcBef>
@@ -8986,13 +9126,10 @@
               <a:buFont typeface="Arial"/>
               <a:buNone/>
             </a:pPr>
-            <a:r>
-              <a:t/>
-            </a:r>
-            <a:endParaRPr/>
-          </a:p>
-          <a:p>
-            <a:pPr indent="0" lvl="0" marL="0" rtl="0" algn="l">
+            <a:endParaRPr/>
+          </a:p>
+          <a:p>
+            <a:pPr marL="0" lvl="0" indent="0" algn="l" rtl="0">
               <a:spcBef>
                 <a:spcPts val="0"/>
               </a:spcBef>
@@ -9029,12 +9166,12 @@
           </a:ln>
         </p:spPr>
         <p:txBody>
-          <a:bodyPr anchorCtr="0" anchor="t" bIns="91425" lIns="91425" spcFirstLastPara="1" rIns="91425" wrap="square" tIns="91425">
+          <a:bodyPr spcFirstLastPara="1" wrap="square" lIns="91425" tIns="91425" rIns="91425" bIns="91425" anchor="t" anchorCtr="0">
             <a:spAutoFit/>
           </a:bodyPr>
           <a:lstStyle/>
           <a:p>
-            <a:pPr indent="-317500" lvl="0" marL="457200" rtl="0" algn="l">
+            <a:pPr marL="457200" lvl="0" indent="-317500" algn="l" rtl="0">
               <a:spcBef>
                 <a:spcPts val="0"/>
               </a:spcBef>
@@ -9068,7 +9205,7 @@
             </a:endParaRPr>
           </a:p>
           <a:p>
-            <a:pPr indent="-317500" lvl="0" marL="457200" rtl="0" algn="l">
+            <a:pPr marL="457200" lvl="0" indent="-317500" algn="l" rtl="0">
               <a:spcBef>
                 <a:spcPts val="0"/>
               </a:spcBef>
@@ -9112,11 +9249,11 @@
 </file>
 
 <file path=ppt/slides/slide5.xml><?xml version="1.0" encoding="utf-8"?>
-<p:sld xmlns:a="http://schemas.openxmlformats.org/drawingml/2006/main" xmlns:r="http://schemas.openxmlformats.org/officeDocument/2006/relationships" xmlns:mc="http://schemas.openxmlformats.org/markup-compatibility/2006" xmlns:mv="urn:schemas-microsoft-com:mac:vml" xmlns:p="http://schemas.openxmlformats.org/presentationml/2006/main" xmlns:c="http://schemas.openxmlformats.org/drawingml/2006/chart" xmlns:dgm="http://schemas.openxmlformats.org/drawingml/2006/diagram" xmlns:o="urn:schemas-microsoft-com:office:office" xmlns:v="urn:schemas-microsoft-com:vml" xmlns:pvml="urn:schemas-microsoft-com:office:powerpoint" xmlns:com="http://schemas.openxmlformats.org/drawingml/2006/compatibility" xmlns:p14="http://schemas.microsoft.com/office/powerpoint/2010/main" xmlns:p15="http://schemas.microsoft.com/office/powerpoint/2012/main" xmlns:ahyp="http://schemas.microsoft.com/office/drawing/2018/hyperlinkcolor">
+<p:sld xmlns:a="http://schemas.openxmlformats.org/drawingml/2006/main" xmlns:r="http://schemas.openxmlformats.org/officeDocument/2006/relationships" xmlns:p="http://schemas.openxmlformats.org/presentationml/2006/main">
   <p:cSld>
     <p:spTree>
       <p:nvGrpSpPr>
-        <p:cNvPr id="106" name="Shape 106"/>
+        <p:cNvPr id="1" name="Shape 106"/>
         <p:cNvGrpSpPr/>
         <p:nvPr/>
       </p:nvGrpSpPr>
@@ -9131,9 +9268,11 @@
       <p:sp>
         <p:nvSpPr>
           <p:cNvPr id="107" name="Google Shape;107;p17"/>
-          <p:cNvSpPr txBox="1"/>
+          <p:cNvSpPr txBox="1">
+            <a:spLocks noGrp="1"/>
+          </p:cNvSpPr>
           <p:nvPr>
-            <p:ph idx="4294967295" type="title"/>
+            <p:ph type="title" idx="4294967295"/>
           </p:nvPr>
         </p:nvSpPr>
         <p:spPr>
@@ -9146,12 +9285,12 @@
           </a:prstGeom>
         </p:spPr>
         <p:txBody>
-          <a:bodyPr anchorCtr="0" anchor="t" bIns="91425" lIns="91425" spcFirstLastPara="1" rIns="91425" wrap="square" tIns="91425">
+          <a:bodyPr spcFirstLastPara="1" wrap="square" lIns="91425" tIns="91425" rIns="91425" bIns="91425" anchor="t" anchorCtr="0">
             <a:normAutofit fontScale="90000"/>
           </a:bodyPr>
           <a:lstStyle/>
           <a:p>
-            <a:pPr indent="0" lvl="0" marL="0" rtl="0" algn="l">
+            <a:pPr marL="0" lvl="0" indent="0" algn="l" rtl="0">
               <a:spcBef>
                 <a:spcPts val="0"/>
               </a:spcBef>
@@ -9162,11 +9301,7 @@
             </a:pPr>
             <a:r>
               <a:rPr lang="en"/>
-              <a:t>16-by-16 Four-cycle M</a:t>
-            </a:r>
-            <a:r>
-              <a:rPr lang="en"/>
-              <a:t>ultiplier</a:t>
+              <a:t>16-by-16 Four-cycle Multiplier</a:t>
             </a:r>
             <a:endParaRPr/>
           </a:p>
@@ -9189,34 +9324,31 @@
           <a:solidFill>
             <a:srgbClr val="FFF2CC"/>
           </a:solidFill>
-          <a:ln cap="flat" cmpd="sng" w="28575">
+          <a:ln w="28575" cap="flat" cmpd="sng">
             <a:solidFill>
               <a:srgbClr val="38761D"/>
             </a:solidFill>
             <a:prstDash val="solid"/>
             <a:round/>
-            <a:headEnd len="sm" w="sm" type="none"/>
-            <a:tailEnd len="sm" w="sm" type="none"/>
+            <a:headEnd type="none" w="sm" len="sm"/>
+            <a:tailEnd type="none" w="sm" len="sm"/>
           </a:ln>
         </p:spPr>
         <p:txBody>
-          <a:bodyPr anchorCtr="0" anchor="ctr" bIns="91425" lIns="91425" spcFirstLastPara="1" rIns="91425" wrap="square" tIns="91425">
+          <a:bodyPr spcFirstLastPara="1" wrap="square" lIns="91425" tIns="91425" rIns="91425" bIns="91425" anchor="ctr" anchorCtr="0">
             <a:noAutofit/>
           </a:bodyPr>
           <a:lstStyle/>
           <a:p>
-            <a:pPr indent="0" lvl="0" marL="0" rtl="0" algn="l">
-              <a:spcBef>
-                <a:spcPts val="0"/>
-              </a:spcBef>
-              <a:spcAft>
-                <a:spcPts val="0"/>
-              </a:spcAft>
-              <a:buNone/>
-            </a:pPr>
-            <a:r>
-              <a:t/>
-            </a:r>
+            <a:pPr marL="0" lvl="0" indent="0" algn="l" rtl="0">
+              <a:spcBef>
+                <a:spcPts val="0"/>
+              </a:spcBef>
+              <a:spcAft>
+                <a:spcPts val="0"/>
+              </a:spcAft>
+              <a:buNone/>
+            </a:pPr>
             <a:endParaRPr/>
           </a:p>
         </p:txBody>
@@ -9238,23 +9370,23 @@
           <a:solidFill>
             <a:srgbClr val="FF9900"/>
           </a:solidFill>
-          <a:ln cap="flat" cmpd="sng" w="9525">
+          <a:ln w="9525" cap="flat" cmpd="sng">
             <a:solidFill>
               <a:schemeClr val="dk1"/>
             </a:solidFill>
             <a:prstDash val="solid"/>
             <a:round/>
-            <a:headEnd len="sm" w="sm" type="none"/>
-            <a:tailEnd len="sm" w="sm" type="none"/>
+            <a:headEnd type="none" w="sm" len="sm"/>
+            <a:tailEnd type="none" w="sm" len="sm"/>
           </a:ln>
         </p:spPr>
         <p:txBody>
-          <a:bodyPr anchorCtr="0" anchor="ctr" bIns="91425" lIns="91425" spcFirstLastPara="1" rIns="91425" wrap="square" tIns="91425">
+          <a:bodyPr spcFirstLastPara="1" wrap="square" lIns="91425" tIns="91425" rIns="91425" bIns="91425" anchor="ctr" anchorCtr="0">
             <a:noAutofit/>
           </a:bodyPr>
           <a:lstStyle/>
           <a:p>
-            <a:pPr indent="0" lvl="0" marL="0" rtl="0" algn="l">
+            <a:pPr marL="0" lvl="0" indent="0" algn="l" rtl="0">
               <a:spcBef>
                 <a:spcPts val="0"/>
               </a:spcBef>
@@ -9265,19 +9397,7 @@
             </a:pPr>
             <a:r>
               <a:rPr lang="en"/>
-              <a:t>16x4 single-cycle </a:t>
-            </a:r>
-            <a:r>
-              <a:rPr lang="en"/>
-              <a:t>signed</a:t>
-            </a:r>
-            <a:r>
-              <a:rPr lang="en"/>
-              <a:t> </a:t>
-            </a:r>
-            <a:r>
-              <a:rPr lang="en"/>
-              <a:t>multiplier</a:t>
+              <a:t>16x4 single-cycle signed multiplier</a:t>
             </a:r>
             <a:endParaRPr/>
           </a:p>
@@ -9300,23 +9420,23 @@
           <a:solidFill>
             <a:schemeClr val="accent6"/>
           </a:solidFill>
-          <a:ln cap="flat" cmpd="sng" w="9525">
+          <a:ln w="9525" cap="flat" cmpd="sng">
             <a:solidFill>
               <a:schemeClr val="dk1"/>
             </a:solidFill>
             <a:prstDash val="solid"/>
             <a:round/>
-            <a:headEnd len="sm" w="sm" type="none"/>
-            <a:tailEnd len="sm" w="sm" type="none"/>
+            <a:headEnd type="none" w="sm" len="sm"/>
+            <a:tailEnd type="none" w="sm" len="sm"/>
           </a:ln>
         </p:spPr>
         <p:txBody>
-          <a:bodyPr anchorCtr="0" anchor="ctr" bIns="91425" lIns="91425" spcFirstLastPara="1" rIns="91425" wrap="square" tIns="91425">
+          <a:bodyPr spcFirstLastPara="1" wrap="square" lIns="91425" tIns="91425" rIns="91425" bIns="91425" anchor="ctr" anchorCtr="0">
             <a:noAutofit/>
           </a:bodyPr>
           <a:lstStyle/>
           <a:p>
-            <a:pPr indent="0" lvl="0" marL="0" rtl="0" algn="ctr">
+            <a:pPr marL="0" lvl="0" indent="0" algn="ctr" rtl="0">
               <a:spcBef>
                 <a:spcPts val="0"/>
               </a:spcBef>
@@ -9350,23 +9470,23 @@
           <a:solidFill>
             <a:srgbClr val="D9D2E9"/>
           </a:solidFill>
-          <a:ln cap="flat" cmpd="sng" w="9525">
+          <a:ln w="9525" cap="flat" cmpd="sng">
             <a:solidFill>
               <a:schemeClr val="dk1"/>
             </a:solidFill>
             <a:prstDash val="solid"/>
             <a:round/>
-            <a:headEnd len="sm" w="sm" type="none"/>
-            <a:tailEnd len="sm" w="sm" type="none"/>
+            <a:headEnd type="none" w="sm" len="sm"/>
+            <a:tailEnd type="none" w="sm" len="sm"/>
           </a:ln>
         </p:spPr>
         <p:txBody>
-          <a:bodyPr anchorCtr="0" anchor="ctr" bIns="91425" lIns="91425" spcFirstLastPara="1" rIns="91425" wrap="square" tIns="91425">
+          <a:bodyPr spcFirstLastPara="1" wrap="square" lIns="91425" tIns="91425" rIns="91425" bIns="91425" anchor="ctr" anchorCtr="0">
             <a:noAutofit/>
           </a:bodyPr>
           <a:lstStyle/>
           <a:p>
-            <a:pPr indent="0" lvl="0" marL="0" rtl="0" algn="l">
+            <a:pPr marL="0" lvl="0" indent="0" algn="l" rtl="0">
               <a:spcBef>
                 <a:spcPts val="0"/>
               </a:spcBef>
@@ -9400,23 +9520,23 @@
           <a:solidFill>
             <a:srgbClr val="A4C2F4"/>
           </a:solidFill>
-          <a:ln cap="flat" cmpd="sng" w="9525">
+          <a:ln w="9525" cap="flat" cmpd="sng">
             <a:solidFill>
               <a:schemeClr val="dk1"/>
             </a:solidFill>
             <a:prstDash val="solid"/>
             <a:round/>
-            <a:headEnd len="sm" w="sm" type="none"/>
-            <a:tailEnd len="sm" w="sm" type="none"/>
+            <a:headEnd type="none" w="sm" len="sm"/>
+            <a:tailEnd type="none" w="sm" len="sm"/>
           </a:ln>
         </p:spPr>
         <p:txBody>
-          <a:bodyPr anchorCtr="0" anchor="ctr" bIns="91425" lIns="91425" spcFirstLastPara="1" rIns="91425" wrap="square" tIns="91425">
+          <a:bodyPr spcFirstLastPara="1" wrap="square" lIns="91425" tIns="91425" rIns="91425" bIns="91425" anchor="ctr" anchorCtr="0">
             <a:noAutofit/>
           </a:bodyPr>
           <a:lstStyle/>
           <a:p>
-            <a:pPr indent="0" lvl="0" marL="0" rtl="0" algn="l">
+            <a:pPr marL="0" lvl="0" indent="0" algn="l" rtl="0">
               <a:spcBef>
                 <a:spcPts val="0"/>
               </a:spcBef>
@@ -9448,14 +9568,14 @@
             <a:avLst/>
           </a:prstGeom>
           <a:noFill/>
-          <a:ln cap="flat" cmpd="sng" w="9525">
+          <a:ln w="9525" cap="flat" cmpd="sng">
             <a:solidFill>
               <a:schemeClr val="dk2"/>
             </a:solidFill>
             <a:prstDash val="solid"/>
             <a:round/>
-            <a:headEnd len="med" w="med" type="none"/>
-            <a:tailEnd len="med" w="med" type="triangle"/>
+            <a:headEnd type="none" w="med" len="med"/>
+            <a:tailEnd type="triangle" w="med" len="med"/>
           </a:ln>
         </p:spPr>
       </p:cxnSp>
@@ -9474,14 +9594,14 @@
             <a:avLst/>
           </a:prstGeom>
           <a:noFill/>
-          <a:ln cap="flat" cmpd="sng" w="9525">
+          <a:ln w="9525" cap="flat" cmpd="sng">
             <a:solidFill>
               <a:schemeClr val="dk2"/>
             </a:solidFill>
             <a:prstDash val="solid"/>
             <a:round/>
-            <a:headEnd len="med" w="med" type="none"/>
-            <a:tailEnd len="med" w="med" type="triangle"/>
+            <a:headEnd type="none" w="med" len="med"/>
+            <a:tailEnd type="triangle" w="med" len="med"/>
           </a:ln>
         </p:spPr>
       </p:cxnSp>
@@ -9505,12 +9625,12 @@
           </a:ln>
         </p:spPr>
         <p:txBody>
-          <a:bodyPr anchorCtr="0" anchor="t" bIns="91425" lIns="91425" spcFirstLastPara="1" rIns="91425" wrap="square" tIns="91425">
+          <a:bodyPr spcFirstLastPara="1" wrap="square" lIns="91425" tIns="91425" rIns="91425" bIns="91425" anchor="t" anchorCtr="0">
             <a:spAutoFit/>
           </a:bodyPr>
           <a:lstStyle/>
           <a:p>
-            <a:pPr indent="0" lvl="0" marL="0" rtl="0" algn="l">
+            <a:pPr marL="0" lvl="0" indent="0" algn="l" rtl="0">
               <a:spcBef>
                 <a:spcPts val="0"/>
               </a:spcBef>
@@ -9547,12 +9667,12 @@
           </a:ln>
         </p:spPr>
         <p:txBody>
-          <a:bodyPr anchorCtr="0" anchor="t" bIns="91425" lIns="91425" spcFirstLastPara="1" rIns="91425" wrap="square" tIns="91425">
+          <a:bodyPr spcFirstLastPara="1" wrap="square" lIns="91425" tIns="91425" rIns="91425" bIns="91425" anchor="t" anchorCtr="0">
             <a:spAutoFit/>
           </a:bodyPr>
           <a:lstStyle/>
           <a:p>
-            <a:pPr indent="0" lvl="0" marL="0" rtl="0" algn="l">
+            <a:pPr marL="0" lvl="0" indent="0" algn="l" rtl="0">
               <a:spcBef>
                 <a:spcPts val="0"/>
               </a:spcBef>
@@ -9586,23 +9706,23 @@
           <a:solidFill>
             <a:srgbClr val="FCE5CD"/>
           </a:solidFill>
-          <a:ln cap="flat" cmpd="sng" w="9525">
+          <a:ln w="9525" cap="flat" cmpd="sng">
             <a:solidFill>
               <a:schemeClr val="dk2"/>
             </a:solidFill>
             <a:prstDash val="solid"/>
             <a:round/>
-            <a:headEnd len="sm" w="sm" type="none"/>
-            <a:tailEnd len="sm" w="sm" type="none"/>
+            <a:headEnd type="none" w="sm" len="sm"/>
+            <a:tailEnd type="none" w="sm" len="sm"/>
           </a:ln>
         </p:spPr>
         <p:txBody>
-          <a:bodyPr anchorCtr="0" anchor="ctr" bIns="91425" lIns="91425" spcFirstLastPara="1" rIns="91425" wrap="square" tIns="91425">
+          <a:bodyPr spcFirstLastPara="1" wrap="square" lIns="91425" tIns="91425" rIns="91425" bIns="91425" anchor="ctr" anchorCtr="0">
             <a:noAutofit/>
           </a:bodyPr>
           <a:lstStyle/>
           <a:p>
-            <a:pPr indent="0" lvl="0" marL="0" rtl="0" algn="l">
+            <a:pPr marL="0" lvl="0" indent="0" algn="l" rtl="0">
               <a:spcBef>
                 <a:spcPts val="0"/>
               </a:spcBef>
@@ -9618,7 +9738,7 @@
             <a:endParaRPr sz="1300"/>
           </a:p>
           <a:p>
-            <a:pPr indent="0" lvl="0" marL="0" rtl="0" algn="l">
+            <a:pPr marL="0" lvl="0" indent="0" algn="l" rtl="0">
               <a:spcBef>
                 <a:spcPts val="0"/>
               </a:spcBef>
@@ -9655,12 +9775,12 @@
           </a:ln>
         </p:spPr>
         <p:txBody>
-          <a:bodyPr anchorCtr="0" anchor="t" bIns="91425" lIns="91425" spcFirstLastPara="1" rIns="91425" wrap="square" tIns="91425">
+          <a:bodyPr spcFirstLastPara="1" wrap="square" lIns="91425" tIns="91425" rIns="91425" bIns="91425" anchor="t" anchorCtr="0">
             <a:spAutoFit/>
           </a:bodyPr>
           <a:lstStyle/>
           <a:p>
-            <a:pPr indent="0" lvl="0" marL="0" rtl="0" algn="l">
+            <a:pPr marL="0" lvl="0" indent="0" algn="l" rtl="0">
               <a:spcBef>
                 <a:spcPts val="0"/>
               </a:spcBef>
@@ -9697,12 +9817,12 @@
           </a:ln>
         </p:spPr>
         <p:txBody>
-          <a:bodyPr anchorCtr="0" anchor="t" bIns="91425" lIns="91425" spcFirstLastPara="1" rIns="91425" wrap="square" tIns="91425">
+          <a:bodyPr spcFirstLastPara="1" wrap="square" lIns="91425" tIns="91425" rIns="91425" bIns="91425" anchor="t" anchorCtr="0">
             <a:spAutoFit/>
           </a:bodyPr>
           <a:lstStyle/>
           <a:p>
-            <a:pPr indent="0" lvl="0" marL="0" rtl="0" algn="l">
+            <a:pPr marL="0" lvl="0" indent="0" algn="l" rtl="0">
               <a:spcBef>
                 <a:spcPts val="0"/>
               </a:spcBef>
@@ -9712,7 +9832,7 @@
               <a:buNone/>
             </a:pPr>
             <a:r>
-              <a:rPr b="1" i="1" lang="en"/>
+              <a:rPr lang="en" b="1" i="1"/>
               <a:t>16x16_multiplier.sv</a:t>
             </a:r>
             <a:endParaRPr b="1" i="1"/>
@@ -9737,14 +9857,14 @@
             <a:avLst/>
           </a:prstGeom>
           <a:noFill/>
-          <a:ln cap="flat" cmpd="sng" w="9525">
+          <a:ln w="9525" cap="flat" cmpd="sng">
             <a:solidFill>
               <a:schemeClr val="dk2"/>
             </a:solidFill>
             <a:prstDash val="solid"/>
             <a:round/>
-            <a:headEnd len="med" w="med" type="none"/>
-            <a:tailEnd len="med" w="med" type="triangle"/>
+            <a:headEnd type="none" w="med" len="med"/>
+            <a:tailEnd type="triangle" w="med" len="med"/>
           </a:ln>
         </p:spPr>
       </p:cxnSp>
@@ -9768,12 +9888,12 @@
           </a:ln>
         </p:spPr>
         <p:txBody>
-          <a:bodyPr anchorCtr="0" anchor="t" bIns="91425" lIns="91425" spcFirstLastPara="1" rIns="91425" wrap="square" tIns="91425">
+          <a:bodyPr spcFirstLastPara="1" wrap="square" lIns="91425" tIns="91425" rIns="91425" bIns="91425" anchor="t" anchorCtr="0">
             <a:spAutoFit/>
           </a:bodyPr>
           <a:lstStyle/>
           <a:p>
-            <a:pPr indent="0" lvl="0" marL="0" rtl="0" algn="l">
+            <a:pPr marL="0" lvl="0" indent="0" algn="l" rtl="0">
               <a:spcBef>
                 <a:spcPts val="0"/>
               </a:spcBef>
@@ -9808,14 +9928,14 @@
             <a:avLst/>
           </a:prstGeom>
           <a:noFill/>
-          <a:ln cap="flat" cmpd="sng" w="9525">
+          <a:ln w="9525" cap="flat" cmpd="sng">
             <a:solidFill>
               <a:schemeClr val="dk2"/>
             </a:solidFill>
             <a:prstDash val="solid"/>
             <a:round/>
-            <a:headEnd len="med" w="med" type="none"/>
-            <a:tailEnd len="med" w="med" type="triangle"/>
+            <a:headEnd type="none" w="med" len="med"/>
+            <a:tailEnd type="triangle" w="med" len="med"/>
           </a:ln>
         </p:spPr>
       </p:cxnSp>
@@ -9837,14 +9957,14 @@
             <a:avLst/>
           </a:prstGeom>
           <a:noFill/>
-          <a:ln cap="flat" cmpd="sng" w="9525">
+          <a:ln w="9525" cap="flat" cmpd="sng">
             <a:solidFill>
               <a:schemeClr val="dk2"/>
             </a:solidFill>
             <a:prstDash val="solid"/>
             <a:round/>
-            <a:headEnd len="med" w="med" type="none"/>
-            <a:tailEnd len="med" w="med" type="triangle"/>
+            <a:headEnd type="none" w="med" len="med"/>
+            <a:tailEnd type="triangle" w="med" len="med"/>
           </a:ln>
         </p:spPr>
       </p:cxnSp>
@@ -9865,14 +9985,14 @@
             <a:avLst/>
           </a:prstGeom>
           <a:noFill/>
-          <a:ln cap="flat" cmpd="sng" w="9525">
+          <a:ln w="9525" cap="flat" cmpd="sng">
             <a:solidFill>
               <a:schemeClr val="dk2"/>
             </a:solidFill>
             <a:prstDash val="solid"/>
             <a:round/>
-            <a:headEnd len="med" w="med" type="none"/>
-            <a:tailEnd len="med" w="med" type="triangle"/>
+            <a:headEnd type="none" w="med" len="med"/>
+            <a:tailEnd type="triangle" w="med" len="med"/>
           </a:ln>
         </p:spPr>
       </p:cxnSp>
@@ -9891,14 +10011,14 @@
             <a:avLst/>
           </a:prstGeom>
           <a:noFill/>
-          <a:ln cap="flat" cmpd="sng" w="9525">
+          <a:ln w="9525" cap="flat" cmpd="sng">
             <a:solidFill>
               <a:schemeClr val="dk2"/>
             </a:solidFill>
             <a:prstDash val="solid"/>
             <a:round/>
-            <a:headEnd len="med" w="med" type="none"/>
-            <a:tailEnd len="med" w="med" type="triangle"/>
+            <a:headEnd type="none" w="med" len="med"/>
+            <a:tailEnd type="triangle" w="med" len="med"/>
           </a:ln>
         </p:spPr>
       </p:cxnSp>
@@ -9917,14 +10037,14 @@
             <a:avLst/>
           </a:prstGeom>
           <a:noFill/>
-          <a:ln cap="flat" cmpd="sng" w="9525">
+          <a:ln w="9525" cap="flat" cmpd="sng">
             <a:solidFill>
               <a:schemeClr val="dk2"/>
             </a:solidFill>
             <a:prstDash val="solid"/>
             <a:round/>
-            <a:headEnd len="med" w="med" type="none"/>
-            <a:tailEnd len="med" w="med" type="triangle"/>
+            <a:headEnd type="none" w="med" len="med"/>
+            <a:tailEnd type="triangle" w="med" len="med"/>
           </a:ln>
         </p:spPr>
       </p:cxnSp>
@@ -9948,12 +10068,12 @@
           </a:ln>
         </p:spPr>
         <p:txBody>
-          <a:bodyPr anchorCtr="0" anchor="t" bIns="91425" lIns="91425" spcFirstLastPara="1" rIns="91425" wrap="square" tIns="91425">
+          <a:bodyPr spcFirstLastPara="1" wrap="square" lIns="91425" tIns="91425" rIns="91425" bIns="91425" anchor="t" anchorCtr="0">
             <a:spAutoFit/>
           </a:bodyPr>
           <a:lstStyle/>
           <a:p>
-            <a:pPr indent="0" lvl="0" marL="0" rtl="0" algn="l">
+            <a:pPr marL="0" lvl="0" indent="0" algn="l" rtl="0">
               <a:spcBef>
                 <a:spcPts val="0"/>
               </a:spcBef>
@@ -9987,23 +10107,23 @@
           <a:solidFill>
             <a:srgbClr val="00FF00"/>
           </a:solidFill>
-          <a:ln cap="flat" cmpd="sng" w="9525">
+          <a:ln w="9525" cap="flat" cmpd="sng">
             <a:solidFill>
               <a:schemeClr val="dk1"/>
             </a:solidFill>
             <a:prstDash val="solid"/>
             <a:round/>
-            <a:headEnd len="sm" w="sm" type="none"/>
-            <a:tailEnd len="sm" w="sm" type="none"/>
+            <a:headEnd type="none" w="sm" len="sm"/>
+            <a:tailEnd type="none" w="sm" len="sm"/>
           </a:ln>
         </p:spPr>
         <p:txBody>
-          <a:bodyPr anchorCtr="0" anchor="ctr" bIns="91425" lIns="91425" spcFirstLastPara="1" rIns="91425" wrap="square" tIns="91425">
+          <a:bodyPr spcFirstLastPara="1" wrap="square" lIns="91425" tIns="91425" rIns="91425" bIns="91425" anchor="ctr" anchorCtr="0">
             <a:noAutofit/>
           </a:bodyPr>
           <a:lstStyle/>
           <a:p>
-            <a:pPr indent="0" lvl="0" marL="0" rtl="0" algn="l">
+            <a:pPr marL="0" lvl="0" indent="0" algn="l" rtl="0">
               <a:spcBef>
                 <a:spcPts val="0"/>
               </a:spcBef>
@@ -10037,14 +10157,14 @@
             <a:avLst/>
           </a:prstGeom>
           <a:noFill/>
-          <a:ln cap="flat" cmpd="sng" w="9525">
+          <a:ln w="9525" cap="flat" cmpd="sng">
             <a:solidFill>
               <a:schemeClr val="dk2"/>
             </a:solidFill>
             <a:prstDash val="solid"/>
             <a:round/>
-            <a:headEnd len="med" w="med" type="none"/>
-            <a:tailEnd len="med" w="med" type="triangle"/>
+            <a:headEnd type="none" w="med" len="med"/>
+            <a:tailEnd type="triangle" w="med" len="med"/>
           </a:ln>
         </p:spPr>
       </p:cxnSp>
@@ -10065,23 +10185,23 @@
           <a:solidFill>
             <a:srgbClr val="D9D2E9"/>
           </a:solidFill>
-          <a:ln cap="flat" cmpd="sng" w="9525">
+          <a:ln w="9525" cap="flat" cmpd="sng">
             <a:solidFill>
               <a:schemeClr val="dk1"/>
             </a:solidFill>
             <a:prstDash val="solid"/>
             <a:round/>
-            <a:headEnd len="sm" w="sm" type="none"/>
-            <a:tailEnd len="sm" w="sm" type="none"/>
+            <a:headEnd type="none" w="sm" len="sm"/>
+            <a:tailEnd type="none" w="sm" len="sm"/>
           </a:ln>
         </p:spPr>
         <p:txBody>
-          <a:bodyPr anchorCtr="0" anchor="ctr" bIns="91425" lIns="91425" spcFirstLastPara="1" rIns="91425" wrap="square" tIns="91425">
+          <a:bodyPr spcFirstLastPara="1" wrap="square" lIns="91425" tIns="91425" rIns="91425" bIns="91425" anchor="ctr" anchorCtr="0">
             <a:noAutofit/>
           </a:bodyPr>
           <a:lstStyle/>
           <a:p>
-            <a:pPr indent="0" lvl="0" marL="0" rtl="0" algn="l">
+            <a:pPr marL="0" lvl="0" indent="0" algn="l" rtl="0">
               <a:spcBef>
                 <a:spcPts val="0"/>
               </a:spcBef>
@@ -10115,14 +10235,14 @@
             <a:avLst/>
           </a:prstGeom>
           <a:noFill/>
-          <a:ln cap="flat" cmpd="sng" w="9525">
+          <a:ln w="9525" cap="flat" cmpd="sng">
             <a:solidFill>
               <a:schemeClr val="dk2"/>
             </a:solidFill>
             <a:prstDash val="solid"/>
             <a:round/>
-            <a:headEnd len="med" w="med" type="none"/>
-            <a:tailEnd len="med" w="med" type="triangle"/>
+            <a:headEnd type="none" w="med" len="med"/>
+            <a:tailEnd type="triangle" w="med" len="med"/>
           </a:ln>
         </p:spPr>
       </p:cxnSp>
@@ -10133,7 +10253,7 @@
           <p:nvPr/>
         </p:nvCxnSpPr>
         <p:spPr>
-          <a:xfrm flipH="1" rot="10800000">
+          <a:xfrm rot="10800000" flipH="1">
             <a:off x="5753350" y="2251200"/>
             <a:ext cx="671100" cy="1695600"/>
           </a:xfrm>
@@ -10141,14 +10261,14 @@
             <a:avLst/>
           </a:prstGeom>
           <a:noFill/>
-          <a:ln cap="flat" cmpd="sng" w="9525">
+          <a:ln w="9525" cap="flat" cmpd="sng">
             <a:solidFill>
               <a:schemeClr val="dk2"/>
             </a:solidFill>
             <a:prstDash val="solid"/>
             <a:round/>
-            <a:headEnd len="med" w="med" type="none"/>
-            <a:tailEnd len="med" w="med" type="triangle"/>
+            <a:headEnd type="none" w="med" len="med"/>
+            <a:tailEnd type="triangle" w="med" len="med"/>
           </a:ln>
         </p:spPr>
       </p:cxnSp>
@@ -10167,14 +10287,14 @@
             <a:avLst/>
           </a:prstGeom>
           <a:noFill/>
-          <a:ln cap="flat" cmpd="sng" w="9525">
+          <a:ln w="9525" cap="flat" cmpd="sng">
             <a:solidFill>
               <a:schemeClr val="dk2"/>
             </a:solidFill>
             <a:prstDash val="solid"/>
             <a:round/>
-            <a:headEnd len="med" w="med" type="none"/>
-            <a:tailEnd len="med" w="med" type="triangle"/>
+            <a:headEnd type="none" w="med" len="med"/>
+            <a:tailEnd type="triangle" w="med" len="med"/>
           </a:ln>
         </p:spPr>
       </p:cxnSp>
@@ -10193,14 +10313,14 @@
             <a:avLst/>
           </a:prstGeom>
           <a:noFill/>
-          <a:ln cap="flat" cmpd="sng" w="9525">
+          <a:ln w="9525" cap="flat" cmpd="sng">
             <a:solidFill>
               <a:schemeClr val="dk2"/>
             </a:solidFill>
             <a:prstDash val="solid"/>
             <a:round/>
-            <a:headEnd len="med" w="med" type="none"/>
-            <a:tailEnd len="med" w="med" type="triangle"/>
+            <a:headEnd type="none" w="med" len="med"/>
+            <a:tailEnd type="triangle" w="med" len="med"/>
           </a:ln>
         </p:spPr>
       </p:cxnSp>
@@ -10221,14 +10341,14 @@
             <a:avLst/>
           </a:prstGeom>
           <a:noFill/>
-          <a:ln cap="flat" cmpd="sng" w="9525">
+          <a:ln w="9525" cap="flat" cmpd="sng">
             <a:solidFill>
               <a:schemeClr val="dk2"/>
             </a:solidFill>
             <a:prstDash val="solid"/>
             <a:round/>
-            <a:headEnd len="med" w="med" type="none"/>
-            <a:tailEnd len="med" w="med" type="triangle"/>
+            <a:headEnd type="none" w="med" len="med"/>
+            <a:tailEnd type="triangle" w="med" len="med"/>
           </a:ln>
         </p:spPr>
       </p:cxnSp>
@@ -10241,11 +10361,11 @@
 </file>
 
 <file path=ppt/slides/slide6.xml><?xml version="1.0" encoding="utf-8"?>
-<p:sld xmlns:a="http://schemas.openxmlformats.org/drawingml/2006/main" xmlns:r="http://schemas.openxmlformats.org/officeDocument/2006/relationships" xmlns:mc="http://schemas.openxmlformats.org/markup-compatibility/2006" xmlns:mv="urn:schemas-microsoft-com:mac:vml" xmlns:p="http://schemas.openxmlformats.org/presentationml/2006/main" xmlns:c="http://schemas.openxmlformats.org/drawingml/2006/chart" xmlns:dgm="http://schemas.openxmlformats.org/drawingml/2006/diagram" xmlns:o="urn:schemas-microsoft-com:office:office" xmlns:v="urn:schemas-microsoft-com:vml" xmlns:pvml="urn:schemas-microsoft-com:office:powerpoint" xmlns:com="http://schemas.openxmlformats.org/drawingml/2006/compatibility" xmlns:p14="http://schemas.microsoft.com/office/powerpoint/2010/main" xmlns:p15="http://schemas.microsoft.com/office/powerpoint/2012/main" xmlns:ahyp="http://schemas.microsoft.com/office/drawing/2018/hyperlinkcolor">
+<p:sld xmlns:a="http://schemas.openxmlformats.org/drawingml/2006/main" xmlns:r="http://schemas.openxmlformats.org/officeDocument/2006/relationships" xmlns:p="http://schemas.openxmlformats.org/presentationml/2006/main">
   <p:cSld>
     <p:spTree>
       <p:nvGrpSpPr>
-        <p:cNvPr id="139" name="Shape 139"/>
+        <p:cNvPr id="1" name="Shape 139"/>
         <p:cNvGrpSpPr/>
         <p:nvPr/>
       </p:nvGrpSpPr>
@@ -10260,9 +10380,11 @@
       <p:sp>
         <p:nvSpPr>
           <p:cNvPr id="140" name="Google Shape;140;p18"/>
-          <p:cNvSpPr txBox="1"/>
+          <p:cNvSpPr txBox="1">
+            <a:spLocks noGrp="1"/>
+          </p:cNvSpPr>
           <p:nvPr>
-            <p:ph idx="4294967295" type="title"/>
+            <p:ph type="title" idx="4294967295"/>
           </p:nvPr>
         </p:nvSpPr>
         <p:spPr>
@@ -10275,12 +10397,12 @@
           </a:prstGeom>
         </p:spPr>
         <p:txBody>
-          <a:bodyPr anchorCtr="0" anchor="t" bIns="91425" lIns="91425" spcFirstLastPara="1" rIns="91425" wrap="square" tIns="91425">
+          <a:bodyPr spcFirstLastPara="1" wrap="square" lIns="91425" tIns="91425" rIns="91425" bIns="91425" anchor="t" anchorCtr="0">
             <a:normAutofit fontScale="90000"/>
           </a:bodyPr>
           <a:lstStyle/>
           <a:p>
-            <a:pPr indent="0" lvl="0" marL="0" rtl="0" algn="l">
+            <a:pPr marL="0" lvl="0" indent="0" algn="l" rtl="0">
               <a:spcBef>
                 <a:spcPts val="0"/>
               </a:spcBef>
@@ -10328,23 +10450,23 @@
             <a:solidFill>
               <a:srgbClr val="FF9900"/>
             </a:solidFill>
-            <a:ln cap="flat" cmpd="sng" w="9525">
+            <a:ln w="9525" cap="flat" cmpd="sng">
               <a:solidFill>
                 <a:schemeClr val="dk1"/>
               </a:solidFill>
               <a:prstDash val="solid"/>
               <a:round/>
-              <a:headEnd len="sm" w="sm" type="none"/>
-              <a:tailEnd len="sm" w="sm" type="none"/>
+              <a:headEnd type="none" w="sm" len="sm"/>
+              <a:tailEnd type="none" w="sm" len="sm"/>
             </a:ln>
           </p:spPr>
           <p:txBody>
-            <a:bodyPr anchorCtr="0" anchor="ctr" bIns="91425" lIns="91425" spcFirstLastPara="1" rIns="91425" wrap="square" tIns="91425">
+            <a:bodyPr spcFirstLastPara="1" wrap="square" lIns="91425" tIns="91425" rIns="91425" bIns="91425" anchor="ctr" anchorCtr="0">
               <a:noAutofit/>
             </a:bodyPr>
             <a:lstStyle/>
             <a:p>
-              <a:pPr indent="0" lvl="0" marL="0" rtl="0" algn="l">
+              <a:pPr marL="0" lvl="0" indent="0" algn="l" rtl="0">
                 <a:spcBef>
                   <a:spcPts val="0"/>
                 </a:spcBef>
@@ -10378,23 +10500,23 @@
             <a:solidFill>
               <a:srgbClr val="FF9900"/>
             </a:solidFill>
-            <a:ln cap="flat" cmpd="sng" w="9525">
+            <a:ln w="9525" cap="flat" cmpd="sng">
               <a:solidFill>
                 <a:schemeClr val="dk1"/>
               </a:solidFill>
               <a:prstDash val="solid"/>
               <a:round/>
-              <a:headEnd len="sm" w="sm" type="none"/>
-              <a:tailEnd len="sm" w="sm" type="none"/>
+              <a:headEnd type="none" w="sm" len="sm"/>
+              <a:tailEnd type="none" w="sm" len="sm"/>
             </a:ln>
           </p:spPr>
           <p:txBody>
-            <a:bodyPr anchorCtr="0" anchor="ctr" bIns="91425" lIns="91425" spcFirstLastPara="1" rIns="91425" wrap="square" tIns="91425">
+            <a:bodyPr spcFirstLastPara="1" wrap="square" lIns="91425" tIns="91425" rIns="91425" bIns="91425" anchor="ctr" anchorCtr="0">
               <a:noAutofit/>
             </a:bodyPr>
             <a:lstStyle/>
             <a:p>
-              <a:pPr indent="0" lvl="0" marL="0" rtl="0" algn="l">
+              <a:pPr marL="0" lvl="0" indent="0" algn="l" rtl="0">
                 <a:spcBef>
                   <a:spcPts val="0"/>
                 </a:spcBef>
@@ -10428,23 +10550,23 @@
             <a:solidFill>
               <a:srgbClr val="FF9900"/>
             </a:solidFill>
-            <a:ln cap="flat" cmpd="sng" w="9525">
+            <a:ln w="9525" cap="flat" cmpd="sng">
               <a:solidFill>
                 <a:schemeClr val="dk1"/>
               </a:solidFill>
               <a:prstDash val="solid"/>
               <a:round/>
-              <a:headEnd len="sm" w="sm" type="none"/>
-              <a:tailEnd len="sm" w="sm" type="none"/>
+              <a:headEnd type="none" w="sm" len="sm"/>
+              <a:tailEnd type="none" w="sm" len="sm"/>
             </a:ln>
           </p:spPr>
           <p:txBody>
-            <a:bodyPr anchorCtr="0" anchor="ctr" bIns="91425" lIns="91425" spcFirstLastPara="1" rIns="91425" wrap="square" tIns="91425">
+            <a:bodyPr spcFirstLastPara="1" wrap="square" lIns="91425" tIns="91425" rIns="91425" bIns="91425" anchor="ctr" anchorCtr="0">
               <a:noAutofit/>
             </a:bodyPr>
             <a:lstStyle/>
             <a:p>
-              <a:pPr indent="0" lvl="0" marL="0" rtl="0" algn="l">
+              <a:pPr marL="0" lvl="0" indent="0" algn="l" rtl="0">
                 <a:spcBef>
                   <a:spcPts val="0"/>
                 </a:spcBef>
@@ -10482,12 +10604,12 @@
           </a:ln>
         </p:spPr>
         <p:txBody>
-          <a:bodyPr anchorCtr="0" anchor="t" bIns="91425" lIns="91425" spcFirstLastPara="1" rIns="91425" wrap="square" tIns="91425">
+          <a:bodyPr spcFirstLastPara="1" wrap="square" lIns="91425" tIns="91425" rIns="91425" bIns="91425" anchor="t" anchorCtr="0">
             <a:spAutoFit/>
           </a:bodyPr>
           <a:lstStyle/>
           <a:p>
-            <a:pPr indent="-298450" lvl="0" marL="457200" rtl="0" algn="l">
+            <a:pPr marL="457200" lvl="0" indent="-298450" algn="l" rtl="0">
               <a:spcBef>
                 <a:spcPts val="0"/>
               </a:spcBef>
@@ -10521,7 +10643,7 @@
             </a:endParaRPr>
           </a:p>
           <a:p>
-            <a:pPr indent="-298450" lvl="0" marL="457200" rtl="0" algn="l">
+            <a:pPr marL="457200" lvl="0" indent="-298450" algn="l" rtl="0">
               <a:spcBef>
                 <a:spcPts val="0"/>
               </a:spcBef>
@@ -10555,7 +10677,7 @@
             </a:endParaRPr>
           </a:p>
           <a:p>
-            <a:pPr indent="-298450" lvl="0" marL="457200" rtl="0" algn="l">
+            <a:pPr marL="457200" lvl="0" indent="-298450" algn="l" rtl="0">
               <a:spcBef>
                 <a:spcPts val="0"/>
               </a:spcBef>
@@ -10580,7 +10702,7 @@
               <a:t>There is NO representation of absolute 0, but a number can be as small as ± 2</a:t>
             </a:r>
             <a:r>
-              <a:rPr baseline="30000" lang="en" sz="1100">
+              <a:rPr lang="en" sz="1100" baseline="30000">
                 <a:solidFill>
                   <a:schemeClr val="dk1"/>
                 </a:solidFill>
@@ -10591,7 +10713,7 @@
               <a:t>-</a:t>
             </a:r>
             <a:r>
-              <a:rPr baseline="30000" lang="en" sz="1100">
+              <a:rPr lang="en" sz="1100" baseline="30000">
                 <a:solidFill>
                   <a:schemeClr val="dk1"/>
                 </a:solidFill>
@@ -10610,21 +10732,10 @@
                   <a:srgbClr val="FFFFFF"/>
                 </a:highlight>
               </a:rPr>
-              <a:t>, </a:t>
+              <a:t>, which is very close to 0. After an addition, we also need to check for 0. If a 0 occurs, we need to set the number to 2</a:t>
             </a:r>
             <a:r>
-              <a:rPr lang="en" sz="1100">
-                <a:solidFill>
-                  <a:schemeClr val="dk1"/>
-                </a:solidFill>
-                <a:highlight>
-                  <a:srgbClr val="FFFFFF"/>
-                </a:highlight>
-              </a:rPr>
-              <a:t>which is very close to 0. After an addition, we also need to check for 0. If a 0 occurs, we need to set the number to 2</a:t>
-            </a:r>
-            <a:r>
-              <a:rPr baseline="30000" lang="en" sz="1100">
+              <a:rPr lang="en" sz="1100" baseline="30000">
                 <a:solidFill>
                   <a:schemeClr val="dk1"/>
                 </a:solidFill>
@@ -10655,7 +10766,7 @@
             </a:endParaRPr>
           </a:p>
           <a:p>
-            <a:pPr indent="-298450" lvl="0" marL="457200" rtl="0" algn="l">
+            <a:pPr marL="457200" lvl="0" indent="-298450" algn="l" rtl="0">
               <a:spcBef>
                 <a:spcPts val="0"/>
               </a:spcBef>
@@ -10689,7 +10800,7 @@
             </a:endParaRPr>
           </a:p>
           <a:p>
-            <a:pPr indent="-298450" lvl="0" marL="457200" rtl="0" algn="l">
+            <a:pPr marL="457200" lvl="0" indent="-298450" algn="l" rtl="0">
               <a:spcBef>
                 <a:spcPts val="0"/>
               </a:spcBef>
@@ -10711,18 +10822,7 @@
                   <a:srgbClr val="FFFFFF"/>
                 </a:highlight>
               </a:rPr>
-              <a:t>normalize(S, E, M) function - using shifters to ensure S, E, M follow FP </a:t>
-            </a:r>
-            <a:r>
-              <a:rPr lang="en" sz="1100">
-                <a:solidFill>
-                  <a:schemeClr val="dk1"/>
-                </a:solidFill>
-                <a:highlight>
-                  <a:srgbClr val="FFFFFF"/>
-                </a:highlight>
-              </a:rPr>
-              <a:t>definition</a:t>
+              <a:t>normalize(S, E, M) function - using shifters to ensure S, E, M follow FP definition</a:t>
             </a:r>
             <a:endParaRPr sz="1100">
               <a:solidFill>
@@ -10734,7 +10834,7 @@
             </a:endParaRPr>
           </a:p>
           <a:p>
-            <a:pPr indent="0" lvl="0" marL="457200" rtl="0" algn="l">
+            <a:pPr marL="457200" lvl="0" indent="0" algn="l" rtl="0">
               <a:spcBef>
                 <a:spcPts val="0"/>
               </a:spcBef>
@@ -10785,7 +10885,7 @@
             </a:endParaRPr>
           </a:p>
           <a:p>
-            <a:pPr indent="457200" lvl="0" marL="0" rtl="0" algn="l">
+            <a:pPr marL="0" lvl="0" indent="457200" algn="l" rtl="0">
               <a:spcBef>
                 <a:spcPts val="0"/>
               </a:spcBef>
@@ -10815,7 +10915,7 @@
             </a:endParaRPr>
           </a:p>
           <a:p>
-            <a:pPr indent="457200" lvl="0" marL="0" rtl="0" algn="l">
+            <a:pPr marL="0" lvl="0" indent="457200" algn="l" rtl="0">
               <a:spcBef>
                 <a:spcPts val="0"/>
               </a:spcBef>
@@ -10845,7 +10945,7 @@
             </a:endParaRPr>
           </a:p>
           <a:p>
-            <a:pPr indent="457200" lvl="0" marL="0" rtl="0" algn="l">
+            <a:pPr marL="0" lvl="0" indent="457200" algn="l" rtl="0">
               <a:spcBef>
                 <a:spcPts val="0"/>
               </a:spcBef>
@@ -10863,18 +10963,7 @@
                   <a:srgbClr val="FFFFFF"/>
                 </a:highlight>
               </a:rPr>
-              <a:t>4. </a:t>
-            </a:r>
-            <a:r>
-              <a:rPr lang="en" sz="1100">
-                <a:solidFill>
-                  <a:schemeClr val="dk1"/>
-                </a:solidFill>
-                <a:highlight>
-                  <a:srgbClr val="FFFFFF"/>
-                </a:highlight>
-              </a:rPr>
-              <a:t>Vout = normalize(S’, E’, M’)</a:t>
+              <a:t>4. Vout = normalize(S’, E’, M’)</a:t>
             </a:r>
             <a:endParaRPr sz="1100">
               <a:solidFill>
@@ -10886,7 +10975,7 @@
             </a:endParaRPr>
           </a:p>
           <a:p>
-            <a:pPr indent="-298450" lvl="0" marL="457200" rtl="0" algn="l">
+            <a:pPr marL="457200" lvl="0" indent="-298450" algn="l" rtl="0">
               <a:spcBef>
                 <a:spcPts val="0"/>
               </a:spcBef>
@@ -10950,29 +11039,7 @@
                   <a:srgbClr val="FFFFFF"/>
                 </a:highlight>
               </a:rPr>
-              <a:t>Vout = </a:t>
-            </a:r>
-            <a:r>
-              <a:rPr lang="en" sz="1100">
-                <a:solidFill>
-                  <a:schemeClr val="dk1"/>
-                </a:solidFill>
-                <a:highlight>
-                  <a:srgbClr val="FFFFFF"/>
-                </a:highlight>
-              </a:rPr>
-              <a:t>normalize</a:t>
-            </a:r>
-            <a:r>
-              <a:rPr lang="en" sz="1100">
-                <a:solidFill>
-                  <a:schemeClr val="dk1"/>
-                </a:solidFill>
-                <a:highlight>
-                  <a:srgbClr val="FFFFFF"/>
-                </a:highlight>
-              </a:rPr>
-              <a:t>(S’, E’, M’)</a:t>
+              <a:t>Vout = normalize(S’, E’, M’)</a:t>
             </a:r>
             <a:endParaRPr sz="1100">
               <a:solidFill>
@@ -10994,11 +11061,11 @@
 </file>
 
 <file path=ppt/slides/slide7.xml><?xml version="1.0" encoding="utf-8"?>
-<p:sld xmlns:a="http://schemas.openxmlformats.org/drawingml/2006/main" xmlns:r="http://schemas.openxmlformats.org/officeDocument/2006/relationships" xmlns:mc="http://schemas.openxmlformats.org/markup-compatibility/2006" xmlns:mv="urn:schemas-microsoft-com:mac:vml" xmlns:p="http://schemas.openxmlformats.org/presentationml/2006/main" xmlns:c="http://schemas.openxmlformats.org/drawingml/2006/chart" xmlns:dgm="http://schemas.openxmlformats.org/drawingml/2006/diagram" xmlns:o="urn:schemas-microsoft-com:office:office" xmlns:v="urn:schemas-microsoft-com:vml" xmlns:pvml="urn:schemas-microsoft-com:office:powerpoint" xmlns:com="http://schemas.openxmlformats.org/drawingml/2006/compatibility" xmlns:p14="http://schemas.microsoft.com/office/powerpoint/2010/main" xmlns:p15="http://schemas.microsoft.com/office/powerpoint/2012/main" xmlns:ahyp="http://schemas.microsoft.com/office/drawing/2018/hyperlinkcolor">
+<p:sld xmlns:a="http://schemas.openxmlformats.org/drawingml/2006/main" xmlns:r="http://schemas.openxmlformats.org/officeDocument/2006/relationships" xmlns:p="http://schemas.openxmlformats.org/presentationml/2006/main">
   <p:cSld>
     <p:spTree>
       <p:nvGrpSpPr>
-        <p:cNvPr id="149" name="Shape 149"/>
+        <p:cNvPr id="1" name="Shape 149"/>
         <p:cNvGrpSpPr/>
         <p:nvPr/>
       </p:nvGrpSpPr>
@@ -11013,9 +11080,11 @@
       <p:sp>
         <p:nvSpPr>
           <p:cNvPr id="150" name="Google Shape;150;p19"/>
-          <p:cNvSpPr txBox="1"/>
+          <p:cNvSpPr txBox="1">
+            <a:spLocks noGrp="1"/>
+          </p:cNvSpPr>
           <p:nvPr>
-            <p:ph idx="4294967295" type="title"/>
+            <p:ph type="title" idx="4294967295"/>
           </p:nvPr>
         </p:nvSpPr>
         <p:spPr>
@@ -11028,12 +11097,12 @@
           </a:prstGeom>
         </p:spPr>
         <p:txBody>
-          <a:bodyPr anchorCtr="0" anchor="t" bIns="91425" lIns="91425" spcFirstLastPara="1" rIns="91425" wrap="square" tIns="91425">
+          <a:bodyPr spcFirstLastPara="1" wrap="square" lIns="91425" tIns="91425" rIns="91425" bIns="91425" anchor="t" anchorCtr="0">
             <a:normAutofit fontScale="90000"/>
           </a:bodyPr>
           <a:lstStyle/>
           <a:p>
-            <a:pPr indent="0" lvl="0" marL="0" rtl="0" algn="l">
+            <a:pPr marL="0" lvl="0" indent="0" algn="l" rtl="0">
               <a:spcBef>
                 <a:spcPts val="0"/>
               </a:spcBef>
@@ -11067,34 +11136,31 @@
           <a:solidFill>
             <a:srgbClr val="FFF2CC"/>
           </a:solidFill>
-          <a:ln cap="flat" cmpd="sng" w="28575">
+          <a:ln w="28575" cap="flat" cmpd="sng">
             <a:solidFill>
               <a:srgbClr val="38761D"/>
             </a:solidFill>
             <a:prstDash val="solid"/>
             <a:round/>
-            <a:headEnd len="sm" w="sm" type="none"/>
-            <a:tailEnd len="sm" w="sm" type="none"/>
+            <a:headEnd type="none" w="sm" len="sm"/>
+            <a:tailEnd type="none" w="sm" len="sm"/>
           </a:ln>
         </p:spPr>
         <p:txBody>
-          <a:bodyPr anchorCtr="0" anchor="ctr" bIns="91425" lIns="91425" spcFirstLastPara="1" rIns="91425" wrap="square" tIns="91425">
+          <a:bodyPr spcFirstLastPara="1" wrap="square" lIns="91425" tIns="91425" rIns="91425" bIns="91425" anchor="ctr" anchorCtr="0">
             <a:noAutofit/>
           </a:bodyPr>
           <a:lstStyle/>
           <a:p>
-            <a:pPr indent="0" lvl="0" marL="0" rtl="0" algn="l">
-              <a:spcBef>
-                <a:spcPts val="0"/>
-              </a:spcBef>
-              <a:spcAft>
-                <a:spcPts val="0"/>
-              </a:spcAft>
-              <a:buNone/>
-            </a:pPr>
-            <a:r>
-              <a:t/>
-            </a:r>
+            <a:pPr marL="0" lvl="0" indent="0" algn="l" rtl="0">
+              <a:spcBef>
+                <a:spcPts val="0"/>
+              </a:spcBef>
+              <a:spcAft>
+                <a:spcPts val="0"/>
+              </a:spcAft>
+              <a:buNone/>
+            </a:pPr>
             <a:endParaRPr/>
           </a:p>
         </p:txBody>
@@ -11106,7 +11172,7 @@
           <p:nvPr/>
         </p:nvCxnSpPr>
         <p:spPr>
-          <a:xfrm flipH="1" rot="10800000">
+          <a:xfrm rot="10800000" flipH="1">
             <a:off x="766025" y="4140725"/>
             <a:ext cx="3867600" cy="11400"/>
           </a:xfrm>
@@ -11114,14 +11180,14 @@
             <a:avLst/>
           </a:prstGeom>
           <a:noFill/>
-          <a:ln cap="flat" cmpd="sng" w="9525">
+          <a:ln w="9525" cap="flat" cmpd="sng">
             <a:solidFill>
               <a:schemeClr val="dk2"/>
             </a:solidFill>
             <a:prstDash val="solid"/>
             <a:round/>
-            <a:headEnd len="med" w="med" type="none"/>
-            <a:tailEnd len="med" w="med" type="triangle"/>
+            <a:headEnd type="none" w="med" len="med"/>
+            <a:tailEnd type="triangle" w="med" len="med"/>
           </a:ln>
         </p:spPr>
       </p:cxnSp>
@@ -11145,12 +11211,12 @@
           </a:ln>
         </p:spPr>
         <p:txBody>
-          <a:bodyPr anchorCtr="0" anchor="t" bIns="91425" lIns="91425" spcFirstLastPara="1" rIns="91425" wrap="square" tIns="91425">
+          <a:bodyPr spcFirstLastPara="1" wrap="square" lIns="91425" tIns="91425" rIns="91425" bIns="91425" anchor="t" anchorCtr="0">
             <a:spAutoFit/>
           </a:bodyPr>
           <a:lstStyle/>
           <a:p>
-            <a:pPr indent="0" lvl="0" marL="0" rtl="0" algn="l">
+            <a:pPr marL="0" lvl="0" indent="0" algn="l" rtl="0">
               <a:spcBef>
                 <a:spcPts val="0"/>
               </a:spcBef>
@@ -11174,7 +11240,7 @@
           <p:nvPr/>
         </p:nvCxnSpPr>
         <p:spPr>
-          <a:xfrm flipH="1" rot="10800000">
+          <a:xfrm rot="10800000" flipH="1">
             <a:off x="766025" y="4448825"/>
             <a:ext cx="4459200" cy="12600"/>
           </a:xfrm>
@@ -11182,14 +11248,14 @@
             <a:avLst/>
           </a:prstGeom>
           <a:noFill/>
-          <a:ln cap="flat" cmpd="sng" w="9525">
+          <a:ln w="9525" cap="flat" cmpd="sng">
             <a:solidFill>
               <a:schemeClr val="dk2"/>
             </a:solidFill>
             <a:prstDash val="solid"/>
             <a:round/>
-            <a:headEnd len="med" w="med" type="none"/>
-            <a:tailEnd len="med" w="med" type="triangle"/>
+            <a:headEnd type="none" w="med" len="med"/>
+            <a:tailEnd type="triangle" w="med" len="med"/>
           </a:ln>
         </p:spPr>
       </p:cxnSp>
@@ -11213,12 +11279,12 @@
           </a:ln>
         </p:spPr>
         <p:txBody>
-          <a:bodyPr anchorCtr="0" anchor="t" bIns="91425" lIns="91425" spcFirstLastPara="1" rIns="91425" wrap="square" tIns="91425">
+          <a:bodyPr spcFirstLastPara="1" wrap="square" lIns="91425" tIns="91425" rIns="91425" bIns="91425" anchor="t" anchorCtr="0">
             <a:spAutoFit/>
           </a:bodyPr>
           <a:lstStyle/>
           <a:p>
-            <a:pPr indent="0" lvl="0" marL="0" rtl="0" algn="l">
+            <a:pPr marL="0" lvl="0" indent="0" algn="l" rtl="0">
               <a:spcBef>
                 <a:spcPts val="0"/>
               </a:spcBef>
@@ -11250,14 +11316,14 @@
             <a:avLst/>
           </a:prstGeom>
           <a:noFill/>
-          <a:ln cap="flat" cmpd="sng" w="9525">
+          <a:ln w="9525" cap="flat" cmpd="sng">
             <a:solidFill>
               <a:schemeClr val="dk2"/>
             </a:solidFill>
             <a:prstDash val="solid"/>
             <a:round/>
-            <a:headEnd len="med" w="med" type="none"/>
-            <a:tailEnd len="med" w="med" type="triangle"/>
+            <a:headEnd type="none" w="med" len="med"/>
+            <a:tailEnd type="triangle" w="med" len="med"/>
           </a:ln>
         </p:spPr>
       </p:cxnSp>
@@ -11281,12 +11347,12 @@
           </a:ln>
         </p:spPr>
         <p:txBody>
-          <a:bodyPr anchorCtr="0" anchor="t" bIns="91425" lIns="91425" spcFirstLastPara="1" rIns="91425" wrap="square" tIns="91425">
+          <a:bodyPr spcFirstLastPara="1" wrap="square" lIns="91425" tIns="91425" rIns="91425" bIns="91425" anchor="t" anchorCtr="0">
             <a:spAutoFit/>
           </a:bodyPr>
           <a:lstStyle/>
           <a:p>
-            <a:pPr indent="0" lvl="0" marL="0" rtl="0" algn="l">
+            <a:pPr marL="0" lvl="0" indent="0" algn="l" rtl="0">
               <a:spcBef>
                 <a:spcPts val="0"/>
               </a:spcBef>
@@ -11318,14 +11384,14 @@
             <a:avLst/>
           </a:prstGeom>
           <a:noFill/>
-          <a:ln cap="flat" cmpd="sng" w="9525">
+          <a:ln w="9525" cap="flat" cmpd="sng">
             <a:solidFill>
               <a:schemeClr val="dk2"/>
             </a:solidFill>
             <a:prstDash val="solid"/>
             <a:round/>
-            <a:headEnd len="med" w="med" type="none"/>
-            <a:tailEnd len="med" w="med" type="triangle"/>
+            <a:headEnd type="none" w="med" len="med"/>
+            <a:tailEnd type="triangle" w="med" len="med"/>
           </a:ln>
         </p:spPr>
       </p:cxnSp>
@@ -11349,12 +11415,12 @@
           </a:ln>
         </p:spPr>
         <p:txBody>
-          <a:bodyPr anchorCtr="0" anchor="t" bIns="91425" lIns="91425" spcFirstLastPara="1" rIns="91425" wrap="square" tIns="91425">
+          <a:bodyPr spcFirstLastPara="1" wrap="square" lIns="91425" tIns="91425" rIns="91425" bIns="91425" anchor="t" anchorCtr="0">
             <a:spAutoFit/>
           </a:bodyPr>
           <a:lstStyle/>
           <a:p>
-            <a:pPr indent="0" lvl="0" marL="0" rtl="0" algn="l">
+            <a:pPr marL="0" lvl="0" indent="0" algn="l" rtl="0">
               <a:spcBef>
                 <a:spcPts val="0"/>
               </a:spcBef>
@@ -11386,14 +11452,14 @@
             <a:avLst/>
           </a:prstGeom>
           <a:noFill/>
-          <a:ln cap="flat" cmpd="sng" w="9525">
+          <a:ln w="9525" cap="flat" cmpd="sng">
             <a:solidFill>
               <a:schemeClr val="dk2"/>
             </a:solidFill>
             <a:prstDash val="solid"/>
             <a:round/>
-            <a:headEnd len="med" w="med" type="none"/>
-            <a:tailEnd len="med" w="med" type="triangle"/>
+            <a:headEnd type="none" w="med" len="med"/>
+            <a:tailEnd type="triangle" w="med" len="med"/>
           </a:ln>
         </p:spPr>
       </p:cxnSp>
@@ -11417,12 +11483,12 @@
           </a:ln>
         </p:spPr>
         <p:txBody>
-          <a:bodyPr anchorCtr="0" anchor="t" bIns="91425" lIns="91425" spcFirstLastPara="1" rIns="91425" wrap="square" tIns="91425">
+          <a:bodyPr spcFirstLastPara="1" wrap="square" lIns="91425" tIns="91425" rIns="91425" bIns="91425" anchor="t" anchorCtr="0">
             <a:spAutoFit/>
           </a:bodyPr>
           <a:lstStyle/>
           <a:p>
-            <a:pPr indent="0" lvl="0" marL="0" rtl="0" algn="l">
+            <a:pPr marL="0" lvl="0" indent="0" algn="l" rtl="0">
               <a:spcBef>
                 <a:spcPts val="0"/>
               </a:spcBef>
@@ -11454,14 +11520,14 @@
             <a:avLst/>
           </a:prstGeom>
           <a:noFill/>
-          <a:ln cap="flat" cmpd="sng" w="9525">
+          <a:ln w="9525" cap="flat" cmpd="sng">
             <a:solidFill>
               <a:schemeClr val="dk2"/>
             </a:solidFill>
             <a:prstDash val="solid"/>
             <a:round/>
-            <a:headEnd len="med" w="med" type="none"/>
-            <a:tailEnd len="med" w="med" type="triangle"/>
+            <a:headEnd type="none" w="med" len="med"/>
+            <a:tailEnd type="triangle" w="med" len="med"/>
           </a:ln>
         </p:spPr>
       </p:cxnSp>
@@ -11485,12 +11551,12 @@
           </a:ln>
         </p:spPr>
         <p:txBody>
-          <a:bodyPr anchorCtr="0" anchor="t" bIns="91425" lIns="91425" spcFirstLastPara="1" rIns="91425" wrap="square" tIns="91425">
+          <a:bodyPr spcFirstLastPara="1" wrap="square" lIns="91425" tIns="91425" rIns="91425" bIns="91425" anchor="t" anchorCtr="0">
             <a:spAutoFit/>
           </a:bodyPr>
           <a:lstStyle/>
           <a:p>
-            <a:pPr indent="0" lvl="0" marL="0" rtl="0" algn="l">
+            <a:pPr marL="0" lvl="0" indent="0" algn="l" rtl="0">
               <a:spcBef>
                 <a:spcPts val="0"/>
               </a:spcBef>
@@ -11524,23 +11590,23 @@
           <a:solidFill>
             <a:srgbClr val="FF9900"/>
           </a:solidFill>
-          <a:ln cap="flat" cmpd="sng" w="9525">
+          <a:ln w="9525" cap="flat" cmpd="sng">
             <a:solidFill>
               <a:schemeClr val="dk1"/>
             </a:solidFill>
             <a:prstDash val="solid"/>
             <a:round/>
-            <a:headEnd len="sm" w="sm" type="none"/>
-            <a:tailEnd len="sm" w="sm" type="none"/>
+            <a:headEnd type="none" w="sm" len="sm"/>
+            <a:tailEnd type="none" w="sm" len="sm"/>
           </a:ln>
         </p:spPr>
         <p:txBody>
-          <a:bodyPr anchorCtr="0" anchor="ctr" bIns="91425" lIns="91425" spcFirstLastPara="1" rIns="91425" wrap="square" tIns="91425">
+          <a:bodyPr spcFirstLastPara="1" wrap="square" lIns="91425" tIns="91425" rIns="91425" bIns="91425" anchor="ctr" anchorCtr="0">
             <a:noAutofit/>
           </a:bodyPr>
           <a:lstStyle/>
           <a:p>
-            <a:pPr indent="0" lvl="0" marL="0" rtl="0" algn="l">
+            <a:pPr marL="0" lvl="0" indent="0" algn="l" rtl="0">
               <a:spcBef>
                 <a:spcPts val="0"/>
               </a:spcBef>
@@ -11574,23 +11640,23 @@
           <a:solidFill>
             <a:schemeClr val="accent5"/>
           </a:solidFill>
-          <a:ln cap="flat" cmpd="sng" w="9525">
+          <a:ln w="9525" cap="flat" cmpd="sng">
             <a:solidFill>
               <a:schemeClr val="dk1"/>
             </a:solidFill>
             <a:prstDash val="solid"/>
             <a:round/>
-            <a:headEnd len="sm" w="sm" type="none"/>
-            <a:tailEnd len="sm" w="sm" type="none"/>
+            <a:headEnd type="none" w="sm" len="sm"/>
+            <a:tailEnd type="none" w="sm" len="sm"/>
           </a:ln>
         </p:spPr>
         <p:txBody>
-          <a:bodyPr anchorCtr="0" anchor="ctr" bIns="91425" lIns="91425" spcFirstLastPara="1" rIns="91425" wrap="square" tIns="91425">
+          <a:bodyPr spcFirstLastPara="1" wrap="square" lIns="91425" tIns="91425" rIns="91425" bIns="91425" anchor="ctr" anchorCtr="0">
             <a:noAutofit/>
           </a:bodyPr>
           <a:lstStyle/>
           <a:p>
-            <a:pPr indent="0" lvl="0" marL="0" rtl="0" algn="l">
+            <a:pPr marL="0" lvl="0" indent="0" algn="l" rtl="0">
               <a:spcBef>
                 <a:spcPts val="0"/>
               </a:spcBef>
@@ -11631,14 +11697,14 @@
             <a:avLst/>
           </a:prstGeom>
           <a:noFill/>
-          <a:ln cap="flat" cmpd="sng" w="9525">
+          <a:ln w="9525" cap="flat" cmpd="sng">
             <a:solidFill>
               <a:schemeClr val="dk2"/>
             </a:solidFill>
             <a:prstDash val="solid"/>
             <a:round/>
-            <a:headEnd len="med" w="med" type="none"/>
-            <a:tailEnd len="med" w="med" type="triangle"/>
+            <a:headEnd type="none" w="med" len="med"/>
+            <a:tailEnd type="triangle" w="med" len="med"/>
           </a:ln>
         </p:spPr>
       </p:cxnSp>
@@ -11657,14 +11723,14 @@
             <a:avLst/>
           </a:prstGeom>
           <a:noFill/>
-          <a:ln cap="flat" cmpd="sng" w="9525">
+          <a:ln w="9525" cap="flat" cmpd="sng">
             <a:solidFill>
               <a:schemeClr val="dk2"/>
             </a:solidFill>
             <a:prstDash val="solid"/>
             <a:round/>
-            <a:headEnd len="med" w="med" type="none"/>
-            <a:tailEnd len="med" w="med" type="triangle"/>
+            <a:headEnd type="none" w="med" len="med"/>
+            <a:tailEnd type="triangle" w="med" len="med"/>
           </a:ln>
         </p:spPr>
       </p:cxnSp>
@@ -11685,23 +11751,23 @@
           <a:solidFill>
             <a:srgbClr val="FCE5CD"/>
           </a:solidFill>
-          <a:ln cap="flat" cmpd="sng" w="9525">
+          <a:ln w="9525" cap="flat" cmpd="sng">
             <a:solidFill>
               <a:schemeClr val="dk2"/>
             </a:solidFill>
             <a:prstDash val="solid"/>
             <a:round/>
-            <a:headEnd len="sm" w="sm" type="none"/>
-            <a:tailEnd len="sm" w="sm" type="none"/>
+            <a:headEnd type="none" w="sm" len="sm"/>
+            <a:tailEnd type="none" w="sm" len="sm"/>
           </a:ln>
         </p:spPr>
         <p:txBody>
-          <a:bodyPr anchorCtr="0" anchor="ctr" bIns="91425" lIns="91425" spcFirstLastPara="1" rIns="91425" wrap="square" tIns="91425">
+          <a:bodyPr spcFirstLastPara="1" wrap="square" lIns="91425" tIns="91425" rIns="91425" bIns="91425" anchor="ctr" anchorCtr="0">
             <a:noAutofit/>
           </a:bodyPr>
           <a:lstStyle/>
           <a:p>
-            <a:pPr indent="0" lvl="0" marL="0" rtl="0" algn="l">
+            <a:pPr marL="0" lvl="0" indent="0" algn="l" rtl="0">
               <a:spcBef>
                 <a:spcPts val="0"/>
               </a:spcBef>
@@ -11733,14 +11799,14 @@
             <a:avLst/>
           </a:prstGeom>
           <a:noFill/>
-          <a:ln cap="flat" cmpd="sng" w="9525">
+          <a:ln w="9525" cap="flat" cmpd="sng">
             <a:solidFill>
               <a:schemeClr val="dk2"/>
             </a:solidFill>
             <a:prstDash val="solid"/>
             <a:round/>
-            <a:headEnd len="med" w="med" type="none"/>
-            <a:tailEnd len="med" w="med" type="triangle"/>
+            <a:headEnd type="none" w="med" len="med"/>
+            <a:tailEnd type="triangle" w="med" len="med"/>
           </a:ln>
         </p:spPr>
       </p:cxnSp>
@@ -11764,12 +11830,12 @@
           </a:ln>
         </p:spPr>
         <p:txBody>
-          <a:bodyPr anchorCtr="0" anchor="t" bIns="91425" lIns="91425" spcFirstLastPara="1" rIns="91425" wrap="square" tIns="91425">
+          <a:bodyPr spcFirstLastPara="1" wrap="square" lIns="91425" tIns="91425" rIns="91425" bIns="91425" anchor="t" anchorCtr="0">
             <a:spAutoFit/>
           </a:bodyPr>
           <a:lstStyle/>
           <a:p>
-            <a:pPr indent="0" lvl="0" marL="0" rtl="0" algn="l">
+            <a:pPr marL="0" lvl="0" indent="0" algn="l" rtl="0">
               <a:spcBef>
                 <a:spcPts val="0"/>
               </a:spcBef>
@@ -11806,12 +11872,12 @@
           </a:ln>
         </p:spPr>
         <p:txBody>
-          <a:bodyPr anchorCtr="0" anchor="t" bIns="91425" lIns="91425" spcFirstLastPara="1" rIns="91425" wrap="square" tIns="91425">
+          <a:bodyPr spcFirstLastPara="1" wrap="square" lIns="91425" tIns="91425" rIns="91425" bIns="91425" anchor="t" anchorCtr="0">
             <a:spAutoFit/>
           </a:bodyPr>
           <a:lstStyle/>
           <a:p>
-            <a:pPr indent="0" lvl="0" marL="0" rtl="0" algn="l">
+            <a:pPr marL="0" lvl="0" indent="0" algn="l" rtl="0">
               <a:spcBef>
                 <a:spcPts val="0"/>
               </a:spcBef>
@@ -11821,7 +11887,7 @@
               <a:buNone/>
             </a:pPr>
             <a:r>
-              <a:rPr b="1" i="1" lang="en"/>
+              <a:rPr lang="en" b="1" i="1"/>
               <a:t>FP_adder.sv</a:t>
             </a:r>
             <a:endParaRPr b="1" i="1"/>
@@ -11846,14 +11912,14 @@
             <a:avLst/>
           </a:prstGeom>
           <a:noFill/>
-          <a:ln cap="flat" cmpd="sng" w="9525">
+          <a:ln w="9525" cap="flat" cmpd="sng">
             <a:solidFill>
               <a:schemeClr val="dk2"/>
             </a:solidFill>
             <a:prstDash val="solid"/>
             <a:round/>
-            <a:headEnd len="med" w="med" type="none"/>
-            <a:tailEnd len="med" w="med" type="triangle"/>
+            <a:headEnd type="none" w="med" len="med"/>
+            <a:tailEnd type="triangle" w="med" len="med"/>
           </a:ln>
         </p:spPr>
       </p:cxnSp>
@@ -11874,14 +11940,14 @@
             <a:avLst/>
           </a:prstGeom>
           <a:noFill/>
-          <a:ln cap="flat" cmpd="sng" w="9525">
+          <a:ln w="9525" cap="flat" cmpd="sng">
             <a:solidFill>
               <a:schemeClr val="dk2"/>
             </a:solidFill>
             <a:prstDash val="solid"/>
             <a:round/>
-            <a:headEnd len="med" w="med" type="none"/>
-            <a:tailEnd len="med" w="med" type="triangle"/>
+            <a:headEnd type="none" w="med" len="med"/>
+            <a:tailEnd type="triangle" w="med" len="med"/>
           </a:ln>
         </p:spPr>
       </p:cxnSp>
@@ -11905,12 +11971,12 @@
           </a:ln>
         </p:spPr>
         <p:txBody>
-          <a:bodyPr anchorCtr="0" anchor="t" bIns="91425" lIns="91425" spcFirstLastPara="1" rIns="91425" wrap="square" tIns="91425">
+          <a:bodyPr spcFirstLastPara="1" wrap="square" lIns="91425" tIns="91425" rIns="91425" bIns="91425" anchor="t" anchorCtr="0">
             <a:spAutoFit/>
           </a:bodyPr>
           <a:lstStyle/>
           <a:p>
-            <a:pPr indent="0" lvl="0" marL="0" rtl="0" algn="l">
+            <a:pPr marL="0" lvl="0" indent="0" algn="l" rtl="0">
               <a:spcBef>
                 <a:spcPts val="0"/>
               </a:spcBef>
@@ -11944,23 +12010,23 @@
           <a:solidFill>
             <a:srgbClr val="00FF00"/>
           </a:solidFill>
-          <a:ln cap="flat" cmpd="sng" w="9525">
+          <a:ln w="9525" cap="flat" cmpd="sng">
             <a:solidFill>
               <a:schemeClr val="dk1"/>
             </a:solidFill>
             <a:prstDash val="solid"/>
             <a:round/>
-            <a:headEnd len="sm" w="sm" type="none"/>
-            <a:tailEnd len="sm" w="sm" type="none"/>
+            <a:headEnd type="none" w="sm" len="sm"/>
+            <a:tailEnd type="none" w="sm" len="sm"/>
           </a:ln>
         </p:spPr>
         <p:txBody>
-          <a:bodyPr anchorCtr="0" anchor="ctr" bIns="91425" lIns="91425" spcFirstLastPara="1" rIns="91425" wrap="square" tIns="91425">
+          <a:bodyPr spcFirstLastPara="1" wrap="square" lIns="91425" tIns="91425" rIns="91425" bIns="91425" anchor="ctr" anchorCtr="0">
             <a:noAutofit/>
           </a:bodyPr>
           <a:lstStyle/>
           <a:p>
-            <a:pPr indent="0" lvl="0" marL="0" rtl="0" algn="l">
+            <a:pPr marL="0" lvl="0" indent="0" algn="l" rtl="0">
               <a:spcBef>
                 <a:spcPts val="0"/>
               </a:spcBef>
@@ -11970,14 +12036,14 @@
               <a:buNone/>
             </a:pPr>
             <a:r>
-              <a:rPr lang="en">
+              <a:rPr lang="en" dirty="0">
                 <a:solidFill>
                   <a:schemeClr val="dk1"/>
                 </a:solidFill>
               </a:rPr>
-              <a:t>17-bit adder</a:t>
+              <a:t>25-bit adder</a:t>
             </a:r>
-            <a:endParaRPr/>
+            <a:endParaRPr dirty="0"/>
           </a:p>
         </p:txBody>
       </p:sp>
@@ -12001,12 +12067,12 @@
           </a:ln>
         </p:spPr>
         <p:txBody>
-          <a:bodyPr anchorCtr="0" anchor="t" bIns="91425" lIns="91425" spcFirstLastPara="1" rIns="91425" wrap="square" tIns="91425">
+          <a:bodyPr spcFirstLastPara="1" wrap="square" lIns="91425" tIns="91425" rIns="91425" bIns="91425" anchor="t" anchorCtr="0">
             <a:spAutoFit/>
           </a:bodyPr>
           <a:lstStyle/>
           <a:p>
-            <a:pPr indent="0" lvl="0" marL="0" rtl="0" algn="l">
+            <a:pPr marL="0" lvl="0" indent="0" algn="l" rtl="0">
               <a:spcBef>
                 <a:spcPts val="0"/>
               </a:spcBef>
@@ -12040,23 +12106,23 @@
           <a:solidFill>
             <a:srgbClr val="00FF00"/>
           </a:solidFill>
-          <a:ln cap="flat" cmpd="sng" w="9525">
+          <a:ln w="9525" cap="flat" cmpd="sng">
             <a:solidFill>
               <a:schemeClr val="dk1"/>
             </a:solidFill>
             <a:prstDash val="solid"/>
             <a:round/>
-            <a:headEnd len="sm" w="sm" type="none"/>
-            <a:tailEnd len="sm" w="sm" type="none"/>
+            <a:headEnd type="none" w="sm" len="sm"/>
+            <a:tailEnd type="none" w="sm" len="sm"/>
           </a:ln>
         </p:spPr>
         <p:txBody>
-          <a:bodyPr anchorCtr="0" anchor="ctr" bIns="91425" lIns="91425" spcFirstLastPara="1" rIns="91425" wrap="square" tIns="91425">
+          <a:bodyPr spcFirstLastPara="1" wrap="square" lIns="91425" tIns="91425" rIns="91425" bIns="91425" anchor="ctr" anchorCtr="0">
             <a:noAutofit/>
           </a:bodyPr>
           <a:lstStyle/>
           <a:p>
-            <a:pPr indent="0" lvl="0" marL="0" rtl="0" algn="l">
+            <a:pPr marL="0" lvl="0" indent="0" algn="l" rtl="0">
               <a:spcBef>
                 <a:spcPts val="0"/>
               </a:spcBef>
@@ -12080,7 +12146,7 @@
             </a:endParaRPr>
           </a:p>
           <a:p>
-            <a:pPr indent="0" lvl="0" marL="0" rtl="0" algn="l">
+            <a:pPr marL="0" lvl="0" indent="0" algn="l" rtl="0">
               <a:spcBef>
                 <a:spcPts val="0"/>
               </a:spcBef>
@@ -12116,14 +12182,14 @@
             <a:avLst/>
           </a:prstGeom>
           <a:noFill/>
-          <a:ln cap="flat" cmpd="sng" w="9525">
+          <a:ln w="9525" cap="flat" cmpd="sng">
             <a:solidFill>
               <a:schemeClr val="dk2"/>
             </a:solidFill>
             <a:prstDash val="solid"/>
             <a:round/>
-            <a:headEnd len="med" w="med" type="none"/>
-            <a:tailEnd len="med" w="med" type="triangle"/>
+            <a:headEnd type="none" w="med" len="med"/>
+            <a:tailEnd type="triangle" w="med" len="med"/>
           </a:ln>
         </p:spPr>
       </p:cxnSp>
@@ -12142,14 +12208,14 @@
             <a:avLst/>
           </a:prstGeom>
           <a:noFill/>
-          <a:ln cap="flat" cmpd="sng" w="9525">
+          <a:ln w="9525" cap="flat" cmpd="sng">
             <a:solidFill>
               <a:schemeClr val="dk2"/>
             </a:solidFill>
             <a:prstDash val="solid"/>
             <a:round/>
-            <a:headEnd len="med" w="med" type="none"/>
-            <a:tailEnd len="med" w="med" type="triangle"/>
+            <a:headEnd type="none" w="med" len="med"/>
+            <a:tailEnd type="triangle" w="med" len="med"/>
           </a:ln>
         </p:spPr>
       </p:cxnSp>
@@ -12160,7 +12226,7 @@
           <p:nvPr/>
         </p:nvCxnSpPr>
         <p:spPr>
-          <a:xfrm flipH="1" rot="10800000">
+          <a:xfrm rot="10800000" flipH="1">
             <a:off x="6468450" y="2452325"/>
             <a:ext cx="75300" cy="890700"/>
           </a:xfrm>
@@ -12168,14 +12234,14 @@
             <a:avLst/>
           </a:prstGeom>
           <a:noFill/>
-          <a:ln cap="flat" cmpd="sng" w="9525">
+          <a:ln w="9525" cap="flat" cmpd="sng">
             <a:solidFill>
               <a:schemeClr val="dk2"/>
             </a:solidFill>
             <a:prstDash val="solid"/>
             <a:round/>
-            <a:headEnd len="med" w="med" type="none"/>
-            <a:tailEnd len="med" w="med" type="triangle"/>
+            <a:headEnd type="none" w="med" len="med"/>
+            <a:tailEnd type="triangle" w="med" len="med"/>
           </a:ln>
         </p:spPr>
       </p:cxnSp>
@@ -12194,14 +12260,14 @@
             <a:avLst/>
           </a:prstGeom>
           <a:noFill/>
-          <a:ln cap="flat" cmpd="sng" w="9525">
+          <a:ln w="9525" cap="flat" cmpd="sng">
             <a:solidFill>
               <a:schemeClr val="dk2"/>
             </a:solidFill>
             <a:prstDash val="solid"/>
             <a:round/>
-            <a:headEnd len="med" w="med" type="none"/>
-            <a:tailEnd len="med" w="med" type="triangle"/>
+            <a:headEnd type="none" w="med" len="med"/>
+            <a:tailEnd type="triangle" w="med" len="med"/>
           </a:ln>
         </p:spPr>
       </p:cxnSp>
@@ -12212,7 +12278,7 @@
           <p:nvPr/>
         </p:nvCxnSpPr>
         <p:spPr>
-          <a:xfrm flipH="1" rot="10800000">
+          <a:xfrm rot="10800000" flipH="1">
             <a:off x="5188175" y="3955875"/>
             <a:ext cx="61500" cy="492900"/>
           </a:xfrm>
@@ -12220,14 +12286,14 @@
             <a:avLst/>
           </a:prstGeom>
           <a:noFill/>
-          <a:ln cap="flat" cmpd="sng" w="9525">
+          <a:ln w="9525" cap="flat" cmpd="sng">
             <a:solidFill>
               <a:schemeClr val="dk2"/>
             </a:solidFill>
             <a:prstDash val="solid"/>
             <a:round/>
-            <a:headEnd len="med" w="med" type="none"/>
-            <a:tailEnd len="med" w="med" type="triangle"/>
+            <a:headEnd type="none" w="med" len="med"/>
+            <a:tailEnd type="triangle" w="med" len="med"/>
           </a:ln>
         </p:spPr>
       </p:cxnSp>
@@ -12240,11 +12306,11 @@
 </file>
 
 <file path=ppt/slides/slide8.xml><?xml version="1.0" encoding="utf-8"?>
-<p:sld xmlns:a="http://schemas.openxmlformats.org/drawingml/2006/main" xmlns:r="http://schemas.openxmlformats.org/officeDocument/2006/relationships" xmlns:mc="http://schemas.openxmlformats.org/markup-compatibility/2006" xmlns:mv="urn:schemas-microsoft-com:mac:vml" xmlns:p="http://schemas.openxmlformats.org/presentationml/2006/main" xmlns:c="http://schemas.openxmlformats.org/drawingml/2006/chart" xmlns:dgm="http://schemas.openxmlformats.org/drawingml/2006/diagram" xmlns:o="urn:schemas-microsoft-com:office:office" xmlns:v="urn:schemas-microsoft-com:vml" xmlns:pvml="urn:schemas-microsoft-com:office:powerpoint" xmlns:com="http://schemas.openxmlformats.org/drawingml/2006/compatibility" xmlns:p14="http://schemas.microsoft.com/office/powerpoint/2010/main" xmlns:p15="http://schemas.microsoft.com/office/powerpoint/2012/main" xmlns:ahyp="http://schemas.microsoft.com/office/drawing/2018/hyperlinkcolor">
+<p:sld xmlns:a="http://schemas.openxmlformats.org/drawingml/2006/main" xmlns:r="http://schemas.openxmlformats.org/officeDocument/2006/relationships" xmlns:p="http://schemas.openxmlformats.org/presentationml/2006/main">
   <p:cSld>
     <p:spTree>
       <p:nvGrpSpPr>
-        <p:cNvPr id="186" name="Shape 186"/>
+        <p:cNvPr id="1" name="Shape 186"/>
         <p:cNvGrpSpPr/>
         <p:nvPr/>
       </p:nvGrpSpPr>
@@ -12259,9 +12325,11 @@
       <p:sp>
         <p:nvSpPr>
           <p:cNvPr id="187" name="Google Shape;187;p20"/>
-          <p:cNvSpPr txBox="1"/>
+          <p:cNvSpPr txBox="1">
+            <a:spLocks noGrp="1"/>
+          </p:cNvSpPr>
           <p:nvPr>
-            <p:ph idx="4294967295" type="title"/>
+            <p:ph type="title" idx="4294967295"/>
           </p:nvPr>
         </p:nvSpPr>
         <p:spPr>
@@ -12274,12 +12342,12 @@
           </a:prstGeom>
         </p:spPr>
         <p:txBody>
-          <a:bodyPr anchorCtr="0" anchor="t" bIns="91425" lIns="91425" spcFirstLastPara="1" rIns="91425" wrap="square" tIns="91425">
+          <a:bodyPr spcFirstLastPara="1" wrap="square" lIns="91425" tIns="91425" rIns="91425" bIns="91425" anchor="t" anchorCtr="0">
             <a:normAutofit fontScale="90000"/>
           </a:bodyPr>
           <a:lstStyle/>
           <a:p>
-            <a:pPr indent="0" lvl="0" marL="0" rtl="0" algn="l">
+            <a:pPr marL="0" lvl="0" indent="0" algn="l" rtl="0">
               <a:spcBef>
                 <a:spcPts val="0"/>
               </a:spcBef>
@@ -12313,34 +12381,31 @@
           <a:solidFill>
             <a:srgbClr val="FFF2CC"/>
           </a:solidFill>
-          <a:ln cap="flat" cmpd="sng" w="28575">
+          <a:ln w="28575" cap="flat" cmpd="sng">
             <a:solidFill>
               <a:srgbClr val="38761D"/>
             </a:solidFill>
             <a:prstDash val="solid"/>
             <a:round/>
-            <a:headEnd len="sm" w="sm" type="none"/>
-            <a:tailEnd len="sm" w="sm" type="none"/>
+            <a:headEnd type="none" w="sm" len="sm"/>
+            <a:tailEnd type="none" w="sm" len="sm"/>
           </a:ln>
         </p:spPr>
         <p:txBody>
-          <a:bodyPr anchorCtr="0" anchor="ctr" bIns="91425" lIns="91425" spcFirstLastPara="1" rIns="91425" wrap="square" tIns="91425">
+          <a:bodyPr spcFirstLastPara="1" wrap="square" lIns="91425" tIns="91425" rIns="91425" bIns="91425" anchor="ctr" anchorCtr="0">
             <a:noAutofit/>
           </a:bodyPr>
           <a:lstStyle/>
           <a:p>
-            <a:pPr indent="0" lvl="0" marL="0" rtl="0" algn="l">
-              <a:spcBef>
-                <a:spcPts val="0"/>
-              </a:spcBef>
-              <a:spcAft>
-                <a:spcPts val="0"/>
-              </a:spcAft>
-              <a:buNone/>
-            </a:pPr>
-            <a:r>
-              <a:t/>
-            </a:r>
+            <a:pPr marL="0" lvl="0" indent="0" algn="l" rtl="0">
+              <a:spcBef>
+                <a:spcPts val="0"/>
+              </a:spcBef>
+              <a:spcAft>
+                <a:spcPts val="0"/>
+              </a:spcAft>
+              <a:buNone/>
+            </a:pPr>
             <a:endParaRPr/>
           </a:p>
         </p:txBody>
@@ -12360,14 +12425,14 @@
             <a:avLst/>
           </a:prstGeom>
           <a:noFill/>
-          <a:ln cap="flat" cmpd="sng" w="9525">
+          <a:ln w="9525" cap="flat" cmpd="sng">
             <a:solidFill>
               <a:schemeClr val="dk2"/>
             </a:solidFill>
             <a:prstDash val="solid"/>
             <a:round/>
-            <a:headEnd len="med" w="med" type="none"/>
-            <a:tailEnd len="med" w="med" type="triangle"/>
+            <a:headEnd type="none" w="med" len="med"/>
+            <a:tailEnd type="triangle" w="med" len="med"/>
           </a:ln>
         </p:spPr>
       </p:cxnSp>
@@ -12391,12 +12456,12 @@
           </a:ln>
         </p:spPr>
         <p:txBody>
-          <a:bodyPr anchorCtr="0" anchor="t" bIns="91425" lIns="91425" spcFirstLastPara="1" rIns="91425" wrap="square" tIns="91425">
+          <a:bodyPr spcFirstLastPara="1" wrap="square" lIns="91425" tIns="91425" rIns="91425" bIns="91425" anchor="t" anchorCtr="0">
             <a:spAutoFit/>
           </a:bodyPr>
           <a:lstStyle/>
           <a:p>
-            <a:pPr indent="0" lvl="0" marL="0" rtl="0" algn="l">
+            <a:pPr marL="0" lvl="0" indent="0" algn="l" rtl="0">
               <a:spcBef>
                 <a:spcPts val="0"/>
               </a:spcBef>
@@ -12428,14 +12493,14 @@
             <a:avLst/>
           </a:prstGeom>
           <a:noFill/>
-          <a:ln cap="flat" cmpd="sng" w="9525">
+          <a:ln w="9525" cap="flat" cmpd="sng">
             <a:solidFill>
               <a:schemeClr val="dk2"/>
             </a:solidFill>
             <a:prstDash val="solid"/>
             <a:round/>
-            <a:headEnd len="med" w="med" type="none"/>
-            <a:tailEnd len="med" w="med" type="triangle"/>
+            <a:headEnd type="none" w="med" len="med"/>
+            <a:tailEnd type="triangle" w="med" len="med"/>
           </a:ln>
         </p:spPr>
       </p:cxnSp>
@@ -12459,12 +12524,12 @@
           </a:ln>
         </p:spPr>
         <p:txBody>
-          <a:bodyPr anchorCtr="0" anchor="t" bIns="91425" lIns="91425" spcFirstLastPara="1" rIns="91425" wrap="square" tIns="91425">
+          <a:bodyPr spcFirstLastPara="1" wrap="square" lIns="91425" tIns="91425" rIns="91425" bIns="91425" anchor="t" anchorCtr="0">
             <a:spAutoFit/>
           </a:bodyPr>
           <a:lstStyle/>
           <a:p>
-            <a:pPr indent="0" lvl="0" marL="0" rtl="0" algn="l">
+            <a:pPr marL="0" lvl="0" indent="0" algn="l" rtl="0">
               <a:spcBef>
                 <a:spcPts val="0"/>
               </a:spcBef>
@@ -12496,14 +12561,14 @@
             <a:avLst/>
           </a:prstGeom>
           <a:noFill/>
-          <a:ln cap="flat" cmpd="sng" w="9525">
+          <a:ln w="9525" cap="flat" cmpd="sng">
             <a:solidFill>
               <a:schemeClr val="dk2"/>
             </a:solidFill>
             <a:prstDash val="solid"/>
             <a:round/>
-            <a:headEnd len="med" w="med" type="none"/>
-            <a:tailEnd len="med" w="med" type="triangle"/>
+            <a:headEnd type="none" w="med" len="med"/>
+            <a:tailEnd type="triangle" w="med" len="med"/>
           </a:ln>
         </p:spPr>
       </p:cxnSp>
@@ -12527,12 +12592,12 @@
           </a:ln>
         </p:spPr>
         <p:txBody>
-          <a:bodyPr anchorCtr="0" anchor="t" bIns="91425" lIns="91425" spcFirstLastPara="1" rIns="91425" wrap="square" tIns="91425">
+          <a:bodyPr spcFirstLastPara="1" wrap="square" lIns="91425" tIns="91425" rIns="91425" bIns="91425" anchor="t" anchorCtr="0">
             <a:spAutoFit/>
           </a:bodyPr>
           <a:lstStyle/>
           <a:p>
-            <a:pPr indent="0" lvl="0" marL="0" rtl="0" algn="l">
+            <a:pPr marL="0" lvl="0" indent="0" algn="l" rtl="0">
               <a:spcBef>
                 <a:spcPts val="0"/>
               </a:spcBef>
@@ -12564,14 +12629,14 @@
             <a:avLst/>
           </a:prstGeom>
           <a:noFill/>
-          <a:ln cap="flat" cmpd="sng" w="9525">
+          <a:ln w="9525" cap="flat" cmpd="sng">
             <a:solidFill>
               <a:schemeClr val="dk2"/>
             </a:solidFill>
             <a:prstDash val="solid"/>
             <a:round/>
-            <a:headEnd len="med" w="med" type="none"/>
-            <a:tailEnd len="med" w="med" type="triangle"/>
+            <a:headEnd type="none" w="med" len="med"/>
+            <a:tailEnd type="triangle" w="med" len="med"/>
           </a:ln>
         </p:spPr>
       </p:cxnSp>
@@ -12595,12 +12660,12 @@
           </a:ln>
         </p:spPr>
         <p:txBody>
-          <a:bodyPr anchorCtr="0" anchor="t" bIns="91425" lIns="91425" spcFirstLastPara="1" rIns="91425" wrap="square" tIns="91425">
+          <a:bodyPr spcFirstLastPara="1" wrap="square" lIns="91425" tIns="91425" rIns="91425" bIns="91425" anchor="t" anchorCtr="0">
             <a:spAutoFit/>
           </a:bodyPr>
           <a:lstStyle/>
           <a:p>
-            <a:pPr indent="0" lvl="0" marL="0" rtl="0" algn="l">
+            <a:pPr marL="0" lvl="0" indent="0" algn="l" rtl="0">
               <a:spcBef>
                 <a:spcPts val="0"/>
               </a:spcBef>
@@ -12632,14 +12697,14 @@
             <a:avLst/>
           </a:prstGeom>
           <a:noFill/>
-          <a:ln cap="flat" cmpd="sng" w="9525">
+          <a:ln w="9525" cap="flat" cmpd="sng">
             <a:solidFill>
               <a:schemeClr val="dk2"/>
             </a:solidFill>
             <a:prstDash val="solid"/>
             <a:round/>
-            <a:headEnd len="med" w="med" type="none"/>
-            <a:tailEnd len="med" w="med" type="triangle"/>
+            <a:headEnd type="none" w="med" len="med"/>
+            <a:tailEnd type="triangle" w="med" len="med"/>
           </a:ln>
         </p:spPr>
       </p:cxnSp>
@@ -12663,12 +12728,12 @@
           </a:ln>
         </p:spPr>
         <p:txBody>
-          <a:bodyPr anchorCtr="0" anchor="t" bIns="91425" lIns="91425" spcFirstLastPara="1" rIns="91425" wrap="square" tIns="91425">
+          <a:bodyPr spcFirstLastPara="1" wrap="square" lIns="91425" tIns="91425" rIns="91425" bIns="91425" anchor="t" anchorCtr="0">
             <a:spAutoFit/>
           </a:bodyPr>
           <a:lstStyle/>
           <a:p>
-            <a:pPr indent="0" lvl="0" marL="0" rtl="0" algn="l">
+            <a:pPr marL="0" lvl="0" indent="0" algn="l" rtl="0">
               <a:spcBef>
                 <a:spcPts val="0"/>
               </a:spcBef>
@@ -12679,11 +12744,7 @@
             </a:pPr>
             <a:r>
               <a:rPr lang="en"/>
-              <a:t>M</a:t>
-            </a:r>
-            <a:r>
-              <a:rPr lang="en"/>
-              <a:t>1</a:t>
+              <a:t>M1</a:t>
             </a:r>
             <a:endParaRPr/>
           </a:p>
@@ -12704,14 +12765,14 @@
             <a:avLst/>
           </a:prstGeom>
           <a:noFill/>
-          <a:ln cap="flat" cmpd="sng" w="9525">
+          <a:ln w="9525" cap="flat" cmpd="sng">
             <a:solidFill>
               <a:schemeClr val="dk2"/>
             </a:solidFill>
             <a:prstDash val="solid"/>
             <a:round/>
-            <a:headEnd len="med" w="med" type="none"/>
-            <a:tailEnd len="med" w="med" type="triangle"/>
+            <a:headEnd type="none" w="med" len="med"/>
+            <a:tailEnd type="triangle" w="med" len="med"/>
           </a:ln>
         </p:spPr>
       </p:cxnSp>
@@ -12735,12 +12796,12 @@
           </a:ln>
         </p:spPr>
         <p:txBody>
-          <a:bodyPr anchorCtr="0" anchor="t" bIns="91425" lIns="91425" spcFirstLastPara="1" rIns="91425" wrap="square" tIns="91425">
+          <a:bodyPr spcFirstLastPara="1" wrap="square" lIns="91425" tIns="91425" rIns="91425" bIns="91425" anchor="t" anchorCtr="0">
             <a:spAutoFit/>
           </a:bodyPr>
           <a:lstStyle/>
           <a:p>
-            <a:pPr indent="0" lvl="0" marL="0" rtl="0" algn="l">
+            <a:pPr marL="0" lvl="0" indent="0" algn="l" rtl="0">
               <a:spcBef>
                 <a:spcPts val="0"/>
               </a:spcBef>
@@ -12774,23 +12835,23 @@
           <a:solidFill>
             <a:srgbClr val="A4C2F4"/>
           </a:solidFill>
-          <a:ln cap="flat" cmpd="sng" w="9525">
+          <a:ln w="9525" cap="flat" cmpd="sng">
             <a:solidFill>
               <a:schemeClr val="dk1"/>
             </a:solidFill>
             <a:prstDash val="solid"/>
             <a:round/>
-            <a:headEnd len="sm" w="sm" type="none"/>
-            <a:tailEnd len="sm" w="sm" type="none"/>
+            <a:headEnd type="none" w="sm" len="sm"/>
+            <a:tailEnd type="none" w="sm" len="sm"/>
           </a:ln>
         </p:spPr>
         <p:txBody>
-          <a:bodyPr anchorCtr="0" anchor="ctr" bIns="91425" lIns="91425" spcFirstLastPara="1" rIns="91425" wrap="square" tIns="91425">
+          <a:bodyPr spcFirstLastPara="1" wrap="square" lIns="91425" tIns="91425" rIns="91425" bIns="91425" anchor="ctr" anchorCtr="0">
             <a:noAutofit/>
           </a:bodyPr>
           <a:lstStyle/>
           <a:p>
-            <a:pPr indent="0" lvl="0" marL="0" rtl="0" algn="l">
+            <a:pPr marL="0" lvl="0" indent="0" algn="l" rtl="0">
               <a:spcBef>
                 <a:spcPts val="0"/>
               </a:spcBef>
@@ -12824,23 +12885,23 @@
           <a:solidFill>
             <a:srgbClr val="FF9900"/>
           </a:solidFill>
-          <a:ln cap="flat" cmpd="sng" w="9525">
+          <a:ln w="9525" cap="flat" cmpd="sng">
             <a:solidFill>
               <a:schemeClr val="dk1"/>
             </a:solidFill>
             <a:prstDash val="solid"/>
             <a:round/>
-            <a:headEnd len="sm" w="sm" type="none"/>
-            <a:tailEnd len="sm" w="sm" type="none"/>
+            <a:headEnd type="none" w="sm" len="sm"/>
+            <a:tailEnd type="none" w="sm" len="sm"/>
           </a:ln>
         </p:spPr>
         <p:txBody>
-          <a:bodyPr anchorCtr="0" anchor="ctr" bIns="91425" lIns="91425" spcFirstLastPara="1" rIns="91425" wrap="square" tIns="91425">
+          <a:bodyPr spcFirstLastPara="1" wrap="square" lIns="91425" tIns="91425" rIns="91425" bIns="91425" anchor="ctr" anchorCtr="0">
             <a:noAutofit/>
           </a:bodyPr>
           <a:lstStyle/>
           <a:p>
-            <a:pPr indent="0" lvl="0" marL="0" rtl="0" algn="l">
+            <a:pPr marL="0" lvl="0" indent="0" algn="l" rtl="0">
               <a:spcBef>
                 <a:spcPts val="0"/>
               </a:spcBef>
@@ -12874,23 +12935,23 @@
           <a:solidFill>
             <a:srgbClr val="00FF00"/>
           </a:solidFill>
-          <a:ln cap="flat" cmpd="sng" w="9525">
+          <a:ln w="9525" cap="flat" cmpd="sng">
             <a:solidFill>
               <a:schemeClr val="dk1"/>
             </a:solidFill>
             <a:prstDash val="solid"/>
             <a:round/>
-            <a:headEnd len="sm" w="sm" type="none"/>
-            <a:tailEnd len="sm" w="sm" type="none"/>
+            <a:headEnd type="none" w="sm" len="sm"/>
+            <a:tailEnd type="none" w="sm" len="sm"/>
           </a:ln>
         </p:spPr>
         <p:txBody>
-          <a:bodyPr anchorCtr="0" anchor="ctr" bIns="91425" lIns="91425" spcFirstLastPara="1" rIns="91425" wrap="square" tIns="91425">
+          <a:bodyPr spcFirstLastPara="1" wrap="square" lIns="91425" tIns="91425" rIns="91425" bIns="91425" anchor="ctr" anchorCtr="0">
             <a:noAutofit/>
           </a:bodyPr>
           <a:lstStyle/>
           <a:p>
-            <a:pPr indent="0" lvl="0" marL="0" rtl="0" algn="l">
+            <a:pPr marL="0" lvl="0" indent="0" algn="l" rtl="0">
               <a:spcBef>
                 <a:spcPts val="0"/>
               </a:spcBef>
@@ -12900,7 +12961,7 @@
               <a:buNone/>
             </a:pPr>
             <a:r>
-              <a:rPr b="1" i="1" lang="en">
+              <a:rPr lang="en" b="1" i="1">
                 <a:solidFill>
                   <a:schemeClr val="dk1"/>
                 </a:solidFill>
@@ -12928,23 +12989,23 @@
           <a:solidFill>
             <a:schemeClr val="accent5"/>
           </a:solidFill>
-          <a:ln cap="flat" cmpd="sng" w="9525">
+          <a:ln w="9525" cap="flat" cmpd="sng">
             <a:solidFill>
               <a:schemeClr val="dk1"/>
             </a:solidFill>
             <a:prstDash val="solid"/>
             <a:round/>
-            <a:headEnd len="sm" w="sm" type="none"/>
-            <a:tailEnd len="sm" w="sm" type="none"/>
+            <a:headEnd type="none" w="sm" len="sm"/>
+            <a:tailEnd type="none" w="sm" len="sm"/>
           </a:ln>
         </p:spPr>
         <p:txBody>
-          <a:bodyPr anchorCtr="0" anchor="ctr" bIns="91425" lIns="91425" spcFirstLastPara="1" rIns="91425" wrap="square" tIns="91425">
+          <a:bodyPr spcFirstLastPara="1" wrap="square" lIns="91425" tIns="91425" rIns="91425" bIns="91425" anchor="ctr" anchorCtr="0">
             <a:noAutofit/>
           </a:bodyPr>
           <a:lstStyle/>
           <a:p>
-            <a:pPr indent="0" lvl="0" marL="0" rtl="0" algn="l">
+            <a:pPr marL="0" lvl="0" indent="0" algn="l" rtl="0">
               <a:spcBef>
                 <a:spcPts val="0"/>
               </a:spcBef>
@@ -12954,7 +13015,7 @@
               <a:buNone/>
             </a:pPr>
             <a:r>
-              <a:rPr b="1" i="1" lang="en">
+              <a:rPr lang="en" b="1" i="1">
                 <a:solidFill>
                   <a:schemeClr val="dk1"/>
                 </a:solidFill>
@@ -12974,7 +13035,7 @@
           <p:nvPr/>
         </p:nvCxnSpPr>
         <p:spPr>
-          <a:xfrm flipH="1" rot="10800000">
+          <a:xfrm rot="10800000" flipH="1">
             <a:off x="5403425" y="3951950"/>
             <a:ext cx="513300" cy="436200"/>
           </a:xfrm>
@@ -12982,14 +13043,14 @@
             <a:avLst/>
           </a:prstGeom>
           <a:noFill/>
-          <a:ln cap="flat" cmpd="sng" w="9525">
+          <a:ln w="9525" cap="flat" cmpd="sng">
             <a:solidFill>
               <a:schemeClr val="dk2"/>
             </a:solidFill>
             <a:prstDash val="solid"/>
             <a:round/>
-            <a:headEnd len="med" w="med" type="none"/>
-            <a:tailEnd len="med" w="med" type="triangle"/>
+            <a:headEnd type="none" w="med" len="med"/>
+            <a:tailEnd type="triangle" w="med" len="med"/>
           </a:ln>
         </p:spPr>
       </p:cxnSp>
@@ -13013,12 +13074,12 @@
           </a:ln>
         </p:spPr>
         <p:txBody>
-          <a:bodyPr anchorCtr="0" anchor="t" bIns="91425" lIns="91425" spcFirstLastPara="1" rIns="91425" wrap="square" tIns="91425">
+          <a:bodyPr spcFirstLastPara="1" wrap="square" lIns="91425" tIns="91425" rIns="91425" bIns="91425" anchor="t" anchorCtr="0">
             <a:spAutoFit/>
           </a:bodyPr>
           <a:lstStyle/>
           <a:p>
-            <a:pPr indent="0" lvl="0" marL="0" rtl="0" algn="l">
+            <a:pPr marL="0" lvl="0" indent="0" algn="l" rtl="0">
               <a:spcBef>
                 <a:spcPts val="0"/>
               </a:spcBef>
@@ -13029,11 +13090,7 @@
             </a:pPr>
             <a:r>
               <a:rPr lang="en"/>
-              <a:t>Uns</a:t>
-            </a:r>
-            <a:r>
-              <a:rPr lang="en"/>
-              <a:t>igned</a:t>
+              <a:t>Unsigned</a:t>
             </a:r>
             <a:endParaRPr/>
           </a:p>
@@ -13054,14 +13111,14 @@
             <a:avLst/>
           </a:prstGeom>
           <a:noFill/>
-          <a:ln cap="flat" cmpd="sng" w="9525">
+          <a:ln w="9525" cap="flat" cmpd="sng">
             <a:solidFill>
               <a:schemeClr val="dk2"/>
             </a:solidFill>
             <a:prstDash val="solid"/>
             <a:round/>
-            <a:headEnd len="med" w="med" type="none"/>
-            <a:tailEnd len="med" w="med" type="triangle"/>
+            <a:headEnd type="none" w="med" len="med"/>
+            <a:tailEnd type="triangle" w="med" len="med"/>
           </a:ln>
         </p:spPr>
       </p:cxnSp>
@@ -13080,14 +13137,14 @@
             <a:avLst/>
           </a:prstGeom>
           <a:noFill/>
-          <a:ln cap="flat" cmpd="sng" w="9525">
+          <a:ln w="9525" cap="flat" cmpd="sng">
             <a:solidFill>
               <a:schemeClr val="dk2"/>
             </a:solidFill>
             <a:prstDash val="solid"/>
             <a:round/>
-            <a:headEnd len="med" w="med" type="none"/>
-            <a:tailEnd len="med" w="med" type="triangle"/>
+            <a:headEnd type="none" w="med" len="med"/>
+            <a:tailEnd type="triangle" w="med" len="med"/>
           </a:ln>
         </p:spPr>
       </p:cxnSp>
@@ -13108,23 +13165,23 @@
           <a:solidFill>
             <a:srgbClr val="FCE5CD"/>
           </a:solidFill>
-          <a:ln cap="flat" cmpd="sng" w="9525">
+          <a:ln w="9525" cap="flat" cmpd="sng">
             <a:solidFill>
               <a:schemeClr val="dk2"/>
             </a:solidFill>
             <a:prstDash val="solid"/>
             <a:round/>
-            <a:headEnd len="sm" w="sm" type="none"/>
-            <a:tailEnd len="sm" w="sm" type="none"/>
+            <a:headEnd type="none" w="sm" len="sm"/>
+            <a:tailEnd type="none" w="sm" len="sm"/>
           </a:ln>
         </p:spPr>
         <p:txBody>
-          <a:bodyPr anchorCtr="0" anchor="ctr" bIns="91425" lIns="91425" spcFirstLastPara="1" rIns="91425" wrap="square" tIns="91425">
+          <a:bodyPr spcFirstLastPara="1" wrap="square" lIns="91425" tIns="91425" rIns="91425" bIns="91425" anchor="ctr" anchorCtr="0">
             <a:noAutofit/>
           </a:bodyPr>
           <a:lstStyle/>
           <a:p>
-            <a:pPr indent="0" lvl="0" marL="0" rtl="0" algn="l">
+            <a:pPr marL="0" lvl="0" indent="0" algn="l" rtl="0">
               <a:spcBef>
                 <a:spcPts val="0"/>
               </a:spcBef>
@@ -13158,14 +13215,14 @@
             <a:avLst/>
           </a:prstGeom>
           <a:noFill/>
-          <a:ln cap="flat" cmpd="sng" w="9525">
+          <a:ln w="9525" cap="flat" cmpd="sng">
             <a:solidFill>
               <a:schemeClr val="dk2"/>
             </a:solidFill>
             <a:prstDash val="solid"/>
             <a:round/>
-            <a:headEnd len="med" w="med" type="none"/>
-            <a:tailEnd len="med" w="med" type="triangle"/>
+            <a:headEnd type="none" w="med" len="med"/>
+            <a:tailEnd type="triangle" w="med" len="med"/>
           </a:ln>
         </p:spPr>
       </p:cxnSp>
@@ -13178,7 +13235,7 @@
           <p:nvPr/>
         </p:nvCxnSpPr>
         <p:spPr>
-          <a:xfrm flipH="1" rot="10800000">
+          <a:xfrm rot="10800000" flipH="1">
             <a:off x="3789850" y="2315225"/>
             <a:ext cx="1030800" cy="468900"/>
           </a:xfrm>
@@ -13186,14 +13243,14 @@
             <a:avLst/>
           </a:prstGeom>
           <a:noFill/>
-          <a:ln cap="flat" cmpd="sng" w="9525">
+          <a:ln w="9525" cap="flat" cmpd="sng">
             <a:solidFill>
               <a:schemeClr val="dk2"/>
             </a:solidFill>
             <a:prstDash val="solid"/>
             <a:round/>
-            <a:headEnd len="med" w="med" type="none"/>
-            <a:tailEnd len="med" w="med" type="triangle"/>
+            <a:headEnd type="none" w="med" len="med"/>
+            <a:tailEnd type="triangle" w="med" len="med"/>
           </a:ln>
         </p:spPr>
       </p:cxnSp>
@@ -13215,14 +13272,14 @@
             <a:avLst/>
           </a:prstGeom>
           <a:noFill/>
-          <a:ln cap="flat" cmpd="sng" w="9525">
+          <a:ln w="9525" cap="flat" cmpd="sng">
             <a:solidFill>
               <a:schemeClr val="dk2"/>
             </a:solidFill>
             <a:prstDash val="solid"/>
             <a:round/>
-            <a:headEnd len="med" w="med" type="none"/>
-            <a:tailEnd len="med" w="med" type="triangle"/>
+            <a:headEnd type="none" w="med" len="med"/>
+            <a:tailEnd type="triangle" w="med" len="med"/>
           </a:ln>
         </p:spPr>
       </p:cxnSp>
@@ -13243,14 +13300,14 @@
             <a:avLst/>
           </a:prstGeom>
           <a:noFill/>
-          <a:ln cap="flat" cmpd="sng" w="9525">
+          <a:ln w="9525" cap="flat" cmpd="sng">
             <a:solidFill>
               <a:schemeClr val="dk2"/>
             </a:solidFill>
             <a:prstDash val="solid"/>
             <a:round/>
-            <a:headEnd len="med" w="med" type="none"/>
-            <a:tailEnd len="med" w="med" type="triangle"/>
+            <a:headEnd type="none" w="med" len="med"/>
+            <a:tailEnd type="triangle" w="med" len="med"/>
           </a:ln>
         </p:spPr>
       </p:cxnSp>
@@ -13274,12 +13331,12 @@
           </a:ln>
         </p:spPr>
         <p:txBody>
-          <a:bodyPr anchorCtr="0" anchor="t" bIns="91425" lIns="91425" spcFirstLastPara="1" rIns="91425" wrap="square" tIns="91425">
+          <a:bodyPr spcFirstLastPara="1" wrap="square" lIns="91425" tIns="91425" rIns="91425" bIns="91425" anchor="t" anchorCtr="0">
             <a:spAutoFit/>
           </a:bodyPr>
           <a:lstStyle/>
           <a:p>
-            <a:pPr indent="0" lvl="0" marL="0" rtl="0" algn="l">
+            <a:pPr marL="0" lvl="0" indent="0" algn="l" rtl="0">
               <a:spcBef>
                 <a:spcPts val="0"/>
               </a:spcBef>
@@ -13316,12 +13373,12 @@
           </a:ln>
         </p:spPr>
         <p:txBody>
-          <a:bodyPr anchorCtr="0" anchor="t" bIns="91425" lIns="91425" spcFirstLastPara="1" rIns="91425" wrap="square" tIns="91425">
+          <a:bodyPr spcFirstLastPara="1" wrap="square" lIns="91425" tIns="91425" rIns="91425" bIns="91425" anchor="t" anchorCtr="0">
             <a:spAutoFit/>
           </a:bodyPr>
           <a:lstStyle/>
           <a:p>
-            <a:pPr indent="0" lvl="0" marL="0" rtl="0" algn="l">
+            <a:pPr marL="0" lvl="0" indent="0" algn="l" rtl="0">
               <a:spcBef>
                 <a:spcPts val="0"/>
               </a:spcBef>
@@ -13331,12 +13388,8 @@
               <a:buNone/>
             </a:pPr>
             <a:r>
-              <a:rPr b="1" i="1" lang="en"/>
-              <a:t>FP_multiplier</a:t>
-            </a:r>
-            <a:r>
-              <a:rPr b="1" i="1" lang="en"/>
-              <a:t>.sv</a:t>
+              <a:rPr lang="en" b="1" i="1"/>
+              <a:t>FP_multiplier.sv</a:t>
             </a:r>
             <a:endParaRPr b="1" i="1"/>
           </a:p>
@@ -13351,11 +13404,11 @@
 </file>
 
 <file path=ppt/slides/slide9.xml><?xml version="1.0" encoding="utf-8"?>
-<p:sld xmlns:a="http://schemas.openxmlformats.org/drawingml/2006/main" xmlns:r="http://schemas.openxmlformats.org/officeDocument/2006/relationships" xmlns:mc="http://schemas.openxmlformats.org/markup-compatibility/2006" xmlns:mv="urn:schemas-microsoft-com:mac:vml" xmlns:p="http://schemas.openxmlformats.org/presentationml/2006/main" xmlns:c="http://schemas.openxmlformats.org/drawingml/2006/chart" xmlns:dgm="http://schemas.openxmlformats.org/drawingml/2006/diagram" xmlns:o="urn:schemas-microsoft-com:office:office" xmlns:v="urn:schemas-microsoft-com:vml" xmlns:pvml="urn:schemas-microsoft-com:office:powerpoint" xmlns:com="http://schemas.openxmlformats.org/drawingml/2006/compatibility" xmlns:p14="http://schemas.microsoft.com/office/powerpoint/2010/main" xmlns:p15="http://schemas.microsoft.com/office/powerpoint/2012/main" xmlns:ahyp="http://schemas.microsoft.com/office/drawing/2018/hyperlinkcolor">
+<p:sld xmlns:a="http://schemas.openxmlformats.org/drawingml/2006/main" xmlns:r="http://schemas.openxmlformats.org/officeDocument/2006/relationships" xmlns:p="http://schemas.openxmlformats.org/presentationml/2006/main">
   <p:cSld>
     <p:spTree>
       <p:nvGrpSpPr>
-        <p:cNvPr id="219" name="Shape 219"/>
+        <p:cNvPr id="1" name="Shape 219"/>
         <p:cNvGrpSpPr/>
         <p:nvPr/>
       </p:nvGrpSpPr>
@@ -13384,34 +13437,31 @@
           <a:solidFill>
             <a:srgbClr val="B6D7A8"/>
           </a:solidFill>
-          <a:ln cap="flat" cmpd="sng" w="9525">
+          <a:ln w="9525" cap="flat" cmpd="sng">
             <a:solidFill>
               <a:schemeClr val="dk2"/>
             </a:solidFill>
             <a:prstDash val="solid"/>
             <a:round/>
-            <a:headEnd len="sm" w="sm" type="none"/>
-            <a:tailEnd len="sm" w="sm" type="none"/>
+            <a:headEnd type="none" w="sm" len="sm"/>
+            <a:tailEnd type="none" w="sm" len="sm"/>
           </a:ln>
         </p:spPr>
         <p:txBody>
-          <a:bodyPr anchorCtr="0" anchor="ctr" bIns="91425" lIns="91425" spcFirstLastPara="1" rIns="91425" wrap="square" tIns="91425">
+          <a:bodyPr spcFirstLastPara="1" wrap="square" lIns="91425" tIns="91425" rIns="91425" bIns="91425" anchor="ctr" anchorCtr="0">
             <a:noAutofit/>
           </a:bodyPr>
           <a:lstStyle/>
           <a:p>
-            <a:pPr indent="0" lvl="0" marL="0" rtl="0" algn="l">
-              <a:spcBef>
-                <a:spcPts val="0"/>
-              </a:spcBef>
-              <a:spcAft>
-                <a:spcPts val="0"/>
-              </a:spcAft>
-              <a:buNone/>
-            </a:pPr>
-            <a:r>
-              <a:t/>
-            </a:r>
+            <a:pPr marL="0" lvl="0" indent="0" algn="l" rtl="0">
+              <a:spcBef>
+                <a:spcPts val="0"/>
+              </a:spcBef>
+              <a:spcAft>
+                <a:spcPts val="0"/>
+              </a:spcAft>
+              <a:buNone/>
+            </a:pPr>
             <a:endParaRPr/>
           </a:p>
         </p:txBody>
@@ -13436,12 +13486,12 @@
           </a:ln>
         </p:spPr>
         <p:txBody>
-          <a:bodyPr anchorCtr="0" anchor="t" bIns="91425" lIns="91425" spcFirstLastPara="1" rIns="91425" wrap="square" tIns="91425">
+          <a:bodyPr spcFirstLastPara="1" wrap="square" lIns="91425" tIns="91425" rIns="91425" bIns="91425" anchor="t" anchorCtr="0">
             <a:spAutoFit/>
           </a:bodyPr>
           <a:lstStyle/>
           <a:p>
-            <a:pPr indent="0" lvl="0" marL="0" rtl="0" algn="l">
+            <a:pPr marL="0" lvl="0" indent="0" algn="l" rtl="0">
               <a:spcBef>
                 <a:spcPts val="0"/>
               </a:spcBef>
@@ -13456,20 +13506,12 @@
               <a:buNone/>
             </a:pPr>
             <a:r>
-              <a:rPr b="1" i="1" lang="en" sz="1200">
+              <a:rPr lang="en" sz="1200" b="1" i="1">
                 <a:solidFill>
                   <a:schemeClr val="dk1"/>
                 </a:solidFill>
               </a:rPr>
-              <a:t>CPU</a:t>
-            </a:r>
-            <a:r>
-              <a:rPr b="1" i="1" lang="en" sz="1200">
-                <a:solidFill>
-                  <a:schemeClr val="dk1"/>
-                </a:solidFill>
-              </a:rPr>
-              <a:t>.sv</a:t>
+              <a:t>CPU.sv</a:t>
             </a:r>
             <a:endParaRPr sz="1600"/>
           </a:p>
@@ -13492,23 +13534,23 @@
           <a:solidFill>
             <a:srgbClr val="CFE2F3"/>
           </a:solidFill>
-          <a:ln cap="flat" cmpd="sng" w="9525">
+          <a:ln w="9525" cap="flat" cmpd="sng">
             <a:solidFill>
               <a:schemeClr val="dk1"/>
             </a:solidFill>
             <a:prstDash val="solid"/>
             <a:round/>
-            <a:headEnd len="sm" w="sm" type="none"/>
-            <a:tailEnd len="sm" w="sm" type="none"/>
+            <a:headEnd type="none" w="sm" len="sm"/>
+            <a:tailEnd type="none" w="sm" len="sm"/>
           </a:ln>
         </p:spPr>
         <p:txBody>
-          <a:bodyPr anchorCtr="0" anchor="ctr" bIns="91425" lIns="91425" spcFirstLastPara="1" rIns="91425" wrap="square" tIns="91425">
+          <a:bodyPr spcFirstLastPara="1" wrap="square" lIns="91425" tIns="91425" rIns="91425" bIns="91425" anchor="ctr" anchorCtr="0">
             <a:noAutofit/>
           </a:bodyPr>
           <a:lstStyle/>
           <a:p>
-            <a:pPr indent="0" lvl="0" marL="0" rtl="0" algn="l">
+            <a:pPr marL="0" lvl="0" indent="0" algn="l" rtl="0">
               <a:spcBef>
                 <a:spcPts val="0"/>
               </a:spcBef>
@@ -13542,23 +13584,23 @@
           <a:solidFill>
             <a:srgbClr val="CFE2F3"/>
           </a:solidFill>
-          <a:ln cap="flat" cmpd="sng" w="9525">
+          <a:ln w="9525" cap="flat" cmpd="sng">
             <a:solidFill>
               <a:schemeClr val="dk1"/>
             </a:solidFill>
             <a:prstDash val="solid"/>
             <a:round/>
-            <a:headEnd len="sm" w="sm" type="none"/>
-            <a:tailEnd len="sm" w="sm" type="none"/>
+            <a:headEnd type="none" w="sm" len="sm"/>
+            <a:tailEnd type="none" w="sm" len="sm"/>
           </a:ln>
         </p:spPr>
         <p:txBody>
-          <a:bodyPr anchorCtr="0" anchor="ctr" bIns="91425" lIns="91425" spcFirstLastPara="1" rIns="91425" wrap="square" tIns="91425">
+          <a:bodyPr spcFirstLastPara="1" wrap="square" lIns="91425" tIns="91425" rIns="91425" bIns="91425" anchor="ctr" anchorCtr="0">
             <a:noAutofit/>
           </a:bodyPr>
           <a:lstStyle/>
           <a:p>
-            <a:pPr indent="0" lvl="0" marL="0" rtl="0" algn="l">
+            <a:pPr marL="0" lvl="0" indent="0" algn="l" rtl="0">
               <a:spcBef>
                 <a:spcPts val="0"/>
               </a:spcBef>
@@ -13592,23 +13634,23 @@
           <a:solidFill>
             <a:srgbClr val="CFE2F3"/>
           </a:solidFill>
-          <a:ln cap="flat" cmpd="sng" w="9525">
+          <a:ln w="9525" cap="flat" cmpd="sng">
             <a:solidFill>
               <a:schemeClr val="dk1"/>
             </a:solidFill>
             <a:prstDash val="solid"/>
             <a:round/>
-            <a:headEnd len="sm" w="sm" type="none"/>
-            <a:tailEnd len="sm" w="sm" type="none"/>
+            <a:headEnd type="none" w="sm" len="sm"/>
+            <a:tailEnd type="none" w="sm" len="sm"/>
           </a:ln>
         </p:spPr>
         <p:txBody>
-          <a:bodyPr anchorCtr="0" anchor="ctr" bIns="91425" lIns="91425" spcFirstLastPara="1" rIns="91425" wrap="square" tIns="91425">
+          <a:bodyPr spcFirstLastPara="1" wrap="square" lIns="91425" tIns="91425" rIns="91425" bIns="91425" anchor="ctr" anchorCtr="0">
             <a:noAutofit/>
           </a:bodyPr>
           <a:lstStyle/>
           <a:p>
-            <a:pPr indent="0" lvl="0" marL="0" rtl="0" algn="l">
+            <a:pPr marL="0" lvl="0" indent="0" algn="l" rtl="0">
               <a:spcBef>
                 <a:spcPts val="0"/>
               </a:spcBef>
@@ -13642,23 +13684,23 @@
           <a:solidFill>
             <a:srgbClr val="CFE2F3"/>
           </a:solidFill>
-          <a:ln cap="flat" cmpd="sng" w="9525">
+          <a:ln w="9525" cap="flat" cmpd="sng">
             <a:solidFill>
               <a:schemeClr val="dk1"/>
             </a:solidFill>
             <a:prstDash val="solid"/>
             <a:round/>
-            <a:headEnd len="sm" w="sm" type="none"/>
-            <a:tailEnd len="sm" w="sm" type="none"/>
+            <a:headEnd type="none" w="sm" len="sm"/>
+            <a:tailEnd type="none" w="sm" len="sm"/>
           </a:ln>
         </p:spPr>
         <p:txBody>
-          <a:bodyPr anchorCtr="0" anchor="ctr" bIns="91425" lIns="91425" spcFirstLastPara="1" rIns="91425" wrap="square" tIns="91425">
+          <a:bodyPr spcFirstLastPara="1" wrap="square" lIns="91425" tIns="91425" rIns="91425" bIns="91425" anchor="ctr" anchorCtr="0">
             <a:noAutofit/>
           </a:bodyPr>
           <a:lstStyle/>
           <a:p>
-            <a:pPr indent="0" lvl="0" marL="0" rtl="0" algn="l">
+            <a:pPr marL="0" lvl="0" indent="0" algn="l" rtl="0">
               <a:spcBef>
                 <a:spcPts val="0"/>
               </a:spcBef>
@@ -13674,7 +13716,7 @@
             <a:endParaRPr/>
           </a:p>
           <a:p>
-            <a:pPr indent="0" lvl="0" marL="0" rtl="0" algn="l">
+            <a:pPr marL="0" lvl="0" indent="0" algn="l" rtl="0">
               <a:spcBef>
                 <a:spcPts val="0"/>
               </a:spcBef>
@@ -13708,23 +13750,23 @@
           <a:solidFill>
             <a:srgbClr val="CFE2F3"/>
           </a:solidFill>
-          <a:ln cap="flat" cmpd="sng" w="9525">
+          <a:ln w="9525" cap="flat" cmpd="sng">
             <a:solidFill>
               <a:schemeClr val="dk1"/>
             </a:solidFill>
             <a:prstDash val="solid"/>
             <a:round/>
-            <a:headEnd len="sm" w="sm" type="none"/>
-            <a:tailEnd len="sm" w="sm" type="none"/>
+            <a:headEnd type="none" w="sm" len="sm"/>
+            <a:tailEnd type="none" w="sm" len="sm"/>
           </a:ln>
         </p:spPr>
         <p:txBody>
-          <a:bodyPr anchorCtr="0" anchor="ctr" bIns="91425" lIns="91425" spcFirstLastPara="1" rIns="91425" wrap="square" tIns="91425">
+          <a:bodyPr spcFirstLastPara="1" wrap="square" lIns="91425" tIns="91425" rIns="91425" bIns="91425" anchor="ctr" anchorCtr="0">
             <a:noAutofit/>
           </a:bodyPr>
           <a:lstStyle/>
           <a:p>
-            <a:pPr indent="0" lvl="0" marL="0" rtl="0" algn="l">
+            <a:pPr marL="0" lvl="0" indent="0" algn="l" rtl="0">
               <a:spcBef>
                 <a:spcPts val="0"/>
               </a:spcBef>
@@ -13740,7 +13782,7 @@
             <a:endParaRPr/>
           </a:p>
           <a:p>
-            <a:pPr indent="0" lvl="0" marL="0" rtl="0" algn="l">
+            <a:pPr marL="0" lvl="0" indent="0" algn="l" rtl="0">
               <a:spcBef>
                 <a:spcPts val="0"/>
               </a:spcBef>
@@ -13774,23 +13816,23 @@
           <a:solidFill>
             <a:srgbClr val="9FC5E8"/>
           </a:solidFill>
-          <a:ln cap="flat" cmpd="sng" w="9525">
+          <a:ln w="9525" cap="flat" cmpd="sng">
             <a:solidFill>
               <a:schemeClr val="dk2"/>
             </a:solidFill>
             <a:prstDash val="solid"/>
             <a:round/>
-            <a:headEnd len="sm" w="sm" type="none"/>
-            <a:tailEnd len="sm" w="sm" type="none"/>
+            <a:headEnd type="none" w="sm" len="sm"/>
+            <a:tailEnd type="none" w="sm" len="sm"/>
           </a:ln>
         </p:spPr>
         <p:txBody>
-          <a:bodyPr anchorCtr="0" anchor="ctr" bIns="91425" lIns="91425" spcFirstLastPara="1" rIns="91425" wrap="square" tIns="91425">
+          <a:bodyPr spcFirstLastPara="1" wrap="square" lIns="91425" tIns="91425" rIns="91425" bIns="91425" anchor="ctr" anchorCtr="0">
             <a:noAutofit/>
           </a:bodyPr>
           <a:lstStyle/>
           <a:p>
-            <a:pPr indent="0" lvl="0" marL="0" rtl="0" algn="ctr">
+            <a:pPr marL="0" lvl="0" indent="0" algn="ctr" rtl="0">
               <a:spcBef>
                 <a:spcPts val="0"/>
               </a:spcBef>
@@ -13806,7 +13848,7 @@
             <a:endParaRPr sz="1100"/>
           </a:p>
           <a:p>
-            <a:pPr indent="0" lvl="0" marL="0" rtl="0" algn="ctr">
+            <a:pPr marL="0" lvl="0" indent="0" algn="ctr" rtl="0">
               <a:spcBef>
                 <a:spcPts val="0"/>
               </a:spcBef>
@@ -13840,23 +13882,23 @@
           <a:solidFill>
             <a:srgbClr val="9FC5E8"/>
           </a:solidFill>
-          <a:ln cap="flat" cmpd="sng" w="9525">
+          <a:ln w="9525" cap="flat" cmpd="sng">
             <a:solidFill>
               <a:schemeClr val="dk2"/>
             </a:solidFill>
             <a:prstDash val="solid"/>
             <a:round/>
-            <a:headEnd len="sm" w="sm" type="none"/>
-            <a:tailEnd len="sm" w="sm" type="none"/>
+            <a:headEnd type="none" w="sm" len="sm"/>
+            <a:tailEnd type="none" w="sm" len="sm"/>
           </a:ln>
         </p:spPr>
         <p:txBody>
-          <a:bodyPr anchorCtr="0" anchor="ctr" bIns="91425" lIns="91425" spcFirstLastPara="1" rIns="91425" wrap="square" tIns="91425">
+          <a:bodyPr spcFirstLastPara="1" wrap="square" lIns="91425" tIns="91425" rIns="91425" bIns="91425" anchor="ctr" anchorCtr="0">
             <a:noAutofit/>
           </a:bodyPr>
           <a:lstStyle/>
           <a:p>
-            <a:pPr indent="0" lvl="0" marL="0" rtl="0" algn="ctr">
+            <a:pPr marL="0" lvl="0" indent="0" algn="ctr" rtl="0">
               <a:spcBef>
                 <a:spcPts val="0"/>
               </a:spcBef>
@@ -13890,34 +13932,31 @@
           <a:solidFill>
             <a:srgbClr val="9FC5E8"/>
           </a:solidFill>
-          <a:ln cap="flat" cmpd="sng" w="9525">
+          <a:ln w="9525" cap="flat" cmpd="sng">
             <a:solidFill>
               <a:schemeClr val="dk2"/>
             </a:solidFill>
             <a:prstDash val="solid"/>
             <a:round/>
-            <a:headEnd len="sm" w="sm" type="none"/>
-            <a:tailEnd len="sm" w="sm" type="none"/>
+            <a:headEnd type="none" w="sm" len="sm"/>
+            <a:tailEnd type="none" w="sm" len="sm"/>
           </a:ln>
         </p:spPr>
         <p:txBody>
-          <a:bodyPr anchorCtr="0" anchor="ctr" bIns="91425" lIns="91425" spcFirstLastPara="1" rIns="91425" wrap="square" tIns="91425">
+          <a:bodyPr spcFirstLastPara="1" wrap="square" lIns="91425" tIns="91425" rIns="91425" bIns="91425" anchor="ctr" anchorCtr="0">
             <a:noAutofit/>
           </a:bodyPr>
           <a:lstStyle/>
           <a:p>
-            <a:pPr indent="0" lvl="0" marL="0" rtl="0" algn="l">
-              <a:spcBef>
-                <a:spcPts val="0"/>
-              </a:spcBef>
-              <a:spcAft>
-                <a:spcPts val="0"/>
-              </a:spcAft>
-              <a:buNone/>
-            </a:pPr>
-            <a:r>
-              <a:t/>
-            </a:r>
+            <a:pPr marL="0" lvl="0" indent="0" algn="l" rtl="0">
+              <a:spcBef>
+                <a:spcPts val="0"/>
+              </a:spcBef>
+              <a:spcAft>
+                <a:spcPts val="0"/>
+              </a:spcAft>
+              <a:buNone/>
+            </a:pPr>
             <a:endParaRPr sz="100"/>
           </a:p>
         </p:txBody>
@@ -13939,34 +13978,31 @@
           <a:solidFill>
             <a:srgbClr val="9FC5E8"/>
           </a:solidFill>
-          <a:ln cap="flat" cmpd="sng" w="9525">
+          <a:ln w="9525" cap="flat" cmpd="sng">
             <a:solidFill>
               <a:schemeClr val="dk2"/>
             </a:solidFill>
             <a:prstDash val="solid"/>
             <a:round/>
-            <a:headEnd len="sm" w="sm" type="none"/>
-            <a:tailEnd len="sm" w="sm" type="none"/>
+            <a:headEnd type="none" w="sm" len="sm"/>
+            <a:tailEnd type="none" w="sm" len="sm"/>
           </a:ln>
         </p:spPr>
         <p:txBody>
-          <a:bodyPr anchorCtr="0" anchor="ctr" bIns="91425" lIns="91425" spcFirstLastPara="1" rIns="91425" wrap="square" tIns="91425">
+          <a:bodyPr spcFirstLastPara="1" wrap="square" lIns="91425" tIns="91425" rIns="91425" bIns="91425" anchor="ctr" anchorCtr="0">
             <a:noAutofit/>
           </a:bodyPr>
           <a:lstStyle/>
           <a:p>
-            <a:pPr indent="0" lvl="0" marL="0" rtl="0" algn="l">
-              <a:spcBef>
-                <a:spcPts val="0"/>
-              </a:spcBef>
-              <a:spcAft>
-                <a:spcPts val="0"/>
-              </a:spcAft>
-              <a:buNone/>
-            </a:pPr>
-            <a:r>
-              <a:t/>
-            </a:r>
+            <a:pPr marL="0" lvl="0" indent="0" algn="l" rtl="0">
+              <a:spcBef>
+                <a:spcPts val="0"/>
+              </a:spcBef>
+              <a:spcAft>
+                <a:spcPts val="0"/>
+              </a:spcAft>
+              <a:buNone/>
+            </a:pPr>
             <a:endParaRPr/>
           </a:p>
         </p:txBody>
@@ -13991,12 +14027,12 @@
           </a:ln>
         </p:spPr>
         <p:txBody>
-          <a:bodyPr anchorCtr="0" anchor="t" bIns="91425" lIns="91425" spcFirstLastPara="1" rIns="91425" wrap="square" tIns="91425">
+          <a:bodyPr spcFirstLastPara="1" wrap="square" lIns="91425" tIns="91425" rIns="91425" bIns="91425" anchor="t" anchorCtr="0">
             <a:spAutoFit/>
           </a:bodyPr>
           <a:lstStyle/>
           <a:p>
-            <a:pPr indent="0" lvl="0" marL="0" rtl="0" algn="ctr">
+            <a:pPr marL="0" lvl="0" indent="0" algn="ctr" rtl="0">
               <a:spcBef>
                 <a:spcPts val="0"/>
               </a:spcBef>
@@ -14012,7 +14048,7 @@
             <a:endParaRPr sz="1100"/>
           </a:p>
           <a:p>
-            <a:pPr indent="0" lvl="0" marL="0" rtl="0" algn="ctr">
+            <a:pPr marL="0" lvl="0" indent="0" algn="ctr" rtl="0">
               <a:spcBef>
                 <a:spcPts val="0"/>
               </a:spcBef>
@@ -14049,12 +14085,12 @@
           </a:ln>
         </p:spPr>
         <p:txBody>
-          <a:bodyPr anchorCtr="0" anchor="t" bIns="91425" lIns="91425" spcFirstLastPara="1" rIns="91425" wrap="square" tIns="91425">
+          <a:bodyPr spcFirstLastPara="1" wrap="square" lIns="91425" tIns="91425" rIns="91425" bIns="91425" anchor="t" anchorCtr="0">
             <a:spAutoFit/>
           </a:bodyPr>
           <a:lstStyle/>
           <a:p>
-            <a:pPr indent="0" lvl="0" marL="0" rtl="0" algn="ctr">
+            <a:pPr marL="0" lvl="0" indent="0" algn="ctr" rtl="0">
               <a:spcBef>
                 <a:spcPts val="0"/>
               </a:spcBef>
@@ -14070,7 +14106,7 @@
             <a:endParaRPr sz="1100"/>
           </a:p>
           <a:p>
-            <a:pPr indent="0" lvl="0" marL="0" rtl="0" algn="ctr">
+            <a:pPr marL="0" lvl="0" indent="0" algn="ctr" rtl="0">
               <a:spcBef>
                 <a:spcPts val="0"/>
               </a:spcBef>
@@ -14104,23 +14140,23 @@
           <a:solidFill>
             <a:schemeClr val="accent6"/>
           </a:solidFill>
-          <a:ln cap="flat" cmpd="sng" w="9525">
+          <a:ln w="9525" cap="flat" cmpd="sng">
             <a:solidFill>
               <a:schemeClr val="dk1"/>
             </a:solidFill>
             <a:prstDash val="solid"/>
             <a:round/>
-            <a:headEnd len="sm" w="sm" type="none"/>
-            <a:tailEnd len="sm" w="sm" type="none"/>
+            <a:headEnd type="none" w="sm" len="sm"/>
+            <a:tailEnd type="none" w="sm" len="sm"/>
           </a:ln>
         </p:spPr>
         <p:txBody>
-          <a:bodyPr anchorCtr="0" anchor="ctr" bIns="91425" lIns="91425" spcFirstLastPara="1" rIns="91425" wrap="square" tIns="91425">
+          <a:bodyPr spcFirstLastPara="1" wrap="square" lIns="91425" tIns="91425" rIns="91425" bIns="91425" anchor="ctr" anchorCtr="0">
             <a:noAutofit/>
           </a:bodyPr>
           <a:lstStyle/>
           <a:p>
-            <a:pPr indent="0" lvl="0" marL="0" rtl="0" algn="ctr">
+            <a:pPr marL="0" lvl="0" indent="0" algn="ctr" rtl="0">
               <a:spcBef>
                 <a:spcPts val="0"/>
               </a:spcBef>
@@ -14145,7 +14181,7 @@
             <a:endParaRPr/>
           </a:p>
           <a:p>
-            <a:pPr indent="0" lvl="0" marL="0" rtl="0" algn="ctr">
+            <a:pPr marL="0" lvl="0" indent="0" algn="ctr" rtl="0">
               <a:spcBef>
                 <a:spcPts val="0"/>
               </a:spcBef>
@@ -14161,7 +14197,7 @@
             <a:endParaRPr/>
           </a:p>
           <a:p>
-            <a:pPr indent="0" lvl="0" marL="0" rtl="0" algn="ctr">
+            <a:pPr marL="0" lvl="0" indent="0" algn="ctr" rtl="0">
               <a:spcBef>
                 <a:spcPts val="0"/>
               </a:spcBef>
@@ -14177,7 +14213,7 @@
             <a:endParaRPr/>
           </a:p>
           <a:p>
-            <a:pPr indent="0" lvl="0" marL="0" rtl="0" algn="ctr">
+            <a:pPr marL="0" lvl="0" indent="0" algn="ctr" rtl="0">
               <a:spcBef>
                 <a:spcPts val="0"/>
               </a:spcBef>
@@ -14193,18 +14229,15 @@
             <a:endParaRPr/>
           </a:p>
           <a:p>
-            <a:pPr indent="0" lvl="0" marL="0" rtl="0" algn="ctr">
-              <a:spcBef>
-                <a:spcPts val="0"/>
-              </a:spcBef>
-              <a:spcAft>
-                <a:spcPts val="0"/>
-              </a:spcAft>
-              <a:buNone/>
-            </a:pPr>
-            <a:r>
-              <a:t/>
-            </a:r>
+            <a:pPr marL="0" lvl="0" indent="0" algn="ctr" rtl="0">
+              <a:spcBef>
+                <a:spcPts val="0"/>
+              </a:spcBef>
+              <a:spcAft>
+                <a:spcPts val="0"/>
+              </a:spcAft>
+              <a:buNone/>
+            </a:pPr>
             <a:endParaRPr/>
           </a:p>
         </p:txBody>
@@ -14222,41 +14255,38 @@
           </a:xfrm>
           <a:prstGeom prst="rightArrow">
             <a:avLst>
-              <a:gd fmla="val 50000" name="adj1"/>
-              <a:gd fmla="val 48772" name="adj2"/>
+              <a:gd name="adj1" fmla="val 50000"/>
+              <a:gd name="adj2" fmla="val 48772"/>
             </a:avLst>
           </a:prstGeom>
           <a:solidFill>
             <a:srgbClr val="CCCCCC"/>
           </a:solidFill>
-          <a:ln cap="flat" cmpd="sng" w="9525">
+          <a:ln w="9525" cap="flat" cmpd="sng">
             <a:solidFill>
               <a:srgbClr val="000000"/>
             </a:solidFill>
             <a:prstDash val="solid"/>
             <a:round/>
-            <a:headEnd len="sm" w="sm" type="none"/>
-            <a:tailEnd len="sm" w="sm" type="none"/>
+            <a:headEnd type="none" w="sm" len="sm"/>
+            <a:tailEnd type="none" w="sm" len="sm"/>
           </a:ln>
         </p:spPr>
         <p:txBody>
-          <a:bodyPr anchorCtr="0" anchor="ctr" bIns="91425" lIns="91425" spcFirstLastPara="1" rIns="91425" wrap="square" tIns="91425">
+          <a:bodyPr spcFirstLastPara="1" wrap="square" lIns="91425" tIns="91425" rIns="91425" bIns="91425" anchor="ctr" anchorCtr="0">
             <a:noAutofit/>
           </a:bodyPr>
           <a:lstStyle/>
           <a:p>
-            <a:pPr indent="0" lvl="0" marL="0" rtl="0" algn="l">
-              <a:spcBef>
-                <a:spcPts val="0"/>
-              </a:spcBef>
-              <a:spcAft>
-                <a:spcPts val="0"/>
-              </a:spcAft>
-              <a:buNone/>
-            </a:pPr>
-            <a:r>
-              <a:t/>
-            </a:r>
+            <a:pPr marL="0" lvl="0" indent="0" algn="l" rtl="0">
+              <a:spcBef>
+                <a:spcPts val="0"/>
+              </a:spcBef>
+              <a:spcAft>
+                <a:spcPts val="0"/>
+              </a:spcAft>
+              <a:buNone/>
+            </a:pPr>
             <a:endParaRPr/>
           </a:p>
         </p:txBody>
@@ -14274,41 +14304,38 @@
           </a:xfrm>
           <a:prstGeom prst="rightArrow">
             <a:avLst>
-              <a:gd fmla="val 50000" name="adj1"/>
-              <a:gd fmla="val 48772" name="adj2"/>
+              <a:gd name="adj1" fmla="val 50000"/>
+              <a:gd name="adj2" fmla="val 48772"/>
             </a:avLst>
           </a:prstGeom>
           <a:solidFill>
             <a:srgbClr val="CCCCCC"/>
           </a:solidFill>
-          <a:ln cap="flat" cmpd="sng" w="9525">
+          <a:ln w="9525" cap="flat" cmpd="sng">
             <a:solidFill>
               <a:srgbClr val="000000"/>
             </a:solidFill>
             <a:prstDash val="solid"/>
             <a:round/>
-            <a:headEnd len="sm" w="sm" type="none"/>
-            <a:tailEnd len="sm" w="sm" type="none"/>
+            <a:headEnd type="none" w="sm" len="sm"/>
+            <a:tailEnd type="none" w="sm" len="sm"/>
           </a:ln>
         </p:spPr>
         <p:txBody>
-          <a:bodyPr anchorCtr="0" anchor="ctr" bIns="91425" lIns="91425" spcFirstLastPara="1" rIns="91425" wrap="square" tIns="91425">
+          <a:bodyPr spcFirstLastPara="1" wrap="square" lIns="91425" tIns="91425" rIns="91425" bIns="91425" anchor="ctr" anchorCtr="0">
             <a:noAutofit/>
           </a:bodyPr>
           <a:lstStyle/>
           <a:p>
-            <a:pPr indent="0" lvl="0" marL="0" rtl="0" algn="l">
-              <a:spcBef>
-                <a:spcPts val="0"/>
-              </a:spcBef>
-              <a:spcAft>
-                <a:spcPts val="0"/>
-              </a:spcAft>
-              <a:buNone/>
-            </a:pPr>
-            <a:r>
-              <a:t/>
-            </a:r>
+            <a:pPr marL="0" lvl="0" indent="0" algn="l" rtl="0">
+              <a:spcBef>
+                <a:spcPts val="0"/>
+              </a:spcBef>
+              <a:spcAft>
+                <a:spcPts val="0"/>
+              </a:spcAft>
+              <a:buNone/>
+            </a:pPr>
             <a:endParaRPr/>
           </a:p>
         </p:txBody>
@@ -14322,7 +14349,288 @@
 </file>
 
 <file path=ppt/theme/theme1.xml><?xml version="1.0" encoding="utf-8"?>
-<a:theme xmlns:a="http://schemas.openxmlformats.org/drawingml/2006/main" xmlns:r="http://schemas.openxmlformats.org/officeDocument/2006/relationships">
+<a:theme xmlns:a="http://schemas.openxmlformats.org/drawingml/2006/main" name="Simple Light">
+  <a:themeElements>
+    <a:clrScheme name="Simple Light">
+      <a:dk1>
+        <a:srgbClr val="000000"/>
+      </a:dk1>
+      <a:lt1>
+        <a:srgbClr val="FFFFFF"/>
+      </a:lt1>
+      <a:dk2>
+        <a:srgbClr val="595959"/>
+      </a:dk2>
+      <a:lt2>
+        <a:srgbClr val="EEEEEE"/>
+      </a:lt2>
+      <a:accent1>
+        <a:srgbClr val="4285F4"/>
+      </a:accent1>
+      <a:accent2>
+        <a:srgbClr val="212121"/>
+      </a:accent2>
+      <a:accent3>
+        <a:srgbClr val="78909C"/>
+      </a:accent3>
+      <a:accent4>
+        <a:srgbClr val="FFAB40"/>
+      </a:accent4>
+      <a:accent5>
+        <a:srgbClr val="0097A7"/>
+      </a:accent5>
+      <a:accent6>
+        <a:srgbClr val="EEFF41"/>
+      </a:accent6>
+      <a:hlink>
+        <a:srgbClr val="0097A7"/>
+      </a:hlink>
+      <a:folHlink>
+        <a:srgbClr val="0097A7"/>
+      </a:folHlink>
+    </a:clrScheme>
+    <a:fontScheme name="Office">
+      <a:majorFont>
+        <a:latin typeface="Arial"/>
+        <a:ea typeface=""/>
+        <a:cs typeface=""/>
+        <a:font script="Jpan" typeface="ＭＳ Ｐゴシック"/>
+        <a:font script="Hang" typeface="맑은 고딕"/>
+        <a:font script="Hans" typeface="宋体"/>
+        <a:font script="Hant" typeface="新細明體"/>
+        <a:font script="Arab" typeface="Times New Roman"/>
+        <a:font script="Hebr" typeface="Times New Roman"/>
+        <a:font script="Thai" typeface="Angsana New"/>
+        <a:font script="Ethi" typeface="Nyala"/>
+        <a:font script="Beng" typeface="Vrinda"/>
+        <a:font script="Gujr" typeface="Shruti"/>
+        <a:font script="Khmr" typeface="MoolBoran"/>
+        <a:font script="Knda" typeface="Tunga"/>
+        <a:font script="Guru" typeface="Raavi"/>
+        <a:font script="Cans" typeface="Euphemia"/>
+        <a:font script="Cher" typeface="Plantagenet Cherokee"/>
+        <a:font script="Yiii" typeface="Microsoft Yi Baiti"/>
+        <a:font script="Tibt" typeface="Microsoft Himalaya"/>
+        <a:font script="Thaa" typeface="MV Boli"/>
+        <a:font script="Deva" typeface="Mangal"/>
+        <a:font script="Telu" typeface="Gautami"/>
+        <a:font script="Taml" typeface="Latha"/>
+        <a:font script="Syrc" typeface="Estrangelo Edessa"/>
+        <a:font script="Orya" typeface="Kalinga"/>
+        <a:font script="Mlym" typeface="Kartika"/>
+        <a:font script="Laoo" typeface="DokChampa"/>
+        <a:font script="Sinh" typeface="Iskoola Pota"/>
+        <a:font script="Mong" typeface="Mongolian Baiti"/>
+        <a:font script="Viet" typeface="Times New Roman"/>
+        <a:font script="Uigh" typeface="Microsoft Uighur"/>
+        <a:font script="Geor" typeface="Sylfaen"/>
+      </a:majorFont>
+      <a:minorFont>
+        <a:latin typeface="Arial"/>
+        <a:ea typeface=""/>
+        <a:cs typeface=""/>
+        <a:font script="Jpan" typeface="ＭＳ Ｐゴシック"/>
+        <a:font script="Hang" typeface="맑은 고딕"/>
+        <a:font script="Hans" typeface="宋体"/>
+        <a:font script="Hant" typeface="新細明體"/>
+        <a:font script="Arab" typeface="Arial"/>
+        <a:font script="Hebr" typeface="Arial"/>
+        <a:font script="Thai" typeface="Cordia New"/>
+        <a:font script="Ethi" typeface="Nyala"/>
+        <a:font script="Beng" typeface="Vrinda"/>
+        <a:font script="Gujr" typeface="Shruti"/>
+        <a:font script="Khmr" typeface="DaunPenh"/>
+        <a:font script="Knda" typeface="Tunga"/>
+        <a:font script="Guru" typeface="Raavi"/>
+        <a:font script="Cans" typeface="Euphemia"/>
+        <a:font script="Cher" typeface="Plantagenet Cherokee"/>
+        <a:font script="Yiii" typeface="Microsoft Yi Baiti"/>
+        <a:font script="Tibt" typeface="Microsoft Himalaya"/>
+        <a:font script="Thaa" typeface="MV Boli"/>
+        <a:font script="Deva" typeface="Mangal"/>
+        <a:font script="Telu" typeface="Gautami"/>
+        <a:font script="Taml" typeface="Latha"/>
+        <a:font script="Syrc" typeface="Estrangelo Edessa"/>
+        <a:font script="Orya" typeface="Kalinga"/>
+        <a:font script="Mlym" typeface="Kartika"/>
+        <a:font script="Laoo" typeface="DokChampa"/>
+        <a:font script="Sinh" typeface="Iskoola Pota"/>
+        <a:font script="Mong" typeface="Mongolian Baiti"/>
+        <a:font script="Viet" typeface="Arial"/>
+        <a:font script="Uigh" typeface="Microsoft Uighur"/>
+        <a:font script="Geor" typeface="Sylfaen"/>
+      </a:minorFont>
+    </a:fontScheme>
+    <a:fmtScheme name="Office">
+      <a:fillStyleLst>
+        <a:solidFill>
+          <a:schemeClr val="phClr"/>
+        </a:solidFill>
+        <a:gradFill rotWithShape="1">
+          <a:gsLst>
+            <a:gs pos="0">
+              <a:schemeClr val="phClr">
+                <a:tint val="50000"/>
+                <a:satMod val="300000"/>
+              </a:schemeClr>
+            </a:gs>
+            <a:gs pos="35000">
+              <a:schemeClr val="phClr">
+                <a:tint val="37000"/>
+                <a:satMod val="300000"/>
+              </a:schemeClr>
+            </a:gs>
+            <a:gs pos="100000">
+              <a:schemeClr val="phClr">
+                <a:tint val="15000"/>
+                <a:satMod val="350000"/>
+              </a:schemeClr>
+            </a:gs>
+          </a:gsLst>
+          <a:lin ang="16200000" scaled="1"/>
+        </a:gradFill>
+        <a:gradFill rotWithShape="1">
+          <a:gsLst>
+            <a:gs pos="0">
+              <a:schemeClr val="phClr">
+                <a:tint val="100000"/>
+                <a:shade val="100000"/>
+                <a:satMod val="130000"/>
+              </a:schemeClr>
+            </a:gs>
+            <a:gs pos="100000">
+              <a:schemeClr val="phClr">
+                <a:tint val="50000"/>
+                <a:shade val="100000"/>
+                <a:satMod val="350000"/>
+              </a:schemeClr>
+            </a:gs>
+          </a:gsLst>
+          <a:lin ang="16200000" scaled="0"/>
+        </a:gradFill>
+      </a:fillStyleLst>
+      <a:lnStyleLst>
+        <a:ln w="9525" cap="flat" cmpd="sng" algn="ctr">
+          <a:solidFill>
+            <a:schemeClr val="phClr">
+              <a:shade val="95000"/>
+              <a:satMod val="105000"/>
+            </a:schemeClr>
+          </a:solidFill>
+          <a:prstDash val="solid"/>
+        </a:ln>
+        <a:ln w="25400" cap="flat" cmpd="sng" algn="ctr">
+          <a:solidFill>
+            <a:schemeClr val="phClr"/>
+          </a:solidFill>
+          <a:prstDash val="solid"/>
+        </a:ln>
+        <a:ln w="38100" cap="flat" cmpd="sng" algn="ctr">
+          <a:solidFill>
+            <a:schemeClr val="phClr"/>
+          </a:solidFill>
+          <a:prstDash val="solid"/>
+        </a:ln>
+      </a:lnStyleLst>
+      <a:effectStyleLst>
+        <a:effectStyle>
+          <a:effectLst>
+            <a:outerShdw blurRad="40000" dist="20000" dir="5400000" rotWithShape="0">
+              <a:srgbClr val="000000">
+                <a:alpha val="38000"/>
+              </a:srgbClr>
+            </a:outerShdw>
+          </a:effectLst>
+        </a:effectStyle>
+        <a:effectStyle>
+          <a:effectLst>
+            <a:outerShdw blurRad="40000" dist="23000" dir="5400000" rotWithShape="0">
+              <a:srgbClr val="000000">
+                <a:alpha val="35000"/>
+              </a:srgbClr>
+            </a:outerShdw>
+          </a:effectLst>
+        </a:effectStyle>
+        <a:effectStyle>
+          <a:effectLst>
+            <a:outerShdw blurRad="40000" dist="23000" dir="5400000" rotWithShape="0">
+              <a:srgbClr val="000000">
+                <a:alpha val="35000"/>
+              </a:srgbClr>
+            </a:outerShdw>
+          </a:effectLst>
+          <a:scene3d>
+            <a:camera prst="orthographicFront">
+              <a:rot lat="0" lon="0" rev="0"/>
+            </a:camera>
+            <a:lightRig rig="threePt" dir="t">
+              <a:rot lat="0" lon="0" rev="1200000"/>
+            </a:lightRig>
+          </a:scene3d>
+          <a:sp3d>
+            <a:bevelT w="63500" h="25400"/>
+          </a:sp3d>
+        </a:effectStyle>
+      </a:effectStyleLst>
+      <a:bgFillStyleLst>
+        <a:solidFill>
+          <a:schemeClr val="phClr"/>
+        </a:solidFill>
+        <a:gradFill rotWithShape="1">
+          <a:gsLst>
+            <a:gs pos="0">
+              <a:schemeClr val="phClr">
+                <a:tint val="40000"/>
+                <a:satMod val="350000"/>
+              </a:schemeClr>
+            </a:gs>
+            <a:gs pos="40000">
+              <a:schemeClr val="phClr">
+                <a:tint val="45000"/>
+                <a:shade val="99000"/>
+                <a:satMod val="350000"/>
+              </a:schemeClr>
+            </a:gs>
+            <a:gs pos="100000">
+              <a:schemeClr val="phClr">
+                <a:shade val="20000"/>
+                <a:satMod val="255000"/>
+              </a:schemeClr>
+            </a:gs>
+          </a:gsLst>
+          <a:path path="circle">
+            <a:fillToRect l="50000" t="-80000" r="50000" b="180000"/>
+          </a:path>
+        </a:gradFill>
+        <a:gradFill rotWithShape="1">
+          <a:gsLst>
+            <a:gs pos="0">
+              <a:schemeClr val="phClr">
+                <a:tint val="80000"/>
+                <a:satMod val="300000"/>
+              </a:schemeClr>
+            </a:gs>
+            <a:gs pos="100000">
+              <a:schemeClr val="phClr">
+                <a:shade val="30000"/>
+                <a:satMod val="200000"/>
+              </a:schemeClr>
+            </a:gs>
+          </a:gsLst>
+          <a:path path="circle">
+            <a:fillToRect l="50000" t="50000" r="50000" b="50000"/>
+          </a:path>
+        </a:gradFill>
+      </a:bgFillStyleLst>
+    </a:fmtScheme>
+  </a:themeElements>
+  <a:objectDefaults/>
+  <a:extraClrSchemeLst/>
+</a:theme>
+</file>
+
+<file path=ppt/theme/theme2.xml><?xml version="1.0" encoding="utf-8"?>
+<a:theme xmlns:a="http://schemas.openxmlformats.org/drawingml/2006/main">
   <a:themeElements>
     <a:clrScheme name="Default">
       <a:dk1>
@@ -14597,284 +14905,7 @@
       </a:bgFillStyleLst>
     </a:fmtScheme>
   </a:themeElements>
-</a:theme>
-</file>
-
-<file path=ppt/theme/theme2.xml><?xml version="1.0" encoding="utf-8"?>
-<a:theme xmlns:a="http://schemas.openxmlformats.org/drawingml/2006/main" xmlns:r="http://schemas.openxmlformats.org/officeDocument/2006/relationships" name="Simple Light">
-  <a:themeElements>
-    <a:clrScheme name="Simple Light">
-      <a:dk1>
-        <a:srgbClr val="000000"/>
-      </a:dk1>
-      <a:lt1>
-        <a:srgbClr val="FFFFFF"/>
-      </a:lt1>
-      <a:dk2>
-        <a:srgbClr val="595959"/>
-      </a:dk2>
-      <a:lt2>
-        <a:srgbClr val="EEEEEE"/>
-      </a:lt2>
-      <a:accent1>
-        <a:srgbClr val="4285F4"/>
-      </a:accent1>
-      <a:accent2>
-        <a:srgbClr val="212121"/>
-      </a:accent2>
-      <a:accent3>
-        <a:srgbClr val="78909C"/>
-      </a:accent3>
-      <a:accent4>
-        <a:srgbClr val="FFAB40"/>
-      </a:accent4>
-      <a:accent5>
-        <a:srgbClr val="0097A7"/>
-      </a:accent5>
-      <a:accent6>
-        <a:srgbClr val="EEFF41"/>
-      </a:accent6>
-      <a:hlink>
-        <a:srgbClr val="0097A7"/>
-      </a:hlink>
-      <a:folHlink>
-        <a:srgbClr val="0097A7"/>
-      </a:folHlink>
-    </a:clrScheme>
-    <a:fontScheme name="Office">
-      <a:majorFont>
-        <a:latin typeface="Arial"/>
-        <a:ea typeface=""/>
-        <a:cs typeface=""/>
-        <a:font script="Jpan" typeface="ＭＳ Ｐゴシック"/>
-        <a:font script="Hang" typeface="맑은 고딕"/>
-        <a:font script="Hans" typeface="宋体"/>
-        <a:font script="Hant" typeface="新細明體"/>
-        <a:font script="Arab" typeface="Times New Roman"/>
-        <a:font script="Hebr" typeface="Times New Roman"/>
-        <a:font script="Thai" typeface="Angsana New"/>
-        <a:font script="Ethi" typeface="Nyala"/>
-        <a:font script="Beng" typeface="Vrinda"/>
-        <a:font script="Gujr" typeface="Shruti"/>
-        <a:font script="Khmr" typeface="MoolBoran"/>
-        <a:font script="Knda" typeface="Tunga"/>
-        <a:font script="Guru" typeface="Raavi"/>
-        <a:font script="Cans" typeface="Euphemia"/>
-        <a:font script="Cher" typeface="Plantagenet Cherokee"/>
-        <a:font script="Yiii" typeface="Microsoft Yi Baiti"/>
-        <a:font script="Tibt" typeface="Microsoft Himalaya"/>
-        <a:font script="Thaa" typeface="MV Boli"/>
-        <a:font script="Deva" typeface="Mangal"/>
-        <a:font script="Telu" typeface="Gautami"/>
-        <a:font script="Taml" typeface="Latha"/>
-        <a:font script="Syrc" typeface="Estrangelo Edessa"/>
-        <a:font script="Orya" typeface="Kalinga"/>
-        <a:font script="Mlym" typeface="Kartika"/>
-        <a:font script="Laoo" typeface="DokChampa"/>
-        <a:font script="Sinh" typeface="Iskoola Pota"/>
-        <a:font script="Mong" typeface="Mongolian Baiti"/>
-        <a:font script="Viet" typeface="Times New Roman"/>
-        <a:font script="Uigh" typeface="Microsoft Uighur"/>
-        <a:font script="Geor" typeface="Sylfaen"/>
-      </a:majorFont>
-      <a:minorFont>
-        <a:latin typeface="Arial"/>
-        <a:ea typeface=""/>
-        <a:cs typeface=""/>
-        <a:font script="Jpan" typeface="ＭＳ Ｐゴシック"/>
-        <a:font script="Hang" typeface="맑은 고딕"/>
-        <a:font script="Hans" typeface="宋体"/>
-        <a:font script="Hant" typeface="新細明體"/>
-        <a:font script="Arab" typeface="Arial"/>
-        <a:font script="Hebr" typeface="Arial"/>
-        <a:font script="Thai" typeface="Cordia New"/>
-        <a:font script="Ethi" typeface="Nyala"/>
-        <a:font script="Beng" typeface="Vrinda"/>
-        <a:font script="Gujr" typeface="Shruti"/>
-        <a:font script="Khmr" typeface="DaunPenh"/>
-        <a:font script="Knda" typeface="Tunga"/>
-        <a:font script="Guru" typeface="Raavi"/>
-        <a:font script="Cans" typeface="Euphemia"/>
-        <a:font script="Cher" typeface="Plantagenet Cherokee"/>
-        <a:font script="Yiii" typeface="Microsoft Yi Baiti"/>
-        <a:font script="Tibt" typeface="Microsoft Himalaya"/>
-        <a:font script="Thaa" typeface="MV Boli"/>
-        <a:font script="Deva" typeface="Mangal"/>
-        <a:font script="Telu" typeface="Gautami"/>
-        <a:font script="Taml" typeface="Latha"/>
-        <a:font script="Syrc" typeface="Estrangelo Edessa"/>
-        <a:font script="Orya" typeface="Kalinga"/>
-        <a:font script="Mlym" typeface="Kartika"/>
-        <a:font script="Laoo" typeface="DokChampa"/>
-        <a:font script="Sinh" typeface="Iskoola Pota"/>
-        <a:font script="Mong" typeface="Mongolian Baiti"/>
-        <a:font script="Viet" typeface="Arial"/>
-        <a:font script="Uigh" typeface="Microsoft Uighur"/>
-        <a:font script="Geor" typeface="Sylfaen"/>
-      </a:minorFont>
-    </a:fontScheme>
-    <a:fmtScheme name="Office">
-      <a:fillStyleLst>
-        <a:solidFill>
-          <a:schemeClr val="phClr"/>
-        </a:solidFill>
-        <a:gradFill rotWithShape="1">
-          <a:gsLst>
-            <a:gs pos="0">
-              <a:schemeClr val="phClr">
-                <a:tint val="50000"/>
-                <a:satMod val="300000"/>
-              </a:schemeClr>
-            </a:gs>
-            <a:gs pos="35000">
-              <a:schemeClr val="phClr">
-                <a:tint val="37000"/>
-                <a:satMod val="300000"/>
-              </a:schemeClr>
-            </a:gs>
-            <a:gs pos="100000">
-              <a:schemeClr val="phClr">
-                <a:tint val="15000"/>
-                <a:satMod val="350000"/>
-              </a:schemeClr>
-            </a:gs>
-          </a:gsLst>
-          <a:lin ang="16200000" scaled="1"/>
-        </a:gradFill>
-        <a:gradFill rotWithShape="1">
-          <a:gsLst>
-            <a:gs pos="0">
-              <a:schemeClr val="phClr">
-                <a:tint val="100000"/>
-                <a:shade val="100000"/>
-                <a:satMod val="130000"/>
-              </a:schemeClr>
-            </a:gs>
-            <a:gs pos="100000">
-              <a:schemeClr val="phClr">
-                <a:tint val="50000"/>
-                <a:shade val="100000"/>
-                <a:satMod val="350000"/>
-              </a:schemeClr>
-            </a:gs>
-          </a:gsLst>
-          <a:lin ang="16200000" scaled="0"/>
-        </a:gradFill>
-      </a:fillStyleLst>
-      <a:lnStyleLst>
-        <a:ln w="9525" cap="flat" cmpd="sng" algn="ctr">
-          <a:solidFill>
-            <a:schemeClr val="phClr">
-              <a:shade val="95000"/>
-              <a:satMod val="105000"/>
-            </a:schemeClr>
-          </a:solidFill>
-          <a:prstDash val="solid"/>
-        </a:ln>
-        <a:ln w="25400" cap="flat" cmpd="sng" algn="ctr">
-          <a:solidFill>
-            <a:schemeClr val="phClr"/>
-          </a:solidFill>
-          <a:prstDash val="solid"/>
-        </a:ln>
-        <a:ln w="38100" cap="flat" cmpd="sng" algn="ctr">
-          <a:solidFill>
-            <a:schemeClr val="phClr"/>
-          </a:solidFill>
-          <a:prstDash val="solid"/>
-        </a:ln>
-      </a:lnStyleLst>
-      <a:effectStyleLst>
-        <a:effectStyle>
-          <a:effectLst>
-            <a:outerShdw blurRad="40000" dist="20000" dir="5400000" rotWithShape="0">
-              <a:srgbClr val="000000">
-                <a:alpha val="38000"/>
-              </a:srgbClr>
-            </a:outerShdw>
-          </a:effectLst>
-        </a:effectStyle>
-        <a:effectStyle>
-          <a:effectLst>
-            <a:outerShdw blurRad="40000" dist="23000" dir="5400000" rotWithShape="0">
-              <a:srgbClr val="000000">
-                <a:alpha val="35000"/>
-              </a:srgbClr>
-            </a:outerShdw>
-          </a:effectLst>
-        </a:effectStyle>
-        <a:effectStyle>
-          <a:effectLst>
-            <a:outerShdw blurRad="40000" dist="23000" dir="5400000" rotWithShape="0">
-              <a:srgbClr val="000000">
-                <a:alpha val="35000"/>
-              </a:srgbClr>
-            </a:outerShdw>
-          </a:effectLst>
-          <a:scene3d>
-            <a:camera prst="orthographicFront">
-              <a:rot lat="0" lon="0" rev="0"/>
-            </a:camera>
-            <a:lightRig rig="threePt" dir="t">
-              <a:rot lat="0" lon="0" rev="1200000"/>
-            </a:lightRig>
-          </a:scene3d>
-          <a:sp3d>
-            <a:bevelT w="63500" h="25400"/>
-          </a:sp3d>
-        </a:effectStyle>
-      </a:effectStyleLst>
-      <a:bgFillStyleLst>
-        <a:solidFill>
-          <a:schemeClr val="phClr"/>
-        </a:solidFill>
-        <a:gradFill rotWithShape="1">
-          <a:gsLst>
-            <a:gs pos="0">
-              <a:schemeClr val="phClr">
-                <a:tint val="40000"/>
-                <a:satMod val="350000"/>
-              </a:schemeClr>
-            </a:gs>
-            <a:gs pos="40000">
-              <a:schemeClr val="phClr">
-                <a:tint val="45000"/>
-                <a:shade val="99000"/>
-                <a:satMod val="350000"/>
-              </a:schemeClr>
-            </a:gs>
-            <a:gs pos="100000">
-              <a:schemeClr val="phClr">
-                <a:shade val="20000"/>
-                <a:satMod val="255000"/>
-              </a:schemeClr>
-            </a:gs>
-          </a:gsLst>
-          <a:path path="circle">
-            <a:fillToRect l="50000" t="-80000" r="50000" b="180000"/>
-          </a:path>
-        </a:gradFill>
-        <a:gradFill rotWithShape="1">
-          <a:gsLst>
-            <a:gs pos="0">
-              <a:schemeClr val="phClr">
-                <a:tint val="80000"/>
-                <a:satMod val="300000"/>
-              </a:schemeClr>
-            </a:gs>
-            <a:gs pos="100000">
-              <a:schemeClr val="phClr">
-                <a:shade val="30000"/>
-                <a:satMod val="200000"/>
-              </a:schemeClr>
-            </a:gs>
-          </a:gsLst>
-          <a:path path="circle">
-            <a:fillToRect l="50000" t="50000" r="50000" b="50000"/>
-          </a:path>
-        </a:gradFill>
-      </a:bgFillStyleLst>
-    </a:fmtScheme>
-  </a:themeElements>
+  <a:objectDefaults/>
+  <a:extraClrSchemeLst/>
 </a:theme>
 </file>